--- a/E-Genetics/presentations/new presentation.pptx
+++ b/E-Genetics/presentations/new presentation.pptx
@@ -24,38 +24,31 @@
     <p:sldId id="306" r:id="rId15"/>
     <p:sldId id="260" r:id="rId16"/>
     <p:sldId id="308" r:id="rId17"/>
-    <p:sldId id="307" r:id="rId18"/>
+    <p:sldId id="309" r:id="rId18"/>
   </p:sldIdLst>
   <p:sldSz cx="9144000" cy="5143500" type="screen16x9"/>
   <p:notesSz cx="6858000" cy="9144000"/>
   <p:embeddedFontLst>
     <p:embeddedFont>
-      <p:font typeface="Rajdhani" panose="020B0604020202020204" charset="0"/>
+      <p:font typeface="Anton" panose="020B0604020202020204" charset="0"/>
       <p:regular r:id="rId20"/>
-      <p:bold r:id="rId21"/>
     </p:embeddedFont>
     <p:embeddedFont>
-      <p:font typeface="Anton" panose="020B0604020202020204" charset="0"/>
-      <p:regular r:id="rId22"/>
+      <p:font typeface="Advent Pro Light" panose="020B0604020202020204" charset="0"/>
+      <p:regular r:id="rId21"/>
+      <p:bold r:id="rId22"/>
+    </p:embeddedFont>
+    <p:embeddedFont>
+      <p:font typeface="Rajdhani" panose="020B0604020202020204" charset="0"/>
+      <p:regular r:id="rId23"/>
+      <p:bold r:id="rId24"/>
     </p:embeddedFont>
     <p:embeddedFont>
       <p:font typeface="Fira Sans Condensed Light" panose="020B0604020202020204" charset="0"/>
-      <p:regular r:id="rId23"/>
-      <p:bold r:id="rId24"/>
-      <p:italic r:id="rId25"/>
-      <p:boldItalic r:id="rId26"/>
-    </p:embeddedFont>
-    <p:embeddedFont>
-      <p:font typeface="Fira Sans Condensed" panose="020B0604020202020204" charset="0"/>
-      <p:regular r:id="rId27"/>
-      <p:bold r:id="rId28"/>
-      <p:italic r:id="rId29"/>
-      <p:boldItalic r:id="rId30"/>
-    </p:embeddedFont>
-    <p:embeddedFont>
-      <p:font typeface="Advent Pro Light" panose="020B0604020202020204" charset="0"/>
-      <p:regular r:id="rId31"/>
-      <p:bold r:id="rId32"/>
+      <p:regular r:id="rId25"/>
+      <p:bold r:id="rId26"/>
+      <p:italic r:id="rId27"/>
+      <p:boldItalic r:id="rId28"/>
     </p:embeddedFont>
   </p:embeddedFontLst>
   <p:defaultTextStyle>
@@ -287,6 +280,11 @@
       </a:defRPr>
     </a:lvl9pPr>
   </p:defaultTextStyle>
+  <p:extLst>
+    <p:ext uri="{EFAFB233-063F-42B5-8137-9DF3F51BA10A}">
+      <p15:sldGuideLst xmlns:p15="http://schemas.microsoft.com/office/powerpoint/2012/main"/>
+    </p:ext>
+  </p:extLst>
 </p:presentation>
 </file>
 
@@ -1251,115 +1249,6 @@
 </p:notes>
 </file>
 
-<file path=ppt/notesSlides/notesSlide6.xml><?xml version="1.0" encoding="utf-8"?>
-<p:notes xmlns:a="http://schemas.openxmlformats.org/drawingml/2006/main" xmlns:r="http://schemas.openxmlformats.org/officeDocument/2006/relationships" xmlns:p="http://schemas.openxmlformats.org/presentationml/2006/main" showMasterSp="0" showMasterPhAnim="0">
-  <p:cSld>
-    <p:spTree>
-      <p:nvGrpSpPr>
-        <p:cNvPr id="1" name="Shape 1764"/>
-        <p:cNvGrpSpPr/>
-        <p:nvPr/>
-      </p:nvGrpSpPr>
-      <p:grpSpPr>
-        <a:xfrm>
-          <a:off x="0" y="0"/>
-          <a:ext cx="0" cy="0"/>
-          <a:chOff x="0" y="0"/>
-          <a:chExt cx="0" cy="0"/>
-        </a:xfrm>
-      </p:grpSpPr>
-      <p:sp>
-        <p:nvSpPr>
-          <p:cNvPr id="1765" name="Google Shape;1765;g65abef0139_0_1355:notes"/>
-          <p:cNvSpPr>
-            <a:spLocks noGrp="1" noRot="1" noChangeAspect="1"/>
-          </p:cNvSpPr>
-          <p:nvPr>
-            <p:ph type="sldImg" idx="2"/>
-          </p:nvPr>
-        </p:nvSpPr>
-        <p:spPr>
-          <a:xfrm>
-            <a:off x="381000" y="685800"/>
-            <a:ext cx="6096000" cy="3429000"/>
-          </a:xfrm>
-          <a:custGeom>
-            <a:avLst/>
-            <a:gdLst/>
-            <a:ahLst/>
-            <a:cxnLst/>
-            <a:rect l="l" t="t" r="r" b="b"/>
-            <a:pathLst>
-              <a:path w="120000" h="120000" extrusionOk="0">
-                <a:moveTo>
-                  <a:pt x="0" y="0"/>
-                </a:moveTo>
-                <a:lnTo>
-                  <a:pt x="120000" y="0"/>
-                </a:lnTo>
-                <a:lnTo>
-                  <a:pt x="120000" y="120000"/>
-                </a:lnTo>
-                <a:lnTo>
-                  <a:pt x="0" y="120000"/>
-                </a:lnTo>
-                <a:close/>
-              </a:path>
-            </a:pathLst>
-          </a:custGeom>
-        </p:spPr>
-      </p:sp>
-      <p:sp>
-        <p:nvSpPr>
-          <p:cNvPr id="1766" name="Google Shape;1766;g65abef0139_0_1355:notes"/>
-          <p:cNvSpPr txBox="1">
-            <a:spLocks noGrp="1"/>
-          </p:cNvSpPr>
-          <p:nvPr>
-            <p:ph type="body" idx="1"/>
-          </p:nvPr>
-        </p:nvSpPr>
-        <p:spPr>
-          <a:xfrm>
-            <a:off x="685800" y="4343400"/>
-            <a:ext cx="5486400" cy="4114800"/>
-          </a:xfrm>
-          <a:prstGeom prst="rect">
-            <a:avLst/>
-          </a:prstGeom>
-        </p:spPr>
-        <p:txBody>
-          <a:bodyPr spcFirstLastPara="1" wrap="square" lIns="91425" tIns="91425" rIns="91425" bIns="91425" anchor="t" anchorCtr="0">
-            <a:noAutofit/>
-          </a:bodyPr>
-          <a:lstStyle/>
-          <a:p>
-            <a:pPr marL="0" lvl="0" indent="0" algn="l" rtl="0">
-              <a:spcBef>
-                <a:spcPts val="0"/>
-              </a:spcBef>
-              <a:spcAft>
-                <a:spcPts val="0"/>
-              </a:spcAft>
-              <a:buNone/>
-            </a:pPr>
-            <a:endParaRPr/>
-          </a:p>
-        </p:txBody>
-      </p:sp>
-    </p:spTree>
-    <p:extLst>
-      <p:ext uri="{BB962C8B-B14F-4D97-AF65-F5344CB8AC3E}">
-        <p14:creationId xmlns:p14="http://schemas.microsoft.com/office/powerpoint/2010/main" val="4028472316"/>
-      </p:ext>
-    </p:extLst>
-  </p:cSld>
-  <p:clrMapOvr>
-    <a:masterClrMapping/>
-  </p:clrMapOvr>
-</p:notes>
-</file>
-
 <file path=ppt/slideLayouts/slideLayout1.xml><?xml version="1.0" encoding="utf-8"?>
 <p:sldLayout xmlns:a="http://schemas.openxmlformats.org/drawingml/2006/main" xmlns:r="http://schemas.openxmlformats.org/officeDocument/2006/relationships" xmlns:p="http://schemas.openxmlformats.org/presentationml/2006/main" matchingName="Title slide" type="title">
   <p:cSld name="TITLE">
@@ -4253,517 +4142,6 @@
 </p:sldLayout>
 </file>
 
-<file path=ppt/slideLayouts/slideLayout9.xml><?xml version="1.0" encoding="utf-8"?>
-<p:sldLayout xmlns:a="http://schemas.openxmlformats.org/drawingml/2006/main" xmlns:r="http://schemas.openxmlformats.org/officeDocument/2006/relationships" xmlns:p="http://schemas.openxmlformats.org/presentationml/2006/main" matchingName="Thanks">
-  <p:cSld name="Thanks">
-    <p:bg>
-      <p:bgPr>
-        <a:blipFill>
-          <a:blip r:embed="rId2">
-            <a:alphaModFix/>
-          </a:blip>
-          <a:stretch>
-            <a:fillRect/>
-          </a:stretch>
-        </a:blipFill>
-        <a:effectLst/>
-      </p:bgPr>
-    </p:bg>
-    <p:spTree>
-      <p:nvGrpSpPr>
-        <p:cNvPr id="1" name="Shape 88"/>
-        <p:cNvGrpSpPr/>
-        <p:nvPr/>
-      </p:nvGrpSpPr>
-      <p:grpSpPr>
-        <a:xfrm>
-          <a:off x="0" y="0"/>
-          <a:ext cx="0" cy="0"/>
-          <a:chOff x="0" y="0"/>
-          <a:chExt cx="0" cy="0"/>
-        </a:xfrm>
-      </p:grpSpPr>
-      <p:sp>
-        <p:nvSpPr>
-          <p:cNvPr id="89" name="Google Shape;89;p19"/>
-          <p:cNvSpPr txBox="1">
-            <a:spLocks noGrp="1"/>
-          </p:cNvSpPr>
-          <p:nvPr>
-            <p:ph type="ctrTitle"/>
-          </p:nvPr>
-        </p:nvSpPr>
-        <p:spPr>
-          <a:xfrm>
-            <a:off x="2562175" y="725400"/>
-            <a:ext cx="4020000" cy="1462800"/>
-          </a:xfrm>
-          <a:prstGeom prst="rect">
-            <a:avLst/>
-          </a:prstGeom>
-        </p:spPr>
-        <p:txBody>
-          <a:bodyPr spcFirstLastPara="1" wrap="square" lIns="91425" tIns="91425" rIns="91425" bIns="91425" anchor="b" anchorCtr="0">
-            <a:noAutofit/>
-          </a:bodyPr>
-          <a:lstStyle>
-            <a:lvl1pPr lvl="0" algn="ctr" rtl="0">
-              <a:spcBef>
-                <a:spcPts val="0"/>
-              </a:spcBef>
-              <a:spcAft>
-                <a:spcPts val="0"/>
-              </a:spcAft>
-              <a:buClr>
-                <a:srgbClr val="F3F3F3"/>
-              </a:buClr>
-              <a:buSzPts val="5200"/>
-              <a:buNone/>
-              <a:defRPr sz="7200"/>
-            </a:lvl1pPr>
-            <a:lvl2pPr lvl="1" algn="ctr" rtl="0">
-              <a:spcBef>
-                <a:spcPts val="0"/>
-              </a:spcBef>
-              <a:spcAft>
-                <a:spcPts val="0"/>
-              </a:spcAft>
-              <a:buSzPts val="5200"/>
-              <a:buNone/>
-              <a:defRPr sz="5200"/>
-            </a:lvl2pPr>
-            <a:lvl3pPr lvl="2" algn="ctr" rtl="0">
-              <a:spcBef>
-                <a:spcPts val="0"/>
-              </a:spcBef>
-              <a:spcAft>
-                <a:spcPts val="0"/>
-              </a:spcAft>
-              <a:buSzPts val="5200"/>
-              <a:buNone/>
-              <a:defRPr sz="5200"/>
-            </a:lvl3pPr>
-            <a:lvl4pPr lvl="3" algn="ctr" rtl="0">
-              <a:spcBef>
-                <a:spcPts val="0"/>
-              </a:spcBef>
-              <a:spcAft>
-                <a:spcPts val="0"/>
-              </a:spcAft>
-              <a:buSzPts val="5200"/>
-              <a:buNone/>
-              <a:defRPr sz="5200"/>
-            </a:lvl4pPr>
-            <a:lvl5pPr lvl="4" algn="ctr" rtl="0">
-              <a:spcBef>
-                <a:spcPts val="0"/>
-              </a:spcBef>
-              <a:spcAft>
-                <a:spcPts val="0"/>
-              </a:spcAft>
-              <a:buSzPts val="5200"/>
-              <a:buNone/>
-              <a:defRPr sz="5200"/>
-            </a:lvl5pPr>
-            <a:lvl6pPr lvl="5" algn="ctr" rtl="0">
-              <a:spcBef>
-                <a:spcPts val="0"/>
-              </a:spcBef>
-              <a:spcAft>
-                <a:spcPts val="0"/>
-              </a:spcAft>
-              <a:buSzPts val="5200"/>
-              <a:buNone/>
-              <a:defRPr sz="5200"/>
-            </a:lvl6pPr>
-            <a:lvl7pPr lvl="6" algn="ctr" rtl="0">
-              <a:spcBef>
-                <a:spcPts val="0"/>
-              </a:spcBef>
-              <a:spcAft>
-                <a:spcPts val="0"/>
-              </a:spcAft>
-              <a:buSzPts val="5200"/>
-              <a:buNone/>
-              <a:defRPr sz="5200"/>
-            </a:lvl7pPr>
-            <a:lvl8pPr lvl="7" algn="ctr" rtl="0">
-              <a:spcBef>
-                <a:spcPts val="0"/>
-              </a:spcBef>
-              <a:spcAft>
-                <a:spcPts val="0"/>
-              </a:spcAft>
-              <a:buSzPts val="5200"/>
-              <a:buNone/>
-              <a:defRPr sz="5200"/>
-            </a:lvl8pPr>
-            <a:lvl9pPr lvl="8" algn="ctr" rtl="0">
-              <a:spcBef>
-                <a:spcPts val="0"/>
-              </a:spcBef>
-              <a:spcAft>
-                <a:spcPts val="0"/>
-              </a:spcAft>
-              <a:buSzPts val="5200"/>
-              <a:buNone/>
-              <a:defRPr sz="5200"/>
-            </a:lvl9pPr>
-          </a:lstStyle>
-          <a:p>
-            <a:endParaRPr/>
-          </a:p>
-        </p:txBody>
-      </p:sp>
-      <p:sp>
-        <p:nvSpPr>
-          <p:cNvPr id="90" name="Google Shape;90;p19"/>
-          <p:cNvSpPr txBox="1">
-            <a:spLocks noGrp="1"/>
-          </p:cNvSpPr>
-          <p:nvPr>
-            <p:ph type="subTitle" idx="1"/>
-          </p:nvPr>
-        </p:nvSpPr>
-        <p:spPr>
-          <a:xfrm>
-            <a:off x="2561975" y="2225200"/>
-            <a:ext cx="4020000" cy="792600"/>
-          </a:xfrm>
-          <a:prstGeom prst="rect">
-            <a:avLst/>
-          </a:prstGeom>
-        </p:spPr>
-        <p:txBody>
-          <a:bodyPr spcFirstLastPara="1" wrap="square" lIns="91425" tIns="91425" rIns="91425" bIns="91425" anchor="t" anchorCtr="0">
-            <a:noAutofit/>
-          </a:bodyPr>
-          <a:lstStyle>
-            <a:lvl1pPr lvl="0" algn="ctr" rtl="0">
-              <a:lnSpc>
-                <a:spcPct val="100000"/>
-              </a:lnSpc>
-              <a:spcBef>
-                <a:spcPts val="0"/>
-              </a:spcBef>
-              <a:spcAft>
-                <a:spcPts val="0"/>
-              </a:spcAft>
-              <a:buSzPts val="2800"/>
-              <a:buNone/>
-              <a:defRPr sz="1400"/>
-            </a:lvl1pPr>
-            <a:lvl2pPr lvl="1" algn="ctr" rtl="0">
-              <a:lnSpc>
-                <a:spcPct val="100000"/>
-              </a:lnSpc>
-              <a:spcBef>
-                <a:spcPts val="0"/>
-              </a:spcBef>
-              <a:spcAft>
-                <a:spcPts val="0"/>
-              </a:spcAft>
-              <a:buSzPts val="2800"/>
-              <a:buNone/>
-              <a:defRPr sz="2800"/>
-            </a:lvl2pPr>
-            <a:lvl3pPr lvl="2" algn="ctr" rtl="0">
-              <a:lnSpc>
-                <a:spcPct val="100000"/>
-              </a:lnSpc>
-              <a:spcBef>
-                <a:spcPts val="0"/>
-              </a:spcBef>
-              <a:spcAft>
-                <a:spcPts val="0"/>
-              </a:spcAft>
-              <a:buSzPts val="2800"/>
-              <a:buNone/>
-              <a:defRPr sz="2800"/>
-            </a:lvl3pPr>
-            <a:lvl4pPr lvl="3" algn="ctr" rtl="0">
-              <a:lnSpc>
-                <a:spcPct val="100000"/>
-              </a:lnSpc>
-              <a:spcBef>
-                <a:spcPts val="0"/>
-              </a:spcBef>
-              <a:spcAft>
-                <a:spcPts val="0"/>
-              </a:spcAft>
-              <a:buSzPts val="2800"/>
-              <a:buNone/>
-              <a:defRPr sz="2800"/>
-            </a:lvl4pPr>
-            <a:lvl5pPr lvl="4" algn="ctr" rtl="0">
-              <a:lnSpc>
-                <a:spcPct val="100000"/>
-              </a:lnSpc>
-              <a:spcBef>
-                <a:spcPts val="0"/>
-              </a:spcBef>
-              <a:spcAft>
-                <a:spcPts val="0"/>
-              </a:spcAft>
-              <a:buSzPts val="2800"/>
-              <a:buNone/>
-              <a:defRPr sz="2800"/>
-            </a:lvl5pPr>
-            <a:lvl6pPr lvl="5" algn="ctr" rtl="0">
-              <a:lnSpc>
-                <a:spcPct val="100000"/>
-              </a:lnSpc>
-              <a:spcBef>
-                <a:spcPts val="0"/>
-              </a:spcBef>
-              <a:spcAft>
-                <a:spcPts val="0"/>
-              </a:spcAft>
-              <a:buSzPts val="2800"/>
-              <a:buNone/>
-              <a:defRPr sz="2800"/>
-            </a:lvl6pPr>
-            <a:lvl7pPr lvl="6" algn="ctr" rtl="0">
-              <a:lnSpc>
-                <a:spcPct val="100000"/>
-              </a:lnSpc>
-              <a:spcBef>
-                <a:spcPts val="0"/>
-              </a:spcBef>
-              <a:spcAft>
-                <a:spcPts val="0"/>
-              </a:spcAft>
-              <a:buSzPts val="2800"/>
-              <a:buNone/>
-              <a:defRPr sz="2800"/>
-            </a:lvl7pPr>
-            <a:lvl8pPr lvl="7" algn="ctr" rtl="0">
-              <a:lnSpc>
-                <a:spcPct val="100000"/>
-              </a:lnSpc>
-              <a:spcBef>
-                <a:spcPts val="0"/>
-              </a:spcBef>
-              <a:spcAft>
-                <a:spcPts val="0"/>
-              </a:spcAft>
-              <a:buSzPts val="2800"/>
-              <a:buNone/>
-              <a:defRPr sz="2800"/>
-            </a:lvl8pPr>
-            <a:lvl9pPr lvl="8" algn="ctr" rtl="0">
-              <a:lnSpc>
-                <a:spcPct val="100000"/>
-              </a:lnSpc>
-              <a:spcBef>
-                <a:spcPts val="0"/>
-              </a:spcBef>
-              <a:spcAft>
-                <a:spcPts val="0"/>
-              </a:spcAft>
-              <a:buSzPts val="2800"/>
-              <a:buNone/>
-              <a:defRPr sz="2800"/>
-            </a:lvl9pPr>
-          </a:lstStyle>
-          <a:p>
-            <a:endParaRPr/>
-          </a:p>
-        </p:txBody>
-      </p:sp>
-      <p:sp>
-        <p:nvSpPr>
-          <p:cNvPr id="91" name="Google Shape;91;p19"/>
-          <p:cNvSpPr txBox="1"/>
-          <p:nvPr/>
-        </p:nvSpPr>
-        <p:spPr>
-          <a:xfrm>
-            <a:off x="2813425" y="3796475"/>
-            <a:ext cx="3517500" cy="569400"/>
-          </a:xfrm>
-          <a:prstGeom prst="rect">
-            <a:avLst/>
-          </a:prstGeom>
-          <a:noFill/>
-          <a:ln>
-            <a:noFill/>
-          </a:ln>
-        </p:spPr>
-        <p:txBody>
-          <a:bodyPr spcFirstLastPara="1" wrap="square" lIns="91425" tIns="91425" rIns="91425" bIns="91425" anchor="t" anchorCtr="0">
-            <a:noAutofit/>
-          </a:bodyPr>
-          <a:lstStyle/>
-          <a:p>
-            <a:pPr marL="0" lvl="0" indent="0" algn="ctr" rtl="0">
-              <a:spcBef>
-                <a:spcPts val="300"/>
-              </a:spcBef>
-              <a:spcAft>
-                <a:spcPts val="0"/>
-              </a:spcAft>
-              <a:buNone/>
-            </a:pPr>
-            <a:r>
-              <a:rPr lang="en" sz="900">
-                <a:solidFill>
-                  <a:schemeClr val="lt2"/>
-                </a:solidFill>
-                <a:latin typeface="Fira Sans Condensed Light"/>
-                <a:ea typeface="Fira Sans Condensed Light"/>
-                <a:cs typeface="Fira Sans Condensed Light"/>
-                <a:sym typeface="Fira Sans Condensed Light"/>
-              </a:rPr>
-              <a:t>CREDITS: This presentation template was created by </a:t>
-            </a:r>
-            <a:r>
-              <a:rPr lang="en" sz="900" b="1">
-                <a:solidFill>
-                  <a:schemeClr val="lt2"/>
-                </a:solidFill>
-                <a:uFill>
-                  <a:noFill/>
-                </a:uFill>
-                <a:latin typeface="Fira Sans Condensed"/>
-                <a:ea typeface="Fira Sans Condensed"/>
-                <a:cs typeface="Fira Sans Condensed"/>
-                <a:sym typeface="Fira Sans Condensed"/>
-                <a:hlinkClick r:id="rId3">
-                  <a:extLst>
-                    <a:ext uri="{A12FA001-AC4F-418D-AE19-62706E023703}">
-                      <ahyp:hlinkClr xmlns:ahyp="http://schemas.microsoft.com/office/drawing/2018/hyperlinkcolor" xmlns:p15="http://schemas.microsoft.com/office/powerpoint/2012/main" xmlns:p14="http://schemas.microsoft.com/office/powerpoint/2010/main" xmlns:com="http://schemas.openxmlformats.org/drawingml/2006/compatibility" xmlns:pvml="urn:schemas-microsoft-com:office:powerpoint" xmlns:v="urn:schemas-microsoft-com:vml" xmlns:o="urn:schemas-microsoft-com:office:office" xmlns:dgm="http://schemas.openxmlformats.org/drawingml/2006/diagram" xmlns:c="http://schemas.openxmlformats.org/drawingml/2006/chart" xmlns:mv="urn:schemas-microsoft-com:mac:vml" xmlns:mc="http://schemas.openxmlformats.org/markup-compatibility/2006" xmlns="" val="tx"/>
-                    </a:ext>
-                  </a:extLst>
-                </a:hlinkClick>
-              </a:rPr>
-              <a:t>Slidesgo</a:t>
-            </a:r>
-            <a:r>
-              <a:rPr lang="en" sz="900">
-                <a:solidFill>
-                  <a:schemeClr val="lt2"/>
-                </a:solidFill>
-                <a:latin typeface="Fira Sans Condensed Light"/>
-                <a:ea typeface="Fira Sans Condensed Light"/>
-                <a:cs typeface="Fira Sans Condensed Light"/>
-                <a:sym typeface="Fira Sans Condensed Light"/>
-              </a:rPr>
-              <a:t>, including icons by </a:t>
-            </a:r>
-            <a:r>
-              <a:rPr lang="en" sz="900" b="1">
-                <a:solidFill>
-                  <a:schemeClr val="lt2"/>
-                </a:solidFill>
-                <a:uFill>
-                  <a:noFill/>
-                </a:uFill>
-                <a:latin typeface="Fira Sans Condensed"/>
-                <a:ea typeface="Fira Sans Condensed"/>
-                <a:cs typeface="Fira Sans Condensed"/>
-                <a:sym typeface="Fira Sans Condensed"/>
-                <a:hlinkClick r:id="rId4">
-                  <a:extLst>
-                    <a:ext uri="{A12FA001-AC4F-418D-AE19-62706E023703}">
-                      <ahyp:hlinkClr xmlns:ahyp="http://schemas.microsoft.com/office/drawing/2018/hyperlinkcolor" xmlns:p15="http://schemas.microsoft.com/office/powerpoint/2012/main" xmlns:p14="http://schemas.microsoft.com/office/powerpoint/2010/main" xmlns:com="http://schemas.openxmlformats.org/drawingml/2006/compatibility" xmlns:pvml="urn:schemas-microsoft-com:office:powerpoint" xmlns:v="urn:schemas-microsoft-com:vml" xmlns:o="urn:schemas-microsoft-com:office:office" xmlns:dgm="http://schemas.openxmlformats.org/drawingml/2006/diagram" xmlns:c="http://schemas.openxmlformats.org/drawingml/2006/chart" xmlns:mv="urn:schemas-microsoft-com:mac:vml" xmlns:mc="http://schemas.openxmlformats.org/markup-compatibility/2006" xmlns="" val="tx"/>
-                    </a:ext>
-                  </a:extLst>
-                </a:hlinkClick>
-              </a:rPr>
-              <a:t>Flaticon</a:t>
-            </a:r>
-            <a:r>
-              <a:rPr lang="en" sz="900">
-                <a:solidFill>
-                  <a:schemeClr val="lt2"/>
-                </a:solidFill>
-                <a:latin typeface="Fira Sans Condensed Light"/>
-                <a:ea typeface="Fira Sans Condensed Light"/>
-                <a:cs typeface="Fira Sans Condensed Light"/>
-                <a:sym typeface="Fira Sans Condensed Light"/>
-              </a:rPr>
-              <a:t>, and infographics &amp; images by </a:t>
-            </a:r>
-            <a:r>
-              <a:rPr lang="en" sz="900" b="1">
-                <a:solidFill>
-                  <a:schemeClr val="lt2"/>
-                </a:solidFill>
-                <a:uFill>
-                  <a:noFill/>
-                </a:uFill>
-                <a:latin typeface="Fira Sans Condensed"/>
-                <a:ea typeface="Fira Sans Condensed"/>
-                <a:cs typeface="Fira Sans Condensed"/>
-                <a:sym typeface="Fira Sans Condensed"/>
-                <a:hlinkClick r:id="rId5">
-                  <a:extLst>
-                    <a:ext uri="{A12FA001-AC4F-418D-AE19-62706E023703}">
-                      <ahyp:hlinkClr xmlns:ahyp="http://schemas.microsoft.com/office/drawing/2018/hyperlinkcolor" xmlns:p15="http://schemas.microsoft.com/office/powerpoint/2012/main" xmlns:p14="http://schemas.microsoft.com/office/powerpoint/2010/main" xmlns:com="http://schemas.openxmlformats.org/drawingml/2006/compatibility" xmlns:pvml="urn:schemas-microsoft-com:office:powerpoint" xmlns:v="urn:schemas-microsoft-com:vml" xmlns:o="urn:schemas-microsoft-com:office:office" xmlns:dgm="http://schemas.openxmlformats.org/drawingml/2006/diagram" xmlns:c="http://schemas.openxmlformats.org/drawingml/2006/chart" xmlns:mv="urn:schemas-microsoft-com:mac:vml" xmlns:mc="http://schemas.openxmlformats.org/markup-compatibility/2006" xmlns="" val="tx"/>
-                    </a:ext>
-                  </a:extLst>
-                </a:hlinkClick>
-              </a:rPr>
-              <a:t>Freepik</a:t>
-            </a:r>
-            <a:r>
-              <a:rPr lang="en" sz="900">
-                <a:solidFill>
-                  <a:schemeClr val="lt2"/>
-                </a:solidFill>
-                <a:latin typeface="Fira Sans Condensed Light"/>
-                <a:ea typeface="Fira Sans Condensed Light"/>
-                <a:cs typeface="Fira Sans Condensed Light"/>
-                <a:sym typeface="Fira Sans Condensed Light"/>
-              </a:rPr>
-              <a:t>. </a:t>
-            </a:r>
-            <a:endParaRPr sz="900">
-              <a:solidFill>
-                <a:schemeClr val="lt2"/>
-              </a:solidFill>
-              <a:latin typeface="Fira Sans Condensed Light"/>
-              <a:ea typeface="Fira Sans Condensed Light"/>
-              <a:cs typeface="Fira Sans Condensed Light"/>
-              <a:sym typeface="Fira Sans Condensed Light"/>
-            </a:endParaRPr>
-          </a:p>
-          <a:p>
-            <a:pPr marL="0" lvl="0" indent="0" algn="ctr" rtl="0">
-              <a:spcBef>
-                <a:spcPts val="300"/>
-              </a:spcBef>
-              <a:spcAft>
-                <a:spcPts val="0"/>
-              </a:spcAft>
-              <a:buNone/>
-            </a:pPr>
-            <a:endParaRPr sz="900">
-              <a:solidFill>
-                <a:schemeClr val="lt2"/>
-              </a:solidFill>
-              <a:latin typeface="Fira Sans Condensed Light"/>
-              <a:ea typeface="Fira Sans Condensed Light"/>
-              <a:cs typeface="Fira Sans Condensed Light"/>
-              <a:sym typeface="Fira Sans Condensed Light"/>
-            </a:endParaRPr>
-          </a:p>
-        </p:txBody>
-      </p:sp>
-    </p:spTree>
-    <p:extLst>
-      <p:ext uri="{BB962C8B-B14F-4D97-AF65-F5344CB8AC3E}">
-        <p14:creationId xmlns:p14="http://schemas.microsoft.com/office/powerpoint/2010/main" val="3431923964"/>
-      </p:ext>
-    </p:extLst>
-  </p:cSld>
-  <p:clrMapOvr>
-    <a:masterClrMapping/>
-  </p:clrMapOvr>
-</p:sldLayout>
-</file>
-
 <file path=ppt/slideMasters/slideMaster1.xml><?xml version="1.0" encoding="utf-8"?>
 <p:sldMaster xmlns:a="http://schemas.openxmlformats.org/drawingml/2006/main" xmlns:r="http://schemas.openxmlformats.org/officeDocument/2006/relationships" xmlns:p="http://schemas.openxmlformats.org/presentationml/2006/main">
   <p:cSld name="simple-light-2">
@@ -5310,7 +4688,6 @@
     <p:sldLayoutId id="2147483660" r:id="rId6"/>
     <p:sldLayoutId id="2147483666" r:id="rId7"/>
     <p:sldLayoutId id="2147483667" r:id="rId8"/>
-    <p:sldLayoutId id="2147483671" r:id="rId9"/>
   </p:sldLayoutIdLst>
   <p:hf sldNum="0" hdr="0" ftr="0" dt="0"/>
   <p:txStyles>
@@ -7573,15 +6950,6 @@
               </a:rPr>
               <a:t>Potentially add Whole exome in our system based on the information we gathered</a:t>
             </a:r>
-            <a:endParaRPr lang="en-US" dirty="0">
-              <a:solidFill>
-                <a:schemeClr val="lt2"/>
-              </a:solidFill>
-              <a:latin typeface="Fira Sans Condensed Light"/>
-              <a:ea typeface="Fira Sans Condensed Light"/>
-              <a:cs typeface="Fira Sans Condensed Light"/>
-              <a:sym typeface="Fira Sans Condensed Light"/>
-            </a:endParaRPr>
           </a:p>
         </p:txBody>
       </p:sp>
@@ -7681,15 +7049,6 @@
               </a:rPr>
               <a:t>Prove that if is at least a relevance or kinship degree </a:t>
             </a:r>
-            <a:endParaRPr lang="en-US" dirty="0">
-              <a:solidFill>
-                <a:schemeClr val="lt2"/>
-              </a:solidFill>
-              <a:latin typeface="Fira Sans Condensed Light"/>
-              <a:ea typeface="Fira Sans Condensed Light"/>
-              <a:cs typeface="Fira Sans Condensed Light"/>
-              <a:sym typeface="Fira Sans Condensed Light"/>
-            </a:endParaRPr>
           </a:p>
         </p:txBody>
       </p:sp>
@@ -8223,7 +7582,7 @@
   <p:cSld>
     <p:spTree>
       <p:nvGrpSpPr>
-        <p:cNvPr id="1" name="Shape 1767"/>
+        <p:cNvPr id="1" name=""/>
         <p:cNvGrpSpPr/>
         <p:nvPr/>
       </p:nvGrpSpPr>
@@ -8237,13 +7596,11 @@
       </p:grpSpPr>
       <p:sp>
         <p:nvSpPr>
-          <p:cNvPr id="1768" name="Google Shape;1768;p46"/>
+          <p:cNvPr id="4" name="Google Shape;1768;p46"/>
           <p:cNvSpPr txBox="1">
-            <a:spLocks noGrp="1"/>
+            <a:spLocks/>
           </p:cNvSpPr>
-          <p:nvPr>
-            <p:ph type="ctrTitle"/>
-          </p:nvPr>
+          <p:nvPr/>
         </p:nvSpPr>
         <p:spPr>
           <a:xfrm>
@@ -8253,33 +7610,275 @@
           <a:prstGeom prst="rect">
             <a:avLst/>
           </a:prstGeom>
+          <a:noFill/>
+          <a:ln>
+            <a:noFill/>
+          </a:ln>
         </p:spPr>
         <p:txBody>
           <a:bodyPr spcFirstLastPara="1" wrap="square" lIns="91425" tIns="91425" rIns="91425" bIns="91425" anchor="b" anchorCtr="0">
             <a:noAutofit/>
           </a:bodyPr>
-          <a:lstStyle/>
+          <a:lstStyle>
+            <a:defPPr marR="0" lvl="0" algn="l" rtl="0">
+              <a:lnSpc>
+                <a:spcPct val="100000"/>
+              </a:lnSpc>
+              <a:spcBef>
+                <a:spcPts val="0"/>
+              </a:spcBef>
+              <a:spcAft>
+                <a:spcPts val="0"/>
+              </a:spcAft>
+            </a:defPPr>
+            <a:lvl1pPr marR="0" lvl="0" algn="l" rtl="0">
+              <a:lnSpc>
+                <a:spcPct val="100000"/>
+              </a:lnSpc>
+              <a:spcBef>
+                <a:spcPts val="0"/>
+              </a:spcBef>
+              <a:spcAft>
+                <a:spcPts val="0"/>
+              </a:spcAft>
+              <a:buClr>
+                <a:schemeClr val="lt2"/>
+              </a:buClr>
+              <a:buSzPts val="1400"/>
+              <a:buFont typeface="Rajdhani"/>
+              <a:buNone/>
+              <a:defRPr sz="4800" b="1" i="0" u="none" strike="noStrike" cap="none">
+                <a:solidFill>
+                  <a:schemeClr val="lt2"/>
+                </a:solidFill>
+                <a:latin typeface="Rajdhani"/>
+                <a:ea typeface="Rajdhani"/>
+                <a:cs typeface="Rajdhani"/>
+                <a:sym typeface="Rajdhani"/>
+              </a:defRPr>
+            </a:lvl1pPr>
+            <a:lvl2pPr marR="0" lvl="1" algn="l" rtl="0">
+              <a:lnSpc>
+                <a:spcPct val="100000"/>
+              </a:lnSpc>
+              <a:spcBef>
+                <a:spcPts val="0"/>
+              </a:spcBef>
+              <a:spcAft>
+                <a:spcPts val="0"/>
+              </a:spcAft>
+              <a:buClr>
+                <a:schemeClr val="lt2"/>
+              </a:buClr>
+              <a:buSzPts val="1400"/>
+              <a:buFont typeface="Rajdhani"/>
+              <a:buNone/>
+              <a:defRPr sz="1400" b="1" i="0" u="none" strike="noStrike" cap="none">
+                <a:solidFill>
+                  <a:schemeClr val="lt2"/>
+                </a:solidFill>
+                <a:latin typeface="Rajdhani"/>
+                <a:ea typeface="Rajdhani"/>
+                <a:cs typeface="Rajdhani"/>
+                <a:sym typeface="Rajdhani"/>
+              </a:defRPr>
+            </a:lvl2pPr>
+            <a:lvl3pPr marR="0" lvl="2" algn="l" rtl="0">
+              <a:lnSpc>
+                <a:spcPct val="100000"/>
+              </a:lnSpc>
+              <a:spcBef>
+                <a:spcPts val="0"/>
+              </a:spcBef>
+              <a:spcAft>
+                <a:spcPts val="0"/>
+              </a:spcAft>
+              <a:buClr>
+                <a:schemeClr val="lt2"/>
+              </a:buClr>
+              <a:buSzPts val="1400"/>
+              <a:buFont typeface="Rajdhani"/>
+              <a:buNone/>
+              <a:defRPr sz="1400" b="1" i="0" u="none" strike="noStrike" cap="none">
+                <a:solidFill>
+                  <a:schemeClr val="lt2"/>
+                </a:solidFill>
+                <a:latin typeface="Rajdhani"/>
+                <a:ea typeface="Rajdhani"/>
+                <a:cs typeface="Rajdhani"/>
+                <a:sym typeface="Rajdhani"/>
+              </a:defRPr>
+            </a:lvl3pPr>
+            <a:lvl4pPr marR="0" lvl="3" algn="l" rtl="0">
+              <a:lnSpc>
+                <a:spcPct val="100000"/>
+              </a:lnSpc>
+              <a:spcBef>
+                <a:spcPts val="0"/>
+              </a:spcBef>
+              <a:spcAft>
+                <a:spcPts val="0"/>
+              </a:spcAft>
+              <a:buClr>
+                <a:schemeClr val="lt2"/>
+              </a:buClr>
+              <a:buSzPts val="1400"/>
+              <a:buFont typeface="Rajdhani"/>
+              <a:buNone/>
+              <a:defRPr sz="1400" b="1" i="0" u="none" strike="noStrike" cap="none">
+                <a:solidFill>
+                  <a:schemeClr val="lt2"/>
+                </a:solidFill>
+                <a:latin typeface="Rajdhani"/>
+                <a:ea typeface="Rajdhani"/>
+                <a:cs typeface="Rajdhani"/>
+                <a:sym typeface="Rajdhani"/>
+              </a:defRPr>
+            </a:lvl4pPr>
+            <a:lvl5pPr marR="0" lvl="4" algn="l" rtl="0">
+              <a:lnSpc>
+                <a:spcPct val="100000"/>
+              </a:lnSpc>
+              <a:spcBef>
+                <a:spcPts val="0"/>
+              </a:spcBef>
+              <a:spcAft>
+                <a:spcPts val="0"/>
+              </a:spcAft>
+              <a:buClr>
+                <a:schemeClr val="lt2"/>
+              </a:buClr>
+              <a:buSzPts val="1400"/>
+              <a:buFont typeface="Rajdhani"/>
+              <a:buNone/>
+              <a:defRPr sz="1400" b="1" i="0" u="none" strike="noStrike" cap="none">
+                <a:solidFill>
+                  <a:schemeClr val="lt2"/>
+                </a:solidFill>
+                <a:latin typeface="Rajdhani"/>
+                <a:ea typeface="Rajdhani"/>
+                <a:cs typeface="Rajdhani"/>
+                <a:sym typeface="Rajdhani"/>
+              </a:defRPr>
+            </a:lvl5pPr>
+            <a:lvl6pPr marR="0" lvl="5" algn="l" rtl="0">
+              <a:lnSpc>
+                <a:spcPct val="100000"/>
+              </a:lnSpc>
+              <a:spcBef>
+                <a:spcPts val="0"/>
+              </a:spcBef>
+              <a:spcAft>
+                <a:spcPts val="0"/>
+              </a:spcAft>
+              <a:buClr>
+                <a:schemeClr val="lt2"/>
+              </a:buClr>
+              <a:buSzPts val="1400"/>
+              <a:buFont typeface="Rajdhani"/>
+              <a:buNone/>
+              <a:defRPr sz="1400" b="1" i="0" u="none" strike="noStrike" cap="none">
+                <a:solidFill>
+                  <a:schemeClr val="lt2"/>
+                </a:solidFill>
+                <a:latin typeface="Rajdhani"/>
+                <a:ea typeface="Rajdhani"/>
+                <a:cs typeface="Rajdhani"/>
+                <a:sym typeface="Rajdhani"/>
+              </a:defRPr>
+            </a:lvl6pPr>
+            <a:lvl7pPr marR="0" lvl="6" algn="l" rtl="0">
+              <a:lnSpc>
+                <a:spcPct val="100000"/>
+              </a:lnSpc>
+              <a:spcBef>
+                <a:spcPts val="0"/>
+              </a:spcBef>
+              <a:spcAft>
+                <a:spcPts val="0"/>
+              </a:spcAft>
+              <a:buClr>
+                <a:schemeClr val="lt2"/>
+              </a:buClr>
+              <a:buSzPts val="1400"/>
+              <a:buFont typeface="Rajdhani"/>
+              <a:buNone/>
+              <a:defRPr sz="1400" b="1" i="0" u="none" strike="noStrike" cap="none">
+                <a:solidFill>
+                  <a:schemeClr val="lt2"/>
+                </a:solidFill>
+                <a:latin typeface="Rajdhani"/>
+                <a:ea typeface="Rajdhani"/>
+                <a:cs typeface="Rajdhani"/>
+                <a:sym typeface="Rajdhani"/>
+              </a:defRPr>
+            </a:lvl7pPr>
+            <a:lvl8pPr marR="0" lvl="7" algn="l" rtl="0">
+              <a:lnSpc>
+                <a:spcPct val="100000"/>
+              </a:lnSpc>
+              <a:spcBef>
+                <a:spcPts val="0"/>
+              </a:spcBef>
+              <a:spcAft>
+                <a:spcPts val="0"/>
+              </a:spcAft>
+              <a:buClr>
+                <a:schemeClr val="lt2"/>
+              </a:buClr>
+              <a:buSzPts val="1400"/>
+              <a:buFont typeface="Rajdhani"/>
+              <a:buNone/>
+              <a:defRPr sz="1400" b="1" i="0" u="none" strike="noStrike" cap="none">
+                <a:solidFill>
+                  <a:schemeClr val="lt2"/>
+                </a:solidFill>
+                <a:latin typeface="Rajdhani"/>
+                <a:ea typeface="Rajdhani"/>
+                <a:cs typeface="Rajdhani"/>
+                <a:sym typeface="Rajdhani"/>
+              </a:defRPr>
+            </a:lvl8pPr>
+            <a:lvl9pPr marR="0" lvl="8" algn="l" rtl="0">
+              <a:lnSpc>
+                <a:spcPct val="100000"/>
+              </a:lnSpc>
+              <a:spcBef>
+                <a:spcPts val="0"/>
+              </a:spcBef>
+              <a:spcAft>
+                <a:spcPts val="0"/>
+              </a:spcAft>
+              <a:buClr>
+                <a:schemeClr val="lt2"/>
+              </a:buClr>
+              <a:buSzPts val="1400"/>
+              <a:buFont typeface="Rajdhani"/>
+              <a:buNone/>
+              <a:defRPr sz="1400" b="1" i="0" u="none" strike="noStrike" cap="none">
+                <a:solidFill>
+                  <a:schemeClr val="lt2"/>
+                </a:solidFill>
+                <a:latin typeface="Rajdhani"/>
+                <a:ea typeface="Rajdhani"/>
+                <a:cs typeface="Rajdhani"/>
+                <a:sym typeface="Rajdhani"/>
+              </a:defRPr>
+            </a:lvl9pPr>
+          </a:lstStyle>
           <a:p>
-            <a:pPr marL="0" lvl="0" indent="0" algn="ctr" rtl="0">
-              <a:spcBef>
-                <a:spcPts val="0"/>
-              </a:spcBef>
-              <a:spcAft>
-                <a:spcPts val="0"/>
-              </a:spcAft>
-              <a:buNone/>
-            </a:pPr>
+            <a:pPr algn="ctr"/>
             <a:r>
-              <a:rPr lang="en" dirty="0"/>
+              <a:rPr lang="en-US" dirty="0" smtClean="0"/>
               <a:t>THANKS!</a:t>
             </a:r>
-            <a:endParaRPr dirty="0"/>
+            <a:endParaRPr lang="en-US" dirty="0"/>
           </a:p>
         </p:txBody>
       </p:sp>
       <p:sp>
         <p:nvSpPr>
-          <p:cNvPr id="1769" name="Google Shape;1769;p46"/>
+          <p:cNvPr id="5" name="Google Shape;1769;p46"/>
           <p:cNvSpPr txBox="1">
             <a:spLocks noGrp="1"/>
           </p:cNvSpPr>
@@ -8317,10 +7916,10 @@
               <a:buNone/>
             </a:pPr>
             <a:r>
-              <a:rPr lang="en"/>
+              <a:rPr lang="en" dirty="0"/>
               <a:t>Do you have any questions?</a:t>
             </a:r>
-            <a:endParaRPr/>
+            <a:endParaRPr dirty="0"/>
           </a:p>
           <a:p>
             <a:pPr marL="0" lvl="0" indent="0" algn="ctr" rtl="0">
@@ -8337,7 +7936,7 @@
               <a:buFont typeface="Arial"/>
               <a:buNone/>
             </a:pPr>
-            <a:endParaRPr/>
+            <a:endParaRPr dirty="0"/>
           </a:p>
           <a:p>
             <a:pPr marL="0" lvl="0" indent="0" algn="ctr" rtl="0">
@@ -8355,10 +7954,10 @@
               <a:buNone/>
             </a:pPr>
             <a:r>
-              <a:rPr lang="en"/>
+              <a:rPr lang="en" dirty="0"/>
               <a:t>youremail@freepik.com </a:t>
             </a:r>
-            <a:endParaRPr/>
+            <a:endParaRPr dirty="0"/>
           </a:p>
           <a:p>
             <a:pPr marL="0" lvl="0" indent="0" algn="ctr" rtl="0">
@@ -8376,10 +7975,10 @@
               <a:buNone/>
             </a:pPr>
             <a:r>
-              <a:rPr lang="en"/>
+              <a:rPr lang="en" dirty="0"/>
               <a:t>+91  620 421 838 </a:t>
             </a:r>
-            <a:endParaRPr/>
+            <a:endParaRPr dirty="0"/>
           </a:p>
           <a:p>
             <a:pPr marL="0" lvl="0" indent="0" algn="ctr" rtl="0">
@@ -8392,22 +7991,22 @@
               <a:buNone/>
             </a:pPr>
             <a:r>
-              <a:rPr lang="en"/>
+              <a:rPr lang="en" dirty="0"/>
               <a:t>yourcompany.com</a:t>
             </a:r>
-            <a:endParaRPr/>
+            <a:endParaRPr dirty="0"/>
           </a:p>
         </p:txBody>
       </p:sp>
       <p:sp>
         <p:nvSpPr>
-          <p:cNvPr id="1770" name="Google Shape;1770;p46"/>
+          <p:cNvPr id="6" name="Google Shape;1770;p46"/>
           <p:cNvSpPr txBox="1"/>
           <p:nvPr/>
         </p:nvSpPr>
         <p:spPr>
           <a:xfrm>
-            <a:off x="3500975" y="4280644"/>
+            <a:off x="3541176" y="4452900"/>
             <a:ext cx="2142000" cy="235800"/>
           </a:xfrm>
           <a:prstGeom prst="rect">
@@ -8434,7 +8033,7 @@
               <a:buNone/>
             </a:pPr>
             <a:r>
-              <a:rPr lang="en" sz="900">
+              <a:rPr lang="en" sz="900" dirty="0">
                 <a:solidFill>
                   <a:schemeClr val="lt2"/>
                 </a:solidFill>
@@ -8445,7 +8044,7 @@
               </a:rPr>
               <a:t>Please keep this slide for attribution.</a:t>
             </a:r>
-            <a:endParaRPr sz="900">
+            <a:endParaRPr sz="900" dirty="0">
               <a:solidFill>
                 <a:schemeClr val="lt2"/>
               </a:solidFill>
@@ -8459,7 +8058,7 @@
       </p:sp>
       <p:grpSp>
         <p:nvGrpSpPr>
-          <p:cNvPr id="1771" name="Google Shape;1771;p46"/>
+          <p:cNvPr id="7" name="Google Shape;1771;p46"/>
           <p:cNvGrpSpPr/>
           <p:nvPr/>
         </p:nvGrpSpPr>
@@ -8473,7 +8072,7 @@
         </p:grpSpPr>
         <p:sp>
           <p:nvSpPr>
-            <p:cNvPr id="1772" name="Google Shape;1772;p46"/>
+            <p:cNvPr id="8" name="Google Shape;1772;p46"/>
             <p:cNvSpPr/>
             <p:nvPr/>
           </p:nvSpPr>
@@ -8589,7 +8188,7 @@
         </p:sp>
         <p:sp>
           <p:nvSpPr>
-            <p:cNvPr id="1773" name="Google Shape;1773;p46"/>
+            <p:cNvPr id="9" name="Google Shape;1773;p46"/>
             <p:cNvSpPr/>
             <p:nvPr/>
           </p:nvSpPr>
@@ -8703,7 +8302,7 @@
         </p:sp>
         <p:sp>
           <p:nvSpPr>
-            <p:cNvPr id="1774" name="Google Shape;1774;p46"/>
+            <p:cNvPr id="10" name="Google Shape;1774;p46"/>
             <p:cNvSpPr/>
             <p:nvPr/>
           </p:nvSpPr>
@@ -8855,7 +8454,7 @@
         </p:sp>
         <p:sp>
           <p:nvSpPr>
-            <p:cNvPr id="1775" name="Google Shape;1775;p46"/>
+            <p:cNvPr id="11" name="Google Shape;1775;p46"/>
             <p:cNvSpPr/>
             <p:nvPr/>
           </p:nvSpPr>
@@ -8928,7 +8527,7 @@
       </p:grpSp>
       <p:grpSp>
         <p:nvGrpSpPr>
-          <p:cNvPr id="1776" name="Google Shape;1776;p46"/>
+          <p:cNvPr id="12" name="Google Shape;1776;p46"/>
           <p:cNvGrpSpPr/>
           <p:nvPr/>
         </p:nvGrpSpPr>
@@ -8942,7 +8541,7 @@
         </p:grpSpPr>
         <p:sp>
           <p:nvSpPr>
-            <p:cNvPr id="1777" name="Google Shape;1777;p46"/>
+            <p:cNvPr id="13" name="Google Shape;1777;p46"/>
             <p:cNvSpPr/>
             <p:nvPr/>
           </p:nvSpPr>
@@ -9058,7 +8657,7 @@
         </p:sp>
         <p:sp>
           <p:nvSpPr>
-            <p:cNvPr id="1778" name="Google Shape;1778;p46"/>
+            <p:cNvPr id="14" name="Google Shape;1778;p46"/>
             <p:cNvSpPr/>
             <p:nvPr/>
           </p:nvSpPr>
@@ -9152,7 +8751,7 @@
         </p:sp>
         <p:sp>
           <p:nvSpPr>
-            <p:cNvPr id="1779" name="Google Shape;1779;p46"/>
+            <p:cNvPr id="15" name="Google Shape;1779;p46"/>
             <p:cNvSpPr/>
             <p:nvPr/>
           </p:nvSpPr>
@@ -9248,7 +8847,7 @@
         </p:sp>
         <p:sp>
           <p:nvSpPr>
-            <p:cNvPr id="1780" name="Google Shape;1780;p46"/>
+            <p:cNvPr id="16" name="Google Shape;1780;p46"/>
             <p:cNvSpPr/>
             <p:nvPr/>
           </p:nvSpPr>
@@ -9451,7 +9050,7 @@
       </p:grpSp>
       <p:grpSp>
         <p:nvGrpSpPr>
-          <p:cNvPr id="1781" name="Google Shape;1781;p46"/>
+          <p:cNvPr id="17" name="Google Shape;1781;p46"/>
           <p:cNvGrpSpPr/>
           <p:nvPr/>
         </p:nvGrpSpPr>
@@ -9465,7 +9064,7 @@
         </p:grpSpPr>
         <p:sp>
           <p:nvSpPr>
-            <p:cNvPr id="1782" name="Google Shape;1782;p46"/>
+            <p:cNvPr id="18" name="Google Shape;1782;p46"/>
             <p:cNvSpPr/>
             <p:nvPr/>
           </p:nvSpPr>
@@ -9581,7 +9180,7 @@
         </p:sp>
         <p:sp>
           <p:nvSpPr>
-            <p:cNvPr id="1783" name="Google Shape;1783;p46"/>
+            <p:cNvPr id="19" name="Google Shape;1783;p46"/>
             <p:cNvSpPr/>
             <p:nvPr/>
           </p:nvSpPr>
@@ -10009,7 +9608,7 @@
       </p:grpSp>
       <p:grpSp>
         <p:nvGrpSpPr>
-          <p:cNvPr id="1784" name="Google Shape;1784;p46"/>
+          <p:cNvPr id="20" name="Google Shape;1784;p46"/>
           <p:cNvGrpSpPr/>
           <p:nvPr/>
         </p:nvGrpSpPr>
@@ -10023,7 +9622,7 @@
         </p:grpSpPr>
         <p:sp>
           <p:nvSpPr>
-            <p:cNvPr id="1785" name="Google Shape;1785;p46"/>
+            <p:cNvPr id="21" name="Google Shape;1785;p46"/>
             <p:cNvSpPr/>
             <p:nvPr/>
           </p:nvSpPr>
@@ -10139,7 +9738,7 @@
         </p:sp>
         <p:sp>
           <p:nvSpPr>
-            <p:cNvPr id="1786" name="Google Shape;1786;p46"/>
+            <p:cNvPr id="22" name="Google Shape;1786;p46"/>
             <p:cNvSpPr/>
             <p:nvPr/>
           </p:nvSpPr>
@@ -10326,7 +9925,7 @@
         </p:sp>
         <p:sp>
           <p:nvSpPr>
-            <p:cNvPr id="1787" name="Google Shape;1787;p46"/>
+            <p:cNvPr id="23" name="Google Shape;1787;p46"/>
             <p:cNvSpPr/>
             <p:nvPr/>
           </p:nvSpPr>
@@ -10442,7 +10041,7 @@
     </p:spTree>
     <p:extLst>
       <p:ext uri="{BB962C8B-B14F-4D97-AF65-F5344CB8AC3E}">
-        <p14:creationId xmlns:p14="http://schemas.microsoft.com/office/powerpoint/2010/main" val="1879041720"/>
+        <p14:creationId xmlns:p14="http://schemas.microsoft.com/office/powerpoint/2010/main" val="503363841"/>
       </p:ext>
     </p:extLst>
   </p:cSld>
@@ -12127,7 +11726,6 @@
               <a:rPr lang="en-US" sz="1800" dirty="0"/>
               <a:t>Why can’t we have a system that could potentially prove this in less time and be accessible to everyone.</a:t>
             </a:r>
-            <a:endParaRPr lang="en-US" sz="1800" dirty="0"/>
           </a:p>
         </p:txBody>
       </p:sp>
@@ -13055,7 +12653,6 @@
               <a:rPr lang="en-US" sz="1800" dirty="0"/>
               <a:t>The user can see which alleles are different if it was proven wrong.</a:t>
             </a:r>
-            <a:endParaRPr lang="en-US" sz="1800" dirty="0"/>
           </a:p>
         </p:txBody>
       </p:sp>

--- a/E-Genetics/presentations/new presentation.pptx
+++ b/E-Genetics/presentations/new presentation.pptx
@@ -5,7 +5,7 @@
     <p:sldMasterId id="2147483669" r:id="rId1"/>
   </p:sldMasterIdLst>
   <p:notesMasterIdLst>
-    <p:notesMasterId r:id="rId19"/>
+    <p:notesMasterId r:id="rId18"/>
   </p:notesMasterIdLst>
   <p:sldIdLst>
     <p:sldId id="256" r:id="rId2"/>
@@ -17,38 +17,37 @@
     <p:sldId id="299" r:id="rId8"/>
     <p:sldId id="300" r:id="rId9"/>
     <p:sldId id="301" r:id="rId10"/>
-    <p:sldId id="302" r:id="rId11"/>
-    <p:sldId id="303" r:id="rId12"/>
-    <p:sldId id="304" r:id="rId13"/>
-    <p:sldId id="305" r:id="rId14"/>
-    <p:sldId id="306" r:id="rId15"/>
-    <p:sldId id="260" r:id="rId16"/>
-    <p:sldId id="308" r:id="rId17"/>
-    <p:sldId id="309" r:id="rId18"/>
+    <p:sldId id="303" r:id="rId11"/>
+    <p:sldId id="304" r:id="rId12"/>
+    <p:sldId id="305" r:id="rId13"/>
+    <p:sldId id="306" r:id="rId14"/>
+    <p:sldId id="260" r:id="rId15"/>
+    <p:sldId id="308" r:id="rId16"/>
+    <p:sldId id="309" r:id="rId17"/>
   </p:sldIdLst>
   <p:sldSz cx="9144000" cy="5143500" type="screen16x9"/>
   <p:notesSz cx="6858000" cy="9144000"/>
   <p:embeddedFontLst>
     <p:embeddedFont>
-      <p:font typeface="Anton" panose="020B0604020202020204" charset="0"/>
-      <p:regular r:id="rId20"/>
+      <p:font typeface="Advent Pro Light" panose="020B0604020202020204" charset="0"/>
+      <p:regular r:id="rId19"/>
+      <p:bold r:id="rId20"/>
     </p:embeddedFont>
     <p:embeddedFont>
-      <p:font typeface="Advent Pro Light" panose="020B0604020202020204" charset="0"/>
+      <p:font typeface="Anton" pitchFamily="2" charset="0"/>
       <p:regular r:id="rId21"/>
-      <p:bold r:id="rId22"/>
+    </p:embeddedFont>
+    <p:embeddedFont>
+      <p:font typeface="Fira Sans Condensed Light" panose="020B0403050000020004" pitchFamily="34" charset="0"/>
+      <p:regular r:id="rId22"/>
+      <p:bold r:id="rId23"/>
+      <p:italic r:id="rId24"/>
+      <p:boldItalic r:id="rId25"/>
     </p:embeddedFont>
     <p:embeddedFont>
       <p:font typeface="Rajdhani" panose="020B0604020202020204" charset="0"/>
-      <p:regular r:id="rId23"/>
-      <p:bold r:id="rId24"/>
-    </p:embeddedFont>
-    <p:embeddedFont>
-      <p:font typeface="Fira Sans Condensed Light" panose="020B0604020202020204" charset="0"/>
-      <p:regular r:id="rId25"/>
-      <p:bold r:id="rId26"/>
-      <p:italic r:id="rId27"/>
-      <p:boldItalic r:id="rId28"/>
+      <p:regular r:id="rId26"/>
+      <p:bold r:id="rId27"/>
     </p:embeddedFont>
   </p:embeddedFontLst>
   <p:defaultTextStyle>
@@ -1579,6 +1578,9 @@
   <p:clrMapOvr>
     <a:masterClrMapping/>
   </p:clrMapOvr>
+  <p:transition spd="slow">
+    <p:push dir="u"/>
+  </p:transition>
 </p:sldLayout>
 </file>
 
@@ -1914,6 +1916,9 @@
   <p:clrMapOvr>
     <a:masterClrMapping/>
   </p:clrMapOvr>
+  <p:transition spd="slow">
+    <p:push dir="u"/>
+  </p:transition>
 </p:sldLayout>
 </file>
 
@@ -2237,6 +2242,9 @@
   <p:clrMapOvr>
     <a:masterClrMapping/>
   </p:clrMapOvr>
+  <p:transition spd="slow">
+    <p:push dir="u"/>
+  </p:transition>
 </p:sldLayout>
 </file>
 
@@ -2404,6 +2412,9 @@
   <p:clrMapOvr>
     <a:masterClrMapping/>
   </p:clrMapOvr>
+  <p:transition spd="slow">
+    <p:push dir="u"/>
+  </p:transition>
 </p:sldLayout>
 </file>
 
@@ -2435,6 +2446,9 @@
   <p:clrMapOvr>
     <a:masterClrMapping/>
   </p:clrMapOvr>
+  <p:transition spd="slow">
+    <p:push dir="u"/>
+  </p:transition>
 </p:sldLayout>
 </file>
 
@@ -4063,6 +4077,9 @@
   <p:clrMapOvr>
     <a:masterClrMapping/>
   </p:clrMapOvr>
+  <p:transition spd="slow">
+    <p:push dir="u"/>
+  </p:transition>
 </p:sldLayout>
 </file>
 
@@ -4101,6 +4118,9 @@
   <p:clrMapOvr>
     <a:masterClrMapping/>
   </p:clrMapOvr>
+  <p:transition spd="slow">
+    <p:push dir="u"/>
+  </p:transition>
 </p:sldLayout>
 </file>
 
@@ -4139,6 +4159,9 @@
   <p:clrMapOvr>
     <a:masterClrMapping/>
   </p:clrMapOvr>
+  <p:transition spd="slow">
+    <p:push dir="u"/>
+  </p:transition>
 </p:sldLayout>
 </file>
 
@@ -4689,6 +4712,9 @@
     <p:sldLayoutId id="2147483666" r:id="rId7"/>
     <p:sldLayoutId id="2147483667" r:id="rId8"/>
   </p:sldLayoutIdLst>
+  <p:transition spd="slow">
+    <p:push dir="u"/>
+  </p:transition>
   <p:hf sldNum="0" hdr="0" ftr="0" dt="0"/>
   <p:txStyles>
     <p:titleStyle>
@@ -5533,13 +5559,9 @@
   <p:clrMapOvr>
     <a:masterClrMapping/>
   </p:clrMapOvr>
-  <p:timing>
-    <p:tnLst>
-      <p:par>
-        <p:cTn id="1" dur="indefinite" restart="never" nodeType="tmRoot"/>
-      </p:par>
-    </p:tnLst>
-  </p:timing>
+  <p:transition spd="slow">
+    <p:push dir="u"/>
+  </p:transition>
 </p:sld>
 </file>
 
@@ -5573,7 +5595,7 @@
         <p:spPr>
           <a:xfrm>
             <a:off x="637580" y="547910"/>
-            <a:ext cx="4488602" cy="636654"/>
+            <a:ext cx="5195184" cy="636654"/>
           </a:xfrm>
           <a:prstGeom prst="rect">
             <a:avLst/>
@@ -5587,11 +5609,11 @@
           <a:p>
             <a:pPr marL="0" lvl="0" indent="0" algn="l"/>
             <a:r>
-              <a:rPr lang="en-US" sz="3200" b="1" dirty="0" smtClean="0">
+              <a:rPr lang="en-US" sz="3200" b="1" dirty="0">
                 <a:latin typeface="Rajdhani" panose="020B0604020202020204" charset="0"/>
                 <a:cs typeface="Rajdhani" panose="020B0604020202020204" charset="0"/>
               </a:rPr>
-              <a:t>Functional Requirements</a:t>
+              <a:t>Non-Functional Requirements</a:t>
             </a:r>
             <a:endParaRPr sz="3200" b="1" dirty="0">
               <a:latin typeface="Rajdhani" panose="020B0604020202020204" charset="0"/>
@@ -5610,8 +5632,8 @@
         </p:nvSpPr>
         <p:spPr>
           <a:xfrm>
-            <a:off x="637580" y="1427672"/>
-            <a:ext cx="5264456" cy="2860309"/>
+            <a:off x="258438" y="1608311"/>
+            <a:ext cx="8432079" cy="2860309"/>
           </a:xfrm>
           <a:prstGeom prst="rect">
             <a:avLst/>
@@ -5878,13 +5900,19 @@
               <a:buChar char="•"/>
             </a:pPr>
             <a:r>
+              <a:rPr lang="en-US" sz="1800" dirty="0">
+                <a:solidFill>
+                  <a:schemeClr val="accent4"/>
+                </a:solidFill>
+              </a:rPr>
+              <a:t>Safety: The system will detect any attacks and it should be secure</a:t>
+            </a:r>
+            <a:br>
               <a:rPr lang="en-US" sz="1800" dirty="0"/>
-              <a:t>Check(child, parent</a:t>
-            </a:r>
-            <a:r>
-              <a:rPr lang="en-US" sz="1800" dirty="0" smtClean="0"/>
-              <a:t>)		description</a:t>
-            </a:r>
+            </a:br>
+            <a:br>
+              <a:rPr lang="en-US" sz="1800" dirty="0"/>
+            </a:br>
             <a:endParaRPr lang="en-US" sz="1800" dirty="0"/>
           </a:p>
           <a:p>
@@ -5894,8 +5922,15 @@
             </a:pPr>
             <a:r>
               <a:rPr lang="en-US" sz="1800" dirty="0"/>
-              <a:t>getWrong()</a:t>
+              <a:t>Availability: The system should be available at any time without any failure.</a:t>
             </a:r>
+            <a:br>
+              <a:rPr lang="en-US" sz="1800" dirty="0"/>
+            </a:br>
+            <a:br>
+              <a:rPr lang="en-US" sz="1800" dirty="0"/>
+            </a:br>
+            <a:endParaRPr lang="en-US" sz="1800" dirty="0"/>
           </a:p>
           <a:p>
             <a:pPr algn="l">
@@ -5904,66 +5939,40 @@
             </a:pPr>
             <a:r>
               <a:rPr lang="en-US" sz="1800" dirty="0"/>
-              <a:t>getResults()</a:t>
+              <a:t>Scalability:</a:t>
             </a:r>
-          </a:p>
-          <a:p>
-            <a:pPr algn="l">
-              <a:buFont typeface="Arial" panose="020B0604020202020204" pitchFamily="34" charset="0"/>
-              <a:buChar char="•"/>
-            </a:pPr>
+            <a:br>
+              <a:rPr lang="en-US" sz="1800" dirty="0"/>
+            </a:br>
             <a:r>
-              <a:rPr lang="en-US" sz="1800" dirty="0"/>
-              <a:t>wholeGenome(file)</a:t>
+              <a:rPr lang="en-US" sz="1800" b="0" i="0" dirty="0">
+                <a:solidFill>
+                  <a:srgbClr val="DCDDDE"/>
+                </a:solidFill>
+                <a:effectLst/>
+                <a:latin typeface="Fira Sans Condensed Light" panose="020B0403050000020004" pitchFamily="34" charset="0"/>
+              </a:rPr>
+              <a:t>our system is able to increase its capacity and functionalities based on the users demand. it can remain stable while adapting to changes and upgrades</a:t>
             </a:r>
-          </a:p>
-          <a:p>
-            <a:pPr algn="l">
-              <a:buFont typeface="Arial" panose="020B0604020202020204" pitchFamily="34" charset="0"/>
-              <a:buChar char="•"/>
-            </a:pPr>
-            <a:r>
-              <a:rPr lang="en-US" sz="1800" dirty="0"/>
-              <a:t>wholeExome(file)</a:t>
-            </a:r>
-          </a:p>
-          <a:p>
-            <a:pPr algn="l">
-              <a:buFont typeface="Arial" panose="020B0604020202020204" pitchFamily="34" charset="0"/>
-              <a:buChar char="•"/>
-            </a:pPr>
-            <a:r>
-              <a:rPr lang="en-US" sz="1800" dirty="0"/>
-              <a:t>rsNumbers(</a:t>
-            </a:r>
-            <a:r>
-              <a:rPr lang="en-US" sz="1800" dirty="0" err="1"/>
-              <a:t>allelesData</a:t>
-            </a:r>
-            <a:r>
-              <a:rPr lang="en-US" sz="1800" dirty="0"/>
-              <a:t>)</a:t>
-            </a:r>
+            <a:endParaRPr lang="en-US" sz="1800" dirty="0">
+              <a:latin typeface="Fira Sans Condensed Light" panose="020B0403050000020004" pitchFamily="34" charset="0"/>
+            </a:endParaRPr>
           </a:p>
         </p:txBody>
       </p:sp>
     </p:spTree>
     <p:extLst>
       <p:ext uri="{BB962C8B-B14F-4D97-AF65-F5344CB8AC3E}">
-        <p14:creationId xmlns:p14="http://schemas.microsoft.com/office/powerpoint/2010/main" val="1818860569"/>
+        <p14:creationId xmlns:p14="http://schemas.microsoft.com/office/powerpoint/2010/main" val="1195283190"/>
       </p:ext>
     </p:extLst>
   </p:cSld>
   <p:clrMapOvr>
     <a:masterClrMapping/>
   </p:clrMapOvr>
-  <p:timing>
-    <p:tnLst>
-      <p:par>
-        <p:cTn id="1" dur="indefinite" restart="never" nodeType="tmRoot"/>
-      </p:par>
-    </p:tnLst>
-  </p:timing>
+  <p:transition spd="slow">
+    <p:push dir="u"/>
+  </p:transition>
 </p:sld>
 </file>
 
@@ -6011,389 +6020,7 @@
           <a:p>
             <a:pPr marL="0" lvl="0" indent="0" algn="l"/>
             <a:r>
-              <a:rPr lang="en-US" sz="3200" b="1" dirty="0" smtClean="0">
-                <a:latin typeface="Rajdhani" panose="020B0604020202020204" charset="0"/>
-                <a:cs typeface="Rajdhani" panose="020B0604020202020204" charset="0"/>
-              </a:rPr>
-              <a:t>Non-Functional Requirements</a:t>
-            </a:r>
-            <a:endParaRPr sz="3200" b="1" dirty="0">
-              <a:latin typeface="Rajdhani" panose="020B0604020202020204" charset="0"/>
-              <a:cs typeface="Rajdhani" panose="020B0604020202020204" charset="0"/>
-            </a:endParaRPr>
-          </a:p>
-        </p:txBody>
-      </p:sp>
-      <p:sp>
-        <p:nvSpPr>
-          <p:cNvPr id="5" name="Google Shape;136;p27"/>
-          <p:cNvSpPr txBox="1">
-            <a:spLocks/>
-          </p:cNvSpPr>
-          <p:nvPr/>
-        </p:nvSpPr>
-        <p:spPr>
-          <a:xfrm>
-            <a:off x="637580" y="1275272"/>
-            <a:ext cx="4772620" cy="2860309"/>
-          </a:xfrm>
-          <a:prstGeom prst="rect">
-            <a:avLst/>
-          </a:prstGeom>
-          <a:noFill/>
-          <a:ln>
-            <a:noFill/>
-          </a:ln>
-        </p:spPr>
-        <p:txBody>
-          <a:bodyPr spcFirstLastPara="1" wrap="square" lIns="91425" tIns="91425" rIns="91425" bIns="91425" anchor="ctr" anchorCtr="0">
-            <a:noAutofit/>
-          </a:bodyPr>
-          <a:lstStyle>
-            <a:defPPr marR="0" lvl="0" algn="l" rtl="0">
-              <a:lnSpc>
-                <a:spcPct val="100000"/>
-              </a:lnSpc>
-              <a:spcBef>
-                <a:spcPts val="0"/>
-              </a:spcBef>
-              <a:spcAft>
-                <a:spcPts val="0"/>
-              </a:spcAft>
-            </a:defPPr>
-            <a:lvl1pPr marL="457200" marR="0" lvl="0" indent="-304800" algn="r" rtl="0">
-              <a:lnSpc>
-                <a:spcPct val="100000"/>
-              </a:lnSpc>
-              <a:spcBef>
-                <a:spcPts val="0"/>
-              </a:spcBef>
-              <a:spcAft>
-                <a:spcPts val="0"/>
-              </a:spcAft>
-              <a:buClr>
-                <a:schemeClr val="lt2"/>
-              </a:buClr>
-              <a:buSzPts val="2800"/>
-              <a:buFont typeface="Fira Sans Condensed Light"/>
-              <a:buNone/>
-              <a:defRPr sz="1400" b="0" i="0" u="none" strike="noStrike" cap="none">
-                <a:solidFill>
-                  <a:schemeClr val="lt2"/>
-                </a:solidFill>
-                <a:latin typeface="Fira Sans Condensed Light"/>
-                <a:ea typeface="Fira Sans Condensed Light"/>
-                <a:cs typeface="Fira Sans Condensed Light"/>
-                <a:sym typeface="Fira Sans Condensed Light"/>
-              </a:defRPr>
-            </a:lvl1pPr>
-            <a:lvl2pPr marL="914400" marR="0" lvl="1" indent="-304800" algn="ctr" rtl="0">
-              <a:lnSpc>
-                <a:spcPct val="100000"/>
-              </a:lnSpc>
-              <a:spcBef>
-                <a:spcPts val="0"/>
-              </a:spcBef>
-              <a:spcAft>
-                <a:spcPts val="0"/>
-              </a:spcAft>
-              <a:buClr>
-                <a:schemeClr val="lt2"/>
-              </a:buClr>
-              <a:buSzPts val="2800"/>
-              <a:buFont typeface="Fira Sans Condensed Light"/>
-              <a:buNone/>
-              <a:defRPr sz="2800" b="0" i="0" u="none" strike="noStrike" cap="none">
-                <a:solidFill>
-                  <a:schemeClr val="lt2"/>
-                </a:solidFill>
-                <a:latin typeface="Fira Sans Condensed Light"/>
-                <a:ea typeface="Fira Sans Condensed Light"/>
-                <a:cs typeface="Fira Sans Condensed Light"/>
-                <a:sym typeface="Fira Sans Condensed Light"/>
-              </a:defRPr>
-            </a:lvl2pPr>
-            <a:lvl3pPr marL="1371600" marR="0" lvl="2" indent="-304800" algn="ctr" rtl="0">
-              <a:lnSpc>
-                <a:spcPct val="100000"/>
-              </a:lnSpc>
-              <a:spcBef>
-                <a:spcPts val="0"/>
-              </a:spcBef>
-              <a:spcAft>
-                <a:spcPts val="0"/>
-              </a:spcAft>
-              <a:buClr>
-                <a:schemeClr val="lt2"/>
-              </a:buClr>
-              <a:buSzPts val="2800"/>
-              <a:buFont typeface="Fira Sans Condensed Light"/>
-              <a:buNone/>
-              <a:defRPr sz="2800" b="0" i="0" u="none" strike="noStrike" cap="none">
-                <a:solidFill>
-                  <a:schemeClr val="lt2"/>
-                </a:solidFill>
-                <a:latin typeface="Fira Sans Condensed Light"/>
-                <a:ea typeface="Fira Sans Condensed Light"/>
-                <a:cs typeface="Fira Sans Condensed Light"/>
-                <a:sym typeface="Fira Sans Condensed Light"/>
-              </a:defRPr>
-            </a:lvl3pPr>
-            <a:lvl4pPr marL="1828800" marR="0" lvl="3" indent="-304800" algn="ctr" rtl="0">
-              <a:lnSpc>
-                <a:spcPct val="100000"/>
-              </a:lnSpc>
-              <a:spcBef>
-                <a:spcPts val="0"/>
-              </a:spcBef>
-              <a:spcAft>
-                <a:spcPts val="0"/>
-              </a:spcAft>
-              <a:buClr>
-                <a:schemeClr val="lt2"/>
-              </a:buClr>
-              <a:buSzPts val="2800"/>
-              <a:buFont typeface="Fira Sans Condensed Light"/>
-              <a:buNone/>
-              <a:defRPr sz="2800" b="0" i="0" u="none" strike="noStrike" cap="none">
-                <a:solidFill>
-                  <a:schemeClr val="lt2"/>
-                </a:solidFill>
-                <a:latin typeface="Fira Sans Condensed Light"/>
-                <a:ea typeface="Fira Sans Condensed Light"/>
-                <a:cs typeface="Fira Sans Condensed Light"/>
-                <a:sym typeface="Fira Sans Condensed Light"/>
-              </a:defRPr>
-            </a:lvl4pPr>
-            <a:lvl5pPr marL="2286000" marR="0" lvl="4" indent="-304800" algn="ctr" rtl="0">
-              <a:lnSpc>
-                <a:spcPct val="100000"/>
-              </a:lnSpc>
-              <a:spcBef>
-                <a:spcPts val="0"/>
-              </a:spcBef>
-              <a:spcAft>
-                <a:spcPts val="0"/>
-              </a:spcAft>
-              <a:buClr>
-                <a:schemeClr val="lt2"/>
-              </a:buClr>
-              <a:buSzPts val="2800"/>
-              <a:buFont typeface="Fira Sans Condensed Light"/>
-              <a:buNone/>
-              <a:defRPr sz="2800" b="0" i="0" u="none" strike="noStrike" cap="none">
-                <a:solidFill>
-                  <a:schemeClr val="lt2"/>
-                </a:solidFill>
-                <a:latin typeface="Fira Sans Condensed Light"/>
-                <a:ea typeface="Fira Sans Condensed Light"/>
-                <a:cs typeface="Fira Sans Condensed Light"/>
-                <a:sym typeface="Fira Sans Condensed Light"/>
-              </a:defRPr>
-            </a:lvl5pPr>
-            <a:lvl6pPr marL="2743200" marR="0" lvl="5" indent="-304800" algn="ctr" rtl="0">
-              <a:lnSpc>
-                <a:spcPct val="100000"/>
-              </a:lnSpc>
-              <a:spcBef>
-                <a:spcPts val="0"/>
-              </a:spcBef>
-              <a:spcAft>
-                <a:spcPts val="0"/>
-              </a:spcAft>
-              <a:buClr>
-                <a:schemeClr val="lt2"/>
-              </a:buClr>
-              <a:buSzPts val="2800"/>
-              <a:buFont typeface="Fira Sans Condensed Light"/>
-              <a:buNone/>
-              <a:defRPr sz="2800" b="0" i="0" u="none" strike="noStrike" cap="none">
-                <a:solidFill>
-                  <a:schemeClr val="lt2"/>
-                </a:solidFill>
-                <a:latin typeface="Fira Sans Condensed Light"/>
-                <a:ea typeface="Fira Sans Condensed Light"/>
-                <a:cs typeface="Fira Sans Condensed Light"/>
-                <a:sym typeface="Fira Sans Condensed Light"/>
-              </a:defRPr>
-            </a:lvl6pPr>
-            <a:lvl7pPr marL="3200400" marR="0" lvl="6" indent="-304800" algn="ctr" rtl="0">
-              <a:lnSpc>
-                <a:spcPct val="100000"/>
-              </a:lnSpc>
-              <a:spcBef>
-                <a:spcPts val="0"/>
-              </a:spcBef>
-              <a:spcAft>
-                <a:spcPts val="0"/>
-              </a:spcAft>
-              <a:buClr>
-                <a:schemeClr val="lt2"/>
-              </a:buClr>
-              <a:buSzPts val="2800"/>
-              <a:buFont typeface="Fira Sans Condensed Light"/>
-              <a:buNone/>
-              <a:defRPr sz="2800" b="0" i="0" u="none" strike="noStrike" cap="none">
-                <a:solidFill>
-                  <a:schemeClr val="lt2"/>
-                </a:solidFill>
-                <a:latin typeface="Fira Sans Condensed Light"/>
-                <a:ea typeface="Fira Sans Condensed Light"/>
-                <a:cs typeface="Fira Sans Condensed Light"/>
-                <a:sym typeface="Fira Sans Condensed Light"/>
-              </a:defRPr>
-            </a:lvl7pPr>
-            <a:lvl8pPr marL="3657600" marR="0" lvl="7" indent="-304800" algn="ctr" rtl="0">
-              <a:lnSpc>
-                <a:spcPct val="100000"/>
-              </a:lnSpc>
-              <a:spcBef>
-                <a:spcPts val="0"/>
-              </a:spcBef>
-              <a:spcAft>
-                <a:spcPts val="0"/>
-              </a:spcAft>
-              <a:buClr>
-                <a:schemeClr val="lt2"/>
-              </a:buClr>
-              <a:buSzPts val="2800"/>
-              <a:buFont typeface="Fira Sans Condensed Light"/>
-              <a:buNone/>
-              <a:defRPr sz="2800" b="0" i="0" u="none" strike="noStrike" cap="none">
-                <a:solidFill>
-                  <a:schemeClr val="lt2"/>
-                </a:solidFill>
-                <a:latin typeface="Fira Sans Condensed Light"/>
-                <a:ea typeface="Fira Sans Condensed Light"/>
-                <a:cs typeface="Fira Sans Condensed Light"/>
-                <a:sym typeface="Fira Sans Condensed Light"/>
-              </a:defRPr>
-            </a:lvl8pPr>
-            <a:lvl9pPr marL="4114800" marR="0" lvl="8" indent="-304800" algn="ctr" rtl="0">
-              <a:lnSpc>
-                <a:spcPct val="100000"/>
-              </a:lnSpc>
-              <a:spcBef>
-                <a:spcPts val="0"/>
-              </a:spcBef>
-              <a:spcAft>
-                <a:spcPts val="0"/>
-              </a:spcAft>
-              <a:buClr>
-                <a:schemeClr val="lt2"/>
-              </a:buClr>
-              <a:buSzPts val="2800"/>
-              <a:buFont typeface="Fira Sans Condensed Light"/>
-              <a:buNone/>
-              <a:defRPr sz="2800" b="0" i="0" u="none" strike="noStrike" cap="none">
-                <a:solidFill>
-                  <a:schemeClr val="lt2"/>
-                </a:solidFill>
-                <a:latin typeface="Fira Sans Condensed Light"/>
-                <a:ea typeface="Fira Sans Condensed Light"/>
-                <a:cs typeface="Fira Sans Condensed Light"/>
-                <a:sym typeface="Fira Sans Condensed Light"/>
-              </a:defRPr>
-            </a:lvl9pPr>
-          </a:lstStyle>
-          <a:p>
-            <a:pPr algn="l">
-              <a:buFont typeface="Arial" panose="020B0604020202020204" pitchFamily="34" charset="0"/>
-              <a:buChar char="•"/>
-            </a:pPr>
-            <a:r>
-              <a:rPr lang="en-US" sz="1800" dirty="0" smtClean="0"/>
-              <a:t>Security	description</a:t>
-            </a:r>
-            <a:endParaRPr lang="en-US" sz="1800" dirty="0"/>
-          </a:p>
-          <a:p>
-            <a:pPr algn="l">
-              <a:buFont typeface="Arial" panose="020B0604020202020204" pitchFamily="34" charset="0"/>
-              <a:buChar char="•"/>
-            </a:pPr>
-            <a:r>
-              <a:rPr lang="en-US" sz="1800" dirty="0"/>
-              <a:t>Availability</a:t>
-            </a:r>
-          </a:p>
-          <a:p>
-            <a:pPr algn="l">
-              <a:buFont typeface="Arial" panose="020B0604020202020204" pitchFamily="34" charset="0"/>
-              <a:buChar char="•"/>
-            </a:pPr>
-            <a:r>
-              <a:rPr lang="en-US" sz="1800" dirty="0"/>
-              <a:t>Scalability</a:t>
-            </a:r>
-          </a:p>
-        </p:txBody>
-      </p:sp>
-    </p:spTree>
-    <p:extLst>
-      <p:ext uri="{BB962C8B-B14F-4D97-AF65-F5344CB8AC3E}">
-        <p14:creationId xmlns:p14="http://schemas.microsoft.com/office/powerpoint/2010/main" val="1195283190"/>
-      </p:ext>
-    </p:extLst>
-  </p:cSld>
-  <p:clrMapOvr>
-    <a:masterClrMapping/>
-  </p:clrMapOvr>
-  <p:timing>
-    <p:tnLst>
-      <p:par>
-        <p:cTn id="1" dur="indefinite" restart="never" nodeType="tmRoot"/>
-      </p:par>
-    </p:tnLst>
-  </p:timing>
-</p:sld>
-</file>
-
-<file path=ppt/slides/slide12.xml><?xml version="1.0" encoding="utf-8"?>
-<p:sld xmlns:a="http://schemas.openxmlformats.org/drawingml/2006/main" xmlns:r="http://schemas.openxmlformats.org/officeDocument/2006/relationships" xmlns:p="http://schemas.openxmlformats.org/presentationml/2006/main">
-  <p:cSld>
-    <p:spTree>
-      <p:nvGrpSpPr>
-        <p:cNvPr id="1" name=""/>
-        <p:cNvGrpSpPr/>
-        <p:nvPr/>
-      </p:nvGrpSpPr>
-      <p:grpSpPr>
-        <a:xfrm>
-          <a:off x="0" y="0"/>
-          <a:ext cx="0" cy="0"/>
-          <a:chOff x="0" y="0"/>
-          <a:chExt cx="0" cy="0"/>
-        </a:xfrm>
-      </p:grpSpPr>
-      <p:sp>
-        <p:nvSpPr>
-          <p:cNvPr id="4" name="Google Shape;136;p27"/>
-          <p:cNvSpPr txBox="1">
-            <a:spLocks noGrp="1"/>
-          </p:cNvSpPr>
-          <p:nvPr>
-            <p:ph type="subTitle" idx="1"/>
-          </p:nvPr>
-        </p:nvSpPr>
-        <p:spPr>
-          <a:xfrm>
-            <a:off x="637580" y="547910"/>
-            <a:ext cx="5195184" cy="636654"/>
-          </a:xfrm>
-          <a:prstGeom prst="rect">
-            <a:avLst/>
-          </a:prstGeom>
-        </p:spPr>
-        <p:txBody>
-          <a:bodyPr spcFirstLastPara="1" wrap="square" lIns="91425" tIns="91425" rIns="91425" bIns="91425" anchor="ctr" anchorCtr="0">
-            <a:noAutofit/>
-          </a:bodyPr>
-          <a:lstStyle/>
-          <a:p>
-            <a:pPr marL="0" lvl="0" indent="0" algn="l"/>
-            <a:r>
-              <a:rPr lang="en-US" sz="3200" b="1" dirty="0" smtClean="0">
+              <a:rPr lang="en-US" sz="3200" b="1" dirty="0">
                 <a:latin typeface="Rajdhani" panose="020B0604020202020204" charset="0"/>
                 <a:cs typeface="Rajdhani" panose="020B0604020202020204" charset="0"/>
               </a:rPr>
@@ -6450,17 +6077,13 @@
   <p:clrMapOvr>
     <a:masterClrMapping/>
   </p:clrMapOvr>
-  <p:timing>
-    <p:tnLst>
-      <p:par>
-        <p:cTn id="1" dur="indefinite" restart="never" nodeType="tmRoot"/>
-      </p:par>
-    </p:tnLst>
-  </p:timing>
+  <p:transition spd="slow">
+    <p:push dir="u"/>
+  </p:transition>
 </p:sld>
 </file>
 
-<file path=ppt/slides/slide13.xml><?xml version="1.0" encoding="utf-8"?>
+<file path=ppt/slides/slide12.xml><?xml version="1.0" encoding="utf-8"?>
 <p:sld xmlns:a="http://schemas.openxmlformats.org/drawingml/2006/main" xmlns:r="http://schemas.openxmlformats.org/officeDocument/2006/relationships" xmlns:p="http://schemas.openxmlformats.org/presentationml/2006/main">
   <p:cSld>
     <p:spTree>
@@ -6489,7 +6112,7 @@
         </p:nvSpPr>
         <p:spPr>
           <a:xfrm>
-            <a:off x="637580" y="547910"/>
+            <a:off x="518634" y="273628"/>
             <a:ext cx="6033384" cy="636654"/>
           </a:xfrm>
           <a:prstGeom prst="rect">
@@ -6504,7 +6127,7 @@
           <a:p>
             <a:pPr marL="0" lvl="0" indent="0" algn="l"/>
             <a:r>
-              <a:rPr lang="en-US" sz="3200" b="1" dirty="0" smtClean="0">
+              <a:rPr lang="en-US" sz="3200" b="1" dirty="0">
                 <a:latin typeface="Rajdhani" panose="020B0604020202020204" charset="0"/>
                 <a:cs typeface="Rajdhani" panose="020B0604020202020204" charset="0"/>
               </a:rPr>
@@ -6539,8 +6162,8 @@
         </p:blipFill>
         <p:spPr>
           <a:xfrm>
-            <a:off x="1052946" y="1289693"/>
-            <a:ext cx="7335982" cy="3580179"/>
+            <a:off x="3782395" y="996176"/>
+            <a:ext cx="5012200" cy="3641802"/>
           </a:xfrm>
           <a:prstGeom prst="rect">
             <a:avLst/>
@@ -6551,6 +6174,50 @@
           </a:ln>
         </p:spPr>
       </p:pic>
+      <p:sp>
+        <p:nvSpPr>
+          <p:cNvPr id="7" name="TextBox 6">
+            <a:extLst>
+              <a:ext uri="{FF2B5EF4-FFF2-40B4-BE49-F238E27FC236}">
+                <a16:creationId xmlns:a16="http://schemas.microsoft.com/office/drawing/2014/main" id="{773D7D0D-3DFE-41EA-99F4-6D9BD5A2B01C}"/>
+              </a:ext>
+            </a:extLst>
+          </p:cNvPr>
+          <p:cNvSpPr txBox="1"/>
+          <p:nvPr/>
+        </p:nvSpPr>
+        <p:spPr>
+          <a:xfrm>
+            <a:off x="614759" y="1484111"/>
+            <a:ext cx="3230970" cy="923330"/>
+          </a:xfrm>
+          <a:prstGeom prst="rect">
+            <a:avLst/>
+          </a:prstGeom>
+          <a:noFill/>
+        </p:spPr>
+        <p:txBody>
+          <a:bodyPr wrap="square">
+            <a:spAutoFit/>
+          </a:bodyPr>
+          <a:lstStyle/>
+          <a:p>
+            <a:r>
+              <a:rPr lang="en-US" sz="1800" b="0" i="0" dirty="0">
+                <a:solidFill>
+                  <a:srgbClr val="DCDDDE"/>
+                </a:solidFill>
+                <a:effectLst/>
+                <a:latin typeface="Fira Sans Condensed Light" panose="020B0403050000020004" pitchFamily="34" charset="0"/>
+              </a:rPr>
+              <a:t>Our dataset consists of several rs numbers containing the genotypes of each member</a:t>
+            </a:r>
+            <a:endParaRPr lang="en-US" sz="1800" dirty="0">
+              <a:latin typeface="Fira Sans Condensed Light" panose="020B0403050000020004" pitchFamily="34" charset="0"/>
+            </a:endParaRPr>
+          </a:p>
+        </p:txBody>
+      </p:sp>
     </p:spTree>
     <p:extLst>
       <p:ext uri="{BB962C8B-B14F-4D97-AF65-F5344CB8AC3E}">
@@ -6561,17 +6228,13 @@
   <p:clrMapOvr>
     <a:masterClrMapping/>
   </p:clrMapOvr>
-  <p:timing>
-    <p:tnLst>
-      <p:par>
-        <p:cTn id="1" dur="indefinite" restart="never" nodeType="tmRoot"/>
-      </p:par>
-    </p:tnLst>
-  </p:timing>
+  <p:transition spd="slow">
+    <p:push dir="u"/>
+  </p:transition>
 </p:sld>
 </file>
 
-<file path=ppt/slides/slide14.xml><?xml version="1.0" encoding="utf-8"?>
+<file path=ppt/slides/slide13.xml><?xml version="1.0" encoding="utf-8"?>
 <p:sld xmlns:a="http://schemas.openxmlformats.org/drawingml/2006/main" xmlns:r="http://schemas.openxmlformats.org/officeDocument/2006/relationships" xmlns:p="http://schemas.openxmlformats.org/presentationml/2006/main">
   <p:cSld>
     <p:spTree>
@@ -6600,7 +6263,7 @@
         </p:nvSpPr>
         <p:spPr>
           <a:xfrm>
-            <a:off x="637579" y="547910"/>
+            <a:off x="585540" y="221928"/>
             <a:ext cx="7294148" cy="636654"/>
           </a:xfrm>
           <a:prstGeom prst="rect">
@@ -6615,7 +6278,7 @@
           <a:p>
             <a:pPr marL="0" lvl="0" indent="0" algn="l"/>
             <a:r>
-              <a:rPr lang="en-US" sz="3200" b="1" dirty="0" smtClean="0">
+              <a:rPr lang="en-US" sz="3200" b="1" dirty="0">
                 <a:latin typeface="Rajdhani" panose="020B0604020202020204" charset="0"/>
                 <a:cs typeface="Rajdhani" panose="020B0604020202020204" charset="0"/>
               </a:rPr>
@@ -6650,8 +6313,8 @@
         </p:blipFill>
         <p:spPr>
           <a:xfrm>
-            <a:off x="755072" y="1352288"/>
-            <a:ext cx="7813878" cy="3420603"/>
+            <a:off x="869794" y="1129268"/>
+            <a:ext cx="7168120" cy="3792304"/>
           </a:xfrm>
           <a:prstGeom prst="rect">
             <a:avLst/>
@@ -6668,17 +6331,13 @@
   <p:clrMapOvr>
     <a:masterClrMapping/>
   </p:clrMapOvr>
-  <p:timing>
-    <p:tnLst>
-      <p:par>
-        <p:cTn id="1" dur="indefinite" restart="never" nodeType="tmRoot"/>
-      </p:par>
-    </p:tnLst>
-  </p:timing>
+  <p:transition spd="slow">
+    <p:push dir="u"/>
+  </p:transition>
 </p:sld>
 </file>
 
-<file path=ppt/slides/slide15.xml><?xml version="1.0" encoding="utf-8"?>
+<file path=ppt/slides/slide14.xml><?xml version="1.0" encoding="utf-8"?>
 <p:sld xmlns:a="http://schemas.openxmlformats.org/drawingml/2006/main" xmlns:r="http://schemas.openxmlformats.org/officeDocument/2006/relationships" xmlns:p="http://schemas.openxmlformats.org/presentationml/2006/main">
   <p:cSld>
     <p:bg>
@@ -6743,7 +6402,7 @@
               <a:buNone/>
             </a:pPr>
             <a:r>
-              <a:rPr lang="en" dirty="0" smtClean="0"/>
+              <a:rPr lang="en" dirty="0"/>
               <a:t>TIME PLAN</a:t>
             </a:r>
             <a:endParaRPr dirty="0"/>
@@ -6853,7 +6512,7 @@
           <a:p>
             <a:pPr lvl="0"/>
             <a:r>
-              <a:rPr lang="en-US" sz="2400" b="1" dirty="0" smtClean="0">
+              <a:rPr lang="en-US" sz="2400" b="1" dirty="0">
                 <a:solidFill>
                   <a:schemeClr val="lt2"/>
                 </a:solidFill>
@@ -6865,18 +6524,6 @@
               <a:t>B</a:t>
             </a:r>
             <a:r>
-              <a:rPr lang="en" sz="2400" b="1" dirty="0" smtClean="0">
-                <a:solidFill>
-                  <a:schemeClr val="lt2"/>
-                </a:solidFill>
-                <a:latin typeface="Rajdhani"/>
-                <a:ea typeface="Rajdhani"/>
-                <a:cs typeface="Rajdhani"/>
-                <a:sym typeface="Rajdhani"/>
-              </a:rPr>
-              <a:t>y the end </a:t>
-            </a:r>
-            <a:r>
               <a:rPr lang="en" sz="2400" b="1" dirty="0">
                 <a:solidFill>
                   <a:schemeClr val="lt2"/>
@@ -6886,10 +6533,10 @@
                 <a:cs typeface="Rajdhani"/>
                 <a:sym typeface="Rajdhani"/>
               </a:rPr>
-              <a:t>of </a:t>
+              <a:t>y the end of </a:t>
             </a:r>
             <a:r>
-              <a:rPr lang="en-US" sz="2400" b="1" dirty="0" smtClean="0">
+              <a:rPr lang="en-US" sz="2400" b="1" dirty="0">
                 <a:solidFill>
                   <a:schemeClr val="lt2"/>
                 </a:solidFill>
@@ -6988,7 +6635,7 @@
               <a:buNone/>
             </a:pPr>
             <a:r>
-              <a:rPr lang="en-US" dirty="0" smtClean="0">
+              <a:rPr lang="en-US" dirty="0">
                 <a:solidFill>
                   <a:schemeClr val="lt2"/>
                 </a:solidFill>
@@ -7079,7 +6726,7 @@
           <a:p>
             <a:pPr lvl="0" algn="r"/>
             <a:r>
-              <a:rPr lang="en" sz="2400" b="1" dirty="0" smtClean="0">
+              <a:rPr lang="en" sz="2400" b="1" dirty="0">
                 <a:solidFill>
                   <a:schemeClr val="lt2"/>
                 </a:solidFill>
@@ -7091,7 +6738,7 @@
               <a:t>By the end of </a:t>
             </a:r>
             <a:r>
-              <a:rPr lang="en-US" sz="2400" b="1" dirty="0" smtClean="0">
+              <a:rPr lang="en-US" sz="2400" b="1" dirty="0">
                 <a:solidFill>
                   <a:schemeClr val="lt2"/>
                 </a:solidFill>
@@ -7149,7 +6796,7 @@
               <a:buNone/>
             </a:pPr>
             <a:r>
-              <a:rPr lang="en-US" sz="2400" b="1" dirty="0" smtClean="0">
+              <a:rPr lang="en-US" sz="2400" b="1" dirty="0">
                 <a:solidFill>
                   <a:schemeClr val="lt2"/>
                 </a:solidFill>
@@ -7161,7 +6808,7 @@
               <a:t>B</a:t>
             </a:r>
             <a:r>
-              <a:rPr lang="en" sz="2400" b="1" dirty="0" smtClean="0">
+              <a:rPr lang="en" sz="2400" b="1" dirty="0">
                 <a:solidFill>
                   <a:schemeClr val="lt2"/>
                 </a:solidFill>
@@ -7220,29 +6867,8 @@
                 <a:cs typeface="Rajdhani"/>
                 <a:sym typeface="Rajdhani"/>
               </a:rPr>
-              <a:t>Start by the end of </a:t>
+              <a:t>Start by the end of February</a:t>
             </a:r>
-            <a:r>
-              <a:rPr lang="en-US" sz="2400" b="1" dirty="0" smtClean="0">
-                <a:solidFill>
-                  <a:schemeClr val="lt2"/>
-                </a:solidFill>
-                <a:latin typeface="Rajdhani"/>
-                <a:ea typeface="Rajdhani"/>
-                <a:cs typeface="Rajdhani"/>
-                <a:sym typeface="Rajdhani"/>
-              </a:rPr>
-              <a:t>February</a:t>
-            </a:r>
-            <a:endParaRPr lang="en-US" sz="2400" b="1" dirty="0">
-              <a:solidFill>
-                <a:schemeClr val="lt2"/>
-              </a:solidFill>
-              <a:latin typeface="Rajdhani"/>
-              <a:ea typeface="Rajdhani"/>
-              <a:cs typeface="Rajdhani"/>
-              <a:sym typeface="Rajdhani"/>
-            </a:endParaRPr>
           </a:p>
         </p:txBody>
       </p:sp>
@@ -7386,7 +7012,7 @@
           <a:p>
             <a:pPr lvl="0"/>
             <a:r>
-              <a:rPr lang="en-US" sz="2400" b="1" dirty="0" smtClean="0">
+              <a:rPr lang="en-US" sz="2400" b="1" dirty="0">
                 <a:solidFill>
                   <a:schemeClr val="lt2"/>
                 </a:solidFill>
@@ -7436,7 +7062,7 @@
           <a:p>
             <a:pPr lvl="0" algn="r"/>
             <a:r>
-              <a:rPr lang="en-US" dirty="0" smtClean="0">
+              <a:rPr lang="en-US" dirty="0">
                 <a:solidFill>
                   <a:schemeClr val="lt2"/>
                 </a:solidFill>
@@ -7490,17 +7116,13 @@
   <p:clrMapOvr>
     <a:masterClrMapping/>
   </p:clrMapOvr>
-  <p:timing>
-    <p:tnLst>
-      <p:par>
-        <p:cTn id="1" dur="indefinite" restart="never" nodeType="tmRoot"/>
-      </p:par>
-    </p:tnLst>
-  </p:timing>
+  <p:transition spd="slow">
+    <p:push dir="u"/>
+  </p:transition>
 </p:sld>
 </file>
 
-<file path=ppt/slides/slide16.xml><?xml version="1.0" encoding="utf-8"?>
+<file path=ppt/slides/slide15.xml><?xml version="1.0" encoding="utf-8"?>
 <p:sld xmlns:a="http://schemas.openxmlformats.org/drawingml/2006/main" xmlns:r="http://schemas.openxmlformats.org/officeDocument/2006/relationships" xmlns:p="http://schemas.openxmlformats.org/presentationml/2006/main">
   <p:cSld>
     <p:spTree>
@@ -7544,7 +7166,7 @@
           <a:p>
             <a:pPr marL="0" lvl="0" indent="0" algn="l"/>
             <a:r>
-              <a:rPr lang="en-US" sz="3200" b="1" dirty="0" smtClean="0">
+              <a:rPr lang="en-US" sz="3200" b="1" dirty="0">
                 <a:latin typeface="Rajdhani" panose="020B0604020202020204" charset="0"/>
                 <a:cs typeface="Rajdhani" panose="020B0604020202020204" charset="0"/>
               </a:rPr>
@@ -7567,17 +7189,13 @@
   <p:clrMapOvr>
     <a:masterClrMapping/>
   </p:clrMapOvr>
-  <p:timing>
-    <p:tnLst>
-      <p:par>
-        <p:cTn id="1" dur="indefinite" restart="never" nodeType="tmRoot"/>
-      </p:par>
-    </p:tnLst>
-  </p:timing>
+  <p:transition spd="slow">
+    <p:push dir="u"/>
+  </p:transition>
 </p:sld>
 </file>
 
-<file path=ppt/slides/slide17.xml><?xml version="1.0" encoding="utf-8"?>
+<file path=ppt/slides/slide16.xml><?xml version="1.0" encoding="utf-8"?>
 <p:sld xmlns:a="http://schemas.openxmlformats.org/drawingml/2006/main" xmlns:r="http://schemas.openxmlformats.org/officeDocument/2006/relationships" xmlns:p="http://schemas.openxmlformats.org/presentationml/2006/main">
   <p:cSld>
     <p:spTree>
@@ -7869,10 +7487,9 @@
           <a:p>
             <a:pPr algn="ctr"/>
             <a:r>
-              <a:rPr lang="en-US" dirty="0" smtClean="0"/>
+              <a:rPr lang="en-US" dirty="0"/>
               <a:t>THANKS!</a:t>
             </a:r>
-            <a:endParaRPr lang="en-US" dirty="0"/>
           </a:p>
         </p:txBody>
       </p:sp>
@@ -10048,6 +9665,9 @@
   <p:clrMapOvr>
     <a:masterClrMapping/>
   </p:clrMapOvr>
+  <p:transition spd="slow">
+    <p:push dir="u"/>
+  </p:transition>
 </p:sld>
 </file>
 
@@ -10116,7 +9736,7 @@
               <a:buNone/>
             </a:pPr>
             <a:r>
-              <a:rPr lang="en" sz="3000" dirty="0" smtClean="0"/>
+              <a:rPr lang="en" sz="3000" dirty="0"/>
               <a:t>Agenda</a:t>
             </a:r>
             <a:endParaRPr sz="3000" dirty="0"/>
@@ -10266,11 +9886,7 @@
             </a:pPr>
             <a:r>
               <a:rPr lang="en-US" sz="2000" dirty="0"/>
-              <a:t>Data Design (Database &amp; Dataset</a:t>
-            </a:r>
-            <a:r>
-              <a:rPr lang="en-US" sz="2000" dirty="0" smtClean="0"/>
-              <a:t>)</a:t>
+              <a:t>Data Design (Database &amp; Dataset)</a:t>
             </a:r>
           </a:p>
           <a:p>
@@ -10282,10 +9898,9 @@
               <a:buChar char="•"/>
             </a:pPr>
             <a:r>
-              <a:rPr lang="en-US" sz="2000" dirty="0" smtClean="0"/>
+              <a:rPr lang="en-US" sz="2000" dirty="0"/>
               <a:t>Time plan</a:t>
             </a:r>
-            <a:endParaRPr lang="en-US" sz="2000" dirty="0"/>
           </a:p>
           <a:p>
             <a:pPr>
@@ -10339,13 +9954,9 @@
   <p:clrMapOvr>
     <a:masterClrMapping/>
   </p:clrMapOvr>
-  <p:timing>
-    <p:tnLst>
-      <p:par>
-        <p:cTn id="1" dur="indefinite" restart="never" nodeType="tmRoot"/>
-      </p:par>
-    </p:tnLst>
-  </p:timing>
+  <p:transition spd="slow">
+    <p:push dir="u"/>
+  </p:transition>
 </p:sld>
 </file>
 
@@ -10387,8 +9998,8 @@
         </p:nvSpPr>
         <p:spPr>
           <a:xfrm>
-            <a:off x="651164" y="1277281"/>
-            <a:ext cx="4572000" cy="4185761"/>
+            <a:off x="539651" y="1149928"/>
+            <a:ext cx="4572000" cy="3323987"/>
           </a:xfrm>
           <a:prstGeom prst="rect">
             <a:avLst/>
@@ -10400,6 +10011,14 @@
           </a:bodyPr>
           <a:lstStyle/>
           <a:p>
+            <a:br>
+              <a:rPr lang="en-US" spc="-1" dirty="0">
+                <a:solidFill>
+                  <a:srgbClr val="FFFFFF"/>
+                </a:solidFill>
+                <a:latin typeface="Fira Sans Condensed Light" panose="020B0604020202020204" charset="0"/>
+              </a:rPr>
+            </a:br>
             <a:r>
               <a:rPr lang="en-US" spc="-1" dirty="0">
                 <a:solidFill>
@@ -10430,7 +10049,7 @@
             </a:r>
           </a:p>
           <a:p>
-            <a:endParaRPr lang="en-US" spc="-1" dirty="0" smtClean="0">
+            <a:endParaRPr lang="en-US" spc="-1" dirty="0">
               <a:solidFill>
                 <a:srgbClr val="FFFFFF"/>
               </a:solidFill>
@@ -10446,7 +10065,26 @@
             </a:endParaRPr>
           </a:p>
           <a:p>
-            <a:endParaRPr lang="en-US" spc="-1" dirty="0" smtClean="0">
+            <a:endParaRPr lang="en-US" spc="-1" dirty="0">
+              <a:solidFill>
+                <a:srgbClr val="FFFFFF"/>
+              </a:solidFill>
+              <a:latin typeface="Fira Sans Condensed Light" panose="020B0604020202020204" charset="0"/>
+            </a:endParaRPr>
+          </a:p>
+          <a:p>
+            <a:r>
+              <a:rPr lang="en-US" spc="-1" dirty="0">
+                <a:solidFill>
+                  <a:srgbClr val="FFFFFF"/>
+                </a:solidFill>
+                <a:latin typeface="Fira Sans Condensed Light" panose="020B0604020202020204" charset="0"/>
+              </a:rPr>
+              <a:t>Genes →Genes are passed from parents to offspring and contain the information needed to specify traits(qualities). Genes contains a subset of the DNA and this subset is (A, T, C, G).  </a:t>
+            </a:r>
+          </a:p>
+          <a:p>
+            <a:endParaRPr lang="en-US" spc="-1" dirty="0">
               <a:solidFill>
                 <a:srgbClr val="FFFFFF"/>
               </a:solidFill>
@@ -10462,15 +10100,7 @@
             </a:endParaRPr>
           </a:p>
           <a:p>
-            <a:endParaRPr lang="en-US" spc="-1" dirty="0" smtClean="0">
-              <a:solidFill>
-                <a:srgbClr val="FFFFFF"/>
-              </a:solidFill>
-              <a:latin typeface="Fira Sans Condensed Light" panose="020B0604020202020204" charset="0"/>
-            </a:endParaRPr>
-          </a:p>
-          <a:p>
-            <a:endParaRPr lang="en-US" spc="-1" dirty="0" smtClean="0">
+            <a:endParaRPr lang="en-US" spc="-1" dirty="0">
               <a:solidFill>
                 <a:srgbClr val="FFFFFF"/>
               </a:solidFill>
@@ -10479,72 +10109,6 @@
           </a:p>
           <a:p>
             <a:endParaRPr lang="en-US" spc="-1" dirty="0">
-              <a:solidFill>
-                <a:srgbClr val="FFFFFF"/>
-              </a:solidFill>
-              <a:latin typeface="Fira Sans Condensed Light" panose="020B0604020202020204" charset="0"/>
-            </a:endParaRPr>
-          </a:p>
-          <a:p>
-            <a:endParaRPr lang="en-US" spc="-1" dirty="0" smtClean="0">
-              <a:solidFill>
-                <a:srgbClr val="FFFFFF"/>
-              </a:solidFill>
-              <a:latin typeface="Fira Sans Condensed Light" panose="020B0604020202020204" charset="0"/>
-            </a:endParaRPr>
-          </a:p>
-          <a:p>
-            <a:r>
-              <a:rPr lang="en-US" spc="-1" dirty="0" smtClean="0">
-                <a:solidFill>
-                  <a:srgbClr val="FFFFFF"/>
-                </a:solidFill>
-                <a:latin typeface="Fira Sans Condensed Light" panose="020B0604020202020204" charset="0"/>
-              </a:rPr>
-              <a:t>Genes </a:t>
-            </a:r>
-            <a:r>
-              <a:rPr lang="en-US" spc="-1" dirty="0">
-                <a:solidFill>
-                  <a:srgbClr val="FFFFFF"/>
-                </a:solidFill>
-                <a:latin typeface="Fira Sans Condensed Light" panose="020B0604020202020204" charset="0"/>
-              </a:rPr>
-              <a:t>→Genes are passed from parents to offspring and contain the information needed to specify traits(qualities). Genes contains a subset of the DNA and this subset is (A, T, C, G).  </a:t>
-            </a:r>
-            <a:endParaRPr lang="en-US" spc="-1" dirty="0" smtClean="0">
-              <a:solidFill>
-                <a:srgbClr val="FFFFFF"/>
-              </a:solidFill>
-              <a:latin typeface="Fira Sans Condensed Light" panose="020B0604020202020204" charset="0"/>
-            </a:endParaRPr>
-          </a:p>
-          <a:p>
-            <a:endParaRPr lang="en-US" spc="-1" dirty="0">
-              <a:solidFill>
-                <a:srgbClr val="FFFFFF"/>
-              </a:solidFill>
-              <a:latin typeface="Fira Sans Condensed Light" panose="020B0604020202020204" charset="0"/>
-            </a:endParaRPr>
-          </a:p>
-          <a:p>
-            <a:endParaRPr lang="en-US" spc="-1" dirty="0" smtClean="0">
-              <a:solidFill>
-                <a:srgbClr val="FFFFFF"/>
-              </a:solidFill>
-              <a:latin typeface="Fira Sans Condensed Light" panose="020B0604020202020204" charset="0"/>
-            </a:endParaRPr>
-          </a:p>
-          <a:p>
-            <a:endParaRPr lang="en-US" spc="-1" dirty="0">
-              <a:solidFill>
-                <a:srgbClr val="FFFFFF"/>
-              </a:solidFill>
-              <a:latin typeface="Fira Sans Condensed Light" panose="020B0604020202020204" charset="0"/>
-            </a:endParaRPr>
-          </a:p>
-          <a:p>
-            <a:endParaRPr lang="en-US" spc="-1" dirty="0" smtClean="0">
               <a:solidFill>
                 <a:srgbClr val="FFFFFF"/>
               </a:solidFill>
@@ -10588,22 +10152,15 @@
               <a:buNone/>
             </a:pPr>
             <a:r>
-              <a:rPr lang="en-US" sz="3200" b="1" dirty="0" smtClean="0">
+              <a:rPr lang="en-US" sz="3200" b="1" dirty="0">
                 <a:latin typeface="Rajdhani" panose="020B0604020202020204" charset="0"/>
                 <a:cs typeface="Rajdhani" panose="020B0604020202020204" charset="0"/>
               </a:rPr>
               <a:t>Introduction</a:t>
             </a:r>
             <a:r>
-              <a:rPr lang="en-US" sz="3200" b="1" dirty="0" smtClean="0"/>
+              <a:rPr lang="en-US" sz="3200" b="1" dirty="0"/>
               <a:t> </a:t>
-            </a:r>
-            <a:r>
-              <a:rPr lang="en-US" sz="3200" b="1" dirty="0" smtClean="0">
-                <a:latin typeface="Rajdhani" panose="020B0604020202020204" charset="0"/>
-                <a:cs typeface="Rajdhani" panose="020B0604020202020204" charset="0"/>
-              </a:rPr>
-              <a:t>(cont.)</a:t>
             </a:r>
             <a:endParaRPr sz="3200" b="1" dirty="0">
               <a:latin typeface="Rajdhani" panose="020B0604020202020204" charset="0"/>
@@ -10634,7 +10191,7 @@
         </p:blipFill>
         <p:spPr>
           <a:xfrm>
-            <a:off x="5818910" y="228602"/>
+            <a:off x="5818910" y="377285"/>
             <a:ext cx="3138054" cy="2313707"/>
           </a:xfrm>
           <a:prstGeom prst="rect">
@@ -10670,7 +10227,7 @@
         </p:blipFill>
         <p:spPr>
           <a:xfrm>
-            <a:off x="5818909" y="2663039"/>
+            <a:off x="5818910" y="2767117"/>
             <a:ext cx="3138055" cy="2279570"/>
           </a:xfrm>
           <a:prstGeom prst="rect">
@@ -10689,13 +10246,9 @@
   <p:clrMapOvr>
     <a:masterClrMapping/>
   </p:clrMapOvr>
-  <p:timing>
-    <p:tnLst>
-      <p:par>
-        <p:cTn id="1" dur="indefinite" restart="never" nodeType="tmRoot"/>
-      </p:par>
-    </p:tnLst>
-  </p:timing>
+  <p:transition spd="slow">
+    <p:push dir="u"/>
+  </p:transition>
 </p:sld>
 </file>
 
@@ -10751,18 +10304,18 @@
               <a:buNone/>
             </a:pPr>
             <a:r>
-              <a:rPr lang="en-US" sz="3200" b="1" dirty="0" smtClean="0">
+              <a:rPr lang="en-US" sz="3200" b="1" dirty="0">
                 <a:latin typeface="Rajdhani" panose="020B0604020202020204" charset="0"/>
                 <a:cs typeface="Rajdhani" panose="020B0604020202020204" charset="0"/>
               </a:rPr>
               <a:t>Introduction</a:t>
             </a:r>
             <a:r>
-              <a:rPr lang="en-US" sz="3200" b="1" dirty="0" smtClean="0"/>
+              <a:rPr lang="en-US" sz="3200" b="1" dirty="0"/>
               <a:t> </a:t>
             </a:r>
             <a:r>
-              <a:rPr lang="en-US" sz="3200" b="1" dirty="0" smtClean="0">
+              <a:rPr lang="en-US" sz="3200" b="1" dirty="0">
                 <a:latin typeface="Rajdhani" panose="020B0604020202020204" charset="0"/>
                 <a:cs typeface="Rajdhani" panose="020B0604020202020204" charset="0"/>
               </a:rPr>
@@ -10810,11 +10363,7 @@
             <a:pPr marL="0" indent="0"/>
             <a:r>
               <a:rPr lang="en-US" sz="1800" dirty="0"/>
-              <a:t>It is the whole DNA sequence that a human have in their system</a:t>
-            </a:r>
-            <a:r>
-              <a:rPr lang="en-US" sz="1800" dirty="0" smtClean="0"/>
-              <a:t>.</a:t>
+              <a:t>It is the whole DNA sequence that a human have in their system.</a:t>
             </a:r>
           </a:p>
           <a:p>
@@ -10832,7 +10381,7 @@
             <a:pPr marL="0" indent="0"/>
             <a:r>
               <a:rPr lang="en-US" sz="1800" dirty="0"/>
-              <a:t>It is a part of the whole genome and makes up to 5% of it and it may reveal information about family relationships (ex: paternity test) </a:t>
+              <a:t>It is a part of the whole genome and makes up to 1.5% of it and it may reveal information about family relationships (ex: paternity test) </a:t>
             </a:r>
           </a:p>
           <a:p>
@@ -10889,13 +10438,9 @@
   <p:clrMapOvr>
     <a:masterClrMapping/>
   </p:clrMapOvr>
-  <p:timing>
-    <p:tnLst>
-      <p:par>
-        <p:cTn id="1" dur="indefinite" restart="never" nodeType="tmRoot"/>
-      </p:par>
-    </p:tnLst>
-  </p:timing>
+  <p:transition spd="slow">
+    <p:push dir="u"/>
+  </p:transition>
 </p:sld>
 </file>
 
@@ -10951,7 +10496,7 @@
               <a:buNone/>
             </a:pPr>
             <a:r>
-              <a:rPr lang="en-US" sz="3200" b="1" dirty="0" smtClean="0">
+              <a:rPr lang="en-US" sz="3200" b="1" dirty="0">
                 <a:latin typeface="Rajdhani" panose="020B0604020202020204" charset="0"/>
                 <a:cs typeface="Rajdhani" panose="020B0604020202020204" charset="0"/>
               </a:rPr>
@@ -10991,13 +10536,8 @@
           <a:p>
             <a:r>
               <a:rPr lang="en-US" sz="1800" dirty="0"/>
-              <a:t>What is an rsNumebr</a:t>
+              <a:t>What is an rsNumebr?</a:t>
             </a:r>
-            <a:r>
-              <a:rPr lang="en-US" sz="1800" dirty="0" smtClean="0"/>
-              <a:t>?</a:t>
-            </a:r>
-            <a:endParaRPr lang="en-US" sz="1800" dirty="0"/>
           </a:p>
           <a:p>
             <a:endParaRPr lang="en-US" sz="1800" dirty="0"/>
@@ -11093,10 +10633,9 @@
                     <a:lstStyle/>
                     <a:p>
                       <a:r>
-                        <a:rPr lang="en-US" dirty="0" smtClean="0"/>
+                        <a:rPr lang="en-US" dirty="0"/>
                         <a:t>RsNumber</a:t>
                       </a:r>
-                      <a:endParaRPr lang="en-US" dirty="0"/>
                     </a:p>
                   </a:txBody>
                   <a:tcPr/>
@@ -11107,10 +10646,9 @@
                     <a:lstStyle/>
                     <a:p>
                       <a:r>
-                        <a:rPr lang="en-US" dirty="0" smtClean="0"/>
+                        <a:rPr lang="en-US" dirty="0"/>
                         <a:t>Father</a:t>
                       </a:r>
-                      <a:endParaRPr lang="en-US" dirty="0"/>
                     </a:p>
                   </a:txBody>
                   <a:tcPr/>
@@ -11121,10 +10659,9 @@
                     <a:lstStyle/>
                     <a:p>
                       <a:r>
-                        <a:rPr lang="en-US" dirty="0" smtClean="0"/>
+                        <a:rPr lang="en-US" dirty="0"/>
                         <a:t>Mother</a:t>
                       </a:r>
-                      <a:endParaRPr lang="en-US" dirty="0"/>
                     </a:p>
                   </a:txBody>
                   <a:tcPr/>
@@ -11135,10 +10672,9 @@
                     <a:lstStyle/>
                     <a:p>
                       <a:r>
-                        <a:rPr lang="en-US" dirty="0" smtClean="0"/>
+                        <a:rPr lang="en-US" dirty="0"/>
                         <a:t>Child1</a:t>
                       </a:r>
-                      <a:endParaRPr lang="en-US" dirty="0"/>
                     </a:p>
                   </a:txBody>
                   <a:tcPr/>
@@ -11149,10 +10685,9 @@
                     <a:lstStyle/>
                     <a:p>
                       <a:r>
-                        <a:rPr lang="en-US" dirty="0" smtClean="0"/>
+                        <a:rPr lang="en-US" dirty="0"/>
                         <a:t>Child2</a:t>
                       </a:r>
-                      <a:endParaRPr lang="en-US" dirty="0"/>
                     </a:p>
                   </a:txBody>
                   <a:tcPr/>
@@ -11163,10 +10698,9 @@
                     <a:lstStyle/>
                     <a:p>
                       <a:r>
-                        <a:rPr lang="en-US" dirty="0" smtClean="0"/>
+                        <a:rPr lang="en-US" dirty="0"/>
                         <a:t>Child3</a:t>
                       </a:r>
-                      <a:endParaRPr lang="en-US" dirty="0"/>
                     </a:p>
                   </a:txBody>
                   <a:tcPr/>
@@ -11184,10 +10718,9 @@
                     <a:lstStyle/>
                     <a:p>
                       <a:r>
-                        <a:rPr lang="en-US" dirty="0" smtClean="0"/>
+                        <a:rPr lang="en-US" dirty="0"/>
                         <a:t>rs3131972</a:t>
                       </a:r>
-                      <a:endParaRPr lang="en-US" dirty="0"/>
                     </a:p>
                   </a:txBody>
                   <a:tcPr/>
@@ -11198,10 +10731,9 @@
                     <a:lstStyle/>
                     <a:p>
                       <a:r>
-                        <a:rPr lang="en-US" dirty="0" smtClean="0"/>
+                        <a:rPr lang="en-US" dirty="0"/>
                         <a:t>AG</a:t>
                       </a:r>
-                      <a:endParaRPr lang="en-US" dirty="0"/>
                     </a:p>
                   </a:txBody>
                   <a:tcPr/>
@@ -11212,10 +10744,9 @@
                     <a:lstStyle/>
                     <a:p>
                       <a:r>
-                        <a:rPr lang="en-US" dirty="0" smtClean="0"/>
+                        <a:rPr lang="en-US" dirty="0"/>
                         <a:t>GG</a:t>
                       </a:r>
-                      <a:endParaRPr lang="en-US" dirty="0"/>
                     </a:p>
                   </a:txBody>
                   <a:tcPr/>
@@ -11226,10 +10757,9 @@
                     <a:lstStyle/>
                     <a:p>
                       <a:r>
-                        <a:rPr lang="en-US" dirty="0" smtClean="0"/>
+                        <a:rPr lang="en-US" dirty="0"/>
                         <a:t>AG</a:t>
                       </a:r>
-                      <a:endParaRPr lang="en-US" dirty="0"/>
                     </a:p>
                   </a:txBody>
                   <a:tcPr/>
@@ -11240,10 +10770,9 @@
                     <a:lstStyle/>
                     <a:p>
                       <a:r>
-                        <a:rPr lang="en-US" dirty="0" smtClean="0"/>
+                        <a:rPr lang="en-US" dirty="0"/>
                         <a:t>GG</a:t>
                       </a:r>
-                      <a:endParaRPr lang="en-US" dirty="0"/>
                     </a:p>
                   </a:txBody>
                   <a:tcPr/>
@@ -11254,10 +10783,9 @@
                     <a:lstStyle/>
                     <a:p>
                       <a:r>
-                        <a:rPr lang="en-US" dirty="0" smtClean="0"/>
+                        <a:rPr lang="en-US" dirty="0"/>
                         <a:t>GG</a:t>
                       </a:r>
-                      <a:endParaRPr lang="en-US" dirty="0"/>
                     </a:p>
                   </a:txBody>
                   <a:tcPr/>
@@ -11336,13 +10864,9 @@
   <p:clrMapOvr>
     <a:masterClrMapping/>
   </p:clrMapOvr>
-  <p:timing>
-    <p:tnLst>
-      <p:par>
-        <p:cTn id="1" dur="indefinite" restart="never" nodeType="tmRoot"/>
-      </p:par>
-    </p:tnLst>
-  </p:timing>
+  <p:transition spd="slow">
+    <p:push dir="u"/>
+  </p:transition>
 </p:sld>
 </file>
 
@@ -11765,13 +11289,9 @@
   <p:clrMapOvr>
     <a:masterClrMapping/>
   </p:clrMapOvr>
-  <p:timing>
-    <p:tnLst>
-      <p:par>
-        <p:cTn id="1" dur="indefinite" restart="never" nodeType="tmRoot"/>
-      </p:par>
-    </p:tnLst>
-  </p:timing>
+  <p:transition spd="slow">
+    <p:push dir="u"/>
+  </p:transition>
 </p:sld>
 </file>
 
@@ -12156,13 +11676,9 @@
   <p:clrMapOvr>
     <a:masterClrMapping/>
   </p:clrMapOvr>
-  <p:timing>
-    <p:tnLst>
-      <p:par>
-        <p:cTn id="1" dur="indefinite" restart="never" nodeType="tmRoot"/>
-      </p:par>
-    </p:tnLst>
-  </p:timing>
+  <p:transition spd="slow">
+    <p:push dir="u"/>
+  </p:transition>
 </p:sld>
 </file>
 
@@ -12263,13 +11779,9 @@
   <p:clrMapOvr>
     <a:masterClrMapping/>
   </p:clrMapOvr>
-  <p:timing>
-    <p:tnLst>
-      <p:par>
-        <p:cTn id="1" dur="indefinite" restart="never" nodeType="tmRoot"/>
-      </p:par>
-    </p:tnLst>
-  </p:timing>
+  <p:transition spd="slow">
+    <p:push dir="u"/>
+  </p:transition>
 </p:sld>
 </file>
 
@@ -12302,7 +11814,7 @@
         </p:nvSpPr>
         <p:spPr>
           <a:xfrm>
-            <a:off x="637580" y="547910"/>
+            <a:off x="339437" y="921391"/>
             <a:ext cx="4093746" cy="636654"/>
           </a:xfrm>
           <a:prstGeom prst="rect">
@@ -12315,14 +11827,17 @@
           </a:bodyPr>
           <a:lstStyle/>
           <a:p>
-            <a:pPr marL="0" lvl="0" indent="0" algn="l"/>
+            <a:pPr marL="0" indent="0" algn="l"/>
             <a:r>
-              <a:rPr lang="en-US" sz="3200" b="1" dirty="0" smtClean="0">
+              <a:rPr lang="en-US" sz="3200" b="1" dirty="0">
                 <a:latin typeface="Rajdhani" panose="020B0604020202020204" charset="0"/>
                 <a:cs typeface="Rajdhani" panose="020B0604020202020204" charset="0"/>
               </a:rPr>
-              <a:t>Use Case Diagram</a:t>
+              <a:t>Use Case Diagram &amp; Functional Requirements</a:t>
             </a:r>
+          </a:p>
+          <a:p>
+            <a:pPr marL="0" lvl="0" indent="0" algn="l"/>
             <a:endParaRPr sz="3200" b="1" dirty="0">
               <a:latin typeface="Rajdhani" panose="020B0604020202020204" charset="0"/>
               <a:cs typeface="Rajdhani" panose="020B0604020202020204" charset="0"/>
@@ -12340,7 +11855,7 @@
         </p:nvSpPr>
         <p:spPr>
           <a:xfrm>
-            <a:off x="637580" y="1275272"/>
+            <a:off x="0" y="1676717"/>
             <a:ext cx="4772620" cy="2860309"/>
           </a:xfrm>
           <a:prstGeom prst="rect">
@@ -12656,6 +12171,53 @@
           </a:p>
         </p:txBody>
       </p:sp>
+      <p:pic>
+        <p:nvPicPr>
+          <p:cNvPr id="1026" name="Picture 2">
+            <a:extLst>
+              <a:ext uri="{FF2B5EF4-FFF2-40B4-BE49-F238E27FC236}">
+                <a16:creationId xmlns:a16="http://schemas.microsoft.com/office/drawing/2014/main" id="{2A104E13-FBE5-4015-BE52-59B12AF2DA7B}"/>
+              </a:ext>
+            </a:extLst>
+          </p:cNvPr>
+          <p:cNvPicPr>
+            <a:picLocks noChangeAspect="1" noChangeArrowheads="1"/>
+          </p:cNvPicPr>
+          <p:nvPr/>
+        </p:nvPicPr>
+        <p:blipFill>
+          <a:blip r:embed="rId2">
+            <a:extLst>
+              <a:ext uri="{28A0092B-C50C-407E-A947-70E740481C1C}">
+                <a14:useLocalDpi xmlns:a14="http://schemas.microsoft.com/office/drawing/2010/main" val="0"/>
+              </a:ext>
+            </a:extLst>
+          </a:blip>
+          <a:srcRect/>
+          <a:stretch>
+            <a:fillRect/>
+          </a:stretch>
+        </p:blipFill>
+        <p:spPr bwMode="auto">
+          <a:xfrm>
+            <a:off x="4866254" y="490654"/>
+            <a:ext cx="4145688" cy="4162192"/>
+          </a:xfrm>
+          <a:prstGeom prst="rect">
+            <a:avLst/>
+          </a:prstGeom>
+          <a:noFill/>
+          <a:extLst>
+            <a:ext uri="{909E8E84-426E-40DD-AFC4-6F175D3DCCD1}">
+              <a14:hiddenFill xmlns:a14="http://schemas.microsoft.com/office/drawing/2010/main">
+                <a:solidFill>
+                  <a:srgbClr val="FFFFFF"/>
+                </a:solidFill>
+              </a14:hiddenFill>
+            </a:ext>
+          </a:extLst>
+        </p:spPr>
+      </p:pic>
     </p:spTree>
     <p:extLst>
       <p:ext uri="{BB962C8B-B14F-4D97-AF65-F5344CB8AC3E}">
@@ -12666,13 +12228,9 @@
   <p:clrMapOvr>
     <a:masterClrMapping/>
   </p:clrMapOvr>
-  <p:timing>
-    <p:tnLst>
-      <p:par>
-        <p:cTn id="1" dur="indefinite" restart="never" nodeType="tmRoot"/>
-      </p:par>
-    </p:tnLst>
-  </p:timing>
+  <p:transition spd="slow">
+    <p:push dir="u"/>
+  </p:transition>
 </p:sld>
 </file>
 

--- a/E-Genetics/presentations/new presentation.pptx
+++ b/E-Genetics/presentations/new presentation.pptx
@@ -7222,7 +7222,7 @@
         </p:nvSpPr>
         <p:spPr>
           <a:xfrm>
-            <a:off x="2562175" y="725400"/>
+            <a:off x="2502702" y="1108950"/>
             <a:ext cx="4020000" cy="1462800"/>
           </a:xfrm>
           <a:prstGeom prst="rect">
@@ -7505,7 +7505,7 @@
         </p:nvSpPr>
         <p:spPr>
           <a:xfrm>
-            <a:off x="2561975" y="2105100"/>
+            <a:off x="2562175" y="2571750"/>
             <a:ext cx="4020000" cy="1203900"/>
           </a:xfrm>
           <a:prstGeom prst="rect">
@@ -7555,2106 +7555,8 @@
             </a:pPr>
             <a:endParaRPr dirty="0"/>
           </a:p>
-          <a:p>
-            <a:pPr marL="0" lvl="0" indent="0" algn="ctr" rtl="0">
-              <a:spcBef>
-                <a:spcPts val="0"/>
-              </a:spcBef>
-              <a:spcAft>
-                <a:spcPts val="0"/>
-              </a:spcAft>
-              <a:buClr>
-                <a:schemeClr val="dk1"/>
-              </a:buClr>
-              <a:buSzPts val="1100"/>
-              <a:buFont typeface="Arial"/>
-              <a:buNone/>
-            </a:pPr>
-            <a:r>
-              <a:rPr lang="en" dirty="0"/>
-              <a:t>youremail@freepik.com </a:t>
-            </a:r>
-            <a:endParaRPr dirty="0"/>
-          </a:p>
-          <a:p>
-            <a:pPr marL="0" lvl="0" indent="0" algn="ctr" rtl="0">
-              <a:spcBef>
-                <a:spcPts val="0"/>
-              </a:spcBef>
-              <a:spcAft>
-                <a:spcPts val="0"/>
-              </a:spcAft>
-              <a:buClr>
-                <a:schemeClr val="dk1"/>
-              </a:buClr>
-              <a:buSzPts val="1100"/>
-              <a:buFont typeface="Arial"/>
-              <a:buNone/>
-            </a:pPr>
-            <a:r>
-              <a:rPr lang="en" dirty="0"/>
-              <a:t>+91  620 421 838 </a:t>
-            </a:r>
-            <a:endParaRPr dirty="0"/>
-          </a:p>
-          <a:p>
-            <a:pPr marL="0" lvl="0" indent="0" algn="ctr" rtl="0">
-              <a:spcBef>
-                <a:spcPts val="0"/>
-              </a:spcBef>
-              <a:spcAft>
-                <a:spcPts val="0"/>
-              </a:spcAft>
-              <a:buNone/>
-            </a:pPr>
-            <a:r>
-              <a:rPr lang="en" dirty="0"/>
-              <a:t>yourcompany.com</a:t>
-            </a:r>
-            <a:endParaRPr dirty="0"/>
-          </a:p>
         </p:txBody>
       </p:sp>
-      <p:sp>
-        <p:nvSpPr>
-          <p:cNvPr id="6" name="Google Shape;1770;p46"/>
-          <p:cNvSpPr txBox="1"/>
-          <p:nvPr/>
-        </p:nvSpPr>
-        <p:spPr>
-          <a:xfrm>
-            <a:off x="3541176" y="4452900"/>
-            <a:ext cx="2142000" cy="235800"/>
-          </a:xfrm>
-          <a:prstGeom prst="rect">
-            <a:avLst/>
-          </a:prstGeom>
-          <a:noFill/>
-          <a:ln>
-            <a:noFill/>
-          </a:ln>
-        </p:spPr>
-        <p:txBody>
-          <a:bodyPr spcFirstLastPara="1" wrap="square" lIns="91425" tIns="91425" rIns="91425" bIns="91425" anchor="b" anchorCtr="0">
-            <a:noAutofit/>
-          </a:bodyPr>
-          <a:lstStyle/>
-          <a:p>
-            <a:pPr marL="0" lvl="0" indent="0" algn="ctr" rtl="0">
-              <a:spcBef>
-                <a:spcPts val="300"/>
-              </a:spcBef>
-              <a:spcAft>
-                <a:spcPts val="0"/>
-              </a:spcAft>
-              <a:buNone/>
-            </a:pPr>
-            <a:r>
-              <a:rPr lang="en" sz="900" dirty="0">
-                <a:solidFill>
-                  <a:schemeClr val="lt2"/>
-                </a:solidFill>
-                <a:latin typeface="Fira Sans Condensed Light"/>
-                <a:ea typeface="Fira Sans Condensed Light"/>
-                <a:cs typeface="Fira Sans Condensed Light"/>
-                <a:sym typeface="Fira Sans Condensed Light"/>
-              </a:rPr>
-              <a:t>Please keep this slide for attribution.</a:t>
-            </a:r>
-            <a:endParaRPr sz="900" dirty="0">
-              <a:solidFill>
-                <a:schemeClr val="lt2"/>
-              </a:solidFill>
-              <a:latin typeface="Fira Sans Condensed Light"/>
-              <a:ea typeface="Fira Sans Condensed Light"/>
-              <a:cs typeface="Fira Sans Condensed Light"/>
-              <a:sym typeface="Fira Sans Condensed Light"/>
-            </a:endParaRPr>
-          </a:p>
-        </p:txBody>
-      </p:sp>
-      <p:grpSp>
-        <p:nvGrpSpPr>
-          <p:cNvPr id="7" name="Google Shape;1771;p46"/>
-          <p:cNvGrpSpPr/>
-          <p:nvPr/>
-        </p:nvGrpSpPr>
-        <p:grpSpPr>
-          <a:xfrm>
-            <a:off x="3914560" y="3451633"/>
-            <a:ext cx="268782" cy="268485"/>
-            <a:chOff x="3303268" y="3817349"/>
-            <a:chExt cx="346056" cy="345674"/>
-          </a:xfrm>
-        </p:grpSpPr>
-        <p:sp>
-          <p:nvSpPr>
-            <p:cNvPr id="8" name="Google Shape;1772;p46"/>
-            <p:cNvSpPr/>
-            <p:nvPr/>
-          </p:nvSpPr>
-          <p:spPr>
-            <a:xfrm>
-              <a:off x="3303268" y="3817349"/>
-              <a:ext cx="346056" cy="345674"/>
-            </a:xfrm>
-            <a:custGeom>
-              <a:avLst/>
-              <a:gdLst/>
-              <a:ahLst/>
-              <a:cxnLst/>
-              <a:rect l="l" t="t" r="r" b="b"/>
-              <a:pathLst>
-                <a:path w="10872" h="10860" extrusionOk="0">
-                  <a:moveTo>
-                    <a:pt x="5418" y="334"/>
-                  </a:moveTo>
-                  <a:cubicBezTo>
-                    <a:pt x="8228" y="334"/>
-                    <a:pt x="10514" y="2608"/>
-                    <a:pt x="10514" y="5430"/>
-                  </a:cubicBezTo>
-                  <a:cubicBezTo>
-                    <a:pt x="10514" y="8240"/>
-                    <a:pt x="8228" y="10514"/>
-                    <a:pt x="5418" y="10514"/>
-                  </a:cubicBezTo>
-                  <a:cubicBezTo>
-                    <a:pt x="2608" y="10514"/>
-                    <a:pt x="334" y="8240"/>
-                    <a:pt x="334" y="5430"/>
-                  </a:cubicBezTo>
-                  <a:cubicBezTo>
-                    <a:pt x="334" y="2608"/>
-                    <a:pt x="2608" y="334"/>
-                    <a:pt x="5418" y="334"/>
-                  </a:cubicBezTo>
-                  <a:close/>
-                  <a:moveTo>
-                    <a:pt x="5430" y="1"/>
-                  </a:moveTo>
-                  <a:cubicBezTo>
-                    <a:pt x="3989" y="1"/>
-                    <a:pt x="2620" y="560"/>
-                    <a:pt x="1596" y="1584"/>
-                  </a:cubicBezTo>
-                  <a:cubicBezTo>
-                    <a:pt x="572" y="2620"/>
-                    <a:pt x="1" y="3989"/>
-                    <a:pt x="1" y="5430"/>
-                  </a:cubicBezTo>
-                  <a:cubicBezTo>
-                    <a:pt x="1" y="6871"/>
-                    <a:pt x="572" y="8240"/>
-                    <a:pt x="1596" y="9264"/>
-                  </a:cubicBezTo>
-                  <a:cubicBezTo>
-                    <a:pt x="2620" y="10300"/>
-                    <a:pt x="3989" y="10859"/>
-                    <a:pt x="5430" y="10859"/>
-                  </a:cubicBezTo>
-                  <a:cubicBezTo>
-                    <a:pt x="6883" y="10859"/>
-                    <a:pt x="8252" y="10300"/>
-                    <a:pt x="9276" y="9264"/>
-                  </a:cubicBezTo>
-                  <a:cubicBezTo>
-                    <a:pt x="10300" y="8240"/>
-                    <a:pt x="10871" y="6871"/>
-                    <a:pt x="10871" y="5430"/>
-                  </a:cubicBezTo>
-                  <a:cubicBezTo>
-                    <a:pt x="10871" y="3989"/>
-                    <a:pt x="10300" y="2620"/>
-                    <a:pt x="9276" y="1584"/>
-                  </a:cubicBezTo>
-                  <a:cubicBezTo>
-                    <a:pt x="8252" y="560"/>
-                    <a:pt x="6883" y="1"/>
-                    <a:pt x="5430" y="1"/>
-                  </a:cubicBezTo>
-                  <a:close/>
-                </a:path>
-              </a:pathLst>
-            </a:custGeom>
-            <a:solidFill>
-              <a:schemeClr val="lt2"/>
-            </a:solidFill>
-            <a:ln>
-              <a:noFill/>
-            </a:ln>
-          </p:spPr>
-          <p:txBody>
-            <a:bodyPr spcFirstLastPara="1" wrap="square" lIns="91425" tIns="91425" rIns="91425" bIns="91425" anchor="ctr" anchorCtr="0">
-              <a:noAutofit/>
-            </a:bodyPr>
-            <a:lstStyle/>
-            <a:p>
-              <a:pPr marL="0" lvl="0" indent="0" algn="l" rtl="0">
-                <a:spcBef>
-                  <a:spcPts val="0"/>
-                </a:spcBef>
-                <a:spcAft>
-                  <a:spcPts val="0"/>
-                </a:spcAft>
-                <a:buNone/>
-              </a:pPr>
-              <a:endParaRPr/>
-            </a:p>
-          </p:txBody>
-        </p:sp>
-        <p:sp>
-          <p:nvSpPr>
-            <p:cNvPr id="9" name="Google Shape;1773;p46"/>
-            <p:cNvSpPr/>
-            <p:nvPr/>
-          </p:nvSpPr>
-          <p:spPr>
-            <a:xfrm>
-              <a:off x="3368074" y="3882537"/>
-              <a:ext cx="215298" cy="215298"/>
-            </a:xfrm>
-            <a:custGeom>
-              <a:avLst/>
-              <a:gdLst/>
-              <a:ahLst/>
-              <a:cxnLst/>
-              <a:rect l="l" t="t" r="r" b="b"/>
-              <a:pathLst>
-                <a:path w="6764" h="6764" extrusionOk="0">
-                  <a:moveTo>
-                    <a:pt x="5335" y="346"/>
-                  </a:moveTo>
-                  <a:cubicBezTo>
-                    <a:pt x="5930" y="346"/>
-                    <a:pt x="6418" y="834"/>
-                    <a:pt x="6418" y="1429"/>
-                  </a:cubicBezTo>
-                  <a:lnTo>
-                    <a:pt x="6418" y="5335"/>
-                  </a:lnTo>
-                  <a:cubicBezTo>
-                    <a:pt x="6418" y="5930"/>
-                    <a:pt x="5930" y="6418"/>
-                    <a:pt x="5335" y="6418"/>
-                  </a:cubicBezTo>
-                  <a:lnTo>
-                    <a:pt x="1429" y="6418"/>
-                  </a:lnTo>
-                  <a:cubicBezTo>
-                    <a:pt x="834" y="6418"/>
-                    <a:pt x="346" y="5930"/>
-                    <a:pt x="346" y="5335"/>
-                  </a:cubicBezTo>
-                  <a:lnTo>
-                    <a:pt x="346" y="1429"/>
-                  </a:lnTo>
-                  <a:cubicBezTo>
-                    <a:pt x="346" y="834"/>
-                    <a:pt x="834" y="346"/>
-                    <a:pt x="1429" y="346"/>
-                  </a:cubicBezTo>
-                  <a:close/>
-                  <a:moveTo>
-                    <a:pt x="1429" y="1"/>
-                  </a:moveTo>
-                  <a:cubicBezTo>
-                    <a:pt x="644" y="1"/>
-                    <a:pt x="1" y="644"/>
-                    <a:pt x="1" y="1429"/>
-                  </a:cubicBezTo>
-                  <a:lnTo>
-                    <a:pt x="1" y="5335"/>
-                  </a:lnTo>
-                  <a:cubicBezTo>
-                    <a:pt x="1" y="6120"/>
-                    <a:pt x="644" y="6763"/>
-                    <a:pt x="1429" y="6763"/>
-                  </a:cubicBezTo>
-                  <a:lnTo>
-                    <a:pt x="5335" y="6763"/>
-                  </a:lnTo>
-                  <a:cubicBezTo>
-                    <a:pt x="6121" y="6763"/>
-                    <a:pt x="6763" y="6120"/>
-                    <a:pt x="6763" y="5335"/>
-                  </a:cubicBezTo>
-                  <a:lnTo>
-                    <a:pt x="6763" y="1429"/>
-                  </a:lnTo>
-                  <a:cubicBezTo>
-                    <a:pt x="6763" y="644"/>
-                    <a:pt x="6121" y="1"/>
-                    <a:pt x="5335" y="1"/>
-                  </a:cubicBezTo>
-                  <a:close/>
-                </a:path>
-              </a:pathLst>
-            </a:custGeom>
-            <a:solidFill>
-              <a:schemeClr val="lt2"/>
-            </a:solidFill>
-            <a:ln>
-              <a:noFill/>
-            </a:ln>
-          </p:spPr>
-          <p:txBody>
-            <a:bodyPr spcFirstLastPara="1" wrap="square" lIns="91425" tIns="91425" rIns="91425" bIns="91425" anchor="ctr" anchorCtr="0">
-              <a:noAutofit/>
-            </a:bodyPr>
-            <a:lstStyle/>
-            <a:p>
-              <a:pPr marL="0" lvl="0" indent="0" algn="l" rtl="0">
-                <a:spcBef>
-                  <a:spcPts val="0"/>
-                </a:spcBef>
-                <a:spcAft>
-                  <a:spcPts val="0"/>
-                </a:spcAft>
-                <a:buNone/>
-              </a:pPr>
-              <a:endParaRPr/>
-            </a:p>
-          </p:txBody>
-        </p:sp>
-        <p:sp>
-          <p:nvSpPr>
-            <p:cNvPr id="10" name="Google Shape;1774;p46"/>
-            <p:cNvSpPr/>
-            <p:nvPr/>
-          </p:nvSpPr>
-          <p:spPr>
-            <a:xfrm>
-              <a:off x="3418143" y="3933656"/>
-              <a:ext cx="114811" cy="112742"/>
-            </a:xfrm>
-            <a:custGeom>
-              <a:avLst/>
-              <a:gdLst/>
-              <a:ahLst/>
-              <a:cxnLst/>
-              <a:rect l="l" t="t" r="r" b="b"/>
-              <a:pathLst>
-                <a:path w="3607" h="3542" extrusionOk="0">
-                  <a:moveTo>
-                    <a:pt x="1822" y="0"/>
-                  </a:moveTo>
-                  <a:cubicBezTo>
-                    <a:pt x="812" y="0"/>
-                    <a:pt x="1" y="851"/>
-                    <a:pt x="59" y="1859"/>
-                  </a:cubicBezTo>
-                  <a:cubicBezTo>
-                    <a:pt x="95" y="2776"/>
-                    <a:pt x="833" y="3502"/>
-                    <a:pt x="1726" y="3538"/>
-                  </a:cubicBezTo>
-                  <a:cubicBezTo>
-                    <a:pt x="1764" y="3541"/>
-                    <a:pt x="1802" y="3542"/>
-                    <a:pt x="1840" y="3542"/>
-                  </a:cubicBezTo>
-                  <a:cubicBezTo>
-                    <a:pt x="2178" y="3542"/>
-                    <a:pt x="2494" y="3447"/>
-                    <a:pt x="2762" y="3276"/>
-                  </a:cubicBezTo>
-                  <a:cubicBezTo>
-                    <a:pt x="2857" y="3217"/>
-                    <a:pt x="2869" y="3086"/>
-                    <a:pt x="2797" y="3014"/>
-                  </a:cubicBezTo>
-                  <a:cubicBezTo>
-                    <a:pt x="2761" y="2978"/>
-                    <a:pt x="2711" y="2964"/>
-                    <a:pt x="2664" y="2964"/>
-                  </a:cubicBezTo>
-                  <a:cubicBezTo>
-                    <a:pt x="2634" y="2964"/>
-                    <a:pt x="2606" y="2969"/>
-                    <a:pt x="2583" y="2979"/>
-                  </a:cubicBezTo>
-                  <a:cubicBezTo>
-                    <a:pt x="2380" y="3096"/>
-                    <a:pt x="2149" y="3185"/>
-                    <a:pt x="1897" y="3185"/>
-                  </a:cubicBezTo>
-                  <a:cubicBezTo>
-                    <a:pt x="1868" y="3185"/>
-                    <a:pt x="1839" y="3183"/>
-                    <a:pt x="1809" y="3181"/>
-                  </a:cubicBezTo>
-                  <a:cubicBezTo>
-                    <a:pt x="1023" y="3169"/>
-                    <a:pt x="380" y="2514"/>
-                    <a:pt x="392" y="1716"/>
-                  </a:cubicBezTo>
-                  <a:cubicBezTo>
-                    <a:pt x="426" y="948"/>
-                    <a:pt x="1028" y="330"/>
-                    <a:pt x="1792" y="330"/>
-                  </a:cubicBezTo>
-                  <a:cubicBezTo>
-                    <a:pt x="1833" y="330"/>
-                    <a:pt x="1874" y="332"/>
-                    <a:pt x="1916" y="335"/>
-                  </a:cubicBezTo>
-                  <a:cubicBezTo>
-                    <a:pt x="2619" y="371"/>
-                    <a:pt x="3190" y="943"/>
-                    <a:pt x="3250" y="1633"/>
-                  </a:cubicBezTo>
-                  <a:cubicBezTo>
-                    <a:pt x="3285" y="1919"/>
-                    <a:pt x="3214" y="2193"/>
-                    <a:pt x="3095" y="2431"/>
-                  </a:cubicBezTo>
-                  <a:cubicBezTo>
-                    <a:pt x="3059" y="2490"/>
-                    <a:pt x="3059" y="2574"/>
-                    <a:pt x="3119" y="2633"/>
-                  </a:cubicBezTo>
-                  <a:cubicBezTo>
-                    <a:pt x="3149" y="2663"/>
-                    <a:pt x="3191" y="2678"/>
-                    <a:pt x="3234" y="2678"/>
-                  </a:cubicBezTo>
-                  <a:cubicBezTo>
-                    <a:pt x="3295" y="2678"/>
-                    <a:pt x="3358" y="2648"/>
-                    <a:pt x="3393" y="2586"/>
-                  </a:cubicBezTo>
-                  <a:cubicBezTo>
-                    <a:pt x="3536" y="2324"/>
-                    <a:pt x="3607" y="2014"/>
-                    <a:pt x="3583" y="1669"/>
-                  </a:cubicBezTo>
-                  <a:cubicBezTo>
-                    <a:pt x="3536" y="764"/>
-                    <a:pt x="2797" y="50"/>
-                    <a:pt x="1904" y="2"/>
-                  </a:cubicBezTo>
-                  <a:cubicBezTo>
-                    <a:pt x="1877" y="1"/>
-                    <a:pt x="1849" y="0"/>
-                    <a:pt x="1822" y="0"/>
-                  </a:cubicBezTo>
-                  <a:close/>
-                </a:path>
-              </a:pathLst>
-            </a:custGeom>
-            <a:solidFill>
-              <a:schemeClr val="lt2"/>
-            </a:solidFill>
-            <a:ln>
-              <a:noFill/>
-            </a:ln>
-          </p:spPr>
-          <p:txBody>
-            <a:bodyPr spcFirstLastPara="1" wrap="square" lIns="91425" tIns="91425" rIns="91425" bIns="91425" anchor="ctr" anchorCtr="0">
-              <a:noAutofit/>
-            </a:bodyPr>
-            <a:lstStyle/>
-            <a:p>
-              <a:pPr marL="0" lvl="0" indent="0" algn="l" rtl="0">
-                <a:spcBef>
-                  <a:spcPts val="0"/>
-                </a:spcBef>
-                <a:spcAft>
-                  <a:spcPts val="0"/>
-                </a:spcAft>
-                <a:buNone/>
-              </a:pPr>
-              <a:endParaRPr/>
-            </a:p>
-          </p:txBody>
-        </p:sp>
-        <p:sp>
-          <p:nvSpPr>
-            <p:cNvPr id="11" name="Google Shape;1775;p46"/>
-            <p:cNvSpPr/>
-            <p:nvPr/>
-          </p:nvSpPr>
-          <p:spPr>
-            <a:xfrm>
-              <a:off x="3519298" y="3910197"/>
-              <a:ext cx="29570" cy="29220"/>
-            </a:xfrm>
-            <a:custGeom>
-              <a:avLst/>
-              <a:gdLst/>
-              <a:ahLst/>
-              <a:cxnLst/>
-              <a:rect l="l" t="t" r="r" b="b"/>
-              <a:pathLst>
-                <a:path w="929" h="918" extrusionOk="0">
-                  <a:moveTo>
-                    <a:pt x="465" y="1"/>
-                  </a:moveTo>
-                  <a:cubicBezTo>
-                    <a:pt x="203" y="1"/>
-                    <a:pt x="0" y="203"/>
-                    <a:pt x="0" y="453"/>
-                  </a:cubicBezTo>
-                  <a:cubicBezTo>
-                    <a:pt x="0" y="715"/>
-                    <a:pt x="203" y="918"/>
-                    <a:pt x="465" y="918"/>
-                  </a:cubicBezTo>
-                  <a:cubicBezTo>
-                    <a:pt x="715" y="918"/>
-                    <a:pt x="929" y="715"/>
-                    <a:pt x="929" y="453"/>
-                  </a:cubicBezTo>
-                  <a:cubicBezTo>
-                    <a:pt x="929" y="203"/>
-                    <a:pt x="715" y="1"/>
-                    <a:pt x="465" y="1"/>
-                  </a:cubicBezTo>
-                  <a:close/>
-                </a:path>
-              </a:pathLst>
-            </a:custGeom>
-            <a:solidFill>
-              <a:schemeClr val="lt2"/>
-            </a:solidFill>
-            <a:ln>
-              <a:noFill/>
-            </a:ln>
-          </p:spPr>
-          <p:txBody>
-            <a:bodyPr spcFirstLastPara="1" wrap="square" lIns="91425" tIns="91425" rIns="91425" bIns="91425" anchor="ctr" anchorCtr="0">
-              <a:noAutofit/>
-            </a:bodyPr>
-            <a:lstStyle/>
-            <a:p>
-              <a:pPr marL="0" lvl="0" indent="0" algn="l" rtl="0">
-                <a:spcBef>
-                  <a:spcPts val="0"/>
-                </a:spcBef>
-                <a:spcAft>
-                  <a:spcPts val="0"/>
-                </a:spcAft>
-                <a:buNone/>
-              </a:pPr>
-              <a:endParaRPr/>
-            </a:p>
-          </p:txBody>
-        </p:sp>
-      </p:grpSp>
-      <p:grpSp>
-        <p:nvGrpSpPr>
-          <p:cNvPr id="12" name="Google Shape;1776;p46"/>
-          <p:cNvGrpSpPr/>
-          <p:nvPr/>
-        </p:nvGrpSpPr>
-        <p:grpSpPr>
-          <a:xfrm>
-            <a:off x="4263368" y="3451633"/>
-            <a:ext cx="268782" cy="268485"/>
-            <a:chOff x="3752358" y="3817349"/>
-            <a:chExt cx="346056" cy="345674"/>
-          </a:xfrm>
-        </p:grpSpPr>
-        <p:sp>
-          <p:nvSpPr>
-            <p:cNvPr id="13" name="Google Shape;1777;p46"/>
-            <p:cNvSpPr/>
-            <p:nvPr/>
-          </p:nvSpPr>
-          <p:spPr>
-            <a:xfrm>
-              <a:off x="3752358" y="3817349"/>
-              <a:ext cx="346056" cy="345674"/>
-            </a:xfrm>
-            <a:custGeom>
-              <a:avLst/>
-              <a:gdLst/>
-              <a:ahLst/>
-              <a:cxnLst/>
-              <a:rect l="l" t="t" r="r" b="b"/>
-              <a:pathLst>
-                <a:path w="10872" h="10860" extrusionOk="0">
-                  <a:moveTo>
-                    <a:pt x="5430" y="334"/>
-                  </a:moveTo>
-                  <a:cubicBezTo>
-                    <a:pt x="8252" y="334"/>
-                    <a:pt x="10526" y="2608"/>
-                    <a:pt x="10526" y="5430"/>
-                  </a:cubicBezTo>
-                  <a:cubicBezTo>
-                    <a:pt x="10526" y="8240"/>
-                    <a:pt x="8228" y="10514"/>
-                    <a:pt x="5430" y="10514"/>
-                  </a:cubicBezTo>
-                  <a:cubicBezTo>
-                    <a:pt x="2620" y="10514"/>
-                    <a:pt x="346" y="8240"/>
-                    <a:pt x="346" y="5430"/>
-                  </a:cubicBezTo>
-                  <a:cubicBezTo>
-                    <a:pt x="346" y="2608"/>
-                    <a:pt x="2620" y="334"/>
-                    <a:pt x="5430" y="334"/>
-                  </a:cubicBezTo>
-                  <a:close/>
-                  <a:moveTo>
-                    <a:pt x="5430" y="1"/>
-                  </a:moveTo>
-                  <a:cubicBezTo>
-                    <a:pt x="3989" y="1"/>
-                    <a:pt x="2620" y="560"/>
-                    <a:pt x="1596" y="1584"/>
-                  </a:cubicBezTo>
-                  <a:cubicBezTo>
-                    <a:pt x="572" y="2620"/>
-                    <a:pt x="1" y="3989"/>
-                    <a:pt x="1" y="5430"/>
-                  </a:cubicBezTo>
-                  <a:cubicBezTo>
-                    <a:pt x="1" y="6871"/>
-                    <a:pt x="572" y="8240"/>
-                    <a:pt x="1596" y="9264"/>
-                  </a:cubicBezTo>
-                  <a:cubicBezTo>
-                    <a:pt x="2620" y="10300"/>
-                    <a:pt x="3989" y="10859"/>
-                    <a:pt x="5430" y="10859"/>
-                  </a:cubicBezTo>
-                  <a:cubicBezTo>
-                    <a:pt x="6882" y="10859"/>
-                    <a:pt x="8252" y="10300"/>
-                    <a:pt x="9276" y="9264"/>
-                  </a:cubicBezTo>
-                  <a:cubicBezTo>
-                    <a:pt x="10300" y="8240"/>
-                    <a:pt x="10871" y="6871"/>
-                    <a:pt x="10871" y="5430"/>
-                  </a:cubicBezTo>
-                  <a:cubicBezTo>
-                    <a:pt x="10871" y="3989"/>
-                    <a:pt x="10300" y="2620"/>
-                    <a:pt x="9276" y="1584"/>
-                  </a:cubicBezTo>
-                  <a:cubicBezTo>
-                    <a:pt x="8252" y="560"/>
-                    <a:pt x="6882" y="1"/>
-                    <a:pt x="5430" y="1"/>
-                  </a:cubicBezTo>
-                  <a:close/>
-                </a:path>
-              </a:pathLst>
-            </a:custGeom>
-            <a:solidFill>
-              <a:schemeClr val="lt2"/>
-            </a:solidFill>
-            <a:ln>
-              <a:noFill/>
-            </a:ln>
-          </p:spPr>
-          <p:txBody>
-            <a:bodyPr spcFirstLastPara="1" wrap="square" lIns="91425" tIns="91425" rIns="91425" bIns="91425" anchor="ctr" anchorCtr="0">
-              <a:noAutofit/>
-            </a:bodyPr>
-            <a:lstStyle/>
-            <a:p>
-              <a:pPr marL="0" lvl="0" indent="0" algn="l" rtl="0">
-                <a:spcBef>
-                  <a:spcPts val="0"/>
-                </a:spcBef>
-                <a:spcAft>
-                  <a:spcPts val="0"/>
-                </a:spcAft>
-                <a:buNone/>
-              </a:pPr>
-              <a:endParaRPr/>
-            </a:p>
-          </p:txBody>
-        </p:sp>
-        <p:sp>
-          <p:nvSpPr>
-            <p:cNvPr id="14" name="Google Shape;1778;p46"/>
-            <p:cNvSpPr/>
-            <p:nvPr/>
-          </p:nvSpPr>
-          <p:spPr>
-            <a:xfrm>
-              <a:off x="3831933" y="3955682"/>
-              <a:ext cx="47809" cy="120540"/>
-            </a:xfrm>
-            <a:custGeom>
-              <a:avLst/>
-              <a:gdLst/>
-              <a:ahLst/>
-              <a:cxnLst/>
-              <a:rect l="l" t="t" r="r" b="b"/>
-              <a:pathLst>
-                <a:path w="1502" h="3787" extrusionOk="0">
-                  <a:moveTo>
-                    <a:pt x="1168" y="346"/>
-                  </a:moveTo>
-                  <a:lnTo>
-                    <a:pt x="1168" y="3430"/>
-                  </a:lnTo>
-                  <a:lnTo>
-                    <a:pt x="358" y="3430"/>
-                  </a:lnTo>
-                  <a:lnTo>
-                    <a:pt x="358" y="346"/>
-                  </a:lnTo>
-                  <a:close/>
-                  <a:moveTo>
-                    <a:pt x="180" y="1"/>
-                  </a:moveTo>
-                  <a:cubicBezTo>
-                    <a:pt x="96" y="1"/>
-                    <a:pt x="1" y="72"/>
-                    <a:pt x="1" y="179"/>
-                  </a:cubicBezTo>
-                  <a:lnTo>
-                    <a:pt x="1" y="3608"/>
-                  </a:lnTo>
-                  <a:cubicBezTo>
-                    <a:pt x="1" y="3703"/>
-                    <a:pt x="72" y="3787"/>
-                    <a:pt x="180" y="3787"/>
-                  </a:cubicBezTo>
-                  <a:lnTo>
-                    <a:pt x="1323" y="3787"/>
-                  </a:lnTo>
-                  <a:cubicBezTo>
-                    <a:pt x="1418" y="3787"/>
-                    <a:pt x="1501" y="3715"/>
-                    <a:pt x="1501" y="3608"/>
-                  </a:cubicBezTo>
-                  <a:lnTo>
-                    <a:pt x="1501" y="179"/>
-                  </a:lnTo>
-                  <a:cubicBezTo>
-                    <a:pt x="1501" y="72"/>
-                    <a:pt x="1430" y="1"/>
-                    <a:pt x="1323" y="1"/>
-                  </a:cubicBezTo>
-                  <a:close/>
-                </a:path>
-              </a:pathLst>
-            </a:custGeom>
-            <a:solidFill>
-              <a:schemeClr val="lt2"/>
-            </a:solidFill>
-            <a:ln>
-              <a:noFill/>
-            </a:ln>
-          </p:spPr>
-          <p:txBody>
-            <a:bodyPr spcFirstLastPara="1" wrap="square" lIns="91425" tIns="91425" rIns="91425" bIns="91425" anchor="ctr" anchorCtr="0">
-              <a:noAutofit/>
-            </a:bodyPr>
-            <a:lstStyle/>
-            <a:p>
-              <a:pPr marL="0" lvl="0" indent="0" algn="l" rtl="0">
-                <a:spcBef>
-                  <a:spcPts val="0"/>
-                </a:spcBef>
-                <a:spcAft>
-                  <a:spcPts val="0"/>
-                </a:spcAft>
-                <a:buNone/>
-              </a:pPr>
-              <a:endParaRPr/>
-            </a:p>
-          </p:txBody>
-        </p:sp>
-        <p:sp>
-          <p:nvSpPr>
-            <p:cNvPr id="15" name="Google Shape;1779;p46"/>
-            <p:cNvSpPr/>
-            <p:nvPr/>
-          </p:nvSpPr>
-          <p:spPr>
-            <a:xfrm>
-              <a:off x="3824739" y="3890112"/>
-              <a:ext cx="55002" cy="55002"/>
-            </a:xfrm>
-            <a:custGeom>
-              <a:avLst/>
-              <a:gdLst/>
-              <a:ahLst/>
-              <a:cxnLst/>
-              <a:rect l="l" t="t" r="r" b="b"/>
-              <a:pathLst>
-                <a:path w="1728" h="1728" extrusionOk="0">
-                  <a:moveTo>
-                    <a:pt x="870" y="334"/>
-                  </a:moveTo>
-                  <a:cubicBezTo>
-                    <a:pt x="1156" y="334"/>
-                    <a:pt x="1394" y="572"/>
-                    <a:pt x="1394" y="846"/>
-                  </a:cubicBezTo>
-                  <a:cubicBezTo>
-                    <a:pt x="1394" y="1132"/>
-                    <a:pt x="1156" y="1370"/>
-                    <a:pt x="870" y="1370"/>
-                  </a:cubicBezTo>
-                  <a:cubicBezTo>
-                    <a:pt x="584" y="1370"/>
-                    <a:pt x="346" y="1132"/>
-                    <a:pt x="346" y="846"/>
-                  </a:cubicBezTo>
-                  <a:cubicBezTo>
-                    <a:pt x="346" y="572"/>
-                    <a:pt x="584" y="334"/>
-                    <a:pt x="870" y="334"/>
-                  </a:cubicBezTo>
-                  <a:close/>
-                  <a:moveTo>
-                    <a:pt x="870" y="1"/>
-                  </a:moveTo>
-                  <a:cubicBezTo>
-                    <a:pt x="394" y="1"/>
-                    <a:pt x="1" y="394"/>
-                    <a:pt x="1" y="870"/>
-                  </a:cubicBezTo>
-                  <a:cubicBezTo>
-                    <a:pt x="1" y="1346"/>
-                    <a:pt x="394" y="1727"/>
-                    <a:pt x="870" y="1727"/>
-                  </a:cubicBezTo>
-                  <a:cubicBezTo>
-                    <a:pt x="1346" y="1727"/>
-                    <a:pt x="1727" y="1334"/>
-                    <a:pt x="1727" y="870"/>
-                  </a:cubicBezTo>
-                  <a:cubicBezTo>
-                    <a:pt x="1727" y="394"/>
-                    <a:pt x="1346" y="1"/>
-                    <a:pt x="870" y="1"/>
-                  </a:cubicBezTo>
-                  <a:close/>
-                </a:path>
-              </a:pathLst>
-            </a:custGeom>
-            <a:solidFill>
-              <a:schemeClr val="lt2"/>
-            </a:solidFill>
-            <a:ln>
-              <a:noFill/>
-            </a:ln>
-          </p:spPr>
-          <p:txBody>
-            <a:bodyPr spcFirstLastPara="1" wrap="square" lIns="91425" tIns="91425" rIns="91425" bIns="91425" anchor="ctr" anchorCtr="0">
-              <a:noAutofit/>
-            </a:bodyPr>
-            <a:lstStyle/>
-            <a:p>
-              <a:pPr marL="0" lvl="0" indent="0" algn="l" rtl="0">
-                <a:spcBef>
-                  <a:spcPts val="0"/>
-                </a:spcBef>
-                <a:spcAft>
-                  <a:spcPts val="0"/>
-                </a:spcAft>
-                <a:buNone/>
-              </a:pPr>
-              <a:endParaRPr/>
-            </a:p>
-          </p:txBody>
-        </p:sp>
-        <p:sp>
-          <p:nvSpPr>
-            <p:cNvPr id="16" name="Google Shape;1780;p46"/>
-            <p:cNvSpPr/>
-            <p:nvPr/>
-          </p:nvSpPr>
-          <p:spPr>
-            <a:xfrm>
-              <a:off x="3904696" y="3955682"/>
-              <a:ext cx="128148" cy="120540"/>
-            </a:xfrm>
-            <a:custGeom>
-              <a:avLst/>
-              <a:gdLst/>
-              <a:ahLst/>
-              <a:cxnLst/>
-              <a:rect l="l" t="t" r="r" b="b"/>
-              <a:pathLst>
-                <a:path w="4026" h="3787" extrusionOk="0">
-                  <a:moveTo>
-                    <a:pt x="191" y="1"/>
-                  </a:moveTo>
-                  <a:cubicBezTo>
-                    <a:pt x="96" y="1"/>
-                    <a:pt x="1" y="72"/>
-                    <a:pt x="1" y="179"/>
-                  </a:cubicBezTo>
-                  <a:lnTo>
-                    <a:pt x="1" y="3608"/>
-                  </a:lnTo>
-                  <a:cubicBezTo>
-                    <a:pt x="1" y="3703"/>
-                    <a:pt x="84" y="3787"/>
-                    <a:pt x="191" y="3787"/>
-                  </a:cubicBezTo>
-                  <a:lnTo>
-                    <a:pt x="1334" y="3787"/>
-                  </a:lnTo>
-                  <a:cubicBezTo>
-                    <a:pt x="1418" y="3787"/>
-                    <a:pt x="1513" y="3715"/>
-                    <a:pt x="1513" y="3608"/>
-                  </a:cubicBezTo>
-                  <a:lnTo>
-                    <a:pt x="1513" y="2382"/>
-                  </a:lnTo>
-                  <a:cubicBezTo>
-                    <a:pt x="1513" y="1977"/>
-                    <a:pt x="1596" y="1501"/>
-                    <a:pt x="2037" y="1501"/>
-                  </a:cubicBezTo>
-                  <a:cubicBezTo>
-                    <a:pt x="2347" y="1501"/>
-                    <a:pt x="2477" y="1763"/>
-                    <a:pt x="2525" y="2060"/>
-                  </a:cubicBezTo>
-                  <a:cubicBezTo>
-                    <a:pt x="2537" y="2156"/>
-                    <a:pt x="2608" y="2215"/>
-                    <a:pt x="2692" y="2215"/>
-                  </a:cubicBezTo>
-                  <a:cubicBezTo>
-                    <a:pt x="2787" y="2215"/>
-                    <a:pt x="2870" y="2120"/>
-                    <a:pt x="2847" y="2025"/>
-                  </a:cubicBezTo>
-                  <a:cubicBezTo>
-                    <a:pt x="2763" y="1465"/>
-                    <a:pt x="2477" y="1155"/>
-                    <a:pt x="2013" y="1155"/>
-                  </a:cubicBezTo>
-                  <a:cubicBezTo>
-                    <a:pt x="1465" y="1155"/>
-                    <a:pt x="1156" y="1608"/>
-                    <a:pt x="1156" y="2382"/>
-                  </a:cubicBezTo>
-                  <a:lnTo>
-                    <a:pt x="1156" y="3430"/>
-                  </a:lnTo>
-                  <a:lnTo>
-                    <a:pt x="346" y="3430"/>
-                  </a:lnTo>
-                  <a:lnTo>
-                    <a:pt x="346" y="358"/>
-                  </a:lnTo>
-                  <a:lnTo>
-                    <a:pt x="918" y="358"/>
-                  </a:lnTo>
-                  <a:lnTo>
-                    <a:pt x="918" y="572"/>
-                  </a:lnTo>
-                  <a:cubicBezTo>
-                    <a:pt x="918" y="632"/>
-                    <a:pt x="930" y="679"/>
-                    <a:pt x="977" y="715"/>
-                  </a:cubicBezTo>
-                  <a:cubicBezTo>
-                    <a:pt x="1007" y="733"/>
-                    <a:pt x="1043" y="742"/>
-                    <a:pt x="1078" y="742"/>
-                  </a:cubicBezTo>
-                  <a:cubicBezTo>
-                    <a:pt x="1114" y="742"/>
-                    <a:pt x="1150" y="733"/>
-                    <a:pt x="1180" y="715"/>
-                  </a:cubicBezTo>
-                  <a:cubicBezTo>
-                    <a:pt x="1477" y="477"/>
-                    <a:pt x="1835" y="358"/>
-                    <a:pt x="2227" y="358"/>
-                  </a:cubicBezTo>
-                  <a:cubicBezTo>
-                    <a:pt x="3204" y="358"/>
-                    <a:pt x="3656" y="1191"/>
-                    <a:pt x="3656" y="2001"/>
-                  </a:cubicBezTo>
-                  <a:lnTo>
-                    <a:pt x="3656" y="3430"/>
-                  </a:lnTo>
-                  <a:lnTo>
-                    <a:pt x="2847" y="3430"/>
-                  </a:lnTo>
-                  <a:lnTo>
-                    <a:pt x="2847" y="2870"/>
-                  </a:lnTo>
-                  <a:cubicBezTo>
-                    <a:pt x="2847" y="2775"/>
-                    <a:pt x="2775" y="2703"/>
-                    <a:pt x="2692" y="2703"/>
-                  </a:cubicBezTo>
-                  <a:cubicBezTo>
-                    <a:pt x="2597" y="2703"/>
-                    <a:pt x="2525" y="2775"/>
-                    <a:pt x="2525" y="2870"/>
-                  </a:cubicBezTo>
-                  <a:lnTo>
-                    <a:pt x="2525" y="3596"/>
-                  </a:lnTo>
-                  <a:cubicBezTo>
-                    <a:pt x="2525" y="3691"/>
-                    <a:pt x="2597" y="3775"/>
-                    <a:pt x="2704" y="3775"/>
-                  </a:cubicBezTo>
-                  <a:lnTo>
-                    <a:pt x="3847" y="3775"/>
-                  </a:lnTo>
-                  <a:cubicBezTo>
-                    <a:pt x="3942" y="3775"/>
-                    <a:pt x="4025" y="3703"/>
-                    <a:pt x="4025" y="3596"/>
-                  </a:cubicBezTo>
-                  <a:lnTo>
-                    <a:pt x="4025" y="1989"/>
-                  </a:lnTo>
-                  <a:cubicBezTo>
-                    <a:pt x="4025" y="810"/>
-                    <a:pt x="3299" y="1"/>
-                    <a:pt x="2239" y="1"/>
-                  </a:cubicBezTo>
-                  <a:cubicBezTo>
-                    <a:pt x="1894" y="1"/>
-                    <a:pt x="1573" y="84"/>
-                    <a:pt x="1275" y="251"/>
-                  </a:cubicBezTo>
-                  <a:lnTo>
-                    <a:pt x="1275" y="179"/>
-                  </a:lnTo>
-                  <a:cubicBezTo>
-                    <a:pt x="1275" y="84"/>
-                    <a:pt x="1204" y="1"/>
-                    <a:pt x="1096" y="1"/>
-                  </a:cubicBezTo>
-                  <a:close/>
-                </a:path>
-              </a:pathLst>
-            </a:custGeom>
-            <a:solidFill>
-              <a:schemeClr val="lt2"/>
-            </a:solidFill>
-            <a:ln>
-              <a:noFill/>
-            </a:ln>
-          </p:spPr>
-          <p:txBody>
-            <a:bodyPr spcFirstLastPara="1" wrap="square" lIns="91425" tIns="91425" rIns="91425" bIns="91425" anchor="ctr" anchorCtr="0">
-              <a:noAutofit/>
-            </a:bodyPr>
-            <a:lstStyle/>
-            <a:p>
-              <a:pPr marL="0" lvl="0" indent="0" algn="l" rtl="0">
-                <a:spcBef>
-                  <a:spcPts val="0"/>
-                </a:spcBef>
-                <a:spcAft>
-                  <a:spcPts val="0"/>
-                </a:spcAft>
-                <a:buNone/>
-              </a:pPr>
-              <a:endParaRPr/>
-            </a:p>
-          </p:txBody>
-        </p:sp>
-      </p:grpSp>
-      <p:grpSp>
-        <p:nvGrpSpPr>
-          <p:cNvPr id="17" name="Google Shape;1781;p46"/>
-          <p:cNvGrpSpPr/>
-          <p:nvPr/>
-        </p:nvGrpSpPr>
-        <p:grpSpPr>
-          <a:xfrm>
-            <a:off x="4612176" y="3451633"/>
-            <a:ext cx="268757" cy="268485"/>
-            <a:chOff x="4201447" y="3817349"/>
-            <a:chExt cx="346024" cy="345674"/>
-          </a:xfrm>
-        </p:grpSpPr>
-        <p:sp>
-          <p:nvSpPr>
-            <p:cNvPr id="18" name="Google Shape;1782;p46"/>
-            <p:cNvSpPr/>
-            <p:nvPr/>
-          </p:nvSpPr>
-          <p:spPr>
-            <a:xfrm>
-              <a:off x="4201447" y="3817349"/>
-              <a:ext cx="346024" cy="345674"/>
-            </a:xfrm>
-            <a:custGeom>
-              <a:avLst/>
-              <a:gdLst/>
-              <a:ahLst/>
-              <a:cxnLst/>
-              <a:rect l="l" t="t" r="r" b="b"/>
-              <a:pathLst>
-                <a:path w="10871" h="10860" extrusionOk="0">
-                  <a:moveTo>
-                    <a:pt x="5430" y="334"/>
-                  </a:moveTo>
-                  <a:cubicBezTo>
-                    <a:pt x="8252" y="334"/>
-                    <a:pt x="10526" y="2608"/>
-                    <a:pt x="10526" y="5430"/>
-                  </a:cubicBezTo>
-                  <a:cubicBezTo>
-                    <a:pt x="10526" y="8240"/>
-                    <a:pt x="8252" y="10514"/>
-                    <a:pt x="5430" y="10514"/>
-                  </a:cubicBezTo>
-                  <a:cubicBezTo>
-                    <a:pt x="2620" y="10514"/>
-                    <a:pt x="346" y="8240"/>
-                    <a:pt x="346" y="5430"/>
-                  </a:cubicBezTo>
-                  <a:cubicBezTo>
-                    <a:pt x="346" y="2608"/>
-                    <a:pt x="2620" y="334"/>
-                    <a:pt x="5430" y="334"/>
-                  </a:cubicBezTo>
-                  <a:close/>
-                  <a:moveTo>
-                    <a:pt x="5430" y="1"/>
-                  </a:moveTo>
-                  <a:cubicBezTo>
-                    <a:pt x="3989" y="1"/>
-                    <a:pt x="2620" y="560"/>
-                    <a:pt x="1596" y="1584"/>
-                  </a:cubicBezTo>
-                  <a:cubicBezTo>
-                    <a:pt x="572" y="2620"/>
-                    <a:pt x="1" y="3989"/>
-                    <a:pt x="1" y="5430"/>
-                  </a:cubicBezTo>
-                  <a:cubicBezTo>
-                    <a:pt x="1" y="6871"/>
-                    <a:pt x="572" y="8240"/>
-                    <a:pt x="1596" y="9264"/>
-                  </a:cubicBezTo>
-                  <a:cubicBezTo>
-                    <a:pt x="2620" y="10300"/>
-                    <a:pt x="3989" y="10859"/>
-                    <a:pt x="5430" y="10859"/>
-                  </a:cubicBezTo>
-                  <a:cubicBezTo>
-                    <a:pt x="6882" y="10859"/>
-                    <a:pt x="8252" y="10300"/>
-                    <a:pt x="9276" y="9264"/>
-                  </a:cubicBezTo>
-                  <a:cubicBezTo>
-                    <a:pt x="10299" y="8240"/>
-                    <a:pt x="10871" y="6871"/>
-                    <a:pt x="10871" y="5430"/>
-                  </a:cubicBezTo>
-                  <a:cubicBezTo>
-                    <a:pt x="10871" y="3989"/>
-                    <a:pt x="10299" y="2620"/>
-                    <a:pt x="9276" y="1584"/>
-                  </a:cubicBezTo>
-                  <a:cubicBezTo>
-                    <a:pt x="8252" y="560"/>
-                    <a:pt x="6882" y="1"/>
-                    <a:pt x="5430" y="1"/>
-                  </a:cubicBezTo>
-                  <a:close/>
-                </a:path>
-              </a:pathLst>
-            </a:custGeom>
-            <a:solidFill>
-              <a:schemeClr val="lt2"/>
-            </a:solidFill>
-            <a:ln>
-              <a:noFill/>
-            </a:ln>
-          </p:spPr>
-          <p:txBody>
-            <a:bodyPr spcFirstLastPara="1" wrap="square" lIns="91425" tIns="91425" rIns="91425" bIns="91425" anchor="ctr" anchorCtr="0">
-              <a:noAutofit/>
-            </a:bodyPr>
-            <a:lstStyle/>
-            <a:p>
-              <a:pPr marL="0" lvl="0" indent="0" algn="l" rtl="0">
-                <a:spcBef>
-                  <a:spcPts val="0"/>
-                </a:spcBef>
-                <a:spcAft>
-                  <a:spcPts val="0"/>
-                </a:spcAft>
-                <a:buNone/>
-              </a:pPr>
-              <a:endParaRPr/>
-            </a:p>
-          </p:txBody>
-        </p:sp>
-        <p:sp>
-          <p:nvSpPr>
-            <p:cNvPr id="19" name="Google Shape;1783;p46"/>
-            <p:cNvSpPr/>
-            <p:nvPr/>
-          </p:nvSpPr>
-          <p:spPr>
-            <a:xfrm>
-              <a:off x="4271569" y="3904531"/>
-              <a:ext cx="227394" cy="185728"/>
-            </a:xfrm>
-            <a:custGeom>
-              <a:avLst/>
-              <a:gdLst/>
-              <a:ahLst/>
-              <a:cxnLst/>
-              <a:rect l="l" t="t" r="r" b="b"/>
-              <a:pathLst>
-                <a:path w="7144" h="5835" extrusionOk="0">
-                  <a:moveTo>
-                    <a:pt x="4620" y="0"/>
-                  </a:moveTo>
-                  <a:cubicBezTo>
-                    <a:pt x="3727" y="0"/>
-                    <a:pt x="2977" y="691"/>
-                    <a:pt x="2905" y="1572"/>
-                  </a:cubicBezTo>
-                  <a:cubicBezTo>
-                    <a:pt x="2727" y="1548"/>
-                    <a:pt x="2358" y="1441"/>
-                    <a:pt x="2262" y="1405"/>
-                  </a:cubicBezTo>
-                  <a:cubicBezTo>
-                    <a:pt x="1643" y="1203"/>
-                    <a:pt x="1072" y="810"/>
-                    <a:pt x="631" y="322"/>
-                  </a:cubicBezTo>
-                  <a:cubicBezTo>
-                    <a:pt x="596" y="298"/>
-                    <a:pt x="572" y="274"/>
-                    <a:pt x="524" y="262"/>
-                  </a:cubicBezTo>
-                  <a:cubicBezTo>
-                    <a:pt x="517" y="261"/>
-                    <a:pt x="509" y="260"/>
-                    <a:pt x="501" y="260"/>
-                  </a:cubicBezTo>
-                  <a:cubicBezTo>
-                    <a:pt x="436" y="260"/>
-                    <a:pt x="367" y="304"/>
-                    <a:pt x="346" y="357"/>
-                  </a:cubicBezTo>
-                  <a:cubicBezTo>
-                    <a:pt x="238" y="572"/>
-                    <a:pt x="179" y="810"/>
-                    <a:pt x="179" y="1048"/>
-                  </a:cubicBezTo>
-                  <a:cubicBezTo>
-                    <a:pt x="179" y="1393"/>
-                    <a:pt x="286" y="1727"/>
-                    <a:pt x="476" y="1977"/>
-                  </a:cubicBezTo>
-                  <a:cubicBezTo>
-                    <a:pt x="466" y="1975"/>
-                    <a:pt x="456" y="1974"/>
-                    <a:pt x="446" y="1974"/>
-                  </a:cubicBezTo>
-                  <a:cubicBezTo>
-                    <a:pt x="397" y="1974"/>
-                    <a:pt x="349" y="1997"/>
-                    <a:pt x="310" y="2036"/>
-                  </a:cubicBezTo>
-                  <a:cubicBezTo>
-                    <a:pt x="286" y="2060"/>
-                    <a:pt x="286" y="2108"/>
-                    <a:pt x="274" y="2143"/>
-                  </a:cubicBezTo>
-                  <a:lnTo>
-                    <a:pt x="274" y="2203"/>
-                  </a:lnTo>
-                  <a:cubicBezTo>
-                    <a:pt x="274" y="2655"/>
-                    <a:pt x="476" y="3072"/>
-                    <a:pt x="822" y="3358"/>
-                  </a:cubicBezTo>
-                  <a:cubicBezTo>
-                    <a:pt x="786" y="3370"/>
-                    <a:pt x="774" y="3405"/>
-                    <a:pt x="762" y="3417"/>
-                  </a:cubicBezTo>
-                  <a:cubicBezTo>
-                    <a:pt x="750" y="3465"/>
-                    <a:pt x="727" y="3513"/>
-                    <a:pt x="750" y="3548"/>
-                  </a:cubicBezTo>
-                  <a:cubicBezTo>
-                    <a:pt x="893" y="4024"/>
-                    <a:pt x="1262" y="4405"/>
-                    <a:pt x="1727" y="4548"/>
-                  </a:cubicBezTo>
-                  <a:cubicBezTo>
-                    <a:pt x="1310" y="4798"/>
-                    <a:pt x="834" y="4941"/>
-                    <a:pt x="334" y="4941"/>
-                  </a:cubicBezTo>
-                  <a:lnTo>
-                    <a:pt x="191" y="4941"/>
-                  </a:lnTo>
-                  <a:cubicBezTo>
-                    <a:pt x="107" y="4941"/>
-                    <a:pt x="36" y="5001"/>
-                    <a:pt x="12" y="5084"/>
-                  </a:cubicBezTo>
-                  <a:cubicBezTo>
-                    <a:pt x="0" y="5156"/>
-                    <a:pt x="48" y="5239"/>
-                    <a:pt x="107" y="5263"/>
-                  </a:cubicBezTo>
-                  <a:cubicBezTo>
-                    <a:pt x="727" y="5632"/>
-                    <a:pt x="1465" y="5834"/>
-                    <a:pt x="2191" y="5834"/>
-                  </a:cubicBezTo>
-                  <a:cubicBezTo>
-                    <a:pt x="3072" y="5834"/>
-                    <a:pt x="3905" y="5560"/>
-                    <a:pt x="4596" y="5060"/>
-                  </a:cubicBezTo>
-                  <a:cubicBezTo>
-                    <a:pt x="4691" y="5001"/>
-                    <a:pt x="4691" y="4858"/>
-                    <a:pt x="4620" y="4786"/>
-                  </a:cubicBezTo>
-                  <a:cubicBezTo>
-                    <a:pt x="4587" y="4754"/>
-                    <a:pt x="4544" y="4735"/>
-                    <a:pt x="4499" y="4735"/>
-                  </a:cubicBezTo>
-                  <a:cubicBezTo>
-                    <a:pt x="4463" y="4735"/>
-                    <a:pt x="4426" y="4748"/>
-                    <a:pt x="4394" y="4775"/>
-                  </a:cubicBezTo>
-                  <a:cubicBezTo>
-                    <a:pt x="3763" y="5215"/>
-                    <a:pt x="3013" y="5489"/>
-                    <a:pt x="2191" y="5489"/>
-                  </a:cubicBezTo>
-                  <a:cubicBezTo>
-                    <a:pt x="1727" y="5489"/>
-                    <a:pt x="1262" y="5394"/>
-                    <a:pt x="846" y="5239"/>
-                  </a:cubicBezTo>
-                  <a:cubicBezTo>
-                    <a:pt x="1369" y="5144"/>
-                    <a:pt x="1846" y="4917"/>
-                    <a:pt x="2262" y="4584"/>
-                  </a:cubicBezTo>
-                  <a:cubicBezTo>
-                    <a:pt x="2310" y="4536"/>
-                    <a:pt x="2334" y="4477"/>
-                    <a:pt x="2322" y="4417"/>
-                  </a:cubicBezTo>
-                  <a:cubicBezTo>
-                    <a:pt x="2310" y="4346"/>
-                    <a:pt x="2239" y="4286"/>
-                    <a:pt x="2155" y="4286"/>
-                  </a:cubicBezTo>
-                  <a:cubicBezTo>
-                    <a:pt x="1739" y="4263"/>
-                    <a:pt x="1369" y="4048"/>
-                    <a:pt x="1167" y="3691"/>
-                  </a:cubicBezTo>
-                  <a:cubicBezTo>
-                    <a:pt x="1250" y="3691"/>
-                    <a:pt x="1358" y="3667"/>
-                    <a:pt x="1441" y="3643"/>
-                  </a:cubicBezTo>
-                  <a:cubicBezTo>
-                    <a:pt x="1524" y="3632"/>
-                    <a:pt x="1584" y="3572"/>
-                    <a:pt x="1584" y="3489"/>
-                  </a:cubicBezTo>
-                  <a:cubicBezTo>
-                    <a:pt x="1596" y="3405"/>
-                    <a:pt x="1536" y="3334"/>
-                    <a:pt x="1441" y="3298"/>
-                  </a:cubicBezTo>
-                  <a:cubicBezTo>
-                    <a:pt x="1000" y="3191"/>
-                    <a:pt x="667" y="2822"/>
-                    <a:pt x="596" y="2381"/>
-                  </a:cubicBezTo>
-                  <a:lnTo>
-                    <a:pt x="596" y="2381"/>
-                  </a:lnTo>
-                  <a:cubicBezTo>
-                    <a:pt x="727" y="2405"/>
-                    <a:pt x="869" y="2417"/>
-                    <a:pt x="1000" y="2417"/>
-                  </a:cubicBezTo>
-                  <a:cubicBezTo>
-                    <a:pt x="1084" y="2417"/>
-                    <a:pt x="1143" y="2358"/>
-                    <a:pt x="1167" y="2274"/>
-                  </a:cubicBezTo>
-                  <a:cubicBezTo>
-                    <a:pt x="1179" y="2203"/>
-                    <a:pt x="1131" y="2143"/>
-                    <a:pt x="1072" y="2108"/>
-                  </a:cubicBezTo>
-                  <a:cubicBezTo>
-                    <a:pt x="703" y="1881"/>
-                    <a:pt x="476" y="1488"/>
-                    <a:pt x="476" y="1048"/>
-                  </a:cubicBezTo>
-                  <a:cubicBezTo>
-                    <a:pt x="476" y="953"/>
-                    <a:pt x="488" y="846"/>
-                    <a:pt x="524" y="738"/>
-                  </a:cubicBezTo>
-                  <a:cubicBezTo>
-                    <a:pt x="965" y="1191"/>
-                    <a:pt x="1524" y="1524"/>
-                    <a:pt x="2120" y="1727"/>
-                  </a:cubicBezTo>
-                  <a:cubicBezTo>
-                    <a:pt x="2120" y="1727"/>
-                    <a:pt x="2715" y="1905"/>
-                    <a:pt x="2929" y="1917"/>
-                  </a:cubicBezTo>
-                  <a:lnTo>
-                    <a:pt x="3024" y="1917"/>
-                  </a:lnTo>
-                  <a:cubicBezTo>
-                    <a:pt x="3096" y="1917"/>
-                    <a:pt x="3167" y="1869"/>
-                    <a:pt x="3191" y="1798"/>
-                  </a:cubicBezTo>
-                  <a:cubicBezTo>
-                    <a:pt x="3203" y="1786"/>
-                    <a:pt x="3203" y="1750"/>
-                    <a:pt x="3203" y="1738"/>
-                  </a:cubicBezTo>
-                  <a:lnTo>
-                    <a:pt x="3203" y="1703"/>
-                  </a:lnTo>
-                  <a:cubicBezTo>
-                    <a:pt x="3203" y="953"/>
-                    <a:pt x="3810" y="334"/>
-                    <a:pt x="4572" y="334"/>
-                  </a:cubicBezTo>
-                  <a:cubicBezTo>
-                    <a:pt x="4941" y="334"/>
-                    <a:pt x="5287" y="488"/>
-                    <a:pt x="5549" y="750"/>
-                  </a:cubicBezTo>
-                  <a:cubicBezTo>
-                    <a:pt x="5585" y="787"/>
-                    <a:pt x="5621" y="802"/>
-                    <a:pt x="5663" y="802"/>
-                  </a:cubicBezTo>
-                  <a:cubicBezTo>
-                    <a:pt x="5676" y="802"/>
-                    <a:pt x="5689" y="801"/>
-                    <a:pt x="5703" y="798"/>
-                  </a:cubicBezTo>
-                  <a:cubicBezTo>
-                    <a:pt x="5882" y="762"/>
-                    <a:pt x="6049" y="738"/>
-                    <a:pt x="6203" y="679"/>
-                  </a:cubicBezTo>
-                  <a:lnTo>
-                    <a:pt x="6203" y="679"/>
-                  </a:lnTo>
-                  <a:cubicBezTo>
-                    <a:pt x="6120" y="762"/>
-                    <a:pt x="6013" y="857"/>
-                    <a:pt x="5894" y="917"/>
-                  </a:cubicBezTo>
-                  <a:cubicBezTo>
-                    <a:pt x="5822" y="965"/>
-                    <a:pt x="5787" y="1048"/>
-                    <a:pt x="5822" y="1143"/>
-                  </a:cubicBezTo>
-                  <a:cubicBezTo>
-                    <a:pt x="5846" y="1203"/>
-                    <a:pt x="5930" y="1250"/>
-                    <a:pt x="6001" y="1250"/>
-                  </a:cubicBezTo>
-                  <a:cubicBezTo>
-                    <a:pt x="6144" y="1227"/>
-                    <a:pt x="6287" y="1215"/>
-                    <a:pt x="6418" y="1167"/>
-                  </a:cubicBezTo>
-                  <a:lnTo>
-                    <a:pt x="6418" y="1167"/>
-                  </a:lnTo>
-                  <a:cubicBezTo>
-                    <a:pt x="6299" y="1286"/>
-                    <a:pt x="6168" y="1405"/>
-                    <a:pt x="6013" y="1512"/>
-                  </a:cubicBezTo>
-                  <a:cubicBezTo>
-                    <a:pt x="5965" y="1548"/>
-                    <a:pt x="5941" y="1608"/>
-                    <a:pt x="5941" y="1655"/>
-                  </a:cubicBezTo>
-                  <a:lnTo>
-                    <a:pt x="5941" y="1679"/>
-                  </a:lnTo>
-                  <a:lnTo>
-                    <a:pt x="5941" y="1703"/>
-                  </a:lnTo>
-                  <a:lnTo>
-                    <a:pt x="5941" y="1727"/>
-                  </a:lnTo>
-                  <a:cubicBezTo>
-                    <a:pt x="5941" y="2691"/>
-                    <a:pt x="5572" y="3572"/>
-                    <a:pt x="4977" y="4227"/>
-                  </a:cubicBezTo>
-                  <a:cubicBezTo>
-                    <a:pt x="4918" y="4298"/>
-                    <a:pt x="4918" y="4405"/>
-                    <a:pt x="4977" y="4465"/>
-                  </a:cubicBezTo>
-                  <a:cubicBezTo>
-                    <a:pt x="5011" y="4499"/>
-                    <a:pt x="5053" y="4514"/>
-                    <a:pt x="5096" y="4514"/>
-                  </a:cubicBezTo>
-                  <a:cubicBezTo>
-                    <a:pt x="5143" y="4514"/>
-                    <a:pt x="5190" y="4496"/>
-                    <a:pt x="5227" y="4465"/>
-                  </a:cubicBezTo>
-                  <a:cubicBezTo>
-                    <a:pt x="5894" y="3715"/>
-                    <a:pt x="6263" y="2762"/>
-                    <a:pt x="6287" y="1750"/>
-                  </a:cubicBezTo>
-                  <a:cubicBezTo>
-                    <a:pt x="6596" y="1524"/>
-                    <a:pt x="6846" y="1250"/>
-                    <a:pt x="7061" y="917"/>
-                  </a:cubicBezTo>
-                  <a:cubicBezTo>
-                    <a:pt x="7144" y="857"/>
-                    <a:pt x="7132" y="750"/>
-                    <a:pt x="7061" y="715"/>
-                  </a:cubicBezTo>
-                  <a:cubicBezTo>
-                    <a:pt x="7029" y="683"/>
-                    <a:pt x="6987" y="667"/>
-                    <a:pt x="6937" y="667"/>
-                  </a:cubicBezTo>
-                  <a:cubicBezTo>
-                    <a:pt x="6912" y="667"/>
-                    <a:pt x="6886" y="671"/>
-                    <a:pt x="6858" y="679"/>
-                  </a:cubicBezTo>
-                  <a:cubicBezTo>
-                    <a:pt x="6775" y="726"/>
-                    <a:pt x="6680" y="750"/>
-                    <a:pt x="6596" y="786"/>
-                  </a:cubicBezTo>
-                  <a:cubicBezTo>
-                    <a:pt x="6680" y="667"/>
-                    <a:pt x="6763" y="512"/>
-                    <a:pt x="6823" y="369"/>
-                  </a:cubicBezTo>
-                  <a:cubicBezTo>
-                    <a:pt x="6834" y="310"/>
-                    <a:pt x="6834" y="238"/>
-                    <a:pt x="6787" y="191"/>
-                  </a:cubicBezTo>
-                  <a:cubicBezTo>
-                    <a:pt x="6750" y="153"/>
-                    <a:pt x="6703" y="135"/>
-                    <a:pt x="6659" y="135"/>
-                  </a:cubicBezTo>
-                  <a:cubicBezTo>
-                    <a:pt x="6632" y="135"/>
-                    <a:pt x="6607" y="142"/>
-                    <a:pt x="6584" y="155"/>
-                  </a:cubicBezTo>
-                  <a:cubicBezTo>
-                    <a:pt x="6322" y="310"/>
-                    <a:pt x="6061" y="393"/>
-                    <a:pt x="5775" y="441"/>
-                  </a:cubicBezTo>
-                  <a:cubicBezTo>
-                    <a:pt x="5465" y="143"/>
-                    <a:pt x="5048" y="0"/>
-                    <a:pt x="4620" y="0"/>
-                  </a:cubicBezTo>
-                  <a:close/>
-                </a:path>
-              </a:pathLst>
-            </a:custGeom>
-            <a:solidFill>
-              <a:schemeClr val="lt2"/>
-            </a:solidFill>
-            <a:ln>
-              <a:noFill/>
-            </a:ln>
-          </p:spPr>
-          <p:txBody>
-            <a:bodyPr spcFirstLastPara="1" wrap="square" lIns="91425" tIns="91425" rIns="91425" bIns="91425" anchor="ctr" anchorCtr="0">
-              <a:noAutofit/>
-            </a:bodyPr>
-            <a:lstStyle/>
-            <a:p>
-              <a:pPr marL="0" lvl="0" indent="0" algn="l" rtl="0">
-                <a:spcBef>
-                  <a:spcPts val="0"/>
-                </a:spcBef>
-                <a:spcAft>
-                  <a:spcPts val="0"/>
-                </a:spcAft>
-                <a:buNone/>
-              </a:pPr>
-              <a:endParaRPr/>
-            </a:p>
-          </p:txBody>
-        </p:sp>
-      </p:grpSp>
-      <p:grpSp>
-        <p:nvGrpSpPr>
-          <p:cNvPr id="20" name="Google Shape;1784;p46"/>
-          <p:cNvGrpSpPr/>
-          <p:nvPr/>
-        </p:nvGrpSpPr>
-        <p:grpSpPr>
-          <a:xfrm>
-            <a:off x="4960939" y="3451633"/>
-            <a:ext cx="268460" cy="268485"/>
-            <a:chOff x="5549861" y="3817349"/>
-            <a:chExt cx="345642" cy="345674"/>
-          </a:xfrm>
-        </p:grpSpPr>
-        <p:sp>
-          <p:nvSpPr>
-            <p:cNvPr id="21" name="Google Shape;1785;p46"/>
-            <p:cNvSpPr/>
-            <p:nvPr/>
-          </p:nvSpPr>
-          <p:spPr>
-            <a:xfrm>
-              <a:off x="5549861" y="3817349"/>
-              <a:ext cx="345642" cy="345674"/>
-            </a:xfrm>
-            <a:custGeom>
-              <a:avLst/>
-              <a:gdLst/>
-              <a:ahLst/>
-              <a:cxnLst/>
-              <a:rect l="l" t="t" r="r" b="b"/>
-              <a:pathLst>
-                <a:path w="10859" h="10860" extrusionOk="0">
-                  <a:moveTo>
-                    <a:pt x="5429" y="334"/>
-                  </a:moveTo>
-                  <a:cubicBezTo>
-                    <a:pt x="8239" y="334"/>
-                    <a:pt x="10513" y="2608"/>
-                    <a:pt x="10513" y="5430"/>
-                  </a:cubicBezTo>
-                  <a:cubicBezTo>
-                    <a:pt x="10513" y="8240"/>
-                    <a:pt x="8227" y="10514"/>
-                    <a:pt x="5429" y="10514"/>
-                  </a:cubicBezTo>
-                  <a:cubicBezTo>
-                    <a:pt x="2619" y="10514"/>
-                    <a:pt x="333" y="8240"/>
-                    <a:pt x="333" y="5430"/>
-                  </a:cubicBezTo>
-                  <a:cubicBezTo>
-                    <a:pt x="333" y="2608"/>
-                    <a:pt x="2619" y="334"/>
-                    <a:pt x="5429" y="334"/>
-                  </a:cubicBezTo>
-                  <a:close/>
-                  <a:moveTo>
-                    <a:pt x="5429" y="1"/>
-                  </a:moveTo>
-                  <a:cubicBezTo>
-                    <a:pt x="3989" y="1"/>
-                    <a:pt x="2619" y="560"/>
-                    <a:pt x="1584" y="1584"/>
-                  </a:cubicBezTo>
-                  <a:cubicBezTo>
-                    <a:pt x="560" y="2620"/>
-                    <a:pt x="0" y="3989"/>
-                    <a:pt x="0" y="5430"/>
-                  </a:cubicBezTo>
-                  <a:cubicBezTo>
-                    <a:pt x="0" y="6871"/>
-                    <a:pt x="560" y="8240"/>
-                    <a:pt x="1584" y="9264"/>
-                  </a:cubicBezTo>
-                  <a:cubicBezTo>
-                    <a:pt x="2619" y="10300"/>
-                    <a:pt x="3989" y="10859"/>
-                    <a:pt x="5429" y="10859"/>
-                  </a:cubicBezTo>
-                  <a:cubicBezTo>
-                    <a:pt x="6870" y="10859"/>
-                    <a:pt x="8239" y="10300"/>
-                    <a:pt x="9263" y="9264"/>
-                  </a:cubicBezTo>
-                  <a:cubicBezTo>
-                    <a:pt x="10299" y="8240"/>
-                    <a:pt x="10859" y="6871"/>
-                    <a:pt x="10859" y="5430"/>
-                  </a:cubicBezTo>
-                  <a:cubicBezTo>
-                    <a:pt x="10859" y="3989"/>
-                    <a:pt x="10299" y="2620"/>
-                    <a:pt x="9263" y="1584"/>
-                  </a:cubicBezTo>
-                  <a:cubicBezTo>
-                    <a:pt x="8239" y="560"/>
-                    <a:pt x="6870" y="1"/>
-                    <a:pt x="5429" y="1"/>
-                  </a:cubicBezTo>
-                  <a:close/>
-                </a:path>
-              </a:pathLst>
-            </a:custGeom>
-            <a:solidFill>
-              <a:schemeClr val="lt2"/>
-            </a:solidFill>
-            <a:ln>
-              <a:noFill/>
-            </a:ln>
-          </p:spPr>
-          <p:txBody>
-            <a:bodyPr spcFirstLastPara="1" wrap="square" lIns="91425" tIns="91425" rIns="91425" bIns="91425" anchor="ctr" anchorCtr="0">
-              <a:noAutofit/>
-            </a:bodyPr>
-            <a:lstStyle/>
-            <a:p>
-              <a:pPr marL="0" lvl="0" indent="0" algn="l" rtl="0">
-                <a:spcBef>
-                  <a:spcPts val="0"/>
-                </a:spcBef>
-                <a:spcAft>
-                  <a:spcPts val="0"/>
-                </a:spcAft>
-                <a:buNone/>
-              </a:pPr>
-              <a:endParaRPr/>
-            </a:p>
-          </p:txBody>
-        </p:sp>
-        <p:sp>
-          <p:nvSpPr>
-            <p:cNvPr id="22" name="Google Shape;1786;p46"/>
-            <p:cNvSpPr/>
-            <p:nvPr/>
-          </p:nvSpPr>
-          <p:spPr>
-            <a:xfrm>
-              <a:off x="5590763" y="3890208"/>
-              <a:ext cx="262661" cy="200052"/>
-            </a:xfrm>
-            <a:custGeom>
-              <a:avLst/>
-              <a:gdLst/>
-              <a:ahLst/>
-              <a:cxnLst/>
-              <a:rect l="l" t="t" r="r" b="b"/>
-              <a:pathLst>
-                <a:path w="8252" h="6285" extrusionOk="0">
-                  <a:moveTo>
-                    <a:pt x="4123" y="1"/>
-                  </a:moveTo>
-                  <a:cubicBezTo>
-                    <a:pt x="3010" y="1"/>
-                    <a:pt x="1900" y="63"/>
-                    <a:pt x="799" y="188"/>
-                  </a:cubicBezTo>
-                  <a:cubicBezTo>
-                    <a:pt x="513" y="224"/>
-                    <a:pt x="287" y="450"/>
-                    <a:pt x="239" y="712"/>
-                  </a:cubicBezTo>
-                  <a:cubicBezTo>
-                    <a:pt x="1" y="2319"/>
-                    <a:pt x="1" y="3963"/>
-                    <a:pt x="239" y="5570"/>
-                  </a:cubicBezTo>
-                  <a:cubicBezTo>
-                    <a:pt x="287" y="5844"/>
-                    <a:pt x="513" y="6058"/>
-                    <a:pt x="799" y="6082"/>
-                  </a:cubicBezTo>
-                  <a:cubicBezTo>
-                    <a:pt x="1894" y="6201"/>
-                    <a:pt x="3013" y="6284"/>
-                    <a:pt x="4132" y="6284"/>
-                  </a:cubicBezTo>
-                  <a:cubicBezTo>
-                    <a:pt x="4609" y="6284"/>
-                    <a:pt x="5085" y="6260"/>
-                    <a:pt x="5561" y="6249"/>
-                  </a:cubicBezTo>
-                  <a:cubicBezTo>
-                    <a:pt x="5644" y="6249"/>
-                    <a:pt x="5716" y="6177"/>
-                    <a:pt x="5716" y="6070"/>
-                  </a:cubicBezTo>
-                  <a:cubicBezTo>
-                    <a:pt x="5716" y="5963"/>
-                    <a:pt x="5633" y="5891"/>
-                    <a:pt x="5537" y="5891"/>
-                  </a:cubicBezTo>
-                  <a:cubicBezTo>
-                    <a:pt x="5051" y="5914"/>
-                    <a:pt x="4564" y="5925"/>
-                    <a:pt x="4076" y="5925"/>
-                  </a:cubicBezTo>
-                  <a:cubicBezTo>
-                    <a:pt x="2998" y="5925"/>
-                    <a:pt x="1916" y="5868"/>
-                    <a:pt x="834" y="5737"/>
-                  </a:cubicBezTo>
-                  <a:cubicBezTo>
-                    <a:pt x="715" y="5725"/>
-                    <a:pt x="620" y="5641"/>
-                    <a:pt x="596" y="5498"/>
-                  </a:cubicBezTo>
-                  <a:cubicBezTo>
-                    <a:pt x="382" y="3927"/>
-                    <a:pt x="382" y="2319"/>
-                    <a:pt x="596" y="736"/>
-                  </a:cubicBezTo>
-                  <a:cubicBezTo>
-                    <a:pt x="620" y="617"/>
-                    <a:pt x="715" y="522"/>
-                    <a:pt x="834" y="498"/>
-                  </a:cubicBezTo>
-                  <a:cubicBezTo>
-                    <a:pt x="1942" y="379"/>
-                    <a:pt x="3037" y="319"/>
-                    <a:pt x="4144" y="319"/>
-                  </a:cubicBezTo>
-                  <a:cubicBezTo>
-                    <a:pt x="5240" y="319"/>
-                    <a:pt x="6347" y="379"/>
-                    <a:pt x="7442" y="498"/>
-                  </a:cubicBezTo>
-                  <a:cubicBezTo>
-                    <a:pt x="7561" y="522"/>
-                    <a:pt x="7669" y="605"/>
-                    <a:pt x="7680" y="736"/>
-                  </a:cubicBezTo>
-                  <a:cubicBezTo>
-                    <a:pt x="7907" y="2319"/>
-                    <a:pt x="7907" y="3927"/>
-                    <a:pt x="7680" y="5498"/>
-                  </a:cubicBezTo>
-                  <a:cubicBezTo>
-                    <a:pt x="7669" y="5617"/>
-                    <a:pt x="7561" y="5725"/>
-                    <a:pt x="7442" y="5737"/>
-                  </a:cubicBezTo>
-                  <a:cubicBezTo>
-                    <a:pt x="7085" y="5784"/>
-                    <a:pt x="6752" y="5820"/>
-                    <a:pt x="6395" y="5844"/>
-                  </a:cubicBezTo>
-                  <a:cubicBezTo>
-                    <a:pt x="6299" y="5844"/>
-                    <a:pt x="6228" y="5927"/>
-                    <a:pt x="6228" y="6010"/>
-                  </a:cubicBezTo>
-                  <a:cubicBezTo>
-                    <a:pt x="6228" y="6110"/>
-                    <a:pt x="6299" y="6178"/>
-                    <a:pt x="6386" y="6178"/>
-                  </a:cubicBezTo>
-                  <a:cubicBezTo>
-                    <a:pt x="6393" y="6178"/>
-                    <a:pt x="6399" y="6178"/>
-                    <a:pt x="6406" y="6177"/>
-                  </a:cubicBezTo>
-                  <a:cubicBezTo>
-                    <a:pt x="6764" y="6141"/>
-                    <a:pt x="7121" y="6118"/>
-                    <a:pt x="7478" y="6070"/>
-                  </a:cubicBezTo>
-                  <a:cubicBezTo>
-                    <a:pt x="7764" y="6034"/>
-                    <a:pt x="7978" y="5820"/>
-                    <a:pt x="8026" y="5546"/>
-                  </a:cubicBezTo>
-                  <a:cubicBezTo>
-                    <a:pt x="8252" y="3963"/>
-                    <a:pt x="8252" y="2319"/>
-                    <a:pt x="8014" y="712"/>
-                  </a:cubicBezTo>
-                  <a:cubicBezTo>
-                    <a:pt x="7966" y="426"/>
-                    <a:pt x="7740" y="224"/>
-                    <a:pt x="7466" y="188"/>
-                  </a:cubicBezTo>
-                  <a:cubicBezTo>
-                    <a:pt x="6353" y="63"/>
-                    <a:pt x="5237" y="1"/>
-                    <a:pt x="4123" y="1"/>
-                  </a:cubicBezTo>
-                  <a:close/>
-                </a:path>
-              </a:pathLst>
-            </a:custGeom>
-            <a:solidFill>
-              <a:schemeClr val="lt2"/>
-            </a:solidFill>
-            <a:ln>
-              <a:noFill/>
-            </a:ln>
-          </p:spPr>
-          <p:txBody>
-            <a:bodyPr spcFirstLastPara="1" wrap="square" lIns="91425" tIns="91425" rIns="91425" bIns="91425" anchor="ctr" anchorCtr="0">
-              <a:noAutofit/>
-            </a:bodyPr>
-            <a:lstStyle/>
-            <a:p>
-              <a:pPr marL="0" lvl="0" indent="0" algn="l" rtl="0">
-                <a:spcBef>
-                  <a:spcPts val="0"/>
-                </a:spcBef>
-                <a:spcAft>
-                  <a:spcPts val="0"/>
-                </a:spcAft>
-                <a:buNone/>
-              </a:pPr>
-              <a:endParaRPr/>
-            </a:p>
-          </p:txBody>
-        </p:sp>
-        <p:sp>
-          <p:nvSpPr>
-            <p:cNvPr id="23" name="Google Shape;1787;p46"/>
-            <p:cNvSpPr/>
-            <p:nvPr/>
-          </p:nvSpPr>
-          <p:spPr>
-            <a:xfrm>
-              <a:off x="5680587" y="3935024"/>
-              <a:ext cx="105389" cy="110514"/>
-            </a:xfrm>
-            <a:custGeom>
-              <a:avLst/>
-              <a:gdLst/>
-              <a:ahLst/>
-              <a:cxnLst/>
-              <a:rect l="l" t="t" r="r" b="b"/>
-              <a:pathLst>
-                <a:path w="3311" h="3472" extrusionOk="0">
-                  <a:moveTo>
-                    <a:pt x="334" y="447"/>
-                  </a:moveTo>
-                  <a:lnTo>
-                    <a:pt x="2763" y="1733"/>
-                  </a:lnTo>
-                  <a:lnTo>
-                    <a:pt x="334" y="3007"/>
-                  </a:lnTo>
-                  <a:lnTo>
-                    <a:pt x="334" y="447"/>
-                  </a:lnTo>
-                  <a:close/>
-                  <a:moveTo>
-                    <a:pt x="163" y="1"/>
-                  </a:moveTo>
-                  <a:cubicBezTo>
-                    <a:pt x="135" y="1"/>
-                    <a:pt x="108" y="7"/>
-                    <a:pt x="84" y="18"/>
-                  </a:cubicBezTo>
-                  <a:cubicBezTo>
-                    <a:pt x="36" y="54"/>
-                    <a:pt x="1" y="114"/>
-                    <a:pt x="1" y="173"/>
-                  </a:cubicBezTo>
-                  <a:lnTo>
-                    <a:pt x="1" y="3293"/>
-                  </a:lnTo>
-                  <a:cubicBezTo>
-                    <a:pt x="1" y="3352"/>
-                    <a:pt x="24" y="3412"/>
-                    <a:pt x="84" y="3447"/>
-                  </a:cubicBezTo>
-                  <a:cubicBezTo>
-                    <a:pt x="120" y="3459"/>
-                    <a:pt x="144" y="3471"/>
-                    <a:pt x="179" y="3471"/>
-                  </a:cubicBezTo>
-                  <a:cubicBezTo>
-                    <a:pt x="203" y="3471"/>
-                    <a:pt x="239" y="3471"/>
-                    <a:pt x="251" y="3459"/>
-                  </a:cubicBezTo>
-                  <a:lnTo>
-                    <a:pt x="3227" y="1900"/>
-                  </a:lnTo>
-                  <a:cubicBezTo>
-                    <a:pt x="3287" y="1864"/>
-                    <a:pt x="3311" y="1804"/>
-                    <a:pt x="3311" y="1745"/>
-                  </a:cubicBezTo>
-                  <a:cubicBezTo>
-                    <a:pt x="3311" y="1673"/>
-                    <a:pt x="3287" y="1614"/>
-                    <a:pt x="3227" y="1578"/>
-                  </a:cubicBezTo>
-                  <a:lnTo>
-                    <a:pt x="251" y="18"/>
-                  </a:lnTo>
-                  <a:cubicBezTo>
-                    <a:pt x="221" y="7"/>
-                    <a:pt x="191" y="1"/>
-                    <a:pt x="163" y="1"/>
-                  </a:cubicBezTo>
-                  <a:close/>
-                </a:path>
-              </a:pathLst>
-            </a:custGeom>
-            <a:solidFill>
-              <a:schemeClr val="lt2"/>
-            </a:solidFill>
-            <a:ln>
-              <a:noFill/>
-            </a:ln>
-          </p:spPr>
-          <p:txBody>
-            <a:bodyPr spcFirstLastPara="1" wrap="square" lIns="91425" tIns="91425" rIns="91425" bIns="91425" anchor="ctr" anchorCtr="0">
-              <a:noAutofit/>
-            </a:bodyPr>
-            <a:lstStyle/>
-            <a:p>
-              <a:pPr marL="0" lvl="0" indent="0" algn="l" rtl="0">
-                <a:spcBef>
-                  <a:spcPts val="0"/>
-                </a:spcBef>
-                <a:spcAft>
-                  <a:spcPts val="0"/>
-                </a:spcAft>
-                <a:buNone/>
-              </a:pPr>
-              <a:endParaRPr/>
-            </a:p>
-          </p:txBody>
-        </p:sp>
-      </p:grpSp>
     </p:spTree>
     <p:extLst>
       <p:ext uri="{BB962C8B-B14F-4D97-AF65-F5344CB8AC3E}">
@@ -11761,7 +9663,7 @@
         </p:blipFill>
         <p:spPr>
           <a:xfrm>
-            <a:off x="3837709" y="120079"/>
+            <a:off x="3837709" y="127513"/>
             <a:ext cx="5153891" cy="4922976"/>
           </a:xfrm>
           <a:prstGeom prst="rect">

--- a/E-Genetics/presentations/new presentation.pptx
+++ b/E-Genetics/presentations/new presentation.pptx
@@ -2,52 +2,57 @@
 <file path=ppt/presentation.xml><?xml version="1.0" encoding="utf-8"?>
 <p:presentation xmlns:a="http://schemas.openxmlformats.org/drawingml/2006/main" xmlns:r="http://schemas.openxmlformats.org/officeDocument/2006/relationships" xmlns:p="http://schemas.openxmlformats.org/presentationml/2006/main" strictFirstAndLastChars="0" embedTrueTypeFonts="1" saveSubsetFonts="1" autoCompressPictures="0">
   <p:sldMasterIdLst>
-    <p:sldMasterId id="2147483669" r:id="rId1"/>
+    <p:sldMasterId id="2147483648" r:id="rId1"/>
   </p:sldMasterIdLst>
   <p:notesMasterIdLst>
-    <p:notesMasterId r:id="rId18"/>
+    <p:notesMasterId r:id="rId4"/>
   </p:notesMasterIdLst>
   <p:sldIdLst>
-    <p:sldId id="256" r:id="rId2"/>
-    <p:sldId id="257" r:id="rId3"/>
-    <p:sldId id="258" r:id="rId4"/>
-    <p:sldId id="297" r:id="rId5"/>
-    <p:sldId id="298" r:id="rId6"/>
-    <p:sldId id="259" r:id="rId7"/>
-    <p:sldId id="299" r:id="rId8"/>
-    <p:sldId id="300" r:id="rId9"/>
-    <p:sldId id="301" r:id="rId10"/>
-    <p:sldId id="303" r:id="rId11"/>
-    <p:sldId id="304" r:id="rId12"/>
-    <p:sldId id="305" r:id="rId13"/>
-    <p:sldId id="306" r:id="rId14"/>
-    <p:sldId id="260" r:id="rId15"/>
-    <p:sldId id="308" r:id="rId16"/>
-    <p:sldId id="309" r:id="rId17"/>
+    <p:sldId id="256" r:id="rId3"/>
+    <p:sldId id="257" r:id="rId5"/>
+    <p:sldId id="258" r:id="rId6"/>
+    <p:sldId id="297" r:id="rId7"/>
+    <p:sldId id="298" r:id="rId8"/>
+    <p:sldId id="259" r:id="rId9"/>
+    <p:sldId id="299" r:id="rId10"/>
+    <p:sldId id="300" r:id="rId11"/>
+    <p:sldId id="301" r:id="rId12"/>
+    <p:sldId id="303" r:id="rId13"/>
+    <p:sldId id="304" r:id="rId14"/>
+    <p:sldId id="305" r:id="rId15"/>
+    <p:sldId id="306" r:id="rId16"/>
+    <p:sldId id="260" r:id="rId17"/>
+    <p:sldId id="308" r:id="rId18"/>
+    <p:sldId id="309" r:id="rId19"/>
   </p:sldIdLst>
   <p:sldSz cx="9144000" cy="5143500" type="screen16x9"/>
   <p:notesSz cx="6858000" cy="9144000"/>
   <p:embeddedFontLst>
     <p:embeddedFont>
-      <p:font typeface="Advent Pro Light" panose="020B0604020202020204" charset="0"/>
-      <p:regular r:id="rId19"/>
-      <p:bold r:id="rId20"/>
+      <p:font typeface="Rajdhani" panose="02000000000000000000"/>
+      <p:regular r:id="rId23"/>
     </p:embeddedFont>
     <p:embeddedFont>
-      <p:font typeface="Anton" pitchFamily="2" charset="0"/>
-      <p:regular r:id="rId21"/>
+      <p:font typeface="Fira Sans Condensed Light" panose="020B0503050000020004"/>
+      <p:regular r:id="rId24"/>
     </p:embeddedFont>
     <p:embeddedFont>
-      <p:font typeface="Fira Sans Condensed Light" panose="020B0403050000020004" pitchFamily="34" charset="0"/>
-      <p:regular r:id="rId22"/>
-      <p:bold r:id="rId23"/>
-      <p:italic r:id="rId24"/>
-      <p:boldItalic r:id="rId25"/>
+      <p:font typeface="Anton"/>
+      <p:regular r:id="rId25"/>
     </p:embeddedFont>
     <p:embeddedFont>
-      <p:font typeface="Rajdhani" panose="020B0604020202020204" charset="0"/>
+      <p:font typeface="Advent Pro Light" panose="02000506040000020004"/>
       <p:regular r:id="rId26"/>
-      <p:bold r:id="rId27"/>
+    </p:embeddedFont>
+    <p:embeddedFont>
+      <p:font typeface="Fira Sans Condensed Light" panose="020B0503050000020004" charset="0"/>
+      <p:regular r:id="rId27"/>
+      <p:italic r:id="rId28"/>
+    </p:embeddedFont>
+    <p:embeddedFont>
+      <p:font typeface="Rajdhani" panose="02000000000000000000" charset="0"/>
+      <p:regular r:id="rId29"/>
+      <p:bold r:id="rId30"/>
     </p:embeddedFont>
   </p:embeddedFontLst>
   <p:defaultTextStyle>
@@ -75,15 +80,15 @@
       <a:buClr>
         <a:srgbClr val="000000"/>
       </a:buClr>
-      <a:buFont typeface="Arial"/>
+      <a:buFont typeface="Arial" panose="020B0604020202020204"/>
       <a:defRPr sz="1400" b="0" i="0" u="none" strike="noStrike" cap="none">
         <a:solidFill>
           <a:srgbClr val="000000"/>
         </a:solidFill>
-        <a:latin typeface="Arial"/>
-        <a:ea typeface="Arial"/>
-        <a:cs typeface="Arial"/>
-        <a:sym typeface="Arial"/>
+        <a:latin typeface="Arial" panose="020B0604020202020204"/>
+        <a:ea typeface="Arial" panose="020B0604020202020204"/>
+        <a:cs typeface="Arial" panose="020B0604020202020204"/>
+        <a:sym typeface="Arial" panose="020B0604020202020204"/>
       </a:defRPr>
     </a:lvl1pPr>
     <a:lvl2pPr marR="0" lvl="1" algn="l" rtl="0">
@@ -99,15 +104,15 @@
       <a:buClr>
         <a:srgbClr val="000000"/>
       </a:buClr>
-      <a:buFont typeface="Arial"/>
+      <a:buFont typeface="Arial" panose="020B0604020202020204"/>
       <a:defRPr sz="1400" b="0" i="0" u="none" strike="noStrike" cap="none">
         <a:solidFill>
           <a:srgbClr val="000000"/>
         </a:solidFill>
-        <a:latin typeface="Arial"/>
-        <a:ea typeface="Arial"/>
-        <a:cs typeface="Arial"/>
-        <a:sym typeface="Arial"/>
+        <a:latin typeface="Arial" panose="020B0604020202020204"/>
+        <a:ea typeface="Arial" panose="020B0604020202020204"/>
+        <a:cs typeface="Arial" panose="020B0604020202020204"/>
+        <a:sym typeface="Arial" panose="020B0604020202020204"/>
       </a:defRPr>
     </a:lvl2pPr>
     <a:lvl3pPr marR="0" lvl="2" algn="l" rtl="0">
@@ -123,15 +128,15 @@
       <a:buClr>
         <a:srgbClr val="000000"/>
       </a:buClr>
-      <a:buFont typeface="Arial"/>
+      <a:buFont typeface="Arial" panose="020B0604020202020204"/>
       <a:defRPr sz="1400" b="0" i="0" u="none" strike="noStrike" cap="none">
         <a:solidFill>
           <a:srgbClr val="000000"/>
         </a:solidFill>
-        <a:latin typeface="Arial"/>
-        <a:ea typeface="Arial"/>
-        <a:cs typeface="Arial"/>
-        <a:sym typeface="Arial"/>
+        <a:latin typeface="Arial" panose="020B0604020202020204"/>
+        <a:ea typeface="Arial" panose="020B0604020202020204"/>
+        <a:cs typeface="Arial" panose="020B0604020202020204"/>
+        <a:sym typeface="Arial" panose="020B0604020202020204"/>
       </a:defRPr>
     </a:lvl3pPr>
     <a:lvl4pPr marR="0" lvl="3" algn="l" rtl="0">
@@ -147,15 +152,15 @@
       <a:buClr>
         <a:srgbClr val="000000"/>
       </a:buClr>
-      <a:buFont typeface="Arial"/>
+      <a:buFont typeface="Arial" panose="020B0604020202020204"/>
       <a:defRPr sz="1400" b="0" i="0" u="none" strike="noStrike" cap="none">
         <a:solidFill>
           <a:srgbClr val="000000"/>
         </a:solidFill>
-        <a:latin typeface="Arial"/>
-        <a:ea typeface="Arial"/>
-        <a:cs typeface="Arial"/>
-        <a:sym typeface="Arial"/>
+        <a:latin typeface="Arial" panose="020B0604020202020204"/>
+        <a:ea typeface="Arial" panose="020B0604020202020204"/>
+        <a:cs typeface="Arial" panose="020B0604020202020204"/>
+        <a:sym typeface="Arial" panose="020B0604020202020204"/>
       </a:defRPr>
     </a:lvl4pPr>
     <a:lvl5pPr marR="0" lvl="4" algn="l" rtl="0">
@@ -171,15 +176,15 @@
       <a:buClr>
         <a:srgbClr val="000000"/>
       </a:buClr>
-      <a:buFont typeface="Arial"/>
+      <a:buFont typeface="Arial" panose="020B0604020202020204"/>
       <a:defRPr sz="1400" b="0" i="0" u="none" strike="noStrike" cap="none">
         <a:solidFill>
           <a:srgbClr val="000000"/>
         </a:solidFill>
-        <a:latin typeface="Arial"/>
-        <a:ea typeface="Arial"/>
-        <a:cs typeface="Arial"/>
-        <a:sym typeface="Arial"/>
+        <a:latin typeface="Arial" panose="020B0604020202020204"/>
+        <a:ea typeface="Arial" panose="020B0604020202020204"/>
+        <a:cs typeface="Arial" panose="020B0604020202020204"/>
+        <a:sym typeface="Arial" panose="020B0604020202020204"/>
       </a:defRPr>
     </a:lvl5pPr>
     <a:lvl6pPr marR="0" lvl="5" algn="l" rtl="0">
@@ -195,15 +200,15 @@
       <a:buClr>
         <a:srgbClr val="000000"/>
       </a:buClr>
-      <a:buFont typeface="Arial"/>
+      <a:buFont typeface="Arial" panose="020B0604020202020204"/>
       <a:defRPr sz="1400" b="0" i="0" u="none" strike="noStrike" cap="none">
         <a:solidFill>
           <a:srgbClr val="000000"/>
         </a:solidFill>
-        <a:latin typeface="Arial"/>
-        <a:ea typeface="Arial"/>
-        <a:cs typeface="Arial"/>
-        <a:sym typeface="Arial"/>
+        <a:latin typeface="Arial" panose="020B0604020202020204"/>
+        <a:ea typeface="Arial" panose="020B0604020202020204"/>
+        <a:cs typeface="Arial" panose="020B0604020202020204"/>
+        <a:sym typeface="Arial" panose="020B0604020202020204"/>
       </a:defRPr>
     </a:lvl6pPr>
     <a:lvl7pPr marR="0" lvl="6" algn="l" rtl="0">
@@ -219,15 +224,15 @@
       <a:buClr>
         <a:srgbClr val="000000"/>
       </a:buClr>
-      <a:buFont typeface="Arial"/>
+      <a:buFont typeface="Arial" panose="020B0604020202020204"/>
       <a:defRPr sz="1400" b="0" i="0" u="none" strike="noStrike" cap="none">
         <a:solidFill>
           <a:srgbClr val="000000"/>
         </a:solidFill>
-        <a:latin typeface="Arial"/>
-        <a:ea typeface="Arial"/>
-        <a:cs typeface="Arial"/>
-        <a:sym typeface="Arial"/>
+        <a:latin typeface="Arial" panose="020B0604020202020204"/>
+        <a:ea typeface="Arial" panose="020B0604020202020204"/>
+        <a:cs typeface="Arial" panose="020B0604020202020204"/>
+        <a:sym typeface="Arial" panose="020B0604020202020204"/>
       </a:defRPr>
     </a:lvl7pPr>
     <a:lvl8pPr marR="0" lvl="7" algn="l" rtl="0">
@@ -243,15 +248,15 @@
       <a:buClr>
         <a:srgbClr val="000000"/>
       </a:buClr>
-      <a:buFont typeface="Arial"/>
+      <a:buFont typeface="Arial" panose="020B0604020202020204"/>
       <a:defRPr sz="1400" b="0" i="0" u="none" strike="noStrike" cap="none">
         <a:solidFill>
           <a:srgbClr val="000000"/>
         </a:solidFill>
-        <a:latin typeface="Arial"/>
-        <a:ea typeface="Arial"/>
-        <a:cs typeface="Arial"/>
-        <a:sym typeface="Arial"/>
+        <a:latin typeface="Arial" panose="020B0604020202020204"/>
+        <a:ea typeface="Arial" panose="020B0604020202020204"/>
+        <a:cs typeface="Arial" panose="020B0604020202020204"/>
+        <a:sym typeface="Arial" panose="020B0604020202020204"/>
       </a:defRPr>
     </a:lvl8pPr>
     <a:lvl9pPr marR="0" lvl="8" algn="l" rtl="0">
@@ -267,23 +272,18 @@
       <a:buClr>
         <a:srgbClr val="000000"/>
       </a:buClr>
-      <a:buFont typeface="Arial"/>
+      <a:buFont typeface="Arial" panose="020B0604020202020204"/>
       <a:defRPr sz="1400" b="0" i="0" u="none" strike="noStrike" cap="none">
         <a:solidFill>
           <a:srgbClr val="000000"/>
         </a:solidFill>
-        <a:latin typeface="Arial"/>
-        <a:ea typeface="Arial"/>
-        <a:cs typeface="Arial"/>
-        <a:sym typeface="Arial"/>
+        <a:latin typeface="Arial" panose="020B0604020202020204"/>
+        <a:ea typeface="Arial" panose="020B0604020202020204"/>
+        <a:cs typeface="Arial" panose="020B0604020202020204"/>
+        <a:sym typeface="Arial" panose="020B0604020202020204"/>
       </a:defRPr>
     </a:lvl9pPr>
   </p:defaultTextStyle>
-  <p:extLst>
-    <p:ext uri="{EFAFB233-063F-42B5-8137-9DF3F51BA10A}">
-      <p15:sldGuideLst xmlns:p15="http://schemas.microsoft.com/office/powerpoint/2012/main"/>
-    </p:ext>
-  </p:extLst>
 </p:presentation>
 </file>
 
@@ -488,9 +488,7 @@
               <a:defRPr sz="1100"/>
             </a:lvl9pPr>
           </a:lstStyle>
-          <a:p>
-            <a:endParaRPr/>
-          </a:p>
+          <a:p/>
         </p:txBody>
       </p:sp>
     </p:spTree>
@@ -521,15 +519,15 @@
       <a:buClr>
         <a:srgbClr val="000000"/>
       </a:buClr>
-      <a:buFont typeface="Arial"/>
+      <a:buFont typeface="Arial" panose="020B0604020202020204"/>
       <a:defRPr sz="1400" b="0" i="0" u="none" strike="noStrike" cap="none">
         <a:solidFill>
           <a:srgbClr val="000000"/>
         </a:solidFill>
-        <a:latin typeface="Arial"/>
-        <a:ea typeface="Arial"/>
-        <a:cs typeface="Arial"/>
-        <a:sym typeface="Arial"/>
+        <a:latin typeface="Arial" panose="020B0604020202020204"/>
+        <a:ea typeface="Arial" panose="020B0604020202020204"/>
+        <a:cs typeface="Arial" panose="020B0604020202020204"/>
+        <a:sym typeface="Arial" panose="020B0604020202020204"/>
       </a:defRPr>
     </a:lvl1pPr>
     <a:lvl2pPr marR="0" lvl="1" algn="l" rtl="0">
@@ -545,15 +543,15 @@
       <a:buClr>
         <a:srgbClr val="000000"/>
       </a:buClr>
-      <a:buFont typeface="Arial"/>
+      <a:buFont typeface="Arial" panose="020B0604020202020204"/>
       <a:defRPr sz="1400" b="0" i="0" u="none" strike="noStrike" cap="none">
         <a:solidFill>
           <a:srgbClr val="000000"/>
         </a:solidFill>
-        <a:latin typeface="Arial"/>
-        <a:ea typeface="Arial"/>
-        <a:cs typeface="Arial"/>
-        <a:sym typeface="Arial"/>
+        <a:latin typeface="Arial" panose="020B0604020202020204"/>
+        <a:ea typeface="Arial" panose="020B0604020202020204"/>
+        <a:cs typeface="Arial" panose="020B0604020202020204"/>
+        <a:sym typeface="Arial" panose="020B0604020202020204"/>
       </a:defRPr>
     </a:lvl2pPr>
     <a:lvl3pPr marR="0" lvl="2" algn="l" rtl="0">
@@ -569,15 +567,15 @@
       <a:buClr>
         <a:srgbClr val="000000"/>
       </a:buClr>
-      <a:buFont typeface="Arial"/>
+      <a:buFont typeface="Arial" panose="020B0604020202020204"/>
       <a:defRPr sz="1400" b="0" i="0" u="none" strike="noStrike" cap="none">
         <a:solidFill>
           <a:srgbClr val="000000"/>
         </a:solidFill>
-        <a:latin typeface="Arial"/>
-        <a:ea typeface="Arial"/>
-        <a:cs typeface="Arial"/>
-        <a:sym typeface="Arial"/>
+        <a:latin typeface="Arial" panose="020B0604020202020204"/>
+        <a:ea typeface="Arial" panose="020B0604020202020204"/>
+        <a:cs typeface="Arial" panose="020B0604020202020204"/>
+        <a:sym typeface="Arial" panose="020B0604020202020204"/>
       </a:defRPr>
     </a:lvl3pPr>
     <a:lvl4pPr marR="0" lvl="3" algn="l" rtl="0">
@@ -593,15 +591,15 @@
       <a:buClr>
         <a:srgbClr val="000000"/>
       </a:buClr>
-      <a:buFont typeface="Arial"/>
+      <a:buFont typeface="Arial" panose="020B0604020202020204"/>
       <a:defRPr sz="1400" b="0" i="0" u="none" strike="noStrike" cap="none">
         <a:solidFill>
           <a:srgbClr val="000000"/>
         </a:solidFill>
-        <a:latin typeface="Arial"/>
-        <a:ea typeface="Arial"/>
-        <a:cs typeface="Arial"/>
-        <a:sym typeface="Arial"/>
+        <a:latin typeface="Arial" panose="020B0604020202020204"/>
+        <a:ea typeface="Arial" panose="020B0604020202020204"/>
+        <a:cs typeface="Arial" panose="020B0604020202020204"/>
+        <a:sym typeface="Arial" panose="020B0604020202020204"/>
       </a:defRPr>
     </a:lvl4pPr>
     <a:lvl5pPr marR="0" lvl="4" algn="l" rtl="0">
@@ -617,15 +615,15 @@
       <a:buClr>
         <a:srgbClr val="000000"/>
       </a:buClr>
-      <a:buFont typeface="Arial"/>
+      <a:buFont typeface="Arial" panose="020B0604020202020204"/>
       <a:defRPr sz="1400" b="0" i="0" u="none" strike="noStrike" cap="none">
         <a:solidFill>
           <a:srgbClr val="000000"/>
         </a:solidFill>
-        <a:latin typeface="Arial"/>
-        <a:ea typeface="Arial"/>
-        <a:cs typeface="Arial"/>
-        <a:sym typeface="Arial"/>
+        <a:latin typeface="Arial" panose="020B0604020202020204"/>
+        <a:ea typeface="Arial" panose="020B0604020202020204"/>
+        <a:cs typeface="Arial" panose="020B0604020202020204"/>
+        <a:sym typeface="Arial" panose="020B0604020202020204"/>
       </a:defRPr>
     </a:lvl5pPr>
     <a:lvl6pPr marR="0" lvl="5" algn="l" rtl="0">
@@ -641,15 +639,15 @@
       <a:buClr>
         <a:srgbClr val="000000"/>
       </a:buClr>
-      <a:buFont typeface="Arial"/>
+      <a:buFont typeface="Arial" panose="020B0604020202020204"/>
       <a:defRPr sz="1400" b="0" i="0" u="none" strike="noStrike" cap="none">
         <a:solidFill>
           <a:srgbClr val="000000"/>
         </a:solidFill>
-        <a:latin typeface="Arial"/>
-        <a:ea typeface="Arial"/>
-        <a:cs typeface="Arial"/>
-        <a:sym typeface="Arial"/>
+        <a:latin typeface="Arial" panose="020B0604020202020204"/>
+        <a:ea typeface="Arial" panose="020B0604020202020204"/>
+        <a:cs typeface="Arial" panose="020B0604020202020204"/>
+        <a:sym typeface="Arial" panose="020B0604020202020204"/>
       </a:defRPr>
     </a:lvl6pPr>
     <a:lvl7pPr marR="0" lvl="6" algn="l" rtl="0">
@@ -665,15 +663,15 @@
       <a:buClr>
         <a:srgbClr val="000000"/>
       </a:buClr>
-      <a:buFont typeface="Arial"/>
+      <a:buFont typeface="Arial" panose="020B0604020202020204"/>
       <a:defRPr sz="1400" b="0" i="0" u="none" strike="noStrike" cap="none">
         <a:solidFill>
           <a:srgbClr val="000000"/>
         </a:solidFill>
-        <a:latin typeface="Arial"/>
-        <a:ea typeface="Arial"/>
-        <a:cs typeface="Arial"/>
-        <a:sym typeface="Arial"/>
+        <a:latin typeface="Arial" panose="020B0604020202020204"/>
+        <a:ea typeface="Arial" panose="020B0604020202020204"/>
+        <a:cs typeface="Arial" panose="020B0604020202020204"/>
+        <a:sym typeface="Arial" panose="020B0604020202020204"/>
       </a:defRPr>
     </a:lvl7pPr>
     <a:lvl8pPr marR="0" lvl="7" algn="l" rtl="0">
@@ -689,15 +687,15 @@
       <a:buClr>
         <a:srgbClr val="000000"/>
       </a:buClr>
-      <a:buFont typeface="Arial"/>
+      <a:buFont typeface="Arial" panose="020B0604020202020204"/>
       <a:defRPr sz="1400" b="0" i="0" u="none" strike="noStrike" cap="none">
         <a:solidFill>
           <a:srgbClr val="000000"/>
         </a:solidFill>
-        <a:latin typeface="Arial"/>
-        <a:ea typeface="Arial"/>
-        <a:cs typeface="Arial"/>
-        <a:sym typeface="Arial"/>
+        <a:latin typeface="Arial" panose="020B0604020202020204"/>
+        <a:ea typeface="Arial" panose="020B0604020202020204"/>
+        <a:cs typeface="Arial" panose="020B0604020202020204"/>
+        <a:sym typeface="Arial" panose="020B0604020202020204"/>
       </a:defRPr>
     </a:lvl8pPr>
     <a:lvl9pPr marR="0" lvl="8" algn="l" rtl="0">
@@ -713,15 +711,15 @@
       <a:buClr>
         <a:srgbClr val="000000"/>
       </a:buClr>
-      <a:buFont typeface="Arial"/>
+      <a:buFont typeface="Arial" panose="020B0604020202020204"/>
       <a:defRPr sz="1400" b="0" i="0" u="none" strike="noStrike" cap="none">
         <a:solidFill>
           <a:srgbClr val="000000"/>
         </a:solidFill>
-        <a:latin typeface="Arial"/>
-        <a:ea typeface="Arial"/>
-        <a:cs typeface="Arial"/>
-        <a:sym typeface="Arial"/>
+        <a:latin typeface="Arial" panose="020B0604020202020204"/>
+        <a:ea typeface="Arial" panose="020B0604020202020204"/>
+        <a:cs typeface="Arial" panose="020B0604020202020204"/>
+        <a:sym typeface="Arial" panose="020B0604020202020204"/>
       </a:defRPr>
     </a:lvl9pPr>
   </p:notesStyle>
@@ -729,7 +727,7 @@
 </file>
 
 <file path=ppt/notesSlides/notesSlide1.xml><?xml version="1.0" encoding="utf-8"?>
-<p:notes xmlns:a="http://schemas.openxmlformats.org/drawingml/2006/main" xmlns:r="http://schemas.openxmlformats.org/officeDocument/2006/relationships" xmlns:p="http://schemas.openxmlformats.org/presentationml/2006/main" showMasterSp="0" showMasterPhAnim="0">
+<p:notes xmlns:a="http://schemas.openxmlformats.org/drawingml/2006/main" xmlns:r="http://schemas.openxmlformats.org/officeDocument/2006/relationships" xmlns:p="http://schemas.openxmlformats.org/presentationml/2006/main" showMasterPhAnim="0" showMasterSp="0">
   <p:cSld>
     <p:spTree>
       <p:nvGrpSpPr>
@@ -820,7 +818,6 @@
               </a:spcAft>
               <a:buNone/>
             </a:pPr>
-            <a:endParaRPr/>
           </a:p>
         </p:txBody>
       </p:sp>
@@ -833,7 +830,7 @@
 </file>
 
 <file path=ppt/notesSlides/notesSlide2.xml><?xml version="1.0" encoding="utf-8"?>
-<p:notes xmlns:a="http://schemas.openxmlformats.org/drawingml/2006/main" xmlns:r="http://schemas.openxmlformats.org/officeDocument/2006/relationships" xmlns:p="http://schemas.openxmlformats.org/presentationml/2006/main" showMasterSp="0" showMasterPhAnim="0">
+<p:notes xmlns:a="http://schemas.openxmlformats.org/drawingml/2006/main" xmlns:r="http://schemas.openxmlformats.org/officeDocument/2006/relationships" xmlns:p="http://schemas.openxmlformats.org/presentationml/2006/main" showMasterPhAnim="0" showMasterSp="0">
   <p:cSld>
     <p:spTree>
       <p:nvGrpSpPr>
@@ -924,7 +921,6 @@
               </a:spcAft>
               <a:buNone/>
             </a:pPr>
-            <a:endParaRPr/>
           </a:p>
         </p:txBody>
       </p:sp>
@@ -937,7 +933,7 @@
 </file>
 
 <file path=ppt/notesSlides/notesSlide3.xml><?xml version="1.0" encoding="utf-8"?>
-<p:notes xmlns:a="http://schemas.openxmlformats.org/drawingml/2006/main" xmlns:r="http://schemas.openxmlformats.org/officeDocument/2006/relationships" xmlns:p="http://schemas.openxmlformats.org/presentationml/2006/main" showMasterSp="0" showMasterPhAnim="0">
+<p:notes xmlns:a="http://schemas.openxmlformats.org/drawingml/2006/main" xmlns:r="http://schemas.openxmlformats.org/officeDocument/2006/relationships" xmlns:p="http://schemas.openxmlformats.org/presentationml/2006/main" showMasterPhAnim="0" showMasterSp="0">
   <p:cSld>
     <p:spTree>
       <p:nvGrpSpPr>
@@ -1028,7 +1024,6 @@
               </a:spcAft>
               <a:buNone/>
             </a:pPr>
-            <a:endParaRPr/>
           </a:p>
         </p:txBody>
       </p:sp>
@@ -1041,7 +1036,7 @@
 </file>
 
 <file path=ppt/notesSlides/notesSlide4.xml><?xml version="1.0" encoding="utf-8"?>
-<p:notes xmlns:a="http://schemas.openxmlformats.org/drawingml/2006/main" xmlns:r="http://schemas.openxmlformats.org/officeDocument/2006/relationships" xmlns:p="http://schemas.openxmlformats.org/presentationml/2006/main" showMasterSp="0" showMasterPhAnim="0">
+<p:notes xmlns:a="http://schemas.openxmlformats.org/drawingml/2006/main" xmlns:r="http://schemas.openxmlformats.org/officeDocument/2006/relationships" xmlns:p="http://schemas.openxmlformats.org/presentationml/2006/main" showMasterPhAnim="0" showMasterSp="0">
   <p:cSld>
     <p:spTree>
       <p:nvGrpSpPr>
@@ -1132,7 +1127,6 @@
               </a:spcAft>
               <a:buNone/>
             </a:pPr>
-            <a:endParaRPr/>
           </a:p>
         </p:txBody>
       </p:sp>
@@ -1145,7 +1139,7 @@
 </file>
 
 <file path=ppt/notesSlides/notesSlide5.xml><?xml version="1.0" encoding="utf-8"?>
-<p:notes xmlns:a="http://schemas.openxmlformats.org/drawingml/2006/main" xmlns:r="http://schemas.openxmlformats.org/officeDocument/2006/relationships" xmlns:p="http://schemas.openxmlformats.org/presentationml/2006/main" showMasterSp="0" showMasterPhAnim="0">
+<p:notes xmlns:a="http://schemas.openxmlformats.org/drawingml/2006/main" xmlns:r="http://schemas.openxmlformats.org/officeDocument/2006/relationships" xmlns:p="http://schemas.openxmlformats.org/presentationml/2006/main" showMasterPhAnim="0" showMasterSp="0">
   <p:cSld>
     <p:spTree>
       <p:nvGrpSpPr>
@@ -1236,7 +1230,6 @@
               </a:spcAft>
               <a:buNone/>
             </a:pPr>
-            <a:endParaRPr/>
           </a:p>
         </p:txBody>
       </p:sp>
@@ -1249,14 +1242,12 @@
 </file>
 
 <file path=ppt/slideLayouts/slideLayout1.xml><?xml version="1.0" encoding="utf-8"?>
-<p:sldLayout xmlns:a="http://schemas.openxmlformats.org/drawingml/2006/main" xmlns:r="http://schemas.openxmlformats.org/officeDocument/2006/relationships" xmlns:p="http://schemas.openxmlformats.org/presentationml/2006/main" matchingName="Title slide" type="title">
+<p:sldLayout xmlns:a="http://schemas.openxmlformats.org/drawingml/2006/main" xmlns:r="http://schemas.openxmlformats.org/officeDocument/2006/relationships" xmlns:p="http://schemas.openxmlformats.org/presentationml/2006/main" type="title" matchingName="Title slide">
   <p:cSld name="TITLE">
     <p:bg>
       <p:bgPr>
         <a:blipFill>
-          <a:blip r:embed="rId2">
-            <a:alphaModFix/>
-          </a:blip>
+          <a:blip r:embed="rId2"/>
           <a:stretch>
             <a:fillRect/>
           </a:stretch>
@@ -1407,9 +1398,7 @@
               <a:defRPr sz="5200"/>
             </a:lvl9pPr>
           </a:lstStyle>
-          <a:p>
-            <a:endParaRPr/>
-          </a:p>
+          <a:p/>
         </p:txBody>
       </p:sp>
       <p:sp>
@@ -1449,10 +1438,10 @@
               <a:buSzPts val="2800"/>
               <a:buNone/>
               <a:defRPr sz="1400">
-                <a:latin typeface="Advent Pro Light"/>
-                <a:ea typeface="Advent Pro Light"/>
-                <a:cs typeface="Advent Pro Light"/>
-                <a:sym typeface="Advent Pro Light"/>
+                <a:latin typeface="Advent Pro Light" panose="02000506040000020004"/>
+                <a:ea typeface="Advent Pro Light" panose="02000506040000020004"/>
+                <a:cs typeface="Advent Pro Light" panose="02000506040000020004"/>
+                <a:sym typeface="Advent Pro Light" panose="02000506040000020004"/>
               </a:defRPr>
             </a:lvl1pPr>
             <a:lvl2pPr lvl="1" algn="ctr">
@@ -1568,9 +1557,7 @@
               <a:defRPr sz="2800"/>
             </a:lvl9pPr>
           </a:lstStyle>
-          <a:p>
-            <a:endParaRPr/>
-          </a:p>
+          <a:p/>
         </p:txBody>
       </p:sp>
     </p:spTree>
@@ -1585,14 +1572,12 @@
 </file>
 
 <file path=ppt/slideLayouts/slideLayout2.xml><?xml version="1.0" encoding="utf-8"?>
-<p:sldLayout xmlns:a="http://schemas.openxmlformats.org/drawingml/2006/main" xmlns:r="http://schemas.openxmlformats.org/officeDocument/2006/relationships" xmlns:p="http://schemas.openxmlformats.org/presentationml/2006/main" matchingName="Title and body" type="tx">
+<p:sldLayout xmlns:a="http://schemas.openxmlformats.org/drawingml/2006/main" xmlns:r="http://schemas.openxmlformats.org/officeDocument/2006/relationships" xmlns:p="http://schemas.openxmlformats.org/presentationml/2006/main" type="tx" matchingName="Title and body">
   <p:cSld name="TITLE_AND_BODY">
     <p:bg>
       <p:bgPr>
         <a:blipFill>
-          <a:blip r:embed="rId2">
-            <a:alphaModFix/>
-          </a:blip>
+          <a:blip r:embed="rId2"/>
           <a:stretch>
             <a:fillRect/>
           </a:stretch>
@@ -1777,9 +1762,7 @@
               <a:defRPr sz="1200"/>
             </a:lvl9pPr>
           </a:lstStyle>
-          <a:p>
-            <a:endParaRPr/>
-          </a:p>
+          <a:p/>
         </p:txBody>
       </p:sp>
       <p:sp>
@@ -1906,9 +1889,7 @@
               <a:defRPr sz="3000"/>
             </a:lvl9pPr>
           </a:lstStyle>
-          <a:p>
-            <a:endParaRPr/>
-          </a:p>
+          <a:p/>
         </p:txBody>
       </p:sp>
     </p:spTree>
@@ -1928,9 +1909,7 @@
     <p:bg>
       <p:bgPr>
         <a:blipFill>
-          <a:blip r:embed="rId2">
-            <a:alphaModFix/>
-          </a:blip>
+          <a:blip r:embed="rId2"/>
           <a:stretch>
             <a:fillRect/>
           </a:stretch>
@@ -2103,9 +2082,7 @@
               <a:defRPr sz="2800"/>
             </a:lvl9pPr>
           </a:lstStyle>
-          <a:p>
-            <a:endParaRPr/>
-          </a:p>
+          <a:p/>
         </p:txBody>
       </p:sp>
       <p:sp>
@@ -2232,9 +2209,7 @@
               <a:defRPr sz="1400"/>
             </a:lvl9pPr>
           </a:lstStyle>
-          <a:p>
-            <a:endParaRPr/>
-          </a:p>
+          <a:p/>
         </p:txBody>
       </p:sp>
     </p:spTree>
@@ -2254,9 +2229,7 @@
     <p:bg>
       <p:bgPr>
         <a:blipFill>
-          <a:blip r:embed="rId2">
-            <a:alphaModFix/>
-          </a:blip>
+          <a:blip r:embed="rId2"/>
           <a:stretch>
             <a:fillRect/>
           </a:stretch>
@@ -2402,9 +2375,7 @@
               <a:defRPr sz="1800"/>
             </a:lvl9pPr>
           </a:lstStyle>
-          <a:p>
-            <a:endParaRPr/>
-          </a:p>
+          <a:p/>
         </p:txBody>
       </p:sp>
     </p:spTree>
@@ -2419,7 +2390,7 @@
 </file>
 
 <file path=ppt/slideLayouts/slideLayout5.xml><?xml version="1.0" encoding="utf-8"?>
-<p:sldLayout xmlns:a="http://schemas.openxmlformats.org/drawingml/2006/main" xmlns:r="http://schemas.openxmlformats.org/officeDocument/2006/relationships" xmlns:p="http://schemas.openxmlformats.org/presentationml/2006/main" matchingName="Blank" type="blank">
+<p:sldLayout xmlns:a="http://schemas.openxmlformats.org/drawingml/2006/main" xmlns:r="http://schemas.openxmlformats.org/officeDocument/2006/relationships" xmlns:p="http://schemas.openxmlformats.org/presentationml/2006/main" type="blank" matchingName="Blank">
   <p:cSld name="BLANK">
     <p:bg>
       <p:bgPr>
@@ -2458,9 +2429,7 @@
     <p:bg>
       <p:bgPr>
         <a:blipFill>
-          <a:blip r:embed="rId2">
-            <a:alphaModFix/>
-          </a:blip>
+          <a:blip r:embed="rId2"/>
           <a:stretch>
             <a:fillRect/>
           </a:stretch>
@@ -2610,9 +2579,7 @@
               <a:defRPr sz="1400"/>
             </a:lvl9pPr>
           </a:lstStyle>
-          <a:p>
-            <a:endParaRPr/>
-          </a:p>
+          <a:p/>
         </p:txBody>
       </p:sp>
       <p:sp>
@@ -2757,9 +2724,7 @@
               <a:defRPr sz="1400"/>
             </a:lvl9pPr>
           </a:lstStyle>
-          <a:p>
-            <a:endParaRPr/>
-          </a:p>
+          <a:p/>
         </p:txBody>
       </p:sp>
       <p:sp>
@@ -2790,7 +2755,7 @@
             <a:noAutofit/>
           </a:bodyPr>
           <a:lstStyle>
-            <a:lvl1pPr marR="72000" lvl="0" rtl="0">
+            <a:lvl1pPr marR="71755" lvl="0" rtl="0">
               <a:spcBef>
                 <a:spcPts val="0"/>
               </a:spcBef>
@@ -2890,9 +2855,7 @@
               <a:defRPr sz="1400"/>
             </a:lvl9pPr>
           </a:lstStyle>
-          <a:p>
-            <a:endParaRPr/>
-          </a:p>
+          <a:p/>
         </p:txBody>
       </p:sp>
       <p:sp>
@@ -3037,9 +3000,7 @@
               <a:defRPr sz="1400"/>
             </a:lvl9pPr>
           </a:lstStyle>
-          <a:p>
-            <a:endParaRPr/>
-          </a:p>
+          <a:p/>
         </p:txBody>
       </p:sp>
       <p:sp>
@@ -3170,9 +3131,7 @@
               <a:defRPr sz="1400"/>
             </a:lvl9pPr>
           </a:lstStyle>
-          <a:p>
-            <a:endParaRPr/>
-          </a:p>
+          <a:p/>
         </p:txBody>
       </p:sp>
       <p:sp>
@@ -3290,9 +3249,7 @@
               <a:defRPr sz="1400"/>
             </a:lvl9pPr>
           </a:lstStyle>
-          <a:p>
-            <a:endParaRPr/>
-          </a:p>
+          <a:p/>
         </p:txBody>
       </p:sp>
       <p:sp>
@@ -3323,7 +3280,7 @@
             <a:noAutofit/>
           </a:bodyPr>
           <a:lstStyle>
-            <a:lvl1pPr marR="72000" lvl="0" rtl="0">
+            <a:lvl1pPr marR="71755" lvl="0" rtl="0">
               <a:spcBef>
                 <a:spcPts val="0"/>
               </a:spcBef>
@@ -3423,9 +3380,7 @@
               <a:defRPr sz="1400"/>
             </a:lvl9pPr>
           </a:lstStyle>
-          <a:p>
-            <a:endParaRPr/>
-          </a:p>
+          <a:p/>
         </p:txBody>
       </p:sp>
       <p:sp>
@@ -3543,9 +3498,7 @@
               <a:defRPr sz="1400"/>
             </a:lvl9pPr>
           </a:lstStyle>
-          <a:p>
-            <a:endParaRPr/>
-          </a:p>
+          <a:p/>
         </p:txBody>
       </p:sp>
       <p:sp>
@@ -4089,9 +4042,7 @@
     <p:bg>
       <p:bgPr>
         <a:blipFill>
-          <a:blip r:embed="rId2">
-            <a:alphaModFix/>
-          </a:blip>
+          <a:blip r:embed="rId2"/>
           <a:stretch>
             <a:fillRect/>
           </a:stretch>
@@ -4130,9 +4081,7 @@
     <p:bg>
       <p:bgPr>
         <a:blipFill>
-          <a:blip r:embed="rId2">
-            <a:alphaModFix/>
-          </a:blip>
+          <a:blip r:embed="rId2"/>
           <a:stretch>
             <a:fillRect/>
           </a:stretch>
@@ -4167,7 +4116,7 @@
 
 <file path=ppt/slideMasters/slideMaster1.xml><?xml version="1.0" encoding="utf-8"?>
 <p:sldMaster xmlns:a="http://schemas.openxmlformats.org/drawingml/2006/main" xmlns:r="http://schemas.openxmlformats.org/officeDocument/2006/relationships" xmlns:p="http://schemas.openxmlformats.org/presentationml/2006/main">
-  <p:cSld name="simple-light-2">
+  <p:cSld>
     <p:bg>
       <p:bgPr>
         <a:solidFill>
@@ -4229,16 +4178,16 @@
                 <a:schemeClr val="lt2"/>
               </a:buClr>
               <a:buSzPts val="2800"/>
-              <a:buFont typeface="Rajdhani"/>
+              <a:buFont typeface="Rajdhani" panose="02000000000000000000"/>
               <a:buNone/>
               <a:defRPr sz="2800" b="1">
                 <a:solidFill>
                   <a:schemeClr val="lt2"/>
                 </a:solidFill>
-                <a:latin typeface="Rajdhani"/>
-                <a:ea typeface="Rajdhani"/>
-                <a:cs typeface="Rajdhani"/>
-                <a:sym typeface="Rajdhani"/>
+                <a:latin typeface="Rajdhani" panose="02000000000000000000"/>
+                <a:ea typeface="Rajdhani" panose="02000000000000000000"/>
+                <a:cs typeface="Rajdhani" panose="02000000000000000000"/>
+                <a:sym typeface="Rajdhani" panose="02000000000000000000"/>
               </a:defRPr>
             </a:lvl1pPr>
             <a:lvl2pPr lvl="1">
@@ -4252,16 +4201,16 @@
                 <a:schemeClr val="lt2"/>
               </a:buClr>
               <a:buSzPts val="2800"/>
-              <a:buFont typeface="Rajdhani"/>
+              <a:buFont typeface="Rajdhani" panose="02000000000000000000"/>
               <a:buNone/>
               <a:defRPr sz="2800" b="1">
                 <a:solidFill>
                   <a:schemeClr val="lt2"/>
                 </a:solidFill>
-                <a:latin typeface="Rajdhani"/>
-                <a:ea typeface="Rajdhani"/>
-                <a:cs typeface="Rajdhani"/>
-                <a:sym typeface="Rajdhani"/>
+                <a:latin typeface="Rajdhani" panose="02000000000000000000"/>
+                <a:ea typeface="Rajdhani" panose="02000000000000000000"/>
+                <a:cs typeface="Rajdhani" panose="02000000000000000000"/>
+                <a:sym typeface="Rajdhani" panose="02000000000000000000"/>
               </a:defRPr>
             </a:lvl2pPr>
             <a:lvl3pPr lvl="2">
@@ -4275,16 +4224,16 @@
                 <a:schemeClr val="lt2"/>
               </a:buClr>
               <a:buSzPts val="2800"/>
-              <a:buFont typeface="Rajdhani"/>
+              <a:buFont typeface="Rajdhani" panose="02000000000000000000"/>
               <a:buNone/>
               <a:defRPr sz="2800" b="1">
                 <a:solidFill>
                   <a:schemeClr val="lt2"/>
                 </a:solidFill>
-                <a:latin typeface="Rajdhani"/>
-                <a:ea typeface="Rajdhani"/>
-                <a:cs typeface="Rajdhani"/>
-                <a:sym typeface="Rajdhani"/>
+                <a:latin typeface="Rajdhani" panose="02000000000000000000"/>
+                <a:ea typeface="Rajdhani" panose="02000000000000000000"/>
+                <a:cs typeface="Rajdhani" panose="02000000000000000000"/>
+                <a:sym typeface="Rajdhani" panose="02000000000000000000"/>
               </a:defRPr>
             </a:lvl3pPr>
             <a:lvl4pPr lvl="3">
@@ -4298,16 +4247,16 @@
                 <a:schemeClr val="lt2"/>
               </a:buClr>
               <a:buSzPts val="2800"/>
-              <a:buFont typeface="Rajdhani"/>
+              <a:buFont typeface="Rajdhani" panose="02000000000000000000"/>
               <a:buNone/>
               <a:defRPr sz="2800" b="1">
                 <a:solidFill>
                   <a:schemeClr val="lt2"/>
                 </a:solidFill>
-                <a:latin typeface="Rajdhani"/>
-                <a:ea typeface="Rajdhani"/>
-                <a:cs typeface="Rajdhani"/>
-                <a:sym typeface="Rajdhani"/>
+                <a:latin typeface="Rajdhani" panose="02000000000000000000"/>
+                <a:ea typeface="Rajdhani" panose="02000000000000000000"/>
+                <a:cs typeface="Rajdhani" panose="02000000000000000000"/>
+                <a:sym typeface="Rajdhani" panose="02000000000000000000"/>
               </a:defRPr>
             </a:lvl4pPr>
             <a:lvl5pPr lvl="4">
@@ -4321,16 +4270,16 @@
                 <a:schemeClr val="lt2"/>
               </a:buClr>
               <a:buSzPts val="2800"/>
-              <a:buFont typeface="Rajdhani"/>
+              <a:buFont typeface="Rajdhani" panose="02000000000000000000"/>
               <a:buNone/>
               <a:defRPr sz="2800" b="1">
                 <a:solidFill>
                   <a:schemeClr val="lt2"/>
                 </a:solidFill>
-                <a:latin typeface="Rajdhani"/>
-                <a:ea typeface="Rajdhani"/>
-                <a:cs typeface="Rajdhani"/>
-                <a:sym typeface="Rajdhani"/>
+                <a:latin typeface="Rajdhani" panose="02000000000000000000"/>
+                <a:ea typeface="Rajdhani" panose="02000000000000000000"/>
+                <a:cs typeface="Rajdhani" panose="02000000000000000000"/>
+                <a:sym typeface="Rajdhani" panose="02000000000000000000"/>
               </a:defRPr>
             </a:lvl5pPr>
             <a:lvl6pPr lvl="5">
@@ -4344,16 +4293,16 @@
                 <a:schemeClr val="lt2"/>
               </a:buClr>
               <a:buSzPts val="2800"/>
-              <a:buFont typeface="Rajdhani"/>
+              <a:buFont typeface="Rajdhani" panose="02000000000000000000"/>
               <a:buNone/>
               <a:defRPr sz="2800" b="1">
                 <a:solidFill>
                   <a:schemeClr val="lt2"/>
                 </a:solidFill>
-                <a:latin typeface="Rajdhani"/>
-                <a:ea typeface="Rajdhani"/>
-                <a:cs typeface="Rajdhani"/>
-                <a:sym typeface="Rajdhani"/>
+                <a:latin typeface="Rajdhani" panose="02000000000000000000"/>
+                <a:ea typeface="Rajdhani" panose="02000000000000000000"/>
+                <a:cs typeface="Rajdhani" panose="02000000000000000000"/>
+                <a:sym typeface="Rajdhani" panose="02000000000000000000"/>
               </a:defRPr>
             </a:lvl6pPr>
             <a:lvl7pPr lvl="6">
@@ -4367,16 +4316,16 @@
                 <a:schemeClr val="lt2"/>
               </a:buClr>
               <a:buSzPts val="2800"/>
-              <a:buFont typeface="Rajdhani"/>
+              <a:buFont typeface="Rajdhani" panose="02000000000000000000"/>
               <a:buNone/>
               <a:defRPr sz="2800" b="1">
                 <a:solidFill>
                   <a:schemeClr val="lt2"/>
                 </a:solidFill>
-                <a:latin typeface="Rajdhani"/>
-                <a:ea typeface="Rajdhani"/>
-                <a:cs typeface="Rajdhani"/>
-                <a:sym typeface="Rajdhani"/>
+                <a:latin typeface="Rajdhani" panose="02000000000000000000"/>
+                <a:ea typeface="Rajdhani" panose="02000000000000000000"/>
+                <a:cs typeface="Rajdhani" panose="02000000000000000000"/>
+                <a:sym typeface="Rajdhani" panose="02000000000000000000"/>
               </a:defRPr>
             </a:lvl7pPr>
             <a:lvl8pPr lvl="7">
@@ -4390,16 +4339,16 @@
                 <a:schemeClr val="lt2"/>
               </a:buClr>
               <a:buSzPts val="2800"/>
-              <a:buFont typeface="Rajdhani"/>
+              <a:buFont typeface="Rajdhani" panose="02000000000000000000"/>
               <a:buNone/>
               <a:defRPr sz="2800" b="1">
                 <a:solidFill>
                   <a:schemeClr val="lt2"/>
                 </a:solidFill>
-                <a:latin typeface="Rajdhani"/>
-                <a:ea typeface="Rajdhani"/>
-                <a:cs typeface="Rajdhani"/>
-                <a:sym typeface="Rajdhani"/>
+                <a:latin typeface="Rajdhani" panose="02000000000000000000"/>
+                <a:ea typeface="Rajdhani" panose="02000000000000000000"/>
+                <a:cs typeface="Rajdhani" panose="02000000000000000000"/>
+                <a:sym typeface="Rajdhani" panose="02000000000000000000"/>
               </a:defRPr>
             </a:lvl8pPr>
             <a:lvl9pPr lvl="8">
@@ -4413,22 +4362,20 @@
                 <a:schemeClr val="lt2"/>
               </a:buClr>
               <a:buSzPts val="2800"/>
-              <a:buFont typeface="Rajdhani"/>
+              <a:buFont typeface="Rajdhani" panose="02000000000000000000"/>
               <a:buNone/>
               <a:defRPr sz="2800" b="1">
                 <a:solidFill>
                   <a:schemeClr val="lt2"/>
                 </a:solidFill>
-                <a:latin typeface="Rajdhani"/>
-                <a:ea typeface="Rajdhani"/>
-                <a:cs typeface="Rajdhani"/>
-                <a:sym typeface="Rajdhani"/>
+                <a:latin typeface="Rajdhani" panose="02000000000000000000"/>
+                <a:ea typeface="Rajdhani" panose="02000000000000000000"/>
+                <a:cs typeface="Rajdhani" panose="02000000000000000000"/>
+                <a:sym typeface="Rajdhani" panose="02000000000000000000"/>
               </a:defRPr>
             </a:lvl9pPr>
           </a:lstStyle>
-          <a:p>
-            <a:endParaRPr/>
-          </a:p>
+          <a:p/>
         </p:txBody>
       </p:sp>
       <p:sp>
@@ -4473,16 +4420,16 @@
                 <a:schemeClr val="lt2"/>
               </a:buClr>
               <a:buSzPts val="1200"/>
-              <a:buFont typeface="Fira Sans Condensed Light"/>
+              <a:buFont typeface="Fira Sans Condensed Light" panose="020B0503050000020004"/>
               <a:buChar char="●"/>
               <a:defRPr sz="1200">
                 <a:solidFill>
                   <a:schemeClr val="lt2"/>
                 </a:solidFill>
-                <a:latin typeface="Fira Sans Condensed Light"/>
-                <a:ea typeface="Fira Sans Condensed Light"/>
-                <a:cs typeface="Fira Sans Condensed Light"/>
-                <a:sym typeface="Fira Sans Condensed Light"/>
+                <a:latin typeface="Fira Sans Condensed Light" panose="020B0503050000020004"/>
+                <a:ea typeface="Fira Sans Condensed Light" panose="020B0503050000020004"/>
+                <a:cs typeface="Fira Sans Condensed Light" panose="020B0503050000020004"/>
+                <a:sym typeface="Fira Sans Condensed Light" panose="020B0503050000020004"/>
               </a:defRPr>
             </a:lvl1pPr>
             <a:lvl2pPr marL="914400" lvl="1" indent="-304800">
@@ -4499,16 +4446,16 @@
                 <a:schemeClr val="lt2"/>
               </a:buClr>
               <a:buSzPts val="1200"/>
-              <a:buFont typeface="Fira Sans Condensed Light"/>
+              <a:buFont typeface="Fira Sans Condensed Light" panose="020B0503050000020004"/>
               <a:buChar char="○"/>
               <a:defRPr sz="1200">
                 <a:solidFill>
                   <a:schemeClr val="lt2"/>
                 </a:solidFill>
-                <a:latin typeface="Fira Sans Condensed Light"/>
-                <a:ea typeface="Fira Sans Condensed Light"/>
-                <a:cs typeface="Fira Sans Condensed Light"/>
-                <a:sym typeface="Fira Sans Condensed Light"/>
+                <a:latin typeface="Fira Sans Condensed Light" panose="020B0503050000020004"/>
+                <a:ea typeface="Fira Sans Condensed Light" panose="020B0503050000020004"/>
+                <a:cs typeface="Fira Sans Condensed Light" panose="020B0503050000020004"/>
+                <a:sym typeface="Fira Sans Condensed Light" panose="020B0503050000020004"/>
               </a:defRPr>
             </a:lvl2pPr>
             <a:lvl3pPr marL="1371600" lvl="2" indent="-304800">
@@ -4525,16 +4472,16 @@
                 <a:schemeClr val="lt2"/>
               </a:buClr>
               <a:buSzPts val="1200"/>
-              <a:buFont typeface="Fira Sans Condensed Light"/>
+              <a:buFont typeface="Fira Sans Condensed Light" panose="020B0503050000020004"/>
               <a:buChar char="■"/>
               <a:defRPr sz="1200">
                 <a:solidFill>
                   <a:schemeClr val="lt2"/>
                 </a:solidFill>
-                <a:latin typeface="Fira Sans Condensed Light"/>
-                <a:ea typeface="Fira Sans Condensed Light"/>
-                <a:cs typeface="Fira Sans Condensed Light"/>
-                <a:sym typeface="Fira Sans Condensed Light"/>
+                <a:latin typeface="Fira Sans Condensed Light" panose="020B0503050000020004"/>
+                <a:ea typeface="Fira Sans Condensed Light" panose="020B0503050000020004"/>
+                <a:cs typeface="Fira Sans Condensed Light" panose="020B0503050000020004"/>
+                <a:sym typeface="Fira Sans Condensed Light" panose="020B0503050000020004"/>
               </a:defRPr>
             </a:lvl3pPr>
             <a:lvl4pPr marL="1828800" lvl="3" indent="-304800">
@@ -4551,16 +4498,16 @@
                 <a:schemeClr val="lt2"/>
               </a:buClr>
               <a:buSzPts val="1200"/>
-              <a:buFont typeface="Fira Sans Condensed Light"/>
+              <a:buFont typeface="Fira Sans Condensed Light" panose="020B0503050000020004"/>
               <a:buChar char="●"/>
               <a:defRPr sz="1200">
                 <a:solidFill>
                   <a:schemeClr val="lt2"/>
                 </a:solidFill>
-                <a:latin typeface="Fira Sans Condensed Light"/>
-                <a:ea typeface="Fira Sans Condensed Light"/>
-                <a:cs typeface="Fira Sans Condensed Light"/>
-                <a:sym typeface="Fira Sans Condensed Light"/>
+                <a:latin typeface="Fira Sans Condensed Light" panose="020B0503050000020004"/>
+                <a:ea typeface="Fira Sans Condensed Light" panose="020B0503050000020004"/>
+                <a:cs typeface="Fira Sans Condensed Light" panose="020B0503050000020004"/>
+                <a:sym typeface="Fira Sans Condensed Light" panose="020B0503050000020004"/>
               </a:defRPr>
             </a:lvl4pPr>
             <a:lvl5pPr marL="2286000" lvl="4" indent="-304800">
@@ -4577,16 +4524,16 @@
                 <a:schemeClr val="lt2"/>
               </a:buClr>
               <a:buSzPts val="1200"/>
-              <a:buFont typeface="Fira Sans Condensed Light"/>
+              <a:buFont typeface="Fira Sans Condensed Light" panose="020B0503050000020004"/>
               <a:buChar char="○"/>
               <a:defRPr sz="1200">
                 <a:solidFill>
                   <a:schemeClr val="lt2"/>
                 </a:solidFill>
-                <a:latin typeface="Fira Sans Condensed Light"/>
-                <a:ea typeface="Fira Sans Condensed Light"/>
-                <a:cs typeface="Fira Sans Condensed Light"/>
-                <a:sym typeface="Fira Sans Condensed Light"/>
+                <a:latin typeface="Fira Sans Condensed Light" panose="020B0503050000020004"/>
+                <a:ea typeface="Fira Sans Condensed Light" panose="020B0503050000020004"/>
+                <a:cs typeface="Fira Sans Condensed Light" panose="020B0503050000020004"/>
+                <a:sym typeface="Fira Sans Condensed Light" panose="020B0503050000020004"/>
               </a:defRPr>
             </a:lvl5pPr>
             <a:lvl6pPr marL="2743200" lvl="5" indent="-304800">
@@ -4603,16 +4550,16 @@
                 <a:schemeClr val="lt2"/>
               </a:buClr>
               <a:buSzPts val="1200"/>
-              <a:buFont typeface="Fira Sans Condensed Light"/>
+              <a:buFont typeface="Fira Sans Condensed Light" panose="020B0503050000020004"/>
               <a:buChar char="■"/>
               <a:defRPr sz="1200">
                 <a:solidFill>
                   <a:schemeClr val="lt2"/>
                 </a:solidFill>
-                <a:latin typeface="Fira Sans Condensed Light"/>
-                <a:ea typeface="Fira Sans Condensed Light"/>
-                <a:cs typeface="Fira Sans Condensed Light"/>
-                <a:sym typeface="Fira Sans Condensed Light"/>
+                <a:latin typeface="Fira Sans Condensed Light" panose="020B0503050000020004"/>
+                <a:ea typeface="Fira Sans Condensed Light" panose="020B0503050000020004"/>
+                <a:cs typeface="Fira Sans Condensed Light" panose="020B0503050000020004"/>
+                <a:sym typeface="Fira Sans Condensed Light" panose="020B0503050000020004"/>
               </a:defRPr>
             </a:lvl6pPr>
             <a:lvl7pPr marL="3200400" lvl="6" indent="-304800">
@@ -4629,16 +4576,16 @@
                 <a:schemeClr val="lt2"/>
               </a:buClr>
               <a:buSzPts val="1200"/>
-              <a:buFont typeface="Fira Sans Condensed Light"/>
+              <a:buFont typeface="Fira Sans Condensed Light" panose="020B0503050000020004"/>
               <a:buChar char="●"/>
               <a:defRPr sz="1200">
                 <a:solidFill>
                   <a:schemeClr val="lt2"/>
                 </a:solidFill>
-                <a:latin typeface="Fira Sans Condensed Light"/>
-                <a:ea typeface="Fira Sans Condensed Light"/>
-                <a:cs typeface="Fira Sans Condensed Light"/>
-                <a:sym typeface="Fira Sans Condensed Light"/>
+                <a:latin typeface="Fira Sans Condensed Light" panose="020B0503050000020004"/>
+                <a:ea typeface="Fira Sans Condensed Light" panose="020B0503050000020004"/>
+                <a:cs typeface="Fira Sans Condensed Light" panose="020B0503050000020004"/>
+                <a:sym typeface="Fira Sans Condensed Light" panose="020B0503050000020004"/>
               </a:defRPr>
             </a:lvl7pPr>
             <a:lvl8pPr marL="3657600" lvl="7" indent="-304800">
@@ -4655,16 +4602,16 @@
                 <a:schemeClr val="lt2"/>
               </a:buClr>
               <a:buSzPts val="1200"/>
-              <a:buFont typeface="Fira Sans Condensed Light"/>
+              <a:buFont typeface="Fira Sans Condensed Light" panose="020B0503050000020004"/>
               <a:buChar char="○"/>
               <a:defRPr sz="1200">
                 <a:solidFill>
                   <a:schemeClr val="lt2"/>
                 </a:solidFill>
-                <a:latin typeface="Fira Sans Condensed Light"/>
-                <a:ea typeface="Fira Sans Condensed Light"/>
-                <a:cs typeface="Fira Sans Condensed Light"/>
-                <a:sym typeface="Fira Sans Condensed Light"/>
+                <a:latin typeface="Fira Sans Condensed Light" panose="020B0503050000020004"/>
+                <a:ea typeface="Fira Sans Condensed Light" panose="020B0503050000020004"/>
+                <a:cs typeface="Fira Sans Condensed Light" panose="020B0503050000020004"/>
+                <a:sym typeface="Fira Sans Condensed Light" panose="020B0503050000020004"/>
               </a:defRPr>
             </a:lvl8pPr>
             <a:lvl9pPr marL="4114800" lvl="8" indent="-304800">
@@ -4681,36 +4628,34 @@
                 <a:schemeClr val="lt2"/>
               </a:buClr>
               <a:buSzPts val="1200"/>
-              <a:buFont typeface="Fira Sans Condensed Light"/>
+              <a:buFont typeface="Fira Sans Condensed Light" panose="020B0503050000020004"/>
               <a:buChar char="■"/>
               <a:defRPr sz="1200">
                 <a:solidFill>
                   <a:schemeClr val="lt2"/>
                 </a:solidFill>
-                <a:latin typeface="Fira Sans Condensed Light"/>
-                <a:ea typeface="Fira Sans Condensed Light"/>
-                <a:cs typeface="Fira Sans Condensed Light"/>
-                <a:sym typeface="Fira Sans Condensed Light"/>
+                <a:latin typeface="Fira Sans Condensed Light" panose="020B0503050000020004"/>
+                <a:ea typeface="Fira Sans Condensed Light" panose="020B0503050000020004"/>
+                <a:cs typeface="Fira Sans Condensed Light" panose="020B0503050000020004"/>
+                <a:sym typeface="Fira Sans Condensed Light" panose="020B0503050000020004"/>
               </a:defRPr>
             </a:lvl9pPr>
           </a:lstStyle>
-          <a:p>
-            <a:endParaRPr/>
-          </a:p>
+          <a:p/>
         </p:txBody>
       </p:sp>
     </p:spTree>
   </p:cSld>
   <p:clrMap bg1="lt1" tx1="dk1" bg2="dk2" tx2="lt2" accent1="accent1" accent2="accent2" accent3="accent3" accent4="accent4" accent5="accent5" accent6="accent6" hlink="hlink" folHlink="folHlink"/>
   <p:sldLayoutIdLst>
-    <p:sldLayoutId id="2147483648" r:id="rId1"/>
+    <p:sldLayoutId id="2147483649" r:id="rId1"/>
     <p:sldLayoutId id="2147483650" r:id="rId2"/>
-    <p:sldLayoutId id="2147483654" r:id="rId3"/>
-    <p:sldLayoutId id="2147483657" r:id="rId4"/>
-    <p:sldLayoutId id="2147483659" r:id="rId5"/>
-    <p:sldLayoutId id="2147483660" r:id="rId6"/>
-    <p:sldLayoutId id="2147483666" r:id="rId7"/>
-    <p:sldLayoutId id="2147483667" r:id="rId8"/>
+    <p:sldLayoutId id="2147483651" r:id="rId3"/>
+    <p:sldLayoutId id="2147483652" r:id="rId4"/>
+    <p:sldLayoutId id="2147483653" r:id="rId5"/>
+    <p:sldLayoutId id="2147483654" r:id="rId6"/>
+    <p:sldLayoutId id="2147483655" r:id="rId7"/>
+    <p:sldLayoutId id="2147483656" r:id="rId8"/>
   </p:sldLayoutIdLst>
   <p:transition spd="slow">
     <p:push dir="u"/>
@@ -4742,15 +4687,15 @@
         <a:buClr>
           <a:srgbClr val="000000"/>
         </a:buClr>
-        <a:buFont typeface="Arial"/>
+        <a:buFont typeface="Arial" panose="020B0604020202020204"/>
         <a:defRPr sz="1400" b="0" i="0" u="none" strike="noStrike" cap="none">
           <a:solidFill>
             <a:srgbClr val="000000"/>
           </a:solidFill>
-          <a:latin typeface="Arial"/>
-          <a:ea typeface="Arial"/>
-          <a:cs typeface="Arial"/>
-          <a:sym typeface="Arial"/>
+          <a:latin typeface="Arial" panose="020B0604020202020204"/>
+          <a:ea typeface="Arial" panose="020B0604020202020204"/>
+          <a:cs typeface="Arial" panose="020B0604020202020204"/>
+          <a:sym typeface="Arial" panose="020B0604020202020204"/>
         </a:defRPr>
       </a:lvl1pPr>
       <a:lvl2pPr marR="0" lvl="1" algn="l" rtl="0">
@@ -4766,15 +4711,15 @@
         <a:buClr>
           <a:srgbClr val="000000"/>
         </a:buClr>
-        <a:buFont typeface="Arial"/>
+        <a:buFont typeface="Arial" panose="020B0604020202020204"/>
         <a:defRPr sz="1400" b="0" i="0" u="none" strike="noStrike" cap="none">
           <a:solidFill>
             <a:srgbClr val="000000"/>
           </a:solidFill>
-          <a:latin typeface="Arial"/>
-          <a:ea typeface="Arial"/>
-          <a:cs typeface="Arial"/>
-          <a:sym typeface="Arial"/>
+          <a:latin typeface="Arial" panose="020B0604020202020204"/>
+          <a:ea typeface="Arial" panose="020B0604020202020204"/>
+          <a:cs typeface="Arial" panose="020B0604020202020204"/>
+          <a:sym typeface="Arial" panose="020B0604020202020204"/>
         </a:defRPr>
       </a:lvl2pPr>
       <a:lvl3pPr marR="0" lvl="2" algn="l" rtl="0">
@@ -4790,15 +4735,15 @@
         <a:buClr>
           <a:srgbClr val="000000"/>
         </a:buClr>
-        <a:buFont typeface="Arial"/>
+        <a:buFont typeface="Arial" panose="020B0604020202020204"/>
         <a:defRPr sz="1400" b="0" i="0" u="none" strike="noStrike" cap="none">
           <a:solidFill>
             <a:srgbClr val="000000"/>
           </a:solidFill>
-          <a:latin typeface="Arial"/>
-          <a:ea typeface="Arial"/>
-          <a:cs typeface="Arial"/>
-          <a:sym typeface="Arial"/>
+          <a:latin typeface="Arial" panose="020B0604020202020204"/>
+          <a:ea typeface="Arial" panose="020B0604020202020204"/>
+          <a:cs typeface="Arial" panose="020B0604020202020204"/>
+          <a:sym typeface="Arial" panose="020B0604020202020204"/>
         </a:defRPr>
       </a:lvl3pPr>
       <a:lvl4pPr marR="0" lvl="3" algn="l" rtl="0">
@@ -4814,15 +4759,15 @@
         <a:buClr>
           <a:srgbClr val="000000"/>
         </a:buClr>
-        <a:buFont typeface="Arial"/>
+        <a:buFont typeface="Arial" panose="020B0604020202020204"/>
         <a:defRPr sz="1400" b="0" i="0" u="none" strike="noStrike" cap="none">
           <a:solidFill>
             <a:srgbClr val="000000"/>
           </a:solidFill>
-          <a:latin typeface="Arial"/>
-          <a:ea typeface="Arial"/>
-          <a:cs typeface="Arial"/>
-          <a:sym typeface="Arial"/>
+          <a:latin typeface="Arial" panose="020B0604020202020204"/>
+          <a:ea typeface="Arial" panose="020B0604020202020204"/>
+          <a:cs typeface="Arial" panose="020B0604020202020204"/>
+          <a:sym typeface="Arial" panose="020B0604020202020204"/>
         </a:defRPr>
       </a:lvl4pPr>
       <a:lvl5pPr marR="0" lvl="4" algn="l" rtl="0">
@@ -4838,15 +4783,15 @@
         <a:buClr>
           <a:srgbClr val="000000"/>
         </a:buClr>
-        <a:buFont typeface="Arial"/>
+        <a:buFont typeface="Arial" panose="020B0604020202020204"/>
         <a:defRPr sz="1400" b="0" i="0" u="none" strike="noStrike" cap="none">
           <a:solidFill>
             <a:srgbClr val="000000"/>
           </a:solidFill>
-          <a:latin typeface="Arial"/>
-          <a:ea typeface="Arial"/>
-          <a:cs typeface="Arial"/>
-          <a:sym typeface="Arial"/>
+          <a:latin typeface="Arial" panose="020B0604020202020204"/>
+          <a:ea typeface="Arial" panose="020B0604020202020204"/>
+          <a:cs typeface="Arial" panose="020B0604020202020204"/>
+          <a:sym typeface="Arial" panose="020B0604020202020204"/>
         </a:defRPr>
       </a:lvl5pPr>
       <a:lvl6pPr marR="0" lvl="5" algn="l" rtl="0">
@@ -4862,15 +4807,15 @@
         <a:buClr>
           <a:srgbClr val="000000"/>
         </a:buClr>
-        <a:buFont typeface="Arial"/>
+        <a:buFont typeface="Arial" panose="020B0604020202020204"/>
         <a:defRPr sz="1400" b="0" i="0" u="none" strike="noStrike" cap="none">
           <a:solidFill>
             <a:srgbClr val="000000"/>
           </a:solidFill>
-          <a:latin typeface="Arial"/>
-          <a:ea typeface="Arial"/>
-          <a:cs typeface="Arial"/>
-          <a:sym typeface="Arial"/>
+          <a:latin typeface="Arial" panose="020B0604020202020204"/>
+          <a:ea typeface="Arial" panose="020B0604020202020204"/>
+          <a:cs typeface="Arial" panose="020B0604020202020204"/>
+          <a:sym typeface="Arial" panose="020B0604020202020204"/>
         </a:defRPr>
       </a:lvl6pPr>
       <a:lvl7pPr marR="0" lvl="6" algn="l" rtl="0">
@@ -4886,15 +4831,15 @@
         <a:buClr>
           <a:srgbClr val="000000"/>
         </a:buClr>
-        <a:buFont typeface="Arial"/>
+        <a:buFont typeface="Arial" panose="020B0604020202020204"/>
         <a:defRPr sz="1400" b="0" i="0" u="none" strike="noStrike" cap="none">
           <a:solidFill>
             <a:srgbClr val="000000"/>
           </a:solidFill>
-          <a:latin typeface="Arial"/>
-          <a:ea typeface="Arial"/>
-          <a:cs typeface="Arial"/>
-          <a:sym typeface="Arial"/>
+          <a:latin typeface="Arial" panose="020B0604020202020204"/>
+          <a:ea typeface="Arial" panose="020B0604020202020204"/>
+          <a:cs typeface="Arial" panose="020B0604020202020204"/>
+          <a:sym typeface="Arial" panose="020B0604020202020204"/>
         </a:defRPr>
       </a:lvl7pPr>
       <a:lvl8pPr marR="0" lvl="7" algn="l" rtl="0">
@@ -4910,15 +4855,15 @@
         <a:buClr>
           <a:srgbClr val="000000"/>
         </a:buClr>
-        <a:buFont typeface="Arial"/>
+        <a:buFont typeface="Arial" panose="020B0604020202020204"/>
         <a:defRPr sz="1400" b="0" i="0" u="none" strike="noStrike" cap="none">
           <a:solidFill>
             <a:srgbClr val="000000"/>
           </a:solidFill>
-          <a:latin typeface="Arial"/>
-          <a:ea typeface="Arial"/>
-          <a:cs typeface="Arial"/>
-          <a:sym typeface="Arial"/>
+          <a:latin typeface="Arial" panose="020B0604020202020204"/>
+          <a:ea typeface="Arial" panose="020B0604020202020204"/>
+          <a:cs typeface="Arial" panose="020B0604020202020204"/>
+          <a:sym typeface="Arial" panose="020B0604020202020204"/>
         </a:defRPr>
       </a:lvl8pPr>
       <a:lvl9pPr marR="0" lvl="8" algn="l" rtl="0">
@@ -4934,15 +4879,15 @@
         <a:buClr>
           <a:srgbClr val="000000"/>
         </a:buClr>
-        <a:buFont typeface="Arial"/>
+        <a:buFont typeface="Arial" panose="020B0604020202020204"/>
         <a:defRPr sz="1400" b="0" i="0" u="none" strike="noStrike" cap="none">
           <a:solidFill>
             <a:srgbClr val="000000"/>
           </a:solidFill>
-          <a:latin typeface="Arial"/>
-          <a:ea typeface="Arial"/>
-          <a:cs typeface="Arial"/>
-          <a:sym typeface="Arial"/>
+          <a:latin typeface="Arial" panose="020B0604020202020204"/>
+          <a:ea typeface="Arial" panose="020B0604020202020204"/>
+          <a:cs typeface="Arial" panose="020B0604020202020204"/>
+          <a:sym typeface="Arial" panose="020B0604020202020204"/>
         </a:defRPr>
       </a:lvl9pPr>
     </p:titleStyle>
@@ -4971,15 +4916,15 @@
         <a:buClr>
           <a:srgbClr val="000000"/>
         </a:buClr>
-        <a:buFont typeface="Arial"/>
+        <a:buFont typeface="Arial" panose="020B0604020202020204"/>
         <a:defRPr sz="1400" b="0" i="0" u="none" strike="noStrike" cap="none">
           <a:solidFill>
             <a:srgbClr val="000000"/>
           </a:solidFill>
-          <a:latin typeface="Arial"/>
-          <a:ea typeface="Arial"/>
-          <a:cs typeface="Arial"/>
-          <a:sym typeface="Arial"/>
+          <a:latin typeface="Arial" panose="020B0604020202020204"/>
+          <a:ea typeface="Arial" panose="020B0604020202020204"/>
+          <a:cs typeface="Arial" panose="020B0604020202020204"/>
+          <a:sym typeface="Arial" panose="020B0604020202020204"/>
         </a:defRPr>
       </a:lvl1pPr>
       <a:lvl2pPr marR="0" lvl="1" algn="l" rtl="0">
@@ -4995,15 +4940,15 @@
         <a:buClr>
           <a:srgbClr val="000000"/>
         </a:buClr>
-        <a:buFont typeface="Arial"/>
+        <a:buFont typeface="Arial" panose="020B0604020202020204"/>
         <a:defRPr sz="1400" b="0" i="0" u="none" strike="noStrike" cap="none">
           <a:solidFill>
             <a:srgbClr val="000000"/>
           </a:solidFill>
-          <a:latin typeface="Arial"/>
-          <a:ea typeface="Arial"/>
-          <a:cs typeface="Arial"/>
-          <a:sym typeface="Arial"/>
+          <a:latin typeface="Arial" panose="020B0604020202020204"/>
+          <a:ea typeface="Arial" panose="020B0604020202020204"/>
+          <a:cs typeface="Arial" panose="020B0604020202020204"/>
+          <a:sym typeface="Arial" panose="020B0604020202020204"/>
         </a:defRPr>
       </a:lvl2pPr>
       <a:lvl3pPr marR="0" lvl="2" algn="l" rtl="0">
@@ -5019,15 +4964,15 @@
         <a:buClr>
           <a:srgbClr val="000000"/>
         </a:buClr>
-        <a:buFont typeface="Arial"/>
+        <a:buFont typeface="Arial" panose="020B0604020202020204"/>
         <a:defRPr sz="1400" b="0" i="0" u="none" strike="noStrike" cap="none">
           <a:solidFill>
             <a:srgbClr val="000000"/>
           </a:solidFill>
-          <a:latin typeface="Arial"/>
-          <a:ea typeface="Arial"/>
-          <a:cs typeface="Arial"/>
-          <a:sym typeface="Arial"/>
+          <a:latin typeface="Arial" panose="020B0604020202020204"/>
+          <a:ea typeface="Arial" panose="020B0604020202020204"/>
+          <a:cs typeface="Arial" panose="020B0604020202020204"/>
+          <a:sym typeface="Arial" panose="020B0604020202020204"/>
         </a:defRPr>
       </a:lvl3pPr>
       <a:lvl4pPr marR="0" lvl="3" algn="l" rtl="0">
@@ -5043,15 +4988,15 @@
         <a:buClr>
           <a:srgbClr val="000000"/>
         </a:buClr>
-        <a:buFont typeface="Arial"/>
+        <a:buFont typeface="Arial" panose="020B0604020202020204"/>
         <a:defRPr sz="1400" b="0" i="0" u="none" strike="noStrike" cap="none">
           <a:solidFill>
             <a:srgbClr val="000000"/>
           </a:solidFill>
-          <a:latin typeface="Arial"/>
-          <a:ea typeface="Arial"/>
-          <a:cs typeface="Arial"/>
-          <a:sym typeface="Arial"/>
+          <a:latin typeface="Arial" panose="020B0604020202020204"/>
+          <a:ea typeface="Arial" panose="020B0604020202020204"/>
+          <a:cs typeface="Arial" panose="020B0604020202020204"/>
+          <a:sym typeface="Arial" panose="020B0604020202020204"/>
         </a:defRPr>
       </a:lvl4pPr>
       <a:lvl5pPr marR="0" lvl="4" algn="l" rtl="0">
@@ -5067,15 +5012,15 @@
         <a:buClr>
           <a:srgbClr val="000000"/>
         </a:buClr>
-        <a:buFont typeface="Arial"/>
+        <a:buFont typeface="Arial" panose="020B0604020202020204"/>
         <a:defRPr sz="1400" b="0" i="0" u="none" strike="noStrike" cap="none">
           <a:solidFill>
             <a:srgbClr val="000000"/>
           </a:solidFill>
-          <a:latin typeface="Arial"/>
-          <a:ea typeface="Arial"/>
-          <a:cs typeface="Arial"/>
-          <a:sym typeface="Arial"/>
+          <a:latin typeface="Arial" panose="020B0604020202020204"/>
+          <a:ea typeface="Arial" panose="020B0604020202020204"/>
+          <a:cs typeface="Arial" panose="020B0604020202020204"/>
+          <a:sym typeface="Arial" panose="020B0604020202020204"/>
         </a:defRPr>
       </a:lvl5pPr>
       <a:lvl6pPr marR="0" lvl="5" algn="l" rtl="0">
@@ -5091,15 +5036,15 @@
         <a:buClr>
           <a:srgbClr val="000000"/>
         </a:buClr>
-        <a:buFont typeface="Arial"/>
+        <a:buFont typeface="Arial" panose="020B0604020202020204"/>
         <a:defRPr sz="1400" b="0" i="0" u="none" strike="noStrike" cap="none">
           <a:solidFill>
             <a:srgbClr val="000000"/>
           </a:solidFill>
-          <a:latin typeface="Arial"/>
-          <a:ea typeface="Arial"/>
-          <a:cs typeface="Arial"/>
-          <a:sym typeface="Arial"/>
+          <a:latin typeface="Arial" panose="020B0604020202020204"/>
+          <a:ea typeface="Arial" panose="020B0604020202020204"/>
+          <a:cs typeface="Arial" panose="020B0604020202020204"/>
+          <a:sym typeface="Arial" panose="020B0604020202020204"/>
         </a:defRPr>
       </a:lvl6pPr>
       <a:lvl7pPr marR="0" lvl="6" algn="l" rtl="0">
@@ -5115,15 +5060,15 @@
         <a:buClr>
           <a:srgbClr val="000000"/>
         </a:buClr>
-        <a:buFont typeface="Arial"/>
+        <a:buFont typeface="Arial" panose="020B0604020202020204"/>
         <a:defRPr sz="1400" b="0" i="0" u="none" strike="noStrike" cap="none">
           <a:solidFill>
             <a:srgbClr val="000000"/>
           </a:solidFill>
-          <a:latin typeface="Arial"/>
-          <a:ea typeface="Arial"/>
-          <a:cs typeface="Arial"/>
-          <a:sym typeface="Arial"/>
+          <a:latin typeface="Arial" panose="020B0604020202020204"/>
+          <a:ea typeface="Arial" panose="020B0604020202020204"/>
+          <a:cs typeface="Arial" panose="020B0604020202020204"/>
+          <a:sym typeface="Arial" panose="020B0604020202020204"/>
         </a:defRPr>
       </a:lvl7pPr>
       <a:lvl8pPr marR="0" lvl="7" algn="l" rtl="0">
@@ -5139,15 +5084,15 @@
         <a:buClr>
           <a:srgbClr val="000000"/>
         </a:buClr>
-        <a:buFont typeface="Arial"/>
+        <a:buFont typeface="Arial" panose="020B0604020202020204"/>
         <a:defRPr sz="1400" b="0" i="0" u="none" strike="noStrike" cap="none">
           <a:solidFill>
             <a:srgbClr val="000000"/>
           </a:solidFill>
-          <a:latin typeface="Arial"/>
-          <a:ea typeface="Arial"/>
-          <a:cs typeface="Arial"/>
-          <a:sym typeface="Arial"/>
+          <a:latin typeface="Arial" panose="020B0604020202020204"/>
+          <a:ea typeface="Arial" panose="020B0604020202020204"/>
+          <a:cs typeface="Arial" panose="020B0604020202020204"/>
+          <a:sym typeface="Arial" panose="020B0604020202020204"/>
         </a:defRPr>
       </a:lvl8pPr>
       <a:lvl9pPr marR="0" lvl="8" algn="l" rtl="0">
@@ -5163,15 +5108,15 @@
         <a:buClr>
           <a:srgbClr val="000000"/>
         </a:buClr>
-        <a:buFont typeface="Arial"/>
+        <a:buFont typeface="Arial" panose="020B0604020202020204"/>
         <a:defRPr sz="1400" b="0" i="0" u="none" strike="noStrike" cap="none">
           <a:solidFill>
             <a:srgbClr val="000000"/>
           </a:solidFill>
-          <a:latin typeface="Arial"/>
-          <a:ea typeface="Arial"/>
-          <a:cs typeface="Arial"/>
-          <a:sym typeface="Arial"/>
+          <a:latin typeface="Arial" panose="020B0604020202020204"/>
+          <a:ea typeface="Arial" panose="020B0604020202020204"/>
+          <a:cs typeface="Arial" panose="020B0604020202020204"/>
+          <a:sym typeface="Arial" panose="020B0604020202020204"/>
         </a:defRPr>
       </a:lvl9pPr>
     </p:bodyStyle>
@@ -5200,15 +5145,15 @@
         <a:buClr>
           <a:srgbClr val="000000"/>
         </a:buClr>
-        <a:buFont typeface="Arial"/>
+        <a:buFont typeface="Arial" panose="020B0604020202020204"/>
         <a:defRPr sz="1400" b="0" i="0" u="none" strike="noStrike" cap="none">
           <a:solidFill>
             <a:srgbClr val="000000"/>
           </a:solidFill>
-          <a:latin typeface="Arial"/>
-          <a:ea typeface="Arial"/>
-          <a:cs typeface="Arial"/>
-          <a:sym typeface="Arial"/>
+          <a:latin typeface="Arial" panose="020B0604020202020204"/>
+          <a:ea typeface="Arial" panose="020B0604020202020204"/>
+          <a:cs typeface="Arial" panose="020B0604020202020204"/>
+          <a:sym typeface="Arial" panose="020B0604020202020204"/>
         </a:defRPr>
       </a:lvl1pPr>
       <a:lvl2pPr marR="0" lvl="1" algn="l" rtl="0">
@@ -5224,15 +5169,15 @@
         <a:buClr>
           <a:srgbClr val="000000"/>
         </a:buClr>
-        <a:buFont typeface="Arial"/>
+        <a:buFont typeface="Arial" panose="020B0604020202020204"/>
         <a:defRPr sz="1400" b="0" i="0" u="none" strike="noStrike" cap="none">
           <a:solidFill>
             <a:srgbClr val="000000"/>
           </a:solidFill>
-          <a:latin typeface="Arial"/>
-          <a:ea typeface="Arial"/>
-          <a:cs typeface="Arial"/>
-          <a:sym typeface="Arial"/>
+          <a:latin typeface="Arial" panose="020B0604020202020204"/>
+          <a:ea typeface="Arial" panose="020B0604020202020204"/>
+          <a:cs typeface="Arial" panose="020B0604020202020204"/>
+          <a:sym typeface="Arial" panose="020B0604020202020204"/>
         </a:defRPr>
       </a:lvl2pPr>
       <a:lvl3pPr marR="0" lvl="2" algn="l" rtl="0">
@@ -5248,15 +5193,15 @@
         <a:buClr>
           <a:srgbClr val="000000"/>
         </a:buClr>
-        <a:buFont typeface="Arial"/>
+        <a:buFont typeface="Arial" panose="020B0604020202020204"/>
         <a:defRPr sz="1400" b="0" i="0" u="none" strike="noStrike" cap="none">
           <a:solidFill>
             <a:srgbClr val="000000"/>
           </a:solidFill>
-          <a:latin typeface="Arial"/>
-          <a:ea typeface="Arial"/>
-          <a:cs typeface="Arial"/>
-          <a:sym typeface="Arial"/>
+          <a:latin typeface="Arial" panose="020B0604020202020204"/>
+          <a:ea typeface="Arial" panose="020B0604020202020204"/>
+          <a:cs typeface="Arial" panose="020B0604020202020204"/>
+          <a:sym typeface="Arial" panose="020B0604020202020204"/>
         </a:defRPr>
       </a:lvl3pPr>
       <a:lvl4pPr marR="0" lvl="3" algn="l" rtl="0">
@@ -5272,15 +5217,15 @@
         <a:buClr>
           <a:srgbClr val="000000"/>
         </a:buClr>
-        <a:buFont typeface="Arial"/>
+        <a:buFont typeface="Arial" panose="020B0604020202020204"/>
         <a:defRPr sz="1400" b="0" i="0" u="none" strike="noStrike" cap="none">
           <a:solidFill>
             <a:srgbClr val="000000"/>
           </a:solidFill>
-          <a:latin typeface="Arial"/>
-          <a:ea typeface="Arial"/>
-          <a:cs typeface="Arial"/>
-          <a:sym typeface="Arial"/>
+          <a:latin typeface="Arial" panose="020B0604020202020204"/>
+          <a:ea typeface="Arial" panose="020B0604020202020204"/>
+          <a:cs typeface="Arial" panose="020B0604020202020204"/>
+          <a:sym typeface="Arial" panose="020B0604020202020204"/>
         </a:defRPr>
       </a:lvl4pPr>
       <a:lvl5pPr marR="0" lvl="4" algn="l" rtl="0">
@@ -5296,15 +5241,15 @@
         <a:buClr>
           <a:srgbClr val="000000"/>
         </a:buClr>
-        <a:buFont typeface="Arial"/>
+        <a:buFont typeface="Arial" panose="020B0604020202020204"/>
         <a:defRPr sz="1400" b="0" i="0" u="none" strike="noStrike" cap="none">
           <a:solidFill>
             <a:srgbClr val="000000"/>
           </a:solidFill>
-          <a:latin typeface="Arial"/>
-          <a:ea typeface="Arial"/>
-          <a:cs typeface="Arial"/>
-          <a:sym typeface="Arial"/>
+          <a:latin typeface="Arial" panose="020B0604020202020204"/>
+          <a:ea typeface="Arial" panose="020B0604020202020204"/>
+          <a:cs typeface="Arial" panose="020B0604020202020204"/>
+          <a:sym typeface="Arial" panose="020B0604020202020204"/>
         </a:defRPr>
       </a:lvl5pPr>
       <a:lvl6pPr marR="0" lvl="5" algn="l" rtl="0">
@@ -5320,15 +5265,15 @@
         <a:buClr>
           <a:srgbClr val="000000"/>
         </a:buClr>
-        <a:buFont typeface="Arial"/>
+        <a:buFont typeface="Arial" panose="020B0604020202020204"/>
         <a:defRPr sz="1400" b="0" i="0" u="none" strike="noStrike" cap="none">
           <a:solidFill>
             <a:srgbClr val="000000"/>
           </a:solidFill>
-          <a:latin typeface="Arial"/>
-          <a:ea typeface="Arial"/>
-          <a:cs typeface="Arial"/>
-          <a:sym typeface="Arial"/>
+          <a:latin typeface="Arial" panose="020B0604020202020204"/>
+          <a:ea typeface="Arial" panose="020B0604020202020204"/>
+          <a:cs typeface="Arial" panose="020B0604020202020204"/>
+          <a:sym typeface="Arial" panose="020B0604020202020204"/>
         </a:defRPr>
       </a:lvl6pPr>
       <a:lvl7pPr marR="0" lvl="6" algn="l" rtl="0">
@@ -5344,15 +5289,15 @@
         <a:buClr>
           <a:srgbClr val="000000"/>
         </a:buClr>
-        <a:buFont typeface="Arial"/>
+        <a:buFont typeface="Arial" panose="020B0604020202020204"/>
         <a:defRPr sz="1400" b="0" i="0" u="none" strike="noStrike" cap="none">
           <a:solidFill>
             <a:srgbClr val="000000"/>
           </a:solidFill>
-          <a:latin typeface="Arial"/>
-          <a:ea typeface="Arial"/>
-          <a:cs typeface="Arial"/>
-          <a:sym typeface="Arial"/>
+          <a:latin typeface="Arial" panose="020B0604020202020204"/>
+          <a:ea typeface="Arial" panose="020B0604020202020204"/>
+          <a:cs typeface="Arial" panose="020B0604020202020204"/>
+          <a:sym typeface="Arial" panose="020B0604020202020204"/>
         </a:defRPr>
       </a:lvl7pPr>
       <a:lvl8pPr marR="0" lvl="7" algn="l" rtl="0">
@@ -5368,15 +5313,15 @@
         <a:buClr>
           <a:srgbClr val="000000"/>
         </a:buClr>
-        <a:buFont typeface="Arial"/>
+        <a:buFont typeface="Arial" panose="020B0604020202020204"/>
         <a:defRPr sz="1400" b="0" i="0" u="none" strike="noStrike" cap="none">
           <a:solidFill>
             <a:srgbClr val="000000"/>
           </a:solidFill>
-          <a:latin typeface="Arial"/>
-          <a:ea typeface="Arial"/>
-          <a:cs typeface="Arial"/>
-          <a:sym typeface="Arial"/>
+          <a:latin typeface="Arial" panose="020B0604020202020204"/>
+          <a:ea typeface="Arial" panose="020B0604020202020204"/>
+          <a:cs typeface="Arial" panose="020B0604020202020204"/>
+          <a:sym typeface="Arial" panose="020B0604020202020204"/>
         </a:defRPr>
       </a:lvl8pPr>
       <a:lvl9pPr marR="0" lvl="8" algn="l" rtl="0">
@@ -5392,15 +5337,15 @@
         <a:buClr>
           <a:srgbClr val="000000"/>
         </a:buClr>
-        <a:buFont typeface="Arial"/>
+        <a:buFont typeface="Arial" panose="020B0604020202020204"/>
         <a:defRPr sz="1400" b="0" i="0" u="none" strike="noStrike" cap="none">
           <a:solidFill>
             <a:srgbClr val="000000"/>
           </a:solidFill>
-          <a:latin typeface="Arial"/>
-          <a:ea typeface="Arial"/>
-          <a:cs typeface="Arial"/>
-          <a:sym typeface="Arial"/>
+          <a:latin typeface="Arial" panose="020B0604020202020204"/>
+          <a:ea typeface="Arial" panose="020B0604020202020204"/>
+          <a:cs typeface="Arial" panose="020B0604020202020204"/>
+          <a:sym typeface="Arial" panose="020B0604020202020204"/>
         </a:defRPr>
       </a:lvl9pPr>
     </p:otherStyle>
@@ -5414,9 +5359,7 @@
     <p:bg>
       <p:bgPr>
         <a:blipFill>
-          <a:blip r:embed="rId3">
-            <a:alphaModFix/>
-          </a:blip>
+          <a:blip r:embed="rId1"/>
           <a:stretch>
             <a:fillRect/>
           </a:stretch>
@@ -5469,10 +5412,10 @@
               <a:t>Paternity testing using genetics</a:t>
             </a:r>
             <a:endParaRPr sz="4800" dirty="0">
-              <a:latin typeface="Rajdhani"/>
-              <a:ea typeface="Rajdhani"/>
-              <a:cs typeface="Rajdhani"/>
-              <a:sym typeface="Rajdhani"/>
+              <a:latin typeface="Rajdhani" panose="02000000000000000000"/>
+              <a:ea typeface="Rajdhani" panose="02000000000000000000"/>
+              <a:cs typeface="Rajdhani" panose="02000000000000000000"/>
+              <a:sym typeface="Rajdhani" panose="02000000000000000000"/>
             </a:endParaRPr>
           </a:p>
         </p:txBody>
@@ -5507,6 +5450,7 @@
               <a:rPr lang="en-US" dirty="0"/>
               <a:t>Supervised by : Dr. Ashraf Abdelraouf &amp; Eng. Ahmed Hazem</a:t>
             </a:r>
+            <a:endParaRPr lang="en-US" dirty="0"/>
           </a:p>
           <a:p>
             <a:pPr marL="0" lvl="0" indent="0" algn="l" rtl="0">
@@ -5519,10 +5463,10 @@
               <a:buNone/>
             </a:pPr>
             <a:endParaRPr dirty="0">
-              <a:latin typeface="Fira Sans Condensed Light"/>
-              <a:ea typeface="Fira Sans Condensed Light"/>
-              <a:cs typeface="Fira Sans Condensed Light"/>
-              <a:sym typeface="Fira Sans Condensed Light"/>
+              <a:latin typeface="Fira Sans Condensed Light" panose="020B0503050000020004"/>
+              <a:ea typeface="Fira Sans Condensed Light" panose="020B0503050000020004"/>
+              <a:cs typeface="Fira Sans Condensed Light" panose="020B0503050000020004"/>
+              <a:sym typeface="Fira Sans Condensed Light" panose="020B0503050000020004"/>
             </a:endParaRPr>
           </a:p>
         </p:txBody>
@@ -5534,11 +5478,11 @@
           <p:nvPr/>
         </p:nvPicPr>
         <p:blipFill rotWithShape="1">
-          <a:blip r:embed="rId4">
-            <a:alphaModFix/>
-          </a:blip>
+          <a:blip r:embed="rId2"/>
           <a:srcRect l="6664" t="4858" r="6220" b="5495"/>
-          <a:stretch/>
+          <a:stretch>
+            <a:fillRect/>
+          </a:stretch>
         </p:blipFill>
         <p:spPr>
           <a:xfrm>
@@ -5610,14 +5554,14 @@
             <a:pPr marL="0" lvl="0" indent="0" algn="l"/>
             <a:r>
               <a:rPr lang="en-US" sz="3200" b="1" dirty="0">
-                <a:latin typeface="Rajdhani" panose="020B0604020202020204" charset="0"/>
-                <a:cs typeface="Rajdhani" panose="020B0604020202020204" charset="0"/>
+                <a:latin typeface="Rajdhani" panose="02000000000000000000" charset="0"/>
+                <a:cs typeface="Rajdhani" panose="02000000000000000000" charset="0"/>
               </a:rPr>
               <a:t>Non-Functional Requirements</a:t>
             </a:r>
             <a:endParaRPr sz="3200" b="1" dirty="0">
-              <a:latin typeface="Rajdhani" panose="020B0604020202020204" charset="0"/>
-              <a:cs typeface="Rajdhani" panose="020B0604020202020204" charset="0"/>
+              <a:latin typeface="Rajdhani" panose="02000000000000000000" charset="0"/>
+              <a:cs typeface="Rajdhani" panose="02000000000000000000" charset="0"/>
             </a:endParaRPr>
           </a:p>
         </p:txBody>
@@ -5625,9 +5569,7 @@
       <p:sp>
         <p:nvSpPr>
           <p:cNvPr id="5" name="Google Shape;136;p27"/>
-          <p:cNvSpPr txBox="1">
-            <a:spLocks/>
-          </p:cNvSpPr>
+          <p:cNvSpPr txBox="1"/>
           <p:nvPr/>
         </p:nvSpPr>
         <p:spPr>
@@ -5673,16 +5615,16 @@
                 <a:schemeClr val="lt2"/>
               </a:buClr>
               <a:buSzPts val="2800"/>
-              <a:buFont typeface="Fira Sans Condensed Light"/>
+              <a:buFont typeface="Fira Sans Condensed Light" panose="020B0503050000020004"/>
               <a:buNone/>
               <a:defRPr sz="1400" b="0" i="0" u="none" strike="noStrike" cap="none">
                 <a:solidFill>
                   <a:schemeClr val="lt2"/>
                 </a:solidFill>
-                <a:latin typeface="Fira Sans Condensed Light"/>
-                <a:ea typeface="Fira Sans Condensed Light"/>
-                <a:cs typeface="Fira Sans Condensed Light"/>
-                <a:sym typeface="Fira Sans Condensed Light"/>
+                <a:latin typeface="Fira Sans Condensed Light" panose="020B0503050000020004"/>
+                <a:ea typeface="Fira Sans Condensed Light" panose="020B0503050000020004"/>
+                <a:cs typeface="Fira Sans Condensed Light" panose="020B0503050000020004"/>
+                <a:sym typeface="Fira Sans Condensed Light" panose="020B0503050000020004"/>
               </a:defRPr>
             </a:lvl1pPr>
             <a:lvl2pPr marL="914400" marR="0" lvl="1" indent="-304800" algn="ctr" rtl="0">
@@ -5699,16 +5641,16 @@
                 <a:schemeClr val="lt2"/>
               </a:buClr>
               <a:buSzPts val="2800"/>
-              <a:buFont typeface="Fira Sans Condensed Light"/>
+              <a:buFont typeface="Fira Sans Condensed Light" panose="020B0503050000020004"/>
               <a:buNone/>
               <a:defRPr sz="2800" b="0" i="0" u="none" strike="noStrike" cap="none">
                 <a:solidFill>
                   <a:schemeClr val="lt2"/>
                 </a:solidFill>
-                <a:latin typeface="Fira Sans Condensed Light"/>
-                <a:ea typeface="Fira Sans Condensed Light"/>
-                <a:cs typeface="Fira Sans Condensed Light"/>
-                <a:sym typeface="Fira Sans Condensed Light"/>
+                <a:latin typeface="Fira Sans Condensed Light" panose="020B0503050000020004"/>
+                <a:ea typeface="Fira Sans Condensed Light" panose="020B0503050000020004"/>
+                <a:cs typeface="Fira Sans Condensed Light" panose="020B0503050000020004"/>
+                <a:sym typeface="Fira Sans Condensed Light" panose="020B0503050000020004"/>
               </a:defRPr>
             </a:lvl2pPr>
             <a:lvl3pPr marL="1371600" marR="0" lvl="2" indent="-304800" algn="ctr" rtl="0">
@@ -5725,16 +5667,16 @@
                 <a:schemeClr val="lt2"/>
               </a:buClr>
               <a:buSzPts val="2800"/>
-              <a:buFont typeface="Fira Sans Condensed Light"/>
+              <a:buFont typeface="Fira Sans Condensed Light" panose="020B0503050000020004"/>
               <a:buNone/>
               <a:defRPr sz="2800" b="0" i="0" u="none" strike="noStrike" cap="none">
                 <a:solidFill>
                   <a:schemeClr val="lt2"/>
                 </a:solidFill>
-                <a:latin typeface="Fira Sans Condensed Light"/>
-                <a:ea typeface="Fira Sans Condensed Light"/>
-                <a:cs typeface="Fira Sans Condensed Light"/>
-                <a:sym typeface="Fira Sans Condensed Light"/>
+                <a:latin typeface="Fira Sans Condensed Light" panose="020B0503050000020004"/>
+                <a:ea typeface="Fira Sans Condensed Light" panose="020B0503050000020004"/>
+                <a:cs typeface="Fira Sans Condensed Light" panose="020B0503050000020004"/>
+                <a:sym typeface="Fira Sans Condensed Light" panose="020B0503050000020004"/>
               </a:defRPr>
             </a:lvl3pPr>
             <a:lvl4pPr marL="1828800" marR="0" lvl="3" indent="-304800" algn="ctr" rtl="0">
@@ -5751,16 +5693,16 @@
                 <a:schemeClr val="lt2"/>
               </a:buClr>
               <a:buSzPts val="2800"/>
-              <a:buFont typeface="Fira Sans Condensed Light"/>
+              <a:buFont typeface="Fira Sans Condensed Light" panose="020B0503050000020004"/>
               <a:buNone/>
               <a:defRPr sz="2800" b="0" i="0" u="none" strike="noStrike" cap="none">
                 <a:solidFill>
                   <a:schemeClr val="lt2"/>
                 </a:solidFill>
-                <a:latin typeface="Fira Sans Condensed Light"/>
-                <a:ea typeface="Fira Sans Condensed Light"/>
-                <a:cs typeface="Fira Sans Condensed Light"/>
-                <a:sym typeface="Fira Sans Condensed Light"/>
+                <a:latin typeface="Fira Sans Condensed Light" panose="020B0503050000020004"/>
+                <a:ea typeface="Fira Sans Condensed Light" panose="020B0503050000020004"/>
+                <a:cs typeface="Fira Sans Condensed Light" panose="020B0503050000020004"/>
+                <a:sym typeface="Fira Sans Condensed Light" panose="020B0503050000020004"/>
               </a:defRPr>
             </a:lvl4pPr>
             <a:lvl5pPr marL="2286000" marR="0" lvl="4" indent="-304800" algn="ctr" rtl="0">
@@ -5777,16 +5719,16 @@
                 <a:schemeClr val="lt2"/>
               </a:buClr>
               <a:buSzPts val="2800"/>
-              <a:buFont typeface="Fira Sans Condensed Light"/>
+              <a:buFont typeface="Fira Sans Condensed Light" panose="020B0503050000020004"/>
               <a:buNone/>
               <a:defRPr sz="2800" b="0" i="0" u="none" strike="noStrike" cap="none">
                 <a:solidFill>
                   <a:schemeClr val="lt2"/>
                 </a:solidFill>
-                <a:latin typeface="Fira Sans Condensed Light"/>
-                <a:ea typeface="Fira Sans Condensed Light"/>
-                <a:cs typeface="Fira Sans Condensed Light"/>
-                <a:sym typeface="Fira Sans Condensed Light"/>
+                <a:latin typeface="Fira Sans Condensed Light" panose="020B0503050000020004"/>
+                <a:ea typeface="Fira Sans Condensed Light" panose="020B0503050000020004"/>
+                <a:cs typeface="Fira Sans Condensed Light" panose="020B0503050000020004"/>
+                <a:sym typeface="Fira Sans Condensed Light" panose="020B0503050000020004"/>
               </a:defRPr>
             </a:lvl5pPr>
             <a:lvl6pPr marL="2743200" marR="0" lvl="5" indent="-304800" algn="ctr" rtl="0">
@@ -5803,16 +5745,16 @@
                 <a:schemeClr val="lt2"/>
               </a:buClr>
               <a:buSzPts val="2800"/>
-              <a:buFont typeface="Fira Sans Condensed Light"/>
+              <a:buFont typeface="Fira Sans Condensed Light" panose="020B0503050000020004"/>
               <a:buNone/>
               <a:defRPr sz="2800" b="0" i="0" u="none" strike="noStrike" cap="none">
                 <a:solidFill>
                   <a:schemeClr val="lt2"/>
                 </a:solidFill>
-                <a:latin typeface="Fira Sans Condensed Light"/>
-                <a:ea typeface="Fira Sans Condensed Light"/>
-                <a:cs typeface="Fira Sans Condensed Light"/>
-                <a:sym typeface="Fira Sans Condensed Light"/>
+                <a:latin typeface="Fira Sans Condensed Light" panose="020B0503050000020004"/>
+                <a:ea typeface="Fira Sans Condensed Light" panose="020B0503050000020004"/>
+                <a:cs typeface="Fira Sans Condensed Light" panose="020B0503050000020004"/>
+                <a:sym typeface="Fira Sans Condensed Light" panose="020B0503050000020004"/>
               </a:defRPr>
             </a:lvl6pPr>
             <a:lvl7pPr marL="3200400" marR="0" lvl="6" indent="-304800" algn="ctr" rtl="0">
@@ -5829,16 +5771,16 @@
                 <a:schemeClr val="lt2"/>
               </a:buClr>
               <a:buSzPts val="2800"/>
-              <a:buFont typeface="Fira Sans Condensed Light"/>
+              <a:buFont typeface="Fira Sans Condensed Light" panose="020B0503050000020004"/>
               <a:buNone/>
               <a:defRPr sz="2800" b="0" i="0" u="none" strike="noStrike" cap="none">
                 <a:solidFill>
                   <a:schemeClr val="lt2"/>
                 </a:solidFill>
-                <a:latin typeface="Fira Sans Condensed Light"/>
-                <a:ea typeface="Fira Sans Condensed Light"/>
-                <a:cs typeface="Fira Sans Condensed Light"/>
-                <a:sym typeface="Fira Sans Condensed Light"/>
+                <a:latin typeface="Fira Sans Condensed Light" panose="020B0503050000020004"/>
+                <a:ea typeface="Fira Sans Condensed Light" panose="020B0503050000020004"/>
+                <a:cs typeface="Fira Sans Condensed Light" panose="020B0503050000020004"/>
+                <a:sym typeface="Fira Sans Condensed Light" panose="020B0503050000020004"/>
               </a:defRPr>
             </a:lvl7pPr>
             <a:lvl8pPr marL="3657600" marR="0" lvl="7" indent="-304800" algn="ctr" rtl="0">
@@ -5855,16 +5797,16 @@
                 <a:schemeClr val="lt2"/>
               </a:buClr>
               <a:buSzPts val="2800"/>
-              <a:buFont typeface="Fira Sans Condensed Light"/>
+              <a:buFont typeface="Fira Sans Condensed Light" panose="020B0503050000020004"/>
               <a:buNone/>
               <a:defRPr sz="2800" b="0" i="0" u="none" strike="noStrike" cap="none">
                 <a:solidFill>
                   <a:schemeClr val="lt2"/>
                 </a:solidFill>
-                <a:latin typeface="Fira Sans Condensed Light"/>
-                <a:ea typeface="Fira Sans Condensed Light"/>
-                <a:cs typeface="Fira Sans Condensed Light"/>
-                <a:sym typeface="Fira Sans Condensed Light"/>
+                <a:latin typeface="Fira Sans Condensed Light" panose="020B0503050000020004"/>
+                <a:ea typeface="Fira Sans Condensed Light" panose="020B0503050000020004"/>
+                <a:cs typeface="Fira Sans Condensed Light" panose="020B0503050000020004"/>
+                <a:sym typeface="Fira Sans Condensed Light" panose="020B0503050000020004"/>
               </a:defRPr>
             </a:lvl8pPr>
             <a:lvl9pPr marL="4114800" marR="0" lvl="8" indent="-304800" algn="ctr" rtl="0">
@@ -5881,16 +5823,16 @@
                 <a:schemeClr val="lt2"/>
               </a:buClr>
               <a:buSzPts val="2800"/>
-              <a:buFont typeface="Fira Sans Condensed Light"/>
+              <a:buFont typeface="Fira Sans Condensed Light" panose="020B0503050000020004"/>
               <a:buNone/>
               <a:defRPr sz="2800" b="0" i="0" u="none" strike="noStrike" cap="none">
                 <a:solidFill>
                   <a:schemeClr val="lt2"/>
                 </a:solidFill>
-                <a:latin typeface="Fira Sans Condensed Light"/>
-                <a:ea typeface="Fira Sans Condensed Light"/>
-                <a:cs typeface="Fira Sans Condensed Light"/>
-                <a:sym typeface="Fira Sans Condensed Light"/>
+                <a:latin typeface="Fira Sans Condensed Light" panose="020B0503050000020004"/>
+                <a:ea typeface="Fira Sans Condensed Light" panose="020B0503050000020004"/>
+                <a:cs typeface="Fira Sans Condensed Light" panose="020B0503050000020004"/>
+                <a:sym typeface="Fira Sans Condensed Light" panose="020B0503050000020004"/>
               </a:defRPr>
             </a:lvl9pPr>
           </a:lstStyle>
@@ -5950,22 +5892,17 @@
                   <a:srgbClr val="DCDDDE"/>
                 </a:solidFill>
                 <a:effectLst/>
-                <a:latin typeface="Fira Sans Condensed Light" panose="020B0403050000020004" pitchFamily="34" charset="0"/>
+                <a:latin typeface="Fira Sans Condensed Light" panose="020B0503050000020004" charset="0"/>
               </a:rPr>
               <a:t>our system is able to increase its capacity and functionalities based on the users demand. it can remain stable while adapting to changes and upgrades</a:t>
             </a:r>
             <a:endParaRPr lang="en-US" sz="1800" dirty="0">
-              <a:latin typeface="Fira Sans Condensed Light" panose="020B0403050000020004" pitchFamily="34" charset="0"/>
+              <a:latin typeface="Fira Sans Condensed Light" panose="020B0503050000020004" charset="0"/>
             </a:endParaRPr>
           </a:p>
         </p:txBody>
       </p:sp>
     </p:spTree>
-    <p:extLst>
-      <p:ext uri="{BB962C8B-B14F-4D97-AF65-F5344CB8AC3E}">
-        <p14:creationId xmlns:p14="http://schemas.microsoft.com/office/powerpoint/2010/main" val="1195283190"/>
-      </p:ext>
-    </p:extLst>
   </p:cSld>
   <p:clrMapOvr>
     <a:masterClrMapping/>
@@ -6021,14 +5958,14 @@
             <a:pPr marL="0" lvl="0" indent="0" algn="l"/>
             <a:r>
               <a:rPr lang="en-US" sz="3200" b="1" dirty="0">
-                <a:latin typeface="Rajdhani" panose="020B0604020202020204" charset="0"/>
-                <a:cs typeface="Rajdhani" panose="020B0604020202020204" charset="0"/>
+                <a:latin typeface="Rajdhani" panose="02000000000000000000" charset="0"/>
+                <a:cs typeface="Rajdhani" panose="02000000000000000000" charset="0"/>
               </a:rPr>
               <a:t>Class diagram</a:t>
             </a:r>
             <a:endParaRPr sz="3200" b="1" dirty="0">
-              <a:latin typeface="Rajdhani" panose="020B0604020202020204" charset="0"/>
-              <a:cs typeface="Rajdhani" panose="020B0604020202020204" charset="0"/>
+              <a:latin typeface="Rajdhani" panose="02000000000000000000" charset="0"/>
+              <a:cs typeface="Rajdhani" panose="02000000000000000000" charset="0"/>
             </a:endParaRPr>
           </a:p>
         </p:txBody>
@@ -6042,7 +5979,7 @@
           <p:nvPr/>
         </p:nvPicPr>
         <p:blipFill>
-          <a:blip r:embed="rId2" cstate="print">
+          <a:blip r:embed="rId1" cstate="print">
             <a:extLst>
               <a:ext uri="{28A0092B-C50C-407E-A947-70E740481C1C}">
                 <a14:useLocalDpi xmlns:a14="http://schemas.microsoft.com/office/drawing/2010/main" val="0"/>
@@ -6068,11 +6005,6 @@
         </p:spPr>
       </p:pic>
     </p:spTree>
-    <p:extLst>
-      <p:ext uri="{BB962C8B-B14F-4D97-AF65-F5344CB8AC3E}">
-        <p14:creationId xmlns:p14="http://schemas.microsoft.com/office/powerpoint/2010/main" val="2697550361"/>
-      </p:ext>
-    </p:extLst>
   </p:cSld>
   <p:clrMapOvr>
     <a:masterClrMapping/>
@@ -6128,14 +6060,14 @@
             <a:pPr marL="0" lvl="0" indent="0" algn="l"/>
             <a:r>
               <a:rPr lang="en-US" sz="3200" b="1" dirty="0">
-                <a:latin typeface="Rajdhani" panose="020B0604020202020204" charset="0"/>
-                <a:cs typeface="Rajdhani" panose="020B0604020202020204" charset="0"/>
+                <a:latin typeface="Rajdhani" panose="02000000000000000000" charset="0"/>
+                <a:cs typeface="Rajdhani" panose="02000000000000000000" charset="0"/>
               </a:rPr>
               <a:t>Data design (database &amp; dataset)</a:t>
             </a:r>
             <a:endParaRPr sz="3200" b="1" dirty="0">
-              <a:latin typeface="Rajdhani" panose="020B0604020202020204" charset="0"/>
-              <a:cs typeface="Rajdhani" panose="020B0604020202020204" charset="0"/>
+              <a:latin typeface="Rajdhani" panose="02000000000000000000" charset="0"/>
+              <a:cs typeface="Rajdhani" panose="02000000000000000000" charset="0"/>
             </a:endParaRPr>
           </a:p>
         </p:txBody>
@@ -6149,7 +6081,7 @@
           <p:nvPr/>
         </p:nvPicPr>
         <p:blipFill>
-          <a:blip r:embed="rId2">
+          <a:blip r:embed="rId1">
             <a:extLst>
               <a:ext uri="{28A0092B-C50C-407E-A947-70E740481C1C}">
                 <a14:useLocalDpi xmlns:a14="http://schemas.microsoft.com/office/drawing/2010/main" val="0"/>
@@ -6176,13 +6108,7 @@
       </p:pic>
       <p:sp>
         <p:nvSpPr>
-          <p:cNvPr id="7" name="TextBox 6">
-            <a:extLst>
-              <a:ext uri="{FF2B5EF4-FFF2-40B4-BE49-F238E27FC236}">
-                <a16:creationId xmlns:a16="http://schemas.microsoft.com/office/drawing/2014/main" id="{773D7D0D-3DFE-41EA-99F4-6D9BD5A2B01C}"/>
-              </a:ext>
-            </a:extLst>
-          </p:cNvPr>
+          <p:cNvPr id="7" name="TextBox 6"/>
           <p:cNvSpPr txBox="1"/>
           <p:nvPr/>
         </p:nvSpPr>
@@ -6208,22 +6134,17 @@
                   <a:srgbClr val="DCDDDE"/>
                 </a:solidFill>
                 <a:effectLst/>
-                <a:latin typeface="Fira Sans Condensed Light" panose="020B0403050000020004" pitchFamily="34" charset="0"/>
+                <a:latin typeface="Fira Sans Condensed Light" panose="020B0503050000020004" charset="0"/>
               </a:rPr>
               <a:t>Our dataset consists of several rs numbers containing the genotypes of each member</a:t>
             </a:r>
             <a:endParaRPr lang="en-US" sz="1800" dirty="0">
-              <a:latin typeface="Fira Sans Condensed Light" panose="020B0403050000020004" pitchFamily="34" charset="0"/>
+              <a:latin typeface="Fira Sans Condensed Light" panose="020B0503050000020004" charset="0"/>
             </a:endParaRPr>
           </a:p>
         </p:txBody>
       </p:sp>
     </p:spTree>
-    <p:extLst>
-      <p:ext uri="{BB962C8B-B14F-4D97-AF65-F5344CB8AC3E}">
-        <p14:creationId xmlns:p14="http://schemas.microsoft.com/office/powerpoint/2010/main" val="250995924"/>
-      </p:ext>
-    </p:extLst>
   </p:cSld>
   <p:clrMapOvr>
     <a:masterClrMapping/>
@@ -6279,14 +6200,14 @@
             <a:pPr marL="0" lvl="0" indent="0" algn="l"/>
             <a:r>
               <a:rPr lang="en-US" sz="3200" b="1" dirty="0">
-                <a:latin typeface="Rajdhani" panose="020B0604020202020204" charset="0"/>
-                <a:cs typeface="Rajdhani" panose="020B0604020202020204" charset="0"/>
+                <a:latin typeface="Rajdhani" panose="02000000000000000000" charset="0"/>
+                <a:cs typeface="Rajdhani" panose="02000000000000000000" charset="0"/>
               </a:rPr>
               <a:t>Data design (database &amp; dataset) (cont.)</a:t>
             </a:r>
             <a:endParaRPr sz="3200" b="1" dirty="0">
-              <a:latin typeface="Rajdhani" panose="020B0604020202020204" charset="0"/>
-              <a:cs typeface="Rajdhani" panose="020B0604020202020204" charset="0"/>
+              <a:latin typeface="Rajdhani" panose="02000000000000000000" charset="0"/>
+              <a:cs typeface="Rajdhani" panose="02000000000000000000" charset="0"/>
             </a:endParaRPr>
           </a:p>
         </p:txBody>
@@ -6300,7 +6221,7 @@
           <p:nvPr/>
         </p:nvPicPr>
         <p:blipFill>
-          <a:blip r:embed="rId2">
+          <a:blip r:embed="rId1">
             <a:extLst>
               <a:ext uri="{28A0092B-C50C-407E-A947-70E740481C1C}">
                 <a14:useLocalDpi xmlns:a14="http://schemas.microsoft.com/office/drawing/2010/main" val="0"/>
@@ -6322,11 +6243,6 @@
         </p:spPr>
       </p:pic>
     </p:spTree>
-    <p:extLst>
-      <p:ext uri="{BB962C8B-B14F-4D97-AF65-F5344CB8AC3E}">
-        <p14:creationId xmlns:p14="http://schemas.microsoft.com/office/powerpoint/2010/main" val="1480811383"/>
-      </p:ext>
-    </p:extLst>
   </p:cSld>
   <p:clrMapOvr>
     <a:masterClrMapping/>
@@ -6343,9 +6259,7 @@
     <p:bg>
       <p:bgPr>
         <a:blipFill>
-          <a:blip r:embed="rId3">
-            <a:alphaModFix/>
-          </a:blip>
+          <a:blip r:embed="rId1"/>
           <a:stretch>
             <a:fillRect/>
           </a:stretch>
@@ -6402,7 +6316,7 @@
               <a:buNone/>
             </a:pPr>
             <a:r>
-              <a:rPr lang="en" dirty="0"/>
+              <a:rPr lang="en-GB" dirty="0"/>
               <a:t>TIME PLAN</a:t>
             </a:r>
             <a:endParaRPr dirty="0"/>
@@ -6466,10 +6380,10 @@
                 <a:solidFill>
                   <a:schemeClr val="lt2"/>
                 </a:solidFill>
-                <a:latin typeface="Fira Sans Condensed Light"/>
-                <a:ea typeface="Fira Sans Condensed Light"/>
-                <a:cs typeface="Fira Sans Condensed Light"/>
-                <a:sym typeface="Fira Sans Condensed Light"/>
+                <a:latin typeface="Fira Sans Condensed Light" panose="020B0503050000020004"/>
+                <a:ea typeface="Fira Sans Condensed Light" panose="020B0503050000020004"/>
+                <a:cs typeface="Fira Sans Condensed Light" panose="020B0503050000020004"/>
+                <a:sym typeface="Fira Sans Condensed Light" panose="020B0503050000020004"/>
               </a:rPr>
               <a:t>Whole genome processing from the sources we gathered</a:t>
             </a:r>
@@ -6477,10 +6391,10 @@
               <a:solidFill>
                 <a:schemeClr val="lt2"/>
               </a:solidFill>
-              <a:latin typeface="Fira Sans Condensed Light"/>
-              <a:ea typeface="Fira Sans Condensed Light"/>
-              <a:cs typeface="Fira Sans Condensed Light"/>
-              <a:sym typeface="Fira Sans Condensed Light"/>
+              <a:latin typeface="Fira Sans Condensed Light" panose="020B0503050000020004"/>
+              <a:ea typeface="Fira Sans Condensed Light" panose="020B0503050000020004"/>
+              <a:cs typeface="Fira Sans Condensed Light" panose="020B0503050000020004"/>
+              <a:sym typeface="Fira Sans Condensed Light" panose="020B0503050000020004"/>
             </a:endParaRPr>
           </a:p>
         </p:txBody>
@@ -6516,22 +6430,22 @@
                 <a:solidFill>
                   <a:schemeClr val="lt2"/>
                 </a:solidFill>
-                <a:latin typeface="Rajdhani"/>
-                <a:ea typeface="Rajdhani"/>
-                <a:cs typeface="Rajdhani"/>
-                <a:sym typeface="Rajdhani"/>
+                <a:latin typeface="Rajdhani" panose="02000000000000000000"/>
+                <a:ea typeface="Rajdhani" panose="02000000000000000000"/>
+                <a:cs typeface="Rajdhani" panose="02000000000000000000"/>
+                <a:sym typeface="Rajdhani" panose="02000000000000000000"/>
               </a:rPr>
               <a:t>B</a:t>
             </a:r>
             <a:r>
-              <a:rPr lang="en" sz="2400" b="1" dirty="0">
+              <a:rPr lang="en-GB" sz="2400" b="1" dirty="0">
                 <a:solidFill>
                   <a:schemeClr val="lt2"/>
                 </a:solidFill>
-                <a:latin typeface="Rajdhani"/>
-                <a:ea typeface="Rajdhani"/>
-                <a:cs typeface="Rajdhani"/>
-                <a:sym typeface="Rajdhani"/>
+                <a:latin typeface="Rajdhani" panose="02000000000000000000"/>
+                <a:ea typeface="Rajdhani" panose="02000000000000000000"/>
+                <a:cs typeface="Rajdhani" panose="02000000000000000000"/>
+                <a:sym typeface="Rajdhani" panose="02000000000000000000"/>
               </a:rPr>
               <a:t>y the end of </a:t>
             </a:r>
@@ -6540,10 +6454,10 @@
                 <a:solidFill>
                   <a:schemeClr val="lt2"/>
                 </a:solidFill>
-                <a:latin typeface="Rajdhani"/>
-                <a:ea typeface="Rajdhani"/>
-                <a:cs typeface="Rajdhani"/>
-                <a:sym typeface="Rajdhani"/>
+                <a:latin typeface="Rajdhani" panose="02000000000000000000"/>
+                <a:ea typeface="Rajdhani" panose="02000000000000000000"/>
+                <a:cs typeface="Rajdhani" panose="02000000000000000000"/>
+                <a:sym typeface="Rajdhani" panose="02000000000000000000"/>
               </a:rPr>
               <a:t>January</a:t>
             </a:r>
@@ -6551,10 +6465,10 @@
               <a:solidFill>
                 <a:schemeClr val="lt2"/>
               </a:solidFill>
-              <a:latin typeface="Rajdhani"/>
-              <a:ea typeface="Rajdhani"/>
-              <a:cs typeface="Rajdhani"/>
-              <a:sym typeface="Rajdhani"/>
+              <a:latin typeface="Rajdhani" panose="02000000000000000000"/>
+              <a:ea typeface="Rajdhani" panose="02000000000000000000"/>
+              <a:cs typeface="Rajdhani" panose="02000000000000000000"/>
+              <a:sym typeface="Rajdhani" panose="02000000000000000000"/>
             </a:endParaRPr>
           </a:p>
         </p:txBody>
@@ -6590,13 +6504,22 @@
                 <a:solidFill>
                   <a:schemeClr val="lt2"/>
                 </a:solidFill>
-                <a:latin typeface="Fira Sans Condensed Light"/>
-                <a:ea typeface="Fira Sans Condensed Light"/>
-                <a:cs typeface="Fira Sans Condensed Light"/>
-                <a:sym typeface="Fira Sans Condensed Light"/>
+                <a:latin typeface="Fira Sans Condensed Light" panose="020B0503050000020004"/>
+                <a:ea typeface="Fira Sans Condensed Light" panose="020B0503050000020004"/>
+                <a:cs typeface="Fira Sans Condensed Light" panose="020B0503050000020004"/>
+                <a:sym typeface="Fira Sans Condensed Light" panose="020B0503050000020004"/>
               </a:rPr>
               <a:t>Potentially add Whole exome in our system based on the information we gathered</a:t>
             </a:r>
+            <a:endParaRPr lang="en-US" dirty="0">
+              <a:solidFill>
+                <a:schemeClr val="lt2"/>
+              </a:solidFill>
+              <a:latin typeface="Fira Sans Condensed Light" panose="020B0503050000020004"/>
+              <a:ea typeface="Fira Sans Condensed Light" panose="020B0503050000020004"/>
+              <a:cs typeface="Fira Sans Condensed Light" panose="020B0503050000020004"/>
+              <a:sym typeface="Fira Sans Condensed Light" panose="020B0503050000020004"/>
+            </a:endParaRPr>
           </a:p>
         </p:txBody>
       </p:sp>
@@ -6639,10 +6562,10 @@
                 <a:solidFill>
                   <a:schemeClr val="lt2"/>
                 </a:solidFill>
-                <a:latin typeface="Fira Sans Condensed Light"/>
-                <a:ea typeface="Fira Sans Condensed Light"/>
-                <a:cs typeface="Fira Sans Condensed Light"/>
-                <a:sym typeface="Fira Sans Condensed Light"/>
+                <a:latin typeface="Fira Sans Condensed Light" panose="020B0503050000020004"/>
+                <a:ea typeface="Fira Sans Condensed Light" panose="020B0503050000020004"/>
+                <a:cs typeface="Fira Sans Condensed Light" panose="020B0503050000020004"/>
+                <a:sym typeface="Fira Sans Condensed Light" panose="020B0503050000020004"/>
               </a:rPr>
               <a:t>Implement at least 60 % of the web application</a:t>
             </a:r>
@@ -6650,10 +6573,10 @@
               <a:solidFill>
                 <a:schemeClr val="lt2"/>
               </a:solidFill>
-              <a:latin typeface="Fira Sans Condensed Light"/>
-              <a:ea typeface="Fira Sans Condensed Light"/>
-              <a:cs typeface="Fira Sans Condensed Light"/>
-              <a:sym typeface="Fira Sans Condensed Light"/>
+              <a:latin typeface="Fira Sans Condensed Light" panose="020B0503050000020004"/>
+              <a:ea typeface="Fira Sans Condensed Light" panose="020B0503050000020004"/>
+              <a:cs typeface="Fira Sans Condensed Light" panose="020B0503050000020004"/>
+              <a:sym typeface="Fira Sans Condensed Light" panose="020B0503050000020004"/>
             </a:endParaRPr>
           </a:p>
         </p:txBody>
@@ -6689,13 +6612,22 @@
                 <a:solidFill>
                   <a:schemeClr val="lt2"/>
                 </a:solidFill>
-                <a:latin typeface="Fira Sans Condensed Light"/>
-                <a:ea typeface="Fira Sans Condensed Light"/>
-                <a:cs typeface="Fira Sans Condensed Light"/>
-                <a:sym typeface="Fira Sans Condensed Light"/>
+                <a:latin typeface="Fira Sans Condensed Light" panose="020B0503050000020004"/>
+                <a:ea typeface="Fira Sans Condensed Light" panose="020B0503050000020004"/>
+                <a:cs typeface="Fira Sans Condensed Light" panose="020B0503050000020004"/>
+                <a:sym typeface="Fira Sans Condensed Light" panose="020B0503050000020004"/>
               </a:rPr>
               <a:t>Prove that if is at least a relevance or kinship degree </a:t>
             </a:r>
+            <a:endParaRPr lang="en-US" dirty="0">
+              <a:solidFill>
+                <a:schemeClr val="lt2"/>
+              </a:solidFill>
+              <a:latin typeface="Fira Sans Condensed Light" panose="020B0503050000020004"/>
+              <a:ea typeface="Fira Sans Condensed Light" panose="020B0503050000020004"/>
+              <a:cs typeface="Fira Sans Condensed Light" panose="020B0503050000020004"/>
+              <a:sym typeface="Fira Sans Condensed Light" panose="020B0503050000020004"/>
+            </a:endParaRPr>
           </a:p>
         </p:txBody>
       </p:sp>
@@ -6726,14 +6658,14 @@
           <a:p>
             <a:pPr lvl="0" algn="r"/>
             <a:r>
-              <a:rPr lang="en" sz="2400" b="1" dirty="0">
+              <a:rPr lang="en-GB" sz="2400" b="1" dirty="0">
                 <a:solidFill>
                   <a:schemeClr val="lt2"/>
                 </a:solidFill>
-                <a:latin typeface="Rajdhani"/>
-                <a:ea typeface="Rajdhani"/>
-                <a:cs typeface="Rajdhani"/>
-                <a:sym typeface="Rajdhani"/>
+                <a:latin typeface="Rajdhani" panose="02000000000000000000"/>
+                <a:ea typeface="Rajdhani" panose="02000000000000000000"/>
+                <a:cs typeface="Rajdhani" panose="02000000000000000000"/>
+                <a:sym typeface="Rajdhani" panose="02000000000000000000"/>
               </a:rPr>
               <a:t>By the end of </a:t>
             </a:r>
@@ -6742,10 +6674,10 @@
                 <a:solidFill>
                   <a:schemeClr val="lt2"/>
                 </a:solidFill>
-                <a:latin typeface="Rajdhani"/>
-                <a:ea typeface="Rajdhani"/>
-                <a:cs typeface="Rajdhani"/>
-                <a:sym typeface="Rajdhani"/>
+                <a:latin typeface="Rajdhani" panose="02000000000000000000"/>
+                <a:ea typeface="Rajdhani" panose="02000000000000000000"/>
+                <a:cs typeface="Rajdhani" panose="02000000000000000000"/>
+                <a:sym typeface="Rajdhani" panose="02000000000000000000"/>
               </a:rPr>
               <a:t>February</a:t>
             </a:r>
@@ -6753,10 +6685,10 @@
               <a:solidFill>
                 <a:schemeClr val="lt2"/>
               </a:solidFill>
-              <a:latin typeface="Rajdhani"/>
-              <a:ea typeface="Rajdhani"/>
-              <a:cs typeface="Rajdhani"/>
-              <a:sym typeface="Rajdhani"/>
+              <a:latin typeface="Rajdhani" panose="02000000000000000000"/>
+              <a:ea typeface="Rajdhani" panose="02000000000000000000"/>
+              <a:cs typeface="Rajdhani" panose="02000000000000000000"/>
+              <a:sym typeface="Rajdhani" panose="02000000000000000000"/>
             </a:endParaRPr>
           </a:p>
         </p:txBody>
@@ -6800,22 +6732,22 @@
                 <a:solidFill>
                   <a:schemeClr val="lt2"/>
                 </a:solidFill>
-                <a:latin typeface="Rajdhani"/>
-                <a:ea typeface="Rajdhani"/>
-                <a:cs typeface="Rajdhani"/>
-                <a:sym typeface="Rajdhani"/>
+                <a:latin typeface="Rajdhani" panose="02000000000000000000"/>
+                <a:ea typeface="Rajdhani" panose="02000000000000000000"/>
+                <a:cs typeface="Rajdhani" panose="02000000000000000000"/>
+                <a:sym typeface="Rajdhani" panose="02000000000000000000"/>
               </a:rPr>
               <a:t>B</a:t>
             </a:r>
             <a:r>
-              <a:rPr lang="en" sz="2400" b="1" dirty="0">
+              <a:rPr lang="en-GB" sz="2400" b="1" dirty="0">
                 <a:solidFill>
                   <a:schemeClr val="lt2"/>
                 </a:solidFill>
-                <a:latin typeface="Rajdhani"/>
-                <a:ea typeface="Rajdhani"/>
-                <a:cs typeface="Rajdhani"/>
-                <a:sym typeface="Rajdhani"/>
+                <a:latin typeface="Rajdhani" panose="02000000000000000000"/>
+                <a:ea typeface="Rajdhani" panose="02000000000000000000"/>
+                <a:cs typeface="Rajdhani" panose="02000000000000000000"/>
+                <a:sym typeface="Rajdhani" panose="02000000000000000000"/>
               </a:rPr>
               <a:t>efore the end of Februrary </a:t>
             </a:r>
@@ -6823,10 +6755,10 @@
               <a:solidFill>
                 <a:schemeClr val="lt2"/>
               </a:solidFill>
-              <a:latin typeface="Rajdhani"/>
-              <a:ea typeface="Rajdhani"/>
-              <a:cs typeface="Rajdhani"/>
-              <a:sym typeface="Rajdhani"/>
+              <a:latin typeface="Rajdhani" panose="02000000000000000000"/>
+              <a:ea typeface="Rajdhani" panose="02000000000000000000"/>
+              <a:cs typeface="Rajdhani" panose="02000000000000000000"/>
+              <a:sym typeface="Rajdhani" panose="02000000000000000000"/>
             </a:endParaRPr>
           </a:p>
         </p:txBody>
@@ -6862,13 +6794,22 @@
                 <a:solidFill>
                   <a:schemeClr val="lt2"/>
                 </a:solidFill>
-                <a:latin typeface="Rajdhani"/>
-                <a:ea typeface="Rajdhani"/>
-                <a:cs typeface="Rajdhani"/>
-                <a:sym typeface="Rajdhani"/>
+                <a:latin typeface="Rajdhani" panose="02000000000000000000"/>
+                <a:ea typeface="Rajdhani" panose="02000000000000000000"/>
+                <a:cs typeface="Rajdhani" panose="02000000000000000000"/>
+                <a:sym typeface="Rajdhani" panose="02000000000000000000"/>
               </a:rPr>
               <a:t>Start by the end of February</a:t>
             </a:r>
+            <a:endParaRPr lang="en-US" sz="2400" b="1" dirty="0">
+              <a:solidFill>
+                <a:schemeClr val="lt2"/>
+              </a:solidFill>
+              <a:latin typeface="Rajdhani" panose="02000000000000000000"/>
+              <a:ea typeface="Rajdhani" panose="02000000000000000000"/>
+              <a:cs typeface="Rajdhani" panose="02000000000000000000"/>
+              <a:sym typeface="Rajdhani" panose="02000000000000000000"/>
+            </a:endParaRPr>
           </a:p>
         </p:txBody>
       </p:sp>
@@ -7016,10 +6957,10 @@
                 <a:solidFill>
                   <a:schemeClr val="lt2"/>
                 </a:solidFill>
-                <a:latin typeface="Rajdhani"/>
-                <a:ea typeface="Rajdhani"/>
-                <a:cs typeface="Rajdhani"/>
-                <a:sym typeface="Rajdhani"/>
+                <a:latin typeface="Rajdhani" panose="02000000000000000000"/>
+                <a:ea typeface="Rajdhani" panose="02000000000000000000"/>
+                <a:cs typeface="Rajdhani" panose="02000000000000000000"/>
+                <a:sym typeface="Rajdhani" panose="02000000000000000000"/>
               </a:rPr>
               <a:t>13/1/2022</a:t>
             </a:r>
@@ -7027,10 +6968,10 @@
               <a:solidFill>
                 <a:schemeClr val="lt2"/>
               </a:solidFill>
-              <a:latin typeface="Rajdhani"/>
-              <a:ea typeface="Rajdhani"/>
-              <a:cs typeface="Rajdhani"/>
-              <a:sym typeface="Rajdhani"/>
+              <a:latin typeface="Rajdhani" panose="02000000000000000000"/>
+              <a:ea typeface="Rajdhani" panose="02000000000000000000"/>
+              <a:cs typeface="Rajdhani" panose="02000000000000000000"/>
+              <a:sym typeface="Rajdhani" panose="02000000000000000000"/>
             </a:endParaRPr>
           </a:p>
         </p:txBody>
@@ -7066,10 +7007,10 @@
                 <a:solidFill>
                   <a:schemeClr val="lt2"/>
                 </a:solidFill>
-                <a:latin typeface="Fira Sans Condensed Light"/>
-                <a:ea typeface="Fira Sans Condensed Light"/>
-                <a:cs typeface="Fira Sans Condensed Light"/>
-                <a:sym typeface="Fira Sans Condensed Light"/>
+                <a:latin typeface="Fira Sans Condensed Light" panose="020B0503050000020004"/>
+                <a:ea typeface="Fira Sans Condensed Light" panose="020B0503050000020004"/>
+                <a:cs typeface="Fira Sans Condensed Light" panose="020B0503050000020004"/>
+                <a:sym typeface="Fira Sans Condensed Light" panose="020B0503050000020004"/>
               </a:rPr>
               <a:t>Enhance everything we implemented so far</a:t>
             </a:r>
@@ -7077,10 +7018,10 @@
               <a:solidFill>
                 <a:schemeClr val="lt2"/>
               </a:solidFill>
-              <a:latin typeface="Fira Sans Condensed Light"/>
-              <a:ea typeface="Fira Sans Condensed Light"/>
-              <a:cs typeface="Fira Sans Condensed Light"/>
-              <a:sym typeface="Fira Sans Condensed Light"/>
+              <a:latin typeface="Fira Sans Condensed Light" panose="020B0503050000020004"/>
+              <a:ea typeface="Fira Sans Condensed Light" panose="020B0503050000020004"/>
+              <a:cs typeface="Fira Sans Condensed Light" panose="020B0503050000020004"/>
+              <a:sym typeface="Fira Sans Condensed Light" panose="020B0503050000020004"/>
             </a:endParaRPr>
           </a:p>
         </p:txBody>
@@ -7167,24 +7108,19 @@
             <a:pPr marL="0" lvl="0" indent="0" algn="l"/>
             <a:r>
               <a:rPr lang="en-US" sz="3200" b="1" dirty="0">
-                <a:latin typeface="Rajdhani" panose="020B0604020202020204" charset="0"/>
-                <a:cs typeface="Rajdhani" panose="020B0604020202020204" charset="0"/>
+                <a:latin typeface="Rajdhani" panose="02000000000000000000" charset="0"/>
+                <a:cs typeface="Rajdhani" panose="02000000000000000000" charset="0"/>
               </a:rPr>
               <a:t>Live Demo</a:t>
             </a:r>
             <a:endParaRPr sz="3200" b="1" dirty="0">
-              <a:latin typeface="Rajdhani" panose="020B0604020202020204" charset="0"/>
-              <a:cs typeface="Rajdhani" panose="020B0604020202020204" charset="0"/>
+              <a:latin typeface="Rajdhani" panose="02000000000000000000" charset="0"/>
+              <a:cs typeface="Rajdhani" panose="02000000000000000000" charset="0"/>
             </a:endParaRPr>
           </a:p>
         </p:txBody>
       </p:sp>
     </p:spTree>
-    <p:extLst>
-      <p:ext uri="{BB962C8B-B14F-4D97-AF65-F5344CB8AC3E}">
-        <p14:creationId xmlns:p14="http://schemas.microsoft.com/office/powerpoint/2010/main" val="3242247357"/>
-      </p:ext>
-    </p:extLst>
   </p:cSld>
   <p:clrMapOvr>
     <a:masterClrMapping/>
@@ -7215,9 +7151,7 @@
       <p:sp>
         <p:nvSpPr>
           <p:cNvPr id="4" name="Google Shape;1768;p46"/>
-          <p:cNvSpPr txBox="1">
-            <a:spLocks/>
-          </p:cNvSpPr>
+          <p:cNvSpPr txBox="1"/>
           <p:nvPr/>
         </p:nvSpPr>
         <p:spPr>
@@ -7263,16 +7197,16 @@
                 <a:schemeClr val="lt2"/>
               </a:buClr>
               <a:buSzPts val="1400"/>
-              <a:buFont typeface="Rajdhani"/>
+              <a:buFont typeface="Rajdhani" panose="02000000000000000000"/>
               <a:buNone/>
               <a:defRPr sz="4800" b="1" i="0" u="none" strike="noStrike" cap="none">
                 <a:solidFill>
                   <a:schemeClr val="lt2"/>
                 </a:solidFill>
-                <a:latin typeface="Rajdhani"/>
-                <a:ea typeface="Rajdhani"/>
-                <a:cs typeface="Rajdhani"/>
-                <a:sym typeface="Rajdhani"/>
+                <a:latin typeface="Rajdhani" panose="02000000000000000000"/>
+                <a:ea typeface="Rajdhani" panose="02000000000000000000"/>
+                <a:cs typeface="Rajdhani" panose="02000000000000000000"/>
+                <a:sym typeface="Rajdhani" panose="02000000000000000000"/>
               </a:defRPr>
             </a:lvl1pPr>
             <a:lvl2pPr marR="0" lvl="1" algn="l" rtl="0">
@@ -7289,16 +7223,16 @@
                 <a:schemeClr val="lt2"/>
               </a:buClr>
               <a:buSzPts val="1400"/>
-              <a:buFont typeface="Rajdhani"/>
+              <a:buFont typeface="Rajdhani" panose="02000000000000000000"/>
               <a:buNone/>
               <a:defRPr sz="1400" b="1" i="0" u="none" strike="noStrike" cap="none">
                 <a:solidFill>
                   <a:schemeClr val="lt2"/>
                 </a:solidFill>
-                <a:latin typeface="Rajdhani"/>
-                <a:ea typeface="Rajdhani"/>
-                <a:cs typeface="Rajdhani"/>
-                <a:sym typeface="Rajdhani"/>
+                <a:latin typeface="Rajdhani" panose="02000000000000000000"/>
+                <a:ea typeface="Rajdhani" panose="02000000000000000000"/>
+                <a:cs typeface="Rajdhani" panose="02000000000000000000"/>
+                <a:sym typeface="Rajdhani" panose="02000000000000000000"/>
               </a:defRPr>
             </a:lvl2pPr>
             <a:lvl3pPr marR="0" lvl="2" algn="l" rtl="0">
@@ -7315,16 +7249,16 @@
                 <a:schemeClr val="lt2"/>
               </a:buClr>
               <a:buSzPts val="1400"/>
-              <a:buFont typeface="Rajdhani"/>
+              <a:buFont typeface="Rajdhani" panose="02000000000000000000"/>
               <a:buNone/>
               <a:defRPr sz="1400" b="1" i="0" u="none" strike="noStrike" cap="none">
                 <a:solidFill>
                   <a:schemeClr val="lt2"/>
                 </a:solidFill>
-                <a:latin typeface="Rajdhani"/>
-                <a:ea typeface="Rajdhani"/>
-                <a:cs typeface="Rajdhani"/>
-                <a:sym typeface="Rajdhani"/>
+                <a:latin typeface="Rajdhani" panose="02000000000000000000"/>
+                <a:ea typeface="Rajdhani" panose="02000000000000000000"/>
+                <a:cs typeface="Rajdhani" panose="02000000000000000000"/>
+                <a:sym typeface="Rajdhani" panose="02000000000000000000"/>
               </a:defRPr>
             </a:lvl3pPr>
             <a:lvl4pPr marR="0" lvl="3" algn="l" rtl="0">
@@ -7341,16 +7275,16 @@
                 <a:schemeClr val="lt2"/>
               </a:buClr>
               <a:buSzPts val="1400"/>
-              <a:buFont typeface="Rajdhani"/>
+              <a:buFont typeface="Rajdhani" panose="02000000000000000000"/>
               <a:buNone/>
               <a:defRPr sz="1400" b="1" i="0" u="none" strike="noStrike" cap="none">
                 <a:solidFill>
                   <a:schemeClr val="lt2"/>
                 </a:solidFill>
-                <a:latin typeface="Rajdhani"/>
-                <a:ea typeface="Rajdhani"/>
-                <a:cs typeface="Rajdhani"/>
-                <a:sym typeface="Rajdhani"/>
+                <a:latin typeface="Rajdhani" panose="02000000000000000000"/>
+                <a:ea typeface="Rajdhani" panose="02000000000000000000"/>
+                <a:cs typeface="Rajdhani" panose="02000000000000000000"/>
+                <a:sym typeface="Rajdhani" panose="02000000000000000000"/>
               </a:defRPr>
             </a:lvl4pPr>
             <a:lvl5pPr marR="0" lvl="4" algn="l" rtl="0">
@@ -7367,16 +7301,16 @@
                 <a:schemeClr val="lt2"/>
               </a:buClr>
               <a:buSzPts val="1400"/>
-              <a:buFont typeface="Rajdhani"/>
+              <a:buFont typeface="Rajdhani" panose="02000000000000000000"/>
               <a:buNone/>
               <a:defRPr sz="1400" b="1" i="0" u="none" strike="noStrike" cap="none">
                 <a:solidFill>
                   <a:schemeClr val="lt2"/>
                 </a:solidFill>
-                <a:latin typeface="Rajdhani"/>
-                <a:ea typeface="Rajdhani"/>
-                <a:cs typeface="Rajdhani"/>
-                <a:sym typeface="Rajdhani"/>
+                <a:latin typeface="Rajdhani" panose="02000000000000000000"/>
+                <a:ea typeface="Rajdhani" panose="02000000000000000000"/>
+                <a:cs typeface="Rajdhani" panose="02000000000000000000"/>
+                <a:sym typeface="Rajdhani" panose="02000000000000000000"/>
               </a:defRPr>
             </a:lvl5pPr>
             <a:lvl6pPr marR="0" lvl="5" algn="l" rtl="0">
@@ -7393,16 +7327,16 @@
                 <a:schemeClr val="lt2"/>
               </a:buClr>
               <a:buSzPts val="1400"/>
-              <a:buFont typeface="Rajdhani"/>
+              <a:buFont typeface="Rajdhani" panose="02000000000000000000"/>
               <a:buNone/>
               <a:defRPr sz="1400" b="1" i="0" u="none" strike="noStrike" cap="none">
                 <a:solidFill>
                   <a:schemeClr val="lt2"/>
                 </a:solidFill>
-                <a:latin typeface="Rajdhani"/>
-                <a:ea typeface="Rajdhani"/>
-                <a:cs typeface="Rajdhani"/>
-                <a:sym typeface="Rajdhani"/>
+                <a:latin typeface="Rajdhani" panose="02000000000000000000"/>
+                <a:ea typeface="Rajdhani" panose="02000000000000000000"/>
+                <a:cs typeface="Rajdhani" panose="02000000000000000000"/>
+                <a:sym typeface="Rajdhani" panose="02000000000000000000"/>
               </a:defRPr>
             </a:lvl6pPr>
             <a:lvl7pPr marR="0" lvl="6" algn="l" rtl="0">
@@ -7419,16 +7353,16 @@
                 <a:schemeClr val="lt2"/>
               </a:buClr>
               <a:buSzPts val="1400"/>
-              <a:buFont typeface="Rajdhani"/>
+              <a:buFont typeface="Rajdhani" panose="02000000000000000000"/>
               <a:buNone/>
               <a:defRPr sz="1400" b="1" i="0" u="none" strike="noStrike" cap="none">
                 <a:solidFill>
                   <a:schemeClr val="lt2"/>
                 </a:solidFill>
-                <a:latin typeface="Rajdhani"/>
-                <a:ea typeface="Rajdhani"/>
-                <a:cs typeface="Rajdhani"/>
-                <a:sym typeface="Rajdhani"/>
+                <a:latin typeface="Rajdhani" panose="02000000000000000000"/>
+                <a:ea typeface="Rajdhani" panose="02000000000000000000"/>
+                <a:cs typeface="Rajdhani" panose="02000000000000000000"/>
+                <a:sym typeface="Rajdhani" panose="02000000000000000000"/>
               </a:defRPr>
             </a:lvl7pPr>
             <a:lvl8pPr marR="0" lvl="7" algn="l" rtl="0">
@@ -7445,16 +7379,16 @@
                 <a:schemeClr val="lt2"/>
               </a:buClr>
               <a:buSzPts val="1400"/>
-              <a:buFont typeface="Rajdhani"/>
+              <a:buFont typeface="Rajdhani" panose="02000000000000000000"/>
               <a:buNone/>
               <a:defRPr sz="1400" b="1" i="0" u="none" strike="noStrike" cap="none">
                 <a:solidFill>
                   <a:schemeClr val="lt2"/>
                 </a:solidFill>
-                <a:latin typeface="Rajdhani"/>
-                <a:ea typeface="Rajdhani"/>
-                <a:cs typeface="Rajdhani"/>
-                <a:sym typeface="Rajdhani"/>
+                <a:latin typeface="Rajdhani" panose="02000000000000000000"/>
+                <a:ea typeface="Rajdhani" panose="02000000000000000000"/>
+                <a:cs typeface="Rajdhani" panose="02000000000000000000"/>
+                <a:sym typeface="Rajdhani" panose="02000000000000000000"/>
               </a:defRPr>
             </a:lvl8pPr>
             <a:lvl9pPr marR="0" lvl="8" algn="l" rtl="0">
@@ -7471,16 +7405,16 @@
                 <a:schemeClr val="lt2"/>
               </a:buClr>
               <a:buSzPts val="1400"/>
-              <a:buFont typeface="Rajdhani"/>
+              <a:buFont typeface="Rajdhani" panose="02000000000000000000"/>
               <a:buNone/>
               <a:defRPr sz="1400" b="1" i="0" u="none" strike="noStrike" cap="none">
                 <a:solidFill>
                   <a:schemeClr val="lt2"/>
                 </a:solidFill>
-                <a:latin typeface="Rajdhani"/>
-                <a:ea typeface="Rajdhani"/>
-                <a:cs typeface="Rajdhani"/>
-                <a:sym typeface="Rajdhani"/>
+                <a:latin typeface="Rajdhani" panose="02000000000000000000"/>
+                <a:ea typeface="Rajdhani" panose="02000000000000000000"/>
+                <a:cs typeface="Rajdhani" panose="02000000000000000000"/>
+                <a:sym typeface="Rajdhani" panose="02000000000000000000"/>
               </a:defRPr>
             </a:lvl9pPr>
           </a:lstStyle>
@@ -7488,8 +7422,9 @@
             <a:pPr algn="ctr"/>
             <a:r>
               <a:rPr lang="en-US" dirty="0"/>
-              <a:t>THANKS!</a:t>
+              <a:t>THANK YOU</a:t>
             </a:r>
+            <a:endParaRPr lang="en-US" dirty="0"/>
           </a:p>
         </p:txBody>
       </p:sp>
@@ -7529,11 +7464,11 @@
                 <a:schemeClr val="dk1"/>
               </a:buClr>
               <a:buSzPts val="1100"/>
-              <a:buFont typeface="Arial"/>
+              <a:buFont typeface="Arial" panose="020B0604020202020204"/>
               <a:buNone/>
             </a:pPr>
             <a:r>
-              <a:rPr lang="en" dirty="0"/>
+              <a:rPr lang="en-GB" dirty="0"/>
               <a:t>Do you have any questions?</a:t>
             </a:r>
             <a:endParaRPr dirty="0"/>
@@ -7550,7 +7485,7 @@
                 <a:schemeClr val="dk1"/>
               </a:buClr>
               <a:buSzPts val="1100"/>
-              <a:buFont typeface="Arial"/>
+              <a:buFont typeface="Arial" panose="020B0604020202020204"/>
               <a:buNone/>
             </a:pPr>
             <a:endParaRPr dirty="0"/>
@@ -7558,11 +7493,6 @@
         </p:txBody>
       </p:sp>
     </p:spTree>
-    <p:extLst>
-      <p:ext uri="{BB962C8B-B14F-4D97-AF65-F5344CB8AC3E}">
-        <p14:creationId xmlns:p14="http://schemas.microsoft.com/office/powerpoint/2010/main" val="503363841"/>
-      </p:ext>
-    </p:extLst>
   </p:cSld>
   <p:clrMapOvr>
     <a:masterClrMapping/>
@@ -7579,9 +7509,7 @@
     <p:bg>
       <p:bgPr>
         <a:blipFill>
-          <a:blip r:embed="rId3">
-            <a:alphaModFix/>
-          </a:blip>
+          <a:blip r:embed="rId1"/>
           <a:stretch>
             <a:fillRect/>
           </a:stretch>
@@ -7638,7 +7566,7 @@
               <a:buNone/>
             </a:pPr>
             <a:r>
-              <a:rPr lang="en" sz="3000" dirty="0"/>
+              <a:rPr lang="en-GB" sz="3000" dirty="0"/>
               <a:t>Agenda</a:t>
             </a:r>
             <a:endParaRPr sz="3000" dirty="0"/>
@@ -7686,6 +7614,7 @@
               <a:rPr lang="en-US" sz="2000" dirty="0"/>
               <a:t>Introduction</a:t>
             </a:r>
+            <a:endParaRPr lang="en-US" sz="2000" dirty="0"/>
           </a:p>
           <a:p>
             <a:pPr>
@@ -7699,6 +7628,7 @@
               <a:rPr lang="en-US" sz="2000" dirty="0"/>
               <a:t>Problem Statement</a:t>
             </a:r>
+            <a:endParaRPr lang="en-US" sz="2000" dirty="0"/>
           </a:p>
           <a:p>
             <a:pPr>
@@ -7712,6 +7642,7 @@
               <a:rPr lang="en-US" sz="2000" dirty="0"/>
               <a:t>Our Objectives</a:t>
             </a:r>
+            <a:endParaRPr lang="en-US" sz="2000" dirty="0"/>
           </a:p>
           <a:p>
             <a:pPr>
@@ -7725,6 +7656,7 @@
               <a:rPr lang="en-US" sz="2000" dirty="0"/>
               <a:t>System Overview</a:t>
             </a:r>
+            <a:endParaRPr lang="en-US" sz="2000" dirty="0"/>
           </a:p>
           <a:p>
             <a:pPr>
@@ -7738,6 +7670,7 @@
               <a:rPr lang="en-US" sz="2000" dirty="0"/>
               <a:t>Use-case Diagram</a:t>
             </a:r>
+            <a:endParaRPr lang="en-US" sz="2000" dirty="0"/>
           </a:p>
           <a:p>
             <a:pPr>
@@ -7751,6 +7684,7 @@
               <a:rPr lang="en-US" sz="2000" dirty="0"/>
               <a:t>Functional Requirements</a:t>
             </a:r>
+            <a:endParaRPr lang="en-US" sz="2000" dirty="0"/>
           </a:p>
           <a:p>
             <a:pPr>
@@ -7764,6 +7698,7 @@
               <a:rPr lang="en-US" sz="2000" dirty="0"/>
               <a:t>Non-Functional Requirements</a:t>
             </a:r>
+            <a:endParaRPr lang="en-US" sz="2000" dirty="0"/>
           </a:p>
           <a:p>
             <a:pPr>
@@ -7777,6 +7712,7 @@
               <a:rPr lang="en-US" sz="2000" dirty="0"/>
               <a:t>Class Diagrams</a:t>
             </a:r>
+            <a:endParaRPr lang="en-US" sz="2000" dirty="0"/>
           </a:p>
           <a:p>
             <a:pPr>
@@ -7790,6 +7726,7 @@
               <a:rPr lang="en-US" sz="2000" dirty="0"/>
               <a:t>Data Design (Database &amp; Dataset)</a:t>
             </a:r>
+            <a:endParaRPr lang="en-US" sz="2000" dirty="0"/>
           </a:p>
           <a:p>
             <a:pPr>
@@ -7803,6 +7740,7 @@
               <a:rPr lang="en-US" sz="2000" dirty="0"/>
               <a:t>Time plan</a:t>
             </a:r>
+            <a:endParaRPr lang="en-US" sz="2000" dirty="0"/>
           </a:p>
           <a:p>
             <a:pPr>
@@ -7816,6 +7754,7 @@
               <a:rPr lang="en-US" sz="2000" dirty="0"/>
               <a:t>Live Demo</a:t>
             </a:r>
+            <a:endParaRPr lang="en-US" sz="2000" dirty="0"/>
           </a:p>
           <a:p>
             <a:pPr marL="0" lvl="0" indent="0" algn="l" rtl="0">
@@ -7868,9 +7807,7 @@
     <p:bg>
       <p:bgPr>
         <a:blipFill>
-          <a:blip r:embed="rId3">
-            <a:alphaModFix/>
-          </a:blip>
+          <a:blip r:embed="rId1"/>
           <a:stretch>
             <a:fillRect/>
           </a:stretch>
@@ -7918,7 +7855,7 @@
                 <a:solidFill>
                   <a:srgbClr val="FFFFFF"/>
                 </a:solidFill>
-                <a:latin typeface="Fira Sans Condensed Light" panose="020B0604020202020204" charset="0"/>
+                <a:latin typeface="Fira Sans Condensed Light" panose="020B0503050000020004" charset="0"/>
               </a:rPr>
             </a:br>
             <a:r>
@@ -7926,10 +7863,16 @@
                 <a:solidFill>
                   <a:srgbClr val="FFFFFF"/>
                 </a:solidFill>
-                <a:latin typeface="Fira Sans Condensed Light" panose="020B0604020202020204" charset="0"/>
+                <a:latin typeface="Fira Sans Condensed Light" panose="020B0503050000020004" charset="0"/>
               </a:rPr>
               <a:t>DNA</a:t>
             </a:r>
+            <a:endParaRPr lang="en-US" spc="-1" dirty="0">
+              <a:solidFill>
+                <a:srgbClr val="FFFFFF"/>
+              </a:solidFill>
+              <a:latin typeface="Fira Sans Condensed Light" panose="020B0503050000020004" charset="0"/>
+            </a:endParaRPr>
           </a:p>
           <a:p>
             <a:r>
@@ -7945,17 +7888,15 @@
                 <a:solidFill>
                   <a:schemeClr val="tx2"/>
                 </a:solidFill>
-                <a:latin typeface="Fira Sans Condensed Light" panose="020B0604020202020204" charset="0"/>
+                <a:latin typeface="Fira Sans Condensed Light" panose="020B0503050000020004" charset="0"/>
               </a:rPr>
               <a:t> </a:t>
             </a:r>
-          </a:p>
-          <a:p>
             <a:endParaRPr lang="en-US" spc="-1" dirty="0">
               <a:solidFill>
-                <a:srgbClr val="FFFFFF"/>
+                <a:schemeClr val="tx2"/>
               </a:solidFill>
-              <a:latin typeface="Fira Sans Condensed Light" panose="020B0604020202020204" charset="0"/>
+              <a:latin typeface="Fira Sans Condensed Light" panose="020B0503050000020004" charset="0"/>
             </a:endParaRPr>
           </a:p>
           <a:p>
@@ -7963,7 +7904,7 @@
               <a:solidFill>
                 <a:srgbClr val="FFFFFF"/>
               </a:solidFill>
-              <a:latin typeface="Fira Sans Condensed Light" panose="020B0604020202020204" charset="0"/>
+              <a:latin typeface="Fira Sans Condensed Light" panose="020B0503050000020004" charset="0"/>
             </a:endParaRPr>
           </a:p>
           <a:p>
@@ -7971,7 +7912,15 @@
               <a:solidFill>
                 <a:srgbClr val="FFFFFF"/>
               </a:solidFill>
-              <a:latin typeface="Fira Sans Condensed Light" panose="020B0604020202020204" charset="0"/>
+              <a:latin typeface="Fira Sans Condensed Light" panose="020B0503050000020004" charset="0"/>
+            </a:endParaRPr>
+          </a:p>
+          <a:p>
+            <a:endParaRPr lang="en-US" spc="-1" dirty="0">
+              <a:solidFill>
+                <a:srgbClr val="FFFFFF"/>
+              </a:solidFill>
+              <a:latin typeface="Fira Sans Condensed Light" panose="020B0503050000020004" charset="0"/>
             </a:endParaRPr>
           </a:p>
           <a:p>
@@ -7980,17 +7929,15 @@
                 <a:solidFill>
                   <a:srgbClr val="FFFFFF"/>
                 </a:solidFill>
-                <a:latin typeface="Fira Sans Condensed Light" panose="020B0604020202020204" charset="0"/>
+                <a:latin typeface="Fira Sans Condensed Light" panose="020B0503050000020004" charset="0"/>
               </a:rPr>
               <a:t>Genes →Genes are passed from parents to offspring and contain the information needed to specify traits(qualities). Genes contains a subset of the DNA and this subset is (A, T, C, G).  </a:t>
             </a:r>
-          </a:p>
-          <a:p>
             <a:endParaRPr lang="en-US" spc="-1" dirty="0">
               <a:solidFill>
                 <a:srgbClr val="FFFFFF"/>
               </a:solidFill>
-              <a:latin typeface="Fira Sans Condensed Light" panose="020B0604020202020204" charset="0"/>
+              <a:latin typeface="Fira Sans Condensed Light" panose="020B0503050000020004" charset="0"/>
             </a:endParaRPr>
           </a:p>
           <a:p>
@@ -7998,7 +7945,7 @@
               <a:solidFill>
                 <a:srgbClr val="FFFFFF"/>
               </a:solidFill>
-              <a:latin typeface="Fira Sans Condensed Light" panose="020B0604020202020204" charset="0"/>
+              <a:latin typeface="Fira Sans Condensed Light" panose="020B0503050000020004" charset="0"/>
             </a:endParaRPr>
           </a:p>
           <a:p>
@@ -8006,7 +7953,7 @@
               <a:solidFill>
                 <a:srgbClr val="FFFFFF"/>
               </a:solidFill>
-              <a:latin typeface="Fira Sans Condensed Light" panose="020B0604020202020204" charset="0"/>
+              <a:latin typeface="Fira Sans Condensed Light" panose="020B0503050000020004" charset="0"/>
             </a:endParaRPr>
           </a:p>
           <a:p>
@@ -8014,7 +7961,15 @@
               <a:solidFill>
                 <a:srgbClr val="FFFFFF"/>
               </a:solidFill>
-              <a:latin typeface="Fira Sans Condensed Light" panose="020B0604020202020204" charset="0"/>
+              <a:latin typeface="Fira Sans Condensed Light" panose="020B0503050000020004" charset="0"/>
+            </a:endParaRPr>
+          </a:p>
+          <a:p>
+            <a:endParaRPr lang="en-US" spc="-1" dirty="0">
+              <a:solidFill>
+                <a:srgbClr val="FFFFFF"/>
+              </a:solidFill>
+              <a:latin typeface="Fira Sans Condensed Light" panose="020B0503050000020004" charset="0"/>
             </a:endParaRPr>
           </a:p>
         </p:txBody>
@@ -8055,8 +8010,8 @@
             </a:pPr>
             <a:r>
               <a:rPr lang="en-US" sz="3200" b="1" dirty="0">
-                <a:latin typeface="Rajdhani" panose="020B0604020202020204" charset="0"/>
-                <a:cs typeface="Rajdhani" panose="020B0604020202020204" charset="0"/>
+                <a:latin typeface="Rajdhani" panose="02000000000000000000" charset="0"/>
+                <a:cs typeface="Rajdhani" panose="02000000000000000000" charset="0"/>
               </a:rPr>
               <a:t>Introduction</a:t>
             </a:r>
@@ -8065,8 +8020,8 @@
               <a:t> </a:t>
             </a:r>
             <a:endParaRPr sz="3200" b="1" dirty="0">
-              <a:latin typeface="Rajdhani" panose="020B0604020202020204" charset="0"/>
-              <a:cs typeface="Rajdhani" panose="020B0604020202020204" charset="0"/>
+              <a:latin typeface="Rajdhani" panose="02000000000000000000" charset="0"/>
+              <a:cs typeface="Rajdhani" panose="02000000000000000000" charset="0"/>
             </a:endParaRPr>
           </a:p>
         </p:txBody>
@@ -8080,7 +8035,7 @@
           <p:nvPr/>
         </p:nvPicPr>
         <p:blipFill>
-          <a:blip r:embed="rId4">
+          <a:blip r:embed="rId2">
             <a:extLst>
               <a:ext uri="{28A0092B-C50C-407E-A947-70E740481C1C}">
                 <a14:useLocalDpi xmlns:a14="http://schemas.microsoft.com/office/drawing/2010/main" val="0"/>
@@ -8116,7 +8071,7 @@
           <p:nvPr/>
         </p:nvPicPr>
         <p:blipFill>
-          <a:blip r:embed="rId5">
+          <a:blip r:embed="rId3">
             <a:extLst>
               <a:ext uri="{28A0092B-C50C-407E-A947-70E740481C1C}">
                 <a14:useLocalDpi xmlns:a14="http://schemas.microsoft.com/office/drawing/2010/main" val="0"/>
@@ -8207,8 +8162,8 @@
             </a:pPr>
             <a:r>
               <a:rPr lang="en-US" sz="3200" b="1" dirty="0">
-                <a:latin typeface="Rajdhani" panose="020B0604020202020204" charset="0"/>
-                <a:cs typeface="Rajdhani" panose="020B0604020202020204" charset="0"/>
+                <a:latin typeface="Rajdhani" panose="02000000000000000000" charset="0"/>
+                <a:cs typeface="Rajdhani" panose="02000000000000000000" charset="0"/>
               </a:rPr>
               <a:t>Introduction</a:t>
             </a:r>
@@ -8218,14 +8173,14 @@
             </a:r>
             <a:r>
               <a:rPr lang="en-US" sz="3200" b="1" dirty="0">
-                <a:latin typeface="Rajdhani" panose="020B0604020202020204" charset="0"/>
-                <a:cs typeface="Rajdhani" panose="020B0604020202020204" charset="0"/>
+                <a:latin typeface="Rajdhani" panose="02000000000000000000" charset="0"/>
+                <a:cs typeface="Rajdhani" panose="02000000000000000000" charset="0"/>
               </a:rPr>
               <a:t>(cont.)</a:t>
             </a:r>
             <a:endParaRPr sz="3200" b="1" dirty="0">
-              <a:latin typeface="Rajdhani" panose="020B0604020202020204" charset="0"/>
-              <a:cs typeface="Rajdhani" panose="020B0604020202020204" charset="0"/>
+              <a:latin typeface="Rajdhani" panose="02000000000000000000" charset="0"/>
+              <a:cs typeface="Rajdhani" panose="02000000000000000000" charset="0"/>
             </a:endParaRPr>
           </a:p>
         </p:txBody>
@@ -8260,6 +8215,7 @@
               <a:rPr lang="en-US" sz="1800" dirty="0"/>
               <a:t>Whole genome </a:t>
             </a:r>
+            <a:endParaRPr lang="en-US" sz="1800" dirty="0"/>
           </a:p>
           <a:p>
             <a:pPr marL="0" indent="0"/>
@@ -8267,6 +8223,7 @@
               <a:rPr lang="en-US" sz="1800" dirty="0"/>
               <a:t>It is the whole DNA sequence that a human have in their system.</a:t>
             </a:r>
+            <a:endParaRPr lang="en-US" sz="1800" dirty="0"/>
           </a:p>
           <a:p>
             <a:pPr marL="0" indent="0"/>
@@ -8278,6 +8235,7 @@
               <a:rPr lang="en-US" sz="1800" dirty="0"/>
               <a:t>Whole exome</a:t>
             </a:r>
+            <a:endParaRPr lang="en-US" sz="1800" dirty="0"/>
           </a:p>
           <a:p>
             <a:pPr marL="0" indent="0"/>
@@ -8285,6 +8243,7 @@
               <a:rPr lang="en-US" sz="1800" dirty="0"/>
               <a:t>It is a part of the whole genome and makes up to 1.5% of it and it may reveal information about family relationships (ex: paternity test) </a:t>
             </a:r>
+            <a:endParaRPr lang="en-US" sz="1800" dirty="0"/>
           </a:p>
           <a:p>
             <a:pPr marL="0" lvl="0" indent="0" rtl="0">
@@ -8309,7 +8268,7 @@
           <p:nvPr/>
         </p:nvPicPr>
         <p:blipFill>
-          <a:blip r:embed="rId2">
+          <a:blip r:embed="rId1">
             <a:extLst>
               <a:ext uri="{28A0092B-C50C-407E-A947-70E740481C1C}">
                 <a14:useLocalDpi xmlns:a14="http://schemas.microsoft.com/office/drawing/2010/main" val="0"/>
@@ -8331,11 +8290,6 @@
         </p:spPr>
       </p:pic>
     </p:spTree>
-    <p:extLst>
-      <p:ext uri="{BB962C8B-B14F-4D97-AF65-F5344CB8AC3E}">
-        <p14:creationId xmlns:p14="http://schemas.microsoft.com/office/powerpoint/2010/main" val="3642802738"/>
-      </p:ext>
-    </p:extLst>
   </p:cSld>
   <p:clrMapOvr>
     <a:masterClrMapping/>
@@ -8399,14 +8353,14 @@
             </a:pPr>
             <a:r>
               <a:rPr lang="en-US" sz="3200" b="1" dirty="0">
-                <a:latin typeface="Rajdhani" panose="020B0604020202020204" charset="0"/>
-                <a:cs typeface="Rajdhani" panose="020B0604020202020204" charset="0"/>
+                <a:latin typeface="Rajdhani" panose="02000000000000000000" charset="0"/>
+                <a:cs typeface="Rajdhani" panose="02000000000000000000" charset="0"/>
               </a:rPr>
               <a:t>Introduction (cont.)</a:t>
             </a:r>
             <a:endParaRPr sz="3200" b="1" dirty="0">
-              <a:latin typeface="Rajdhani" panose="020B0604020202020204" charset="0"/>
-              <a:cs typeface="Rajdhani" panose="020B0604020202020204" charset="0"/>
+              <a:latin typeface="Rajdhani" panose="02000000000000000000" charset="0"/>
+              <a:cs typeface="Rajdhani" panose="02000000000000000000" charset="0"/>
             </a:endParaRPr>
           </a:p>
         </p:txBody>
@@ -8440,6 +8394,7 @@
               <a:rPr lang="en-US" sz="1800" dirty="0"/>
               <a:t>What is an rsNumebr?</a:t>
             </a:r>
+            <a:endParaRPr lang="en-US" sz="1800" dirty="0"/>
           </a:p>
           <a:p>
             <a:endParaRPr lang="en-US" sz="1800" dirty="0"/>
@@ -8450,6 +8405,7 @@
               <a:rPr lang="en-US" sz="1800" dirty="0"/>
               <a:t>It is a reference number to the gene we have that consists of two alleles (one from the father and the other from the mother).</a:t>
             </a:r>
+            <a:endParaRPr lang="en-US" sz="1800" dirty="0"/>
           </a:p>
           <a:p>
             <a:pPr marL="0" indent="0"/>
@@ -8457,6 +8413,7 @@
               <a:rPr lang="en-US" sz="1800" dirty="0"/>
               <a:t>EX: </a:t>
             </a:r>
+            <a:endParaRPr lang="en-US" sz="1800" dirty="0"/>
           </a:p>
         </p:txBody>
       </p:sp>
@@ -8466,13 +8423,7 @@
           <p:cNvGraphicFramePr>
             <a:graphicFrameLocks noGrp="1"/>
           </p:cNvGraphicFramePr>
-          <p:nvPr>
-            <p:extLst>
-              <p:ext uri="{D42A27DB-BD31-4B8C-83A1-F6EECF244321}">
-                <p14:modId xmlns:p14="http://schemas.microsoft.com/office/powerpoint/2010/main" val="628240548"/>
-              </p:ext>
-            </p:extLst>
-          </p:nvPr>
+          <p:nvPr/>
         </p:nvGraphicFramePr>
         <p:xfrm>
           <a:off x="637580" y="4249420"/>
@@ -8485,48 +8436,12 @@
                 <a:tableStyleId>{35758FB7-9AC5-4552-8A53-C91805E547FA}</a:tableStyleId>
               </a:tblPr>
               <a:tblGrid>
-                <a:gridCol w="1257401">
-                  <a:extLst>
-                    <a:ext uri="{9D8B030D-6E8A-4147-A177-3AD203B41FA5}">
-                      <a16:colId xmlns:a16="http://schemas.microsoft.com/office/drawing/2014/main" val="3805779845"/>
-                    </a:ext>
-                  </a:extLst>
-                </a:gridCol>
-                <a:gridCol w="1257401">
-                  <a:extLst>
-                    <a:ext uri="{9D8B030D-6E8A-4147-A177-3AD203B41FA5}">
-                      <a16:colId xmlns:a16="http://schemas.microsoft.com/office/drawing/2014/main" val="1936980542"/>
-                    </a:ext>
-                  </a:extLst>
-                </a:gridCol>
-                <a:gridCol w="1257401">
-                  <a:extLst>
-                    <a:ext uri="{9D8B030D-6E8A-4147-A177-3AD203B41FA5}">
-                      <a16:colId xmlns:a16="http://schemas.microsoft.com/office/drawing/2014/main" val="554480373"/>
-                    </a:ext>
-                  </a:extLst>
-                </a:gridCol>
-                <a:gridCol w="1257401">
-                  <a:extLst>
-                    <a:ext uri="{9D8B030D-6E8A-4147-A177-3AD203B41FA5}">
-                      <a16:colId xmlns:a16="http://schemas.microsoft.com/office/drawing/2014/main" val="713361231"/>
-                    </a:ext>
-                  </a:extLst>
-                </a:gridCol>
-                <a:gridCol w="1257401">
-                  <a:extLst>
-                    <a:ext uri="{9D8B030D-6E8A-4147-A177-3AD203B41FA5}">
-                      <a16:colId xmlns:a16="http://schemas.microsoft.com/office/drawing/2014/main" val="135831676"/>
-                    </a:ext>
-                  </a:extLst>
-                </a:gridCol>
-                <a:gridCol w="1257401">
-                  <a:extLst>
-                    <a:ext uri="{9D8B030D-6E8A-4147-A177-3AD203B41FA5}">
-                      <a16:colId xmlns:a16="http://schemas.microsoft.com/office/drawing/2014/main" val="223717166"/>
-                    </a:ext>
-                  </a:extLst>
-                </a:gridCol>
+                <a:gridCol w="1257401"/>
+                <a:gridCol w="1257401"/>
+                <a:gridCol w="1257401"/>
+                <a:gridCol w="1257401"/>
+                <a:gridCol w="1257401"/>
+                <a:gridCol w="1257401"/>
               </a:tblGrid>
               <a:tr h="370840">
                 <a:tc>
@@ -8538,6 +8453,7 @@
                         <a:rPr lang="en-US" dirty="0"/>
                         <a:t>RsNumber</a:t>
                       </a:r>
+                      <a:endParaRPr lang="en-US" dirty="0"/>
                     </a:p>
                   </a:txBody>
                   <a:tcPr/>
@@ -8551,6 +8467,7 @@
                         <a:rPr lang="en-US" dirty="0"/>
                         <a:t>Father</a:t>
                       </a:r>
+                      <a:endParaRPr lang="en-US" dirty="0"/>
                     </a:p>
                   </a:txBody>
                   <a:tcPr/>
@@ -8564,6 +8481,7 @@
                         <a:rPr lang="en-US" dirty="0"/>
                         <a:t>Mother</a:t>
                       </a:r>
+                      <a:endParaRPr lang="en-US" dirty="0"/>
                     </a:p>
                   </a:txBody>
                   <a:tcPr/>
@@ -8577,6 +8495,7 @@
                         <a:rPr lang="en-US" dirty="0"/>
                         <a:t>Child1</a:t>
                       </a:r>
+                      <a:endParaRPr lang="en-US" dirty="0"/>
                     </a:p>
                   </a:txBody>
                   <a:tcPr/>
@@ -8590,6 +8509,7 @@
                         <a:rPr lang="en-US" dirty="0"/>
                         <a:t>Child2</a:t>
                       </a:r>
+                      <a:endParaRPr lang="en-US" dirty="0"/>
                     </a:p>
                   </a:txBody>
                   <a:tcPr/>
@@ -8603,15 +8523,11 @@
                         <a:rPr lang="en-US" dirty="0"/>
                         <a:t>Child3</a:t>
                       </a:r>
+                      <a:endParaRPr lang="en-US" dirty="0"/>
                     </a:p>
                   </a:txBody>
                   <a:tcPr/>
                 </a:tc>
-                <a:extLst>
-                  <a:ext uri="{0D108BD9-81ED-4DB2-BD59-A6C34878D82A}">
-                    <a16:rowId xmlns:a16="http://schemas.microsoft.com/office/drawing/2014/main" val="3075133752"/>
-                  </a:ext>
-                </a:extLst>
               </a:tr>
               <a:tr h="370840">
                 <a:tc>
@@ -8623,6 +8539,7 @@
                         <a:rPr lang="en-US" dirty="0"/>
                         <a:t>rs3131972</a:t>
                       </a:r>
+                      <a:endParaRPr lang="en-US" dirty="0"/>
                     </a:p>
                   </a:txBody>
                   <a:tcPr/>
@@ -8636,6 +8553,7 @@
                         <a:rPr lang="en-US" dirty="0"/>
                         <a:t>AG</a:t>
                       </a:r>
+                      <a:endParaRPr lang="en-US" dirty="0"/>
                     </a:p>
                   </a:txBody>
                   <a:tcPr/>
@@ -8649,6 +8567,7 @@
                         <a:rPr lang="en-US" dirty="0"/>
                         <a:t>GG</a:t>
                       </a:r>
+                      <a:endParaRPr lang="en-US" dirty="0"/>
                     </a:p>
                   </a:txBody>
                   <a:tcPr/>
@@ -8662,6 +8581,7 @@
                         <a:rPr lang="en-US" dirty="0"/>
                         <a:t>AG</a:t>
                       </a:r>
+                      <a:endParaRPr lang="en-US" dirty="0"/>
                     </a:p>
                   </a:txBody>
                   <a:tcPr/>
@@ -8675,6 +8595,7 @@
                         <a:rPr lang="en-US" dirty="0"/>
                         <a:t>GG</a:t>
                       </a:r>
+                      <a:endParaRPr lang="en-US" dirty="0"/>
                     </a:p>
                   </a:txBody>
                   <a:tcPr/>
@@ -8688,15 +8609,11 @@
                         <a:rPr lang="en-US" dirty="0"/>
                         <a:t>GG</a:t>
                       </a:r>
+                      <a:endParaRPr lang="en-US" dirty="0"/>
                     </a:p>
                   </a:txBody>
                   <a:tcPr/>
                 </a:tc>
-                <a:extLst>
-                  <a:ext uri="{0D108BD9-81ED-4DB2-BD59-A6C34878D82A}">
-                    <a16:rowId xmlns:a16="http://schemas.microsoft.com/office/drawing/2014/main" val="2142787845"/>
-                  </a:ext>
-                </a:extLst>
               </a:tr>
             </a:tbl>
           </a:graphicData>
@@ -8711,7 +8628,7 @@
           <p:nvPr/>
         </p:nvPicPr>
         <p:blipFill>
-          <a:blip r:embed="rId2">
+          <a:blip r:embed="rId1">
             <a:extLst>
               <a:ext uri="{28A0092B-C50C-407E-A947-70E740481C1C}">
                 <a14:useLocalDpi xmlns:a14="http://schemas.microsoft.com/office/drawing/2010/main" val="0"/>
@@ -8757,11 +8674,6 @@
         </p:spPr>
       </p:pic>
     </p:spTree>
-    <p:extLst>
-      <p:ext uri="{BB962C8B-B14F-4D97-AF65-F5344CB8AC3E}">
-        <p14:creationId xmlns:p14="http://schemas.microsoft.com/office/powerpoint/2010/main" val="1170864142"/>
-      </p:ext>
-    </p:extLst>
   </p:cSld>
   <p:clrMapOvr>
     <a:masterClrMapping/>
@@ -8778,9 +8690,7 @@
     <p:bg>
       <p:bgPr>
         <a:blipFill>
-          <a:blip r:embed="rId3">
-            <a:alphaModFix/>
-          </a:blip>
+          <a:blip r:embed="rId1"/>
           <a:stretch>
             <a:fillRect/>
           </a:stretch>
@@ -8830,14 +8740,14 @@
             <a:pPr marL="0" lvl="0" indent="0" algn="l"/>
             <a:r>
               <a:rPr lang="en-US" sz="3200" b="1" dirty="0">
-                <a:latin typeface="Rajdhani" panose="020B0604020202020204" charset="0"/>
-                <a:cs typeface="Rajdhani" panose="020B0604020202020204" charset="0"/>
+                <a:latin typeface="Rajdhani" panose="02000000000000000000" charset="0"/>
+                <a:cs typeface="Rajdhani" panose="02000000000000000000" charset="0"/>
               </a:rPr>
               <a:t>Problem Statement</a:t>
             </a:r>
             <a:endParaRPr sz="3200" b="1" dirty="0">
-              <a:latin typeface="Rajdhani" panose="020B0604020202020204" charset="0"/>
-              <a:cs typeface="Rajdhani" panose="020B0604020202020204" charset="0"/>
+              <a:latin typeface="Rajdhani" panose="02000000000000000000" charset="0"/>
+              <a:cs typeface="Rajdhani" panose="02000000000000000000" charset="0"/>
             </a:endParaRPr>
           </a:p>
         </p:txBody>
@@ -8845,9 +8755,7 @@
       <p:sp>
         <p:nvSpPr>
           <p:cNvPr id="8" name="Google Shape;136;p27"/>
-          <p:cNvSpPr txBox="1">
-            <a:spLocks/>
-          </p:cNvSpPr>
+          <p:cNvSpPr txBox="1"/>
           <p:nvPr/>
         </p:nvSpPr>
         <p:spPr>
@@ -8893,16 +8801,16 @@
                 <a:schemeClr val="lt2"/>
               </a:buClr>
               <a:buSzPts val="2800"/>
-              <a:buFont typeface="Fira Sans Condensed Light"/>
+              <a:buFont typeface="Fira Sans Condensed Light" panose="020B0503050000020004"/>
               <a:buNone/>
               <a:defRPr sz="1400" b="0" i="0" u="none" strike="noStrike" cap="none">
                 <a:solidFill>
                   <a:schemeClr val="lt2"/>
                 </a:solidFill>
-                <a:latin typeface="Fira Sans Condensed Light"/>
-                <a:ea typeface="Fira Sans Condensed Light"/>
-                <a:cs typeface="Fira Sans Condensed Light"/>
-                <a:sym typeface="Fira Sans Condensed Light"/>
+                <a:latin typeface="Fira Sans Condensed Light" panose="020B0503050000020004"/>
+                <a:ea typeface="Fira Sans Condensed Light" panose="020B0503050000020004"/>
+                <a:cs typeface="Fira Sans Condensed Light" panose="020B0503050000020004"/>
+                <a:sym typeface="Fira Sans Condensed Light" panose="020B0503050000020004"/>
               </a:defRPr>
             </a:lvl1pPr>
             <a:lvl2pPr marL="914400" marR="0" lvl="1" indent="-304800" algn="ctr" rtl="0">
@@ -8919,16 +8827,16 @@
                 <a:schemeClr val="lt2"/>
               </a:buClr>
               <a:buSzPts val="2800"/>
-              <a:buFont typeface="Fira Sans Condensed Light"/>
+              <a:buFont typeface="Fira Sans Condensed Light" panose="020B0503050000020004"/>
               <a:buNone/>
               <a:defRPr sz="2800" b="0" i="0" u="none" strike="noStrike" cap="none">
                 <a:solidFill>
                   <a:schemeClr val="lt2"/>
                 </a:solidFill>
-                <a:latin typeface="Fira Sans Condensed Light"/>
-                <a:ea typeface="Fira Sans Condensed Light"/>
-                <a:cs typeface="Fira Sans Condensed Light"/>
-                <a:sym typeface="Fira Sans Condensed Light"/>
+                <a:latin typeface="Fira Sans Condensed Light" panose="020B0503050000020004"/>
+                <a:ea typeface="Fira Sans Condensed Light" panose="020B0503050000020004"/>
+                <a:cs typeface="Fira Sans Condensed Light" panose="020B0503050000020004"/>
+                <a:sym typeface="Fira Sans Condensed Light" panose="020B0503050000020004"/>
               </a:defRPr>
             </a:lvl2pPr>
             <a:lvl3pPr marL="1371600" marR="0" lvl="2" indent="-304800" algn="ctr" rtl="0">
@@ -8945,16 +8853,16 @@
                 <a:schemeClr val="lt2"/>
               </a:buClr>
               <a:buSzPts val="2800"/>
-              <a:buFont typeface="Fira Sans Condensed Light"/>
+              <a:buFont typeface="Fira Sans Condensed Light" panose="020B0503050000020004"/>
               <a:buNone/>
               <a:defRPr sz="2800" b="0" i="0" u="none" strike="noStrike" cap="none">
                 <a:solidFill>
                   <a:schemeClr val="lt2"/>
                 </a:solidFill>
-                <a:latin typeface="Fira Sans Condensed Light"/>
-                <a:ea typeface="Fira Sans Condensed Light"/>
-                <a:cs typeface="Fira Sans Condensed Light"/>
-                <a:sym typeface="Fira Sans Condensed Light"/>
+                <a:latin typeface="Fira Sans Condensed Light" panose="020B0503050000020004"/>
+                <a:ea typeface="Fira Sans Condensed Light" panose="020B0503050000020004"/>
+                <a:cs typeface="Fira Sans Condensed Light" panose="020B0503050000020004"/>
+                <a:sym typeface="Fira Sans Condensed Light" panose="020B0503050000020004"/>
               </a:defRPr>
             </a:lvl3pPr>
             <a:lvl4pPr marL="1828800" marR="0" lvl="3" indent="-304800" algn="ctr" rtl="0">
@@ -8971,16 +8879,16 @@
                 <a:schemeClr val="lt2"/>
               </a:buClr>
               <a:buSzPts val="2800"/>
-              <a:buFont typeface="Fira Sans Condensed Light"/>
+              <a:buFont typeface="Fira Sans Condensed Light" panose="020B0503050000020004"/>
               <a:buNone/>
               <a:defRPr sz="2800" b="0" i="0" u="none" strike="noStrike" cap="none">
                 <a:solidFill>
                   <a:schemeClr val="lt2"/>
                 </a:solidFill>
-                <a:latin typeface="Fira Sans Condensed Light"/>
-                <a:ea typeface="Fira Sans Condensed Light"/>
-                <a:cs typeface="Fira Sans Condensed Light"/>
-                <a:sym typeface="Fira Sans Condensed Light"/>
+                <a:latin typeface="Fira Sans Condensed Light" panose="020B0503050000020004"/>
+                <a:ea typeface="Fira Sans Condensed Light" panose="020B0503050000020004"/>
+                <a:cs typeface="Fira Sans Condensed Light" panose="020B0503050000020004"/>
+                <a:sym typeface="Fira Sans Condensed Light" panose="020B0503050000020004"/>
               </a:defRPr>
             </a:lvl4pPr>
             <a:lvl5pPr marL="2286000" marR="0" lvl="4" indent="-304800" algn="ctr" rtl="0">
@@ -8997,16 +8905,16 @@
                 <a:schemeClr val="lt2"/>
               </a:buClr>
               <a:buSzPts val="2800"/>
-              <a:buFont typeface="Fira Sans Condensed Light"/>
+              <a:buFont typeface="Fira Sans Condensed Light" panose="020B0503050000020004"/>
               <a:buNone/>
               <a:defRPr sz="2800" b="0" i="0" u="none" strike="noStrike" cap="none">
                 <a:solidFill>
                   <a:schemeClr val="lt2"/>
                 </a:solidFill>
-                <a:latin typeface="Fira Sans Condensed Light"/>
-                <a:ea typeface="Fira Sans Condensed Light"/>
-                <a:cs typeface="Fira Sans Condensed Light"/>
-                <a:sym typeface="Fira Sans Condensed Light"/>
+                <a:latin typeface="Fira Sans Condensed Light" panose="020B0503050000020004"/>
+                <a:ea typeface="Fira Sans Condensed Light" panose="020B0503050000020004"/>
+                <a:cs typeface="Fira Sans Condensed Light" panose="020B0503050000020004"/>
+                <a:sym typeface="Fira Sans Condensed Light" panose="020B0503050000020004"/>
               </a:defRPr>
             </a:lvl5pPr>
             <a:lvl6pPr marL="2743200" marR="0" lvl="5" indent="-304800" algn="ctr" rtl="0">
@@ -9023,16 +8931,16 @@
                 <a:schemeClr val="lt2"/>
               </a:buClr>
               <a:buSzPts val="2800"/>
-              <a:buFont typeface="Fira Sans Condensed Light"/>
+              <a:buFont typeface="Fira Sans Condensed Light" panose="020B0503050000020004"/>
               <a:buNone/>
               <a:defRPr sz="2800" b="0" i="0" u="none" strike="noStrike" cap="none">
                 <a:solidFill>
                   <a:schemeClr val="lt2"/>
                 </a:solidFill>
-                <a:latin typeface="Fira Sans Condensed Light"/>
-                <a:ea typeface="Fira Sans Condensed Light"/>
-                <a:cs typeface="Fira Sans Condensed Light"/>
-                <a:sym typeface="Fira Sans Condensed Light"/>
+                <a:latin typeface="Fira Sans Condensed Light" panose="020B0503050000020004"/>
+                <a:ea typeface="Fira Sans Condensed Light" panose="020B0503050000020004"/>
+                <a:cs typeface="Fira Sans Condensed Light" panose="020B0503050000020004"/>
+                <a:sym typeface="Fira Sans Condensed Light" panose="020B0503050000020004"/>
               </a:defRPr>
             </a:lvl6pPr>
             <a:lvl7pPr marL="3200400" marR="0" lvl="6" indent="-304800" algn="ctr" rtl="0">
@@ -9049,16 +8957,16 @@
                 <a:schemeClr val="lt2"/>
               </a:buClr>
               <a:buSzPts val="2800"/>
-              <a:buFont typeface="Fira Sans Condensed Light"/>
+              <a:buFont typeface="Fira Sans Condensed Light" panose="020B0503050000020004"/>
               <a:buNone/>
               <a:defRPr sz="2800" b="0" i="0" u="none" strike="noStrike" cap="none">
                 <a:solidFill>
                   <a:schemeClr val="lt2"/>
                 </a:solidFill>
-                <a:latin typeface="Fira Sans Condensed Light"/>
-                <a:ea typeface="Fira Sans Condensed Light"/>
-                <a:cs typeface="Fira Sans Condensed Light"/>
-                <a:sym typeface="Fira Sans Condensed Light"/>
+                <a:latin typeface="Fira Sans Condensed Light" panose="020B0503050000020004"/>
+                <a:ea typeface="Fira Sans Condensed Light" panose="020B0503050000020004"/>
+                <a:cs typeface="Fira Sans Condensed Light" panose="020B0503050000020004"/>
+                <a:sym typeface="Fira Sans Condensed Light" panose="020B0503050000020004"/>
               </a:defRPr>
             </a:lvl7pPr>
             <a:lvl8pPr marL="3657600" marR="0" lvl="7" indent="-304800" algn="ctr" rtl="0">
@@ -9075,16 +8983,16 @@
                 <a:schemeClr val="lt2"/>
               </a:buClr>
               <a:buSzPts val="2800"/>
-              <a:buFont typeface="Fira Sans Condensed Light"/>
+              <a:buFont typeface="Fira Sans Condensed Light" panose="020B0503050000020004"/>
               <a:buNone/>
               <a:defRPr sz="2800" b="0" i="0" u="none" strike="noStrike" cap="none">
                 <a:solidFill>
                   <a:schemeClr val="lt2"/>
                 </a:solidFill>
-                <a:latin typeface="Fira Sans Condensed Light"/>
-                <a:ea typeface="Fira Sans Condensed Light"/>
-                <a:cs typeface="Fira Sans Condensed Light"/>
-                <a:sym typeface="Fira Sans Condensed Light"/>
+                <a:latin typeface="Fira Sans Condensed Light" panose="020B0503050000020004"/>
+                <a:ea typeface="Fira Sans Condensed Light" panose="020B0503050000020004"/>
+                <a:cs typeface="Fira Sans Condensed Light" panose="020B0503050000020004"/>
+                <a:sym typeface="Fira Sans Condensed Light" panose="020B0503050000020004"/>
               </a:defRPr>
             </a:lvl8pPr>
             <a:lvl9pPr marL="4114800" marR="0" lvl="8" indent="-304800" algn="ctr" rtl="0">
@@ -9101,16 +9009,16 @@
                 <a:schemeClr val="lt2"/>
               </a:buClr>
               <a:buSzPts val="2800"/>
-              <a:buFont typeface="Fira Sans Condensed Light"/>
+              <a:buFont typeface="Fira Sans Condensed Light" panose="020B0503050000020004"/>
               <a:buNone/>
               <a:defRPr sz="2800" b="0" i="0" u="none" strike="noStrike" cap="none">
                 <a:solidFill>
                   <a:schemeClr val="lt2"/>
                 </a:solidFill>
-                <a:latin typeface="Fira Sans Condensed Light"/>
-                <a:ea typeface="Fira Sans Condensed Light"/>
-                <a:cs typeface="Fira Sans Condensed Light"/>
-                <a:sym typeface="Fira Sans Condensed Light"/>
+                <a:latin typeface="Fira Sans Condensed Light" panose="020B0503050000020004"/>
+                <a:ea typeface="Fira Sans Condensed Light" panose="020B0503050000020004"/>
+                <a:cs typeface="Fira Sans Condensed Light" panose="020B0503050000020004"/>
+                <a:sym typeface="Fira Sans Condensed Light" panose="020B0503050000020004"/>
               </a:defRPr>
             </a:lvl9pPr>
           </a:lstStyle>
@@ -9126,6 +9034,7 @@
               <a:rPr lang="en-US" sz="1800" dirty="0"/>
               <a:t>Some parents suffer from the process of paternity testing when they are being sued for child custody.</a:t>
             </a:r>
+            <a:endParaRPr lang="en-US" sz="1800" dirty="0"/>
           </a:p>
           <a:p>
             <a:pPr algn="l">
@@ -9139,6 +9048,7 @@
               <a:rPr lang="en-US" sz="1800" dirty="0"/>
               <a:t>A lot of time when a crime happens, some DNA would be left at the crime scene and would take some time to be processed and eventually lead us to the one who committed that crime.</a:t>
             </a:r>
+            <a:endParaRPr lang="en-US" sz="1800" dirty="0"/>
           </a:p>
           <a:p>
             <a:pPr algn="l">
@@ -9152,6 +9062,7 @@
               <a:rPr lang="en-US" sz="1800" dirty="0"/>
               <a:t>Why can’t we have a system that could potentially prove this in less time and be accessible to everyone.</a:t>
             </a:r>
+            <a:endParaRPr lang="en-US" sz="1800" dirty="0"/>
           </a:p>
         </p:txBody>
       </p:sp>
@@ -9164,7 +9075,7 @@
           <p:nvPr/>
         </p:nvPicPr>
         <p:blipFill>
-          <a:blip r:embed="rId4">
+          <a:blip r:embed="rId2">
             <a:lum bright="70000" contrast="-70000"/>
             <a:extLst>
               <a:ext uri="{28A0092B-C50C-407E-A947-70E740481C1C}">
@@ -9242,14 +9153,14 @@
             <a:pPr marL="0" lvl="0" indent="0" algn="l"/>
             <a:r>
               <a:rPr lang="en-US" sz="3200" b="1" dirty="0">
-                <a:latin typeface="Rajdhani" panose="020B0604020202020204" charset="0"/>
-                <a:cs typeface="Rajdhani" panose="020B0604020202020204" charset="0"/>
+                <a:latin typeface="Rajdhani" panose="02000000000000000000" charset="0"/>
+                <a:cs typeface="Rajdhani" panose="02000000000000000000" charset="0"/>
               </a:rPr>
               <a:t>Our Objectives</a:t>
             </a:r>
             <a:endParaRPr sz="3200" b="1" dirty="0">
-              <a:latin typeface="Rajdhani" panose="020B0604020202020204" charset="0"/>
-              <a:cs typeface="Rajdhani" panose="020B0604020202020204" charset="0"/>
+              <a:latin typeface="Rajdhani" panose="02000000000000000000" charset="0"/>
+              <a:cs typeface="Rajdhani" panose="02000000000000000000" charset="0"/>
             </a:endParaRPr>
           </a:p>
         </p:txBody>
@@ -9257,9 +9168,7 @@
       <p:sp>
         <p:nvSpPr>
           <p:cNvPr id="5" name="Google Shape;136;p27"/>
-          <p:cNvSpPr txBox="1">
-            <a:spLocks/>
-          </p:cNvSpPr>
+          <p:cNvSpPr txBox="1"/>
           <p:nvPr/>
         </p:nvSpPr>
         <p:spPr>
@@ -9305,16 +9214,16 @@
                 <a:schemeClr val="lt2"/>
               </a:buClr>
               <a:buSzPts val="2800"/>
-              <a:buFont typeface="Fira Sans Condensed Light"/>
+              <a:buFont typeface="Fira Sans Condensed Light" panose="020B0503050000020004"/>
               <a:buNone/>
               <a:defRPr sz="1400" b="0" i="0" u="none" strike="noStrike" cap="none">
                 <a:solidFill>
                   <a:schemeClr val="lt2"/>
                 </a:solidFill>
-                <a:latin typeface="Fira Sans Condensed Light"/>
-                <a:ea typeface="Fira Sans Condensed Light"/>
-                <a:cs typeface="Fira Sans Condensed Light"/>
-                <a:sym typeface="Fira Sans Condensed Light"/>
+                <a:latin typeface="Fira Sans Condensed Light" panose="020B0503050000020004"/>
+                <a:ea typeface="Fira Sans Condensed Light" panose="020B0503050000020004"/>
+                <a:cs typeface="Fira Sans Condensed Light" panose="020B0503050000020004"/>
+                <a:sym typeface="Fira Sans Condensed Light" panose="020B0503050000020004"/>
               </a:defRPr>
             </a:lvl1pPr>
             <a:lvl2pPr marL="914400" marR="0" lvl="1" indent="-304800" algn="ctr" rtl="0">
@@ -9331,16 +9240,16 @@
                 <a:schemeClr val="lt2"/>
               </a:buClr>
               <a:buSzPts val="2800"/>
-              <a:buFont typeface="Fira Sans Condensed Light"/>
+              <a:buFont typeface="Fira Sans Condensed Light" panose="020B0503050000020004"/>
               <a:buNone/>
               <a:defRPr sz="2800" b="0" i="0" u="none" strike="noStrike" cap="none">
                 <a:solidFill>
                   <a:schemeClr val="lt2"/>
                 </a:solidFill>
-                <a:latin typeface="Fira Sans Condensed Light"/>
-                <a:ea typeface="Fira Sans Condensed Light"/>
-                <a:cs typeface="Fira Sans Condensed Light"/>
-                <a:sym typeface="Fira Sans Condensed Light"/>
+                <a:latin typeface="Fira Sans Condensed Light" panose="020B0503050000020004"/>
+                <a:ea typeface="Fira Sans Condensed Light" panose="020B0503050000020004"/>
+                <a:cs typeface="Fira Sans Condensed Light" panose="020B0503050000020004"/>
+                <a:sym typeface="Fira Sans Condensed Light" panose="020B0503050000020004"/>
               </a:defRPr>
             </a:lvl2pPr>
             <a:lvl3pPr marL="1371600" marR="0" lvl="2" indent="-304800" algn="ctr" rtl="0">
@@ -9357,16 +9266,16 @@
                 <a:schemeClr val="lt2"/>
               </a:buClr>
               <a:buSzPts val="2800"/>
-              <a:buFont typeface="Fira Sans Condensed Light"/>
+              <a:buFont typeface="Fira Sans Condensed Light" panose="020B0503050000020004"/>
               <a:buNone/>
               <a:defRPr sz="2800" b="0" i="0" u="none" strike="noStrike" cap="none">
                 <a:solidFill>
                   <a:schemeClr val="lt2"/>
                 </a:solidFill>
-                <a:latin typeface="Fira Sans Condensed Light"/>
-                <a:ea typeface="Fira Sans Condensed Light"/>
-                <a:cs typeface="Fira Sans Condensed Light"/>
-                <a:sym typeface="Fira Sans Condensed Light"/>
+                <a:latin typeface="Fira Sans Condensed Light" panose="020B0503050000020004"/>
+                <a:ea typeface="Fira Sans Condensed Light" panose="020B0503050000020004"/>
+                <a:cs typeface="Fira Sans Condensed Light" panose="020B0503050000020004"/>
+                <a:sym typeface="Fira Sans Condensed Light" panose="020B0503050000020004"/>
               </a:defRPr>
             </a:lvl3pPr>
             <a:lvl4pPr marL="1828800" marR="0" lvl="3" indent="-304800" algn="ctr" rtl="0">
@@ -9383,16 +9292,16 @@
                 <a:schemeClr val="lt2"/>
               </a:buClr>
               <a:buSzPts val="2800"/>
-              <a:buFont typeface="Fira Sans Condensed Light"/>
+              <a:buFont typeface="Fira Sans Condensed Light" panose="020B0503050000020004"/>
               <a:buNone/>
               <a:defRPr sz="2800" b="0" i="0" u="none" strike="noStrike" cap="none">
                 <a:solidFill>
                   <a:schemeClr val="lt2"/>
                 </a:solidFill>
-                <a:latin typeface="Fira Sans Condensed Light"/>
-                <a:ea typeface="Fira Sans Condensed Light"/>
-                <a:cs typeface="Fira Sans Condensed Light"/>
-                <a:sym typeface="Fira Sans Condensed Light"/>
+                <a:latin typeface="Fira Sans Condensed Light" panose="020B0503050000020004"/>
+                <a:ea typeface="Fira Sans Condensed Light" panose="020B0503050000020004"/>
+                <a:cs typeface="Fira Sans Condensed Light" panose="020B0503050000020004"/>
+                <a:sym typeface="Fira Sans Condensed Light" panose="020B0503050000020004"/>
               </a:defRPr>
             </a:lvl4pPr>
             <a:lvl5pPr marL="2286000" marR="0" lvl="4" indent="-304800" algn="ctr" rtl="0">
@@ -9409,16 +9318,16 @@
                 <a:schemeClr val="lt2"/>
               </a:buClr>
               <a:buSzPts val="2800"/>
-              <a:buFont typeface="Fira Sans Condensed Light"/>
+              <a:buFont typeface="Fira Sans Condensed Light" panose="020B0503050000020004"/>
               <a:buNone/>
               <a:defRPr sz="2800" b="0" i="0" u="none" strike="noStrike" cap="none">
                 <a:solidFill>
                   <a:schemeClr val="lt2"/>
                 </a:solidFill>
-                <a:latin typeface="Fira Sans Condensed Light"/>
-                <a:ea typeface="Fira Sans Condensed Light"/>
-                <a:cs typeface="Fira Sans Condensed Light"/>
-                <a:sym typeface="Fira Sans Condensed Light"/>
+                <a:latin typeface="Fira Sans Condensed Light" panose="020B0503050000020004"/>
+                <a:ea typeface="Fira Sans Condensed Light" panose="020B0503050000020004"/>
+                <a:cs typeface="Fira Sans Condensed Light" panose="020B0503050000020004"/>
+                <a:sym typeface="Fira Sans Condensed Light" panose="020B0503050000020004"/>
               </a:defRPr>
             </a:lvl5pPr>
             <a:lvl6pPr marL="2743200" marR="0" lvl="5" indent="-304800" algn="ctr" rtl="0">
@@ -9435,16 +9344,16 @@
                 <a:schemeClr val="lt2"/>
               </a:buClr>
               <a:buSzPts val="2800"/>
-              <a:buFont typeface="Fira Sans Condensed Light"/>
+              <a:buFont typeface="Fira Sans Condensed Light" panose="020B0503050000020004"/>
               <a:buNone/>
               <a:defRPr sz="2800" b="0" i="0" u="none" strike="noStrike" cap="none">
                 <a:solidFill>
                   <a:schemeClr val="lt2"/>
                 </a:solidFill>
-                <a:latin typeface="Fira Sans Condensed Light"/>
-                <a:ea typeface="Fira Sans Condensed Light"/>
-                <a:cs typeface="Fira Sans Condensed Light"/>
-                <a:sym typeface="Fira Sans Condensed Light"/>
+                <a:latin typeface="Fira Sans Condensed Light" panose="020B0503050000020004"/>
+                <a:ea typeface="Fira Sans Condensed Light" panose="020B0503050000020004"/>
+                <a:cs typeface="Fira Sans Condensed Light" panose="020B0503050000020004"/>
+                <a:sym typeface="Fira Sans Condensed Light" panose="020B0503050000020004"/>
               </a:defRPr>
             </a:lvl6pPr>
             <a:lvl7pPr marL="3200400" marR="0" lvl="6" indent="-304800" algn="ctr" rtl="0">
@@ -9461,16 +9370,16 @@
                 <a:schemeClr val="lt2"/>
               </a:buClr>
               <a:buSzPts val="2800"/>
-              <a:buFont typeface="Fira Sans Condensed Light"/>
+              <a:buFont typeface="Fira Sans Condensed Light" panose="020B0503050000020004"/>
               <a:buNone/>
               <a:defRPr sz="2800" b="0" i="0" u="none" strike="noStrike" cap="none">
                 <a:solidFill>
                   <a:schemeClr val="lt2"/>
                 </a:solidFill>
-                <a:latin typeface="Fira Sans Condensed Light"/>
-                <a:ea typeface="Fira Sans Condensed Light"/>
-                <a:cs typeface="Fira Sans Condensed Light"/>
-                <a:sym typeface="Fira Sans Condensed Light"/>
+                <a:latin typeface="Fira Sans Condensed Light" panose="020B0503050000020004"/>
+                <a:ea typeface="Fira Sans Condensed Light" panose="020B0503050000020004"/>
+                <a:cs typeface="Fira Sans Condensed Light" panose="020B0503050000020004"/>
+                <a:sym typeface="Fira Sans Condensed Light" panose="020B0503050000020004"/>
               </a:defRPr>
             </a:lvl7pPr>
             <a:lvl8pPr marL="3657600" marR="0" lvl="7" indent="-304800" algn="ctr" rtl="0">
@@ -9487,16 +9396,16 @@
                 <a:schemeClr val="lt2"/>
               </a:buClr>
               <a:buSzPts val="2800"/>
-              <a:buFont typeface="Fira Sans Condensed Light"/>
+              <a:buFont typeface="Fira Sans Condensed Light" panose="020B0503050000020004"/>
               <a:buNone/>
               <a:defRPr sz="2800" b="0" i="0" u="none" strike="noStrike" cap="none">
                 <a:solidFill>
                   <a:schemeClr val="lt2"/>
                 </a:solidFill>
-                <a:latin typeface="Fira Sans Condensed Light"/>
-                <a:ea typeface="Fira Sans Condensed Light"/>
-                <a:cs typeface="Fira Sans Condensed Light"/>
-                <a:sym typeface="Fira Sans Condensed Light"/>
+                <a:latin typeface="Fira Sans Condensed Light" panose="020B0503050000020004"/>
+                <a:ea typeface="Fira Sans Condensed Light" panose="020B0503050000020004"/>
+                <a:cs typeface="Fira Sans Condensed Light" panose="020B0503050000020004"/>
+                <a:sym typeface="Fira Sans Condensed Light" panose="020B0503050000020004"/>
               </a:defRPr>
             </a:lvl8pPr>
             <a:lvl9pPr marL="4114800" marR="0" lvl="8" indent="-304800" algn="ctr" rtl="0">
@@ -9513,16 +9422,16 @@
                 <a:schemeClr val="lt2"/>
               </a:buClr>
               <a:buSzPts val="2800"/>
-              <a:buFont typeface="Fira Sans Condensed Light"/>
+              <a:buFont typeface="Fira Sans Condensed Light" panose="020B0503050000020004"/>
               <a:buNone/>
               <a:defRPr sz="2800" b="0" i="0" u="none" strike="noStrike" cap="none">
                 <a:solidFill>
                   <a:schemeClr val="lt2"/>
                 </a:solidFill>
-                <a:latin typeface="Fira Sans Condensed Light"/>
-                <a:ea typeface="Fira Sans Condensed Light"/>
-                <a:cs typeface="Fira Sans Condensed Light"/>
-                <a:sym typeface="Fira Sans Condensed Light"/>
+                <a:latin typeface="Fira Sans Condensed Light" panose="020B0503050000020004"/>
+                <a:ea typeface="Fira Sans Condensed Light" panose="020B0503050000020004"/>
+                <a:cs typeface="Fira Sans Condensed Light" panose="020B0503050000020004"/>
+                <a:sym typeface="Fira Sans Condensed Light" panose="020B0503050000020004"/>
               </a:defRPr>
             </a:lvl9pPr>
           </a:lstStyle>
@@ -9535,6 +9444,7 @@
               <a:rPr lang="en-US" sz="1800" dirty="0"/>
               <a:t>Make an automated system to accurately prove parentage of someone by their rsNumbers and their genotypes.</a:t>
             </a:r>
+            <a:endParaRPr lang="en-US" sz="1800" dirty="0"/>
           </a:p>
           <a:p>
             <a:pPr indent="-457200" algn="l">
@@ -9545,6 +9455,7 @@
               <a:rPr lang="en-US" sz="1800" dirty="0"/>
               <a:t>Add another part to enter the user’s whole genome or whole exome.</a:t>
             </a:r>
+            <a:endParaRPr lang="en-US" sz="1800" dirty="0"/>
           </a:p>
           <a:p>
             <a:pPr indent="-457200" algn="l">
@@ -9555,6 +9466,7 @@
               <a:rPr lang="en-US" sz="1800" dirty="0"/>
               <a:t>We aim to have the application accessible by everyone by an online web application.</a:t>
             </a:r>
+            <a:endParaRPr lang="en-US" sz="1800" dirty="0"/>
           </a:p>
           <a:p>
             <a:pPr indent="-457200" algn="l">
@@ -9565,15 +9477,11 @@
               <a:rPr lang="en-US" sz="1800" dirty="0"/>
               <a:t>We aim that the user can see which alleles contributed to being wrong that led to prove wrong parentage.</a:t>
             </a:r>
+            <a:endParaRPr lang="en-US" sz="1800" dirty="0"/>
           </a:p>
         </p:txBody>
       </p:sp>
     </p:spTree>
-    <p:extLst>
-      <p:ext uri="{BB962C8B-B14F-4D97-AF65-F5344CB8AC3E}">
-        <p14:creationId xmlns:p14="http://schemas.microsoft.com/office/powerpoint/2010/main" val="1424027331"/>
-      </p:ext>
-    </p:extLst>
   </p:cSld>
   <p:clrMapOvr>
     <a:masterClrMapping/>
@@ -9629,14 +9537,14 @@
             <a:pPr marL="0" lvl="0" indent="0" algn="l"/>
             <a:r>
               <a:rPr lang="en-US" sz="3200" b="1" dirty="0">
-                <a:latin typeface="Rajdhani" panose="020B0604020202020204" charset="0"/>
-                <a:cs typeface="Rajdhani" panose="020B0604020202020204" charset="0"/>
+                <a:latin typeface="Rajdhani" panose="02000000000000000000" charset="0"/>
+                <a:cs typeface="Rajdhani" panose="02000000000000000000" charset="0"/>
               </a:rPr>
               <a:t>System overview</a:t>
             </a:r>
             <a:endParaRPr sz="3200" b="1" dirty="0">
-              <a:latin typeface="Rajdhani" panose="020B0604020202020204" charset="0"/>
-              <a:cs typeface="Rajdhani" panose="020B0604020202020204" charset="0"/>
+              <a:latin typeface="Rajdhani" panose="02000000000000000000" charset="0"/>
+              <a:cs typeface="Rajdhani" panose="02000000000000000000" charset="0"/>
             </a:endParaRPr>
           </a:p>
         </p:txBody>
@@ -9650,7 +9558,7 @@
           <p:nvPr/>
         </p:nvPicPr>
         <p:blipFill>
-          <a:blip r:embed="rId2">
+          <a:blip r:embed="rId1">
             <a:extLst>
               <a:ext uri="{28A0092B-C50C-407E-A947-70E740481C1C}">
                 <a14:useLocalDpi xmlns:a14="http://schemas.microsoft.com/office/drawing/2010/main" val="0"/>
@@ -9672,11 +9580,6 @@
         </p:spPr>
       </p:pic>
     </p:spTree>
-    <p:extLst>
-      <p:ext uri="{BB962C8B-B14F-4D97-AF65-F5344CB8AC3E}">
-        <p14:creationId xmlns:p14="http://schemas.microsoft.com/office/powerpoint/2010/main" val="266778040"/>
-      </p:ext>
-    </p:extLst>
   </p:cSld>
   <p:clrMapOvr>
     <a:masterClrMapping/>
@@ -9732,17 +9635,21 @@
             <a:pPr marL="0" indent="0" algn="l"/>
             <a:r>
               <a:rPr lang="en-US" sz="3200" b="1" dirty="0">
-                <a:latin typeface="Rajdhani" panose="020B0604020202020204" charset="0"/>
-                <a:cs typeface="Rajdhani" panose="020B0604020202020204" charset="0"/>
+                <a:latin typeface="Rajdhani" panose="02000000000000000000" charset="0"/>
+                <a:cs typeface="Rajdhani" panose="02000000000000000000" charset="0"/>
               </a:rPr>
               <a:t>Use Case Diagram &amp; Functional Requirements</a:t>
             </a:r>
+            <a:endParaRPr lang="en-US" sz="3200" b="1" dirty="0">
+              <a:latin typeface="Rajdhani" panose="02000000000000000000" charset="0"/>
+              <a:cs typeface="Rajdhani" panose="02000000000000000000" charset="0"/>
+            </a:endParaRPr>
           </a:p>
           <a:p>
             <a:pPr marL="0" lvl="0" indent="0" algn="l"/>
             <a:endParaRPr sz="3200" b="1" dirty="0">
-              <a:latin typeface="Rajdhani" panose="020B0604020202020204" charset="0"/>
-              <a:cs typeface="Rajdhani" panose="020B0604020202020204" charset="0"/>
+              <a:latin typeface="Rajdhani" panose="02000000000000000000" charset="0"/>
+              <a:cs typeface="Rajdhani" panose="02000000000000000000" charset="0"/>
             </a:endParaRPr>
           </a:p>
         </p:txBody>
@@ -9750,9 +9657,7 @@
       <p:sp>
         <p:nvSpPr>
           <p:cNvPr id="6" name="Google Shape;136;p27"/>
-          <p:cNvSpPr txBox="1">
-            <a:spLocks/>
-          </p:cNvSpPr>
+          <p:cNvSpPr txBox="1"/>
           <p:nvPr/>
         </p:nvSpPr>
         <p:spPr>
@@ -9798,16 +9703,16 @@
                 <a:schemeClr val="lt2"/>
               </a:buClr>
               <a:buSzPts val="2800"/>
-              <a:buFont typeface="Fira Sans Condensed Light"/>
+              <a:buFont typeface="Fira Sans Condensed Light" panose="020B0503050000020004"/>
               <a:buNone/>
               <a:defRPr sz="1400" b="0" i="0" u="none" strike="noStrike" cap="none">
                 <a:solidFill>
                   <a:schemeClr val="lt2"/>
                 </a:solidFill>
-                <a:latin typeface="Fira Sans Condensed Light"/>
-                <a:ea typeface="Fira Sans Condensed Light"/>
-                <a:cs typeface="Fira Sans Condensed Light"/>
-                <a:sym typeface="Fira Sans Condensed Light"/>
+                <a:latin typeface="Fira Sans Condensed Light" panose="020B0503050000020004"/>
+                <a:ea typeface="Fira Sans Condensed Light" panose="020B0503050000020004"/>
+                <a:cs typeface="Fira Sans Condensed Light" panose="020B0503050000020004"/>
+                <a:sym typeface="Fira Sans Condensed Light" panose="020B0503050000020004"/>
               </a:defRPr>
             </a:lvl1pPr>
             <a:lvl2pPr marL="914400" marR="0" lvl="1" indent="-304800" algn="ctr" rtl="0">
@@ -9824,16 +9729,16 @@
                 <a:schemeClr val="lt2"/>
               </a:buClr>
               <a:buSzPts val="2800"/>
-              <a:buFont typeface="Fira Sans Condensed Light"/>
+              <a:buFont typeface="Fira Sans Condensed Light" panose="020B0503050000020004"/>
               <a:buNone/>
               <a:defRPr sz="2800" b="0" i="0" u="none" strike="noStrike" cap="none">
                 <a:solidFill>
                   <a:schemeClr val="lt2"/>
                 </a:solidFill>
-                <a:latin typeface="Fira Sans Condensed Light"/>
-                <a:ea typeface="Fira Sans Condensed Light"/>
-                <a:cs typeface="Fira Sans Condensed Light"/>
-                <a:sym typeface="Fira Sans Condensed Light"/>
+                <a:latin typeface="Fira Sans Condensed Light" panose="020B0503050000020004"/>
+                <a:ea typeface="Fira Sans Condensed Light" panose="020B0503050000020004"/>
+                <a:cs typeface="Fira Sans Condensed Light" panose="020B0503050000020004"/>
+                <a:sym typeface="Fira Sans Condensed Light" panose="020B0503050000020004"/>
               </a:defRPr>
             </a:lvl2pPr>
             <a:lvl3pPr marL="1371600" marR="0" lvl="2" indent="-304800" algn="ctr" rtl="0">
@@ -9850,16 +9755,16 @@
                 <a:schemeClr val="lt2"/>
               </a:buClr>
               <a:buSzPts val="2800"/>
-              <a:buFont typeface="Fira Sans Condensed Light"/>
+              <a:buFont typeface="Fira Sans Condensed Light" panose="020B0503050000020004"/>
               <a:buNone/>
               <a:defRPr sz="2800" b="0" i="0" u="none" strike="noStrike" cap="none">
                 <a:solidFill>
                   <a:schemeClr val="lt2"/>
                 </a:solidFill>
-                <a:latin typeface="Fira Sans Condensed Light"/>
-                <a:ea typeface="Fira Sans Condensed Light"/>
-                <a:cs typeface="Fira Sans Condensed Light"/>
-                <a:sym typeface="Fira Sans Condensed Light"/>
+                <a:latin typeface="Fira Sans Condensed Light" panose="020B0503050000020004"/>
+                <a:ea typeface="Fira Sans Condensed Light" panose="020B0503050000020004"/>
+                <a:cs typeface="Fira Sans Condensed Light" panose="020B0503050000020004"/>
+                <a:sym typeface="Fira Sans Condensed Light" panose="020B0503050000020004"/>
               </a:defRPr>
             </a:lvl3pPr>
             <a:lvl4pPr marL="1828800" marR="0" lvl="3" indent="-304800" algn="ctr" rtl="0">
@@ -9876,16 +9781,16 @@
                 <a:schemeClr val="lt2"/>
               </a:buClr>
               <a:buSzPts val="2800"/>
-              <a:buFont typeface="Fira Sans Condensed Light"/>
+              <a:buFont typeface="Fira Sans Condensed Light" panose="020B0503050000020004"/>
               <a:buNone/>
               <a:defRPr sz="2800" b="0" i="0" u="none" strike="noStrike" cap="none">
                 <a:solidFill>
                   <a:schemeClr val="lt2"/>
                 </a:solidFill>
-                <a:latin typeface="Fira Sans Condensed Light"/>
-                <a:ea typeface="Fira Sans Condensed Light"/>
-                <a:cs typeface="Fira Sans Condensed Light"/>
-                <a:sym typeface="Fira Sans Condensed Light"/>
+                <a:latin typeface="Fira Sans Condensed Light" panose="020B0503050000020004"/>
+                <a:ea typeface="Fira Sans Condensed Light" panose="020B0503050000020004"/>
+                <a:cs typeface="Fira Sans Condensed Light" panose="020B0503050000020004"/>
+                <a:sym typeface="Fira Sans Condensed Light" panose="020B0503050000020004"/>
               </a:defRPr>
             </a:lvl4pPr>
             <a:lvl5pPr marL="2286000" marR="0" lvl="4" indent="-304800" algn="ctr" rtl="0">
@@ -9902,16 +9807,16 @@
                 <a:schemeClr val="lt2"/>
               </a:buClr>
               <a:buSzPts val="2800"/>
-              <a:buFont typeface="Fira Sans Condensed Light"/>
+              <a:buFont typeface="Fira Sans Condensed Light" panose="020B0503050000020004"/>
               <a:buNone/>
               <a:defRPr sz="2800" b="0" i="0" u="none" strike="noStrike" cap="none">
                 <a:solidFill>
                   <a:schemeClr val="lt2"/>
                 </a:solidFill>
-                <a:latin typeface="Fira Sans Condensed Light"/>
-                <a:ea typeface="Fira Sans Condensed Light"/>
-                <a:cs typeface="Fira Sans Condensed Light"/>
-                <a:sym typeface="Fira Sans Condensed Light"/>
+                <a:latin typeface="Fira Sans Condensed Light" panose="020B0503050000020004"/>
+                <a:ea typeface="Fira Sans Condensed Light" panose="020B0503050000020004"/>
+                <a:cs typeface="Fira Sans Condensed Light" panose="020B0503050000020004"/>
+                <a:sym typeface="Fira Sans Condensed Light" panose="020B0503050000020004"/>
               </a:defRPr>
             </a:lvl5pPr>
             <a:lvl6pPr marL="2743200" marR="0" lvl="5" indent="-304800" algn="ctr" rtl="0">
@@ -9928,16 +9833,16 @@
                 <a:schemeClr val="lt2"/>
               </a:buClr>
               <a:buSzPts val="2800"/>
-              <a:buFont typeface="Fira Sans Condensed Light"/>
+              <a:buFont typeface="Fira Sans Condensed Light" panose="020B0503050000020004"/>
               <a:buNone/>
               <a:defRPr sz="2800" b="0" i="0" u="none" strike="noStrike" cap="none">
                 <a:solidFill>
                   <a:schemeClr val="lt2"/>
                 </a:solidFill>
-                <a:latin typeface="Fira Sans Condensed Light"/>
-                <a:ea typeface="Fira Sans Condensed Light"/>
-                <a:cs typeface="Fira Sans Condensed Light"/>
-                <a:sym typeface="Fira Sans Condensed Light"/>
+                <a:latin typeface="Fira Sans Condensed Light" panose="020B0503050000020004"/>
+                <a:ea typeface="Fira Sans Condensed Light" panose="020B0503050000020004"/>
+                <a:cs typeface="Fira Sans Condensed Light" panose="020B0503050000020004"/>
+                <a:sym typeface="Fira Sans Condensed Light" panose="020B0503050000020004"/>
               </a:defRPr>
             </a:lvl6pPr>
             <a:lvl7pPr marL="3200400" marR="0" lvl="6" indent="-304800" algn="ctr" rtl="0">
@@ -9954,16 +9859,16 @@
                 <a:schemeClr val="lt2"/>
               </a:buClr>
               <a:buSzPts val="2800"/>
-              <a:buFont typeface="Fira Sans Condensed Light"/>
+              <a:buFont typeface="Fira Sans Condensed Light" panose="020B0503050000020004"/>
               <a:buNone/>
               <a:defRPr sz="2800" b="0" i="0" u="none" strike="noStrike" cap="none">
                 <a:solidFill>
                   <a:schemeClr val="lt2"/>
                 </a:solidFill>
-                <a:latin typeface="Fira Sans Condensed Light"/>
-                <a:ea typeface="Fira Sans Condensed Light"/>
-                <a:cs typeface="Fira Sans Condensed Light"/>
-                <a:sym typeface="Fira Sans Condensed Light"/>
+                <a:latin typeface="Fira Sans Condensed Light" panose="020B0503050000020004"/>
+                <a:ea typeface="Fira Sans Condensed Light" panose="020B0503050000020004"/>
+                <a:cs typeface="Fira Sans Condensed Light" panose="020B0503050000020004"/>
+                <a:sym typeface="Fira Sans Condensed Light" panose="020B0503050000020004"/>
               </a:defRPr>
             </a:lvl7pPr>
             <a:lvl8pPr marL="3657600" marR="0" lvl="7" indent="-304800" algn="ctr" rtl="0">
@@ -9980,16 +9885,16 @@
                 <a:schemeClr val="lt2"/>
               </a:buClr>
               <a:buSzPts val="2800"/>
-              <a:buFont typeface="Fira Sans Condensed Light"/>
+              <a:buFont typeface="Fira Sans Condensed Light" panose="020B0503050000020004"/>
               <a:buNone/>
               <a:defRPr sz="2800" b="0" i="0" u="none" strike="noStrike" cap="none">
                 <a:solidFill>
                   <a:schemeClr val="lt2"/>
                 </a:solidFill>
-                <a:latin typeface="Fira Sans Condensed Light"/>
-                <a:ea typeface="Fira Sans Condensed Light"/>
-                <a:cs typeface="Fira Sans Condensed Light"/>
-                <a:sym typeface="Fira Sans Condensed Light"/>
+                <a:latin typeface="Fira Sans Condensed Light" panose="020B0503050000020004"/>
+                <a:ea typeface="Fira Sans Condensed Light" panose="020B0503050000020004"/>
+                <a:cs typeface="Fira Sans Condensed Light" panose="020B0503050000020004"/>
+                <a:sym typeface="Fira Sans Condensed Light" panose="020B0503050000020004"/>
               </a:defRPr>
             </a:lvl8pPr>
             <a:lvl9pPr marL="4114800" marR="0" lvl="8" indent="-304800" algn="ctr" rtl="0">
@@ -10006,16 +9911,16 @@
                 <a:schemeClr val="lt2"/>
               </a:buClr>
               <a:buSzPts val="2800"/>
-              <a:buFont typeface="Fira Sans Condensed Light"/>
+              <a:buFont typeface="Fira Sans Condensed Light" panose="020B0503050000020004"/>
               <a:buNone/>
               <a:defRPr sz="2800" b="0" i="0" u="none" strike="noStrike" cap="none">
                 <a:solidFill>
                   <a:schemeClr val="lt2"/>
                 </a:solidFill>
-                <a:latin typeface="Fira Sans Condensed Light"/>
-                <a:ea typeface="Fira Sans Condensed Light"/>
-                <a:cs typeface="Fira Sans Condensed Light"/>
-                <a:sym typeface="Fira Sans Condensed Light"/>
+                <a:latin typeface="Fira Sans Condensed Light" panose="020B0503050000020004"/>
+                <a:ea typeface="Fira Sans Condensed Light" panose="020B0503050000020004"/>
+                <a:cs typeface="Fira Sans Condensed Light" panose="020B0503050000020004"/>
+                <a:sym typeface="Fira Sans Condensed Light" panose="020B0503050000020004"/>
               </a:defRPr>
             </a:lvl9pPr>
           </a:lstStyle>
@@ -10031,6 +9936,7 @@
               <a:rPr lang="en-US" sz="1800" dirty="0"/>
               <a:t>The system can accept files from the user containing their genotypes.</a:t>
             </a:r>
+            <a:endParaRPr lang="en-US" sz="1800" dirty="0"/>
           </a:p>
           <a:p>
             <a:pPr algn="l">
@@ -10044,6 +9950,7 @@
               <a:rPr lang="en-US" sz="1800" dirty="0"/>
               <a:t>The system can save the user’s data (genotypes) (results)</a:t>
             </a:r>
+            <a:endParaRPr lang="en-US" sz="1800" dirty="0"/>
           </a:p>
           <a:p>
             <a:pPr algn="l">
@@ -10057,6 +9964,7 @@
               <a:rPr lang="en-US" sz="1800" dirty="0"/>
               <a:t>The user can input their genotypes and get a report showing which genotypes contribute to the paternity test.</a:t>
             </a:r>
+            <a:endParaRPr lang="en-US" sz="1800" dirty="0"/>
           </a:p>
           <a:p>
             <a:pPr algn="l">
@@ -10070,25 +9978,20 @@
               <a:rPr lang="en-US" sz="1800" dirty="0"/>
               <a:t>The user can see which alleles are different if it was proven wrong.</a:t>
             </a:r>
+            <a:endParaRPr lang="en-US" sz="1800" dirty="0"/>
           </a:p>
         </p:txBody>
       </p:sp>
       <p:pic>
         <p:nvPicPr>
-          <p:cNvPr id="1026" name="Picture 2">
-            <a:extLst>
-              <a:ext uri="{FF2B5EF4-FFF2-40B4-BE49-F238E27FC236}">
-                <a16:creationId xmlns:a16="http://schemas.microsoft.com/office/drawing/2014/main" id="{2A104E13-FBE5-4015-BE52-59B12AF2DA7B}"/>
-              </a:ext>
-            </a:extLst>
-          </p:cNvPr>
+          <p:cNvPr id="1026" name="Picture 2"/>
           <p:cNvPicPr>
             <a:picLocks noChangeAspect="1" noChangeArrowheads="1"/>
           </p:cNvPicPr>
           <p:nvPr/>
         </p:nvPicPr>
         <p:blipFill>
-          <a:blip r:embed="rId2">
+          <a:blip r:embed="rId1">
             <a:extLst>
               <a:ext uri="{28A0092B-C50C-407E-A947-70E740481C1C}">
                 <a14:useLocalDpi xmlns:a14="http://schemas.microsoft.com/office/drawing/2010/main" val="0"/>
@@ -10121,11 +10024,6 @@
         </p:spPr>
       </p:pic>
     </p:spTree>
-    <p:extLst>
-      <p:ext uri="{BB962C8B-B14F-4D97-AF65-F5344CB8AC3E}">
-        <p14:creationId xmlns:p14="http://schemas.microsoft.com/office/powerpoint/2010/main" val="3148047371"/>
-      </p:ext>
-    </p:extLst>
   </p:cSld>
   <p:clrMapOvr>
     <a:masterClrMapping/>
@@ -10412,8 +10310,11 @@
       </a:bgFillStyleLst>
     </a:fmtScheme>
   </a:themeElements>
-  <a:objectDefaults/>
-  <a:extraClrSchemeLst/>
+  <a:extLst>
+    <a:ext uri="{05A4C25C-085E-4340-85A3-A5531E510DB2}">
+      <thm15:themeFamily xmlns:thm15="http://schemas.microsoft.com/office/thememl/2012/main" name="Office Theme" id="{62F939B6-93AF-4DB8-9C6B-D6C7DFDC589F}" vid="{4A3C46E8-61CC-4603-A589-7422A47A8E4A}"/>
+    </a:ext>
+  </a:extLst>
 </a:theme>
 </file>
 
@@ -10693,7 +10594,10 @@
       </a:bgFillStyleLst>
     </a:fmtScheme>
   </a:themeElements>
-  <a:objectDefaults/>
-  <a:extraClrSchemeLst/>
+  <a:extLst>
+    <a:ext uri="{05A4C25C-085E-4340-85A3-A5531E510DB2}">
+      <thm15:themeFamily xmlns:thm15="http://schemas.microsoft.com/office/thememl/2012/main" name="Office Theme" id="{62F939B6-93AF-4DB8-9C6B-D6C7DFDC589F}" vid="{4A3C46E8-61CC-4603-A589-7422A47A8E4A}"/>
+    </a:ext>
+  </a:extLst>
 </a:theme>
 </file>
--- a/E-Genetics/presentations/new presentation.pptx
+++ b/E-Genetics/presentations/new presentation.pptx
@@ -2,57 +2,52 @@
 <file path=ppt/presentation.xml><?xml version="1.0" encoding="utf-8"?>
 <p:presentation xmlns:a="http://schemas.openxmlformats.org/drawingml/2006/main" xmlns:r="http://schemas.openxmlformats.org/officeDocument/2006/relationships" xmlns:p="http://schemas.openxmlformats.org/presentationml/2006/main" strictFirstAndLastChars="0" embedTrueTypeFonts="1" saveSubsetFonts="1" autoCompressPictures="0">
   <p:sldMasterIdLst>
-    <p:sldMasterId id="2147483648" r:id="rId1"/>
+    <p:sldMasterId id="2147483669" r:id="rId1"/>
   </p:sldMasterIdLst>
   <p:notesMasterIdLst>
-    <p:notesMasterId r:id="rId4"/>
+    <p:notesMasterId r:id="rId18"/>
   </p:notesMasterIdLst>
   <p:sldIdLst>
-    <p:sldId id="256" r:id="rId3"/>
-    <p:sldId id="257" r:id="rId5"/>
-    <p:sldId id="258" r:id="rId6"/>
-    <p:sldId id="297" r:id="rId7"/>
-    <p:sldId id="298" r:id="rId8"/>
-    <p:sldId id="259" r:id="rId9"/>
-    <p:sldId id="299" r:id="rId10"/>
-    <p:sldId id="300" r:id="rId11"/>
-    <p:sldId id="301" r:id="rId12"/>
-    <p:sldId id="303" r:id="rId13"/>
-    <p:sldId id="304" r:id="rId14"/>
-    <p:sldId id="305" r:id="rId15"/>
-    <p:sldId id="306" r:id="rId16"/>
-    <p:sldId id="260" r:id="rId17"/>
-    <p:sldId id="308" r:id="rId18"/>
-    <p:sldId id="309" r:id="rId19"/>
+    <p:sldId id="256" r:id="rId2"/>
+    <p:sldId id="257" r:id="rId3"/>
+    <p:sldId id="258" r:id="rId4"/>
+    <p:sldId id="297" r:id="rId5"/>
+    <p:sldId id="298" r:id="rId6"/>
+    <p:sldId id="259" r:id="rId7"/>
+    <p:sldId id="299" r:id="rId8"/>
+    <p:sldId id="300" r:id="rId9"/>
+    <p:sldId id="301" r:id="rId10"/>
+    <p:sldId id="303" r:id="rId11"/>
+    <p:sldId id="304" r:id="rId12"/>
+    <p:sldId id="305" r:id="rId13"/>
+    <p:sldId id="306" r:id="rId14"/>
+    <p:sldId id="260" r:id="rId15"/>
+    <p:sldId id="308" r:id="rId16"/>
+    <p:sldId id="309" r:id="rId17"/>
   </p:sldIdLst>
   <p:sldSz cx="9144000" cy="5143500" type="screen16x9"/>
   <p:notesSz cx="6858000" cy="9144000"/>
   <p:embeddedFontLst>
     <p:embeddedFont>
-      <p:font typeface="Rajdhani" panose="02000000000000000000"/>
-      <p:regular r:id="rId23"/>
+      <p:font typeface="Advent Pro Light" panose="020B0604020202020204" charset="0"/>
+      <p:regular r:id="rId19"/>
+      <p:bold r:id="rId20"/>
     </p:embeddedFont>
     <p:embeddedFont>
-      <p:font typeface="Fira Sans Condensed Light" panose="020B0503050000020004"/>
-      <p:regular r:id="rId24"/>
+      <p:font typeface="Anton" pitchFamily="2" charset="0"/>
+      <p:regular r:id="rId21"/>
     </p:embeddedFont>
     <p:embeddedFont>
-      <p:font typeface="Anton"/>
-      <p:regular r:id="rId25"/>
+      <p:font typeface="Fira Sans Condensed Light" panose="020B0403050000020004" pitchFamily="34" charset="0"/>
+      <p:regular r:id="rId22"/>
+      <p:bold r:id="rId23"/>
+      <p:italic r:id="rId24"/>
+      <p:boldItalic r:id="rId25"/>
     </p:embeddedFont>
     <p:embeddedFont>
-      <p:font typeface="Advent Pro Light" panose="02000506040000020004"/>
+      <p:font typeface="Rajdhani" panose="020B0604020202020204" charset="0"/>
       <p:regular r:id="rId26"/>
-    </p:embeddedFont>
-    <p:embeddedFont>
-      <p:font typeface="Fira Sans Condensed Light" panose="020B0503050000020004" charset="0"/>
-      <p:regular r:id="rId27"/>
-      <p:italic r:id="rId28"/>
-    </p:embeddedFont>
-    <p:embeddedFont>
-      <p:font typeface="Rajdhani" panose="02000000000000000000" charset="0"/>
-      <p:regular r:id="rId29"/>
-      <p:bold r:id="rId30"/>
+      <p:bold r:id="rId27"/>
     </p:embeddedFont>
   </p:embeddedFontLst>
   <p:defaultTextStyle>
@@ -80,15 +75,15 @@
       <a:buClr>
         <a:srgbClr val="000000"/>
       </a:buClr>
-      <a:buFont typeface="Arial" panose="020B0604020202020204"/>
+      <a:buFont typeface="Arial"/>
       <a:defRPr sz="1400" b="0" i="0" u="none" strike="noStrike" cap="none">
         <a:solidFill>
           <a:srgbClr val="000000"/>
         </a:solidFill>
-        <a:latin typeface="Arial" panose="020B0604020202020204"/>
-        <a:ea typeface="Arial" panose="020B0604020202020204"/>
-        <a:cs typeface="Arial" panose="020B0604020202020204"/>
-        <a:sym typeface="Arial" panose="020B0604020202020204"/>
+        <a:latin typeface="Arial"/>
+        <a:ea typeface="Arial"/>
+        <a:cs typeface="Arial"/>
+        <a:sym typeface="Arial"/>
       </a:defRPr>
     </a:lvl1pPr>
     <a:lvl2pPr marR="0" lvl="1" algn="l" rtl="0">
@@ -104,15 +99,15 @@
       <a:buClr>
         <a:srgbClr val="000000"/>
       </a:buClr>
-      <a:buFont typeface="Arial" panose="020B0604020202020204"/>
+      <a:buFont typeface="Arial"/>
       <a:defRPr sz="1400" b="0" i="0" u="none" strike="noStrike" cap="none">
         <a:solidFill>
           <a:srgbClr val="000000"/>
         </a:solidFill>
-        <a:latin typeface="Arial" panose="020B0604020202020204"/>
-        <a:ea typeface="Arial" panose="020B0604020202020204"/>
-        <a:cs typeface="Arial" panose="020B0604020202020204"/>
-        <a:sym typeface="Arial" panose="020B0604020202020204"/>
+        <a:latin typeface="Arial"/>
+        <a:ea typeface="Arial"/>
+        <a:cs typeface="Arial"/>
+        <a:sym typeface="Arial"/>
       </a:defRPr>
     </a:lvl2pPr>
     <a:lvl3pPr marR="0" lvl="2" algn="l" rtl="0">
@@ -128,15 +123,15 @@
       <a:buClr>
         <a:srgbClr val="000000"/>
       </a:buClr>
-      <a:buFont typeface="Arial" panose="020B0604020202020204"/>
+      <a:buFont typeface="Arial"/>
       <a:defRPr sz="1400" b="0" i="0" u="none" strike="noStrike" cap="none">
         <a:solidFill>
           <a:srgbClr val="000000"/>
         </a:solidFill>
-        <a:latin typeface="Arial" panose="020B0604020202020204"/>
-        <a:ea typeface="Arial" panose="020B0604020202020204"/>
-        <a:cs typeface="Arial" panose="020B0604020202020204"/>
-        <a:sym typeface="Arial" panose="020B0604020202020204"/>
+        <a:latin typeface="Arial"/>
+        <a:ea typeface="Arial"/>
+        <a:cs typeface="Arial"/>
+        <a:sym typeface="Arial"/>
       </a:defRPr>
     </a:lvl3pPr>
     <a:lvl4pPr marR="0" lvl="3" algn="l" rtl="0">
@@ -152,15 +147,15 @@
       <a:buClr>
         <a:srgbClr val="000000"/>
       </a:buClr>
-      <a:buFont typeface="Arial" panose="020B0604020202020204"/>
+      <a:buFont typeface="Arial"/>
       <a:defRPr sz="1400" b="0" i="0" u="none" strike="noStrike" cap="none">
         <a:solidFill>
           <a:srgbClr val="000000"/>
         </a:solidFill>
-        <a:latin typeface="Arial" panose="020B0604020202020204"/>
-        <a:ea typeface="Arial" panose="020B0604020202020204"/>
-        <a:cs typeface="Arial" panose="020B0604020202020204"/>
-        <a:sym typeface="Arial" panose="020B0604020202020204"/>
+        <a:latin typeface="Arial"/>
+        <a:ea typeface="Arial"/>
+        <a:cs typeface="Arial"/>
+        <a:sym typeface="Arial"/>
       </a:defRPr>
     </a:lvl4pPr>
     <a:lvl5pPr marR="0" lvl="4" algn="l" rtl="0">
@@ -176,15 +171,15 @@
       <a:buClr>
         <a:srgbClr val="000000"/>
       </a:buClr>
-      <a:buFont typeface="Arial" panose="020B0604020202020204"/>
+      <a:buFont typeface="Arial"/>
       <a:defRPr sz="1400" b="0" i="0" u="none" strike="noStrike" cap="none">
         <a:solidFill>
           <a:srgbClr val="000000"/>
         </a:solidFill>
-        <a:latin typeface="Arial" panose="020B0604020202020204"/>
-        <a:ea typeface="Arial" panose="020B0604020202020204"/>
-        <a:cs typeface="Arial" panose="020B0604020202020204"/>
-        <a:sym typeface="Arial" panose="020B0604020202020204"/>
+        <a:latin typeface="Arial"/>
+        <a:ea typeface="Arial"/>
+        <a:cs typeface="Arial"/>
+        <a:sym typeface="Arial"/>
       </a:defRPr>
     </a:lvl5pPr>
     <a:lvl6pPr marR="0" lvl="5" algn="l" rtl="0">
@@ -200,15 +195,15 @@
       <a:buClr>
         <a:srgbClr val="000000"/>
       </a:buClr>
-      <a:buFont typeface="Arial" panose="020B0604020202020204"/>
+      <a:buFont typeface="Arial"/>
       <a:defRPr sz="1400" b="0" i="0" u="none" strike="noStrike" cap="none">
         <a:solidFill>
           <a:srgbClr val="000000"/>
         </a:solidFill>
-        <a:latin typeface="Arial" panose="020B0604020202020204"/>
-        <a:ea typeface="Arial" panose="020B0604020202020204"/>
-        <a:cs typeface="Arial" panose="020B0604020202020204"/>
-        <a:sym typeface="Arial" panose="020B0604020202020204"/>
+        <a:latin typeface="Arial"/>
+        <a:ea typeface="Arial"/>
+        <a:cs typeface="Arial"/>
+        <a:sym typeface="Arial"/>
       </a:defRPr>
     </a:lvl6pPr>
     <a:lvl7pPr marR="0" lvl="6" algn="l" rtl="0">
@@ -224,15 +219,15 @@
       <a:buClr>
         <a:srgbClr val="000000"/>
       </a:buClr>
-      <a:buFont typeface="Arial" panose="020B0604020202020204"/>
+      <a:buFont typeface="Arial"/>
       <a:defRPr sz="1400" b="0" i="0" u="none" strike="noStrike" cap="none">
         <a:solidFill>
           <a:srgbClr val="000000"/>
         </a:solidFill>
-        <a:latin typeface="Arial" panose="020B0604020202020204"/>
-        <a:ea typeface="Arial" panose="020B0604020202020204"/>
-        <a:cs typeface="Arial" panose="020B0604020202020204"/>
-        <a:sym typeface="Arial" panose="020B0604020202020204"/>
+        <a:latin typeface="Arial"/>
+        <a:ea typeface="Arial"/>
+        <a:cs typeface="Arial"/>
+        <a:sym typeface="Arial"/>
       </a:defRPr>
     </a:lvl7pPr>
     <a:lvl8pPr marR="0" lvl="7" algn="l" rtl="0">
@@ -248,15 +243,15 @@
       <a:buClr>
         <a:srgbClr val="000000"/>
       </a:buClr>
-      <a:buFont typeface="Arial" panose="020B0604020202020204"/>
+      <a:buFont typeface="Arial"/>
       <a:defRPr sz="1400" b="0" i="0" u="none" strike="noStrike" cap="none">
         <a:solidFill>
           <a:srgbClr val="000000"/>
         </a:solidFill>
-        <a:latin typeface="Arial" panose="020B0604020202020204"/>
-        <a:ea typeface="Arial" panose="020B0604020202020204"/>
-        <a:cs typeface="Arial" panose="020B0604020202020204"/>
-        <a:sym typeface="Arial" panose="020B0604020202020204"/>
+        <a:latin typeface="Arial"/>
+        <a:ea typeface="Arial"/>
+        <a:cs typeface="Arial"/>
+        <a:sym typeface="Arial"/>
       </a:defRPr>
     </a:lvl8pPr>
     <a:lvl9pPr marR="0" lvl="8" algn="l" rtl="0">
@@ -272,18 +267,23 @@
       <a:buClr>
         <a:srgbClr val="000000"/>
       </a:buClr>
-      <a:buFont typeface="Arial" panose="020B0604020202020204"/>
+      <a:buFont typeface="Arial"/>
       <a:defRPr sz="1400" b="0" i="0" u="none" strike="noStrike" cap="none">
         <a:solidFill>
           <a:srgbClr val="000000"/>
         </a:solidFill>
-        <a:latin typeface="Arial" panose="020B0604020202020204"/>
-        <a:ea typeface="Arial" panose="020B0604020202020204"/>
-        <a:cs typeface="Arial" panose="020B0604020202020204"/>
-        <a:sym typeface="Arial" panose="020B0604020202020204"/>
+        <a:latin typeface="Arial"/>
+        <a:ea typeface="Arial"/>
+        <a:cs typeface="Arial"/>
+        <a:sym typeface="Arial"/>
       </a:defRPr>
     </a:lvl9pPr>
   </p:defaultTextStyle>
+  <p:extLst>
+    <p:ext uri="{EFAFB233-063F-42B5-8137-9DF3F51BA10A}">
+      <p15:sldGuideLst xmlns:p15="http://schemas.microsoft.com/office/powerpoint/2012/main"/>
+    </p:ext>
+  </p:extLst>
 </p:presentation>
 </file>
 
@@ -488,7 +488,9 @@
               <a:defRPr sz="1100"/>
             </a:lvl9pPr>
           </a:lstStyle>
-          <a:p/>
+          <a:p>
+            <a:endParaRPr/>
+          </a:p>
         </p:txBody>
       </p:sp>
     </p:spTree>
@@ -519,15 +521,15 @@
       <a:buClr>
         <a:srgbClr val="000000"/>
       </a:buClr>
-      <a:buFont typeface="Arial" panose="020B0604020202020204"/>
+      <a:buFont typeface="Arial"/>
       <a:defRPr sz="1400" b="0" i="0" u="none" strike="noStrike" cap="none">
         <a:solidFill>
           <a:srgbClr val="000000"/>
         </a:solidFill>
-        <a:latin typeface="Arial" panose="020B0604020202020204"/>
-        <a:ea typeface="Arial" panose="020B0604020202020204"/>
-        <a:cs typeface="Arial" panose="020B0604020202020204"/>
-        <a:sym typeface="Arial" panose="020B0604020202020204"/>
+        <a:latin typeface="Arial"/>
+        <a:ea typeface="Arial"/>
+        <a:cs typeface="Arial"/>
+        <a:sym typeface="Arial"/>
       </a:defRPr>
     </a:lvl1pPr>
     <a:lvl2pPr marR="0" lvl="1" algn="l" rtl="0">
@@ -543,15 +545,15 @@
       <a:buClr>
         <a:srgbClr val="000000"/>
       </a:buClr>
-      <a:buFont typeface="Arial" panose="020B0604020202020204"/>
+      <a:buFont typeface="Arial"/>
       <a:defRPr sz="1400" b="0" i="0" u="none" strike="noStrike" cap="none">
         <a:solidFill>
           <a:srgbClr val="000000"/>
         </a:solidFill>
-        <a:latin typeface="Arial" panose="020B0604020202020204"/>
-        <a:ea typeface="Arial" panose="020B0604020202020204"/>
-        <a:cs typeface="Arial" panose="020B0604020202020204"/>
-        <a:sym typeface="Arial" panose="020B0604020202020204"/>
+        <a:latin typeface="Arial"/>
+        <a:ea typeface="Arial"/>
+        <a:cs typeface="Arial"/>
+        <a:sym typeface="Arial"/>
       </a:defRPr>
     </a:lvl2pPr>
     <a:lvl3pPr marR="0" lvl="2" algn="l" rtl="0">
@@ -567,15 +569,15 @@
       <a:buClr>
         <a:srgbClr val="000000"/>
       </a:buClr>
-      <a:buFont typeface="Arial" panose="020B0604020202020204"/>
+      <a:buFont typeface="Arial"/>
       <a:defRPr sz="1400" b="0" i="0" u="none" strike="noStrike" cap="none">
         <a:solidFill>
           <a:srgbClr val="000000"/>
         </a:solidFill>
-        <a:latin typeface="Arial" panose="020B0604020202020204"/>
-        <a:ea typeface="Arial" panose="020B0604020202020204"/>
-        <a:cs typeface="Arial" panose="020B0604020202020204"/>
-        <a:sym typeface="Arial" panose="020B0604020202020204"/>
+        <a:latin typeface="Arial"/>
+        <a:ea typeface="Arial"/>
+        <a:cs typeface="Arial"/>
+        <a:sym typeface="Arial"/>
       </a:defRPr>
     </a:lvl3pPr>
     <a:lvl4pPr marR="0" lvl="3" algn="l" rtl="0">
@@ -591,15 +593,15 @@
       <a:buClr>
         <a:srgbClr val="000000"/>
       </a:buClr>
-      <a:buFont typeface="Arial" panose="020B0604020202020204"/>
+      <a:buFont typeface="Arial"/>
       <a:defRPr sz="1400" b="0" i="0" u="none" strike="noStrike" cap="none">
         <a:solidFill>
           <a:srgbClr val="000000"/>
         </a:solidFill>
-        <a:latin typeface="Arial" panose="020B0604020202020204"/>
-        <a:ea typeface="Arial" panose="020B0604020202020204"/>
-        <a:cs typeface="Arial" panose="020B0604020202020204"/>
-        <a:sym typeface="Arial" panose="020B0604020202020204"/>
+        <a:latin typeface="Arial"/>
+        <a:ea typeface="Arial"/>
+        <a:cs typeface="Arial"/>
+        <a:sym typeface="Arial"/>
       </a:defRPr>
     </a:lvl4pPr>
     <a:lvl5pPr marR="0" lvl="4" algn="l" rtl="0">
@@ -615,15 +617,15 @@
       <a:buClr>
         <a:srgbClr val="000000"/>
       </a:buClr>
-      <a:buFont typeface="Arial" panose="020B0604020202020204"/>
+      <a:buFont typeface="Arial"/>
       <a:defRPr sz="1400" b="0" i="0" u="none" strike="noStrike" cap="none">
         <a:solidFill>
           <a:srgbClr val="000000"/>
         </a:solidFill>
-        <a:latin typeface="Arial" panose="020B0604020202020204"/>
-        <a:ea typeface="Arial" panose="020B0604020202020204"/>
-        <a:cs typeface="Arial" panose="020B0604020202020204"/>
-        <a:sym typeface="Arial" panose="020B0604020202020204"/>
+        <a:latin typeface="Arial"/>
+        <a:ea typeface="Arial"/>
+        <a:cs typeface="Arial"/>
+        <a:sym typeface="Arial"/>
       </a:defRPr>
     </a:lvl5pPr>
     <a:lvl6pPr marR="0" lvl="5" algn="l" rtl="0">
@@ -639,15 +641,15 @@
       <a:buClr>
         <a:srgbClr val="000000"/>
       </a:buClr>
-      <a:buFont typeface="Arial" panose="020B0604020202020204"/>
+      <a:buFont typeface="Arial"/>
       <a:defRPr sz="1400" b="0" i="0" u="none" strike="noStrike" cap="none">
         <a:solidFill>
           <a:srgbClr val="000000"/>
         </a:solidFill>
-        <a:latin typeface="Arial" panose="020B0604020202020204"/>
-        <a:ea typeface="Arial" panose="020B0604020202020204"/>
-        <a:cs typeface="Arial" panose="020B0604020202020204"/>
-        <a:sym typeface="Arial" panose="020B0604020202020204"/>
+        <a:latin typeface="Arial"/>
+        <a:ea typeface="Arial"/>
+        <a:cs typeface="Arial"/>
+        <a:sym typeface="Arial"/>
       </a:defRPr>
     </a:lvl6pPr>
     <a:lvl7pPr marR="0" lvl="6" algn="l" rtl="0">
@@ -663,15 +665,15 @@
       <a:buClr>
         <a:srgbClr val="000000"/>
       </a:buClr>
-      <a:buFont typeface="Arial" panose="020B0604020202020204"/>
+      <a:buFont typeface="Arial"/>
       <a:defRPr sz="1400" b="0" i="0" u="none" strike="noStrike" cap="none">
         <a:solidFill>
           <a:srgbClr val="000000"/>
         </a:solidFill>
-        <a:latin typeface="Arial" panose="020B0604020202020204"/>
-        <a:ea typeface="Arial" panose="020B0604020202020204"/>
-        <a:cs typeface="Arial" panose="020B0604020202020204"/>
-        <a:sym typeface="Arial" panose="020B0604020202020204"/>
+        <a:latin typeface="Arial"/>
+        <a:ea typeface="Arial"/>
+        <a:cs typeface="Arial"/>
+        <a:sym typeface="Arial"/>
       </a:defRPr>
     </a:lvl7pPr>
     <a:lvl8pPr marR="0" lvl="7" algn="l" rtl="0">
@@ -687,15 +689,15 @@
       <a:buClr>
         <a:srgbClr val="000000"/>
       </a:buClr>
-      <a:buFont typeface="Arial" panose="020B0604020202020204"/>
+      <a:buFont typeface="Arial"/>
       <a:defRPr sz="1400" b="0" i="0" u="none" strike="noStrike" cap="none">
         <a:solidFill>
           <a:srgbClr val="000000"/>
         </a:solidFill>
-        <a:latin typeface="Arial" panose="020B0604020202020204"/>
-        <a:ea typeface="Arial" panose="020B0604020202020204"/>
-        <a:cs typeface="Arial" panose="020B0604020202020204"/>
-        <a:sym typeface="Arial" panose="020B0604020202020204"/>
+        <a:latin typeface="Arial"/>
+        <a:ea typeface="Arial"/>
+        <a:cs typeface="Arial"/>
+        <a:sym typeface="Arial"/>
       </a:defRPr>
     </a:lvl8pPr>
     <a:lvl9pPr marR="0" lvl="8" algn="l" rtl="0">
@@ -711,15 +713,15 @@
       <a:buClr>
         <a:srgbClr val="000000"/>
       </a:buClr>
-      <a:buFont typeface="Arial" panose="020B0604020202020204"/>
+      <a:buFont typeface="Arial"/>
       <a:defRPr sz="1400" b="0" i="0" u="none" strike="noStrike" cap="none">
         <a:solidFill>
           <a:srgbClr val="000000"/>
         </a:solidFill>
-        <a:latin typeface="Arial" panose="020B0604020202020204"/>
-        <a:ea typeface="Arial" panose="020B0604020202020204"/>
-        <a:cs typeface="Arial" panose="020B0604020202020204"/>
-        <a:sym typeface="Arial" panose="020B0604020202020204"/>
+        <a:latin typeface="Arial"/>
+        <a:ea typeface="Arial"/>
+        <a:cs typeface="Arial"/>
+        <a:sym typeface="Arial"/>
       </a:defRPr>
     </a:lvl9pPr>
   </p:notesStyle>
@@ -727,7 +729,7 @@
 </file>
 
 <file path=ppt/notesSlides/notesSlide1.xml><?xml version="1.0" encoding="utf-8"?>
-<p:notes xmlns:a="http://schemas.openxmlformats.org/drawingml/2006/main" xmlns:r="http://schemas.openxmlformats.org/officeDocument/2006/relationships" xmlns:p="http://schemas.openxmlformats.org/presentationml/2006/main" showMasterPhAnim="0" showMasterSp="0">
+<p:notes xmlns:a="http://schemas.openxmlformats.org/drawingml/2006/main" xmlns:r="http://schemas.openxmlformats.org/officeDocument/2006/relationships" xmlns:p="http://schemas.openxmlformats.org/presentationml/2006/main" showMasterSp="0" showMasterPhAnim="0">
   <p:cSld>
     <p:spTree>
       <p:nvGrpSpPr>
@@ -818,6 +820,7 @@
               </a:spcAft>
               <a:buNone/>
             </a:pPr>
+            <a:endParaRPr/>
           </a:p>
         </p:txBody>
       </p:sp>
@@ -830,7 +833,7 @@
 </file>
 
 <file path=ppt/notesSlides/notesSlide2.xml><?xml version="1.0" encoding="utf-8"?>
-<p:notes xmlns:a="http://schemas.openxmlformats.org/drawingml/2006/main" xmlns:r="http://schemas.openxmlformats.org/officeDocument/2006/relationships" xmlns:p="http://schemas.openxmlformats.org/presentationml/2006/main" showMasterPhAnim="0" showMasterSp="0">
+<p:notes xmlns:a="http://schemas.openxmlformats.org/drawingml/2006/main" xmlns:r="http://schemas.openxmlformats.org/officeDocument/2006/relationships" xmlns:p="http://schemas.openxmlformats.org/presentationml/2006/main" showMasterSp="0" showMasterPhAnim="0">
   <p:cSld>
     <p:spTree>
       <p:nvGrpSpPr>
@@ -921,6 +924,7 @@
               </a:spcAft>
               <a:buNone/>
             </a:pPr>
+            <a:endParaRPr/>
           </a:p>
         </p:txBody>
       </p:sp>
@@ -933,7 +937,7 @@
 </file>
 
 <file path=ppt/notesSlides/notesSlide3.xml><?xml version="1.0" encoding="utf-8"?>
-<p:notes xmlns:a="http://schemas.openxmlformats.org/drawingml/2006/main" xmlns:r="http://schemas.openxmlformats.org/officeDocument/2006/relationships" xmlns:p="http://schemas.openxmlformats.org/presentationml/2006/main" showMasterPhAnim="0" showMasterSp="0">
+<p:notes xmlns:a="http://schemas.openxmlformats.org/drawingml/2006/main" xmlns:r="http://schemas.openxmlformats.org/officeDocument/2006/relationships" xmlns:p="http://schemas.openxmlformats.org/presentationml/2006/main" showMasterSp="0" showMasterPhAnim="0">
   <p:cSld>
     <p:spTree>
       <p:nvGrpSpPr>
@@ -1024,6 +1028,7 @@
               </a:spcAft>
               <a:buNone/>
             </a:pPr>
+            <a:endParaRPr/>
           </a:p>
         </p:txBody>
       </p:sp>
@@ -1036,7 +1041,7 @@
 </file>
 
 <file path=ppt/notesSlides/notesSlide4.xml><?xml version="1.0" encoding="utf-8"?>
-<p:notes xmlns:a="http://schemas.openxmlformats.org/drawingml/2006/main" xmlns:r="http://schemas.openxmlformats.org/officeDocument/2006/relationships" xmlns:p="http://schemas.openxmlformats.org/presentationml/2006/main" showMasterPhAnim="0" showMasterSp="0">
+<p:notes xmlns:a="http://schemas.openxmlformats.org/drawingml/2006/main" xmlns:r="http://schemas.openxmlformats.org/officeDocument/2006/relationships" xmlns:p="http://schemas.openxmlformats.org/presentationml/2006/main" showMasterSp="0" showMasterPhAnim="0">
   <p:cSld>
     <p:spTree>
       <p:nvGrpSpPr>
@@ -1127,6 +1132,7 @@
               </a:spcAft>
               <a:buNone/>
             </a:pPr>
+            <a:endParaRPr/>
           </a:p>
         </p:txBody>
       </p:sp>
@@ -1139,7 +1145,7 @@
 </file>
 
 <file path=ppt/notesSlides/notesSlide5.xml><?xml version="1.0" encoding="utf-8"?>
-<p:notes xmlns:a="http://schemas.openxmlformats.org/drawingml/2006/main" xmlns:r="http://schemas.openxmlformats.org/officeDocument/2006/relationships" xmlns:p="http://schemas.openxmlformats.org/presentationml/2006/main" showMasterPhAnim="0" showMasterSp="0">
+<p:notes xmlns:a="http://schemas.openxmlformats.org/drawingml/2006/main" xmlns:r="http://schemas.openxmlformats.org/officeDocument/2006/relationships" xmlns:p="http://schemas.openxmlformats.org/presentationml/2006/main" showMasterSp="0" showMasterPhAnim="0">
   <p:cSld>
     <p:spTree>
       <p:nvGrpSpPr>
@@ -1230,6 +1236,7 @@
               </a:spcAft>
               <a:buNone/>
             </a:pPr>
+            <a:endParaRPr/>
           </a:p>
         </p:txBody>
       </p:sp>
@@ -1242,12 +1249,14 @@
 </file>
 
 <file path=ppt/slideLayouts/slideLayout1.xml><?xml version="1.0" encoding="utf-8"?>
-<p:sldLayout xmlns:a="http://schemas.openxmlformats.org/drawingml/2006/main" xmlns:r="http://schemas.openxmlformats.org/officeDocument/2006/relationships" xmlns:p="http://schemas.openxmlformats.org/presentationml/2006/main" type="title" matchingName="Title slide">
+<p:sldLayout xmlns:a="http://schemas.openxmlformats.org/drawingml/2006/main" xmlns:r="http://schemas.openxmlformats.org/officeDocument/2006/relationships" xmlns:p="http://schemas.openxmlformats.org/presentationml/2006/main" matchingName="Title slide" type="title">
   <p:cSld name="TITLE">
     <p:bg>
       <p:bgPr>
         <a:blipFill>
-          <a:blip r:embed="rId2"/>
+          <a:blip r:embed="rId2">
+            <a:alphaModFix/>
+          </a:blip>
           <a:stretch>
             <a:fillRect/>
           </a:stretch>
@@ -1398,7 +1407,9 @@
               <a:defRPr sz="5200"/>
             </a:lvl9pPr>
           </a:lstStyle>
-          <a:p/>
+          <a:p>
+            <a:endParaRPr/>
+          </a:p>
         </p:txBody>
       </p:sp>
       <p:sp>
@@ -1438,10 +1449,10 @@
               <a:buSzPts val="2800"/>
               <a:buNone/>
               <a:defRPr sz="1400">
-                <a:latin typeface="Advent Pro Light" panose="02000506040000020004"/>
-                <a:ea typeface="Advent Pro Light" panose="02000506040000020004"/>
-                <a:cs typeface="Advent Pro Light" panose="02000506040000020004"/>
-                <a:sym typeface="Advent Pro Light" panose="02000506040000020004"/>
+                <a:latin typeface="Advent Pro Light"/>
+                <a:ea typeface="Advent Pro Light"/>
+                <a:cs typeface="Advent Pro Light"/>
+                <a:sym typeface="Advent Pro Light"/>
               </a:defRPr>
             </a:lvl1pPr>
             <a:lvl2pPr lvl="1" algn="ctr">
@@ -1557,7 +1568,9 @@
               <a:defRPr sz="2800"/>
             </a:lvl9pPr>
           </a:lstStyle>
-          <a:p/>
+          <a:p>
+            <a:endParaRPr/>
+          </a:p>
         </p:txBody>
       </p:sp>
     </p:spTree>
@@ -1572,12 +1585,14 @@
 </file>
 
 <file path=ppt/slideLayouts/slideLayout2.xml><?xml version="1.0" encoding="utf-8"?>
-<p:sldLayout xmlns:a="http://schemas.openxmlformats.org/drawingml/2006/main" xmlns:r="http://schemas.openxmlformats.org/officeDocument/2006/relationships" xmlns:p="http://schemas.openxmlformats.org/presentationml/2006/main" type="tx" matchingName="Title and body">
+<p:sldLayout xmlns:a="http://schemas.openxmlformats.org/drawingml/2006/main" xmlns:r="http://schemas.openxmlformats.org/officeDocument/2006/relationships" xmlns:p="http://schemas.openxmlformats.org/presentationml/2006/main" matchingName="Title and body" type="tx">
   <p:cSld name="TITLE_AND_BODY">
     <p:bg>
       <p:bgPr>
         <a:blipFill>
-          <a:blip r:embed="rId2"/>
+          <a:blip r:embed="rId2">
+            <a:alphaModFix/>
+          </a:blip>
           <a:stretch>
             <a:fillRect/>
           </a:stretch>
@@ -1762,7 +1777,9 @@
               <a:defRPr sz="1200"/>
             </a:lvl9pPr>
           </a:lstStyle>
-          <a:p/>
+          <a:p>
+            <a:endParaRPr/>
+          </a:p>
         </p:txBody>
       </p:sp>
       <p:sp>
@@ -1889,7 +1906,9 @@
               <a:defRPr sz="3000"/>
             </a:lvl9pPr>
           </a:lstStyle>
-          <a:p/>
+          <a:p>
+            <a:endParaRPr/>
+          </a:p>
         </p:txBody>
       </p:sp>
     </p:spTree>
@@ -1909,7 +1928,9 @@
     <p:bg>
       <p:bgPr>
         <a:blipFill>
-          <a:blip r:embed="rId2"/>
+          <a:blip r:embed="rId2">
+            <a:alphaModFix/>
+          </a:blip>
           <a:stretch>
             <a:fillRect/>
           </a:stretch>
@@ -2082,7 +2103,9 @@
               <a:defRPr sz="2800"/>
             </a:lvl9pPr>
           </a:lstStyle>
-          <a:p/>
+          <a:p>
+            <a:endParaRPr/>
+          </a:p>
         </p:txBody>
       </p:sp>
       <p:sp>
@@ -2209,7 +2232,9 @@
               <a:defRPr sz="1400"/>
             </a:lvl9pPr>
           </a:lstStyle>
-          <a:p/>
+          <a:p>
+            <a:endParaRPr/>
+          </a:p>
         </p:txBody>
       </p:sp>
     </p:spTree>
@@ -2229,7 +2254,9 @@
     <p:bg>
       <p:bgPr>
         <a:blipFill>
-          <a:blip r:embed="rId2"/>
+          <a:blip r:embed="rId2">
+            <a:alphaModFix/>
+          </a:blip>
           <a:stretch>
             <a:fillRect/>
           </a:stretch>
@@ -2375,7 +2402,9 @@
               <a:defRPr sz="1800"/>
             </a:lvl9pPr>
           </a:lstStyle>
-          <a:p/>
+          <a:p>
+            <a:endParaRPr/>
+          </a:p>
         </p:txBody>
       </p:sp>
     </p:spTree>
@@ -2390,7 +2419,7 @@
 </file>
 
 <file path=ppt/slideLayouts/slideLayout5.xml><?xml version="1.0" encoding="utf-8"?>
-<p:sldLayout xmlns:a="http://schemas.openxmlformats.org/drawingml/2006/main" xmlns:r="http://schemas.openxmlformats.org/officeDocument/2006/relationships" xmlns:p="http://schemas.openxmlformats.org/presentationml/2006/main" type="blank" matchingName="Blank">
+<p:sldLayout xmlns:a="http://schemas.openxmlformats.org/drawingml/2006/main" xmlns:r="http://schemas.openxmlformats.org/officeDocument/2006/relationships" xmlns:p="http://schemas.openxmlformats.org/presentationml/2006/main" matchingName="Blank" type="blank">
   <p:cSld name="BLANK">
     <p:bg>
       <p:bgPr>
@@ -2429,7 +2458,9 @@
     <p:bg>
       <p:bgPr>
         <a:blipFill>
-          <a:blip r:embed="rId2"/>
+          <a:blip r:embed="rId2">
+            <a:alphaModFix/>
+          </a:blip>
           <a:stretch>
             <a:fillRect/>
           </a:stretch>
@@ -2579,7 +2610,9 @@
               <a:defRPr sz="1400"/>
             </a:lvl9pPr>
           </a:lstStyle>
-          <a:p/>
+          <a:p>
+            <a:endParaRPr/>
+          </a:p>
         </p:txBody>
       </p:sp>
       <p:sp>
@@ -2724,7 +2757,9 @@
               <a:defRPr sz="1400"/>
             </a:lvl9pPr>
           </a:lstStyle>
-          <a:p/>
+          <a:p>
+            <a:endParaRPr/>
+          </a:p>
         </p:txBody>
       </p:sp>
       <p:sp>
@@ -2755,7 +2790,7 @@
             <a:noAutofit/>
           </a:bodyPr>
           <a:lstStyle>
-            <a:lvl1pPr marR="71755" lvl="0" rtl="0">
+            <a:lvl1pPr marR="72000" lvl="0" rtl="0">
               <a:spcBef>
                 <a:spcPts val="0"/>
               </a:spcBef>
@@ -2855,7 +2890,9 @@
               <a:defRPr sz="1400"/>
             </a:lvl9pPr>
           </a:lstStyle>
-          <a:p/>
+          <a:p>
+            <a:endParaRPr/>
+          </a:p>
         </p:txBody>
       </p:sp>
       <p:sp>
@@ -3000,7 +3037,9 @@
               <a:defRPr sz="1400"/>
             </a:lvl9pPr>
           </a:lstStyle>
-          <a:p/>
+          <a:p>
+            <a:endParaRPr/>
+          </a:p>
         </p:txBody>
       </p:sp>
       <p:sp>
@@ -3131,7 +3170,9 @@
               <a:defRPr sz="1400"/>
             </a:lvl9pPr>
           </a:lstStyle>
-          <a:p/>
+          <a:p>
+            <a:endParaRPr/>
+          </a:p>
         </p:txBody>
       </p:sp>
       <p:sp>
@@ -3249,7 +3290,9 @@
               <a:defRPr sz="1400"/>
             </a:lvl9pPr>
           </a:lstStyle>
-          <a:p/>
+          <a:p>
+            <a:endParaRPr/>
+          </a:p>
         </p:txBody>
       </p:sp>
       <p:sp>
@@ -3280,7 +3323,7 @@
             <a:noAutofit/>
           </a:bodyPr>
           <a:lstStyle>
-            <a:lvl1pPr marR="71755" lvl="0" rtl="0">
+            <a:lvl1pPr marR="72000" lvl="0" rtl="0">
               <a:spcBef>
                 <a:spcPts val="0"/>
               </a:spcBef>
@@ -3380,7 +3423,9 @@
               <a:defRPr sz="1400"/>
             </a:lvl9pPr>
           </a:lstStyle>
-          <a:p/>
+          <a:p>
+            <a:endParaRPr/>
+          </a:p>
         </p:txBody>
       </p:sp>
       <p:sp>
@@ -3498,7 +3543,9 @@
               <a:defRPr sz="1400"/>
             </a:lvl9pPr>
           </a:lstStyle>
-          <a:p/>
+          <a:p>
+            <a:endParaRPr/>
+          </a:p>
         </p:txBody>
       </p:sp>
       <p:sp>
@@ -4042,7 +4089,9 @@
     <p:bg>
       <p:bgPr>
         <a:blipFill>
-          <a:blip r:embed="rId2"/>
+          <a:blip r:embed="rId2">
+            <a:alphaModFix/>
+          </a:blip>
           <a:stretch>
             <a:fillRect/>
           </a:stretch>
@@ -4081,7 +4130,9 @@
     <p:bg>
       <p:bgPr>
         <a:blipFill>
-          <a:blip r:embed="rId2"/>
+          <a:blip r:embed="rId2">
+            <a:alphaModFix/>
+          </a:blip>
           <a:stretch>
             <a:fillRect/>
           </a:stretch>
@@ -4116,7 +4167,7 @@
 
 <file path=ppt/slideMasters/slideMaster1.xml><?xml version="1.0" encoding="utf-8"?>
 <p:sldMaster xmlns:a="http://schemas.openxmlformats.org/drawingml/2006/main" xmlns:r="http://schemas.openxmlformats.org/officeDocument/2006/relationships" xmlns:p="http://schemas.openxmlformats.org/presentationml/2006/main">
-  <p:cSld>
+  <p:cSld name="simple-light-2">
     <p:bg>
       <p:bgPr>
         <a:solidFill>
@@ -4178,16 +4229,16 @@
                 <a:schemeClr val="lt2"/>
               </a:buClr>
               <a:buSzPts val="2800"/>
-              <a:buFont typeface="Rajdhani" panose="02000000000000000000"/>
+              <a:buFont typeface="Rajdhani"/>
               <a:buNone/>
               <a:defRPr sz="2800" b="1">
                 <a:solidFill>
                   <a:schemeClr val="lt2"/>
                 </a:solidFill>
-                <a:latin typeface="Rajdhani" panose="02000000000000000000"/>
-                <a:ea typeface="Rajdhani" panose="02000000000000000000"/>
-                <a:cs typeface="Rajdhani" panose="02000000000000000000"/>
-                <a:sym typeface="Rajdhani" panose="02000000000000000000"/>
+                <a:latin typeface="Rajdhani"/>
+                <a:ea typeface="Rajdhani"/>
+                <a:cs typeface="Rajdhani"/>
+                <a:sym typeface="Rajdhani"/>
               </a:defRPr>
             </a:lvl1pPr>
             <a:lvl2pPr lvl="1">
@@ -4201,16 +4252,16 @@
                 <a:schemeClr val="lt2"/>
               </a:buClr>
               <a:buSzPts val="2800"/>
-              <a:buFont typeface="Rajdhani" panose="02000000000000000000"/>
+              <a:buFont typeface="Rajdhani"/>
               <a:buNone/>
               <a:defRPr sz="2800" b="1">
                 <a:solidFill>
                   <a:schemeClr val="lt2"/>
                 </a:solidFill>
-                <a:latin typeface="Rajdhani" panose="02000000000000000000"/>
-                <a:ea typeface="Rajdhani" panose="02000000000000000000"/>
-                <a:cs typeface="Rajdhani" panose="02000000000000000000"/>
-                <a:sym typeface="Rajdhani" panose="02000000000000000000"/>
+                <a:latin typeface="Rajdhani"/>
+                <a:ea typeface="Rajdhani"/>
+                <a:cs typeface="Rajdhani"/>
+                <a:sym typeface="Rajdhani"/>
               </a:defRPr>
             </a:lvl2pPr>
             <a:lvl3pPr lvl="2">
@@ -4224,16 +4275,16 @@
                 <a:schemeClr val="lt2"/>
               </a:buClr>
               <a:buSzPts val="2800"/>
-              <a:buFont typeface="Rajdhani" panose="02000000000000000000"/>
+              <a:buFont typeface="Rajdhani"/>
               <a:buNone/>
               <a:defRPr sz="2800" b="1">
                 <a:solidFill>
                   <a:schemeClr val="lt2"/>
                 </a:solidFill>
-                <a:latin typeface="Rajdhani" panose="02000000000000000000"/>
-                <a:ea typeface="Rajdhani" panose="02000000000000000000"/>
-                <a:cs typeface="Rajdhani" panose="02000000000000000000"/>
-                <a:sym typeface="Rajdhani" panose="02000000000000000000"/>
+                <a:latin typeface="Rajdhani"/>
+                <a:ea typeface="Rajdhani"/>
+                <a:cs typeface="Rajdhani"/>
+                <a:sym typeface="Rajdhani"/>
               </a:defRPr>
             </a:lvl3pPr>
             <a:lvl4pPr lvl="3">
@@ -4247,16 +4298,16 @@
                 <a:schemeClr val="lt2"/>
               </a:buClr>
               <a:buSzPts val="2800"/>
-              <a:buFont typeface="Rajdhani" panose="02000000000000000000"/>
+              <a:buFont typeface="Rajdhani"/>
               <a:buNone/>
               <a:defRPr sz="2800" b="1">
                 <a:solidFill>
                   <a:schemeClr val="lt2"/>
                 </a:solidFill>
-                <a:latin typeface="Rajdhani" panose="02000000000000000000"/>
-                <a:ea typeface="Rajdhani" panose="02000000000000000000"/>
-                <a:cs typeface="Rajdhani" panose="02000000000000000000"/>
-                <a:sym typeface="Rajdhani" panose="02000000000000000000"/>
+                <a:latin typeface="Rajdhani"/>
+                <a:ea typeface="Rajdhani"/>
+                <a:cs typeface="Rajdhani"/>
+                <a:sym typeface="Rajdhani"/>
               </a:defRPr>
             </a:lvl4pPr>
             <a:lvl5pPr lvl="4">
@@ -4270,16 +4321,16 @@
                 <a:schemeClr val="lt2"/>
               </a:buClr>
               <a:buSzPts val="2800"/>
-              <a:buFont typeface="Rajdhani" panose="02000000000000000000"/>
+              <a:buFont typeface="Rajdhani"/>
               <a:buNone/>
               <a:defRPr sz="2800" b="1">
                 <a:solidFill>
                   <a:schemeClr val="lt2"/>
                 </a:solidFill>
-                <a:latin typeface="Rajdhani" panose="02000000000000000000"/>
-                <a:ea typeface="Rajdhani" panose="02000000000000000000"/>
-                <a:cs typeface="Rajdhani" panose="02000000000000000000"/>
-                <a:sym typeface="Rajdhani" panose="02000000000000000000"/>
+                <a:latin typeface="Rajdhani"/>
+                <a:ea typeface="Rajdhani"/>
+                <a:cs typeface="Rajdhani"/>
+                <a:sym typeface="Rajdhani"/>
               </a:defRPr>
             </a:lvl5pPr>
             <a:lvl6pPr lvl="5">
@@ -4293,16 +4344,16 @@
                 <a:schemeClr val="lt2"/>
               </a:buClr>
               <a:buSzPts val="2800"/>
-              <a:buFont typeface="Rajdhani" panose="02000000000000000000"/>
+              <a:buFont typeface="Rajdhani"/>
               <a:buNone/>
               <a:defRPr sz="2800" b="1">
                 <a:solidFill>
                   <a:schemeClr val="lt2"/>
                 </a:solidFill>
-                <a:latin typeface="Rajdhani" panose="02000000000000000000"/>
-                <a:ea typeface="Rajdhani" panose="02000000000000000000"/>
-                <a:cs typeface="Rajdhani" panose="02000000000000000000"/>
-                <a:sym typeface="Rajdhani" panose="02000000000000000000"/>
+                <a:latin typeface="Rajdhani"/>
+                <a:ea typeface="Rajdhani"/>
+                <a:cs typeface="Rajdhani"/>
+                <a:sym typeface="Rajdhani"/>
               </a:defRPr>
             </a:lvl6pPr>
             <a:lvl7pPr lvl="6">
@@ -4316,16 +4367,16 @@
                 <a:schemeClr val="lt2"/>
               </a:buClr>
               <a:buSzPts val="2800"/>
-              <a:buFont typeface="Rajdhani" panose="02000000000000000000"/>
+              <a:buFont typeface="Rajdhani"/>
               <a:buNone/>
               <a:defRPr sz="2800" b="1">
                 <a:solidFill>
                   <a:schemeClr val="lt2"/>
                 </a:solidFill>
-                <a:latin typeface="Rajdhani" panose="02000000000000000000"/>
-                <a:ea typeface="Rajdhani" panose="02000000000000000000"/>
-                <a:cs typeface="Rajdhani" panose="02000000000000000000"/>
-                <a:sym typeface="Rajdhani" panose="02000000000000000000"/>
+                <a:latin typeface="Rajdhani"/>
+                <a:ea typeface="Rajdhani"/>
+                <a:cs typeface="Rajdhani"/>
+                <a:sym typeface="Rajdhani"/>
               </a:defRPr>
             </a:lvl7pPr>
             <a:lvl8pPr lvl="7">
@@ -4339,16 +4390,16 @@
                 <a:schemeClr val="lt2"/>
               </a:buClr>
               <a:buSzPts val="2800"/>
-              <a:buFont typeface="Rajdhani" panose="02000000000000000000"/>
+              <a:buFont typeface="Rajdhani"/>
               <a:buNone/>
               <a:defRPr sz="2800" b="1">
                 <a:solidFill>
                   <a:schemeClr val="lt2"/>
                 </a:solidFill>
-                <a:latin typeface="Rajdhani" panose="02000000000000000000"/>
-                <a:ea typeface="Rajdhani" panose="02000000000000000000"/>
-                <a:cs typeface="Rajdhani" panose="02000000000000000000"/>
-                <a:sym typeface="Rajdhani" panose="02000000000000000000"/>
+                <a:latin typeface="Rajdhani"/>
+                <a:ea typeface="Rajdhani"/>
+                <a:cs typeface="Rajdhani"/>
+                <a:sym typeface="Rajdhani"/>
               </a:defRPr>
             </a:lvl8pPr>
             <a:lvl9pPr lvl="8">
@@ -4362,20 +4413,22 @@
                 <a:schemeClr val="lt2"/>
               </a:buClr>
               <a:buSzPts val="2800"/>
-              <a:buFont typeface="Rajdhani" panose="02000000000000000000"/>
+              <a:buFont typeface="Rajdhani"/>
               <a:buNone/>
               <a:defRPr sz="2800" b="1">
                 <a:solidFill>
                   <a:schemeClr val="lt2"/>
                 </a:solidFill>
-                <a:latin typeface="Rajdhani" panose="02000000000000000000"/>
-                <a:ea typeface="Rajdhani" panose="02000000000000000000"/>
-                <a:cs typeface="Rajdhani" panose="02000000000000000000"/>
-                <a:sym typeface="Rajdhani" panose="02000000000000000000"/>
+                <a:latin typeface="Rajdhani"/>
+                <a:ea typeface="Rajdhani"/>
+                <a:cs typeface="Rajdhani"/>
+                <a:sym typeface="Rajdhani"/>
               </a:defRPr>
             </a:lvl9pPr>
           </a:lstStyle>
-          <a:p/>
+          <a:p>
+            <a:endParaRPr/>
+          </a:p>
         </p:txBody>
       </p:sp>
       <p:sp>
@@ -4420,16 +4473,16 @@
                 <a:schemeClr val="lt2"/>
               </a:buClr>
               <a:buSzPts val="1200"/>
-              <a:buFont typeface="Fira Sans Condensed Light" panose="020B0503050000020004"/>
+              <a:buFont typeface="Fira Sans Condensed Light"/>
               <a:buChar char="●"/>
               <a:defRPr sz="1200">
                 <a:solidFill>
                   <a:schemeClr val="lt2"/>
                 </a:solidFill>
-                <a:latin typeface="Fira Sans Condensed Light" panose="020B0503050000020004"/>
-                <a:ea typeface="Fira Sans Condensed Light" panose="020B0503050000020004"/>
-                <a:cs typeface="Fira Sans Condensed Light" panose="020B0503050000020004"/>
-                <a:sym typeface="Fira Sans Condensed Light" panose="020B0503050000020004"/>
+                <a:latin typeface="Fira Sans Condensed Light"/>
+                <a:ea typeface="Fira Sans Condensed Light"/>
+                <a:cs typeface="Fira Sans Condensed Light"/>
+                <a:sym typeface="Fira Sans Condensed Light"/>
               </a:defRPr>
             </a:lvl1pPr>
             <a:lvl2pPr marL="914400" lvl="1" indent="-304800">
@@ -4446,16 +4499,16 @@
                 <a:schemeClr val="lt2"/>
               </a:buClr>
               <a:buSzPts val="1200"/>
-              <a:buFont typeface="Fira Sans Condensed Light" panose="020B0503050000020004"/>
+              <a:buFont typeface="Fira Sans Condensed Light"/>
               <a:buChar char="○"/>
               <a:defRPr sz="1200">
                 <a:solidFill>
                   <a:schemeClr val="lt2"/>
                 </a:solidFill>
-                <a:latin typeface="Fira Sans Condensed Light" panose="020B0503050000020004"/>
-                <a:ea typeface="Fira Sans Condensed Light" panose="020B0503050000020004"/>
-                <a:cs typeface="Fira Sans Condensed Light" panose="020B0503050000020004"/>
-                <a:sym typeface="Fira Sans Condensed Light" panose="020B0503050000020004"/>
+                <a:latin typeface="Fira Sans Condensed Light"/>
+                <a:ea typeface="Fira Sans Condensed Light"/>
+                <a:cs typeface="Fira Sans Condensed Light"/>
+                <a:sym typeface="Fira Sans Condensed Light"/>
               </a:defRPr>
             </a:lvl2pPr>
             <a:lvl3pPr marL="1371600" lvl="2" indent="-304800">
@@ -4472,16 +4525,16 @@
                 <a:schemeClr val="lt2"/>
               </a:buClr>
               <a:buSzPts val="1200"/>
-              <a:buFont typeface="Fira Sans Condensed Light" panose="020B0503050000020004"/>
+              <a:buFont typeface="Fira Sans Condensed Light"/>
               <a:buChar char="■"/>
               <a:defRPr sz="1200">
                 <a:solidFill>
                   <a:schemeClr val="lt2"/>
                 </a:solidFill>
-                <a:latin typeface="Fira Sans Condensed Light" panose="020B0503050000020004"/>
-                <a:ea typeface="Fira Sans Condensed Light" panose="020B0503050000020004"/>
-                <a:cs typeface="Fira Sans Condensed Light" panose="020B0503050000020004"/>
-                <a:sym typeface="Fira Sans Condensed Light" panose="020B0503050000020004"/>
+                <a:latin typeface="Fira Sans Condensed Light"/>
+                <a:ea typeface="Fira Sans Condensed Light"/>
+                <a:cs typeface="Fira Sans Condensed Light"/>
+                <a:sym typeface="Fira Sans Condensed Light"/>
               </a:defRPr>
             </a:lvl3pPr>
             <a:lvl4pPr marL="1828800" lvl="3" indent="-304800">
@@ -4498,16 +4551,16 @@
                 <a:schemeClr val="lt2"/>
               </a:buClr>
               <a:buSzPts val="1200"/>
-              <a:buFont typeface="Fira Sans Condensed Light" panose="020B0503050000020004"/>
+              <a:buFont typeface="Fira Sans Condensed Light"/>
               <a:buChar char="●"/>
               <a:defRPr sz="1200">
                 <a:solidFill>
                   <a:schemeClr val="lt2"/>
                 </a:solidFill>
-                <a:latin typeface="Fira Sans Condensed Light" panose="020B0503050000020004"/>
-                <a:ea typeface="Fira Sans Condensed Light" panose="020B0503050000020004"/>
-                <a:cs typeface="Fira Sans Condensed Light" panose="020B0503050000020004"/>
-                <a:sym typeface="Fira Sans Condensed Light" panose="020B0503050000020004"/>
+                <a:latin typeface="Fira Sans Condensed Light"/>
+                <a:ea typeface="Fira Sans Condensed Light"/>
+                <a:cs typeface="Fira Sans Condensed Light"/>
+                <a:sym typeface="Fira Sans Condensed Light"/>
               </a:defRPr>
             </a:lvl4pPr>
             <a:lvl5pPr marL="2286000" lvl="4" indent="-304800">
@@ -4524,16 +4577,16 @@
                 <a:schemeClr val="lt2"/>
               </a:buClr>
               <a:buSzPts val="1200"/>
-              <a:buFont typeface="Fira Sans Condensed Light" panose="020B0503050000020004"/>
+              <a:buFont typeface="Fira Sans Condensed Light"/>
               <a:buChar char="○"/>
               <a:defRPr sz="1200">
                 <a:solidFill>
                   <a:schemeClr val="lt2"/>
                 </a:solidFill>
-                <a:latin typeface="Fira Sans Condensed Light" panose="020B0503050000020004"/>
-                <a:ea typeface="Fira Sans Condensed Light" panose="020B0503050000020004"/>
-                <a:cs typeface="Fira Sans Condensed Light" panose="020B0503050000020004"/>
-                <a:sym typeface="Fira Sans Condensed Light" panose="020B0503050000020004"/>
+                <a:latin typeface="Fira Sans Condensed Light"/>
+                <a:ea typeface="Fira Sans Condensed Light"/>
+                <a:cs typeface="Fira Sans Condensed Light"/>
+                <a:sym typeface="Fira Sans Condensed Light"/>
               </a:defRPr>
             </a:lvl5pPr>
             <a:lvl6pPr marL="2743200" lvl="5" indent="-304800">
@@ -4550,16 +4603,16 @@
                 <a:schemeClr val="lt2"/>
               </a:buClr>
               <a:buSzPts val="1200"/>
-              <a:buFont typeface="Fira Sans Condensed Light" panose="020B0503050000020004"/>
+              <a:buFont typeface="Fira Sans Condensed Light"/>
               <a:buChar char="■"/>
               <a:defRPr sz="1200">
                 <a:solidFill>
                   <a:schemeClr val="lt2"/>
                 </a:solidFill>
-                <a:latin typeface="Fira Sans Condensed Light" panose="020B0503050000020004"/>
-                <a:ea typeface="Fira Sans Condensed Light" panose="020B0503050000020004"/>
-                <a:cs typeface="Fira Sans Condensed Light" panose="020B0503050000020004"/>
-                <a:sym typeface="Fira Sans Condensed Light" panose="020B0503050000020004"/>
+                <a:latin typeface="Fira Sans Condensed Light"/>
+                <a:ea typeface="Fira Sans Condensed Light"/>
+                <a:cs typeface="Fira Sans Condensed Light"/>
+                <a:sym typeface="Fira Sans Condensed Light"/>
               </a:defRPr>
             </a:lvl6pPr>
             <a:lvl7pPr marL="3200400" lvl="6" indent="-304800">
@@ -4576,16 +4629,16 @@
                 <a:schemeClr val="lt2"/>
               </a:buClr>
               <a:buSzPts val="1200"/>
-              <a:buFont typeface="Fira Sans Condensed Light" panose="020B0503050000020004"/>
+              <a:buFont typeface="Fira Sans Condensed Light"/>
               <a:buChar char="●"/>
               <a:defRPr sz="1200">
                 <a:solidFill>
                   <a:schemeClr val="lt2"/>
                 </a:solidFill>
-                <a:latin typeface="Fira Sans Condensed Light" panose="020B0503050000020004"/>
-                <a:ea typeface="Fira Sans Condensed Light" panose="020B0503050000020004"/>
-                <a:cs typeface="Fira Sans Condensed Light" panose="020B0503050000020004"/>
-                <a:sym typeface="Fira Sans Condensed Light" panose="020B0503050000020004"/>
+                <a:latin typeface="Fira Sans Condensed Light"/>
+                <a:ea typeface="Fira Sans Condensed Light"/>
+                <a:cs typeface="Fira Sans Condensed Light"/>
+                <a:sym typeface="Fira Sans Condensed Light"/>
               </a:defRPr>
             </a:lvl7pPr>
             <a:lvl8pPr marL="3657600" lvl="7" indent="-304800">
@@ -4602,16 +4655,16 @@
                 <a:schemeClr val="lt2"/>
               </a:buClr>
               <a:buSzPts val="1200"/>
-              <a:buFont typeface="Fira Sans Condensed Light" panose="020B0503050000020004"/>
+              <a:buFont typeface="Fira Sans Condensed Light"/>
               <a:buChar char="○"/>
               <a:defRPr sz="1200">
                 <a:solidFill>
                   <a:schemeClr val="lt2"/>
                 </a:solidFill>
-                <a:latin typeface="Fira Sans Condensed Light" panose="020B0503050000020004"/>
-                <a:ea typeface="Fira Sans Condensed Light" panose="020B0503050000020004"/>
-                <a:cs typeface="Fira Sans Condensed Light" panose="020B0503050000020004"/>
-                <a:sym typeface="Fira Sans Condensed Light" panose="020B0503050000020004"/>
+                <a:latin typeface="Fira Sans Condensed Light"/>
+                <a:ea typeface="Fira Sans Condensed Light"/>
+                <a:cs typeface="Fira Sans Condensed Light"/>
+                <a:sym typeface="Fira Sans Condensed Light"/>
               </a:defRPr>
             </a:lvl8pPr>
             <a:lvl9pPr marL="4114800" lvl="8" indent="-304800">
@@ -4628,34 +4681,36 @@
                 <a:schemeClr val="lt2"/>
               </a:buClr>
               <a:buSzPts val="1200"/>
-              <a:buFont typeface="Fira Sans Condensed Light" panose="020B0503050000020004"/>
+              <a:buFont typeface="Fira Sans Condensed Light"/>
               <a:buChar char="■"/>
               <a:defRPr sz="1200">
                 <a:solidFill>
                   <a:schemeClr val="lt2"/>
                 </a:solidFill>
-                <a:latin typeface="Fira Sans Condensed Light" panose="020B0503050000020004"/>
-                <a:ea typeface="Fira Sans Condensed Light" panose="020B0503050000020004"/>
-                <a:cs typeface="Fira Sans Condensed Light" panose="020B0503050000020004"/>
-                <a:sym typeface="Fira Sans Condensed Light" panose="020B0503050000020004"/>
+                <a:latin typeface="Fira Sans Condensed Light"/>
+                <a:ea typeface="Fira Sans Condensed Light"/>
+                <a:cs typeface="Fira Sans Condensed Light"/>
+                <a:sym typeface="Fira Sans Condensed Light"/>
               </a:defRPr>
             </a:lvl9pPr>
           </a:lstStyle>
-          <a:p/>
+          <a:p>
+            <a:endParaRPr/>
+          </a:p>
         </p:txBody>
       </p:sp>
     </p:spTree>
   </p:cSld>
   <p:clrMap bg1="lt1" tx1="dk1" bg2="dk2" tx2="lt2" accent1="accent1" accent2="accent2" accent3="accent3" accent4="accent4" accent5="accent5" accent6="accent6" hlink="hlink" folHlink="folHlink"/>
   <p:sldLayoutIdLst>
-    <p:sldLayoutId id="2147483649" r:id="rId1"/>
+    <p:sldLayoutId id="2147483648" r:id="rId1"/>
     <p:sldLayoutId id="2147483650" r:id="rId2"/>
-    <p:sldLayoutId id="2147483651" r:id="rId3"/>
-    <p:sldLayoutId id="2147483652" r:id="rId4"/>
-    <p:sldLayoutId id="2147483653" r:id="rId5"/>
-    <p:sldLayoutId id="2147483654" r:id="rId6"/>
-    <p:sldLayoutId id="2147483655" r:id="rId7"/>
-    <p:sldLayoutId id="2147483656" r:id="rId8"/>
+    <p:sldLayoutId id="2147483654" r:id="rId3"/>
+    <p:sldLayoutId id="2147483657" r:id="rId4"/>
+    <p:sldLayoutId id="2147483659" r:id="rId5"/>
+    <p:sldLayoutId id="2147483660" r:id="rId6"/>
+    <p:sldLayoutId id="2147483666" r:id="rId7"/>
+    <p:sldLayoutId id="2147483667" r:id="rId8"/>
   </p:sldLayoutIdLst>
   <p:transition spd="slow">
     <p:push dir="u"/>
@@ -4687,15 +4742,15 @@
         <a:buClr>
           <a:srgbClr val="000000"/>
         </a:buClr>
-        <a:buFont typeface="Arial" panose="020B0604020202020204"/>
+        <a:buFont typeface="Arial"/>
         <a:defRPr sz="1400" b="0" i="0" u="none" strike="noStrike" cap="none">
           <a:solidFill>
             <a:srgbClr val="000000"/>
           </a:solidFill>
-          <a:latin typeface="Arial" panose="020B0604020202020204"/>
-          <a:ea typeface="Arial" panose="020B0604020202020204"/>
-          <a:cs typeface="Arial" panose="020B0604020202020204"/>
-          <a:sym typeface="Arial" panose="020B0604020202020204"/>
+          <a:latin typeface="Arial"/>
+          <a:ea typeface="Arial"/>
+          <a:cs typeface="Arial"/>
+          <a:sym typeface="Arial"/>
         </a:defRPr>
       </a:lvl1pPr>
       <a:lvl2pPr marR="0" lvl="1" algn="l" rtl="0">
@@ -4711,15 +4766,15 @@
         <a:buClr>
           <a:srgbClr val="000000"/>
         </a:buClr>
-        <a:buFont typeface="Arial" panose="020B0604020202020204"/>
+        <a:buFont typeface="Arial"/>
         <a:defRPr sz="1400" b="0" i="0" u="none" strike="noStrike" cap="none">
           <a:solidFill>
             <a:srgbClr val="000000"/>
           </a:solidFill>
-          <a:latin typeface="Arial" panose="020B0604020202020204"/>
-          <a:ea typeface="Arial" panose="020B0604020202020204"/>
-          <a:cs typeface="Arial" panose="020B0604020202020204"/>
-          <a:sym typeface="Arial" panose="020B0604020202020204"/>
+          <a:latin typeface="Arial"/>
+          <a:ea typeface="Arial"/>
+          <a:cs typeface="Arial"/>
+          <a:sym typeface="Arial"/>
         </a:defRPr>
       </a:lvl2pPr>
       <a:lvl3pPr marR="0" lvl="2" algn="l" rtl="0">
@@ -4735,15 +4790,15 @@
         <a:buClr>
           <a:srgbClr val="000000"/>
         </a:buClr>
-        <a:buFont typeface="Arial" panose="020B0604020202020204"/>
+        <a:buFont typeface="Arial"/>
         <a:defRPr sz="1400" b="0" i="0" u="none" strike="noStrike" cap="none">
           <a:solidFill>
             <a:srgbClr val="000000"/>
           </a:solidFill>
-          <a:latin typeface="Arial" panose="020B0604020202020204"/>
-          <a:ea typeface="Arial" panose="020B0604020202020204"/>
-          <a:cs typeface="Arial" panose="020B0604020202020204"/>
-          <a:sym typeface="Arial" panose="020B0604020202020204"/>
+          <a:latin typeface="Arial"/>
+          <a:ea typeface="Arial"/>
+          <a:cs typeface="Arial"/>
+          <a:sym typeface="Arial"/>
         </a:defRPr>
       </a:lvl3pPr>
       <a:lvl4pPr marR="0" lvl="3" algn="l" rtl="0">
@@ -4759,15 +4814,15 @@
         <a:buClr>
           <a:srgbClr val="000000"/>
         </a:buClr>
-        <a:buFont typeface="Arial" panose="020B0604020202020204"/>
+        <a:buFont typeface="Arial"/>
         <a:defRPr sz="1400" b="0" i="0" u="none" strike="noStrike" cap="none">
           <a:solidFill>
             <a:srgbClr val="000000"/>
           </a:solidFill>
-          <a:latin typeface="Arial" panose="020B0604020202020204"/>
-          <a:ea typeface="Arial" panose="020B0604020202020204"/>
-          <a:cs typeface="Arial" panose="020B0604020202020204"/>
-          <a:sym typeface="Arial" panose="020B0604020202020204"/>
+          <a:latin typeface="Arial"/>
+          <a:ea typeface="Arial"/>
+          <a:cs typeface="Arial"/>
+          <a:sym typeface="Arial"/>
         </a:defRPr>
       </a:lvl4pPr>
       <a:lvl5pPr marR="0" lvl="4" algn="l" rtl="0">
@@ -4783,15 +4838,15 @@
         <a:buClr>
           <a:srgbClr val="000000"/>
         </a:buClr>
-        <a:buFont typeface="Arial" panose="020B0604020202020204"/>
+        <a:buFont typeface="Arial"/>
         <a:defRPr sz="1400" b="0" i="0" u="none" strike="noStrike" cap="none">
           <a:solidFill>
             <a:srgbClr val="000000"/>
           </a:solidFill>
-          <a:latin typeface="Arial" panose="020B0604020202020204"/>
-          <a:ea typeface="Arial" panose="020B0604020202020204"/>
-          <a:cs typeface="Arial" panose="020B0604020202020204"/>
-          <a:sym typeface="Arial" panose="020B0604020202020204"/>
+          <a:latin typeface="Arial"/>
+          <a:ea typeface="Arial"/>
+          <a:cs typeface="Arial"/>
+          <a:sym typeface="Arial"/>
         </a:defRPr>
       </a:lvl5pPr>
       <a:lvl6pPr marR="0" lvl="5" algn="l" rtl="0">
@@ -4807,15 +4862,15 @@
         <a:buClr>
           <a:srgbClr val="000000"/>
         </a:buClr>
-        <a:buFont typeface="Arial" panose="020B0604020202020204"/>
+        <a:buFont typeface="Arial"/>
         <a:defRPr sz="1400" b="0" i="0" u="none" strike="noStrike" cap="none">
           <a:solidFill>
             <a:srgbClr val="000000"/>
           </a:solidFill>
-          <a:latin typeface="Arial" panose="020B0604020202020204"/>
-          <a:ea typeface="Arial" panose="020B0604020202020204"/>
-          <a:cs typeface="Arial" panose="020B0604020202020204"/>
-          <a:sym typeface="Arial" panose="020B0604020202020204"/>
+          <a:latin typeface="Arial"/>
+          <a:ea typeface="Arial"/>
+          <a:cs typeface="Arial"/>
+          <a:sym typeface="Arial"/>
         </a:defRPr>
       </a:lvl6pPr>
       <a:lvl7pPr marR="0" lvl="6" algn="l" rtl="0">
@@ -4831,15 +4886,15 @@
         <a:buClr>
           <a:srgbClr val="000000"/>
         </a:buClr>
-        <a:buFont typeface="Arial" panose="020B0604020202020204"/>
+        <a:buFont typeface="Arial"/>
         <a:defRPr sz="1400" b="0" i="0" u="none" strike="noStrike" cap="none">
           <a:solidFill>
             <a:srgbClr val="000000"/>
           </a:solidFill>
-          <a:latin typeface="Arial" panose="020B0604020202020204"/>
-          <a:ea typeface="Arial" panose="020B0604020202020204"/>
-          <a:cs typeface="Arial" panose="020B0604020202020204"/>
-          <a:sym typeface="Arial" panose="020B0604020202020204"/>
+          <a:latin typeface="Arial"/>
+          <a:ea typeface="Arial"/>
+          <a:cs typeface="Arial"/>
+          <a:sym typeface="Arial"/>
         </a:defRPr>
       </a:lvl7pPr>
       <a:lvl8pPr marR="0" lvl="7" algn="l" rtl="0">
@@ -4855,15 +4910,15 @@
         <a:buClr>
           <a:srgbClr val="000000"/>
         </a:buClr>
-        <a:buFont typeface="Arial" panose="020B0604020202020204"/>
+        <a:buFont typeface="Arial"/>
         <a:defRPr sz="1400" b="0" i="0" u="none" strike="noStrike" cap="none">
           <a:solidFill>
             <a:srgbClr val="000000"/>
           </a:solidFill>
-          <a:latin typeface="Arial" panose="020B0604020202020204"/>
-          <a:ea typeface="Arial" panose="020B0604020202020204"/>
-          <a:cs typeface="Arial" panose="020B0604020202020204"/>
-          <a:sym typeface="Arial" panose="020B0604020202020204"/>
+          <a:latin typeface="Arial"/>
+          <a:ea typeface="Arial"/>
+          <a:cs typeface="Arial"/>
+          <a:sym typeface="Arial"/>
         </a:defRPr>
       </a:lvl8pPr>
       <a:lvl9pPr marR="0" lvl="8" algn="l" rtl="0">
@@ -4879,15 +4934,15 @@
         <a:buClr>
           <a:srgbClr val="000000"/>
         </a:buClr>
-        <a:buFont typeface="Arial" panose="020B0604020202020204"/>
+        <a:buFont typeface="Arial"/>
         <a:defRPr sz="1400" b="0" i="0" u="none" strike="noStrike" cap="none">
           <a:solidFill>
             <a:srgbClr val="000000"/>
           </a:solidFill>
-          <a:latin typeface="Arial" panose="020B0604020202020204"/>
-          <a:ea typeface="Arial" panose="020B0604020202020204"/>
-          <a:cs typeface="Arial" panose="020B0604020202020204"/>
-          <a:sym typeface="Arial" panose="020B0604020202020204"/>
+          <a:latin typeface="Arial"/>
+          <a:ea typeface="Arial"/>
+          <a:cs typeface="Arial"/>
+          <a:sym typeface="Arial"/>
         </a:defRPr>
       </a:lvl9pPr>
     </p:titleStyle>
@@ -4916,15 +4971,15 @@
         <a:buClr>
           <a:srgbClr val="000000"/>
         </a:buClr>
-        <a:buFont typeface="Arial" panose="020B0604020202020204"/>
+        <a:buFont typeface="Arial"/>
         <a:defRPr sz="1400" b="0" i="0" u="none" strike="noStrike" cap="none">
           <a:solidFill>
             <a:srgbClr val="000000"/>
           </a:solidFill>
-          <a:latin typeface="Arial" panose="020B0604020202020204"/>
-          <a:ea typeface="Arial" panose="020B0604020202020204"/>
-          <a:cs typeface="Arial" panose="020B0604020202020204"/>
-          <a:sym typeface="Arial" panose="020B0604020202020204"/>
+          <a:latin typeface="Arial"/>
+          <a:ea typeface="Arial"/>
+          <a:cs typeface="Arial"/>
+          <a:sym typeface="Arial"/>
         </a:defRPr>
       </a:lvl1pPr>
       <a:lvl2pPr marR="0" lvl="1" algn="l" rtl="0">
@@ -4940,15 +4995,15 @@
         <a:buClr>
           <a:srgbClr val="000000"/>
         </a:buClr>
-        <a:buFont typeface="Arial" panose="020B0604020202020204"/>
+        <a:buFont typeface="Arial"/>
         <a:defRPr sz="1400" b="0" i="0" u="none" strike="noStrike" cap="none">
           <a:solidFill>
             <a:srgbClr val="000000"/>
           </a:solidFill>
-          <a:latin typeface="Arial" panose="020B0604020202020204"/>
-          <a:ea typeface="Arial" panose="020B0604020202020204"/>
-          <a:cs typeface="Arial" panose="020B0604020202020204"/>
-          <a:sym typeface="Arial" panose="020B0604020202020204"/>
+          <a:latin typeface="Arial"/>
+          <a:ea typeface="Arial"/>
+          <a:cs typeface="Arial"/>
+          <a:sym typeface="Arial"/>
         </a:defRPr>
       </a:lvl2pPr>
       <a:lvl3pPr marR="0" lvl="2" algn="l" rtl="0">
@@ -4964,15 +5019,15 @@
         <a:buClr>
           <a:srgbClr val="000000"/>
         </a:buClr>
-        <a:buFont typeface="Arial" panose="020B0604020202020204"/>
+        <a:buFont typeface="Arial"/>
         <a:defRPr sz="1400" b="0" i="0" u="none" strike="noStrike" cap="none">
           <a:solidFill>
             <a:srgbClr val="000000"/>
           </a:solidFill>
-          <a:latin typeface="Arial" panose="020B0604020202020204"/>
-          <a:ea typeface="Arial" panose="020B0604020202020204"/>
-          <a:cs typeface="Arial" panose="020B0604020202020204"/>
-          <a:sym typeface="Arial" panose="020B0604020202020204"/>
+          <a:latin typeface="Arial"/>
+          <a:ea typeface="Arial"/>
+          <a:cs typeface="Arial"/>
+          <a:sym typeface="Arial"/>
         </a:defRPr>
       </a:lvl3pPr>
       <a:lvl4pPr marR="0" lvl="3" algn="l" rtl="0">
@@ -4988,15 +5043,15 @@
         <a:buClr>
           <a:srgbClr val="000000"/>
         </a:buClr>
-        <a:buFont typeface="Arial" panose="020B0604020202020204"/>
+        <a:buFont typeface="Arial"/>
         <a:defRPr sz="1400" b="0" i="0" u="none" strike="noStrike" cap="none">
           <a:solidFill>
             <a:srgbClr val="000000"/>
           </a:solidFill>
-          <a:latin typeface="Arial" panose="020B0604020202020204"/>
-          <a:ea typeface="Arial" panose="020B0604020202020204"/>
-          <a:cs typeface="Arial" panose="020B0604020202020204"/>
-          <a:sym typeface="Arial" panose="020B0604020202020204"/>
+          <a:latin typeface="Arial"/>
+          <a:ea typeface="Arial"/>
+          <a:cs typeface="Arial"/>
+          <a:sym typeface="Arial"/>
         </a:defRPr>
       </a:lvl4pPr>
       <a:lvl5pPr marR="0" lvl="4" algn="l" rtl="0">
@@ -5012,15 +5067,15 @@
         <a:buClr>
           <a:srgbClr val="000000"/>
         </a:buClr>
-        <a:buFont typeface="Arial" panose="020B0604020202020204"/>
+        <a:buFont typeface="Arial"/>
         <a:defRPr sz="1400" b="0" i="0" u="none" strike="noStrike" cap="none">
           <a:solidFill>
             <a:srgbClr val="000000"/>
           </a:solidFill>
-          <a:latin typeface="Arial" panose="020B0604020202020204"/>
-          <a:ea typeface="Arial" panose="020B0604020202020204"/>
-          <a:cs typeface="Arial" panose="020B0604020202020204"/>
-          <a:sym typeface="Arial" panose="020B0604020202020204"/>
+          <a:latin typeface="Arial"/>
+          <a:ea typeface="Arial"/>
+          <a:cs typeface="Arial"/>
+          <a:sym typeface="Arial"/>
         </a:defRPr>
       </a:lvl5pPr>
       <a:lvl6pPr marR="0" lvl="5" algn="l" rtl="0">
@@ -5036,15 +5091,15 @@
         <a:buClr>
           <a:srgbClr val="000000"/>
         </a:buClr>
-        <a:buFont typeface="Arial" panose="020B0604020202020204"/>
+        <a:buFont typeface="Arial"/>
         <a:defRPr sz="1400" b="0" i="0" u="none" strike="noStrike" cap="none">
           <a:solidFill>
             <a:srgbClr val="000000"/>
           </a:solidFill>
-          <a:latin typeface="Arial" panose="020B0604020202020204"/>
-          <a:ea typeface="Arial" panose="020B0604020202020204"/>
-          <a:cs typeface="Arial" panose="020B0604020202020204"/>
-          <a:sym typeface="Arial" panose="020B0604020202020204"/>
+          <a:latin typeface="Arial"/>
+          <a:ea typeface="Arial"/>
+          <a:cs typeface="Arial"/>
+          <a:sym typeface="Arial"/>
         </a:defRPr>
       </a:lvl6pPr>
       <a:lvl7pPr marR="0" lvl="6" algn="l" rtl="0">
@@ -5060,15 +5115,15 @@
         <a:buClr>
           <a:srgbClr val="000000"/>
         </a:buClr>
-        <a:buFont typeface="Arial" panose="020B0604020202020204"/>
+        <a:buFont typeface="Arial"/>
         <a:defRPr sz="1400" b="0" i="0" u="none" strike="noStrike" cap="none">
           <a:solidFill>
             <a:srgbClr val="000000"/>
           </a:solidFill>
-          <a:latin typeface="Arial" panose="020B0604020202020204"/>
-          <a:ea typeface="Arial" panose="020B0604020202020204"/>
-          <a:cs typeface="Arial" panose="020B0604020202020204"/>
-          <a:sym typeface="Arial" panose="020B0604020202020204"/>
+          <a:latin typeface="Arial"/>
+          <a:ea typeface="Arial"/>
+          <a:cs typeface="Arial"/>
+          <a:sym typeface="Arial"/>
         </a:defRPr>
       </a:lvl7pPr>
       <a:lvl8pPr marR="0" lvl="7" algn="l" rtl="0">
@@ -5084,15 +5139,15 @@
         <a:buClr>
           <a:srgbClr val="000000"/>
         </a:buClr>
-        <a:buFont typeface="Arial" panose="020B0604020202020204"/>
+        <a:buFont typeface="Arial"/>
         <a:defRPr sz="1400" b="0" i="0" u="none" strike="noStrike" cap="none">
           <a:solidFill>
             <a:srgbClr val="000000"/>
           </a:solidFill>
-          <a:latin typeface="Arial" panose="020B0604020202020204"/>
-          <a:ea typeface="Arial" panose="020B0604020202020204"/>
-          <a:cs typeface="Arial" panose="020B0604020202020204"/>
-          <a:sym typeface="Arial" panose="020B0604020202020204"/>
+          <a:latin typeface="Arial"/>
+          <a:ea typeface="Arial"/>
+          <a:cs typeface="Arial"/>
+          <a:sym typeface="Arial"/>
         </a:defRPr>
       </a:lvl8pPr>
       <a:lvl9pPr marR="0" lvl="8" algn="l" rtl="0">
@@ -5108,15 +5163,15 @@
         <a:buClr>
           <a:srgbClr val="000000"/>
         </a:buClr>
-        <a:buFont typeface="Arial" panose="020B0604020202020204"/>
+        <a:buFont typeface="Arial"/>
         <a:defRPr sz="1400" b="0" i="0" u="none" strike="noStrike" cap="none">
           <a:solidFill>
             <a:srgbClr val="000000"/>
           </a:solidFill>
-          <a:latin typeface="Arial" panose="020B0604020202020204"/>
-          <a:ea typeface="Arial" panose="020B0604020202020204"/>
-          <a:cs typeface="Arial" panose="020B0604020202020204"/>
-          <a:sym typeface="Arial" panose="020B0604020202020204"/>
+          <a:latin typeface="Arial"/>
+          <a:ea typeface="Arial"/>
+          <a:cs typeface="Arial"/>
+          <a:sym typeface="Arial"/>
         </a:defRPr>
       </a:lvl9pPr>
     </p:bodyStyle>
@@ -5145,15 +5200,15 @@
         <a:buClr>
           <a:srgbClr val="000000"/>
         </a:buClr>
-        <a:buFont typeface="Arial" panose="020B0604020202020204"/>
+        <a:buFont typeface="Arial"/>
         <a:defRPr sz="1400" b="0" i="0" u="none" strike="noStrike" cap="none">
           <a:solidFill>
             <a:srgbClr val="000000"/>
           </a:solidFill>
-          <a:latin typeface="Arial" panose="020B0604020202020204"/>
-          <a:ea typeface="Arial" panose="020B0604020202020204"/>
-          <a:cs typeface="Arial" panose="020B0604020202020204"/>
-          <a:sym typeface="Arial" panose="020B0604020202020204"/>
+          <a:latin typeface="Arial"/>
+          <a:ea typeface="Arial"/>
+          <a:cs typeface="Arial"/>
+          <a:sym typeface="Arial"/>
         </a:defRPr>
       </a:lvl1pPr>
       <a:lvl2pPr marR="0" lvl="1" algn="l" rtl="0">
@@ -5169,15 +5224,15 @@
         <a:buClr>
           <a:srgbClr val="000000"/>
         </a:buClr>
-        <a:buFont typeface="Arial" panose="020B0604020202020204"/>
+        <a:buFont typeface="Arial"/>
         <a:defRPr sz="1400" b="0" i="0" u="none" strike="noStrike" cap="none">
           <a:solidFill>
             <a:srgbClr val="000000"/>
           </a:solidFill>
-          <a:latin typeface="Arial" panose="020B0604020202020204"/>
-          <a:ea typeface="Arial" panose="020B0604020202020204"/>
-          <a:cs typeface="Arial" panose="020B0604020202020204"/>
-          <a:sym typeface="Arial" panose="020B0604020202020204"/>
+          <a:latin typeface="Arial"/>
+          <a:ea typeface="Arial"/>
+          <a:cs typeface="Arial"/>
+          <a:sym typeface="Arial"/>
         </a:defRPr>
       </a:lvl2pPr>
       <a:lvl3pPr marR="0" lvl="2" algn="l" rtl="0">
@@ -5193,15 +5248,15 @@
         <a:buClr>
           <a:srgbClr val="000000"/>
         </a:buClr>
-        <a:buFont typeface="Arial" panose="020B0604020202020204"/>
+        <a:buFont typeface="Arial"/>
         <a:defRPr sz="1400" b="0" i="0" u="none" strike="noStrike" cap="none">
           <a:solidFill>
             <a:srgbClr val="000000"/>
           </a:solidFill>
-          <a:latin typeface="Arial" panose="020B0604020202020204"/>
-          <a:ea typeface="Arial" panose="020B0604020202020204"/>
-          <a:cs typeface="Arial" panose="020B0604020202020204"/>
-          <a:sym typeface="Arial" panose="020B0604020202020204"/>
+          <a:latin typeface="Arial"/>
+          <a:ea typeface="Arial"/>
+          <a:cs typeface="Arial"/>
+          <a:sym typeface="Arial"/>
         </a:defRPr>
       </a:lvl3pPr>
       <a:lvl4pPr marR="0" lvl="3" algn="l" rtl="0">
@@ -5217,15 +5272,15 @@
         <a:buClr>
           <a:srgbClr val="000000"/>
         </a:buClr>
-        <a:buFont typeface="Arial" panose="020B0604020202020204"/>
+        <a:buFont typeface="Arial"/>
         <a:defRPr sz="1400" b="0" i="0" u="none" strike="noStrike" cap="none">
           <a:solidFill>
             <a:srgbClr val="000000"/>
           </a:solidFill>
-          <a:latin typeface="Arial" panose="020B0604020202020204"/>
-          <a:ea typeface="Arial" panose="020B0604020202020204"/>
-          <a:cs typeface="Arial" panose="020B0604020202020204"/>
-          <a:sym typeface="Arial" panose="020B0604020202020204"/>
+          <a:latin typeface="Arial"/>
+          <a:ea typeface="Arial"/>
+          <a:cs typeface="Arial"/>
+          <a:sym typeface="Arial"/>
         </a:defRPr>
       </a:lvl4pPr>
       <a:lvl5pPr marR="0" lvl="4" algn="l" rtl="0">
@@ -5241,15 +5296,15 @@
         <a:buClr>
           <a:srgbClr val="000000"/>
         </a:buClr>
-        <a:buFont typeface="Arial" panose="020B0604020202020204"/>
+        <a:buFont typeface="Arial"/>
         <a:defRPr sz="1400" b="0" i="0" u="none" strike="noStrike" cap="none">
           <a:solidFill>
             <a:srgbClr val="000000"/>
           </a:solidFill>
-          <a:latin typeface="Arial" panose="020B0604020202020204"/>
-          <a:ea typeface="Arial" panose="020B0604020202020204"/>
-          <a:cs typeface="Arial" panose="020B0604020202020204"/>
-          <a:sym typeface="Arial" panose="020B0604020202020204"/>
+          <a:latin typeface="Arial"/>
+          <a:ea typeface="Arial"/>
+          <a:cs typeface="Arial"/>
+          <a:sym typeface="Arial"/>
         </a:defRPr>
       </a:lvl5pPr>
       <a:lvl6pPr marR="0" lvl="5" algn="l" rtl="0">
@@ -5265,15 +5320,15 @@
         <a:buClr>
           <a:srgbClr val="000000"/>
         </a:buClr>
-        <a:buFont typeface="Arial" panose="020B0604020202020204"/>
+        <a:buFont typeface="Arial"/>
         <a:defRPr sz="1400" b="0" i="0" u="none" strike="noStrike" cap="none">
           <a:solidFill>
             <a:srgbClr val="000000"/>
           </a:solidFill>
-          <a:latin typeface="Arial" panose="020B0604020202020204"/>
-          <a:ea typeface="Arial" panose="020B0604020202020204"/>
-          <a:cs typeface="Arial" panose="020B0604020202020204"/>
-          <a:sym typeface="Arial" panose="020B0604020202020204"/>
+          <a:latin typeface="Arial"/>
+          <a:ea typeface="Arial"/>
+          <a:cs typeface="Arial"/>
+          <a:sym typeface="Arial"/>
         </a:defRPr>
       </a:lvl6pPr>
       <a:lvl7pPr marR="0" lvl="6" algn="l" rtl="0">
@@ -5289,15 +5344,15 @@
         <a:buClr>
           <a:srgbClr val="000000"/>
         </a:buClr>
-        <a:buFont typeface="Arial" panose="020B0604020202020204"/>
+        <a:buFont typeface="Arial"/>
         <a:defRPr sz="1400" b="0" i="0" u="none" strike="noStrike" cap="none">
           <a:solidFill>
             <a:srgbClr val="000000"/>
           </a:solidFill>
-          <a:latin typeface="Arial" panose="020B0604020202020204"/>
-          <a:ea typeface="Arial" panose="020B0604020202020204"/>
-          <a:cs typeface="Arial" panose="020B0604020202020204"/>
-          <a:sym typeface="Arial" panose="020B0604020202020204"/>
+          <a:latin typeface="Arial"/>
+          <a:ea typeface="Arial"/>
+          <a:cs typeface="Arial"/>
+          <a:sym typeface="Arial"/>
         </a:defRPr>
       </a:lvl7pPr>
       <a:lvl8pPr marR="0" lvl="7" algn="l" rtl="0">
@@ -5313,15 +5368,15 @@
         <a:buClr>
           <a:srgbClr val="000000"/>
         </a:buClr>
-        <a:buFont typeface="Arial" panose="020B0604020202020204"/>
+        <a:buFont typeface="Arial"/>
         <a:defRPr sz="1400" b="0" i="0" u="none" strike="noStrike" cap="none">
           <a:solidFill>
             <a:srgbClr val="000000"/>
           </a:solidFill>
-          <a:latin typeface="Arial" panose="020B0604020202020204"/>
-          <a:ea typeface="Arial" panose="020B0604020202020204"/>
-          <a:cs typeface="Arial" panose="020B0604020202020204"/>
-          <a:sym typeface="Arial" panose="020B0604020202020204"/>
+          <a:latin typeface="Arial"/>
+          <a:ea typeface="Arial"/>
+          <a:cs typeface="Arial"/>
+          <a:sym typeface="Arial"/>
         </a:defRPr>
       </a:lvl8pPr>
       <a:lvl9pPr marR="0" lvl="8" algn="l" rtl="0">
@@ -5337,15 +5392,15 @@
         <a:buClr>
           <a:srgbClr val="000000"/>
         </a:buClr>
-        <a:buFont typeface="Arial" panose="020B0604020202020204"/>
+        <a:buFont typeface="Arial"/>
         <a:defRPr sz="1400" b="0" i="0" u="none" strike="noStrike" cap="none">
           <a:solidFill>
             <a:srgbClr val="000000"/>
           </a:solidFill>
-          <a:latin typeface="Arial" panose="020B0604020202020204"/>
-          <a:ea typeface="Arial" panose="020B0604020202020204"/>
-          <a:cs typeface="Arial" panose="020B0604020202020204"/>
-          <a:sym typeface="Arial" panose="020B0604020202020204"/>
+          <a:latin typeface="Arial"/>
+          <a:ea typeface="Arial"/>
+          <a:cs typeface="Arial"/>
+          <a:sym typeface="Arial"/>
         </a:defRPr>
       </a:lvl9pPr>
     </p:otherStyle>
@@ -5359,7 +5414,9 @@
     <p:bg>
       <p:bgPr>
         <a:blipFill>
-          <a:blip r:embed="rId1"/>
+          <a:blip r:embed="rId3">
+            <a:alphaModFix/>
+          </a:blip>
           <a:stretch>
             <a:fillRect/>
           </a:stretch>
@@ -5412,10 +5469,10 @@
               <a:t>Paternity testing using genetics</a:t>
             </a:r>
             <a:endParaRPr sz="4800" dirty="0">
-              <a:latin typeface="Rajdhani" panose="02000000000000000000"/>
-              <a:ea typeface="Rajdhani" panose="02000000000000000000"/>
-              <a:cs typeface="Rajdhani" panose="02000000000000000000"/>
-              <a:sym typeface="Rajdhani" panose="02000000000000000000"/>
+              <a:latin typeface="Rajdhani"/>
+              <a:ea typeface="Rajdhani"/>
+              <a:cs typeface="Rajdhani"/>
+              <a:sym typeface="Rajdhani"/>
             </a:endParaRPr>
           </a:p>
         </p:txBody>
@@ -5450,7 +5507,6 @@
               <a:rPr lang="en-US" dirty="0"/>
               <a:t>Supervised by : Dr. Ashraf Abdelraouf &amp; Eng. Ahmed Hazem</a:t>
             </a:r>
-            <a:endParaRPr lang="en-US" dirty="0"/>
           </a:p>
           <a:p>
             <a:pPr marL="0" lvl="0" indent="0" algn="l" rtl="0">
@@ -5463,10 +5519,10 @@
               <a:buNone/>
             </a:pPr>
             <a:endParaRPr dirty="0">
-              <a:latin typeface="Fira Sans Condensed Light" panose="020B0503050000020004"/>
-              <a:ea typeface="Fira Sans Condensed Light" panose="020B0503050000020004"/>
-              <a:cs typeface="Fira Sans Condensed Light" panose="020B0503050000020004"/>
-              <a:sym typeface="Fira Sans Condensed Light" panose="020B0503050000020004"/>
+              <a:latin typeface="Fira Sans Condensed Light"/>
+              <a:ea typeface="Fira Sans Condensed Light"/>
+              <a:cs typeface="Fira Sans Condensed Light"/>
+              <a:sym typeface="Fira Sans Condensed Light"/>
             </a:endParaRPr>
           </a:p>
         </p:txBody>
@@ -5478,11 +5534,11 @@
           <p:nvPr/>
         </p:nvPicPr>
         <p:blipFill rotWithShape="1">
-          <a:blip r:embed="rId2"/>
+          <a:blip r:embed="rId4">
+            <a:alphaModFix/>
+          </a:blip>
           <a:srcRect l="6664" t="4858" r="6220" b="5495"/>
-          <a:stretch>
-            <a:fillRect/>
-          </a:stretch>
+          <a:stretch/>
         </p:blipFill>
         <p:spPr>
           <a:xfrm>
@@ -5554,14 +5610,14 @@
             <a:pPr marL="0" lvl="0" indent="0" algn="l"/>
             <a:r>
               <a:rPr lang="en-US" sz="3200" b="1" dirty="0">
-                <a:latin typeface="Rajdhani" panose="02000000000000000000" charset="0"/>
-                <a:cs typeface="Rajdhani" panose="02000000000000000000" charset="0"/>
+                <a:latin typeface="Rajdhani" panose="020B0604020202020204" charset="0"/>
+                <a:cs typeface="Rajdhani" panose="020B0604020202020204" charset="0"/>
               </a:rPr>
               <a:t>Non-Functional Requirements</a:t>
             </a:r>
             <a:endParaRPr sz="3200" b="1" dirty="0">
-              <a:latin typeface="Rajdhani" panose="02000000000000000000" charset="0"/>
-              <a:cs typeface="Rajdhani" panose="02000000000000000000" charset="0"/>
+              <a:latin typeface="Rajdhani" panose="020B0604020202020204" charset="0"/>
+              <a:cs typeface="Rajdhani" panose="020B0604020202020204" charset="0"/>
             </a:endParaRPr>
           </a:p>
         </p:txBody>
@@ -5569,7 +5625,9 @@
       <p:sp>
         <p:nvSpPr>
           <p:cNvPr id="5" name="Google Shape;136;p27"/>
-          <p:cNvSpPr txBox="1"/>
+          <p:cNvSpPr txBox="1">
+            <a:spLocks/>
+          </p:cNvSpPr>
           <p:nvPr/>
         </p:nvSpPr>
         <p:spPr>
@@ -5615,16 +5673,16 @@
                 <a:schemeClr val="lt2"/>
               </a:buClr>
               <a:buSzPts val="2800"/>
-              <a:buFont typeface="Fira Sans Condensed Light" panose="020B0503050000020004"/>
+              <a:buFont typeface="Fira Sans Condensed Light"/>
               <a:buNone/>
               <a:defRPr sz="1400" b="0" i="0" u="none" strike="noStrike" cap="none">
                 <a:solidFill>
                   <a:schemeClr val="lt2"/>
                 </a:solidFill>
-                <a:latin typeface="Fira Sans Condensed Light" panose="020B0503050000020004"/>
-                <a:ea typeface="Fira Sans Condensed Light" panose="020B0503050000020004"/>
-                <a:cs typeface="Fira Sans Condensed Light" panose="020B0503050000020004"/>
-                <a:sym typeface="Fira Sans Condensed Light" panose="020B0503050000020004"/>
+                <a:latin typeface="Fira Sans Condensed Light"/>
+                <a:ea typeface="Fira Sans Condensed Light"/>
+                <a:cs typeface="Fira Sans Condensed Light"/>
+                <a:sym typeface="Fira Sans Condensed Light"/>
               </a:defRPr>
             </a:lvl1pPr>
             <a:lvl2pPr marL="914400" marR="0" lvl="1" indent="-304800" algn="ctr" rtl="0">
@@ -5641,16 +5699,16 @@
                 <a:schemeClr val="lt2"/>
               </a:buClr>
               <a:buSzPts val="2800"/>
-              <a:buFont typeface="Fira Sans Condensed Light" panose="020B0503050000020004"/>
+              <a:buFont typeface="Fira Sans Condensed Light"/>
               <a:buNone/>
               <a:defRPr sz="2800" b="0" i="0" u="none" strike="noStrike" cap="none">
                 <a:solidFill>
                   <a:schemeClr val="lt2"/>
                 </a:solidFill>
-                <a:latin typeface="Fira Sans Condensed Light" panose="020B0503050000020004"/>
-                <a:ea typeface="Fira Sans Condensed Light" panose="020B0503050000020004"/>
-                <a:cs typeface="Fira Sans Condensed Light" panose="020B0503050000020004"/>
-                <a:sym typeface="Fira Sans Condensed Light" panose="020B0503050000020004"/>
+                <a:latin typeface="Fira Sans Condensed Light"/>
+                <a:ea typeface="Fira Sans Condensed Light"/>
+                <a:cs typeface="Fira Sans Condensed Light"/>
+                <a:sym typeface="Fira Sans Condensed Light"/>
               </a:defRPr>
             </a:lvl2pPr>
             <a:lvl3pPr marL="1371600" marR="0" lvl="2" indent="-304800" algn="ctr" rtl="0">
@@ -5667,16 +5725,16 @@
                 <a:schemeClr val="lt2"/>
               </a:buClr>
               <a:buSzPts val="2800"/>
-              <a:buFont typeface="Fira Sans Condensed Light" panose="020B0503050000020004"/>
+              <a:buFont typeface="Fira Sans Condensed Light"/>
               <a:buNone/>
               <a:defRPr sz="2800" b="0" i="0" u="none" strike="noStrike" cap="none">
                 <a:solidFill>
                   <a:schemeClr val="lt2"/>
                 </a:solidFill>
-                <a:latin typeface="Fira Sans Condensed Light" panose="020B0503050000020004"/>
-                <a:ea typeface="Fira Sans Condensed Light" panose="020B0503050000020004"/>
-                <a:cs typeface="Fira Sans Condensed Light" panose="020B0503050000020004"/>
-                <a:sym typeface="Fira Sans Condensed Light" panose="020B0503050000020004"/>
+                <a:latin typeface="Fira Sans Condensed Light"/>
+                <a:ea typeface="Fira Sans Condensed Light"/>
+                <a:cs typeface="Fira Sans Condensed Light"/>
+                <a:sym typeface="Fira Sans Condensed Light"/>
               </a:defRPr>
             </a:lvl3pPr>
             <a:lvl4pPr marL="1828800" marR="0" lvl="3" indent="-304800" algn="ctr" rtl="0">
@@ -5693,16 +5751,16 @@
                 <a:schemeClr val="lt2"/>
               </a:buClr>
               <a:buSzPts val="2800"/>
-              <a:buFont typeface="Fira Sans Condensed Light" panose="020B0503050000020004"/>
+              <a:buFont typeface="Fira Sans Condensed Light"/>
               <a:buNone/>
               <a:defRPr sz="2800" b="0" i="0" u="none" strike="noStrike" cap="none">
                 <a:solidFill>
                   <a:schemeClr val="lt2"/>
                 </a:solidFill>
-                <a:latin typeface="Fira Sans Condensed Light" panose="020B0503050000020004"/>
-                <a:ea typeface="Fira Sans Condensed Light" panose="020B0503050000020004"/>
-                <a:cs typeface="Fira Sans Condensed Light" panose="020B0503050000020004"/>
-                <a:sym typeface="Fira Sans Condensed Light" panose="020B0503050000020004"/>
+                <a:latin typeface="Fira Sans Condensed Light"/>
+                <a:ea typeface="Fira Sans Condensed Light"/>
+                <a:cs typeface="Fira Sans Condensed Light"/>
+                <a:sym typeface="Fira Sans Condensed Light"/>
               </a:defRPr>
             </a:lvl4pPr>
             <a:lvl5pPr marL="2286000" marR="0" lvl="4" indent="-304800" algn="ctr" rtl="0">
@@ -5719,16 +5777,16 @@
                 <a:schemeClr val="lt2"/>
               </a:buClr>
               <a:buSzPts val="2800"/>
-              <a:buFont typeface="Fira Sans Condensed Light" panose="020B0503050000020004"/>
+              <a:buFont typeface="Fira Sans Condensed Light"/>
               <a:buNone/>
               <a:defRPr sz="2800" b="0" i="0" u="none" strike="noStrike" cap="none">
                 <a:solidFill>
                   <a:schemeClr val="lt2"/>
                 </a:solidFill>
-                <a:latin typeface="Fira Sans Condensed Light" panose="020B0503050000020004"/>
-                <a:ea typeface="Fira Sans Condensed Light" panose="020B0503050000020004"/>
-                <a:cs typeface="Fira Sans Condensed Light" panose="020B0503050000020004"/>
-                <a:sym typeface="Fira Sans Condensed Light" panose="020B0503050000020004"/>
+                <a:latin typeface="Fira Sans Condensed Light"/>
+                <a:ea typeface="Fira Sans Condensed Light"/>
+                <a:cs typeface="Fira Sans Condensed Light"/>
+                <a:sym typeface="Fira Sans Condensed Light"/>
               </a:defRPr>
             </a:lvl5pPr>
             <a:lvl6pPr marL="2743200" marR="0" lvl="5" indent="-304800" algn="ctr" rtl="0">
@@ -5745,16 +5803,16 @@
                 <a:schemeClr val="lt2"/>
               </a:buClr>
               <a:buSzPts val="2800"/>
-              <a:buFont typeface="Fira Sans Condensed Light" panose="020B0503050000020004"/>
+              <a:buFont typeface="Fira Sans Condensed Light"/>
               <a:buNone/>
               <a:defRPr sz="2800" b="0" i="0" u="none" strike="noStrike" cap="none">
                 <a:solidFill>
                   <a:schemeClr val="lt2"/>
                 </a:solidFill>
-                <a:latin typeface="Fira Sans Condensed Light" panose="020B0503050000020004"/>
-                <a:ea typeface="Fira Sans Condensed Light" panose="020B0503050000020004"/>
-                <a:cs typeface="Fira Sans Condensed Light" panose="020B0503050000020004"/>
-                <a:sym typeface="Fira Sans Condensed Light" panose="020B0503050000020004"/>
+                <a:latin typeface="Fira Sans Condensed Light"/>
+                <a:ea typeface="Fira Sans Condensed Light"/>
+                <a:cs typeface="Fira Sans Condensed Light"/>
+                <a:sym typeface="Fira Sans Condensed Light"/>
               </a:defRPr>
             </a:lvl6pPr>
             <a:lvl7pPr marL="3200400" marR="0" lvl="6" indent="-304800" algn="ctr" rtl="0">
@@ -5771,16 +5829,16 @@
                 <a:schemeClr val="lt2"/>
               </a:buClr>
               <a:buSzPts val="2800"/>
-              <a:buFont typeface="Fira Sans Condensed Light" panose="020B0503050000020004"/>
+              <a:buFont typeface="Fira Sans Condensed Light"/>
               <a:buNone/>
               <a:defRPr sz="2800" b="0" i="0" u="none" strike="noStrike" cap="none">
                 <a:solidFill>
                   <a:schemeClr val="lt2"/>
                 </a:solidFill>
-                <a:latin typeface="Fira Sans Condensed Light" panose="020B0503050000020004"/>
-                <a:ea typeface="Fira Sans Condensed Light" panose="020B0503050000020004"/>
-                <a:cs typeface="Fira Sans Condensed Light" panose="020B0503050000020004"/>
-                <a:sym typeface="Fira Sans Condensed Light" panose="020B0503050000020004"/>
+                <a:latin typeface="Fira Sans Condensed Light"/>
+                <a:ea typeface="Fira Sans Condensed Light"/>
+                <a:cs typeface="Fira Sans Condensed Light"/>
+                <a:sym typeface="Fira Sans Condensed Light"/>
               </a:defRPr>
             </a:lvl7pPr>
             <a:lvl8pPr marL="3657600" marR="0" lvl="7" indent="-304800" algn="ctr" rtl="0">
@@ -5797,16 +5855,16 @@
                 <a:schemeClr val="lt2"/>
               </a:buClr>
               <a:buSzPts val="2800"/>
-              <a:buFont typeface="Fira Sans Condensed Light" panose="020B0503050000020004"/>
+              <a:buFont typeface="Fira Sans Condensed Light"/>
               <a:buNone/>
               <a:defRPr sz="2800" b="0" i="0" u="none" strike="noStrike" cap="none">
                 <a:solidFill>
                   <a:schemeClr val="lt2"/>
                 </a:solidFill>
-                <a:latin typeface="Fira Sans Condensed Light" panose="020B0503050000020004"/>
-                <a:ea typeface="Fira Sans Condensed Light" panose="020B0503050000020004"/>
-                <a:cs typeface="Fira Sans Condensed Light" panose="020B0503050000020004"/>
-                <a:sym typeface="Fira Sans Condensed Light" panose="020B0503050000020004"/>
+                <a:latin typeface="Fira Sans Condensed Light"/>
+                <a:ea typeface="Fira Sans Condensed Light"/>
+                <a:cs typeface="Fira Sans Condensed Light"/>
+                <a:sym typeface="Fira Sans Condensed Light"/>
               </a:defRPr>
             </a:lvl8pPr>
             <a:lvl9pPr marL="4114800" marR="0" lvl="8" indent="-304800" algn="ctr" rtl="0">
@@ -5823,16 +5881,16 @@
                 <a:schemeClr val="lt2"/>
               </a:buClr>
               <a:buSzPts val="2800"/>
-              <a:buFont typeface="Fira Sans Condensed Light" panose="020B0503050000020004"/>
+              <a:buFont typeface="Fira Sans Condensed Light"/>
               <a:buNone/>
               <a:defRPr sz="2800" b="0" i="0" u="none" strike="noStrike" cap="none">
                 <a:solidFill>
                   <a:schemeClr val="lt2"/>
                 </a:solidFill>
-                <a:latin typeface="Fira Sans Condensed Light" panose="020B0503050000020004"/>
-                <a:ea typeface="Fira Sans Condensed Light" panose="020B0503050000020004"/>
-                <a:cs typeface="Fira Sans Condensed Light" panose="020B0503050000020004"/>
-                <a:sym typeface="Fira Sans Condensed Light" panose="020B0503050000020004"/>
+                <a:latin typeface="Fira Sans Condensed Light"/>
+                <a:ea typeface="Fira Sans Condensed Light"/>
+                <a:cs typeface="Fira Sans Condensed Light"/>
+                <a:sym typeface="Fira Sans Condensed Light"/>
               </a:defRPr>
             </a:lvl9pPr>
           </a:lstStyle>
@@ -5892,17 +5950,22 @@
                   <a:srgbClr val="DCDDDE"/>
                 </a:solidFill>
                 <a:effectLst/>
-                <a:latin typeface="Fira Sans Condensed Light" panose="020B0503050000020004" charset="0"/>
+                <a:latin typeface="Fira Sans Condensed Light" panose="020B0403050000020004" pitchFamily="34" charset="0"/>
               </a:rPr>
               <a:t>our system is able to increase its capacity and functionalities based on the users demand. it can remain stable while adapting to changes and upgrades</a:t>
             </a:r>
             <a:endParaRPr lang="en-US" sz="1800" dirty="0">
-              <a:latin typeface="Fira Sans Condensed Light" panose="020B0503050000020004" charset="0"/>
+              <a:latin typeface="Fira Sans Condensed Light" panose="020B0403050000020004" pitchFamily="34" charset="0"/>
             </a:endParaRPr>
           </a:p>
         </p:txBody>
       </p:sp>
     </p:spTree>
+    <p:extLst>
+      <p:ext uri="{BB962C8B-B14F-4D97-AF65-F5344CB8AC3E}">
+        <p14:creationId xmlns:p14="http://schemas.microsoft.com/office/powerpoint/2010/main" val="1195283190"/>
+      </p:ext>
+    </p:extLst>
   </p:cSld>
   <p:clrMapOvr>
     <a:masterClrMapping/>
@@ -5958,14 +6021,14 @@
             <a:pPr marL="0" lvl="0" indent="0" algn="l"/>
             <a:r>
               <a:rPr lang="en-US" sz="3200" b="1" dirty="0">
-                <a:latin typeface="Rajdhani" panose="02000000000000000000" charset="0"/>
-                <a:cs typeface="Rajdhani" panose="02000000000000000000" charset="0"/>
+                <a:latin typeface="Rajdhani" panose="020B0604020202020204" charset="0"/>
+                <a:cs typeface="Rajdhani" panose="020B0604020202020204" charset="0"/>
               </a:rPr>
               <a:t>Class diagram</a:t>
             </a:r>
             <a:endParaRPr sz="3200" b="1" dirty="0">
-              <a:latin typeface="Rajdhani" panose="02000000000000000000" charset="0"/>
-              <a:cs typeface="Rajdhani" panose="02000000000000000000" charset="0"/>
+              <a:latin typeface="Rajdhani" panose="020B0604020202020204" charset="0"/>
+              <a:cs typeface="Rajdhani" panose="020B0604020202020204" charset="0"/>
             </a:endParaRPr>
           </a:p>
         </p:txBody>
@@ -5979,7 +6042,7 @@
           <p:nvPr/>
         </p:nvPicPr>
         <p:blipFill>
-          <a:blip r:embed="rId1" cstate="print">
+          <a:blip r:embed="rId2" cstate="print">
             <a:extLst>
               <a:ext uri="{28A0092B-C50C-407E-A947-70E740481C1C}">
                 <a14:useLocalDpi xmlns:a14="http://schemas.microsoft.com/office/drawing/2010/main" val="0"/>
@@ -6005,6 +6068,11 @@
         </p:spPr>
       </p:pic>
     </p:spTree>
+    <p:extLst>
+      <p:ext uri="{BB962C8B-B14F-4D97-AF65-F5344CB8AC3E}">
+        <p14:creationId xmlns:p14="http://schemas.microsoft.com/office/powerpoint/2010/main" val="2697550361"/>
+      </p:ext>
+    </p:extLst>
   </p:cSld>
   <p:clrMapOvr>
     <a:masterClrMapping/>
@@ -6060,14 +6128,14 @@
             <a:pPr marL="0" lvl="0" indent="0" algn="l"/>
             <a:r>
               <a:rPr lang="en-US" sz="3200" b="1" dirty="0">
-                <a:latin typeface="Rajdhani" panose="02000000000000000000" charset="0"/>
-                <a:cs typeface="Rajdhani" panose="02000000000000000000" charset="0"/>
+                <a:latin typeface="Rajdhani" panose="020B0604020202020204" charset="0"/>
+                <a:cs typeface="Rajdhani" panose="020B0604020202020204" charset="0"/>
               </a:rPr>
               <a:t>Data design (database &amp; dataset)</a:t>
             </a:r>
             <a:endParaRPr sz="3200" b="1" dirty="0">
-              <a:latin typeface="Rajdhani" panose="02000000000000000000" charset="0"/>
-              <a:cs typeface="Rajdhani" panose="02000000000000000000" charset="0"/>
+              <a:latin typeface="Rajdhani" panose="020B0604020202020204" charset="0"/>
+              <a:cs typeface="Rajdhani" panose="020B0604020202020204" charset="0"/>
             </a:endParaRPr>
           </a:p>
         </p:txBody>
@@ -6081,7 +6149,7 @@
           <p:nvPr/>
         </p:nvPicPr>
         <p:blipFill>
-          <a:blip r:embed="rId1">
+          <a:blip r:embed="rId2">
             <a:extLst>
               <a:ext uri="{28A0092B-C50C-407E-A947-70E740481C1C}">
                 <a14:useLocalDpi xmlns:a14="http://schemas.microsoft.com/office/drawing/2010/main" val="0"/>
@@ -6108,7 +6176,13 @@
       </p:pic>
       <p:sp>
         <p:nvSpPr>
-          <p:cNvPr id="7" name="TextBox 6"/>
+          <p:cNvPr id="7" name="TextBox 6">
+            <a:extLst>
+              <a:ext uri="{FF2B5EF4-FFF2-40B4-BE49-F238E27FC236}">
+                <a16:creationId xmlns:a16="http://schemas.microsoft.com/office/drawing/2014/main" id="{773D7D0D-3DFE-41EA-99F4-6D9BD5A2B01C}"/>
+              </a:ext>
+            </a:extLst>
+          </p:cNvPr>
           <p:cNvSpPr txBox="1"/>
           <p:nvPr/>
         </p:nvSpPr>
@@ -6134,17 +6208,22 @@
                   <a:srgbClr val="DCDDDE"/>
                 </a:solidFill>
                 <a:effectLst/>
-                <a:latin typeface="Fira Sans Condensed Light" panose="020B0503050000020004" charset="0"/>
+                <a:latin typeface="Fira Sans Condensed Light" panose="020B0403050000020004" pitchFamily="34" charset="0"/>
               </a:rPr>
               <a:t>Our dataset consists of several rs numbers containing the genotypes of each member</a:t>
             </a:r>
             <a:endParaRPr lang="en-US" sz="1800" dirty="0">
-              <a:latin typeface="Fira Sans Condensed Light" panose="020B0503050000020004" charset="0"/>
+              <a:latin typeface="Fira Sans Condensed Light" panose="020B0403050000020004" pitchFamily="34" charset="0"/>
             </a:endParaRPr>
           </a:p>
         </p:txBody>
       </p:sp>
     </p:spTree>
+    <p:extLst>
+      <p:ext uri="{BB962C8B-B14F-4D97-AF65-F5344CB8AC3E}">
+        <p14:creationId xmlns:p14="http://schemas.microsoft.com/office/powerpoint/2010/main" val="250995924"/>
+      </p:ext>
+    </p:extLst>
   </p:cSld>
   <p:clrMapOvr>
     <a:masterClrMapping/>
@@ -6200,14 +6279,14 @@
             <a:pPr marL="0" lvl="0" indent="0" algn="l"/>
             <a:r>
               <a:rPr lang="en-US" sz="3200" b="1" dirty="0">
-                <a:latin typeface="Rajdhani" panose="02000000000000000000" charset="0"/>
-                <a:cs typeface="Rajdhani" panose="02000000000000000000" charset="0"/>
+                <a:latin typeface="Rajdhani" panose="020B0604020202020204" charset="0"/>
+                <a:cs typeface="Rajdhani" panose="020B0604020202020204" charset="0"/>
               </a:rPr>
               <a:t>Data design (database &amp; dataset) (cont.)</a:t>
             </a:r>
             <a:endParaRPr sz="3200" b="1" dirty="0">
-              <a:latin typeface="Rajdhani" panose="02000000000000000000" charset="0"/>
-              <a:cs typeface="Rajdhani" panose="02000000000000000000" charset="0"/>
+              <a:latin typeface="Rajdhani" panose="020B0604020202020204" charset="0"/>
+              <a:cs typeface="Rajdhani" panose="020B0604020202020204" charset="0"/>
             </a:endParaRPr>
           </a:p>
         </p:txBody>
@@ -6221,7 +6300,7 @@
           <p:nvPr/>
         </p:nvPicPr>
         <p:blipFill>
-          <a:blip r:embed="rId1">
+          <a:blip r:embed="rId2">
             <a:extLst>
               <a:ext uri="{28A0092B-C50C-407E-A947-70E740481C1C}">
                 <a14:useLocalDpi xmlns:a14="http://schemas.microsoft.com/office/drawing/2010/main" val="0"/>
@@ -6243,6 +6322,11 @@
         </p:spPr>
       </p:pic>
     </p:spTree>
+    <p:extLst>
+      <p:ext uri="{BB962C8B-B14F-4D97-AF65-F5344CB8AC3E}">
+        <p14:creationId xmlns:p14="http://schemas.microsoft.com/office/powerpoint/2010/main" val="1480811383"/>
+      </p:ext>
+    </p:extLst>
   </p:cSld>
   <p:clrMapOvr>
     <a:masterClrMapping/>
@@ -6259,7 +6343,9 @@
     <p:bg>
       <p:bgPr>
         <a:blipFill>
-          <a:blip r:embed="rId1"/>
+          <a:blip r:embed="rId3">
+            <a:alphaModFix/>
+          </a:blip>
           <a:stretch>
             <a:fillRect/>
           </a:stretch>
@@ -6316,7 +6402,7 @@
               <a:buNone/>
             </a:pPr>
             <a:r>
-              <a:rPr lang="en-GB" dirty="0"/>
+              <a:rPr lang="en" dirty="0"/>
               <a:t>TIME PLAN</a:t>
             </a:r>
             <a:endParaRPr dirty="0"/>
@@ -6380,10 +6466,10 @@
                 <a:solidFill>
                   <a:schemeClr val="lt2"/>
                 </a:solidFill>
-                <a:latin typeface="Fira Sans Condensed Light" panose="020B0503050000020004"/>
-                <a:ea typeface="Fira Sans Condensed Light" panose="020B0503050000020004"/>
-                <a:cs typeface="Fira Sans Condensed Light" panose="020B0503050000020004"/>
-                <a:sym typeface="Fira Sans Condensed Light" panose="020B0503050000020004"/>
+                <a:latin typeface="Fira Sans Condensed Light"/>
+                <a:ea typeface="Fira Sans Condensed Light"/>
+                <a:cs typeface="Fira Sans Condensed Light"/>
+                <a:sym typeface="Fira Sans Condensed Light"/>
               </a:rPr>
               <a:t>Whole genome processing from the sources we gathered</a:t>
             </a:r>
@@ -6391,10 +6477,10 @@
               <a:solidFill>
                 <a:schemeClr val="lt2"/>
               </a:solidFill>
-              <a:latin typeface="Fira Sans Condensed Light" panose="020B0503050000020004"/>
-              <a:ea typeface="Fira Sans Condensed Light" panose="020B0503050000020004"/>
-              <a:cs typeface="Fira Sans Condensed Light" panose="020B0503050000020004"/>
-              <a:sym typeface="Fira Sans Condensed Light" panose="020B0503050000020004"/>
+              <a:latin typeface="Fira Sans Condensed Light"/>
+              <a:ea typeface="Fira Sans Condensed Light"/>
+              <a:cs typeface="Fira Sans Condensed Light"/>
+              <a:sym typeface="Fira Sans Condensed Light"/>
             </a:endParaRPr>
           </a:p>
         </p:txBody>
@@ -6430,22 +6516,22 @@
                 <a:solidFill>
                   <a:schemeClr val="lt2"/>
                 </a:solidFill>
-                <a:latin typeface="Rajdhani" panose="02000000000000000000"/>
-                <a:ea typeface="Rajdhani" panose="02000000000000000000"/>
-                <a:cs typeface="Rajdhani" panose="02000000000000000000"/>
-                <a:sym typeface="Rajdhani" panose="02000000000000000000"/>
+                <a:latin typeface="Rajdhani"/>
+                <a:ea typeface="Rajdhani"/>
+                <a:cs typeface="Rajdhani"/>
+                <a:sym typeface="Rajdhani"/>
               </a:rPr>
               <a:t>B</a:t>
             </a:r>
             <a:r>
-              <a:rPr lang="en-GB" sz="2400" b="1" dirty="0">
+              <a:rPr lang="en" sz="2400" b="1" dirty="0">
                 <a:solidFill>
                   <a:schemeClr val="lt2"/>
                 </a:solidFill>
-                <a:latin typeface="Rajdhani" panose="02000000000000000000"/>
-                <a:ea typeface="Rajdhani" panose="02000000000000000000"/>
-                <a:cs typeface="Rajdhani" panose="02000000000000000000"/>
-                <a:sym typeface="Rajdhani" panose="02000000000000000000"/>
+                <a:latin typeface="Rajdhani"/>
+                <a:ea typeface="Rajdhani"/>
+                <a:cs typeface="Rajdhani"/>
+                <a:sym typeface="Rajdhani"/>
               </a:rPr>
               <a:t>y the end of </a:t>
             </a:r>
@@ -6454,10 +6540,10 @@
                 <a:solidFill>
                   <a:schemeClr val="lt2"/>
                 </a:solidFill>
-                <a:latin typeface="Rajdhani" panose="02000000000000000000"/>
-                <a:ea typeface="Rajdhani" panose="02000000000000000000"/>
-                <a:cs typeface="Rajdhani" panose="02000000000000000000"/>
-                <a:sym typeface="Rajdhani" panose="02000000000000000000"/>
+                <a:latin typeface="Rajdhani"/>
+                <a:ea typeface="Rajdhani"/>
+                <a:cs typeface="Rajdhani"/>
+                <a:sym typeface="Rajdhani"/>
               </a:rPr>
               <a:t>January</a:t>
             </a:r>
@@ -6465,10 +6551,10 @@
               <a:solidFill>
                 <a:schemeClr val="lt2"/>
               </a:solidFill>
-              <a:latin typeface="Rajdhani" panose="02000000000000000000"/>
-              <a:ea typeface="Rajdhani" panose="02000000000000000000"/>
-              <a:cs typeface="Rajdhani" panose="02000000000000000000"/>
-              <a:sym typeface="Rajdhani" panose="02000000000000000000"/>
+              <a:latin typeface="Rajdhani"/>
+              <a:ea typeface="Rajdhani"/>
+              <a:cs typeface="Rajdhani"/>
+              <a:sym typeface="Rajdhani"/>
             </a:endParaRPr>
           </a:p>
         </p:txBody>
@@ -6504,22 +6590,13 @@
                 <a:solidFill>
                   <a:schemeClr val="lt2"/>
                 </a:solidFill>
-                <a:latin typeface="Fira Sans Condensed Light" panose="020B0503050000020004"/>
-                <a:ea typeface="Fira Sans Condensed Light" panose="020B0503050000020004"/>
-                <a:cs typeface="Fira Sans Condensed Light" panose="020B0503050000020004"/>
-                <a:sym typeface="Fira Sans Condensed Light" panose="020B0503050000020004"/>
+                <a:latin typeface="Fira Sans Condensed Light"/>
+                <a:ea typeface="Fira Sans Condensed Light"/>
+                <a:cs typeface="Fira Sans Condensed Light"/>
+                <a:sym typeface="Fira Sans Condensed Light"/>
               </a:rPr>
               <a:t>Potentially add Whole exome in our system based on the information we gathered</a:t>
             </a:r>
-            <a:endParaRPr lang="en-US" dirty="0">
-              <a:solidFill>
-                <a:schemeClr val="lt2"/>
-              </a:solidFill>
-              <a:latin typeface="Fira Sans Condensed Light" panose="020B0503050000020004"/>
-              <a:ea typeface="Fira Sans Condensed Light" panose="020B0503050000020004"/>
-              <a:cs typeface="Fira Sans Condensed Light" panose="020B0503050000020004"/>
-              <a:sym typeface="Fira Sans Condensed Light" panose="020B0503050000020004"/>
-            </a:endParaRPr>
           </a:p>
         </p:txBody>
       </p:sp>
@@ -6562,10 +6639,10 @@
                 <a:solidFill>
                   <a:schemeClr val="lt2"/>
                 </a:solidFill>
-                <a:latin typeface="Fira Sans Condensed Light" panose="020B0503050000020004"/>
-                <a:ea typeface="Fira Sans Condensed Light" panose="020B0503050000020004"/>
-                <a:cs typeface="Fira Sans Condensed Light" panose="020B0503050000020004"/>
-                <a:sym typeface="Fira Sans Condensed Light" panose="020B0503050000020004"/>
+                <a:latin typeface="Fira Sans Condensed Light"/>
+                <a:ea typeface="Fira Sans Condensed Light"/>
+                <a:cs typeface="Fira Sans Condensed Light"/>
+                <a:sym typeface="Fira Sans Condensed Light"/>
               </a:rPr>
               <a:t>Implement at least 60 % of the web application</a:t>
             </a:r>
@@ -6573,10 +6650,10 @@
               <a:solidFill>
                 <a:schemeClr val="lt2"/>
               </a:solidFill>
-              <a:latin typeface="Fira Sans Condensed Light" panose="020B0503050000020004"/>
-              <a:ea typeface="Fira Sans Condensed Light" panose="020B0503050000020004"/>
-              <a:cs typeface="Fira Sans Condensed Light" panose="020B0503050000020004"/>
-              <a:sym typeface="Fira Sans Condensed Light" panose="020B0503050000020004"/>
+              <a:latin typeface="Fira Sans Condensed Light"/>
+              <a:ea typeface="Fira Sans Condensed Light"/>
+              <a:cs typeface="Fira Sans Condensed Light"/>
+              <a:sym typeface="Fira Sans Condensed Light"/>
             </a:endParaRPr>
           </a:p>
         </p:txBody>
@@ -6612,22 +6689,13 @@
                 <a:solidFill>
                   <a:schemeClr val="lt2"/>
                 </a:solidFill>
-                <a:latin typeface="Fira Sans Condensed Light" panose="020B0503050000020004"/>
-                <a:ea typeface="Fira Sans Condensed Light" panose="020B0503050000020004"/>
-                <a:cs typeface="Fira Sans Condensed Light" panose="020B0503050000020004"/>
-                <a:sym typeface="Fira Sans Condensed Light" panose="020B0503050000020004"/>
+                <a:latin typeface="Fira Sans Condensed Light"/>
+                <a:ea typeface="Fira Sans Condensed Light"/>
+                <a:cs typeface="Fira Sans Condensed Light"/>
+                <a:sym typeface="Fira Sans Condensed Light"/>
               </a:rPr>
               <a:t>Prove that if is at least a relevance or kinship degree </a:t>
             </a:r>
-            <a:endParaRPr lang="en-US" dirty="0">
-              <a:solidFill>
-                <a:schemeClr val="lt2"/>
-              </a:solidFill>
-              <a:latin typeface="Fira Sans Condensed Light" panose="020B0503050000020004"/>
-              <a:ea typeface="Fira Sans Condensed Light" panose="020B0503050000020004"/>
-              <a:cs typeface="Fira Sans Condensed Light" panose="020B0503050000020004"/>
-              <a:sym typeface="Fira Sans Condensed Light" panose="020B0503050000020004"/>
-            </a:endParaRPr>
           </a:p>
         </p:txBody>
       </p:sp>
@@ -6658,14 +6726,14 @@
           <a:p>
             <a:pPr lvl="0" algn="r"/>
             <a:r>
-              <a:rPr lang="en-GB" sz="2400" b="1" dirty="0">
+              <a:rPr lang="en" sz="2400" b="1" dirty="0">
                 <a:solidFill>
                   <a:schemeClr val="lt2"/>
                 </a:solidFill>
-                <a:latin typeface="Rajdhani" panose="02000000000000000000"/>
-                <a:ea typeface="Rajdhani" panose="02000000000000000000"/>
-                <a:cs typeface="Rajdhani" panose="02000000000000000000"/>
-                <a:sym typeface="Rajdhani" panose="02000000000000000000"/>
+                <a:latin typeface="Rajdhani"/>
+                <a:ea typeface="Rajdhani"/>
+                <a:cs typeface="Rajdhani"/>
+                <a:sym typeface="Rajdhani"/>
               </a:rPr>
               <a:t>By the end of </a:t>
             </a:r>
@@ -6674,10 +6742,10 @@
                 <a:solidFill>
                   <a:schemeClr val="lt2"/>
                 </a:solidFill>
-                <a:latin typeface="Rajdhani" panose="02000000000000000000"/>
-                <a:ea typeface="Rajdhani" panose="02000000000000000000"/>
-                <a:cs typeface="Rajdhani" panose="02000000000000000000"/>
-                <a:sym typeface="Rajdhani" panose="02000000000000000000"/>
+                <a:latin typeface="Rajdhani"/>
+                <a:ea typeface="Rajdhani"/>
+                <a:cs typeface="Rajdhani"/>
+                <a:sym typeface="Rajdhani"/>
               </a:rPr>
               <a:t>February</a:t>
             </a:r>
@@ -6685,10 +6753,10 @@
               <a:solidFill>
                 <a:schemeClr val="lt2"/>
               </a:solidFill>
-              <a:latin typeface="Rajdhani" panose="02000000000000000000"/>
-              <a:ea typeface="Rajdhani" panose="02000000000000000000"/>
-              <a:cs typeface="Rajdhani" panose="02000000000000000000"/>
-              <a:sym typeface="Rajdhani" panose="02000000000000000000"/>
+              <a:latin typeface="Rajdhani"/>
+              <a:ea typeface="Rajdhani"/>
+              <a:cs typeface="Rajdhani"/>
+              <a:sym typeface="Rajdhani"/>
             </a:endParaRPr>
           </a:p>
         </p:txBody>
@@ -6732,22 +6800,22 @@
                 <a:solidFill>
                   <a:schemeClr val="lt2"/>
                 </a:solidFill>
-                <a:latin typeface="Rajdhani" panose="02000000000000000000"/>
-                <a:ea typeface="Rajdhani" panose="02000000000000000000"/>
-                <a:cs typeface="Rajdhani" panose="02000000000000000000"/>
-                <a:sym typeface="Rajdhani" panose="02000000000000000000"/>
+                <a:latin typeface="Rajdhani"/>
+                <a:ea typeface="Rajdhani"/>
+                <a:cs typeface="Rajdhani"/>
+                <a:sym typeface="Rajdhani"/>
               </a:rPr>
               <a:t>B</a:t>
             </a:r>
             <a:r>
-              <a:rPr lang="en-GB" sz="2400" b="1" dirty="0">
+              <a:rPr lang="en" sz="2400" b="1" dirty="0">
                 <a:solidFill>
                   <a:schemeClr val="lt2"/>
                 </a:solidFill>
-                <a:latin typeface="Rajdhani" panose="02000000000000000000"/>
-                <a:ea typeface="Rajdhani" panose="02000000000000000000"/>
-                <a:cs typeface="Rajdhani" panose="02000000000000000000"/>
-                <a:sym typeface="Rajdhani" panose="02000000000000000000"/>
+                <a:latin typeface="Rajdhani"/>
+                <a:ea typeface="Rajdhani"/>
+                <a:cs typeface="Rajdhani"/>
+                <a:sym typeface="Rajdhani"/>
               </a:rPr>
               <a:t>efore the end of Februrary </a:t>
             </a:r>
@@ -6755,10 +6823,10 @@
               <a:solidFill>
                 <a:schemeClr val="lt2"/>
               </a:solidFill>
-              <a:latin typeface="Rajdhani" panose="02000000000000000000"/>
-              <a:ea typeface="Rajdhani" panose="02000000000000000000"/>
-              <a:cs typeface="Rajdhani" panose="02000000000000000000"/>
-              <a:sym typeface="Rajdhani" panose="02000000000000000000"/>
+              <a:latin typeface="Rajdhani"/>
+              <a:ea typeface="Rajdhani"/>
+              <a:cs typeface="Rajdhani"/>
+              <a:sym typeface="Rajdhani"/>
             </a:endParaRPr>
           </a:p>
         </p:txBody>
@@ -6794,22 +6862,13 @@
                 <a:solidFill>
                   <a:schemeClr val="lt2"/>
                 </a:solidFill>
-                <a:latin typeface="Rajdhani" panose="02000000000000000000"/>
-                <a:ea typeface="Rajdhani" panose="02000000000000000000"/>
-                <a:cs typeface="Rajdhani" panose="02000000000000000000"/>
-                <a:sym typeface="Rajdhani" panose="02000000000000000000"/>
+                <a:latin typeface="Rajdhani"/>
+                <a:ea typeface="Rajdhani"/>
+                <a:cs typeface="Rajdhani"/>
+                <a:sym typeface="Rajdhani"/>
               </a:rPr>
               <a:t>Start by the end of February</a:t>
             </a:r>
-            <a:endParaRPr lang="en-US" sz="2400" b="1" dirty="0">
-              <a:solidFill>
-                <a:schemeClr val="lt2"/>
-              </a:solidFill>
-              <a:latin typeface="Rajdhani" panose="02000000000000000000"/>
-              <a:ea typeface="Rajdhani" panose="02000000000000000000"/>
-              <a:cs typeface="Rajdhani" panose="02000000000000000000"/>
-              <a:sym typeface="Rajdhani" panose="02000000000000000000"/>
-            </a:endParaRPr>
           </a:p>
         </p:txBody>
       </p:sp>
@@ -6957,10 +7016,10 @@
                 <a:solidFill>
                   <a:schemeClr val="lt2"/>
                 </a:solidFill>
-                <a:latin typeface="Rajdhani" panose="02000000000000000000"/>
-                <a:ea typeface="Rajdhani" panose="02000000000000000000"/>
-                <a:cs typeface="Rajdhani" panose="02000000000000000000"/>
-                <a:sym typeface="Rajdhani" panose="02000000000000000000"/>
+                <a:latin typeface="Rajdhani"/>
+                <a:ea typeface="Rajdhani"/>
+                <a:cs typeface="Rajdhani"/>
+                <a:sym typeface="Rajdhani"/>
               </a:rPr>
               <a:t>13/1/2022</a:t>
             </a:r>
@@ -6968,10 +7027,10 @@
               <a:solidFill>
                 <a:schemeClr val="lt2"/>
               </a:solidFill>
-              <a:latin typeface="Rajdhani" panose="02000000000000000000"/>
-              <a:ea typeface="Rajdhani" panose="02000000000000000000"/>
-              <a:cs typeface="Rajdhani" panose="02000000000000000000"/>
-              <a:sym typeface="Rajdhani" panose="02000000000000000000"/>
+              <a:latin typeface="Rajdhani"/>
+              <a:ea typeface="Rajdhani"/>
+              <a:cs typeface="Rajdhani"/>
+              <a:sym typeface="Rajdhani"/>
             </a:endParaRPr>
           </a:p>
         </p:txBody>
@@ -7007,10 +7066,10 @@
                 <a:solidFill>
                   <a:schemeClr val="lt2"/>
                 </a:solidFill>
-                <a:latin typeface="Fira Sans Condensed Light" panose="020B0503050000020004"/>
-                <a:ea typeface="Fira Sans Condensed Light" panose="020B0503050000020004"/>
-                <a:cs typeface="Fira Sans Condensed Light" panose="020B0503050000020004"/>
-                <a:sym typeface="Fira Sans Condensed Light" panose="020B0503050000020004"/>
+                <a:latin typeface="Fira Sans Condensed Light"/>
+                <a:ea typeface="Fira Sans Condensed Light"/>
+                <a:cs typeface="Fira Sans Condensed Light"/>
+                <a:sym typeface="Fira Sans Condensed Light"/>
               </a:rPr>
               <a:t>Enhance everything we implemented so far</a:t>
             </a:r>
@@ -7018,10 +7077,10 @@
               <a:solidFill>
                 <a:schemeClr val="lt2"/>
               </a:solidFill>
-              <a:latin typeface="Fira Sans Condensed Light" panose="020B0503050000020004"/>
-              <a:ea typeface="Fira Sans Condensed Light" panose="020B0503050000020004"/>
-              <a:cs typeface="Fira Sans Condensed Light" panose="020B0503050000020004"/>
-              <a:sym typeface="Fira Sans Condensed Light" panose="020B0503050000020004"/>
+              <a:latin typeface="Fira Sans Condensed Light"/>
+              <a:ea typeface="Fira Sans Condensed Light"/>
+              <a:cs typeface="Fira Sans Condensed Light"/>
+              <a:sym typeface="Fira Sans Condensed Light"/>
             </a:endParaRPr>
           </a:p>
         </p:txBody>
@@ -7108,19 +7167,24 @@
             <a:pPr marL="0" lvl="0" indent="0" algn="l"/>
             <a:r>
               <a:rPr lang="en-US" sz="3200" b="1" dirty="0">
-                <a:latin typeface="Rajdhani" panose="02000000000000000000" charset="0"/>
-                <a:cs typeface="Rajdhani" panose="02000000000000000000" charset="0"/>
+                <a:latin typeface="Rajdhani" panose="020B0604020202020204" charset="0"/>
+                <a:cs typeface="Rajdhani" panose="020B0604020202020204" charset="0"/>
               </a:rPr>
               <a:t>Live Demo</a:t>
             </a:r>
             <a:endParaRPr sz="3200" b="1" dirty="0">
-              <a:latin typeface="Rajdhani" panose="02000000000000000000" charset="0"/>
-              <a:cs typeface="Rajdhani" panose="02000000000000000000" charset="0"/>
+              <a:latin typeface="Rajdhani" panose="020B0604020202020204" charset="0"/>
+              <a:cs typeface="Rajdhani" panose="020B0604020202020204" charset="0"/>
             </a:endParaRPr>
           </a:p>
         </p:txBody>
       </p:sp>
     </p:spTree>
+    <p:extLst>
+      <p:ext uri="{BB962C8B-B14F-4D97-AF65-F5344CB8AC3E}">
+        <p14:creationId xmlns:p14="http://schemas.microsoft.com/office/powerpoint/2010/main" val="3242247357"/>
+      </p:ext>
+    </p:extLst>
   </p:cSld>
   <p:clrMapOvr>
     <a:masterClrMapping/>
@@ -7151,7 +7215,9 @@
       <p:sp>
         <p:nvSpPr>
           <p:cNvPr id="4" name="Google Shape;1768;p46"/>
-          <p:cNvSpPr txBox="1"/>
+          <p:cNvSpPr txBox="1">
+            <a:spLocks/>
+          </p:cNvSpPr>
           <p:nvPr/>
         </p:nvSpPr>
         <p:spPr>
@@ -7197,16 +7263,16 @@
                 <a:schemeClr val="lt2"/>
               </a:buClr>
               <a:buSzPts val="1400"/>
-              <a:buFont typeface="Rajdhani" panose="02000000000000000000"/>
+              <a:buFont typeface="Rajdhani"/>
               <a:buNone/>
               <a:defRPr sz="4800" b="1" i="0" u="none" strike="noStrike" cap="none">
                 <a:solidFill>
                   <a:schemeClr val="lt2"/>
                 </a:solidFill>
-                <a:latin typeface="Rajdhani" panose="02000000000000000000"/>
-                <a:ea typeface="Rajdhani" panose="02000000000000000000"/>
-                <a:cs typeface="Rajdhani" panose="02000000000000000000"/>
-                <a:sym typeface="Rajdhani" panose="02000000000000000000"/>
+                <a:latin typeface="Rajdhani"/>
+                <a:ea typeface="Rajdhani"/>
+                <a:cs typeface="Rajdhani"/>
+                <a:sym typeface="Rajdhani"/>
               </a:defRPr>
             </a:lvl1pPr>
             <a:lvl2pPr marR="0" lvl="1" algn="l" rtl="0">
@@ -7223,16 +7289,16 @@
                 <a:schemeClr val="lt2"/>
               </a:buClr>
               <a:buSzPts val="1400"/>
-              <a:buFont typeface="Rajdhani" panose="02000000000000000000"/>
+              <a:buFont typeface="Rajdhani"/>
               <a:buNone/>
               <a:defRPr sz="1400" b="1" i="0" u="none" strike="noStrike" cap="none">
                 <a:solidFill>
                   <a:schemeClr val="lt2"/>
                 </a:solidFill>
-                <a:latin typeface="Rajdhani" panose="02000000000000000000"/>
-                <a:ea typeface="Rajdhani" panose="02000000000000000000"/>
-                <a:cs typeface="Rajdhani" panose="02000000000000000000"/>
-                <a:sym typeface="Rajdhani" panose="02000000000000000000"/>
+                <a:latin typeface="Rajdhani"/>
+                <a:ea typeface="Rajdhani"/>
+                <a:cs typeface="Rajdhani"/>
+                <a:sym typeface="Rajdhani"/>
               </a:defRPr>
             </a:lvl2pPr>
             <a:lvl3pPr marR="0" lvl="2" algn="l" rtl="0">
@@ -7249,16 +7315,16 @@
                 <a:schemeClr val="lt2"/>
               </a:buClr>
               <a:buSzPts val="1400"/>
-              <a:buFont typeface="Rajdhani" panose="02000000000000000000"/>
+              <a:buFont typeface="Rajdhani"/>
               <a:buNone/>
               <a:defRPr sz="1400" b="1" i="0" u="none" strike="noStrike" cap="none">
                 <a:solidFill>
                   <a:schemeClr val="lt2"/>
                 </a:solidFill>
-                <a:latin typeface="Rajdhani" panose="02000000000000000000"/>
-                <a:ea typeface="Rajdhani" panose="02000000000000000000"/>
-                <a:cs typeface="Rajdhani" panose="02000000000000000000"/>
-                <a:sym typeface="Rajdhani" panose="02000000000000000000"/>
+                <a:latin typeface="Rajdhani"/>
+                <a:ea typeface="Rajdhani"/>
+                <a:cs typeface="Rajdhani"/>
+                <a:sym typeface="Rajdhani"/>
               </a:defRPr>
             </a:lvl3pPr>
             <a:lvl4pPr marR="0" lvl="3" algn="l" rtl="0">
@@ -7275,16 +7341,16 @@
                 <a:schemeClr val="lt2"/>
               </a:buClr>
               <a:buSzPts val="1400"/>
-              <a:buFont typeface="Rajdhani" panose="02000000000000000000"/>
+              <a:buFont typeface="Rajdhani"/>
               <a:buNone/>
               <a:defRPr sz="1400" b="1" i="0" u="none" strike="noStrike" cap="none">
                 <a:solidFill>
                   <a:schemeClr val="lt2"/>
                 </a:solidFill>
-                <a:latin typeface="Rajdhani" panose="02000000000000000000"/>
-                <a:ea typeface="Rajdhani" panose="02000000000000000000"/>
-                <a:cs typeface="Rajdhani" panose="02000000000000000000"/>
-                <a:sym typeface="Rajdhani" panose="02000000000000000000"/>
+                <a:latin typeface="Rajdhani"/>
+                <a:ea typeface="Rajdhani"/>
+                <a:cs typeface="Rajdhani"/>
+                <a:sym typeface="Rajdhani"/>
               </a:defRPr>
             </a:lvl4pPr>
             <a:lvl5pPr marR="0" lvl="4" algn="l" rtl="0">
@@ -7301,16 +7367,16 @@
                 <a:schemeClr val="lt2"/>
               </a:buClr>
               <a:buSzPts val="1400"/>
-              <a:buFont typeface="Rajdhani" panose="02000000000000000000"/>
+              <a:buFont typeface="Rajdhani"/>
               <a:buNone/>
               <a:defRPr sz="1400" b="1" i="0" u="none" strike="noStrike" cap="none">
                 <a:solidFill>
                   <a:schemeClr val="lt2"/>
                 </a:solidFill>
-                <a:latin typeface="Rajdhani" panose="02000000000000000000"/>
-                <a:ea typeface="Rajdhani" panose="02000000000000000000"/>
-                <a:cs typeface="Rajdhani" panose="02000000000000000000"/>
-                <a:sym typeface="Rajdhani" panose="02000000000000000000"/>
+                <a:latin typeface="Rajdhani"/>
+                <a:ea typeface="Rajdhani"/>
+                <a:cs typeface="Rajdhani"/>
+                <a:sym typeface="Rajdhani"/>
               </a:defRPr>
             </a:lvl5pPr>
             <a:lvl6pPr marR="0" lvl="5" algn="l" rtl="0">
@@ -7327,16 +7393,16 @@
                 <a:schemeClr val="lt2"/>
               </a:buClr>
               <a:buSzPts val="1400"/>
-              <a:buFont typeface="Rajdhani" panose="02000000000000000000"/>
+              <a:buFont typeface="Rajdhani"/>
               <a:buNone/>
               <a:defRPr sz="1400" b="1" i="0" u="none" strike="noStrike" cap="none">
                 <a:solidFill>
                   <a:schemeClr val="lt2"/>
                 </a:solidFill>
-                <a:latin typeface="Rajdhani" panose="02000000000000000000"/>
-                <a:ea typeface="Rajdhani" panose="02000000000000000000"/>
-                <a:cs typeface="Rajdhani" panose="02000000000000000000"/>
-                <a:sym typeface="Rajdhani" panose="02000000000000000000"/>
+                <a:latin typeface="Rajdhani"/>
+                <a:ea typeface="Rajdhani"/>
+                <a:cs typeface="Rajdhani"/>
+                <a:sym typeface="Rajdhani"/>
               </a:defRPr>
             </a:lvl6pPr>
             <a:lvl7pPr marR="0" lvl="6" algn="l" rtl="0">
@@ -7353,16 +7419,16 @@
                 <a:schemeClr val="lt2"/>
               </a:buClr>
               <a:buSzPts val="1400"/>
-              <a:buFont typeface="Rajdhani" panose="02000000000000000000"/>
+              <a:buFont typeface="Rajdhani"/>
               <a:buNone/>
               <a:defRPr sz="1400" b="1" i="0" u="none" strike="noStrike" cap="none">
                 <a:solidFill>
                   <a:schemeClr val="lt2"/>
                 </a:solidFill>
-                <a:latin typeface="Rajdhani" panose="02000000000000000000"/>
-                <a:ea typeface="Rajdhani" panose="02000000000000000000"/>
-                <a:cs typeface="Rajdhani" panose="02000000000000000000"/>
-                <a:sym typeface="Rajdhani" panose="02000000000000000000"/>
+                <a:latin typeface="Rajdhani"/>
+                <a:ea typeface="Rajdhani"/>
+                <a:cs typeface="Rajdhani"/>
+                <a:sym typeface="Rajdhani"/>
               </a:defRPr>
             </a:lvl7pPr>
             <a:lvl8pPr marR="0" lvl="7" algn="l" rtl="0">
@@ -7379,16 +7445,16 @@
                 <a:schemeClr val="lt2"/>
               </a:buClr>
               <a:buSzPts val="1400"/>
-              <a:buFont typeface="Rajdhani" panose="02000000000000000000"/>
+              <a:buFont typeface="Rajdhani"/>
               <a:buNone/>
               <a:defRPr sz="1400" b="1" i="0" u="none" strike="noStrike" cap="none">
                 <a:solidFill>
                   <a:schemeClr val="lt2"/>
                 </a:solidFill>
-                <a:latin typeface="Rajdhani" panose="02000000000000000000"/>
-                <a:ea typeface="Rajdhani" panose="02000000000000000000"/>
-                <a:cs typeface="Rajdhani" panose="02000000000000000000"/>
-                <a:sym typeface="Rajdhani" panose="02000000000000000000"/>
+                <a:latin typeface="Rajdhani"/>
+                <a:ea typeface="Rajdhani"/>
+                <a:cs typeface="Rajdhani"/>
+                <a:sym typeface="Rajdhani"/>
               </a:defRPr>
             </a:lvl8pPr>
             <a:lvl9pPr marR="0" lvl="8" algn="l" rtl="0">
@@ -7405,16 +7471,16 @@
                 <a:schemeClr val="lt2"/>
               </a:buClr>
               <a:buSzPts val="1400"/>
-              <a:buFont typeface="Rajdhani" panose="02000000000000000000"/>
+              <a:buFont typeface="Rajdhani"/>
               <a:buNone/>
               <a:defRPr sz="1400" b="1" i="0" u="none" strike="noStrike" cap="none">
                 <a:solidFill>
                   <a:schemeClr val="lt2"/>
                 </a:solidFill>
-                <a:latin typeface="Rajdhani" panose="02000000000000000000"/>
-                <a:ea typeface="Rajdhani" panose="02000000000000000000"/>
-                <a:cs typeface="Rajdhani" panose="02000000000000000000"/>
-                <a:sym typeface="Rajdhani" panose="02000000000000000000"/>
+                <a:latin typeface="Rajdhani"/>
+                <a:ea typeface="Rajdhani"/>
+                <a:cs typeface="Rajdhani"/>
+                <a:sym typeface="Rajdhani"/>
               </a:defRPr>
             </a:lvl9pPr>
           </a:lstStyle>
@@ -7422,9 +7488,8 @@
             <a:pPr algn="ctr"/>
             <a:r>
               <a:rPr lang="en-US" dirty="0"/>
-              <a:t>THANK YOU</a:t>
+              <a:t>THANKS!</a:t>
             </a:r>
-            <a:endParaRPr lang="en-US" dirty="0"/>
           </a:p>
         </p:txBody>
       </p:sp>
@@ -7464,11 +7529,11 @@
                 <a:schemeClr val="dk1"/>
               </a:buClr>
               <a:buSzPts val="1100"/>
-              <a:buFont typeface="Arial" panose="020B0604020202020204"/>
+              <a:buFont typeface="Arial"/>
               <a:buNone/>
             </a:pPr>
             <a:r>
-              <a:rPr lang="en-GB" dirty="0"/>
+              <a:rPr lang="en" dirty="0"/>
               <a:t>Do you have any questions?</a:t>
             </a:r>
             <a:endParaRPr dirty="0"/>
@@ -7485,7 +7550,7 @@
                 <a:schemeClr val="dk1"/>
               </a:buClr>
               <a:buSzPts val="1100"/>
-              <a:buFont typeface="Arial" panose="020B0604020202020204"/>
+              <a:buFont typeface="Arial"/>
               <a:buNone/>
             </a:pPr>
             <a:endParaRPr dirty="0"/>
@@ -7493,6 +7558,11 @@
         </p:txBody>
       </p:sp>
     </p:spTree>
+    <p:extLst>
+      <p:ext uri="{BB962C8B-B14F-4D97-AF65-F5344CB8AC3E}">
+        <p14:creationId xmlns:p14="http://schemas.microsoft.com/office/powerpoint/2010/main" val="503363841"/>
+      </p:ext>
+    </p:extLst>
   </p:cSld>
   <p:clrMapOvr>
     <a:masterClrMapping/>
@@ -7509,7 +7579,9 @@
     <p:bg>
       <p:bgPr>
         <a:blipFill>
-          <a:blip r:embed="rId1"/>
+          <a:blip r:embed="rId3">
+            <a:alphaModFix/>
+          </a:blip>
           <a:stretch>
             <a:fillRect/>
           </a:stretch>
@@ -7566,7 +7638,7 @@
               <a:buNone/>
             </a:pPr>
             <a:r>
-              <a:rPr lang="en-GB" sz="3000" dirty="0"/>
+              <a:rPr lang="en" sz="3000" dirty="0"/>
               <a:t>Agenda</a:t>
             </a:r>
             <a:endParaRPr sz="3000" dirty="0"/>
@@ -7614,7 +7686,6 @@
               <a:rPr lang="en-US" sz="2000" dirty="0"/>
               <a:t>Introduction</a:t>
             </a:r>
-            <a:endParaRPr lang="en-US" sz="2000" dirty="0"/>
           </a:p>
           <a:p>
             <a:pPr>
@@ -7628,7 +7699,6 @@
               <a:rPr lang="en-US" sz="2000" dirty="0"/>
               <a:t>Problem Statement</a:t>
             </a:r>
-            <a:endParaRPr lang="en-US" sz="2000" dirty="0"/>
           </a:p>
           <a:p>
             <a:pPr>
@@ -7642,7 +7712,6 @@
               <a:rPr lang="en-US" sz="2000" dirty="0"/>
               <a:t>Our Objectives</a:t>
             </a:r>
-            <a:endParaRPr lang="en-US" sz="2000" dirty="0"/>
           </a:p>
           <a:p>
             <a:pPr>
@@ -7656,7 +7725,6 @@
               <a:rPr lang="en-US" sz="2000" dirty="0"/>
               <a:t>System Overview</a:t>
             </a:r>
-            <a:endParaRPr lang="en-US" sz="2000" dirty="0"/>
           </a:p>
           <a:p>
             <a:pPr>
@@ -7670,7 +7738,6 @@
               <a:rPr lang="en-US" sz="2000" dirty="0"/>
               <a:t>Use-case Diagram</a:t>
             </a:r>
-            <a:endParaRPr lang="en-US" sz="2000" dirty="0"/>
           </a:p>
           <a:p>
             <a:pPr>
@@ -7684,7 +7751,6 @@
               <a:rPr lang="en-US" sz="2000" dirty="0"/>
               <a:t>Functional Requirements</a:t>
             </a:r>
-            <a:endParaRPr lang="en-US" sz="2000" dirty="0"/>
           </a:p>
           <a:p>
             <a:pPr>
@@ -7698,7 +7764,6 @@
               <a:rPr lang="en-US" sz="2000" dirty="0"/>
               <a:t>Non-Functional Requirements</a:t>
             </a:r>
-            <a:endParaRPr lang="en-US" sz="2000" dirty="0"/>
           </a:p>
           <a:p>
             <a:pPr>
@@ -7712,7 +7777,6 @@
               <a:rPr lang="en-US" sz="2000" dirty="0"/>
               <a:t>Class Diagrams</a:t>
             </a:r>
-            <a:endParaRPr lang="en-US" sz="2000" dirty="0"/>
           </a:p>
           <a:p>
             <a:pPr>
@@ -7726,7 +7790,6 @@
               <a:rPr lang="en-US" sz="2000" dirty="0"/>
               <a:t>Data Design (Database &amp; Dataset)</a:t>
             </a:r>
-            <a:endParaRPr lang="en-US" sz="2000" dirty="0"/>
           </a:p>
           <a:p>
             <a:pPr>
@@ -7740,7 +7803,6 @@
               <a:rPr lang="en-US" sz="2000" dirty="0"/>
               <a:t>Time plan</a:t>
             </a:r>
-            <a:endParaRPr lang="en-US" sz="2000" dirty="0"/>
           </a:p>
           <a:p>
             <a:pPr>
@@ -7754,7 +7816,6 @@
               <a:rPr lang="en-US" sz="2000" dirty="0"/>
               <a:t>Live Demo</a:t>
             </a:r>
-            <a:endParaRPr lang="en-US" sz="2000" dirty="0"/>
           </a:p>
           <a:p>
             <a:pPr marL="0" lvl="0" indent="0" algn="l" rtl="0">
@@ -7807,7 +7868,9 @@
     <p:bg>
       <p:bgPr>
         <a:blipFill>
-          <a:blip r:embed="rId1"/>
+          <a:blip r:embed="rId3">
+            <a:alphaModFix/>
+          </a:blip>
           <a:stretch>
             <a:fillRect/>
           </a:stretch>
@@ -7855,7 +7918,7 @@
                 <a:solidFill>
                   <a:srgbClr val="FFFFFF"/>
                 </a:solidFill>
-                <a:latin typeface="Fira Sans Condensed Light" panose="020B0503050000020004" charset="0"/>
+                <a:latin typeface="Fira Sans Condensed Light" panose="020B0604020202020204" charset="0"/>
               </a:rPr>
             </a:br>
             <a:r>
@@ -7863,16 +7926,10 @@
                 <a:solidFill>
                   <a:srgbClr val="FFFFFF"/>
                 </a:solidFill>
-                <a:latin typeface="Fira Sans Condensed Light" panose="020B0503050000020004" charset="0"/>
+                <a:latin typeface="Fira Sans Condensed Light" panose="020B0604020202020204" charset="0"/>
               </a:rPr>
               <a:t>DNA</a:t>
             </a:r>
-            <a:endParaRPr lang="en-US" spc="-1" dirty="0">
-              <a:solidFill>
-                <a:srgbClr val="FFFFFF"/>
-              </a:solidFill>
-              <a:latin typeface="Fira Sans Condensed Light" panose="020B0503050000020004" charset="0"/>
-            </a:endParaRPr>
           </a:p>
           <a:p>
             <a:r>
@@ -7888,15 +7945,17 @@
                 <a:solidFill>
                   <a:schemeClr val="tx2"/>
                 </a:solidFill>
-                <a:latin typeface="Fira Sans Condensed Light" panose="020B0503050000020004" charset="0"/>
+                <a:latin typeface="Fira Sans Condensed Light" panose="020B0604020202020204" charset="0"/>
               </a:rPr>
               <a:t> </a:t>
             </a:r>
+          </a:p>
+          <a:p>
             <a:endParaRPr lang="en-US" spc="-1" dirty="0">
               <a:solidFill>
-                <a:schemeClr val="tx2"/>
+                <a:srgbClr val="FFFFFF"/>
               </a:solidFill>
-              <a:latin typeface="Fira Sans Condensed Light" panose="020B0503050000020004" charset="0"/>
+              <a:latin typeface="Fira Sans Condensed Light" panose="020B0604020202020204" charset="0"/>
             </a:endParaRPr>
           </a:p>
           <a:p>
@@ -7904,7 +7963,7 @@
               <a:solidFill>
                 <a:srgbClr val="FFFFFF"/>
               </a:solidFill>
-              <a:latin typeface="Fira Sans Condensed Light" panose="020B0503050000020004" charset="0"/>
+              <a:latin typeface="Fira Sans Condensed Light" panose="020B0604020202020204" charset="0"/>
             </a:endParaRPr>
           </a:p>
           <a:p>
@@ -7912,15 +7971,7 @@
               <a:solidFill>
                 <a:srgbClr val="FFFFFF"/>
               </a:solidFill>
-              <a:latin typeface="Fira Sans Condensed Light" panose="020B0503050000020004" charset="0"/>
-            </a:endParaRPr>
-          </a:p>
-          <a:p>
-            <a:endParaRPr lang="en-US" spc="-1" dirty="0">
-              <a:solidFill>
-                <a:srgbClr val="FFFFFF"/>
-              </a:solidFill>
-              <a:latin typeface="Fira Sans Condensed Light" panose="020B0503050000020004" charset="0"/>
+              <a:latin typeface="Fira Sans Condensed Light" panose="020B0604020202020204" charset="0"/>
             </a:endParaRPr>
           </a:p>
           <a:p>
@@ -7929,15 +7980,17 @@
                 <a:solidFill>
                   <a:srgbClr val="FFFFFF"/>
                 </a:solidFill>
-                <a:latin typeface="Fira Sans Condensed Light" panose="020B0503050000020004" charset="0"/>
+                <a:latin typeface="Fira Sans Condensed Light" panose="020B0604020202020204" charset="0"/>
               </a:rPr>
               <a:t>Genes →Genes are passed from parents to offspring and contain the information needed to specify traits(qualities). Genes contains a subset of the DNA and this subset is (A, T, C, G).  </a:t>
             </a:r>
+          </a:p>
+          <a:p>
             <a:endParaRPr lang="en-US" spc="-1" dirty="0">
               <a:solidFill>
                 <a:srgbClr val="FFFFFF"/>
               </a:solidFill>
-              <a:latin typeface="Fira Sans Condensed Light" panose="020B0503050000020004" charset="0"/>
+              <a:latin typeface="Fira Sans Condensed Light" panose="020B0604020202020204" charset="0"/>
             </a:endParaRPr>
           </a:p>
           <a:p>
@@ -7945,7 +7998,7 @@
               <a:solidFill>
                 <a:srgbClr val="FFFFFF"/>
               </a:solidFill>
-              <a:latin typeface="Fira Sans Condensed Light" panose="020B0503050000020004" charset="0"/>
+              <a:latin typeface="Fira Sans Condensed Light" panose="020B0604020202020204" charset="0"/>
             </a:endParaRPr>
           </a:p>
           <a:p>
@@ -7953,7 +8006,7 @@
               <a:solidFill>
                 <a:srgbClr val="FFFFFF"/>
               </a:solidFill>
-              <a:latin typeface="Fira Sans Condensed Light" panose="020B0503050000020004" charset="0"/>
+              <a:latin typeface="Fira Sans Condensed Light" panose="020B0604020202020204" charset="0"/>
             </a:endParaRPr>
           </a:p>
           <a:p>
@@ -7961,15 +8014,7 @@
               <a:solidFill>
                 <a:srgbClr val="FFFFFF"/>
               </a:solidFill>
-              <a:latin typeface="Fira Sans Condensed Light" panose="020B0503050000020004" charset="0"/>
-            </a:endParaRPr>
-          </a:p>
-          <a:p>
-            <a:endParaRPr lang="en-US" spc="-1" dirty="0">
-              <a:solidFill>
-                <a:srgbClr val="FFFFFF"/>
-              </a:solidFill>
-              <a:latin typeface="Fira Sans Condensed Light" panose="020B0503050000020004" charset="0"/>
+              <a:latin typeface="Fira Sans Condensed Light" panose="020B0604020202020204" charset="0"/>
             </a:endParaRPr>
           </a:p>
         </p:txBody>
@@ -8010,8 +8055,8 @@
             </a:pPr>
             <a:r>
               <a:rPr lang="en-US" sz="3200" b="1" dirty="0">
-                <a:latin typeface="Rajdhani" panose="02000000000000000000" charset="0"/>
-                <a:cs typeface="Rajdhani" panose="02000000000000000000" charset="0"/>
+                <a:latin typeface="Rajdhani" panose="020B0604020202020204" charset="0"/>
+                <a:cs typeface="Rajdhani" panose="020B0604020202020204" charset="0"/>
               </a:rPr>
               <a:t>Introduction</a:t>
             </a:r>
@@ -8020,8 +8065,8 @@
               <a:t> </a:t>
             </a:r>
             <a:endParaRPr sz="3200" b="1" dirty="0">
-              <a:latin typeface="Rajdhani" panose="02000000000000000000" charset="0"/>
-              <a:cs typeface="Rajdhani" panose="02000000000000000000" charset="0"/>
+              <a:latin typeface="Rajdhani" panose="020B0604020202020204" charset="0"/>
+              <a:cs typeface="Rajdhani" panose="020B0604020202020204" charset="0"/>
             </a:endParaRPr>
           </a:p>
         </p:txBody>
@@ -8035,7 +8080,7 @@
           <p:nvPr/>
         </p:nvPicPr>
         <p:blipFill>
-          <a:blip r:embed="rId2">
+          <a:blip r:embed="rId4">
             <a:extLst>
               <a:ext uri="{28A0092B-C50C-407E-A947-70E740481C1C}">
                 <a14:useLocalDpi xmlns:a14="http://schemas.microsoft.com/office/drawing/2010/main" val="0"/>
@@ -8071,7 +8116,7 @@
           <p:nvPr/>
         </p:nvPicPr>
         <p:blipFill>
-          <a:blip r:embed="rId3">
+          <a:blip r:embed="rId5">
             <a:extLst>
               <a:ext uri="{28A0092B-C50C-407E-A947-70E740481C1C}">
                 <a14:useLocalDpi xmlns:a14="http://schemas.microsoft.com/office/drawing/2010/main" val="0"/>
@@ -8162,8 +8207,8 @@
             </a:pPr>
             <a:r>
               <a:rPr lang="en-US" sz="3200" b="1" dirty="0">
-                <a:latin typeface="Rajdhani" panose="02000000000000000000" charset="0"/>
-                <a:cs typeface="Rajdhani" panose="02000000000000000000" charset="0"/>
+                <a:latin typeface="Rajdhani" panose="020B0604020202020204" charset="0"/>
+                <a:cs typeface="Rajdhani" panose="020B0604020202020204" charset="0"/>
               </a:rPr>
               <a:t>Introduction</a:t>
             </a:r>
@@ -8173,14 +8218,14 @@
             </a:r>
             <a:r>
               <a:rPr lang="en-US" sz="3200" b="1" dirty="0">
-                <a:latin typeface="Rajdhani" panose="02000000000000000000" charset="0"/>
-                <a:cs typeface="Rajdhani" panose="02000000000000000000" charset="0"/>
+                <a:latin typeface="Rajdhani" panose="020B0604020202020204" charset="0"/>
+                <a:cs typeface="Rajdhani" panose="020B0604020202020204" charset="0"/>
               </a:rPr>
               <a:t>(cont.)</a:t>
             </a:r>
             <a:endParaRPr sz="3200" b="1" dirty="0">
-              <a:latin typeface="Rajdhani" panose="02000000000000000000" charset="0"/>
-              <a:cs typeface="Rajdhani" panose="02000000000000000000" charset="0"/>
+              <a:latin typeface="Rajdhani" panose="020B0604020202020204" charset="0"/>
+              <a:cs typeface="Rajdhani" panose="020B0604020202020204" charset="0"/>
             </a:endParaRPr>
           </a:p>
         </p:txBody>
@@ -8215,7 +8260,6 @@
               <a:rPr lang="en-US" sz="1800" dirty="0"/>
               <a:t>Whole genome </a:t>
             </a:r>
-            <a:endParaRPr lang="en-US" sz="1800" dirty="0"/>
           </a:p>
           <a:p>
             <a:pPr marL="0" indent="0"/>
@@ -8223,7 +8267,6 @@
               <a:rPr lang="en-US" sz="1800" dirty="0"/>
               <a:t>It is the whole DNA sequence that a human have in their system.</a:t>
             </a:r>
-            <a:endParaRPr lang="en-US" sz="1800" dirty="0"/>
           </a:p>
           <a:p>
             <a:pPr marL="0" indent="0"/>
@@ -8235,7 +8278,6 @@
               <a:rPr lang="en-US" sz="1800" dirty="0"/>
               <a:t>Whole exome</a:t>
             </a:r>
-            <a:endParaRPr lang="en-US" sz="1800" dirty="0"/>
           </a:p>
           <a:p>
             <a:pPr marL="0" indent="0"/>
@@ -8243,7 +8285,6 @@
               <a:rPr lang="en-US" sz="1800" dirty="0"/>
               <a:t>It is a part of the whole genome and makes up to 1.5% of it and it may reveal information about family relationships (ex: paternity test) </a:t>
             </a:r>
-            <a:endParaRPr lang="en-US" sz="1800" dirty="0"/>
           </a:p>
           <a:p>
             <a:pPr marL="0" lvl="0" indent="0" rtl="0">
@@ -8268,7 +8309,7 @@
           <p:nvPr/>
         </p:nvPicPr>
         <p:blipFill>
-          <a:blip r:embed="rId1">
+          <a:blip r:embed="rId2">
             <a:extLst>
               <a:ext uri="{28A0092B-C50C-407E-A947-70E740481C1C}">
                 <a14:useLocalDpi xmlns:a14="http://schemas.microsoft.com/office/drawing/2010/main" val="0"/>
@@ -8290,6 +8331,11 @@
         </p:spPr>
       </p:pic>
     </p:spTree>
+    <p:extLst>
+      <p:ext uri="{BB962C8B-B14F-4D97-AF65-F5344CB8AC3E}">
+        <p14:creationId xmlns:p14="http://schemas.microsoft.com/office/powerpoint/2010/main" val="3642802738"/>
+      </p:ext>
+    </p:extLst>
   </p:cSld>
   <p:clrMapOvr>
     <a:masterClrMapping/>
@@ -8353,14 +8399,14 @@
             </a:pPr>
             <a:r>
               <a:rPr lang="en-US" sz="3200" b="1" dirty="0">
-                <a:latin typeface="Rajdhani" panose="02000000000000000000" charset="0"/>
-                <a:cs typeface="Rajdhani" panose="02000000000000000000" charset="0"/>
+                <a:latin typeface="Rajdhani" panose="020B0604020202020204" charset="0"/>
+                <a:cs typeface="Rajdhani" panose="020B0604020202020204" charset="0"/>
               </a:rPr>
               <a:t>Introduction (cont.)</a:t>
             </a:r>
             <a:endParaRPr sz="3200" b="1" dirty="0">
-              <a:latin typeface="Rajdhani" panose="02000000000000000000" charset="0"/>
-              <a:cs typeface="Rajdhani" panose="02000000000000000000" charset="0"/>
+              <a:latin typeface="Rajdhani" panose="020B0604020202020204" charset="0"/>
+              <a:cs typeface="Rajdhani" panose="020B0604020202020204" charset="0"/>
             </a:endParaRPr>
           </a:p>
         </p:txBody>
@@ -8394,7 +8440,6 @@
               <a:rPr lang="en-US" sz="1800" dirty="0"/>
               <a:t>What is an rsNumebr?</a:t>
             </a:r>
-            <a:endParaRPr lang="en-US" sz="1800" dirty="0"/>
           </a:p>
           <a:p>
             <a:endParaRPr lang="en-US" sz="1800" dirty="0"/>
@@ -8405,7 +8450,6 @@
               <a:rPr lang="en-US" sz="1800" dirty="0"/>
               <a:t>It is a reference number to the gene we have that consists of two alleles (one from the father and the other from the mother).</a:t>
             </a:r>
-            <a:endParaRPr lang="en-US" sz="1800" dirty="0"/>
           </a:p>
           <a:p>
             <a:pPr marL="0" indent="0"/>
@@ -8413,7 +8457,6 @@
               <a:rPr lang="en-US" sz="1800" dirty="0"/>
               <a:t>EX: </a:t>
             </a:r>
-            <a:endParaRPr lang="en-US" sz="1800" dirty="0"/>
           </a:p>
         </p:txBody>
       </p:sp>
@@ -8423,7 +8466,13 @@
           <p:cNvGraphicFramePr>
             <a:graphicFrameLocks noGrp="1"/>
           </p:cNvGraphicFramePr>
-          <p:nvPr/>
+          <p:nvPr>
+            <p:extLst>
+              <p:ext uri="{D42A27DB-BD31-4B8C-83A1-F6EECF244321}">
+                <p14:modId xmlns:p14="http://schemas.microsoft.com/office/powerpoint/2010/main" val="628240548"/>
+              </p:ext>
+            </p:extLst>
+          </p:nvPr>
         </p:nvGraphicFramePr>
         <p:xfrm>
           <a:off x="637580" y="4249420"/>
@@ -8436,12 +8485,48 @@
                 <a:tableStyleId>{35758FB7-9AC5-4552-8A53-C91805E547FA}</a:tableStyleId>
               </a:tblPr>
               <a:tblGrid>
-                <a:gridCol w="1257401"/>
-                <a:gridCol w="1257401"/>
-                <a:gridCol w="1257401"/>
-                <a:gridCol w="1257401"/>
-                <a:gridCol w="1257401"/>
-                <a:gridCol w="1257401"/>
+                <a:gridCol w="1257401">
+                  <a:extLst>
+                    <a:ext uri="{9D8B030D-6E8A-4147-A177-3AD203B41FA5}">
+                      <a16:colId xmlns:a16="http://schemas.microsoft.com/office/drawing/2014/main" val="3805779845"/>
+                    </a:ext>
+                  </a:extLst>
+                </a:gridCol>
+                <a:gridCol w="1257401">
+                  <a:extLst>
+                    <a:ext uri="{9D8B030D-6E8A-4147-A177-3AD203B41FA5}">
+                      <a16:colId xmlns:a16="http://schemas.microsoft.com/office/drawing/2014/main" val="1936980542"/>
+                    </a:ext>
+                  </a:extLst>
+                </a:gridCol>
+                <a:gridCol w="1257401">
+                  <a:extLst>
+                    <a:ext uri="{9D8B030D-6E8A-4147-A177-3AD203B41FA5}">
+                      <a16:colId xmlns:a16="http://schemas.microsoft.com/office/drawing/2014/main" val="554480373"/>
+                    </a:ext>
+                  </a:extLst>
+                </a:gridCol>
+                <a:gridCol w="1257401">
+                  <a:extLst>
+                    <a:ext uri="{9D8B030D-6E8A-4147-A177-3AD203B41FA5}">
+                      <a16:colId xmlns:a16="http://schemas.microsoft.com/office/drawing/2014/main" val="713361231"/>
+                    </a:ext>
+                  </a:extLst>
+                </a:gridCol>
+                <a:gridCol w="1257401">
+                  <a:extLst>
+                    <a:ext uri="{9D8B030D-6E8A-4147-A177-3AD203B41FA5}">
+                      <a16:colId xmlns:a16="http://schemas.microsoft.com/office/drawing/2014/main" val="135831676"/>
+                    </a:ext>
+                  </a:extLst>
+                </a:gridCol>
+                <a:gridCol w="1257401">
+                  <a:extLst>
+                    <a:ext uri="{9D8B030D-6E8A-4147-A177-3AD203B41FA5}">
+                      <a16:colId xmlns:a16="http://schemas.microsoft.com/office/drawing/2014/main" val="223717166"/>
+                    </a:ext>
+                  </a:extLst>
+                </a:gridCol>
               </a:tblGrid>
               <a:tr h="370840">
                 <a:tc>
@@ -8453,7 +8538,6 @@
                         <a:rPr lang="en-US" dirty="0"/>
                         <a:t>RsNumber</a:t>
                       </a:r>
-                      <a:endParaRPr lang="en-US" dirty="0"/>
                     </a:p>
                   </a:txBody>
                   <a:tcPr/>
@@ -8467,7 +8551,6 @@
                         <a:rPr lang="en-US" dirty="0"/>
                         <a:t>Father</a:t>
                       </a:r>
-                      <a:endParaRPr lang="en-US" dirty="0"/>
                     </a:p>
                   </a:txBody>
                   <a:tcPr/>
@@ -8481,7 +8564,6 @@
                         <a:rPr lang="en-US" dirty="0"/>
                         <a:t>Mother</a:t>
                       </a:r>
-                      <a:endParaRPr lang="en-US" dirty="0"/>
                     </a:p>
                   </a:txBody>
                   <a:tcPr/>
@@ -8495,7 +8577,6 @@
                         <a:rPr lang="en-US" dirty="0"/>
                         <a:t>Child1</a:t>
                       </a:r>
-                      <a:endParaRPr lang="en-US" dirty="0"/>
                     </a:p>
                   </a:txBody>
                   <a:tcPr/>
@@ -8509,7 +8590,6 @@
                         <a:rPr lang="en-US" dirty="0"/>
                         <a:t>Child2</a:t>
                       </a:r>
-                      <a:endParaRPr lang="en-US" dirty="0"/>
                     </a:p>
                   </a:txBody>
                   <a:tcPr/>
@@ -8523,11 +8603,15 @@
                         <a:rPr lang="en-US" dirty="0"/>
                         <a:t>Child3</a:t>
                       </a:r>
-                      <a:endParaRPr lang="en-US" dirty="0"/>
                     </a:p>
                   </a:txBody>
                   <a:tcPr/>
                 </a:tc>
+                <a:extLst>
+                  <a:ext uri="{0D108BD9-81ED-4DB2-BD59-A6C34878D82A}">
+                    <a16:rowId xmlns:a16="http://schemas.microsoft.com/office/drawing/2014/main" val="3075133752"/>
+                  </a:ext>
+                </a:extLst>
               </a:tr>
               <a:tr h="370840">
                 <a:tc>
@@ -8539,7 +8623,6 @@
                         <a:rPr lang="en-US" dirty="0"/>
                         <a:t>rs3131972</a:t>
                       </a:r>
-                      <a:endParaRPr lang="en-US" dirty="0"/>
                     </a:p>
                   </a:txBody>
                   <a:tcPr/>
@@ -8553,7 +8636,6 @@
                         <a:rPr lang="en-US" dirty="0"/>
                         <a:t>AG</a:t>
                       </a:r>
-                      <a:endParaRPr lang="en-US" dirty="0"/>
                     </a:p>
                   </a:txBody>
                   <a:tcPr/>
@@ -8567,7 +8649,6 @@
                         <a:rPr lang="en-US" dirty="0"/>
                         <a:t>GG</a:t>
                       </a:r>
-                      <a:endParaRPr lang="en-US" dirty="0"/>
                     </a:p>
                   </a:txBody>
                   <a:tcPr/>
@@ -8581,7 +8662,6 @@
                         <a:rPr lang="en-US" dirty="0"/>
                         <a:t>AG</a:t>
                       </a:r>
-                      <a:endParaRPr lang="en-US" dirty="0"/>
                     </a:p>
                   </a:txBody>
                   <a:tcPr/>
@@ -8595,7 +8675,6 @@
                         <a:rPr lang="en-US" dirty="0"/>
                         <a:t>GG</a:t>
                       </a:r>
-                      <a:endParaRPr lang="en-US" dirty="0"/>
                     </a:p>
                   </a:txBody>
                   <a:tcPr/>
@@ -8609,11 +8688,15 @@
                         <a:rPr lang="en-US" dirty="0"/>
                         <a:t>GG</a:t>
                       </a:r>
-                      <a:endParaRPr lang="en-US" dirty="0"/>
                     </a:p>
                   </a:txBody>
                   <a:tcPr/>
                 </a:tc>
+                <a:extLst>
+                  <a:ext uri="{0D108BD9-81ED-4DB2-BD59-A6C34878D82A}">
+                    <a16:rowId xmlns:a16="http://schemas.microsoft.com/office/drawing/2014/main" val="2142787845"/>
+                  </a:ext>
+                </a:extLst>
               </a:tr>
             </a:tbl>
           </a:graphicData>
@@ -8628,7 +8711,7 @@
           <p:nvPr/>
         </p:nvPicPr>
         <p:blipFill>
-          <a:blip r:embed="rId1">
+          <a:blip r:embed="rId2">
             <a:extLst>
               <a:ext uri="{28A0092B-C50C-407E-A947-70E740481C1C}">
                 <a14:useLocalDpi xmlns:a14="http://schemas.microsoft.com/office/drawing/2010/main" val="0"/>
@@ -8674,6 +8757,11 @@
         </p:spPr>
       </p:pic>
     </p:spTree>
+    <p:extLst>
+      <p:ext uri="{BB962C8B-B14F-4D97-AF65-F5344CB8AC3E}">
+        <p14:creationId xmlns:p14="http://schemas.microsoft.com/office/powerpoint/2010/main" val="1170864142"/>
+      </p:ext>
+    </p:extLst>
   </p:cSld>
   <p:clrMapOvr>
     <a:masterClrMapping/>
@@ -8690,7 +8778,9 @@
     <p:bg>
       <p:bgPr>
         <a:blipFill>
-          <a:blip r:embed="rId1"/>
+          <a:blip r:embed="rId3">
+            <a:alphaModFix/>
+          </a:blip>
           <a:stretch>
             <a:fillRect/>
           </a:stretch>
@@ -8740,14 +8830,14 @@
             <a:pPr marL="0" lvl="0" indent="0" algn="l"/>
             <a:r>
               <a:rPr lang="en-US" sz="3200" b="1" dirty="0">
-                <a:latin typeface="Rajdhani" panose="02000000000000000000" charset="0"/>
-                <a:cs typeface="Rajdhani" panose="02000000000000000000" charset="0"/>
+                <a:latin typeface="Rajdhani" panose="020B0604020202020204" charset="0"/>
+                <a:cs typeface="Rajdhani" panose="020B0604020202020204" charset="0"/>
               </a:rPr>
               <a:t>Problem Statement</a:t>
             </a:r>
             <a:endParaRPr sz="3200" b="1" dirty="0">
-              <a:latin typeface="Rajdhani" panose="02000000000000000000" charset="0"/>
-              <a:cs typeface="Rajdhani" panose="02000000000000000000" charset="0"/>
+              <a:latin typeface="Rajdhani" panose="020B0604020202020204" charset="0"/>
+              <a:cs typeface="Rajdhani" panose="020B0604020202020204" charset="0"/>
             </a:endParaRPr>
           </a:p>
         </p:txBody>
@@ -8755,7 +8845,9 @@
       <p:sp>
         <p:nvSpPr>
           <p:cNvPr id="8" name="Google Shape;136;p27"/>
-          <p:cNvSpPr txBox="1"/>
+          <p:cNvSpPr txBox="1">
+            <a:spLocks/>
+          </p:cNvSpPr>
           <p:nvPr/>
         </p:nvSpPr>
         <p:spPr>
@@ -8801,16 +8893,16 @@
                 <a:schemeClr val="lt2"/>
               </a:buClr>
               <a:buSzPts val="2800"/>
-              <a:buFont typeface="Fira Sans Condensed Light" panose="020B0503050000020004"/>
+              <a:buFont typeface="Fira Sans Condensed Light"/>
               <a:buNone/>
               <a:defRPr sz="1400" b="0" i="0" u="none" strike="noStrike" cap="none">
                 <a:solidFill>
                   <a:schemeClr val="lt2"/>
                 </a:solidFill>
-                <a:latin typeface="Fira Sans Condensed Light" panose="020B0503050000020004"/>
-                <a:ea typeface="Fira Sans Condensed Light" panose="020B0503050000020004"/>
-                <a:cs typeface="Fira Sans Condensed Light" panose="020B0503050000020004"/>
-                <a:sym typeface="Fira Sans Condensed Light" panose="020B0503050000020004"/>
+                <a:latin typeface="Fira Sans Condensed Light"/>
+                <a:ea typeface="Fira Sans Condensed Light"/>
+                <a:cs typeface="Fira Sans Condensed Light"/>
+                <a:sym typeface="Fira Sans Condensed Light"/>
               </a:defRPr>
             </a:lvl1pPr>
             <a:lvl2pPr marL="914400" marR="0" lvl="1" indent="-304800" algn="ctr" rtl="0">
@@ -8827,16 +8919,16 @@
                 <a:schemeClr val="lt2"/>
               </a:buClr>
               <a:buSzPts val="2800"/>
-              <a:buFont typeface="Fira Sans Condensed Light" panose="020B0503050000020004"/>
+              <a:buFont typeface="Fira Sans Condensed Light"/>
               <a:buNone/>
               <a:defRPr sz="2800" b="0" i="0" u="none" strike="noStrike" cap="none">
                 <a:solidFill>
                   <a:schemeClr val="lt2"/>
                 </a:solidFill>
-                <a:latin typeface="Fira Sans Condensed Light" panose="020B0503050000020004"/>
-                <a:ea typeface="Fira Sans Condensed Light" panose="020B0503050000020004"/>
-                <a:cs typeface="Fira Sans Condensed Light" panose="020B0503050000020004"/>
-                <a:sym typeface="Fira Sans Condensed Light" panose="020B0503050000020004"/>
+                <a:latin typeface="Fira Sans Condensed Light"/>
+                <a:ea typeface="Fira Sans Condensed Light"/>
+                <a:cs typeface="Fira Sans Condensed Light"/>
+                <a:sym typeface="Fira Sans Condensed Light"/>
               </a:defRPr>
             </a:lvl2pPr>
             <a:lvl3pPr marL="1371600" marR="0" lvl="2" indent="-304800" algn="ctr" rtl="0">
@@ -8853,16 +8945,16 @@
                 <a:schemeClr val="lt2"/>
               </a:buClr>
               <a:buSzPts val="2800"/>
-              <a:buFont typeface="Fira Sans Condensed Light" panose="020B0503050000020004"/>
+              <a:buFont typeface="Fira Sans Condensed Light"/>
               <a:buNone/>
               <a:defRPr sz="2800" b="0" i="0" u="none" strike="noStrike" cap="none">
                 <a:solidFill>
                   <a:schemeClr val="lt2"/>
                 </a:solidFill>
-                <a:latin typeface="Fira Sans Condensed Light" panose="020B0503050000020004"/>
-                <a:ea typeface="Fira Sans Condensed Light" panose="020B0503050000020004"/>
-                <a:cs typeface="Fira Sans Condensed Light" panose="020B0503050000020004"/>
-                <a:sym typeface="Fira Sans Condensed Light" panose="020B0503050000020004"/>
+                <a:latin typeface="Fira Sans Condensed Light"/>
+                <a:ea typeface="Fira Sans Condensed Light"/>
+                <a:cs typeface="Fira Sans Condensed Light"/>
+                <a:sym typeface="Fira Sans Condensed Light"/>
               </a:defRPr>
             </a:lvl3pPr>
             <a:lvl4pPr marL="1828800" marR="0" lvl="3" indent="-304800" algn="ctr" rtl="0">
@@ -8879,16 +8971,16 @@
                 <a:schemeClr val="lt2"/>
               </a:buClr>
               <a:buSzPts val="2800"/>
-              <a:buFont typeface="Fira Sans Condensed Light" panose="020B0503050000020004"/>
+              <a:buFont typeface="Fira Sans Condensed Light"/>
               <a:buNone/>
               <a:defRPr sz="2800" b="0" i="0" u="none" strike="noStrike" cap="none">
                 <a:solidFill>
                   <a:schemeClr val="lt2"/>
                 </a:solidFill>
-                <a:latin typeface="Fira Sans Condensed Light" panose="020B0503050000020004"/>
-                <a:ea typeface="Fira Sans Condensed Light" panose="020B0503050000020004"/>
-                <a:cs typeface="Fira Sans Condensed Light" panose="020B0503050000020004"/>
-                <a:sym typeface="Fira Sans Condensed Light" panose="020B0503050000020004"/>
+                <a:latin typeface="Fira Sans Condensed Light"/>
+                <a:ea typeface="Fira Sans Condensed Light"/>
+                <a:cs typeface="Fira Sans Condensed Light"/>
+                <a:sym typeface="Fira Sans Condensed Light"/>
               </a:defRPr>
             </a:lvl4pPr>
             <a:lvl5pPr marL="2286000" marR="0" lvl="4" indent="-304800" algn="ctr" rtl="0">
@@ -8905,16 +8997,16 @@
                 <a:schemeClr val="lt2"/>
               </a:buClr>
               <a:buSzPts val="2800"/>
-              <a:buFont typeface="Fira Sans Condensed Light" panose="020B0503050000020004"/>
+              <a:buFont typeface="Fira Sans Condensed Light"/>
               <a:buNone/>
               <a:defRPr sz="2800" b="0" i="0" u="none" strike="noStrike" cap="none">
                 <a:solidFill>
                   <a:schemeClr val="lt2"/>
                 </a:solidFill>
-                <a:latin typeface="Fira Sans Condensed Light" panose="020B0503050000020004"/>
-                <a:ea typeface="Fira Sans Condensed Light" panose="020B0503050000020004"/>
-                <a:cs typeface="Fira Sans Condensed Light" panose="020B0503050000020004"/>
-                <a:sym typeface="Fira Sans Condensed Light" panose="020B0503050000020004"/>
+                <a:latin typeface="Fira Sans Condensed Light"/>
+                <a:ea typeface="Fira Sans Condensed Light"/>
+                <a:cs typeface="Fira Sans Condensed Light"/>
+                <a:sym typeface="Fira Sans Condensed Light"/>
               </a:defRPr>
             </a:lvl5pPr>
             <a:lvl6pPr marL="2743200" marR="0" lvl="5" indent="-304800" algn="ctr" rtl="0">
@@ -8931,16 +9023,16 @@
                 <a:schemeClr val="lt2"/>
               </a:buClr>
               <a:buSzPts val="2800"/>
-              <a:buFont typeface="Fira Sans Condensed Light" panose="020B0503050000020004"/>
+              <a:buFont typeface="Fira Sans Condensed Light"/>
               <a:buNone/>
               <a:defRPr sz="2800" b="0" i="0" u="none" strike="noStrike" cap="none">
                 <a:solidFill>
                   <a:schemeClr val="lt2"/>
                 </a:solidFill>
-                <a:latin typeface="Fira Sans Condensed Light" panose="020B0503050000020004"/>
-                <a:ea typeface="Fira Sans Condensed Light" panose="020B0503050000020004"/>
-                <a:cs typeface="Fira Sans Condensed Light" panose="020B0503050000020004"/>
-                <a:sym typeface="Fira Sans Condensed Light" panose="020B0503050000020004"/>
+                <a:latin typeface="Fira Sans Condensed Light"/>
+                <a:ea typeface="Fira Sans Condensed Light"/>
+                <a:cs typeface="Fira Sans Condensed Light"/>
+                <a:sym typeface="Fira Sans Condensed Light"/>
               </a:defRPr>
             </a:lvl6pPr>
             <a:lvl7pPr marL="3200400" marR="0" lvl="6" indent="-304800" algn="ctr" rtl="0">
@@ -8957,16 +9049,16 @@
                 <a:schemeClr val="lt2"/>
               </a:buClr>
               <a:buSzPts val="2800"/>
-              <a:buFont typeface="Fira Sans Condensed Light" panose="020B0503050000020004"/>
+              <a:buFont typeface="Fira Sans Condensed Light"/>
               <a:buNone/>
               <a:defRPr sz="2800" b="0" i="0" u="none" strike="noStrike" cap="none">
                 <a:solidFill>
                   <a:schemeClr val="lt2"/>
                 </a:solidFill>
-                <a:latin typeface="Fira Sans Condensed Light" panose="020B0503050000020004"/>
-                <a:ea typeface="Fira Sans Condensed Light" panose="020B0503050000020004"/>
-                <a:cs typeface="Fira Sans Condensed Light" panose="020B0503050000020004"/>
-                <a:sym typeface="Fira Sans Condensed Light" panose="020B0503050000020004"/>
+                <a:latin typeface="Fira Sans Condensed Light"/>
+                <a:ea typeface="Fira Sans Condensed Light"/>
+                <a:cs typeface="Fira Sans Condensed Light"/>
+                <a:sym typeface="Fira Sans Condensed Light"/>
               </a:defRPr>
             </a:lvl7pPr>
             <a:lvl8pPr marL="3657600" marR="0" lvl="7" indent="-304800" algn="ctr" rtl="0">
@@ -8983,16 +9075,16 @@
                 <a:schemeClr val="lt2"/>
               </a:buClr>
               <a:buSzPts val="2800"/>
-              <a:buFont typeface="Fira Sans Condensed Light" panose="020B0503050000020004"/>
+              <a:buFont typeface="Fira Sans Condensed Light"/>
               <a:buNone/>
               <a:defRPr sz="2800" b="0" i="0" u="none" strike="noStrike" cap="none">
                 <a:solidFill>
                   <a:schemeClr val="lt2"/>
                 </a:solidFill>
-                <a:latin typeface="Fira Sans Condensed Light" panose="020B0503050000020004"/>
-                <a:ea typeface="Fira Sans Condensed Light" panose="020B0503050000020004"/>
-                <a:cs typeface="Fira Sans Condensed Light" panose="020B0503050000020004"/>
-                <a:sym typeface="Fira Sans Condensed Light" panose="020B0503050000020004"/>
+                <a:latin typeface="Fira Sans Condensed Light"/>
+                <a:ea typeface="Fira Sans Condensed Light"/>
+                <a:cs typeface="Fira Sans Condensed Light"/>
+                <a:sym typeface="Fira Sans Condensed Light"/>
               </a:defRPr>
             </a:lvl8pPr>
             <a:lvl9pPr marL="4114800" marR="0" lvl="8" indent="-304800" algn="ctr" rtl="0">
@@ -9009,16 +9101,16 @@
                 <a:schemeClr val="lt2"/>
               </a:buClr>
               <a:buSzPts val="2800"/>
-              <a:buFont typeface="Fira Sans Condensed Light" panose="020B0503050000020004"/>
+              <a:buFont typeface="Fira Sans Condensed Light"/>
               <a:buNone/>
               <a:defRPr sz="2800" b="0" i="0" u="none" strike="noStrike" cap="none">
                 <a:solidFill>
                   <a:schemeClr val="lt2"/>
                 </a:solidFill>
-                <a:latin typeface="Fira Sans Condensed Light" panose="020B0503050000020004"/>
-                <a:ea typeface="Fira Sans Condensed Light" panose="020B0503050000020004"/>
-                <a:cs typeface="Fira Sans Condensed Light" panose="020B0503050000020004"/>
-                <a:sym typeface="Fira Sans Condensed Light" panose="020B0503050000020004"/>
+                <a:latin typeface="Fira Sans Condensed Light"/>
+                <a:ea typeface="Fira Sans Condensed Light"/>
+                <a:cs typeface="Fira Sans Condensed Light"/>
+                <a:sym typeface="Fira Sans Condensed Light"/>
               </a:defRPr>
             </a:lvl9pPr>
           </a:lstStyle>
@@ -9034,7 +9126,6 @@
               <a:rPr lang="en-US" sz="1800" dirty="0"/>
               <a:t>Some parents suffer from the process of paternity testing when they are being sued for child custody.</a:t>
             </a:r>
-            <a:endParaRPr lang="en-US" sz="1800" dirty="0"/>
           </a:p>
           <a:p>
             <a:pPr algn="l">
@@ -9048,7 +9139,6 @@
               <a:rPr lang="en-US" sz="1800" dirty="0"/>
               <a:t>A lot of time when a crime happens, some DNA would be left at the crime scene and would take some time to be processed and eventually lead us to the one who committed that crime.</a:t>
             </a:r>
-            <a:endParaRPr lang="en-US" sz="1800" dirty="0"/>
           </a:p>
           <a:p>
             <a:pPr algn="l">
@@ -9062,7 +9152,6 @@
               <a:rPr lang="en-US" sz="1800" dirty="0"/>
               <a:t>Why can’t we have a system that could potentially prove this in less time and be accessible to everyone.</a:t>
             </a:r>
-            <a:endParaRPr lang="en-US" sz="1800" dirty="0"/>
           </a:p>
         </p:txBody>
       </p:sp>
@@ -9075,7 +9164,7 @@
           <p:nvPr/>
         </p:nvPicPr>
         <p:blipFill>
-          <a:blip r:embed="rId2">
+          <a:blip r:embed="rId4">
             <a:lum bright="70000" contrast="-70000"/>
             <a:extLst>
               <a:ext uri="{28A0092B-C50C-407E-A947-70E740481C1C}">
@@ -9153,14 +9242,14 @@
             <a:pPr marL="0" lvl="0" indent="0" algn="l"/>
             <a:r>
               <a:rPr lang="en-US" sz="3200" b="1" dirty="0">
-                <a:latin typeface="Rajdhani" panose="02000000000000000000" charset="0"/>
-                <a:cs typeface="Rajdhani" panose="02000000000000000000" charset="0"/>
+                <a:latin typeface="Rajdhani" panose="020B0604020202020204" charset="0"/>
+                <a:cs typeface="Rajdhani" panose="020B0604020202020204" charset="0"/>
               </a:rPr>
               <a:t>Our Objectives</a:t>
             </a:r>
             <a:endParaRPr sz="3200" b="1" dirty="0">
-              <a:latin typeface="Rajdhani" panose="02000000000000000000" charset="0"/>
-              <a:cs typeface="Rajdhani" panose="02000000000000000000" charset="0"/>
+              <a:latin typeface="Rajdhani" panose="020B0604020202020204" charset="0"/>
+              <a:cs typeface="Rajdhani" panose="020B0604020202020204" charset="0"/>
             </a:endParaRPr>
           </a:p>
         </p:txBody>
@@ -9168,7 +9257,9 @@
       <p:sp>
         <p:nvSpPr>
           <p:cNvPr id="5" name="Google Shape;136;p27"/>
-          <p:cNvSpPr txBox="1"/>
+          <p:cNvSpPr txBox="1">
+            <a:spLocks/>
+          </p:cNvSpPr>
           <p:nvPr/>
         </p:nvSpPr>
         <p:spPr>
@@ -9214,16 +9305,16 @@
                 <a:schemeClr val="lt2"/>
               </a:buClr>
               <a:buSzPts val="2800"/>
-              <a:buFont typeface="Fira Sans Condensed Light" panose="020B0503050000020004"/>
+              <a:buFont typeface="Fira Sans Condensed Light"/>
               <a:buNone/>
               <a:defRPr sz="1400" b="0" i="0" u="none" strike="noStrike" cap="none">
                 <a:solidFill>
                   <a:schemeClr val="lt2"/>
                 </a:solidFill>
-                <a:latin typeface="Fira Sans Condensed Light" panose="020B0503050000020004"/>
-                <a:ea typeface="Fira Sans Condensed Light" panose="020B0503050000020004"/>
-                <a:cs typeface="Fira Sans Condensed Light" panose="020B0503050000020004"/>
-                <a:sym typeface="Fira Sans Condensed Light" panose="020B0503050000020004"/>
+                <a:latin typeface="Fira Sans Condensed Light"/>
+                <a:ea typeface="Fira Sans Condensed Light"/>
+                <a:cs typeface="Fira Sans Condensed Light"/>
+                <a:sym typeface="Fira Sans Condensed Light"/>
               </a:defRPr>
             </a:lvl1pPr>
             <a:lvl2pPr marL="914400" marR="0" lvl="1" indent="-304800" algn="ctr" rtl="0">
@@ -9240,16 +9331,16 @@
                 <a:schemeClr val="lt2"/>
               </a:buClr>
               <a:buSzPts val="2800"/>
-              <a:buFont typeface="Fira Sans Condensed Light" panose="020B0503050000020004"/>
+              <a:buFont typeface="Fira Sans Condensed Light"/>
               <a:buNone/>
               <a:defRPr sz="2800" b="0" i="0" u="none" strike="noStrike" cap="none">
                 <a:solidFill>
                   <a:schemeClr val="lt2"/>
                 </a:solidFill>
-                <a:latin typeface="Fira Sans Condensed Light" panose="020B0503050000020004"/>
-                <a:ea typeface="Fira Sans Condensed Light" panose="020B0503050000020004"/>
-                <a:cs typeface="Fira Sans Condensed Light" panose="020B0503050000020004"/>
-                <a:sym typeface="Fira Sans Condensed Light" panose="020B0503050000020004"/>
+                <a:latin typeface="Fira Sans Condensed Light"/>
+                <a:ea typeface="Fira Sans Condensed Light"/>
+                <a:cs typeface="Fira Sans Condensed Light"/>
+                <a:sym typeface="Fira Sans Condensed Light"/>
               </a:defRPr>
             </a:lvl2pPr>
             <a:lvl3pPr marL="1371600" marR="0" lvl="2" indent="-304800" algn="ctr" rtl="0">
@@ -9266,16 +9357,16 @@
                 <a:schemeClr val="lt2"/>
               </a:buClr>
               <a:buSzPts val="2800"/>
-              <a:buFont typeface="Fira Sans Condensed Light" panose="020B0503050000020004"/>
+              <a:buFont typeface="Fira Sans Condensed Light"/>
               <a:buNone/>
               <a:defRPr sz="2800" b="0" i="0" u="none" strike="noStrike" cap="none">
                 <a:solidFill>
                   <a:schemeClr val="lt2"/>
                 </a:solidFill>
-                <a:latin typeface="Fira Sans Condensed Light" panose="020B0503050000020004"/>
-                <a:ea typeface="Fira Sans Condensed Light" panose="020B0503050000020004"/>
-                <a:cs typeface="Fira Sans Condensed Light" panose="020B0503050000020004"/>
-                <a:sym typeface="Fira Sans Condensed Light" panose="020B0503050000020004"/>
+                <a:latin typeface="Fira Sans Condensed Light"/>
+                <a:ea typeface="Fira Sans Condensed Light"/>
+                <a:cs typeface="Fira Sans Condensed Light"/>
+                <a:sym typeface="Fira Sans Condensed Light"/>
               </a:defRPr>
             </a:lvl3pPr>
             <a:lvl4pPr marL="1828800" marR="0" lvl="3" indent="-304800" algn="ctr" rtl="0">
@@ -9292,16 +9383,16 @@
                 <a:schemeClr val="lt2"/>
               </a:buClr>
               <a:buSzPts val="2800"/>
-              <a:buFont typeface="Fira Sans Condensed Light" panose="020B0503050000020004"/>
+              <a:buFont typeface="Fira Sans Condensed Light"/>
               <a:buNone/>
               <a:defRPr sz="2800" b="0" i="0" u="none" strike="noStrike" cap="none">
                 <a:solidFill>
                   <a:schemeClr val="lt2"/>
                 </a:solidFill>
-                <a:latin typeface="Fira Sans Condensed Light" panose="020B0503050000020004"/>
-                <a:ea typeface="Fira Sans Condensed Light" panose="020B0503050000020004"/>
-                <a:cs typeface="Fira Sans Condensed Light" panose="020B0503050000020004"/>
-                <a:sym typeface="Fira Sans Condensed Light" panose="020B0503050000020004"/>
+                <a:latin typeface="Fira Sans Condensed Light"/>
+                <a:ea typeface="Fira Sans Condensed Light"/>
+                <a:cs typeface="Fira Sans Condensed Light"/>
+                <a:sym typeface="Fira Sans Condensed Light"/>
               </a:defRPr>
             </a:lvl4pPr>
             <a:lvl5pPr marL="2286000" marR="0" lvl="4" indent="-304800" algn="ctr" rtl="0">
@@ -9318,16 +9409,16 @@
                 <a:schemeClr val="lt2"/>
               </a:buClr>
               <a:buSzPts val="2800"/>
-              <a:buFont typeface="Fira Sans Condensed Light" panose="020B0503050000020004"/>
+              <a:buFont typeface="Fira Sans Condensed Light"/>
               <a:buNone/>
               <a:defRPr sz="2800" b="0" i="0" u="none" strike="noStrike" cap="none">
                 <a:solidFill>
                   <a:schemeClr val="lt2"/>
                 </a:solidFill>
-                <a:latin typeface="Fira Sans Condensed Light" panose="020B0503050000020004"/>
-                <a:ea typeface="Fira Sans Condensed Light" panose="020B0503050000020004"/>
-                <a:cs typeface="Fira Sans Condensed Light" panose="020B0503050000020004"/>
-                <a:sym typeface="Fira Sans Condensed Light" panose="020B0503050000020004"/>
+                <a:latin typeface="Fira Sans Condensed Light"/>
+                <a:ea typeface="Fira Sans Condensed Light"/>
+                <a:cs typeface="Fira Sans Condensed Light"/>
+                <a:sym typeface="Fira Sans Condensed Light"/>
               </a:defRPr>
             </a:lvl5pPr>
             <a:lvl6pPr marL="2743200" marR="0" lvl="5" indent="-304800" algn="ctr" rtl="0">
@@ -9344,16 +9435,16 @@
                 <a:schemeClr val="lt2"/>
               </a:buClr>
               <a:buSzPts val="2800"/>
-              <a:buFont typeface="Fira Sans Condensed Light" panose="020B0503050000020004"/>
+              <a:buFont typeface="Fira Sans Condensed Light"/>
               <a:buNone/>
               <a:defRPr sz="2800" b="0" i="0" u="none" strike="noStrike" cap="none">
                 <a:solidFill>
                   <a:schemeClr val="lt2"/>
                 </a:solidFill>
-                <a:latin typeface="Fira Sans Condensed Light" panose="020B0503050000020004"/>
-                <a:ea typeface="Fira Sans Condensed Light" panose="020B0503050000020004"/>
-                <a:cs typeface="Fira Sans Condensed Light" panose="020B0503050000020004"/>
-                <a:sym typeface="Fira Sans Condensed Light" panose="020B0503050000020004"/>
+                <a:latin typeface="Fira Sans Condensed Light"/>
+                <a:ea typeface="Fira Sans Condensed Light"/>
+                <a:cs typeface="Fira Sans Condensed Light"/>
+                <a:sym typeface="Fira Sans Condensed Light"/>
               </a:defRPr>
             </a:lvl6pPr>
             <a:lvl7pPr marL="3200400" marR="0" lvl="6" indent="-304800" algn="ctr" rtl="0">
@@ -9370,16 +9461,16 @@
                 <a:schemeClr val="lt2"/>
               </a:buClr>
               <a:buSzPts val="2800"/>
-              <a:buFont typeface="Fira Sans Condensed Light" panose="020B0503050000020004"/>
+              <a:buFont typeface="Fira Sans Condensed Light"/>
               <a:buNone/>
               <a:defRPr sz="2800" b="0" i="0" u="none" strike="noStrike" cap="none">
                 <a:solidFill>
                   <a:schemeClr val="lt2"/>
                 </a:solidFill>
-                <a:latin typeface="Fira Sans Condensed Light" panose="020B0503050000020004"/>
-                <a:ea typeface="Fira Sans Condensed Light" panose="020B0503050000020004"/>
-                <a:cs typeface="Fira Sans Condensed Light" panose="020B0503050000020004"/>
-                <a:sym typeface="Fira Sans Condensed Light" panose="020B0503050000020004"/>
+                <a:latin typeface="Fira Sans Condensed Light"/>
+                <a:ea typeface="Fira Sans Condensed Light"/>
+                <a:cs typeface="Fira Sans Condensed Light"/>
+                <a:sym typeface="Fira Sans Condensed Light"/>
               </a:defRPr>
             </a:lvl7pPr>
             <a:lvl8pPr marL="3657600" marR="0" lvl="7" indent="-304800" algn="ctr" rtl="0">
@@ -9396,16 +9487,16 @@
                 <a:schemeClr val="lt2"/>
               </a:buClr>
               <a:buSzPts val="2800"/>
-              <a:buFont typeface="Fira Sans Condensed Light" panose="020B0503050000020004"/>
+              <a:buFont typeface="Fira Sans Condensed Light"/>
               <a:buNone/>
               <a:defRPr sz="2800" b="0" i="0" u="none" strike="noStrike" cap="none">
                 <a:solidFill>
                   <a:schemeClr val="lt2"/>
                 </a:solidFill>
-                <a:latin typeface="Fira Sans Condensed Light" panose="020B0503050000020004"/>
-                <a:ea typeface="Fira Sans Condensed Light" panose="020B0503050000020004"/>
-                <a:cs typeface="Fira Sans Condensed Light" panose="020B0503050000020004"/>
-                <a:sym typeface="Fira Sans Condensed Light" panose="020B0503050000020004"/>
+                <a:latin typeface="Fira Sans Condensed Light"/>
+                <a:ea typeface="Fira Sans Condensed Light"/>
+                <a:cs typeface="Fira Sans Condensed Light"/>
+                <a:sym typeface="Fira Sans Condensed Light"/>
               </a:defRPr>
             </a:lvl8pPr>
             <a:lvl9pPr marL="4114800" marR="0" lvl="8" indent="-304800" algn="ctr" rtl="0">
@@ -9422,16 +9513,16 @@
                 <a:schemeClr val="lt2"/>
               </a:buClr>
               <a:buSzPts val="2800"/>
-              <a:buFont typeface="Fira Sans Condensed Light" panose="020B0503050000020004"/>
+              <a:buFont typeface="Fira Sans Condensed Light"/>
               <a:buNone/>
               <a:defRPr sz="2800" b="0" i="0" u="none" strike="noStrike" cap="none">
                 <a:solidFill>
                   <a:schemeClr val="lt2"/>
                 </a:solidFill>
-                <a:latin typeface="Fira Sans Condensed Light" panose="020B0503050000020004"/>
-                <a:ea typeface="Fira Sans Condensed Light" panose="020B0503050000020004"/>
-                <a:cs typeface="Fira Sans Condensed Light" panose="020B0503050000020004"/>
-                <a:sym typeface="Fira Sans Condensed Light" panose="020B0503050000020004"/>
+                <a:latin typeface="Fira Sans Condensed Light"/>
+                <a:ea typeface="Fira Sans Condensed Light"/>
+                <a:cs typeface="Fira Sans Condensed Light"/>
+                <a:sym typeface="Fira Sans Condensed Light"/>
               </a:defRPr>
             </a:lvl9pPr>
           </a:lstStyle>
@@ -9444,7 +9535,6 @@
               <a:rPr lang="en-US" sz="1800" dirty="0"/>
               <a:t>Make an automated system to accurately prove parentage of someone by their rsNumbers and their genotypes.</a:t>
             </a:r>
-            <a:endParaRPr lang="en-US" sz="1800" dirty="0"/>
           </a:p>
           <a:p>
             <a:pPr indent="-457200" algn="l">
@@ -9455,7 +9545,6 @@
               <a:rPr lang="en-US" sz="1800" dirty="0"/>
               <a:t>Add another part to enter the user’s whole genome or whole exome.</a:t>
             </a:r>
-            <a:endParaRPr lang="en-US" sz="1800" dirty="0"/>
           </a:p>
           <a:p>
             <a:pPr indent="-457200" algn="l">
@@ -9466,7 +9555,6 @@
               <a:rPr lang="en-US" sz="1800" dirty="0"/>
               <a:t>We aim to have the application accessible by everyone by an online web application.</a:t>
             </a:r>
-            <a:endParaRPr lang="en-US" sz="1800" dirty="0"/>
           </a:p>
           <a:p>
             <a:pPr indent="-457200" algn="l">
@@ -9477,11 +9565,15 @@
               <a:rPr lang="en-US" sz="1800" dirty="0"/>
               <a:t>We aim that the user can see which alleles contributed to being wrong that led to prove wrong parentage.</a:t>
             </a:r>
-            <a:endParaRPr lang="en-US" sz="1800" dirty="0"/>
           </a:p>
         </p:txBody>
       </p:sp>
     </p:spTree>
+    <p:extLst>
+      <p:ext uri="{BB962C8B-B14F-4D97-AF65-F5344CB8AC3E}">
+        <p14:creationId xmlns:p14="http://schemas.microsoft.com/office/powerpoint/2010/main" val="1424027331"/>
+      </p:ext>
+    </p:extLst>
   </p:cSld>
   <p:clrMapOvr>
     <a:masterClrMapping/>
@@ -9537,14 +9629,14 @@
             <a:pPr marL="0" lvl="0" indent="0" algn="l"/>
             <a:r>
               <a:rPr lang="en-US" sz="3200" b="1" dirty="0">
-                <a:latin typeface="Rajdhani" panose="02000000000000000000" charset="0"/>
-                <a:cs typeface="Rajdhani" panose="02000000000000000000" charset="0"/>
+                <a:latin typeface="Rajdhani" panose="020B0604020202020204" charset="0"/>
+                <a:cs typeface="Rajdhani" panose="020B0604020202020204" charset="0"/>
               </a:rPr>
               <a:t>System overview</a:t>
             </a:r>
             <a:endParaRPr sz="3200" b="1" dirty="0">
-              <a:latin typeface="Rajdhani" panose="02000000000000000000" charset="0"/>
-              <a:cs typeface="Rajdhani" panose="02000000000000000000" charset="0"/>
+              <a:latin typeface="Rajdhani" panose="020B0604020202020204" charset="0"/>
+              <a:cs typeface="Rajdhani" panose="020B0604020202020204" charset="0"/>
             </a:endParaRPr>
           </a:p>
         </p:txBody>
@@ -9558,7 +9650,7 @@
           <p:nvPr/>
         </p:nvPicPr>
         <p:blipFill>
-          <a:blip r:embed="rId1">
+          <a:blip r:embed="rId2">
             <a:extLst>
               <a:ext uri="{28A0092B-C50C-407E-A947-70E740481C1C}">
                 <a14:useLocalDpi xmlns:a14="http://schemas.microsoft.com/office/drawing/2010/main" val="0"/>
@@ -9580,6 +9672,11 @@
         </p:spPr>
       </p:pic>
     </p:spTree>
+    <p:extLst>
+      <p:ext uri="{BB962C8B-B14F-4D97-AF65-F5344CB8AC3E}">
+        <p14:creationId xmlns:p14="http://schemas.microsoft.com/office/powerpoint/2010/main" val="266778040"/>
+      </p:ext>
+    </p:extLst>
   </p:cSld>
   <p:clrMapOvr>
     <a:masterClrMapping/>
@@ -9635,21 +9732,17 @@
             <a:pPr marL="0" indent="0" algn="l"/>
             <a:r>
               <a:rPr lang="en-US" sz="3200" b="1" dirty="0">
-                <a:latin typeface="Rajdhani" panose="02000000000000000000" charset="0"/>
-                <a:cs typeface="Rajdhani" panose="02000000000000000000" charset="0"/>
+                <a:latin typeface="Rajdhani" panose="020B0604020202020204" charset="0"/>
+                <a:cs typeface="Rajdhani" panose="020B0604020202020204" charset="0"/>
               </a:rPr>
               <a:t>Use Case Diagram &amp; Functional Requirements</a:t>
             </a:r>
-            <a:endParaRPr lang="en-US" sz="3200" b="1" dirty="0">
-              <a:latin typeface="Rajdhani" panose="02000000000000000000" charset="0"/>
-              <a:cs typeface="Rajdhani" panose="02000000000000000000" charset="0"/>
-            </a:endParaRPr>
           </a:p>
           <a:p>
             <a:pPr marL="0" lvl="0" indent="0" algn="l"/>
             <a:endParaRPr sz="3200" b="1" dirty="0">
-              <a:latin typeface="Rajdhani" panose="02000000000000000000" charset="0"/>
-              <a:cs typeface="Rajdhani" panose="02000000000000000000" charset="0"/>
+              <a:latin typeface="Rajdhani" panose="020B0604020202020204" charset="0"/>
+              <a:cs typeface="Rajdhani" panose="020B0604020202020204" charset="0"/>
             </a:endParaRPr>
           </a:p>
         </p:txBody>
@@ -9657,7 +9750,9 @@
       <p:sp>
         <p:nvSpPr>
           <p:cNvPr id="6" name="Google Shape;136;p27"/>
-          <p:cNvSpPr txBox="1"/>
+          <p:cNvSpPr txBox="1">
+            <a:spLocks/>
+          </p:cNvSpPr>
           <p:nvPr/>
         </p:nvSpPr>
         <p:spPr>
@@ -9703,16 +9798,16 @@
                 <a:schemeClr val="lt2"/>
               </a:buClr>
               <a:buSzPts val="2800"/>
-              <a:buFont typeface="Fira Sans Condensed Light" panose="020B0503050000020004"/>
+              <a:buFont typeface="Fira Sans Condensed Light"/>
               <a:buNone/>
               <a:defRPr sz="1400" b="0" i="0" u="none" strike="noStrike" cap="none">
                 <a:solidFill>
                   <a:schemeClr val="lt2"/>
                 </a:solidFill>
-                <a:latin typeface="Fira Sans Condensed Light" panose="020B0503050000020004"/>
-                <a:ea typeface="Fira Sans Condensed Light" panose="020B0503050000020004"/>
-                <a:cs typeface="Fira Sans Condensed Light" panose="020B0503050000020004"/>
-                <a:sym typeface="Fira Sans Condensed Light" panose="020B0503050000020004"/>
+                <a:latin typeface="Fira Sans Condensed Light"/>
+                <a:ea typeface="Fira Sans Condensed Light"/>
+                <a:cs typeface="Fira Sans Condensed Light"/>
+                <a:sym typeface="Fira Sans Condensed Light"/>
               </a:defRPr>
             </a:lvl1pPr>
             <a:lvl2pPr marL="914400" marR="0" lvl="1" indent="-304800" algn="ctr" rtl="0">
@@ -9729,16 +9824,16 @@
                 <a:schemeClr val="lt2"/>
               </a:buClr>
               <a:buSzPts val="2800"/>
-              <a:buFont typeface="Fira Sans Condensed Light" panose="020B0503050000020004"/>
+              <a:buFont typeface="Fira Sans Condensed Light"/>
               <a:buNone/>
               <a:defRPr sz="2800" b="0" i="0" u="none" strike="noStrike" cap="none">
                 <a:solidFill>
                   <a:schemeClr val="lt2"/>
                 </a:solidFill>
-                <a:latin typeface="Fira Sans Condensed Light" panose="020B0503050000020004"/>
-                <a:ea typeface="Fira Sans Condensed Light" panose="020B0503050000020004"/>
-                <a:cs typeface="Fira Sans Condensed Light" panose="020B0503050000020004"/>
-                <a:sym typeface="Fira Sans Condensed Light" panose="020B0503050000020004"/>
+                <a:latin typeface="Fira Sans Condensed Light"/>
+                <a:ea typeface="Fira Sans Condensed Light"/>
+                <a:cs typeface="Fira Sans Condensed Light"/>
+                <a:sym typeface="Fira Sans Condensed Light"/>
               </a:defRPr>
             </a:lvl2pPr>
             <a:lvl3pPr marL="1371600" marR="0" lvl="2" indent="-304800" algn="ctr" rtl="0">
@@ -9755,16 +9850,16 @@
                 <a:schemeClr val="lt2"/>
               </a:buClr>
               <a:buSzPts val="2800"/>
-              <a:buFont typeface="Fira Sans Condensed Light" panose="020B0503050000020004"/>
+              <a:buFont typeface="Fira Sans Condensed Light"/>
               <a:buNone/>
               <a:defRPr sz="2800" b="0" i="0" u="none" strike="noStrike" cap="none">
                 <a:solidFill>
                   <a:schemeClr val="lt2"/>
                 </a:solidFill>
-                <a:latin typeface="Fira Sans Condensed Light" panose="020B0503050000020004"/>
-                <a:ea typeface="Fira Sans Condensed Light" panose="020B0503050000020004"/>
-                <a:cs typeface="Fira Sans Condensed Light" panose="020B0503050000020004"/>
-                <a:sym typeface="Fira Sans Condensed Light" panose="020B0503050000020004"/>
+                <a:latin typeface="Fira Sans Condensed Light"/>
+                <a:ea typeface="Fira Sans Condensed Light"/>
+                <a:cs typeface="Fira Sans Condensed Light"/>
+                <a:sym typeface="Fira Sans Condensed Light"/>
               </a:defRPr>
             </a:lvl3pPr>
             <a:lvl4pPr marL="1828800" marR="0" lvl="3" indent="-304800" algn="ctr" rtl="0">
@@ -9781,16 +9876,16 @@
                 <a:schemeClr val="lt2"/>
               </a:buClr>
               <a:buSzPts val="2800"/>
-              <a:buFont typeface="Fira Sans Condensed Light" panose="020B0503050000020004"/>
+              <a:buFont typeface="Fira Sans Condensed Light"/>
               <a:buNone/>
               <a:defRPr sz="2800" b="0" i="0" u="none" strike="noStrike" cap="none">
                 <a:solidFill>
                   <a:schemeClr val="lt2"/>
                 </a:solidFill>
-                <a:latin typeface="Fira Sans Condensed Light" panose="020B0503050000020004"/>
-                <a:ea typeface="Fira Sans Condensed Light" panose="020B0503050000020004"/>
-                <a:cs typeface="Fira Sans Condensed Light" panose="020B0503050000020004"/>
-                <a:sym typeface="Fira Sans Condensed Light" panose="020B0503050000020004"/>
+                <a:latin typeface="Fira Sans Condensed Light"/>
+                <a:ea typeface="Fira Sans Condensed Light"/>
+                <a:cs typeface="Fira Sans Condensed Light"/>
+                <a:sym typeface="Fira Sans Condensed Light"/>
               </a:defRPr>
             </a:lvl4pPr>
             <a:lvl5pPr marL="2286000" marR="0" lvl="4" indent="-304800" algn="ctr" rtl="0">
@@ -9807,16 +9902,16 @@
                 <a:schemeClr val="lt2"/>
               </a:buClr>
               <a:buSzPts val="2800"/>
-              <a:buFont typeface="Fira Sans Condensed Light" panose="020B0503050000020004"/>
+              <a:buFont typeface="Fira Sans Condensed Light"/>
               <a:buNone/>
               <a:defRPr sz="2800" b="0" i="0" u="none" strike="noStrike" cap="none">
                 <a:solidFill>
                   <a:schemeClr val="lt2"/>
                 </a:solidFill>
-                <a:latin typeface="Fira Sans Condensed Light" panose="020B0503050000020004"/>
-                <a:ea typeface="Fira Sans Condensed Light" panose="020B0503050000020004"/>
-                <a:cs typeface="Fira Sans Condensed Light" panose="020B0503050000020004"/>
-                <a:sym typeface="Fira Sans Condensed Light" panose="020B0503050000020004"/>
+                <a:latin typeface="Fira Sans Condensed Light"/>
+                <a:ea typeface="Fira Sans Condensed Light"/>
+                <a:cs typeface="Fira Sans Condensed Light"/>
+                <a:sym typeface="Fira Sans Condensed Light"/>
               </a:defRPr>
             </a:lvl5pPr>
             <a:lvl6pPr marL="2743200" marR="0" lvl="5" indent="-304800" algn="ctr" rtl="0">
@@ -9833,16 +9928,16 @@
                 <a:schemeClr val="lt2"/>
               </a:buClr>
               <a:buSzPts val="2800"/>
-              <a:buFont typeface="Fira Sans Condensed Light" panose="020B0503050000020004"/>
+              <a:buFont typeface="Fira Sans Condensed Light"/>
               <a:buNone/>
               <a:defRPr sz="2800" b="0" i="0" u="none" strike="noStrike" cap="none">
                 <a:solidFill>
                   <a:schemeClr val="lt2"/>
                 </a:solidFill>
-                <a:latin typeface="Fira Sans Condensed Light" panose="020B0503050000020004"/>
-                <a:ea typeface="Fira Sans Condensed Light" panose="020B0503050000020004"/>
-                <a:cs typeface="Fira Sans Condensed Light" panose="020B0503050000020004"/>
-                <a:sym typeface="Fira Sans Condensed Light" panose="020B0503050000020004"/>
+                <a:latin typeface="Fira Sans Condensed Light"/>
+                <a:ea typeface="Fira Sans Condensed Light"/>
+                <a:cs typeface="Fira Sans Condensed Light"/>
+                <a:sym typeface="Fira Sans Condensed Light"/>
               </a:defRPr>
             </a:lvl6pPr>
             <a:lvl7pPr marL="3200400" marR="0" lvl="6" indent="-304800" algn="ctr" rtl="0">
@@ -9859,16 +9954,16 @@
                 <a:schemeClr val="lt2"/>
               </a:buClr>
               <a:buSzPts val="2800"/>
-              <a:buFont typeface="Fira Sans Condensed Light" panose="020B0503050000020004"/>
+              <a:buFont typeface="Fira Sans Condensed Light"/>
               <a:buNone/>
               <a:defRPr sz="2800" b="0" i="0" u="none" strike="noStrike" cap="none">
                 <a:solidFill>
                   <a:schemeClr val="lt2"/>
                 </a:solidFill>
-                <a:latin typeface="Fira Sans Condensed Light" panose="020B0503050000020004"/>
-                <a:ea typeface="Fira Sans Condensed Light" panose="020B0503050000020004"/>
-                <a:cs typeface="Fira Sans Condensed Light" panose="020B0503050000020004"/>
-                <a:sym typeface="Fira Sans Condensed Light" panose="020B0503050000020004"/>
+                <a:latin typeface="Fira Sans Condensed Light"/>
+                <a:ea typeface="Fira Sans Condensed Light"/>
+                <a:cs typeface="Fira Sans Condensed Light"/>
+                <a:sym typeface="Fira Sans Condensed Light"/>
               </a:defRPr>
             </a:lvl7pPr>
             <a:lvl8pPr marL="3657600" marR="0" lvl="7" indent="-304800" algn="ctr" rtl="0">
@@ -9885,16 +9980,16 @@
                 <a:schemeClr val="lt2"/>
               </a:buClr>
               <a:buSzPts val="2800"/>
-              <a:buFont typeface="Fira Sans Condensed Light" panose="020B0503050000020004"/>
+              <a:buFont typeface="Fira Sans Condensed Light"/>
               <a:buNone/>
               <a:defRPr sz="2800" b="0" i="0" u="none" strike="noStrike" cap="none">
                 <a:solidFill>
                   <a:schemeClr val="lt2"/>
                 </a:solidFill>
-                <a:latin typeface="Fira Sans Condensed Light" panose="020B0503050000020004"/>
-                <a:ea typeface="Fira Sans Condensed Light" panose="020B0503050000020004"/>
-                <a:cs typeface="Fira Sans Condensed Light" panose="020B0503050000020004"/>
-                <a:sym typeface="Fira Sans Condensed Light" panose="020B0503050000020004"/>
+                <a:latin typeface="Fira Sans Condensed Light"/>
+                <a:ea typeface="Fira Sans Condensed Light"/>
+                <a:cs typeface="Fira Sans Condensed Light"/>
+                <a:sym typeface="Fira Sans Condensed Light"/>
               </a:defRPr>
             </a:lvl8pPr>
             <a:lvl9pPr marL="4114800" marR="0" lvl="8" indent="-304800" algn="ctr" rtl="0">
@@ -9911,16 +10006,16 @@
                 <a:schemeClr val="lt2"/>
               </a:buClr>
               <a:buSzPts val="2800"/>
-              <a:buFont typeface="Fira Sans Condensed Light" panose="020B0503050000020004"/>
+              <a:buFont typeface="Fira Sans Condensed Light"/>
               <a:buNone/>
               <a:defRPr sz="2800" b="0" i="0" u="none" strike="noStrike" cap="none">
                 <a:solidFill>
                   <a:schemeClr val="lt2"/>
                 </a:solidFill>
-                <a:latin typeface="Fira Sans Condensed Light" panose="020B0503050000020004"/>
-                <a:ea typeface="Fira Sans Condensed Light" panose="020B0503050000020004"/>
-                <a:cs typeface="Fira Sans Condensed Light" panose="020B0503050000020004"/>
-                <a:sym typeface="Fira Sans Condensed Light" panose="020B0503050000020004"/>
+                <a:latin typeface="Fira Sans Condensed Light"/>
+                <a:ea typeface="Fira Sans Condensed Light"/>
+                <a:cs typeface="Fira Sans Condensed Light"/>
+                <a:sym typeface="Fira Sans Condensed Light"/>
               </a:defRPr>
             </a:lvl9pPr>
           </a:lstStyle>
@@ -9936,7 +10031,6 @@
               <a:rPr lang="en-US" sz="1800" dirty="0"/>
               <a:t>The system can accept files from the user containing their genotypes.</a:t>
             </a:r>
-            <a:endParaRPr lang="en-US" sz="1800" dirty="0"/>
           </a:p>
           <a:p>
             <a:pPr algn="l">
@@ -9950,7 +10044,6 @@
               <a:rPr lang="en-US" sz="1800" dirty="0"/>
               <a:t>The system can save the user’s data (genotypes) (results)</a:t>
             </a:r>
-            <a:endParaRPr lang="en-US" sz="1800" dirty="0"/>
           </a:p>
           <a:p>
             <a:pPr algn="l">
@@ -9964,7 +10057,6 @@
               <a:rPr lang="en-US" sz="1800" dirty="0"/>
               <a:t>The user can input their genotypes and get a report showing which genotypes contribute to the paternity test.</a:t>
             </a:r>
-            <a:endParaRPr lang="en-US" sz="1800" dirty="0"/>
           </a:p>
           <a:p>
             <a:pPr algn="l">
@@ -9978,20 +10070,25 @@
               <a:rPr lang="en-US" sz="1800" dirty="0"/>
               <a:t>The user can see which alleles are different if it was proven wrong.</a:t>
             </a:r>
-            <a:endParaRPr lang="en-US" sz="1800" dirty="0"/>
           </a:p>
         </p:txBody>
       </p:sp>
       <p:pic>
         <p:nvPicPr>
-          <p:cNvPr id="1026" name="Picture 2"/>
+          <p:cNvPr id="1026" name="Picture 2">
+            <a:extLst>
+              <a:ext uri="{FF2B5EF4-FFF2-40B4-BE49-F238E27FC236}">
+                <a16:creationId xmlns:a16="http://schemas.microsoft.com/office/drawing/2014/main" id="{2A104E13-FBE5-4015-BE52-59B12AF2DA7B}"/>
+              </a:ext>
+            </a:extLst>
+          </p:cNvPr>
           <p:cNvPicPr>
             <a:picLocks noChangeAspect="1" noChangeArrowheads="1"/>
           </p:cNvPicPr>
           <p:nvPr/>
         </p:nvPicPr>
         <p:blipFill>
-          <a:blip r:embed="rId1">
+          <a:blip r:embed="rId2">
             <a:extLst>
               <a:ext uri="{28A0092B-C50C-407E-A947-70E740481C1C}">
                 <a14:useLocalDpi xmlns:a14="http://schemas.microsoft.com/office/drawing/2010/main" val="0"/>
@@ -10024,6 +10121,11 @@
         </p:spPr>
       </p:pic>
     </p:spTree>
+    <p:extLst>
+      <p:ext uri="{BB962C8B-B14F-4D97-AF65-F5344CB8AC3E}">
+        <p14:creationId xmlns:p14="http://schemas.microsoft.com/office/powerpoint/2010/main" val="3148047371"/>
+      </p:ext>
+    </p:extLst>
   </p:cSld>
   <p:clrMapOvr>
     <a:masterClrMapping/>
@@ -10310,11 +10412,8 @@
       </a:bgFillStyleLst>
     </a:fmtScheme>
   </a:themeElements>
-  <a:extLst>
-    <a:ext uri="{05A4C25C-085E-4340-85A3-A5531E510DB2}">
-      <thm15:themeFamily xmlns:thm15="http://schemas.microsoft.com/office/thememl/2012/main" name="Office Theme" id="{62F939B6-93AF-4DB8-9C6B-D6C7DFDC589F}" vid="{4A3C46E8-61CC-4603-A589-7422A47A8E4A}"/>
-    </a:ext>
-  </a:extLst>
+  <a:objectDefaults/>
+  <a:extraClrSchemeLst/>
 </a:theme>
 </file>
 
@@ -10594,10 +10693,7 @@
       </a:bgFillStyleLst>
     </a:fmtScheme>
   </a:themeElements>
-  <a:extLst>
-    <a:ext uri="{05A4C25C-085E-4340-85A3-A5531E510DB2}">
-      <thm15:themeFamily xmlns:thm15="http://schemas.microsoft.com/office/thememl/2012/main" name="Office Theme" id="{62F939B6-93AF-4DB8-9C6B-D6C7DFDC589F}" vid="{4A3C46E8-61CC-4603-A589-7422A47A8E4A}"/>
-    </a:ext>
-  </a:extLst>
+  <a:objectDefaults/>
+  <a:extraClrSchemeLst/>
 </a:theme>
 </file>
--- a/E-Genetics/presentations/new presentation.pptx
+++ b/E-Genetics/presentations/new presentation.pptx
@@ -19,9 +19,9 @@
     <p:sldId id="263" r:id="rId13"/>
     <p:sldId id="264" r:id="rId14"/>
     <p:sldId id="265" r:id="rId15"/>
-    <p:sldId id="266" r:id="rId16"/>
-    <p:sldId id="267" r:id="rId17"/>
-    <p:sldId id="268" r:id="rId18"/>
+    <p:sldId id="272" r:id="rId16"/>
+    <p:sldId id="273" r:id="rId17"/>
+    <p:sldId id="266" r:id="rId18"/>
     <p:sldId id="269" r:id="rId19"/>
     <p:sldId id="270" r:id="rId20"/>
     <p:sldId id="271" r:id="rId21"/>
@@ -123,6 +123,11 @@
       </a:defRPr>
     </a:lvl9pPr>
   </p:defaultTextStyle>
+  <p:extLst>
+    <p:ext uri="{EFAFB233-063F-42B5-8137-9DF3F51BA10A}">
+      <p15:sldGuideLst xmlns:p15="http://schemas.microsoft.com/office/powerpoint/2012/main"/>
+    </p:ext>
+  </p:extLst>
 </p:presentation>
 </file>
 
@@ -9945,7 +9950,7 @@
               </a:lnSpc>
             </a:pPr>
             <a:r>
-              <a:rPr lang="en-US" sz="4800" b="1" strike="noStrike" spc="-1">
+              <a:rPr lang="en-US" sz="4800" b="1" strike="noStrike" spc="-1" dirty="0">
                 <a:solidFill>
                   <a:srgbClr val="F3F3F3"/>
                 </a:solidFill>
@@ -9954,7 +9959,7 @@
               </a:rPr>
               <a:t>Paternity testing using genetics</a:t>
             </a:r>
-            <a:endParaRPr lang="en-US" sz="4800" b="0" strike="noStrike" spc="-1">
+            <a:endParaRPr lang="en-US" sz="4800" b="0" strike="noStrike" spc="-1" dirty="0">
               <a:latin typeface="Arial"/>
             </a:endParaRPr>
           </a:p>
@@ -10132,16 +10137,16 @@
               </a:tabLst>
             </a:pPr>
             <a:r>
-              <a:rPr lang="en-US" sz="3200" b="1" strike="noStrike" spc="-1">
+              <a:rPr lang="en-US" sz="3200" b="1" strike="noStrike" spc="-1" dirty="0">
                 <a:solidFill>
                   <a:srgbClr val="F3F3F3"/>
                 </a:solidFill>
                 <a:latin typeface="Rajdhani"/>
                 <a:ea typeface="Fira Sans Condensed Light"/>
               </a:rPr>
-              <a:t>Non-Functional Requirements</a:t>
+              <a:t>Non-Functional Requirements:</a:t>
             </a:r>
-            <a:endParaRPr lang="en-US" sz="3200" b="0" strike="noStrike" spc="-1">
+            <a:endParaRPr lang="en-US" sz="3200" b="0" strike="noStrike" spc="-1" dirty="0">
               <a:latin typeface="Arial"/>
             </a:endParaRPr>
           </a:p>
@@ -10204,13 +10209,7 @@
               </a:rPr>
               <a:t>Safety: The system will detect any attacks and it should be secure</a:t>
             </a:r>
-            <a:r>
-              <a:t/>
-            </a:r>
             <a:br/>
-            <a:r>
-              <a:t/>
-            </a:r>
             <a:br/>
             <a:r>
               <a:rPr lang="en-US" sz="1800" b="0" strike="noStrike" spc="-1">
@@ -10247,13 +10246,7 @@
               </a:rPr>
               <a:t>Availability: The system should be available at any time without any failure.</a:t>
             </a:r>
-            <a:r>
-              <a:t/>
-            </a:r>
             <a:br/>
-            <a:r>
-              <a:t/>
-            </a:r>
             <a:br/>
             <a:r>
               <a:rPr lang="en-US" sz="1800" b="0" strike="noStrike" spc="-1">
@@ -10289,9 +10282,6 @@
                 <a:ea typeface="Fira Sans Condensed Light"/>
               </a:rPr>
               <a:t>Scalability:</a:t>
-            </a:r>
-            <a:r>
-              <a:t/>
             </a:r>
             <a:br/>
             <a:r>
@@ -10340,75 +10330,62 @@
       </p:grpSpPr>
       <p:sp>
         <p:nvSpPr>
-          <p:cNvPr id="218" name="CustomShape 1"/>
-          <p:cNvSpPr/>
-          <p:nvPr/>
-        </p:nvSpPr>
-        <p:spPr>
-          <a:xfrm>
-            <a:off x="205560" y="547920"/>
-            <a:ext cx="5194440" cy="635760"/>
-          </a:xfrm>
-          <a:prstGeom prst="rect">
-            <a:avLst/>
-          </a:prstGeom>
-          <a:noFill/>
-          <a:ln>
-            <a:noFill/>
-          </a:ln>
-        </p:spPr>
-        <p:style>
-          <a:lnRef idx="0">
-            <a:scrgbClr r="0" g="0" b="0"/>
-          </a:lnRef>
-          <a:fillRef idx="0">
-            <a:scrgbClr r="0" g="0" b="0"/>
-          </a:fillRef>
-          <a:effectRef idx="0">
-            <a:scrgbClr r="0" g="0" b="0"/>
-          </a:effectRef>
-          <a:fontRef idx="minor"/>
-        </p:style>
-        <p:txBody>
-          <a:bodyPr lIns="90000" tIns="91440" rIns="90000" bIns="91440" anchor="ctr">
-            <a:noAutofit/>
-          </a:bodyPr>
-          <a:lstStyle/>
-          <a:p>
-            <a:pPr>
-              <a:lnSpc>
-                <a:spcPct val="100000"/>
-              </a:lnSpc>
-              <a:tabLst>
-                <a:tab pos="0" algn="l"/>
-              </a:tabLst>
-            </a:pPr>
+          <p:cNvPr id="2" name="Title 1">
+            <a:extLst>
+              <a:ext uri="{FF2B5EF4-FFF2-40B4-BE49-F238E27FC236}">
+                <a16:creationId xmlns:a16="http://schemas.microsoft.com/office/drawing/2014/main" id="{8DDE58F4-31B9-4CCA-A278-76B032131EA5}"/>
+              </a:ext>
+            </a:extLst>
+          </p:cNvPr>
+          <p:cNvSpPr>
+            <a:spLocks noGrp="1"/>
+          </p:cNvSpPr>
+          <p:nvPr>
+            <p:ph type="title"/>
+          </p:nvPr>
+        </p:nvSpPr>
+        <p:spPr/>
+        <p:txBody>
+          <a:bodyPr/>
+          <a:lstStyle/>
+          <a:p>
             <a:r>
-              <a:rPr lang="en-US" sz="3200" b="1" strike="noStrike" spc="-1">
+              <a:rPr lang="en-US" sz="3200" b="1" dirty="0">
                 <a:solidFill>
-                  <a:srgbClr val="F3F3F3"/>
+                  <a:schemeClr val="bg1"/>
                 </a:solidFill>
                 <a:latin typeface="Rajdhani"/>
-                <a:ea typeface="Fira Sans Condensed Light"/>
               </a:rPr>
-              <a:t>Class diagram</a:t>
+              <a:t>Diagrams</a:t>
             </a:r>
-            <a:endParaRPr lang="en-US" sz="3200" b="0" strike="noStrike" spc="-1">
-              <a:latin typeface="Arial"/>
-            </a:endParaRPr>
+            <a:r>
+              <a:rPr lang="en-US" b="1" dirty="0">
+                <a:solidFill>
+                  <a:schemeClr val="bg1"/>
+                </a:solidFill>
+                <a:latin typeface="Rajdhani"/>
+              </a:rPr>
+              <a:t>:</a:t>
+            </a:r>
           </a:p>
         </p:txBody>
       </p:sp>
       <p:pic>
         <p:nvPicPr>
-          <p:cNvPr id="2" name="Picture 1"/>
+          <p:cNvPr id="5" name="Picture 4">
+            <a:extLst>
+              <a:ext uri="{FF2B5EF4-FFF2-40B4-BE49-F238E27FC236}">
+                <a16:creationId xmlns:a16="http://schemas.microsoft.com/office/drawing/2014/main" id="{81E31B39-FCAC-48E5-9711-8D9B03598519}"/>
+              </a:ext>
+            </a:extLst>
+          </p:cNvPr>
           <p:cNvPicPr>
             <a:picLocks noChangeAspect="1"/>
           </p:cNvPicPr>
           <p:nvPr/>
         </p:nvPicPr>
         <p:blipFill>
-          <a:blip r:embed="rId2">
+          <a:blip r:embed="rId2" cstate="print">
             <a:extLst>
               <a:ext uri="{28A0092B-C50C-407E-A947-70E740481C1C}">
                 <a14:useLocalDpi xmlns:a14="http://schemas.microsoft.com/office/drawing/2010/main" val="0"/>
@@ -10421,22 +10398,205 @@
         </p:blipFill>
         <p:spPr>
           <a:xfrm>
-            <a:off x="3353622" y="342641"/>
-            <a:ext cx="5603342" cy="4534159"/>
+            <a:off x="6129092" y="101268"/>
+            <a:ext cx="2557348" cy="4940964"/>
           </a:xfrm>
           <a:prstGeom prst="rect">
             <a:avLst/>
           </a:prstGeom>
         </p:spPr>
       </p:pic>
+      <p:sp>
+        <p:nvSpPr>
+          <p:cNvPr id="7" name="TextBox 6">
+            <a:extLst>
+              <a:ext uri="{FF2B5EF4-FFF2-40B4-BE49-F238E27FC236}">
+                <a16:creationId xmlns:a16="http://schemas.microsoft.com/office/drawing/2014/main" id="{314767A4-0400-495D-AAA3-E406D5026456}"/>
+              </a:ext>
+            </a:extLst>
+          </p:cNvPr>
+          <p:cNvSpPr txBox="1"/>
+          <p:nvPr/>
+        </p:nvSpPr>
+        <p:spPr>
+          <a:xfrm>
+            <a:off x="375424" y="967156"/>
+            <a:ext cx="4572000" cy="369332"/>
+          </a:xfrm>
+          <a:prstGeom prst="rect">
+            <a:avLst/>
+          </a:prstGeom>
+          <a:noFill/>
+        </p:spPr>
+        <p:txBody>
+          <a:bodyPr wrap="square">
+            <a:spAutoFit/>
+          </a:bodyPr>
+          <a:lstStyle/>
+          <a:p>
+            <a:r>
+              <a:rPr lang="en-US" b="1" dirty="0">
+                <a:solidFill>
+                  <a:schemeClr val="bg1"/>
+                </a:solidFill>
+              </a:rPr>
+              <a:t>- architecture diagram: </a:t>
+            </a:r>
+          </a:p>
+        </p:txBody>
+      </p:sp>
+      <p:sp>
+        <p:nvSpPr>
+          <p:cNvPr id="9" name="TextBox 8">
+            <a:extLst>
+              <a:ext uri="{FF2B5EF4-FFF2-40B4-BE49-F238E27FC236}">
+                <a16:creationId xmlns:a16="http://schemas.microsoft.com/office/drawing/2014/main" id="{D8908C09-353D-47A7-86E6-05F24EDFA179}"/>
+              </a:ext>
+            </a:extLst>
+          </p:cNvPr>
+          <p:cNvSpPr txBox="1"/>
+          <p:nvPr/>
+        </p:nvSpPr>
+        <p:spPr>
+          <a:xfrm>
+            <a:off x="375424" y="1336488"/>
+            <a:ext cx="4430752" cy="646331"/>
+          </a:xfrm>
+          <a:prstGeom prst="rect">
+            <a:avLst/>
+          </a:prstGeom>
+          <a:noFill/>
+        </p:spPr>
+        <p:txBody>
+          <a:bodyPr wrap="square">
+            <a:spAutoFit/>
+          </a:bodyPr>
+          <a:lstStyle/>
+          <a:p>
+            <a:r>
+              <a:rPr lang="en-US" sz="1200" dirty="0">
+                <a:solidFill>
+                  <a:schemeClr val="bg1"/>
+                </a:solidFill>
+                <a:latin typeface="Fira Sans Condensed Light" panose="020B0403050000020004" pitchFamily="34" charset="0"/>
+              </a:rPr>
+              <a:t>Model-View-Controller (MVC) is a design pattern that divides an application into three basic logical components: Model, View, and Controller and we aim to use it in our system.</a:t>
+            </a:r>
+          </a:p>
+        </p:txBody>
+      </p:sp>
+      <p:sp>
+        <p:nvSpPr>
+          <p:cNvPr id="13" name="TextBox 12">
+            <a:extLst>
+              <a:ext uri="{FF2B5EF4-FFF2-40B4-BE49-F238E27FC236}">
+                <a16:creationId xmlns:a16="http://schemas.microsoft.com/office/drawing/2014/main" id="{2B075ADF-6F80-4123-A574-0399A0ECB29F}"/>
+              </a:ext>
+            </a:extLst>
+          </p:cNvPr>
+          <p:cNvSpPr txBox="1"/>
+          <p:nvPr/>
+        </p:nvSpPr>
+        <p:spPr>
+          <a:xfrm>
+            <a:off x="304800" y="1982819"/>
+            <a:ext cx="4572000" cy="3046988"/>
+          </a:xfrm>
+          <a:prstGeom prst="rect">
+            <a:avLst/>
+          </a:prstGeom>
+          <a:noFill/>
+        </p:spPr>
+        <p:txBody>
+          <a:bodyPr wrap="square">
+            <a:spAutoFit/>
+          </a:bodyPr>
+          <a:lstStyle/>
+          <a:p>
+            <a:pPr marL="171450" indent="-171450">
+              <a:buFont typeface="Arial" panose="020B0604020202020204" pitchFamily="34" charset="0"/>
+              <a:buChar char="•"/>
+            </a:pPr>
+            <a:r>
+              <a:rPr lang="en-US" sz="1200" dirty="0">
+                <a:solidFill>
+                  <a:schemeClr val="bg1"/>
+                </a:solidFill>
+                <a:latin typeface="Fira Sans Condensed Light" panose="020B0403050000020004" pitchFamily="34" charset="0"/>
+              </a:rPr>
+              <a:t>a view is the component of the program that reflects how the results of the paternity test and report will be viewed.  The data given to the system should be uploaded by the user for it to be processed and output to the user.</a:t>
+            </a:r>
+            <a:br>
+              <a:rPr lang="en-US" sz="1200" dirty="0">
+                <a:solidFill>
+                  <a:schemeClr val="bg1"/>
+                </a:solidFill>
+                <a:latin typeface="Fira Sans Condensed Light" panose="020B0403050000020004" pitchFamily="34" charset="0"/>
+              </a:rPr>
+            </a:br>
+            <a:endParaRPr lang="en-US" sz="1200" dirty="0">
+              <a:solidFill>
+                <a:schemeClr val="bg1"/>
+              </a:solidFill>
+              <a:latin typeface="Fira Sans Condensed Light" panose="020B0403050000020004" pitchFamily="34" charset="0"/>
+            </a:endParaRPr>
+          </a:p>
+          <a:p>
+            <a:pPr marL="171450" indent="-171450">
+              <a:buFont typeface="Arial" panose="020B0604020202020204" pitchFamily="34" charset="0"/>
+              <a:buChar char="•"/>
+            </a:pPr>
+            <a:r>
+              <a:rPr lang="en-US" sz="1200" dirty="0">
+                <a:solidFill>
+                  <a:schemeClr val="bg1"/>
+                </a:solidFill>
+                <a:latin typeface="Fira Sans Condensed Light" panose="020B0403050000020004" pitchFamily="34" charset="0"/>
+              </a:rPr>
+              <a:t>The application's controller is the component that manages user interaction. The controller interprets the user's mouse and keyboard inputs, causing the model and display to adapt appropriately, much like when the user interacts with the testing process and uploads its data.</a:t>
+            </a:r>
+            <a:br>
+              <a:rPr lang="en-US" sz="1200" dirty="0">
+                <a:solidFill>
+                  <a:schemeClr val="bg1"/>
+                </a:solidFill>
+                <a:latin typeface="Fira Sans Condensed Light" panose="020B0403050000020004" pitchFamily="34" charset="0"/>
+              </a:rPr>
+            </a:br>
+            <a:endParaRPr lang="en-US" sz="1200" dirty="0">
+              <a:solidFill>
+                <a:schemeClr val="bg1"/>
+              </a:solidFill>
+              <a:latin typeface="Fira Sans Condensed Light" panose="020B0403050000020004" pitchFamily="34" charset="0"/>
+            </a:endParaRPr>
+          </a:p>
+          <a:p>
+            <a:pPr marL="171450" indent="-171450">
+              <a:buFont typeface="Arial" panose="020B0604020202020204" pitchFamily="34" charset="0"/>
+              <a:buChar char="•"/>
+            </a:pPr>
+            <a:r>
+              <a:rPr lang="en-US" sz="1200" dirty="0">
+                <a:solidFill>
+                  <a:schemeClr val="bg1"/>
+                </a:solidFill>
+                <a:latin typeface="Fira Sans Condensed Light" panose="020B0403050000020004" pitchFamily="34" charset="0"/>
+              </a:rPr>
+              <a:t>Data and logic are contained in the model section. It represents data exchanged between controller components or any other business logic linked to it. Admin can obtain user information from the database using a Controller object, for example. Before sending data back to the database or displaying it, it manipulates it.</a:t>
+            </a:r>
+          </a:p>
+        </p:txBody>
+      </p:sp>
     </p:spTree>
+    <p:extLst>
+      <p:ext uri="{BB962C8B-B14F-4D97-AF65-F5344CB8AC3E}">
+        <p14:creationId xmlns:p14="http://schemas.microsoft.com/office/powerpoint/2010/main" val="2473886441"/>
+      </p:ext>
+    </p:extLst>
   </p:cSld>
   <p:clrMapOvr>
     <a:masterClrMapping/>
   </p:clrMapOvr>
-  <p:transition spd="slow">
-    <p:push dir="u"/>
-  </p:transition>
 </p:sld>
 </file>
 
@@ -10459,154 +10619,125 @@
       </p:grpSpPr>
       <p:sp>
         <p:nvSpPr>
-          <p:cNvPr id="220" name="CustomShape 1"/>
-          <p:cNvSpPr/>
+          <p:cNvPr id="4" name="TextBox 3">
+            <a:extLst>
+              <a:ext uri="{FF2B5EF4-FFF2-40B4-BE49-F238E27FC236}">
+                <a16:creationId xmlns:a16="http://schemas.microsoft.com/office/drawing/2014/main" id="{E9E456D6-B7B0-4BDC-8B9E-E4BAA0741B18}"/>
+              </a:ext>
+            </a:extLst>
+          </p:cNvPr>
+          <p:cNvSpPr txBox="1"/>
           <p:nvPr/>
         </p:nvSpPr>
         <p:spPr>
           <a:xfrm>
-            <a:off x="518760" y="273600"/>
-            <a:ext cx="6032520" cy="635760"/>
+            <a:off x="500406" y="379859"/>
+            <a:ext cx="4572000" cy="369332"/>
           </a:xfrm>
           <a:prstGeom prst="rect">
             <a:avLst/>
           </a:prstGeom>
           <a:noFill/>
-          <a:ln>
-            <a:noFill/>
-          </a:ln>
-        </p:spPr>
-        <p:style>
-          <a:lnRef idx="0">
-            <a:scrgbClr r="0" g="0" b="0"/>
-          </a:lnRef>
-          <a:fillRef idx="0">
-            <a:scrgbClr r="0" g="0" b="0"/>
-          </a:fillRef>
-          <a:effectRef idx="0">
-            <a:scrgbClr r="0" g="0" b="0"/>
-          </a:effectRef>
-          <a:fontRef idx="minor"/>
-        </p:style>
-        <p:txBody>
-          <a:bodyPr lIns="90000" tIns="91440" rIns="90000" bIns="91440" anchor="ctr">
-            <a:noAutofit/>
-          </a:bodyPr>
-          <a:lstStyle/>
-          <a:p>
-            <a:pPr>
-              <a:lnSpc>
-                <a:spcPct val="100000"/>
-              </a:lnSpc>
-              <a:tabLst>
-                <a:tab pos="0" algn="l"/>
-              </a:tabLst>
-            </a:pPr>
+        </p:spPr>
+        <p:txBody>
+          <a:bodyPr wrap="square">
+            <a:spAutoFit/>
+          </a:bodyPr>
+          <a:lstStyle/>
+          <a:p>
             <a:r>
-              <a:rPr lang="en-US" sz="3200" b="1" strike="noStrike" spc="-1">
+              <a:rPr lang="en-US" b="1" dirty="0">
                 <a:solidFill>
-                  <a:srgbClr val="F3F3F3"/>
+                  <a:schemeClr val="bg1"/>
                 </a:solidFill>
-                <a:latin typeface="Rajdhani"/>
-                <a:ea typeface="Fira Sans Condensed Light"/>
               </a:rPr>
-              <a:t>Data design (database &amp; dataset)</a:t>
+              <a:t>- Sequence diagram: </a:t>
             </a:r>
-            <a:endParaRPr lang="en-US" sz="3200" b="0" strike="noStrike" spc="-1">
-              <a:latin typeface="Arial"/>
-            </a:endParaRPr>
           </a:p>
         </p:txBody>
       </p:sp>
       <p:pic>
         <p:nvPicPr>
-          <p:cNvPr id="221" name="Content Placeholder 3"/>
-          <p:cNvPicPr/>
+          <p:cNvPr id="6" name="Picture 5">
+            <a:extLst>
+              <a:ext uri="{FF2B5EF4-FFF2-40B4-BE49-F238E27FC236}">
+                <a16:creationId xmlns:a16="http://schemas.microsoft.com/office/drawing/2014/main" id="{E5C902A5-D832-4FE2-A75E-85A1D1A36B68}"/>
+              </a:ext>
+            </a:extLst>
+          </p:cNvPr>
+          <p:cNvPicPr>
+            <a:picLocks noChangeAspect="1"/>
+          </p:cNvPicPr>
           <p:nvPr/>
         </p:nvPicPr>
         <p:blipFill>
-          <a:blip r:embed="rId2"/>
-          <a:stretch/>
+          <a:blip r:embed="rId2" cstate="print">
+            <a:extLst>
+              <a:ext uri="{28A0092B-C50C-407E-A947-70E740481C1C}">
+                <a14:useLocalDpi xmlns:a14="http://schemas.microsoft.com/office/drawing/2010/main" val="0"/>
+              </a:ext>
+            </a:extLst>
+          </a:blip>
+          <a:stretch>
+            <a:fillRect/>
+          </a:stretch>
         </p:blipFill>
         <p:spPr>
           <a:xfrm>
-            <a:off x="3782520" y="996120"/>
-            <a:ext cx="5011560" cy="3641040"/>
-          </a:xfrm>
-          <a:prstGeom prst="rect">
-            <a:avLst/>
-          </a:prstGeom>
-          <a:ln>
-            <a:noFill/>
-          </a:ln>
+            <a:off x="500406" y="1018478"/>
+            <a:ext cx="3429940" cy="3924300"/>
+          </a:xfrm>
+          <a:prstGeom prst="rect">
+            <a:avLst/>
+          </a:prstGeom>
         </p:spPr>
       </p:pic>
-      <p:sp>
-        <p:nvSpPr>
-          <p:cNvPr id="222" name="CustomShape 2"/>
-          <p:cNvSpPr/>
+      <p:pic>
+        <p:nvPicPr>
+          <p:cNvPr id="8" name="Picture 7">
+            <a:extLst>
+              <a:ext uri="{FF2B5EF4-FFF2-40B4-BE49-F238E27FC236}">
+                <a16:creationId xmlns:a16="http://schemas.microsoft.com/office/drawing/2014/main" id="{D8951C31-5571-4C82-A88F-9DE91184D5CC}"/>
+              </a:ext>
+            </a:extLst>
+          </p:cNvPr>
+          <p:cNvPicPr>
+            <a:picLocks noChangeAspect="1"/>
+          </p:cNvPicPr>
           <p:nvPr/>
-        </p:nvSpPr>
-        <p:spPr>
-          <a:xfrm>
-            <a:off x="614880" y="1484280"/>
-            <a:ext cx="3230280" cy="1186920"/>
-          </a:xfrm>
-          <a:prstGeom prst="rect">
-            <a:avLst/>
-          </a:prstGeom>
-          <a:noFill/>
-          <a:ln>
-            <a:noFill/>
-          </a:ln>
-        </p:spPr>
-        <p:style>
-          <a:lnRef idx="0">
-            <a:scrgbClr r="0" g="0" b="0"/>
-          </a:lnRef>
-          <a:fillRef idx="0">
-            <a:scrgbClr r="0" g="0" b="0"/>
-          </a:fillRef>
-          <a:effectRef idx="0">
-            <a:scrgbClr r="0" g="0" b="0"/>
-          </a:effectRef>
-          <a:fontRef idx="minor"/>
-        </p:style>
-        <p:txBody>
-          <a:bodyPr lIns="90000" tIns="45000" rIns="90000" bIns="45000">
-            <a:spAutoFit/>
-          </a:bodyPr>
-          <a:lstStyle/>
-          <a:p>
-            <a:pPr>
-              <a:lnSpc>
-                <a:spcPct val="100000"/>
-              </a:lnSpc>
-            </a:pPr>
-            <a:r>
-              <a:rPr lang="en-US" sz="1800" b="0" strike="noStrike" spc="-1">
-                <a:solidFill>
-                  <a:srgbClr val="DCDDDE"/>
-                </a:solidFill>
-                <a:latin typeface="Fira Sans Condensed Light"/>
-                <a:ea typeface="Arial"/>
-              </a:rPr>
-              <a:t>Our dataset consists of several rs numbers containing the genotypes of each member</a:t>
-            </a:r>
-            <a:endParaRPr lang="en-US" sz="1800" b="0" strike="noStrike" spc="-1">
-              <a:latin typeface="Arial"/>
-            </a:endParaRPr>
-          </a:p>
-        </p:txBody>
-      </p:sp>
+        </p:nvPicPr>
+        <p:blipFill>
+          <a:blip r:embed="rId3" cstate="print">
+            <a:extLst>
+              <a:ext uri="{28A0092B-C50C-407E-A947-70E740481C1C}">
+                <a14:useLocalDpi xmlns:a14="http://schemas.microsoft.com/office/drawing/2010/main" val="0"/>
+              </a:ext>
+            </a:extLst>
+          </a:blip>
+          <a:stretch>
+            <a:fillRect/>
+          </a:stretch>
+        </p:blipFill>
+        <p:spPr>
+          <a:xfrm>
+            <a:off x="4227710" y="1018478"/>
+            <a:ext cx="4415884" cy="3887684"/>
+          </a:xfrm>
+          <a:prstGeom prst="rect">
+            <a:avLst/>
+          </a:prstGeom>
+        </p:spPr>
+      </p:pic>
     </p:spTree>
+    <p:extLst>
+      <p:ext uri="{BB962C8B-B14F-4D97-AF65-F5344CB8AC3E}">
+        <p14:creationId xmlns:p14="http://schemas.microsoft.com/office/powerpoint/2010/main" val="1513932796"/>
+      </p:ext>
+    </p:extLst>
   </p:cSld>
   <p:clrMapOvr>
     <a:masterClrMapping/>
   </p:clrMapOvr>
-  <p:transition spd="slow">
-    <p:push dir="u"/>
-  </p:transition>
 </p:sld>
 </file>
 
@@ -10629,14 +10760,14 @@
       </p:grpSpPr>
       <p:sp>
         <p:nvSpPr>
-          <p:cNvPr id="223" name="CustomShape 1"/>
+          <p:cNvPr id="218" name="CustomShape 1"/>
           <p:cNvSpPr/>
           <p:nvPr/>
         </p:nvSpPr>
         <p:spPr>
           <a:xfrm>
-            <a:off x="585720" y="221760"/>
-            <a:ext cx="7293600" cy="635760"/>
+            <a:off x="458320" y="75711"/>
+            <a:ext cx="5194440" cy="635760"/>
           </a:xfrm>
           <a:prstGeom prst="rect">
             <a:avLst/>
@@ -10673,16 +10804,16 @@
               </a:tabLst>
             </a:pPr>
             <a:r>
-              <a:rPr lang="en-US" sz="3200" b="1" strike="noStrike" spc="-1">
+              <a:rPr lang="en-US" sz="3200" b="1" strike="noStrike" spc="-1" dirty="0">
                 <a:solidFill>
                   <a:srgbClr val="F3F3F3"/>
                 </a:solidFill>
                 <a:latin typeface="Rajdhani"/>
                 <a:ea typeface="Fira Sans Condensed Light"/>
               </a:rPr>
-              <a:t>Data design (database &amp; dataset) (cont.)</a:t>
+              <a:t>Class diagram:</a:t>
             </a:r>
-            <a:endParaRPr lang="en-US" sz="3200" b="0" strike="noStrike" spc="-1">
+            <a:endParaRPr lang="en-US" sz="3200" b="0" strike="noStrike" spc="-1" dirty="0">
               <a:latin typeface="Arial"/>
             </a:endParaRPr>
           </a:p>
@@ -10690,25 +10821,38 @@
       </p:sp>
       <p:pic>
         <p:nvPicPr>
-          <p:cNvPr id="224" name="Picture 4"/>
-          <p:cNvPicPr/>
+          <p:cNvPr id="4" name="Picture 3">
+            <a:extLst>
+              <a:ext uri="{FF2B5EF4-FFF2-40B4-BE49-F238E27FC236}">
+                <a16:creationId xmlns:a16="http://schemas.microsoft.com/office/drawing/2014/main" id="{BAED9176-6B4C-4AC7-B47C-FDF1CBDE1CFE}"/>
+              </a:ext>
+            </a:extLst>
+          </p:cNvPr>
+          <p:cNvPicPr>
+            <a:picLocks noChangeAspect="1"/>
+          </p:cNvPicPr>
           <p:nvPr/>
         </p:nvPicPr>
         <p:blipFill>
-          <a:blip r:embed="rId2"/>
-          <a:stretch/>
+          <a:blip r:embed="rId2" cstate="print">
+            <a:extLst>
+              <a:ext uri="{28A0092B-C50C-407E-A947-70E740481C1C}">
+                <a14:useLocalDpi xmlns:a14="http://schemas.microsoft.com/office/drawing/2010/main" val="0"/>
+              </a:ext>
+            </a:extLst>
+          </a:blip>
+          <a:stretch>
+            <a:fillRect/>
+          </a:stretch>
         </p:blipFill>
         <p:spPr>
           <a:xfrm>
-            <a:off x="869760" y="1129320"/>
-            <a:ext cx="7167240" cy="3791520"/>
-          </a:xfrm>
-          <a:prstGeom prst="rect">
-            <a:avLst/>
-          </a:prstGeom>
-          <a:ln>
-            <a:noFill/>
-          </a:ln>
+            <a:off x="458320" y="711471"/>
+            <a:ext cx="8088352" cy="4255816"/>
+          </a:xfrm>
+          <a:prstGeom prst="rect">
+            <a:avLst/>
+          </a:prstGeom>
         </p:spPr>
       </p:pic>
     </p:spTree>
@@ -12169,7 +12313,7 @@
               <a:buChar char="•"/>
             </a:pPr>
             <a:r>
-              <a:rPr lang="en-US" sz="2000" b="0" strike="noStrike" spc="-1" dirty="0" smtClean="0">
+              <a:rPr lang="en-US" sz="2000" b="0" strike="noStrike" spc="-1" dirty="0">
                 <a:solidFill>
                   <a:schemeClr val="bg1"/>
                 </a:solidFill>
@@ -12177,12 +12321,6 @@
               </a:rPr>
               <a:t>System Overview</a:t>
             </a:r>
-            <a:endParaRPr lang="en-US" sz="2000" b="0" strike="noStrike" spc="-1" dirty="0">
-              <a:solidFill>
-                <a:schemeClr val="bg1"/>
-              </a:solidFill>
-              <a:latin typeface="Arial"/>
-            </a:endParaRPr>
           </a:p>
           <a:p>
             <a:pPr marL="457200" indent="-297720">
@@ -12196,7 +12334,7 @@
               <a:buChar char="•"/>
             </a:pPr>
             <a:r>
-              <a:rPr lang="en-US" sz="2000" b="0" strike="noStrike" spc="-1" dirty="0" smtClean="0">
+              <a:rPr lang="en-US" sz="2000" b="0" strike="noStrike" spc="-1" dirty="0">
                 <a:solidFill>
                   <a:srgbClr val="F3F3F3"/>
                 </a:solidFill>
@@ -12221,7 +12359,7 @@
               <a:buChar char="•"/>
             </a:pPr>
             <a:r>
-              <a:rPr lang="en-US" sz="2000" b="0" strike="noStrike" spc="-1" dirty="0" smtClean="0">
+              <a:rPr lang="en-US" sz="2000" b="0" strike="noStrike" spc="-1" dirty="0">
                 <a:solidFill>
                   <a:srgbClr val="F3F3F3"/>
                 </a:solidFill>
@@ -12246,7 +12384,7 @@
               <a:buChar char="•"/>
             </a:pPr>
             <a:r>
-              <a:rPr lang="en-US" sz="2000" b="0" strike="noStrike" spc="-1" dirty="0" smtClean="0">
+              <a:rPr lang="en-US" sz="2000" b="0" strike="noStrike" spc="-1" dirty="0">
                 <a:solidFill>
                   <a:srgbClr val="F3F3F3"/>
                 </a:solidFill>
@@ -12268,7 +12406,7 @@
               <a:buChar char="•"/>
             </a:pPr>
             <a:r>
-              <a:rPr lang="en-US" sz="2000" spc="-1" dirty="0" smtClean="0">
+              <a:rPr lang="en-US" sz="2000" spc="-1" dirty="0">
                 <a:solidFill>
                   <a:schemeClr val="bg1"/>
                 </a:solidFill>
@@ -12288,7 +12426,7 @@
               <a:buChar char="•"/>
             </a:pPr>
             <a:r>
-              <a:rPr lang="en-US" sz="2000" b="0" strike="noStrike" spc="-1" dirty="0" smtClean="0">
+              <a:rPr lang="en-US" sz="2000" b="0" strike="noStrike" spc="-1" dirty="0">
                 <a:solidFill>
                   <a:schemeClr val="bg1"/>
                 </a:solidFill>
@@ -12309,7 +12447,7 @@
               <a:buChar char="•"/>
             </a:pPr>
             <a:r>
-              <a:rPr lang="en-US" sz="2000" spc="-1" dirty="0" smtClean="0">
+              <a:rPr lang="en-US" sz="2000" spc="-1" dirty="0">
                 <a:solidFill>
                   <a:schemeClr val="bg1"/>
                 </a:solidFill>
@@ -12464,9 +12602,6 @@
                 <a:spcPct val="100000"/>
               </a:lnSpc>
             </a:pPr>
-            <a:r>
-              <a:t/>
-            </a:r>
             <a:br/>
             <a:r>
               <a:rPr lang="en-US" sz="1400" b="0" strike="noStrike" spc="-1">
@@ -14659,17 +14794,7 @@
                 <a:latin typeface="Rajdhani"/>
                 <a:ea typeface="Fira Sans Condensed Light"/>
               </a:rPr>
-              <a:t>Use Case </a:t>
-            </a:r>
-            <a:r>
-              <a:rPr lang="en-US" sz="2000" b="1" strike="noStrike" spc="-1" dirty="0" smtClean="0">
-                <a:solidFill>
-                  <a:srgbClr val="F3F3F3"/>
-                </a:solidFill>
-                <a:latin typeface="Rajdhani"/>
-                <a:ea typeface="Fira Sans Condensed Light"/>
-              </a:rPr>
-              <a:t>Diagram</a:t>
+              <a:t>Use Case Diagram:</a:t>
             </a:r>
             <a:endParaRPr lang="en-US" sz="2000" b="0" strike="noStrike" spc="-1" dirty="0">
               <a:latin typeface="Arial"/>
@@ -14807,17 +14932,7 @@
                 <a:latin typeface="Fira Sans Condensed Light"/>
                 <a:ea typeface="Fira Sans Condensed Light"/>
               </a:rPr>
-              <a:t>The user can see which alleles are different if it was proven wrong</a:t>
-            </a:r>
-            <a:r>
-              <a:rPr lang="en-US" sz="1800" b="0" strike="noStrike" spc="-1" dirty="0" smtClean="0">
-                <a:solidFill>
-                  <a:srgbClr val="F3F3F3"/>
-                </a:solidFill>
-                <a:latin typeface="Fira Sans Condensed Light"/>
-                <a:ea typeface="Fira Sans Condensed Light"/>
-              </a:rPr>
-              <a:t>. </a:t>
+              <a:t>The user can see which alleles are different if it was proven wrong. </a:t>
             </a:r>
           </a:p>
           <a:p>
@@ -14832,7 +14947,7 @@
               <a:buChar char="•"/>
             </a:pPr>
             <a:r>
-              <a:rPr lang="en-US" spc="-1" dirty="0" smtClean="0">
+              <a:rPr lang="en-US" spc="-1" dirty="0">
                 <a:solidFill>
                   <a:srgbClr val="F3F3F3"/>
                 </a:solidFill>

--- a/E-Genetics/presentations/new presentation.pptx
+++ b/E-Genetics/presentations/new presentation.pptx
@@ -153,6 +153,9 @@
   <p:clrMapOvr>
     <a:masterClrMapping/>
   </p:clrMapOvr>
+  <p:transition spd="slow">
+    <p:push dir="u"/>
+  </p:transition>
 </p:sldLayout>
 </file>
 
@@ -272,6 +275,9 @@
   <p:clrMapOvr>
     <a:masterClrMapping/>
   </p:clrMapOvr>
+  <p:transition spd="slow">
+    <p:push dir="u"/>
+  </p:transition>
 </p:sldLayout>
 </file>
 
@@ -453,6 +459,9 @@
   <p:clrMapOvr>
     <a:masterClrMapping/>
   </p:clrMapOvr>
+  <p:transition spd="slow">
+    <p:push dir="u"/>
+  </p:transition>
 </p:sldLayout>
 </file>
 
@@ -696,6 +705,9 @@
   <p:clrMapOvr>
     <a:masterClrMapping/>
   </p:clrMapOvr>
+  <p:transition spd="slow">
+    <p:push dir="u"/>
+  </p:transition>
 </p:sldLayout>
 </file>
 
@@ -721,6 +733,9 @@
   <p:clrMapOvr>
     <a:masterClrMapping/>
   </p:clrMapOvr>
+  <p:transition spd="slow">
+    <p:push dir="u"/>
+  </p:transition>
 </p:sldLayout>
 </file>
 
@@ -810,6 +825,9 @@
   <p:clrMapOvr>
     <a:masterClrMapping/>
   </p:clrMapOvr>
+  <p:transition spd="slow">
+    <p:push dir="u"/>
+  </p:transition>
 </p:sldLayout>
 </file>
 
@@ -898,6 +916,9 @@
   <p:clrMapOvr>
     <a:masterClrMapping/>
   </p:clrMapOvr>
+  <p:transition spd="slow">
+    <p:push dir="u"/>
+  </p:transition>
 </p:sldLayout>
 </file>
 
@@ -1017,6 +1038,9 @@
   <p:clrMapOvr>
     <a:masterClrMapping/>
   </p:clrMapOvr>
+  <p:transition spd="slow">
+    <p:push dir="u"/>
+  </p:transition>
 </p:sldLayout>
 </file>
 
@@ -1074,6 +1098,9 @@
   <p:clrMapOvr>
     <a:masterClrMapping/>
   </p:clrMapOvr>
+  <p:transition spd="slow">
+    <p:push dir="u"/>
+  </p:transition>
 </p:sldLayout>
 </file>
 
@@ -1131,6 +1158,9 @@
   <p:clrMapOvr>
     <a:masterClrMapping/>
   </p:clrMapOvr>
+  <p:transition spd="slow">
+    <p:push dir="u"/>
+  </p:transition>
 </p:sldLayout>
 </file>
 
@@ -1281,6 +1311,9 @@
   <p:clrMapOvr>
     <a:masterClrMapping/>
   </p:clrMapOvr>
+  <p:transition spd="slow">
+    <p:push dir="u"/>
+  </p:transition>
 </p:sldLayout>
 </file>
 
@@ -1370,6 +1403,9 @@
   <p:clrMapOvr>
     <a:masterClrMapping/>
   </p:clrMapOvr>
+  <p:transition spd="slow">
+    <p:push dir="u"/>
+  </p:transition>
 </p:sldLayout>
 </file>
 
@@ -1520,6 +1556,9 @@
   <p:clrMapOvr>
     <a:masterClrMapping/>
   </p:clrMapOvr>
+  <p:transition spd="slow">
+    <p:push dir="u"/>
+  </p:transition>
 </p:sldLayout>
 </file>
 
@@ -1670,6 +1709,9 @@
   <p:clrMapOvr>
     <a:masterClrMapping/>
   </p:clrMapOvr>
+  <p:transition spd="slow">
+    <p:push dir="u"/>
+  </p:transition>
 </p:sldLayout>
 </file>
 
@@ -1789,6 +1831,9 @@
   <p:clrMapOvr>
     <a:masterClrMapping/>
   </p:clrMapOvr>
+  <p:transition spd="slow">
+    <p:push dir="u"/>
+  </p:transition>
 </p:sldLayout>
 </file>
 
@@ -1970,6 +2015,9 @@
   <p:clrMapOvr>
     <a:masterClrMapping/>
   </p:clrMapOvr>
+  <p:transition spd="slow">
+    <p:push dir="u"/>
+  </p:transition>
 </p:sldLayout>
 </file>
 
@@ -2213,6 +2261,9 @@
   <p:clrMapOvr>
     <a:masterClrMapping/>
   </p:clrMapOvr>
+  <p:transition spd="slow">
+    <p:push dir="u"/>
+  </p:transition>
 </p:sldLayout>
 </file>
 
@@ -2238,6 +2289,9 @@
   <p:clrMapOvr>
     <a:masterClrMapping/>
   </p:clrMapOvr>
+  <p:transition spd="slow">
+    <p:push dir="u"/>
+  </p:transition>
 </p:sldLayout>
 </file>
 
@@ -2327,6 +2381,9 @@
   <p:clrMapOvr>
     <a:masterClrMapping/>
   </p:clrMapOvr>
+  <p:transition spd="slow">
+    <p:push dir="u"/>
+  </p:transition>
 </p:sldLayout>
 </file>
 
@@ -2415,6 +2472,9 @@
   <p:clrMapOvr>
     <a:masterClrMapping/>
   </p:clrMapOvr>
+  <p:transition spd="slow">
+    <p:push dir="u"/>
+  </p:transition>
 </p:sldLayout>
 </file>
 
@@ -2534,6 +2594,9 @@
   <p:clrMapOvr>
     <a:masterClrMapping/>
   </p:clrMapOvr>
+  <p:transition spd="slow">
+    <p:push dir="u"/>
+  </p:transition>
 </p:sldLayout>
 </file>
 
@@ -2591,6 +2654,9 @@
   <p:clrMapOvr>
     <a:masterClrMapping/>
   </p:clrMapOvr>
+  <p:transition spd="slow">
+    <p:push dir="u"/>
+  </p:transition>
 </p:sldLayout>
 </file>
 
@@ -2679,6 +2745,9 @@
   <p:clrMapOvr>
     <a:masterClrMapping/>
   </p:clrMapOvr>
+  <p:transition spd="slow">
+    <p:push dir="u"/>
+  </p:transition>
 </p:sldLayout>
 </file>
 
@@ -2736,6 +2805,9 @@
   <p:clrMapOvr>
     <a:masterClrMapping/>
   </p:clrMapOvr>
+  <p:transition spd="slow">
+    <p:push dir="u"/>
+  </p:transition>
 </p:sldLayout>
 </file>
 
@@ -2886,6 +2958,9 @@
   <p:clrMapOvr>
     <a:masterClrMapping/>
   </p:clrMapOvr>
+  <p:transition spd="slow">
+    <p:push dir="u"/>
+  </p:transition>
 </p:sldLayout>
 </file>
 
@@ -3036,6 +3111,9 @@
   <p:clrMapOvr>
     <a:masterClrMapping/>
   </p:clrMapOvr>
+  <p:transition spd="slow">
+    <p:push dir="u"/>
+  </p:transition>
 </p:sldLayout>
 </file>
 
@@ -3186,6 +3264,9 @@
   <p:clrMapOvr>
     <a:masterClrMapping/>
   </p:clrMapOvr>
+  <p:transition spd="slow">
+    <p:push dir="u"/>
+  </p:transition>
 </p:sldLayout>
 </file>
 
@@ -3305,6 +3386,9 @@
   <p:clrMapOvr>
     <a:masterClrMapping/>
   </p:clrMapOvr>
+  <p:transition spd="slow">
+    <p:push dir="u"/>
+  </p:transition>
 </p:sldLayout>
 </file>
 
@@ -3486,6 +3570,9 @@
   <p:clrMapOvr>
     <a:masterClrMapping/>
   </p:clrMapOvr>
+  <p:transition spd="slow">
+    <p:push dir="u"/>
+  </p:transition>
 </p:sldLayout>
 </file>
 
@@ -3729,6 +3816,9 @@
   <p:clrMapOvr>
     <a:masterClrMapping/>
   </p:clrMapOvr>
+  <p:transition spd="slow">
+    <p:push dir="u"/>
+  </p:transition>
 </p:sldLayout>
 </file>
 
@@ -3754,6 +3844,9 @@
   <p:clrMapOvr>
     <a:masterClrMapping/>
   </p:clrMapOvr>
+  <p:transition spd="slow">
+    <p:push dir="u"/>
+  </p:transition>
 </p:sldLayout>
 </file>
 
@@ -3843,6 +3936,9 @@
   <p:clrMapOvr>
     <a:masterClrMapping/>
   </p:clrMapOvr>
+  <p:transition spd="slow">
+    <p:push dir="u"/>
+  </p:transition>
 </p:sldLayout>
 </file>
 
@@ -3931,6 +4027,9 @@
   <p:clrMapOvr>
     <a:masterClrMapping/>
   </p:clrMapOvr>
+  <p:transition spd="slow">
+    <p:push dir="u"/>
+  </p:transition>
 </p:sldLayout>
 </file>
 
@@ -4050,6 +4149,9 @@
   <p:clrMapOvr>
     <a:masterClrMapping/>
   </p:clrMapOvr>
+  <p:transition spd="slow">
+    <p:push dir="u"/>
+  </p:transition>
 </p:sldLayout>
 </file>
 
@@ -4169,6 +4271,9 @@
   <p:clrMapOvr>
     <a:masterClrMapping/>
   </p:clrMapOvr>
+  <p:transition spd="slow">
+    <p:push dir="u"/>
+  </p:transition>
 </p:sldLayout>
 </file>
 
@@ -4226,6 +4331,9 @@
   <p:clrMapOvr>
     <a:masterClrMapping/>
   </p:clrMapOvr>
+  <p:transition spd="slow">
+    <p:push dir="u"/>
+  </p:transition>
 </p:sldLayout>
 </file>
 
@@ -4283,6 +4391,9 @@
   <p:clrMapOvr>
     <a:masterClrMapping/>
   </p:clrMapOvr>
+  <p:transition spd="slow">
+    <p:push dir="u"/>
+  </p:transition>
 </p:sldLayout>
 </file>
 
@@ -4433,6 +4544,9 @@
   <p:clrMapOvr>
     <a:masterClrMapping/>
   </p:clrMapOvr>
+  <p:transition spd="slow">
+    <p:push dir="u"/>
+  </p:transition>
 </p:sldLayout>
 </file>
 
@@ -4583,6 +4697,9 @@
   <p:clrMapOvr>
     <a:masterClrMapping/>
   </p:clrMapOvr>
+  <p:transition spd="slow">
+    <p:push dir="u"/>
+  </p:transition>
 </p:sldLayout>
 </file>
 
@@ -4733,6 +4850,9 @@
   <p:clrMapOvr>
     <a:masterClrMapping/>
   </p:clrMapOvr>
+  <p:transition spd="slow">
+    <p:push dir="u"/>
+  </p:transition>
 </p:sldLayout>
 </file>
 
@@ -4852,6 +4972,9 @@
   <p:clrMapOvr>
     <a:masterClrMapping/>
   </p:clrMapOvr>
+  <p:transition spd="slow">
+    <p:push dir="u"/>
+  </p:transition>
 </p:sldLayout>
 </file>
 
@@ -5033,6 +5156,9 @@
   <p:clrMapOvr>
     <a:masterClrMapping/>
   </p:clrMapOvr>
+  <p:transition spd="slow">
+    <p:push dir="u"/>
+  </p:transition>
 </p:sldLayout>
 </file>
 
@@ -5276,6 +5402,9 @@
   <p:clrMapOvr>
     <a:masterClrMapping/>
   </p:clrMapOvr>
+  <p:transition spd="slow">
+    <p:push dir="u"/>
+  </p:transition>
 </p:sldLayout>
 </file>
 
@@ -5301,6 +5430,9 @@
   <p:clrMapOvr>
     <a:masterClrMapping/>
   </p:clrMapOvr>
+  <p:transition spd="slow">
+    <p:push dir="u"/>
+  </p:transition>
 </p:sldLayout>
 </file>
 
@@ -5358,6 +5490,9 @@
   <p:clrMapOvr>
     <a:masterClrMapping/>
   </p:clrMapOvr>
+  <p:transition spd="slow">
+    <p:push dir="u"/>
+  </p:transition>
 </p:sldLayout>
 </file>
 
@@ -5447,6 +5582,9 @@
   <p:clrMapOvr>
     <a:masterClrMapping/>
   </p:clrMapOvr>
+  <p:transition spd="slow">
+    <p:push dir="u"/>
+  </p:transition>
 </p:sldLayout>
 </file>
 
@@ -5535,6 +5673,9 @@
   <p:clrMapOvr>
     <a:masterClrMapping/>
   </p:clrMapOvr>
+  <p:transition spd="slow">
+    <p:push dir="u"/>
+  </p:transition>
 </p:sldLayout>
 </file>
 
@@ -5654,6 +5795,9 @@
   <p:clrMapOvr>
     <a:masterClrMapping/>
   </p:clrMapOvr>
+  <p:transition spd="slow">
+    <p:push dir="u"/>
+  </p:transition>
 </p:sldLayout>
 </file>
 
@@ -5711,6 +5855,9 @@
   <p:clrMapOvr>
     <a:masterClrMapping/>
   </p:clrMapOvr>
+  <p:transition spd="slow">
+    <p:push dir="u"/>
+  </p:transition>
 </p:sldLayout>
 </file>
 
@@ -5768,6 +5915,9 @@
   <p:clrMapOvr>
     <a:masterClrMapping/>
   </p:clrMapOvr>
+  <p:transition spd="slow">
+    <p:push dir="u"/>
+  </p:transition>
 </p:sldLayout>
 </file>
 
@@ -5918,6 +6068,9 @@
   <p:clrMapOvr>
     <a:masterClrMapping/>
   </p:clrMapOvr>
+  <p:transition spd="slow">
+    <p:push dir="u"/>
+  </p:transition>
 </p:sldLayout>
 </file>
 
@@ -6068,6 +6221,9 @@
   <p:clrMapOvr>
     <a:masterClrMapping/>
   </p:clrMapOvr>
+  <p:transition spd="slow">
+    <p:push dir="u"/>
+  </p:transition>
 </p:sldLayout>
 </file>
 
@@ -6218,6 +6374,9 @@
   <p:clrMapOvr>
     <a:masterClrMapping/>
   </p:clrMapOvr>
+  <p:transition spd="slow">
+    <p:push dir="u"/>
+  </p:transition>
 </p:sldLayout>
 </file>
 
@@ -6337,6 +6496,9 @@
   <p:clrMapOvr>
     <a:masterClrMapping/>
   </p:clrMapOvr>
+  <p:transition spd="slow">
+    <p:push dir="u"/>
+  </p:transition>
 </p:sldLayout>
 </file>
 
@@ -6518,6 +6680,9 @@
   <p:clrMapOvr>
     <a:masterClrMapping/>
   </p:clrMapOvr>
+  <p:transition spd="slow">
+    <p:push dir="u"/>
+  </p:transition>
 </p:sldLayout>
 </file>
 
@@ -6575,6 +6740,9 @@
   <p:clrMapOvr>
     <a:masterClrMapping/>
   </p:clrMapOvr>
+  <p:transition spd="slow">
+    <p:push dir="u"/>
+  </p:transition>
 </p:sldLayout>
 </file>
 
@@ -6818,6 +6986,9 @@
   <p:clrMapOvr>
     <a:masterClrMapping/>
   </p:clrMapOvr>
+  <p:transition spd="slow">
+    <p:push dir="u"/>
+  </p:transition>
 </p:sldLayout>
 </file>
 
@@ -6968,6 +7139,9 @@
   <p:clrMapOvr>
     <a:masterClrMapping/>
   </p:clrMapOvr>
+  <p:transition spd="slow">
+    <p:push dir="u"/>
+  </p:transition>
 </p:sldLayout>
 </file>
 
@@ -7118,6 +7292,9 @@
   <p:clrMapOvr>
     <a:masterClrMapping/>
   </p:clrMapOvr>
+  <p:transition spd="slow">
+    <p:push dir="u"/>
+  </p:transition>
 </p:sldLayout>
 </file>
 
@@ -7268,6 +7445,9 @@
   <p:clrMapOvr>
     <a:masterClrMapping/>
   </p:clrMapOvr>
+  <p:transition spd="slow">
+    <p:push dir="u"/>
+  </p:transition>
 </p:sldLayout>
 </file>
 
@@ -7509,6 +7689,9 @@
     <p:sldLayoutId id="2147483659" r:id="rId11"/>
     <p:sldLayoutId id="2147483660" r:id="rId12"/>
   </p:sldLayoutIdLst>
+  <p:transition spd="slow">
+    <p:push dir="u"/>
+  </p:transition>
   <p:txStyles>
     <p:titleStyle>
       <a:lvl1pPr algn="l" defTabSz="914400" rtl="0" eaLnBrk="1" latinLnBrk="0" hangingPunct="1">
@@ -8030,6 +8213,9 @@
     <p:sldLayoutId id="2147483672" r:id="rId11"/>
     <p:sldLayoutId id="2147483673" r:id="rId12"/>
   </p:sldLayoutIdLst>
+  <p:transition spd="slow">
+    <p:push dir="u"/>
+  </p:transition>
   <p:txStyles>
     <p:titleStyle>
       <a:lvl1pPr algn="l" defTabSz="914400" rtl="0" eaLnBrk="1" latinLnBrk="0" hangingPunct="1">
@@ -8552,6 +8738,9 @@
     <p:sldLayoutId id="2147483685" r:id="rId11"/>
     <p:sldLayoutId id="2147483686" r:id="rId12"/>
   </p:sldLayoutIdLst>
+  <p:transition spd="slow">
+    <p:push dir="u"/>
+  </p:transition>
   <p:txStyles>
     <p:titleStyle>
       <a:lvl1pPr algn="l" defTabSz="914400" rtl="0" eaLnBrk="1" latinLnBrk="0" hangingPunct="1">
@@ -9074,6 +9263,9 @@
     <p:sldLayoutId id="2147483698" r:id="rId11"/>
     <p:sldLayoutId id="2147483699" r:id="rId12"/>
   </p:sldLayoutIdLst>
+  <p:transition spd="slow">
+    <p:push dir="u"/>
+  </p:transition>
   <p:txStyles>
     <p:titleStyle>
       <a:lvl1pPr algn="l" defTabSz="914400" rtl="0" eaLnBrk="1" latinLnBrk="0" hangingPunct="1">
@@ -9596,6 +9788,9 @@
     <p:sldLayoutId id="2147483711" r:id="rId11"/>
     <p:sldLayoutId id="2147483712" r:id="rId12"/>
   </p:sldLayoutIdLst>
+  <p:transition spd="slow">
+    <p:push dir="u"/>
+  </p:transition>
   <p:txStyles>
     <p:titleStyle>
       <a:lvl1pPr algn="l" defTabSz="914400" rtl="0" eaLnBrk="1" latinLnBrk="0" hangingPunct="1">
@@ -10597,6 +10792,9 @@
   <p:clrMapOvr>
     <a:masterClrMapping/>
   </p:clrMapOvr>
+  <p:transition spd="slow">
+    <p:push dir="u"/>
+  </p:transition>
 </p:sld>
 </file>
 
@@ -10738,6 +10936,9 @@
   <p:clrMapOvr>
     <a:masterClrMapping/>
   </p:clrMapOvr>
+  <p:transition spd="slow">
+    <p:push dir="u"/>
+  </p:transition>
 </p:sld>
 </file>
 
@@ -12317,7 +12518,7 @@
                 <a:solidFill>
                   <a:schemeClr val="bg1"/>
                 </a:solidFill>
-                <a:latin typeface="Arial"/>
+                <a:latin typeface="Fira Sans Condensed Light" panose="020B0403050000020004" pitchFamily="34" charset="0"/>
               </a:rPr>
               <a:t>System Overview</a:t>
             </a:r>
@@ -12410,6 +12611,8 @@
                 <a:solidFill>
                   <a:schemeClr val="bg1"/>
                 </a:solidFill>
+                <a:latin typeface="Fira Sans Condensed Light" panose="020B0403050000020004" pitchFamily="34" charset="0"/>
+                <a:cs typeface="+mj-cs"/>
               </a:rPr>
               <a:t>Data Design</a:t>
             </a:r>
@@ -12430,7 +12633,7 @@
                 <a:solidFill>
                   <a:schemeClr val="bg1"/>
                 </a:solidFill>
-                <a:latin typeface="Arial"/>
+                <a:latin typeface="Fira Sans Condensed Light" panose="020B0403050000020004" pitchFamily="34" charset="0"/>
               </a:rPr>
               <a:t>Experimental Result</a:t>
             </a:r>
@@ -12451,7 +12654,7 @@
                 <a:solidFill>
                   <a:schemeClr val="bg1"/>
                 </a:solidFill>
-                <a:latin typeface="Arial"/>
+                <a:latin typeface="Fira Sans Condensed Light" panose="020B0403050000020004" pitchFamily="34" charset="0"/>
               </a:rPr>
               <a:t>Time Plan</a:t>
             </a:r>
@@ -12459,7 +12662,7 @@
               <a:solidFill>
                 <a:schemeClr val="bg1"/>
               </a:solidFill>
-              <a:latin typeface="Arial"/>
+              <a:latin typeface="Fira Sans Condensed Light" panose="020B0403050000020004" pitchFamily="34" charset="0"/>
             </a:endParaRPr>
           </a:p>
           <a:p>
@@ -12562,185 +12765,6 @@
       </p:grpSpPr>
       <p:sp>
         <p:nvSpPr>
-          <p:cNvPr id="195" name="CustomShape 1"/>
-          <p:cNvSpPr/>
-          <p:nvPr/>
-        </p:nvSpPr>
-        <p:spPr>
-          <a:xfrm>
-            <a:off x="539640" y="1149840"/>
-            <a:ext cx="4571280" cy="3347640"/>
-          </a:xfrm>
-          <a:prstGeom prst="rect">
-            <a:avLst/>
-          </a:prstGeom>
-          <a:noFill/>
-          <a:ln>
-            <a:noFill/>
-          </a:ln>
-        </p:spPr>
-        <p:style>
-          <a:lnRef idx="0">
-            <a:scrgbClr r="0" g="0" b="0"/>
-          </a:lnRef>
-          <a:fillRef idx="0">
-            <a:scrgbClr r="0" g="0" b="0"/>
-          </a:fillRef>
-          <a:effectRef idx="0">
-            <a:scrgbClr r="0" g="0" b="0"/>
-          </a:effectRef>
-          <a:fontRef idx="minor"/>
-        </p:style>
-        <p:txBody>
-          <a:bodyPr lIns="90000" tIns="45000" rIns="90000" bIns="45000">
-            <a:spAutoFit/>
-          </a:bodyPr>
-          <a:lstStyle/>
-          <a:p>
-            <a:pPr>
-              <a:lnSpc>
-                <a:spcPct val="100000"/>
-              </a:lnSpc>
-            </a:pPr>
-            <a:br/>
-            <a:r>
-              <a:rPr lang="en-US" sz="1400" b="0" strike="noStrike" spc="-1">
-                <a:solidFill>
-                  <a:srgbClr val="FFFFFF"/>
-                </a:solidFill>
-                <a:latin typeface="Fira Sans Condensed Light"/>
-                <a:ea typeface="Arial"/>
-              </a:rPr>
-              <a:t>DNA</a:t>
-            </a:r>
-            <a:endParaRPr lang="en-US" sz="1400" b="0" strike="noStrike" spc="-1">
-              <a:latin typeface="Arial"/>
-            </a:endParaRPr>
-          </a:p>
-          <a:p>
-            <a:pPr>
-              <a:lnSpc>
-                <a:spcPct val="100000"/>
-              </a:lnSpc>
-            </a:pPr>
-            <a:r>
-              <a:rPr lang="en-US" sz="1400" b="0" strike="noStrike" spc="-1">
-                <a:solidFill>
-                  <a:srgbClr val="F3F3F3"/>
-                </a:solidFill>
-                <a:latin typeface="Arial"/>
-                <a:ea typeface="Arial"/>
-              </a:rPr>
-              <a:t>DNA molecules allow this information to be passed from one generation to the next.</a:t>
-            </a:r>
-            <a:r>
-              <a:rPr lang="en-US" sz="1400" b="0" strike="noStrike" spc="-1">
-                <a:solidFill>
-                  <a:srgbClr val="F3F3F3"/>
-                </a:solidFill>
-                <a:latin typeface="Fira Sans Condensed Light"/>
-                <a:ea typeface="Arial"/>
-              </a:rPr>
-              <a:t> </a:t>
-            </a:r>
-            <a:endParaRPr lang="en-US" sz="1400" b="0" strike="noStrike" spc="-1">
-              <a:latin typeface="Arial"/>
-            </a:endParaRPr>
-          </a:p>
-          <a:p>
-            <a:pPr>
-              <a:lnSpc>
-                <a:spcPct val="100000"/>
-              </a:lnSpc>
-            </a:pPr>
-            <a:endParaRPr lang="en-US" sz="1400" b="0" strike="noStrike" spc="-1">
-              <a:latin typeface="Arial"/>
-            </a:endParaRPr>
-          </a:p>
-          <a:p>
-            <a:pPr>
-              <a:lnSpc>
-                <a:spcPct val="100000"/>
-              </a:lnSpc>
-            </a:pPr>
-            <a:endParaRPr lang="en-US" sz="1400" b="0" strike="noStrike" spc="-1">
-              <a:latin typeface="Arial"/>
-            </a:endParaRPr>
-          </a:p>
-          <a:p>
-            <a:pPr>
-              <a:lnSpc>
-                <a:spcPct val="100000"/>
-              </a:lnSpc>
-            </a:pPr>
-            <a:endParaRPr lang="en-US" sz="1400" b="0" strike="noStrike" spc="-1">
-              <a:latin typeface="Arial"/>
-            </a:endParaRPr>
-          </a:p>
-          <a:p>
-            <a:pPr>
-              <a:lnSpc>
-                <a:spcPct val="100000"/>
-              </a:lnSpc>
-            </a:pPr>
-            <a:r>
-              <a:rPr lang="en-US" sz="1400" b="0" strike="noStrike" spc="-1">
-                <a:solidFill>
-                  <a:srgbClr val="FFFFFF"/>
-                </a:solidFill>
-                <a:latin typeface="Fira Sans Condensed Light"/>
-                <a:ea typeface="Arial"/>
-              </a:rPr>
-              <a:t>Genes →Genes are passed from parents to offspring and contain the information needed to specify traits(qualities). Genes contains a subset of the DNA and this subset is (A, T, C, G).  </a:t>
-            </a:r>
-            <a:endParaRPr lang="en-US" sz="1400" b="0" strike="noStrike" spc="-1">
-              <a:latin typeface="Arial"/>
-            </a:endParaRPr>
-          </a:p>
-          <a:p>
-            <a:pPr>
-              <a:lnSpc>
-                <a:spcPct val="100000"/>
-              </a:lnSpc>
-            </a:pPr>
-            <a:endParaRPr lang="en-US" sz="1400" b="0" strike="noStrike" spc="-1">
-              <a:latin typeface="Arial"/>
-            </a:endParaRPr>
-          </a:p>
-          <a:p>
-            <a:pPr>
-              <a:lnSpc>
-                <a:spcPct val="100000"/>
-              </a:lnSpc>
-            </a:pPr>
-            <a:endParaRPr lang="en-US" sz="1400" b="0" strike="noStrike" spc="-1">
-              <a:latin typeface="Arial"/>
-            </a:endParaRPr>
-          </a:p>
-          <a:p>
-            <a:pPr>
-              <a:lnSpc>
-                <a:spcPct val="100000"/>
-              </a:lnSpc>
-            </a:pPr>
-            <a:endParaRPr lang="en-US" sz="1400" b="0" strike="noStrike" spc="-1">
-              <a:latin typeface="Arial"/>
-            </a:endParaRPr>
-          </a:p>
-          <a:p>
-            <a:pPr>
-              <a:lnSpc>
-                <a:spcPct val="100000"/>
-              </a:lnSpc>
-            </a:pPr>
-            <a:endParaRPr lang="en-US" sz="1400" b="0" strike="noStrike" spc="-1">
-              <a:latin typeface="Arial"/>
-            </a:endParaRPr>
-          </a:p>
-        </p:txBody>
-      </p:sp>
-      <p:sp>
-        <p:nvSpPr>
           <p:cNvPr id="196" name="CustomShape 2"/>
           <p:cNvSpPr/>
           <p:nvPr/>
@@ -12862,6 +12886,189 @@
           </a:effectLst>
         </p:spPr>
       </p:pic>
+      <p:sp>
+        <p:nvSpPr>
+          <p:cNvPr id="6" name="CustomShape 2">
+            <a:extLst>
+              <a:ext uri="{FF2B5EF4-FFF2-40B4-BE49-F238E27FC236}">
+                <a16:creationId xmlns:a16="http://schemas.microsoft.com/office/drawing/2014/main" id="{17B6BBC5-BC17-4C99-90A2-8163C93ADCB1}"/>
+              </a:ext>
+            </a:extLst>
+          </p:cNvPr>
+          <p:cNvSpPr/>
+          <p:nvPr/>
+        </p:nvSpPr>
+        <p:spPr>
+          <a:xfrm>
+            <a:off x="219466" y="1225800"/>
+            <a:ext cx="5571292" cy="2607556"/>
+          </a:xfrm>
+          <a:prstGeom prst="rect">
+            <a:avLst/>
+          </a:prstGeom>
+          <a:solidFill>
+            <a:srgbClr val="0C343D">
+              <a:alpha val="57000"/>
+            </a:srgbClr>
+          </a:solidFill>
+          <a:ln>
+            <a:noFill/>
+          </a:ln>
+        </p:spPr>
+        <p:style>
+          <a:lnRef idx="0">
+            <a:scrgbClr r="0" g="0" b="0"/>
+          </a:lnRef>
+          <a:fillRef idx="0">
+            <a:scrgbClr r="0" g="0" b="0"/>
+          </a:fillRef>
+          <a:effectRef idx="0">
+            <a:scrgbClr r="0" g="0" b="0"/>
+          </a:effectRef>
+          <a:fontRef idx="minor"/>
+        </p:style>
+        <p:txBody>
+          <a:bodyPr lIns="234000" tIns="234000" rIns="234000" bIns="91440">
+            <a:noAutofit/>
+          </a:bodyPr>
+          <a:lstStyle/>
+          <a:p>
+            <a:pPr>
+              <a:lnSpc>
+                <a:spcPct val="100000"/>
+              </a:lnSpc>
+            </a:pPr>
+            <a:br>
+              <a:rPr lang="en-US" sz="1400" dirty="0">
+                <a:latin typeface="Fira Sans Condensed Light" panose="020B0403050000020004" pitchFamily="34" charset="0"/>
+              </a:rPr>
+            </a:br>
+            <a:r>
+              <a:rPr lang="en-US" sz="1400" b="0" strike="noStrike" spc="-1" dirty="0">
+                <a:solidFill>
+                  <a:srgbClr val="FFFFFF"/>
+                </a:solidFill>
+                <a:latin typeface="Fira Sans Condensed Light" panose="020B0403050000020004" pitchFamily="34" charset="0"/>
+                <a:ea typeface="Arial"/>
+              </a:rPr>
+              <a:t>DNA</a:t>
+            </a:r>
+            <a:endParaRPr lang="en-US" sz="1400" b="0" strike="noStrike" spc="-1" dirty="0">
+              <a:latin typeface="Fira Sans Condensed Light" panose="020B0403050000020004" pitchFamily="34" charset="0"/>
+            </a:endParaRPr>
+          </a:p>
+          <a:p>
+            <a:pPr>
+              <a:lnSpc>
+                <a:spcPct val="100000"/>
+              </a:lnSpc>
+            </a:pPr>
+            <a:r>
+              <a:rPr lang="en-US" sz="1400" b="0" strike="noStrike" spc="-1" dirty="0">
+                <a:solidFill>
+                  <a:srgbClr val="F3F3F3"/>
+                </a:solidFill>
+                <a:latin typeface="Fira Sans Condensed Light" panose="020B0403050000020004" pitchFamily="34" charset="0"/>
+                <a:ea typeface="Arial"/>
+              </a:rPr>
+              <a:t>DNA molecules allow this information to be passed from one generation to the next. </a:t>
+            </a:r>
+            <a:endParaRPr lang="en-US" sz="1400" b="0" strike="noStrike" spc="-1" dirty="0">
+              <a:latin typeface="Fira Sans Condensed Light" panose="020B0403050000020004" pitchFamily="34" charset="0"/>
+            </a:endParaRPr>
+          </a:p>
+          <a:p>
+            <a:pPr>
+              <a:lnSpc>
+                <a:spcPct val="100000"/>
+              </a:lnSpc>
+            </a:pPr>
+            <a:endParaRPr lang="en-US" sz="1400" b="0" strike="noStrike" spc="-1" dirty="0">
+              <a:latin typeface="Fira Sans Condensed Light" panose="020B0403050000020004" pitchFamily="34" charset="0"/>
+            </a:endParaRPr>
+          </a:p>
+          <a:p>
+            <a:pPr>
+              <a:lnSpc>
+                <a:spcPct val="100000"/>
+              </a:lnSpc>
+            </a:pPr>
+            <a:endParaRPr lang="en-US" sz="1400" b="0" strike="noStrike" spc="-1" dirty="0">
+              <a:latin typeface="Fira Sans Condensed Light" panose="020B0403050000020004" pitchFamily="34" charset="0"/>
+            </a:endParaRPr>
+          </a:p>
+          <a:p>
+            <a:pPr>
+              <a:lnSpc>
+                <a:spcPct val="100000"/>
+              </a:lnSpc>
+            </a:pPr>
+            <a:endParaRPr lang="en-US" sz="1400" b="0" strike="noStrike" spc="-1" dirty="0">
+              <a:latin typeface="Fira Sans Condensed Light" panose="020B0403050000020004" pitchFamily="34" charset="0"/>
+            </a:endParaRPr>
+          </a:p>
+          <a:p>
+            <a:pPr>
+              <a:lnSpc>
+                <a:spcPct val="100000"/>
+              </a:lnSpc>
+            </a:pPr>
+            <a:r>
+              <a:rPr lang="en-US" sz="1400" b="0" strike="noStrike" spc="-1" dirty="0">
+                <a:solidFill>
+                  <a:srgbClr val="FFFFFF"/>
+                </a:solidFill>
+                <a:latin typeface="Fira Sans Condensed Light" panose="020B0403050000020004" pitchFamily="34" charset="0"/>
+                <a:ea typeface="Arial"/>
+              </a:rPr>
+              <a:t>Genes →Genes are passed from parents to offspring and contain the information needed to specify traits(qualities). Genes contains a subset of the DNA and this subset is (A, T, C, G).  </a:t>
+            </a:r>
+            <a:endParaRPr lang="en-US" sz="1400" b="0" strike="noStrike" spc="-1" dirty="0">
+              <a:latin typeface="Fira Sans Condensed Light" panose="020B0403050000020004" pitchFamily="34" charset="0"/>
+            </a:endParaRPr>
+          </a:p>
+          <a:p>
+            <a:pPr>
+              <a:lnSpc>
+                <a:spcPct val="100000"/>
+              </a:lnSpc>
+            </a:pPr>
+            <a:endParaRPr lang="en-US" sz="1400" b="0" strike="noStrike" spc="-1" dirty="0">
+              <a:latin typeface="Fira Sans Condensed Light" panose="020B0403050000020004" pitchFamily="34" charset="0"/>
+            </a:endParaRPr>
+          </a:p>
+          <a:p>
+            <a:pPr>
+              <a:lnSpc>
+                <a:spcPct val="100000"/>
+              </a:lnSpc>
+            </a:pPr>
+            <a:endParaRPr lang="en-US" sz="1400" b="0" strike="noStrike" spc="-1" dirty="0">
+              <a:latin typeface="Fira Sans Condensed Light" panose="020B0403050000020004" pitchFamily="34" charset="0"/>
+            </a:endParaRPr>
+          </a:p>
+          <a:p>
+            <a:pPr>
+              <a:lnSpc>
+                <a:spcPct val="100000"/>
+              </a:lnSpc>
+            </a:pPr>
+            <a:endParaRPr lang="en-US" sz="1400" b="0" strike="noStrike" spc="-1" dirty="0">
+              <a:latin typeface="Fira Sans Condensed Light" panose="020B0403050000020004" pitchFamily="34" charset="0"/>
+            </a:endParaRPr>
+          </a:p>
+          <a:p>
+            <a:pPr>
+              <a:lnSpc>
+                <a:spcPct val="100000"/>
+              </a:lnSpc>
+            </a:pPr>
+            <a:endParaRPr lang="en-US" sz="1400" b="0" strike="noStrike" spc="-1" dirty="0">
+              <a:latin typeface="Fira Sans Condensed Light" panose="020B0403050000020004" pitchFamily="34" charset="0"/>
+            </a:endParaRPr>
+          </a:p>
+        </p:txBody>
+      </p:sp>
     </p:spTree>
   </p:cSld>
   <p:clrMapOvr>
@@ -12971,21 +13178,54 @@
           </a:p>
         </p:txBody>
       </p:sp>
-      <p:sp>
-        <p:nvSpPr>
-          <p:cNvPr id="200" name="CustomShape 2"/>
+      <p:pic>
+        <p:nvPicPr>
+          <p:cNvPr id="201" name="Picture 19"/>
+          <p:cNvPicPr/>
+          <p:nvPr/>
+        </p:nvPicPr>
+        <p:blipFill>
+          <a:blip r:embed="rId2"/>
+          <a:stretch/>
+        </p:blipFill>
+        <p:spPr>
+          <a:xfrm>
+            <a:off x="5423400" y="755640"/>
+            <a:ext cx="2950920" cy="3478680"/>
+          </a:xfrm>
+          <a:prstGeom prst="rect">
+            <a:avLst/>
+          </a:prstGeom>
+          <a:ln>
+            <a:noFill/>
+          </a:ln>
+        </p:spPr>
+      </p:pic>
+      <p:sp>
+        <p:nvSpPr>
+          <p:cNvPr id="7" name="CustomShape 2">
+            <a:extLst>
+              <a:ext uri="{FF2B5EF4-FFF2-40B4-BE49-F238E27FC236}">
+                <a16:creationId xmlns:a16="http://schemas.microsoft.com/office/drawing/2014/main" id="{D4C26924-CC50-4881-BE7E-FD19CA096926}"/>
+              </a:ext>
+            </a:extLst>
+          </p:cNvPr>
           <p:cNvSpPr/>
           <p:nvPr/>
         </p:nvSpPr>
         <p:spPr>
           <a:xfrm>
-            <a:off x="665280" y="1594080"/>
-            <a:ext cx="4093200" cy="2534040"/>
-          </a:xfrm>
-          <a:prstGeom prst="rect">
-            <a:avLst/>
-          </a:prstGeom>
-          <a:noFill/>
+            <a:off x="368149" y="1362188"/>
+            <a:ext cx="4701939" cy="2607556"/>
+          </a:xfrm>
+          <a:prstGeom prst="rect">
+            <a:avLst/>
+          </a:prstGeom>
+          <a:solidFill>
+            <a:srgbClr val="0C343D">
+              <a:alpha val="57000"/>
+            </a:srgbClr>
+          </a:solidFill>
           <a:ln>
             <a:noFill/>
           </a:ln>
@@ -13003,7 +13243,7 @@
           <a:fontRef idx="minor"/>
         </p:style>
         <p:txBody>
-          <a:bodyPr lIns="90000" tIns="91440" rIns="90000" bIns="91440" anchor="ctr">
+          <a:bodyPr lIns="234000" tIns="234000" rIns="234000" bIns="91440">
             <a:noAutofit/>
           </a:bodyPr>
           <a:lstStyle/>
@@ -13017,7 +13257,7 @@
               </a:tabLst>
             </a:pPr>
             <a:r>
-              <a:rPr lang="en-US" sz="1800" b="0" strike="noStrike" spc="-1">
+              <a:rPr lang="en-US" sz="1400" b="0" strike="noStrike" spc="-1" dirty="0">
                 <a:solidFill>
                   <a:srgbClr val="F3F3F3"/>
                 </a:solidFill>
@@ -13026,7 +13266,7 @@
               </a:rPr>
               <a:t>Whole genome </a:t>
             </a:r>
-            <a:endParaRPr lang="en-US" sz="1800" b="0" strike="noStrike" spc="-1">
+            <a:endParaRPr lang="en-US" sz="1400" b="0" strike="noStrike" spc="-1" dirty="0">
               <a:latin typeface="Arial"/>
             </a:endParaRPr>
           </a:p>
@@ -13040,7 +13280,7 @@
               </a:tabLst>
             </a:pPr>
             <a:r>
-              <a:rPr lang="en-US" sz="1800" b="0" strike="noStrike" spc="-1">
+              <a:rPr lang="en-US" sz="1400" b="0" strike="noStrike" spc="-1" dirty="0">
                 <a:solidFill>
                   <a:srgbClr val="F3F3F3"/>
                 </a:solidFill>
@@ -13049,7 +13289,7 @@
               </a:rPr>
               <a:t>It is the whole DNA sequence that a human have in their system.</a:t>
             </a:r>
-            <a:endParaRPr lang="en-US" sz="1800" b="0" strike="noStrike" spc="-1">
+            <a:endParaRPr lang="en-US" sz="1400" b="0" strike="noStrike" spc="-1" dirty="0">
               <a:latin typeface="Arial"/>
             </a:endParaRPr>
           </a:p>
@@ -13062,7 +13302,7 @@
                 <a:tab pos="0" algn="l"/>
               </a:tabLst>
             </a:pPr>
-            <a:endParaRPr lang="en-US" sz="1800" b="0" strike="noStrike" spc="-1">
+            <a:endParaRPr lang="en-US" sz="1400" b="0" strike="noStrike" spc="-1" dirty="0">
               <a:latin typeface="Arial"/>
             </a:endParaRPr>
           </a:p>
@@ -13076,7 +13316,7 @@
               </a:tabLst>
             </a:pPr>
             <a:r>
-              <a:rPr lang="en-US" sz="1800" b="0" strike="noStrike" spc="-1">
+              <a:rPr lang="en-US" sz="1400" b="0" strike="noStrike" spc="-1" dirty="0">
                 <a:solidFill>
                   <a:srgbClr val="F3F3F3"/>
                 </a:solidFill>
@@ -13085,7 +13325,7 @@
               </a:rPr>
               <a:t>Whole exome</a:t>
             </a:r>
-            <a:endParaRPr lang="en-US" sz="1800" b="0" strike="noStrike" spc="-1">
+            <a:endParaRPr lang="en-US" sz="1400" b="0" strike="noStrike" spc="-1" dirty="0">
               <a:latin typeface="Arial"/>
             </a:endParaRPr>
           </a:p>
@@ -13099,7 +13339,7 @@
               </a:tabLst>
             </a:pPr>
             <a:r>
-              <a:rPr lang="en-US" sz="1800" b="0" strike="noStrike" spc="-1">
+              <a:rPr lang="en-US" sz="1400" b="0" strike="noStrike" spc="-1" dirty="0">
                 <a:solidFill>
                   <a:srgbClr val="F3F3F3"/>
                 </a:solidFill>
@@ -13108,7 +13348,7 @@
               </a:rPr>
               <a:t>It is a part of the whole genome and makes up to 1.5% of it and it may reveal information about family relationships (ex: paternity test) </a:t>
             </a:r>
-            <a:endParaRPr lang="en-US" sz="1800" b="0" strike="noStrike" spc="-1">
+            <a:endParaRPr lang="en-US" sz="1400" b="0" strike="noStrike" spc="-1" dirty="0">
               <a:latin typeface="Arial"/>
             </a:endParaRPr>
           </a:p>
@@ -13121,35 +13361,12 @@
                 <a:tab pos="0" algn="l"/>
               </a:tabLst>
             </a:pPr>
-            <a:endParaRPr lang="en-US" sz="1800" b="0" strike="noStrike" spc="-1">
-              <a:latin typeface="Arial"/>
-            </a:endParaRPr>
-          </a:p>
-        </p:txBody>
-      </p:sp>
-      <p:pic>
-        <p:nvPicPr>
-          <p:cNvPr id="201" name="Picture 19"/>
-          <p:cNvPicPr/>
-          <p:nvPr/>
-        </p:nvPicPr>
-        <p:blipFill>
-          <a:blip r:embed="rId2"/>
-          <a:stretch/>
-        </p:blipFill>
-        <p:spPr>
-          <a:xfrm>
-            <a:off x="5423400" y="755640"/>
-            <a:ext cx="2950920" cy="3478680"/>
-          </a:xfrm>
-          <a:prstGeom prst="rect">
-            <a:avLst/>
-          </a:prstGeom>
-          <a:ln>
-            <a:noFill/>
-          </a:ln>
-        </p:spPr>
-      </p:pic>
+            <a:endParaRPr lang="en-US" sz="1400" b="0" strike="noStrike" spc="-1" dirty="0">
+              <a:latin typeface="Arial"/>
+            </a:endParaRPr>
+          </a:p>
+        </p:txBody>
+      </p:sp>
     </p:spTree>
   </p:cSld>
   <p:clrMapOvr>
@@ -13234,126 +13451,6 @@
               <a:t>Introduction (cont.)</a:t>
             </a:r>
             <a:endParaRPr lang="en-US" sz="3200" b="0" strike="noStrike" spc="-1">
-              <a:latin typeface="Arial"/>
-            </a:endParaRPr>
-          </a:p>
-        </p:txBody>
-      </p:sp>
-      <p:sp>
-        <p:nvSpPr>
-          <p:cNvPr id="203" name="CustomShape 2"/>
-          <p:cNvSpPr/>
-          <p:nvPr/>
-        </p:nvSpPr>
-        <p:spPr>
-          <a:xfrm>
-            <a:off x="637560" y="1364760"/>
-            <a:ext cx="5838840" cy="2950200"/>
-          </a:xfrm>
-          <a:prstGeom prst="rect">
-            <a:avLst/>
-          </a:prstGeom>
-          <a:noFill/>
-          <a:ln>
-            <a:noFill/>
-          </a:ln>
-        </p:spPr>
-        <p:style>
-          <a:lnRef idx="0">
-            <a:scrgbClr r="0" g="0" b="0"/>
-          </a:lnRef>
-          <a:fillRef idx="0">
-            <a:scrgbClr r="0" g="0" b="0"/>
-          </a:fillRef>
-          <a:effectRef idx="0">
-            <a:scrgbClr r="0" g="0" b="0"/>
-          </a:effectRef>
-          <a:fontRef idx="minor"/>
-        </p:style>
-        <p:txBody>
-          <a:bodyPr lIns="90000" tIns="91440" rIns="90000" bIns="91440" anchor="ctr">
-            <a:noAutofit/>
-          </a:bodyPr>
-          <a:lstStyle/>
-          <a:p>
-            <a:pPr marL="457200" indent="-304200">
-              <a:lnSpc>
-                <a:spcPct val="100000"/>
-              </a:lnSpc>
-              <a:tabLst>
-                <a:tab pos="0" algn="l"/>
-              </a:tabLst>
-            </a:pPr>
-            <a:r>
-              <a:rPr lang="en-US" sz="1800" b="0" strike="noStrike" spc="-1">
-                <a:solidFill>
-                  <a:srgbClr val="F3F3F3"/>
-                </a:solidFill>
-                <a:latin typeface="Fira Sans Condensed Light"/>
-                <a:ea typeface="Fira Sans Condensed Light"/>
-              </a:rPr>
-              <a:t>What is an rsNumebr?</a:t>
-            </a:r>
-            <a:endParaRPr lang="en-US" sz="1800" b="0" strike="noStrike" spc="-1">
-              <a:latin typeface="Arial"/>
-            </a:endParaRPr>
-          </a:p>
-          <a:p>
-            <a:pPr marL="457200" indent="-304200">
-              <a:lnSpc>
-                <a:spcPct val="100000"/>
-              </a:lnSpc>
-              <a:tabLst>
-                <a:tab pos="0" algn="l"/>
-              </a:tabLst>
-            </a:pPr>
-            <a:endParaRPr lang="en-US" sz="1800" b="0" strike="noStrike" spc="-1">
-              <a:latin typeface="Arial"/>
-            </a:endParaRPr>
-          </a:p>
-          <a:p>
-            <a:pPr marL="457200" indent="-304200">
-              <a:lnSpc>
-                <a:spcPct val="100000"/>
-              </a:lnSpc>
-              <a:tabLst>
-                <a:tab pos="0" algn="l"/>
-              </a:tabLst>
-            </a:pPr>
-            <a:r>
-              <a:rPr lang="en-US" sz="1800" b="0" strike="noStrike" spc="-1">
-                <a:solidFill>
-                  <a:srgbClr val="F3F3F3"/>
-                </a:solidFill>
-                <a:latin typeface="Fira Sans Condensed Light"/>
-                <a:ea typeface="Fira Sans Condensed Light"/>
-              </a:rPr>
-              <a:t>It is a reference number to the gene we have that consists of two alleles (one from the father and the other from the mother).</a:t>
-            </a:r>
-            <a:endParaRPr lang="en-US" sz="1800" b="0" strike="noStrike" spc="-1">
-              <a:latin typeface="Arial"/>
-            </a:endParaRPr>
-          </a:p>
-          <a:p>
-            <a:pPr marL="457200" indent="-304200">
-              <a:lnSpc>
-                <a:spcPct val="100000"/>
-              </a:lnSpc>
-              <a:tabLst>
-                <a:tab pos="0" algn="l"/>
-              </a:tabLst>
-            </a:pPr>
-            <a:r>
-              <a:rPr lang="en-US" sz="1800" b="0" strike="noStrike" spc="-1">
-                <a:solidFill>
-                  <a:srgbClr val="F3F3F3"/>
-                </a:solidFill>
-                <a:latin typeface="Fira Sans Condensed Light"/>
-                <a:ea typeface="Fira Sans Condensed Light"/>
-              </a:rPr>
-              <a:t>EX: </a:t>
-            </a:r>
-            <a:endParaRPr lang="en-US" sz="1800" b="0" strike="noStrike" spc="-1">
               <a:latin typeface="Arial"/>
             </a:endParaRPr>
           </a:p>
@@ -14129,6 +14226,165 @@
           <a:fontRef idx="minor"/>
         </p:style>
       </p:sp>
+      <p:sp>
+        <p:nvSpPr>
+          <p:cNvPr id="6" name="CustomShape 2">
+            <a:extLst>
+              <a:ext uri="{FF2B5EF4-FFF2-40B4-BE49-F238E27FC236}">
+                <a16:creationId xmlns:a16="http://schemas.microsoft.com/office/drawing/2014/main" id="{DD98723F-5F91-4E09-B052-018EDEB9F8BE}"/>
+              </a:ext>
+            </a:extLst>
+          </p:cNvPr>
+          <p:cNvSpPr/>
+          <p:nvPr/>
+        </p:nvSpPr>
+        <p:spPr>
+          <a:xfrm>
+            <a:off x="637560" y="1502862"/>
+            <a:ext cx="4701939" cy="1554978"/>
+          </a:xfrm>
+          <a:prstGeom prst="rect">
+            <a:avLst/>
+          </a:prstGeom>
+          <a:solidFill>
+            <a:srgbClr val="0C343D">
+              <a:alpha val="57000"/>
+            </a:srgbClr>
+          </a:solidFill>
+          <a:ln>
+            <a:noFill/>
+          </a:ln>
+        </p:spPr>
+        <p:style>
+          <a:lnRef idx="0">
+            <a:scrgbClr r="0" g="0" b="0"/>
+          </a:lnRef>
+          <a:fillRef idx="0">
+            <a:scrgbClr r="0" g="0" b="0"/>
+          </a:fillRef>
+          <a:effectRef idx="0">
+            <a:scrgbClr r="0" g="0" b="0"/>
+          </a:effectRef>
+          <a:fontRef idx="minor"/>
+        </p:style>
+        <p:txBody>
+          <a:bodyPr lIns="234000" tIns="234000" rIns="234000" bIns="91440">
+            <a:noAutofit/>
+          </a:bodyPr>
+          <a:lstStyle/>
+          <a:p>
+            <a:pPr marL="457200" indent="-304200">
+              <a:lnSpc>
+                <a:spcPct val="100000"/>
+              </a:lnSpc>
+              <a:tabLst>
+                <a:tab pos="0" algn="l"/>
+              </a:tabLst>
+            </a:pPr>
+            <a:r>
+              <a:rPr lang="en-US" sz="1400" b="0" strike="noStrike" spc="-1" dirty="0">
+                <a:solidFill>
+                  <a:srgbClr val="F3F3F3"/>
+                </a:solidFill>
+                <a:latin typeface="Fira Sans Condensed Light"/>
+                <a:ea typeface="Fira Sans Condensed Light"/>
+              </a:rPr>
+              <a:t>What is an rsNumebr?</a:t>
+            </a:r>
+            <a:endParaRPr lang="en-US" sz="1400" b="0" strike="noStrike" spc="-1" dirty="0">
+              <a:latin typeface="Arial"/>
+            </a:endParaRPr>
+          </a:p>
+          <a:p>
+            <a:pPr marL="457200" indent="-304200">
+              <a:lnSpc>
+                <a:spcPct val="100000"/>
+              </a:lnSpc>
+              <a:tabLst>
+                <a:tab pos="0" algn="l"/>
+              </a:tabLst>
+            </a:pPr>
+            <a:endParaRPr lang="en-US" sz="1400" b="0" strike="noStrike" spc="-1" dirty="0">
+              <a:latin typeface="Arial"/>
+            </a:endParaRPr>
+          </a:p>
+          <a:p>
+            <a:pPr marL="457200" indent="-304200">
+              <a:lnSpc>
+                <a:spcPct val="100000"/>
+              </a:lnSpc>
+              <a:tabLst>
+                <a:tab pos="0" algn="l"/>
+              </a:tabLst>
+            </a:pPr>
+            <a:r>
+              <a:rPr lang="en-US" sz="1400" b="0" strike="noStrike" spc="-1" dirty="0">
+                <a:solidFill>
+                  <a:srgbClr val="F3F3F3"/>
+                </a:solidFill>
+                <a:latin typeface="Fira Sans Condensed Light"/>
+                <a:ea typeface="Fira Sans Condensed Light"/>
+              </a:rPr>
+              <a:t>It is a reference number to the gene we have that consists of two alleles (one from the father and the other from the mother).</a:t>
+            </a:r>
+            <a:endParaRPr lang="en-US" sz="1400" b="0" strike="noStrike" spc="-1" dirty="0">
+              <a:latin typeface="Arial"/>
+            </a:endParaRPr>
+          </a:p>
+        </p:txBody>
+      </p:sp>
+      <p:sp>
+        <p:nvSpPr>
+          <p:cNvPr id="8" name="TextBox 7">
+            <a:extLst>
+              <a:ext uri="{FF2B5EF4-FFF2-40B4-BE49-F238E27FC236}">
+                <a16:creationId xmlns:a16="http://schemas.microsoft.com/office/drawing/2014/main" id="{48073DA6-EE2C-44DF-852C-2BCA4B44411D}"/>
+              </a:ext>
+            </a:extLst>
+          </p:cNvPr>
+          <p:cNvSpPr txBox="1"/>
+          <p:nvPr/>
+        </p:nvSpPr>
+        <p:spPr>
+          <a:xfrm>
+            <a:off x="398160" y="3629050"/>
+            <a:ext cx="746699" cy="369332"/>
+          </a:xfrm>
+          <a:prstGeom prst="rect">
+            <a:avLst/>
+          </a:prstGeom>
+          <a:noFill/>
+        </p:spPr>
+        <p:txBody>
+          <a:bodyPr wrap="square">
+            <a:spAutoFit/>
+          </a:bodyPr>
+          <a:lstStyle/>
+          <a:p>
+            <a:pPr marL="457200" indent="-304200">
+              <a:lnSpc>
+                <a:spcPct val="100000"/>
+              </a:lnSpc>
+              <a:tabLst>
+                <a:tab pos="0" algn="l"/>
+              </a:tabLst>
+            </a:pPr>
+            <a:r>
+              <a:rPr lang="en-US" sz="1800" b="0" strike="noStrike" spc="-1" dirty="0">
+                <a:solidFill>
+                  <a:srgbClr val="F3F3F3"/>
+                </a:solidFill>
+                <a:latin typeface="Fira Sans Condensed Light"/>
+                <a:ea typeface="Fira Sans Condensed Light"/>
+              </a:rPr>
+              <a:t>EX: </a:t>
+            </a:r>
+            <a:endParaRPr lang="en-US" sz="1800" b="0" strike="noStrike" spc="-1" dirty="0">
+              <a:latin typeface="Arial"/>
+            </a:endParaRPr>
+          </a:p>
+        </p:txBody>
+      </p:sp>
     </p:spTree>
   </p:cSld>
   <p:clrMapOvr>
@@ -14229,21 +14485,56 @@
           </a:p>
         </p:txBody>
       </p:sp>
-      <p:sp>
-        <p:nvSpPr>
-          <p:cNvPr id="207" name="CustomShape 2"/>
+      <p:pic>
+        <p:nvPicPr>
+          <p:cNvPr id="208" name="Picture 3"/>
+          <p:cNvPicPr/>
+          <p:nvPr/>
+        </p:nvPicPr>
+        <p:blipFill>
+          <a:blip r:embed="rId3">
+            <a:lum bright="70000" contrast="-70000"/>
+          </a:blip>
+          <a:stretch/>
+        </p:blipFill>
+        <p:spPr>
+          <a:xfrm>
+            <a:off x="5902200" y="271800"/>
+            <a:ext cx="2439360" cy="2439360"/>
+          </a:xfrm>
+          <a:prstGeom prst="rect">
+            <a:avLst/>
+          </a:prstGeom>
+          <a:ln>
+            <a:noFill/>
+          </a:ln>
+        </p:spPr>
+      </p:pic>
+      <p:sp>
+        <p:nvSpPr>
+          <p:cNvPr id="5" name="CustomShape 2">
+            <a:extLst>
+              <a:ext uri="{FF2B5EF4-FFF2-40B4-BE49-F238E27FC236}">
+                <a16:creationId xmlns:a16="http://schemas.microsoft.com/office/drawing/2014/main" id="{C38DCE2D-6872-4085-A22F-A6A37267F21E}"/>
+              </a:ext>
+            </a:extLst>
+          </p:cNvPr>
           <p:cNvSpPr/>
           <p:nvPr/>
         </p:nvSpPr>
         <p:spPr>
           <a:xfrm>
-            <a:off x="637560" y="1427760"/>
-            <a:ext cx="5263560" cy="2859480"/>
-          </a:xfrm>
-          <a:prstGeom prst="rect">
-            <a:avLst/>
-          </a:prstGeom>
-          <a:noFill/>
+            <a:off x="637560" y="1268894"/>
+            <a:ext cx="4564560" cy="3072647"/>
+          </a:xfrm>
+          <a:prstGeom prst="rect">
+            <a:avLst/>
+          </a:prstGeom>
+          <a:solidFill>
+            <a:srgbClr val="0C343D">
+              <a:alpha val="57000"/>
+            </a:srgbClr>
+          </a:solidFill>
           <a:ln>
             <a:noFill/>
           </a:ln>
@@ -14261,7 +14552,7 @@
           <a:fontRef idx="minor"/>
         </p:style>
         <p:txBody>
-          <a:bodyPr lIns="90000" tIns="91440" rIns="90000" bIns="91440" anchor="ctr">
+          <a:bodyPr lIns="234000" tIns="234000" rIns="234000" bIns="91440">
             <a:noAutofit/>
           </a:bodyPr>
           <a:lstStyle/>
@@ -14277,7 +14568,7 @@
               <a:buChar char="•"/>
             </a:pPr>
             <a:r>
-              <a:rPr lang="en-US" sz="1800" b="0" strike="noStrike" spc="-1">
+              <a:rPr lang="en-US" sz="1400" b="0" strike="noStrike" spc="-1" dirty="0">
                 <a:solidFill>
                   <a:srgbClr val="F3F3F3"/>
                 </a:solidFill>
@@ -14286,7 +14577,16 @@
               </a:rPr>
               <a:t>Some parents suffer from the process of paternity testing when they are being sued for child custody.</a:t>
             </a:r>
-            <a:endParaRPr lang="en-US" sz="1800" b="0" strike="noStrike" spc="-1">
+            <a:br>
+              <a:rPr lang="en-US" sz="1400" b="0" strike="noStrike" spc="-1" dirty="0">
+                <a:solidFill>
+                  <a:srgbClr val="F3F3F3"/>
+                </a:solidFill>
+                <a:latin typeface="Fira Sans Condensed Light"/>
+                <a:ea typeface="Fira Sans Condensed Light"/>
+              </a:rPr>
+            </a:br>
+            <a:endParaRPr lang="en-US" sz="1400" b="0" strike="noStrike" spc="-1" dirty="0">
               <a:latin typeface="Arial"/>
             </a:endParaRPr>
           </a:p>
@@ -14302,7 +14602,7 @@
               <a:buChar char="•"/>
             </a:pPr>
             <a:r>
-              <a:rPr lang="en-US" sz="1800" b="0" strike="noStrike" spc="-1">
+              <a:rPr lang="en-US" sz="1400" b="0" strike="noStrike" spc="-1" dirty="0">
                 <a:solidFill>
                   <a:srgbClr val="F3F3F3"/>
                 </a:solidFill>
@@ -14311,7 +14611,16 @@
               </a:rPr>
               <a:t>A lot of time when a crime happens, some DNA would be left at the crime scene and would take some time to be processed and eventually lead us to the one who committed that crime.</a:t>
             </a:r>
-            <a:endParaRPr lang="en-US" sz="1800" b="0" strike="noStrike" spc="-1">
+            <a:br>
+              <a:rPr lang="en-US" sz="1400" b="0" strike="noStrike" spc="-1" dirty="0">
+                <a:solidFill>
+                  <a:srgbClr val="F3F3F3"/>
+                </a:solidFill>
+                <a:latin typeface="Fira Sans Condensed Light"/>
+                <a:ea typeface="Fira Sans Condensed Light"/>
+              </a:rPr>
+            </a:br>
+            <a:endParaRPr lang="en-US" sz="1400" b="0" strike="noStrike" spc="-1" dirty="0">
               <a:latin typeface="Arial"/>
             </a:endParaRPr>
           </a:p>
@@ -14327,7 +14636,7 @@
               <a:buChar char="•"/>
             </a:pPr>
             <a:r>
-              <a:rPr lang="en-US" sz="1800" b="0" strike="noStrike" spc="-1">
+              <a:rPr lang="en-US" sz="1400" b="0" strike="noStrike" spc="-1" dirty="0">
                 <a:solidFill>
                   <a:srgbClr val="F3F3F3"/>
                 </a:solidFill>
@@ -14336,37 +14645,25 @@
               </a:rPr>
               <a:t>Why can’t we have a system that could potentially prove this in less time and be accessible to everyone.</a:t>
             </a:r>
-            <a:endParaRPr lang="en-US" sz="1800" b="0" strike="noStrike" spc="-1">
-              <a:latin typeface="Arial"/>
-            </a:endParaRPr>
-          </a:p>
-        </p:txBody>
-      </p:sp>
-      <p:pic>
-        <p:nvPicPr>
-          <p:cNvPr id="208" name="Picture 3"/>
-          <p:cNvPicPr/>
-          <p:nvPr/>
-        </p:nvPicPr>
-        <p:blipFill>
-          <a:blip r:embed="rId3">
-            <a:lum bright="70000" contrast="-70000"/>
-          </a:blip>
-          <a:stretch/>
-        </p:blipFill>
-        <p:spPr>
-          <a:xfrm>
-            <a:off x="5902200" y="271800"/>
-            <a:ext cx="2439360" cy="2439360"/>
-          </a:xfrm>
-          <a:prstGeom prst="rect">
-            <a:avLst/>
-          </a:prstGeom>
-          <a:ln>
-            <a:noFill/>
-          </a:ln>
-        </p:spPr>
-      </p:pic>
+            <a:endParaRPr lang="en-US" sz="1400" b="0" strike="noStrike" spc="-1" dirty="0">
+              <a:latin typeface="Arial"/>
+            </a:endParaRPr>
+          </a:p>
+          <a:p>
+            <a:pPr>
+              <a:lnSpc>
+                <a:spcPct val="100000"/>
+              </a:lnSpc>
+              <a:tabLst>
+                <a:tab pos="0" algn="l"/>
+              </a:tabLst>
+            </a:pPr>
+            <a:endParaRPr lang="en-US" sz="1400" b="0" strike="noStrike" spc="-1" dirty="0">
+              <a:latin typeface="Arial"/>
+            </a:endParaRPr>
+          </a:p>
+        </p:txBody>
+      </p:sp>
     </p:spTree>
   </p:cSld>
   <p:clrMapOvr>
@@ -14504,16 +14801,36 @@
               <a:buAutoNum type="arabicPeriod"/>
             </a:pPr>
             <a:r>
-              <a:rPr lang="en-US" sz="1800" b="0" strike="noStrike" spc="-1">
+              <a:rPr lang="en-US" sz="1800" b="0" strike="noStrike" spc="-1" dirty="0">
                 <a:solidFill>
                   <a:srgbClr val="F3F3F3"/>
                 </a:solidFill>
                 <a:latin typeface="Fira Sans Condensed Light"/>
                 <a:ea typeface="Fira Sans Condensed Light"/>
               </a:rPr>
-              <a:t>Make an automated system to accurately prove parentage of someone by their rsNumbers and their genotypes.</a:t>
+              <a:t>Make an automated system to accurately prove parentage of someone by their </a:t>
             </a:r>
-            <a:endParaRPr lang="en-US" sz="1800" b="0" strike="noStrike" spc="-1">
+            <a:r>
+              <a:rPr lang="en-US" sz="1800" b="0" strike="noStrike" spc="-1" dirty="0" err="1">
+                <a:solidFill>
+                  <a:srgbClr val="F3F3F3"/>
+                </a:solidFill>
+                <a:latin typeface="Fira Sans Condensed Light"/>
+                <a:ea typeface="Fira Sans Condensed Light"/>
+              </a:rPr>
+              <a:t>rsNumbers</a:t>
+            </a:r>
+            <a:r>
+              <a:rPr lang="en-US" sz="1800" b="0" strike="noStrike" spc="-1" dirty="0">
+                <a:solidFill>
+                  <a:srgbClr val="F3F3F3"/>
+                </a:solidFill>
+                <a:latin typeface="Fira Sans Condensed Light"/>
+                <a:ea typeface="Fira Sans Condensed Light"/>
+              </a:rPr>
+              <a:t> and their genotypes.</a:t>
+            </a:r>
+            <a:endParaRPr lang="en-US" sz="1800" b="0" strike="noStrike" spc="-1" dirty="0">
               <a:latin typeface="Arial"/>
             </a:endParaRPr>
           </a:p>
@@ -14529,16 +14846,16 @@
               <a:buAutoNum type="arabicPeriod"/>
             </a:pPr>
             <a:r>
-              <a:rPr lang="en-US" sz="1800" b="0" strike="noStrike" spc="-1">
+              <a:rPr lang="en-US" sz="1800" b="0" strike="noStrike" spc="-1" dirty="0">
                 <a:solidFill>
                   <a:srgbClr val="F3F3F3"/>
                 </a:solidFill>
                 <a:latin typeface="Fira Sans Condensed Light"/>
                 <a:ea typeface="Fira Sans Condensed Light"/>
               </a:rPr>
-              <a:t>Add another part to enter the user’s whole genome or whole exome.</a:t>
+              <a:t>Add another part to enter the user’s whole genome .</a:t>
             </a:r>
-            <a:endParaRPr lang="en-US" sz="1800" b="0" strike="noStrike" spc="-1">
+            <a:endParaRPr lang="en-US" sz="1800" b="0" strike="noStrike" spc="-1" dirty="0">
               <a:latin typeface="Arial"/>
             </a:endParaRPr>
           </a:p>
@@ -14554,16 +14871,36 @@
               <a:buAutoNum type="arabicPeriod"/>
             </a:pPr>
             <a:r>
-              <a:rPr lang="en-US" sz="1800" b="0" strike="noStrike" spc="-1">
+              <a:rPr lang="en-US" sz="1800" b="0" strike="noStrike" spc="-1" dirty="0">
                 <a:solidFill>
                   <a:srgbClr val="F3F3F3"/>
                 </a:solidFill>
                 <a:latin typeface="Fira Sans Condensed Light"/>
                 <a:ea typeface="Fira Sans Condensed Light"/>
               </a:rPr>
-              <a:t>We aim to have the application accessible by everyone by an online web application.</a:t>
+              <a:t>We aim to have the application accessible by everyone by an online </a:t>
             </a:r>
-            <a:endParaRPr lang="en-US" sz="1800" b="0" strike="noStrike" spc="-1">
+            <a:r>
+              <a:rPr lang="en-US" spc="-1" dirty="0">
+                <a:solidFill>
+                  <a:srgbClr val="F3F3F3"/>
+                </a:solidFill>
+                <a:latin typeface="Fira Sans Condensed Light"/>
+                <a:ea typeface="Fira Sans Condensed Light"/>
+              </a:rPr>
+              <a:t>Mobile</a:t>
+            </a:r>
+            <a:r>
+              <a:rPr lang="en-US" sz="1800" b="0" strike="noStrike" spc="-1" dirty="0">
+                <a:solidFill>
+                  <a:srgbClr val="F3F3F3"/>
+                </a:solidFill>
+                <a:latin typeface="Fira Sans Condensed Light"/>
+                <a:ea typeface="Fira Sans Condensed Light"/>
+              </a:rPr>
+              <a:t> application.</a:t>
+            </a:r>
+            <a:endParaRPr lang="en-US" sz="1800" b="0" strike="noStrike" spc="-1" dirty="0">
               <a:latin typeface="Arial"/>
             </a:endParaRPr>
           </a:p>
@@ -14579,7 +14916,7 @@
               <a:buAutoNum type="arabicPeriod"/>
             </a:pPr>
             <a:r>
-              <a:rPr lang="en-US" sz="1800" b="0" strike="noStrike" spc="-1">
+              <a:rPr lang="en-US" sz="1800" b="0" strike="noStrike" spc="-1" dirty="0">
                 <a:solidFill>
                   <a:srgbClr val="F3F3F3"/>
                 </a:solidFill>
@@ -14588,7 +14925,7 @@
               </a:rPr>
               <a:t>We aim that the user can see which alleles contributed to being wrong that led to prove wrong parentage.</a:t>
             </a:r>
-            <a:endParaRPr lang="en-US" sz="1800" b="0" strike="noStrike" spc="-1">
+            <a:endParaRPr lang="en-US" sz="1800" b="0" strike="noStrike" spc="-1" dirty="0">
               <a:latin typeface="Arial"/>
             </a:endParaRPr>
           </a:p>

--- a/E-Genetics/presentations/new presentation.pptx
+++ b/E-Genetics/presentations/new presentation.pptx
@@ -18,13 +18,15 @@
     <p:sldId id="262" r:id="rId12"/>
     <p:sldId id="263" r:id="rId13"/>
     <p:sldId id="264" r:id="rId14"/>
-    <p:sldId id="265" r:id="rId15"/>
-    <p:sldId id="272" r:id="rId16"/>
-    <p:sldId id="273" r:id="rId17"/>
-    <p:sldId id="266" r:id="rId18"/>
-    <p:sldId id="269" r:id="rId19"/>
-    <p:sldId id="270" r:id="rId20"/>
-    <p:sldId id="271" r:id="rId21"/>
+    <p:sldId id="272" r:id="rId15"/>
+    <p:sldId id="273" r:id="rId16"/>
+    <p:sldId id="266" r:id="rId17"/>
+    <p:sldId id="274" r:id="rId18"/>
+    <p:sldId id="275" r:id="rId19"/>
+    <p:sldId id="276" r:id="rId20"/>
+    <p:sldId id="269" r:id="rId21"/>
+    <p:sldId id="270" r:id="rId22"/>
+    <p:sldId id="271" r:id="rId23"/>
   </p:sldIdLst>
   <p:sldSz cx="9144000" cy="5143500" type="screen16x9"/>
   <p:notesSz cx="7772400" cy="10058400"/>
@@ -10288,214 +10290,188 @@
       </p:grpSpPr>
       <p:sp>
         <p:nvSpPr>
-          <p:cNvPr id="216" name="CustomShape 1"/>
-          <p:cNvSpPr/>
-          <p:nvPr/>
-        </p:nvSpPr>
-        <p:spPr>
-          <a:xfrm>
-            <a:off x="637560" y="547920"/>
-            <a:ext cx="5194440" cy="635760"/>
-          </a:xfrm>
-          <a:prstGeom prst="rect">
-            <a:avLst/>
-          </a:prstGeom>
-          <a:noFill/>
-          <a:ln>
-            <a:noFill/>
-          </a:ln>
-        </p:spPr>
-        <p:style>
-          <a:lnRef idx="0">
-            <a:scrgbClr r="0" g="0" b="0"/>
-          </a:lnRef>
-          <a:fillRef idx="0">
-            <a:scrgbClr r="0" g="0" b="0"/>
-          </a:fillRef>
-          <a:effectRef idx="0">
-            <a:scrgbClr r="0" g="0" b="0"/>
-          </a:effectRef>
-          <a:fontRef idx="minor"/>
-        </p:style>
-        <p:txBody>
-          <a:bodyPr lIns="90000" tIns="91440" rIns="90000" bIns="91440" anchor="ctr">
-            <a:noAutofit/>
-          </a:bodyPr>
-          <a:lstStyle/>
-          <a:p>
-            <a:pPr>
-              <a:lnSpc>
-                <a:spcPct val="100000"/>
-              </a:lnSpc>
-              <a:tabLst>
-                <a:tab pos="0" algn="l"/>
-              </a:tabLst>
-            </a:pPr>
+          <p:cNvPr id="2" name="Title 1">
+            <a:extLst>
+              <a:ext uri="{FF2B5EF4-FFF2-40B4-BE49-F238E27FC236}">
+                <a16:creationId xmlns:a16="http://schemas.microsoft.com/office/drawing/2014/main" id="{8DDE58F4-31B9-4CCA-A278-76B032131EA5}"/>
+              </a:ext>
+            </a:extLst>
+          </p:cNvPr>
+          <p:cNvSpPr>
+            <a:spLocks noGrp="1"/>
+          </p:cNvSpPr>
+          <p:nvPr>
+            <p:ph type="title"/>
+          </p:nvPr>
+        </p:nvSpPr>
+        <p:spPr>
+          <a:xfrm>
+            <a:off x="360218" y="461507"/>
+            <a:ext cx="8229240" cy="1554327"/>
+          </a:xfrm>
+        </p:spPr>
+        <p:txBody>
+          <a:bodyPr/>
+          <a:lstStyle/>
+          <a:p>
             <a:r>
-              <a:rPr lang="en-US" sz="3200" b="1" strike="noStrike" spc="-1" dirty="0">
+              <a:rPr lang="en-US" sz="3200" b="1" dirty="0" smtClean="0">
                 <a:solidFill>
-                  <a:srgbClr val="F3F3F3"/>
+                  <a:schemeClr val="bg1"/>
                 </a:solidFill>
                 <a:latin typeface="Rajdhani"/>
-                <a:ea typeface="Fira Sans Condensed Light"/>
               </a:rPr>
-              <a:t>Non-Functional Requirements:</a:t>
+              <a:t>Diagrams</a:t>
             </a:r>
-            <a:endParaRPr lang="en-US" sz="3200" b="0" strike="noStrike" spc="-1" dirty="0">
-              <a:latin typeface="Arial"/>
-            </a:endParaRPr>
-          </a:p>
-        </p:txBody>
-      </p:sp>
-      <p:sp>
-        <p:nvSpPr>
-          <p:cNvPr id="217" name="CustomShape 2"/>
-          <p:cNvSpPr/>
-          <p:nvPr/>
-        </p:nvSpPr>
-        <p:spPr>
-          <a:xfrm>
-            <a:off x="258480" y="1608480"/>
-            <a:ext cx="8431200" cy="2859480"/>
-          </a:xfrm>
-          <a:prstGeom prst="rect">
-            <a:avLst/>
-          </a:prstGeom>
-          <a:noFill/>
-          <a:ln>
-            <a:noFill/>
-          </a:ln>
-        </p:spPr>
-        <p:style>
-          <a:lnRef idx="0">
-            <a:scrgbClr r="0" g="0" b="0"/>
-          </a:lnRef>
-          <a:fillRef idx="0">
-            <a:scrgbClr r="0" g="0" b="0"/>
-          </a:fillRef>
-          <a:effectRef idx="0">
-            <a:scrgbClr r="0" g="0" b="0"/>
-          </a:effectRef>
-          <a:fontRef idx="minor"/>
-        </p:style>
-        <p:txBody>
-          <a:bodyPr lIns="90000" tIns="91440" rIns="90000" bIns="91440" anchor="ctr">
-            <a:noAutofit/>
-          </a:bodyPr>
-          <a:lstStyle/>
-          <a:p>
-            <a:pPr marL="457200" indent="-304200">
-              <a:lnSpc>
-                <a:spcPct val="100000"/>
-              </a:lnSpc>
-              <a:buClr>
-                <a:srgbClr val="F3F3F3"/>
-              </a:buClr>
-              <a:buFont typeface="Arial"/>
-              <a:buChar char="•"/>
-            </a:pPr>
+            <a:br>
+              <a:rPr lang="en-US" sz="3200" b="1" dirty="0" smtClean="0">
+                <a:solidFill>
+                  <a:schemeClr val="bg1"/>
+                </a:solidFill>
+                <a:latin typeface="Rajdhani"/>
+              </a:rPr>
+            </a:br>
             <a:r>
-              <a:rPr lang="en-US" sz="1800" b="0" strike="noStrike" spc="-1">
+              <a:rPr lang="en-US" sz="3200" b="1" dirty="0" smtClean="0">
+                <a:solidFill>
+                  <a:schemeClr val="bg1"/>
+                </a:solidFill>
+                <a:latin typeface="Rajdhani"/>
+              </a:rPr>
+              <a:t/>
+            </a:r>
+            <a:br>
+              <a:rPr lang="en-US" sz="3200" b="1" dirty="0" smtClean="0">
+                <a:solidFill>
+                  <a:schemeClr val="bg1"/>
+                </a:solidFill>
+                <a:latin typeface="Rajdhani"/>
+              </a:rPr>
+            </a:br>
+            <a:r>
+              <a:rPr lang="en-US" sz="2600" spc="-1" dirty="0">
                 <a:solidFill>
                   <a:srgbClr val="F3F3F3"/>
                 </a:solidFill>
                 <a:latin typeface="Fira Sans Condensed Light"/>
                 <a:ea typeface="Fira Sans Condensed Light"/>
               </a:rPr>
-              <a:t>Safety: The system will detect any attacks and it should be secure</a:t>
+              <a:t>Architecture Diagram</a:t>
             </a:r>
-            <a:br/>
-            <a:br/>
             <a:r>
-              <a:rPr lang="en-US" sz="1800" b="0" strike="noStrike" spc="-1">
+              <a:rPr lang="en-US" sz="3000" spc="-1" dirty="0"/>
+              <a:t/>
+            </a:r>
+            <a:br>
+              <a:rPr lang="en-US" sz="3000" spc="-1" dirty="0"/>
+            </a:br>
+            <a:endParaRPr lang="en-US" sz="3000" b="1" dirty="0">
+              <a:solidFill>
+                <a:schemeClr val="bg1"/>
+              </a:solidFill>
+              <a:latin typeface="Rajdhani"/>
+            </a:endParaRPr>
+          </a:p>
+        </p:txBody>
+      </p:sp>
+      <p:pic>
+        <p:nvPicPr>
+          <p:cNvPr id="5" name="Picture 4">
+            <a:extLst>
+              <a:ext uri="{FF2B5EF4-FFF2-40B4-BE49-F238E27FC236}">
+                <a16:creationId xmlns:a16="http://schemas.microsoft.com/office/drawing/2014/main" id="{81E31B39-FCAC-48E5-9711-8D9B03598519}"/>
+              </a:ext>
+            </a:extLst>
+          </p:cNvPr>
+          <p:cNvPicPr>
+            <a:picLocks noChangeAspect="1"/>
+          </p:cNvPicPr>
+          <p:nvPr/>
+        </p:nvPicPr>
+        <p:blipFill>
+          <a:blip r:embed="rId2" cstate="print">
+            <a:extLst>
+              <a:ext uri="{28A0092B-C50C-407E-A947-70E740481C1C}">
+                <a14:useLocalDpi xmlns:a14="http://schemas.microsoft.com/office/drawing/2010/main" val="0"/>
+              </a:ext>
+            </a:extLst>
+          </a:blip>
+          <a:stretch>
+            <a:fillRect/>
+          </a:stretch>
+        </p:blipFill>
+        <p:spPr>
+          <a:xfrm>
+            <a:off x="5264727" y="281378"/>
+            <a:ext cx="3518695" cy="4713187"/>
+          </a:xfrm>
+          <a:prstGeom prst="rect">
+            <a:avLst/>
+          </a:prstGeom>
+        </p:spPr>
+      </p:pic>
+      <p:sp>
+        <p:nvSpPr>
+          <p:cNvPr id="8" name="Title 1">
+            <a:extLst>
+              <a:ext uri="{FF2B5EF4-FFF2-40B4-BE49-F238E27FC236}">
+                <a16:creationId xmlns:a16="http://schemas.microsoft.com/office/drawing/2014/main" id="{8DDE58F4-31B9-4CCA-A278-76B032131EA5}"/>
+              </a:ext>
+            </a:extLst>
+          </p:cNvPr>
+          <p:cNvSpPr txBox="1">
+            <a:spLocks/>
+          </p:cNvSpPr>
+          <p:nvPr/>
+        </p:nvSpPr>
+        <p:spPr>
+          <a:xfrm>
+            <a:off x="200891" y="1167732"/>
+            <a:ext cx="5631873" cy="1523978"/>
+          </a:xfrm>
+          <a:prstGeom prst="rect">
+            <a:avLst/>
+          </a:prstGeom>
+        </p:spPr>
+        <p:txBody>
+          <a:bodyPr lIns="0" tIns="0" rIns="0" bIns="0" anchor="ctr">
+            <a:noAutofit/>
+          </a:bodyPr>
+          <a:lstStyle>
+            <a:lvl1pPr algn="l" defTabSz="914400" rtl="0" eaLnBrk="1" latinLnBrk="0" hangingPunct="1">
+              <a:lnSpc>
+                <a:spcPct val="90000"/>
+              </a:lnSpc>
+              <a:spcBef>
+                <a:spcPct val="0"/>
+              </a:spcBef>
+              <a:buNone/>
+              <a:defRPr sz="4400" kern="1200">
                 <a:solidFill>
-                  <a:srgbClr val="F3F3F3"/>
+                  <a:schemeClr val="tx1"/>
                 </a:solidFill>
-                <a:latin typeface="Fira Sans Condensed Light"/>
-                <a:ea typeface="DejaVu Sans"/>
-              </a:rPr>
-              <a:t> </a:t>
-            </a:r>
-            <a:endParaRPr lang="en-US" sz="1800" b="0" strike="noStrike" spc="-1">
-              <a:latin typeface="Arial"/>
-            </a:endParaRPr>
-          </a:p>
-          <a:p>
-            <a:pPr marL="457200" indent="-304200">
-              <a:lnSpc>
-                <a:spcPct val="100000"/>
-              </a:lnSpc>
-              <a:buClr>
-                <a:srgbClr val="F3F3F3"/>
-              </a:buClr>
-              <a:buFont typeface="Arial"/>
-              <a:buChar char="•"/>
-            </a:pPr>
-            <a:r>
-              <a:rPr lang="en-US" sz="1800" b="0" strike="noStrike" spc="-1">
-                <a:solidFill>
-                  <a:srgbClr val="F3F3F3"/>
-                </a:solidFill>
-                <a:latin typeface="Fira Sans Condensed Light"/>
-                <a:ea typeface="Fira Sans Condensed Light"/>
-              </a:rPr>
-              <a:t>Availability: The system should be available at any time without any failure.</a:t>
-            </a:r>
-            <a:br/>
-            <a:br/>
-            <a:r>
-              <a:rPr lang="en-US" sz="1800" b="0" strike="noStrike" spc="-1">
-                <a:solidFill>
-                  <a:srgbClr val="F3F3F3"/>
-                </a:solidFill>
-                <a:latin typeface="Fira Sans Condensed Light"/>
-                <a:ea typeface="DejaVu Sans"/>
-              </a:rPr>
-              <a:t> </a:t>
-            </a:r>
-            <a:endParaRPr lang="en-US" sz="1800" b="0" strike="noStrike" spc="-1">
-              <a:latin typeface="Arial"/>
-            </a:endParaRPr>
-          </a:p>
-          <a:p>
-            <a:pPr marL="457200" indent="-304200">
-              <a:lnSpc>
-                <a:spcPct val="100000"/>
-              </a:lnSpc>
-              <a:buClr>
-                <a:srgbClr val="F3F3F3"/>
-              </a:buClr>
-              <a:buFont typeface="Arial"/>
-              <a:buChar char="•"/>
-            </a:pPr>
-            <a:r>
-              <a:rPr lang="en-US" sz="1800" b="0" strike="noStrike" spc="-1">
-                <a:solidFill>
-                  <a:srgbClr val="F3F3F3"/>
-                </a:solidFill>
-                <a:latin typeface="Fira Sans Condensed Light"/>
-                <a:ea typeface="Fira Sans Condensed Light"/>
-              </a:rPr>
-              <a:t>Scalability:</a:t>
-            </a:r>
-            <a:br/>
-            <a:r>
-              <a:rPr lang="en-US" sz="1800" b="0" strike="noStrike" spc="-1">
-                <a:solidFill>
-                  <a:srgbClr val="DCDDDE"/>
-                </a:solidFill>
-                <a:latin typeface="Fira Sans Condensed Light"/>
-                <a:ea typeface="Fira Sans Condensed Light"/>
-              </a:rPr>
-              <a:t>our system is able to increase its capacity and functionalities based on the users demand. it can remain stable while adapting to changes and upgrades</a:t>
-            </a:r>
-            <a:endParaRPr lang="en-US" sz="1800" b="0" strike="noStrike" spc="-1">
-              <a:latin typeface="Arial"/>
+                <a:latin typeface="+mj-lt"/>
+                <a:ea typeface="+mj-ea"/>
+                <a:cs typeface="+mj-cs"/>
+              </a:defRPr>
+            </a:lvl1pPr>
+          </a:lstStyle>
+          <a:p>
+            <a:endParaRPr lang="en-US" sz="1500" b="1" dirty="0">
+              <a:solidFill>
+                <a:schemeClr val="bg1"/>
+              </a:solidFill>
+              <a:latin typeface="Fira Sans Condensed Light" panose="020B0403050000020004"/>
             </a:endParaRPr>
           </a:p>
         </p:txBody>
       </p:sp>
     </p:spTree>
+    <p:extLst>
+      <p:ext uri="{BB962C8B-B14F-4D97-AF65-F5344CB8AC3E}">
+        <p14:creationId xmlns:p14="http://schemas.microsoft.com/office/powerpoint/2010/main" val="2473886441"/>
+      </p:ext>
+    </p:extLst>
   </p:cSld>
   <p:clrMapOvr>
     <a:masterClrMapping/>
@@ -10523,54 +10499,12 @@
           <a:chExt cx="0" cy="0"/>
         </a:xfrm>
       </p:grpSpPr>
-      <p:sp>
-        <p:nvSpPr>
-          <p:cNvPr id="2" name="Title 1">
+      <p:pic>
+        <p:nvPicPr>
+          <p:cNvPr id="6" name="Picture 5">
             <a:extLst>
               <a:ext uri="{FF2B5EF4-FFF2-40B4-BE49-F238E27FC236}">
-                <a16:creationId xmlns:a16="http://schemas.microsoft.com/office/drawing/2014/main" id="{8DDE58F4-31B9-4CCA-A278-76B032131EA5}"/>
-              </a:ext>
-            </a:extLst>
-          </p:cNvPr>
-          <p:cNvSpPr>
-            <a:spLocks noGrp="1"/>
-          </p:cNvSpPr>
-          <p:nvPr>
-            <p:ph type="title"/>
-          </p:nvPr>
-        </p:nvSpPr>
-        <p:spPr/>
-        <p:txBody>
-          <a:bodyPr/>
-          <a:lstStyle/>
-          <a:p>
-            <a:r>
-              <a:rPr lang="en-US" sz="3200" b="1" dirty="0">
-                <a:solidFill>
-                  <a:schemeClr val="bg1"/>
-                </a:solidFill>
-                <a:latin typeface="Rajdhani"/>
-              </a:rPr>
-              <a:t>Diagrams</a:t>
-            </a:r>
-            <a:r>
-              <a:rPr lang="en-US" b="1" dirty="0">
-                <a:solidFill>
-                  <a:schemeClr val="bg1"/>
-                </a:solidFill>
-                <a:latin typeface="Rajdhani"/>
-              </a:rPr>
-              <a:t>:</a:t>
-            </a:r>
-          </a:p>
-        </p:txBody>
-      </p:sp>
-      <p:pic>
-        <p:nvPicPr>
-          <p:cNvPr id="5" name="Picture 4">
-            <a:extLst>
-              <a:ext uri="{FF2B5EF4-FFF2-40B4-BE49-F238E27FC236}">
-                <a16:creationId xmlns:a16="http://schemas.microsoft.com/office/drawing/2014/main" id="{81E31B39-FCAC-48E5-9711-8D9B03598519}"/>
+                <a16:creationId xmlns:a16="http://schemas.microsoft.com/office/drawing/2014/main" id="{E5C902A5-D832-4FE2-A75E-85A1D1A36B68}"/>
               </a:ext>
             </a:extLst>
           </p:cNvPr>
@@ -10593,199 +10527,140 @@
         </p:blipFill>
         <p:spPr>
           <a:xfrm>
-            <a:off x="6129092" y="101268"/>
-            <a:ext cx="2557348" cy="4940964"/>
+            <a:off x="500406" y="1724890"/>
+            <a:ext cx="3429940" cy="3217887"/>
           </a:xfrm>
           <a:prstGeom prst="rect">
             <a:avLst/>
           </a:prstGeom>
         </p:spPr>
       </p:pic>
-      <p:sp>
-        <p:nvSpPr>
-          <p:cNvPr id="7" name="TextBox 6">
+      <p:pic>
+        <p:nvPicPr>
+          <p:cNvPr id="8" name="Picture 7">
             <a:extLst>
               <a:ext uri="{FF2B5EF4-FFF2-40B4-BE49-F238E27FC236}">
-                <a16:creationId xmlns:a16="http://schemas.microsoft.com/office/drawing/2014/main" id="{314767A4-0400-495D-AAA3-E406D5026456}"/>
+                <a16:creationId xmlns:a16="http://schemas.microsoft.com/office/drawing/2014/main" id="{D8951C31-5571-4C82-A88F-9DE91184D5CC}"/>
               </a:ext>
             </a:extLst>
           </p:cNvPr>
-          <p:cNvSpPr txBox="1"/>
+          <p:cNvPicPr>
+            <a:picLocks noChangeAspect="1"/>
+          </p:cNvPicPr>
           <p:nvPr/>
-        </p:nvSpPr>
-        <p:spPr>
-          <a:xfrm>
-            <a:off x="375424" y="967156"/>
-            <a:ext cx="4572000" cy="369332"/>
-          </a:xfrm>
-          <a:prstGeom prst="rect">
-            <a:avLst/>
-          </a:prstGeom>
-          <a:noFill/>
-        </p:spPr>
-        <p:txBody>
-          <a:bodyPr wrap="square">
-            <a:spAutoFit/>
-          </a:bodyPr>
+        </p:nvPicPr>
+        <p:blipFill>
+          <a:blip r:embed="rId3" cstate="print">
+            <a:extLst>
+              <a:ext uri="{28A0092B-C50C-407E-A947-70E740481C1C}">
+                <a14:useLocalDpi xmlns:a14="http://schemas.microsoft.com/office/drawing/2010/main" val="0"/>
+              </a:ext>
+            </a:extLst>
+          </a:blip>
+          <a:stretch>
+            <a:fillRect/>
+          </a:stretch>
+        </p:blipFill>
+        <p:spPr>
+          <a:xfrm>
+            <a:off x="4234637" y="1724889"/>
+            <a:ext cx="4415884" cy="3217887"/>
+          </a:xfrm>
+          <a:prstGeom prst="rect">
+            <a:avLst/>
+          </a:prstGeom>
+        </p:spPr>
+      </p:pic>
+      <p:sp>
+        <p:nvSpPr>
+          <p:cNvPr id="5" name="Title 1">
+            <a:extLst>
+              <a:ext uri="{FF2B5EF4-FFF2-40B4-BE49-F238E27FC236}">
+                <a16:creationId xmlns:a16="http://schemas.microsoft.com/office/drawing/2014/main" id="{8DDE58F4-31B9-4CCA-A278-76B032131EA5}"/>
+              </a:ext>
+            </a:extLst>
+          </p:cNvPr>
+          <p:cNvSpPr>
+            <a:spLocks noGrp="1"/>
+          </p:cNvSpPr>
+          <p:nvPr>
+            <p:ph type="title"/>
+          </p:nvPr>
+        </p:nvSpPr>
+        <p:spPr>
+          <a:xfrm>
+            <a:off x="500406" y="343744"/>
+            <a:ext cx="8229240" cy="1554327"/>
+          </a:xfrm>
+        </p:spPr>
+        <p:txBody>
+          <a:bodyPr/>
           <a:lstStyle/>
           <a:p>
             <a:r>
-              <a:rPr lang="en-US" b="1" dirty="0">
+              <a:rPr lang="en-US" sz="3200" b="1" dirty="0" smtClean="0">
                 <a:solidFill>
                   <a:schemeClr val="bg1"/>
                 </a:solidFill>
+                <a:latin typeface="Rajdhani"/>
               </a:rPr>
-              <a:t>- architecture diagram: </a:t>
+              <a:t>Diagrams (cont.)</a:t>
             </a:r>
-          </a:p>
-        </p:txBody>
-      </p:sp>
-      <p:sp>
-        <p:nvSpPr>
-          <p:cNvPr id="9" name="TextBox 8">
-            <a:extLst>
-              <a:ext uri="{FF2B5EF4-FFF2-40B4-BE49-F238E27FC236}">
-                <a16:creationId xmlns:a16="http://schemas.microsoft.com/office/drawing/2014/main" id="{D8908C09-353D-47A7-86E6-05F24EDFA179}"/>
-              </a:ext>
-            </a:extLst>
-          </p:cNvPr>
-          <p:cNvSpPr txBox="1"/>
-          <p:nvPr/>
-        </p:nvSpPr>
-        <p:spPr>
-          <a:xfrm>
-            <a:off x="375424" y="1336488"/>
-            <a:ext cx="4430752" cy="646331"/>
-          </a:xfrm>
-          <a:prstGeom prst="rect">
-            <a:avLst/>
-          </a:prstGeom>
-          <a:noFill/>
-        </p:spPr>
-        <p:txBody>
-          <a:bodyPr wrap="square">
-            <a:spAutoFit/>
-          </a:bodyPr>
-          <a:lstStyle/>
-          <a:p>
-            <a:r>
-              <a:rPr lang="en-US" sz="1200" dirty="0">
+            <a:br>
+              <a:rPr lang="en-US" sz="3200" b="1" dirty="0" smtClean="0">
                 <a:solidFill>
                   <a:schemeClr val="bg1"/>
                 </a:solidFill>
-                <a:latin typeface="Fira Sans Condensed Light" panose="020B0403050000020004" pitchFamily="34" charset="0"/>
+                <a:latin typeface="Rajdhani"/>
               </a:rPr>
-              <a:t>Model-View-Controller (MVC) is a design pattern that divides an application into three basic logical components: Model, View, and Controller and we aim to use it in our system.</a:t>
-            </a:r>
-          </a:p>
-        </p:txBody>
-      </p:sp>
-      <p:sp>
-        <p:nvSpPr>
-          <p:cNvPr id="13" name="TextBox 12">
-            <a:extLst>
-              <a:ext uri="{FF2B5EF4-FFF2-40B4-BE49-F238E27FC236}">
-                <a16:creationId xmlns:a16="http://schemas.microsoft.com/office/drawing/2014/main" id="{2B075ADF-6F80-4123-A574-0399A0ECB29F}"/>
-              </a:ext>
-            </a:extLst>
-          </p:cNvPr>
-          <p:cNvSpPr txBox="1"/>
-          <p:nvPr/>
-        </p:nvSpPr>
-        <p:spPr>
-          <a:xfrm>
-            <a:off x="304800" y="1982819"/>
-            <a:ext cx="4572000" cy="3046988"/>
-          </a:xfrm>
-          <a:prstGeom prst="rect">
-            <a:avLst/>
-          </a:prstGeom>
-          <a:noFill/>
-        </p:spPr>
-        <p:txBody>
-          <a:bodyPr wrap="square">
-            <a:spAutoFit/>
-          </a:bodyPr>
-          <a:lstStyle/>
-          <a:p>
-            <a:pPr marL="171450" indent="-171450">
-              <a:buFont typeface="Arial" panose="020B0604020202020204" pitchFamily="34" charset="0"/>
-              <a:buChar char="•"/>
-            </a:pPr>
+            </a:br>
             <a:r>
-              <a:rPr lang="en-US" sz="1200" dirty="0">
+              <a:rPr lang="en-US" sz="3200" b="1" dirty="0" smtClean="0">
                 <a:solidFill>
                   <a:schemeClr val="bg1"/>
                 </a:solidFill>
-                <a:latin typeface="Fira Sans Condensed Light" panose="020B0403050000020004" pitchFamily="34" charset="0"/>
+                <a:latin typeface="Rajdhani"/>
               </a:rPr>
-              <a:t>a view is the component of the program that reflects how the results of the paternity test and report will be viewed.  The data given to the system should be uploaded by the user for it to be processed and output to the user.</a:t>
+              <a:t/>
             </a:r>
             <a:br>
-              <a:rPr lang="en-US" sz="1200" dirty="0">
+              <a:rPr lang="en-US" sz="3200" b="1" dirty="0" smtClean="0">
                 <a:solidFill>
                   <a:schemeClr val="bg1"/>
                 </a:solidFill>
-                <a:latin typeface="Fira Sans Condensed Light" panose="020B0403050000020004" pitchFamily="34" charset="0"/>
+                <a:latin typeface="Rajdhani"/>
               </a:rPr>
             </a:br>
-            <a:endParaRPr lang="en-US" sz="1200" dirty="0">
+            <a:r>
+              <a:rPr lang="en-US" sz="2600" spc="-1" dirty="0" smtClean="0">
+                <a:solidFill>
+                  <a:srgbClr val="F3F3F3"/>
+                </a:solidFill>
+                <a:latin typeface="Fira Sans Condensed Light"/>
+                <a:ea typeface="Fira Sans Condensed Light"/>
+              </a:rPr>
+              <a:t>Sequence diagrams</a:t>
+            </a:r>
+            <a:r>
+              <a:rPr lang="en-US" sz="3000" spc="-1" dirty="0"/>
+              <a:t/>
+            </a:r>
+            <a:br>
+              <a:rPr lang="en-US" sz="3000" spc="-1" dirty="0"/>
+            </a:br>
+            <a:endParaRPr lang="en-US" sz="3000" b="1" dirty="0">
               <a:solidFill>
                 <a:schemeClr val="bg1"/>
               </a:solidFill>
-              <a:latin typeface="Fira Sans Condensed Light" panose="020B0403050000020004" pitchFamily="34" charset="0"/>
-            </a:endParaRPr>
-          </a:p>
-          <a:p>
-            <a:pPr marL="171450" indent="-171450">
-              <a:buFont typeface="Arial" panose="020B0604020202020204" pitchFamily="34" charset="0"/>
-              <a:buChar char="•"/>
-            </a:pPr>
-            <a:r>
-              <a:rPr lang="en-US" sz="1200" dirty="0">
-                <a:solidFill>
-                  <a:schemeClr val="bg1"/>
-                </a:solidFill>
-                <a:latin typeface="Fira Sans Condensed Light" panose="020B0403050000020004" pitchFamily="34" charset="0"/>
-              </a:rPr>
-              <a:t>The application's controller is the component that manages user interaction. The controller interprets the user's mouse and keyboard inputs, causing the model and display to adapt appropriately, much like when the user interacts with the testing process and uploads its data.</a:t>
-            </a:r>
-            <a:br>
-              <a:rPr lang="en-US" sz="1200" dirty="0">
-                <a:solidFill>
-                  <a:schemeClr val="bg1"/>
-                </a:solidFill>
-                <a:latin typeface="Fira Sans Condensed Light" panose="020B0403050000020004" pitchFamily="34" charset="0"/>
-              </a:rPr>
-            </a:br>
-            <a:endParaRPr lang="en-US" sz="1200" dirty="0">
-              <a:solidFill>
-                <a:schemeClr val="bg1"/>
-              </a:solidFill>
-              <a:latin typeface="Fira Sans Condensed Light" panose="020B0403050000020004" pitchFamily="34" charset="0"/>
-            </a:endParaRPr>
-          </a:p>
-          <a:p>
-            <a:pPr marL="171450" indent="-171450">
-              <a:buFont typeface="Arial" panose="020B0604020202020204" pitchFamily="34" charset="0"/>
-              <a:buChar char="•"/>
-            </a:pPr>
-            <a:r>
-              <a:rPr lang="en-US" sz="1200" dirty="0">
-                <a:solidFill>
-                  <a:schemeClr val="bg1"/>
-                </a:solidFill>
-                <a:latin typeface="Fira Sans Condensed Light" panose="020B0403050000020004" pitchFamily="34" charset="0"/>
-              </a:rPr>
-              <a:t>Data and logic are contained in the model section. It represents data exchanged between controller components or any other business logic linked to it. Admin can obtain user information from the database using a Controller object, for example. Before sending data back to the database or displaying it, it manipulates it.</a:t>
-            </a:r>
+              <a:latin typeface="Rajdhani"/>
+            </a:endParaRPr>
           </a:p>
         </p:txBody>
       </p:sp>
     </p:spTree>
     <p:extLst>
       <p:ext uri="{BB962C8B-B14F-4D97-AF65-F5344CB8AC3E}">
-        <p14:creationId xmlns:p14="http://schemas.microsoft.com/office/powerpoint/2010/main" val="2473886441"/>
+        <p14:creationId xmlns:p14="http://schemas.microsoft.com/office/powerpoint/2010/main" val="1513932796"/>
       </p:ext>
     </p:extLst>
   </p:cSld>
@@ -10817,49 +10692,107 @@
       </p:grpSpPr>
       <p:sp>
         <p:nvSpPr>
-          <p:cNvPr id="4" name="TextBox 3">
+          <p:cNvPr id="218" name="CustomShape 1"/>
+          <p:cNvSpPr/>
+          <p:nvPr/>
+        </p:nvSpPr>
+        <p:spPr>
+          <a:xfrm>
+            <a:off x="465247" y="213705"/>
+            <a:ext cx="5194440" cy="887180"/>
+          </a:xfrm>
+          <a:prstGeom prst="rect">
+            <a:avLst/>
+          </a:prstGeom>
+          <a:noFill/>
+          <a:ln>
+            <a:noFill/>
+          </a:ln>
+        </p:spPr>
+        <p:style>
+          <a:lnRef idx="0">
+            <a:scrgbClr r="0" g="0" b="0"/>
+          </a:lnRef>
+          <a:fillRef idx="0">
+            <a:scrgbClr r="0" g="0" b="0"/>
+          </a:fillRef>
+          <a:effectRef idx="0">
+            <a:scrgbClr r="0" g="0" b="0"/>
+          </a:effectRef>
+          <a:fontRef idx="minor"/>
+        </p:style>
+        <p:txBody>
+          <a:bodyPr lIns="90000" tIns="91440" rIns="90000" bIns="91440" anchor="ctr">
+            <a:noAutofit/>
+          </a:bodyPr>
+          <a:lstStyle/>
+          <a:p>
+            <a:pPr>
+              <a:lnSpc>
+                <a:spcPct val="100000"/>
+              </a:lnSpc>
+              <a:tabLst>
+                <a:tab pos="0" algn="l"/>
+              </a:tabLst>
+            </a:pPr>
+            <a:r>
+              <a:rPr lang="en-US" sz="3200" b="1" strike="noStrike" spc="-1" dirty="0" smtClean="0">
+                <a:solidFill>
+                  <a:srgbClr val="F3F3F3"/>
+                </a:solidFill>
+                <a:latin typeface="Rajdhani"/>
+                <a:ea typeface="Fira Sans Condensed Light"/>
+              </a:rPr>
+              <a:t>Diagrams (cont.)</a:t>
+            </a:r>
+          </a:p>
+          <a:p>
+            <a:pPr>
+              <a:lnSpc>
+                <a:spcPct val="100000"/>
+              </a:lnSpc>
+              <a:tabLst>
+                <a:tab pos="0" algn="l"/>
+              </a:tabLst>
+            </a:pPr>
+            <a:endParaRPr lang="en-US" sz="3200" b="1" strike="noStrike" spc="-1" dirty="0" smtClean="0">
+              <a:solidFill>
+                <a:srgbClr val="F3F3F3"/>
+              </a:solidFill>
+              <a:latin typeface="Rajdhani"/>
+              <a:ea typeface="Fira Sans Condensed Light"/>
+            </a:endParaRPr>
+          </a:p>
+          <a:p>
+            <a:pPr>
+              <a:lnSpc>
+                <a:spcPct val="100000"/>
+              </a:lnSpc>
+              <a:tabLst>
+                <a:tab pos="0" algn="l"/>
+              </a:tabLst>
+            </a:pPr>
+            <a:r>
+              <a:rPr lang="en-US" sz="2000" b="1" spc="-1" dirty="0" smtClean="0">
+                <a:solidFill>
+                  <a:srgbClr val="F3F3F3"/>
+                </a:solidFill>
+                <a:latin typeface="Rajdhani"/>
+              </a:rPr>
+              <a:t>Class diagram</a:t>
+            </a:r>
+            <a:endParaRPr lang="en-US" sz="2000" b="0" strike="noStrike" spc="-1" dirty="0">
+              <a:latin typeface="Arial"/>
+            </a:endParaRPr>
+          </a:p>
+        </p:txBody>
+      </p:sp>
+      <p:pic>
+        <p:nvPicPr>
+          <p:cNvPr id="4" name="Picture 3">
             <a:extLst>
               <a:ext uri="{FF2B5EF4-FFF2-40B4-BE49-F238E27FC236}">
-                <a16:creationId xmlns:a16="http://schemas.microsoft.com/office/drawing/2014/main" id="{E9E456D6-B7B0-4BDC-8B9E-E4BAA0741B18}"/>
-              </a:ext>
-            </a:extLst>
-          </p:cNvPr>
-          <p:cNvSpPr txBox="1"/>
-          <p:nvPr/>
-        </p:nvSpPr>
-        <p:spPr>
-          <a:xfrm>
-            <a:off x="500406" y="379859"/>
-            <a:ext cx="4572000" cy="369332"/>
-          </a:xfrm>
-          <a:prstGeom prst="rect">
-            <a:avLst/>
-          </a:prstGeom>
-          <a:noFill/>
-        </p:spPr>
-        <p:txBody>
-          <a:bodyPr wrap="square">
-            <a:spAutoFit/>
-          </a:bodyPr>
-          <a:lstStyle/>
-          <a:p>
-            <a:r>
-              <a:rPr lang="en-US" b="1" dirty="0">
-                <a:solidFill>
-                  <a:schemeClr val="bg1"/>
-                </a:solidFill>
-              </a:rPr>
-              <a:t>- Sequence diagram: </a:t>
-            </a:r>
-          </a:p>
-        </p:txBody>
-      </p:sp>
-      <p:pic>
-        <p:nvPicPr>
-          <p:cNvPr id="6" name="Picture 5">
-            <a:extLst>
-              <a:ext uri="{FF2B5EF4-FFF2-40B4-BE49-F238E27FC236}">
-                <a16:creationId xmlns:a16="http://schemas.microsoft.com/office/drawing/2014/main" id="{E5C902A5-D832-4FE2-A75E-85A1D1A36B68}"/>
+                <a16:creationId xmlns:a16="http://schemas.microsoft.com/office/drawing/2014/main" id="{BAED9176-6B4C-4AC7-B47C-FDF1CBDE1CFE}"/>
               </a:ext>
             </a:extLst>
           </p:cNvPr>
@@ -10882,44 +10815,8 @@
         </p:blipFill>
         <p:spPr>
           <a:xfrm>
-            <a:off x="500406" y="1018478"/>
-            <a:ext cx="3429940" cy="3924300"/>
-          </a:xfrm>
-          <a:prstGeom prst="rect">
-            <a:avLst/>
-          </a:prstGeom>
-        </p:spPr>
-      </p:pic>
-      <p:pic>
-        <p:nvPicPr>
-          <p:cNvPr id="8" name="Picture 7">
-            <a:extLst>
-              <a:ext uri="{FF2B5EF4-FFF2-40B4-BE49-F238E27FC236}">
-                <a16:creationId xmlns:a16="http://schemas.microsoft.com/office/drawing/2014/main" id="{D8951C31-5571-4C82-A88F-9DE91184D5CC}"/>
-              </a:ext>
-            </a:extLst>
-          </p:cNvPr>
-          <p:cNvPicPr>
-            <a:picLocks noChangeAspect="1"/>
-          </p:cNvPicPr>
-          <p:nvPr/>
-        </p:nvPicPr>
-        <p:blipFill>
-          <a:blip r:embed="rId3" cstate="print">
-            <a:extLst>
-              <a:ext uri="{28A0092B-C50C-407E-A947-70E740481C1C}">
-                <a14:useLocalDpi xmlns:a14="http://schemas.microsoft.com/office/drawing/2010/main" val="0"/>
-              </a:ext>
-            </a:extLst>
-          </a:blip>
-          <a:stretch>
-            <a:fillRect/>
-          </a:stretch>
-        </p:blipFill>
-        <p:spPr>
-          <a:xfrm>
-            <a:off x="4227710" y="1018478"/>
-            <a:ext cx="4415884" cy="3887684"/>
+            <a:off x="1198418" y="1357745"/>
+            <a:ext cx="7348254" cy="3609542"/>
           </a:xfrm>
           <a:prstGeom prst="rect">
             <a:avLst/>
@@ -10927,11 +10824,6 @@
         </p:spPr>
       </p:pic>
     </p:spTree>
-    <p:extLst>
-      <p:ext uri="{BB962C8B-B14F-4D97-AF65-F5344CB8AC3E}">
-        <p14:creationId xmlns:p14="http://schemas.microsoft.com/office/powerpoint/2010/main" val="1513932796"/>
-      </p:ext>
-    </p:extLst>
   </p:cSld>
   <p:clrMapOvr>
     <a:masterClrMapping/>
@@ -10961,7 +10853,7 @@
       </p:grpSpPr>
       <p:sp>
         <p:nvSpPr>
-          <p:cNvPr id="218" name="CustomShape 1"/>
+          <p:cNvPr id="4" name="CustomShape 1"/>
           <p:cNvSpPr/>
           <p:nvPr/>
         </p:nvSpPr>
@@ -11005,30 +10897,425 @@
               </a:tabLst>
             </a:pPr>
             <a:r>
-              <a:rPr lang="en-US" sz="3200" b="1" strike="noStrike" spc="-1" dirty="0">
+              <a:rPr lang="en-US" sz="3200" b="1" strike="noStrike" spc="-1" dirty="0" smtClean="0">
                 <a:solidFill>
-                  <a:srgbClr val="F3F3F3"/>
+                  <a:schemeClr val="bg1"/>
                 </a:solidFill>
                 <a:latin typeface="Rajdhani"/>
-                <a:ea typeface="Fira Sans Condensed Light"/>
+                <a:cs typeface="Arial" panose="020B0604020202020204" pitchFamily="34" charset="0"/>
               </a:rPr>
-              <a:t>Class diagram:</a:t>
+              <a:t>Dataset Used:</a:t>
             </a:r>
-            <a:endParaRPr lang="en-US" sz="3200" b="0" strike="noStrike" spc="-1" dirty="0">
-              <a:latin typeface="Arial"/>
+            <a:endParaRPr lang="en-US" sz="3200" b="1" strike="noStrike" spc="-1" dirty="0">
+              <a:solidFill>
+                <a:schemeClr val="bg1"/>
+              </a:solidFill>
+              <a:latin typeface="Rajdhani"/>
+              <a:cs typeface="Arial" panose="020B0604020202020204" pitchFamily="34" charset="0"/>
             </a:endParaRPr>
           </a:p>
         </p:txBody>
       </p:sp>
       <p:pic>
         <p:nvPicPr>
-          <p:cNvPr id="4" name="Picture 3">
+          <p:cNvPr id="5" name="Picture 4"/>
+          <p:cNvPicPr>
+            <a:picLocks noChangeAspect="1"/>
+          </p:cNvPicPr>
+          <p:nvPr/>
+        </p:nvPicPr>
+        <p:blipFill>
+          <a:blip r:embed="rId2">
             <a:extLst>
-              <a:ext uri="{FF2B5EF4-FFF2-40B4-BE49-F238E27FC236}">
-                <a16:creationId xmlns:a16="http://schemas.microsoft.com/office/drawing/2014/main" id="{BAED9176-6B4C-4AC7-B47C-FDF1CBDE1CFE}"/>
+              <a:ext uri="{28A0092B-C50C-407E-A947-70E740481C1C}">
+                <a14:useLocalDpi xmlns:a14="http://schemas.microsoft.com/office/drawing/2010/main" val="0"/>
               </a:ext>
             </a:extLst>
-          </p:cNvPr>
+          </a:blip>
+          <a:stretch>
+            <a:fillRect/>
+          </a:stretch>
+        </p:blipFill>
+        <p:spPr>
+          <a:xfrm>
+            <a:off x="4176142" y="520210"/>
+            <a:ext cx="4773894" cy="4065643"/>
+          </a:xfrm>
+          <a:prstGeom prst="rect">
+            <a:avLst/>
+          </a:prstGeom>
+        </p:spPr>
+      </p:pic>
+      <p:sp>
+        <p:nvSpPr>
+          <p:cNvPr id="6" name="CustomShape 2"/>
+          <p:cNvSpPr/>
+          <p:nvPr/>
+        </p:nvSpPr>
+        <p:spPr>
+          <a:xfrm>
+            <a:off x="300043" y="782781"/>
+            <a:ext cx="3759338" cy="2140527"/>
+          </a:xfrm>
+          <a:prstGeom prst="rect">
+            <a:avLst/>
+          </a:prstGeom>
+          <a:noFill/>
+          <a:ln>
+            <a:noFill/>
+          </a:ln>
+        </p:spPr>
+        <p:style>
+          <a:lnRef idx="0">
+            <a:scrgbClr r="0" g="0" b="0"/>
+          </a:lnRef>
+          <a:fillRef idx="0">
+            <a:scrgbClr r="0" g="0" b="0"/>
+          </a:fillRef>
+          <a:effectRef idx="0">
+            <a:scrgbClr r="0" g="0" b="0"/>
+          </a:effectRef>
+          <a:fontRef idx="minor"/>
+        </p:style>
+        <p:txBody>
+          <a:bodyPr lIns="90000" tIns="91440" rIns="90000" bIns="91440" anchor="ctr">
+            <a:noAutofit/>
+          </a:bodyPr>
+          <a:lstStyle/>
+          <a:p>
+            <a:pPr marL="153000">
+              <a:lnSpc>
+                <a:spcPct val="100000"/>
+              </a:lnSpc>
+              <a:buClr>
+                <a:srgbClr val="F3F3F3"/>
+              </a:buClr>
+            </a:pPr>
+            <a:r>
+              <a:rPr lang="en-US" spc="-1" dirty="0" smtClean="0">
+                <a:solidFill>
+                  <a:schemeClr val="bg1"/>
+                </a:solidFill>
+                <a:latin typeface="Fira Sans Condensed Light"/>
+              </a:rPr>
+              <a:t>Our dataset has over 100000 instances of </a:t>
+            </a:r>
+            <a:r>
+              <a:rPr lang="en-US" spc="-1" dirty="0" err="1" smtClean="0">
+                <a:solidFill>
+                  <a:schemeClr val="bg1"/>
+                </a:solidFill>
+                <a:latin typeface="Fira Sans Condensed Light"/>
+              </a:rPr>
+              <a:t>rs</a:t>
+            </a:r>
+            <a:r>
+              <a:rPr lang="en-US" spc="-1" dirty="0" smtClean="0">
+                <a:solidFill>
+                  <a:schemeClr val="bg1"/>
+                </a:solidFill>
+                <a:latin typeface="Fira Sans Condensed Light"/>
+              </a:rPr>
+              <a:t> numbers and consists of 6 main features showing both alleles for every family member and the number of chromosome for each instance</a:t>
+            </a:r>
+            <a:endParaRPr lang="en-US" sz="1800" b="0" strike="noStrike" spc="-1" dirty="0">
+              <a:solidFill>
+                <a:schemeClr val="bg1"/>
+              </a:solidFill>
+              <a:latin typeface="Fira Sans Condensed Light"/>
+            </a:endParaRPr>
+          </a:p>
+        </p:txBody>
+      </p:sp>
+    </p:spTree>
+    <p:extLst>
+      <p:ext uri="{BB962C8B-B14F-4D97-AF65-F5344CB8AC3E}">
+        <p14:creationId xmlns:p14="http://schemas.microsoft.com/office/powerpoint/2010/main" val="2023526759"/>
+      </p:ext>
+    </p:extLst>
+  </p:cSld>
+  <p:clrMapOvr>
+    <a:masterClrMapping/>
+  </p:clrMapOvr>
+  <p:transition spd="slow">
+    <p:push dir="u"/>
+  </p:transition>
+</p:sld>
+</file>
+
+<file path=ppt/slides/slide14.xml><?xml version="1.0" encoding="utf-8"?>
+<p:sld xmlns:a="http://schemas.openxmlformats.org/drawingml/2006/main" xmlns:r="http://schemas.openxmlformats.org/officeDocument/2006/relationships" xmlns:p="http://schemas.openxmlformats.org/presentationml/2006/main">
+  <p:cSld>
+    <p:spTree>
+      <p:nvGrpSpPr>
+        <p:cNvPr id="1" name=""/>
+        <p:cNvGrpSpPr/>
+        <p:nvPr/>
+      </p:nvGrpSpPr>
+      <p:grpSpPr>
+        <a:xfrm>
+          <a:off x="0" y="0"/>
+          <a:ext cx="0" cy="0"/>
+          <a:chOff x="0" y="0"/>
+          <a:chExt cx="0" cy="0"/>
+        </a:xfrm>
+      </p:grpSpPr>
+      <p:sp>
+        <p:nvSpPr>
+          <p:cNvPr id="4" name="CustomShape 1"/>
+          <p:cNvSpPr/>
+          <p:nvPr/>
+        </p:nvSpPr>
+        <p:spPr>
+          <a:xfrm>
+            <a:off x="458320" y="75711"/>
+            <a:ext cx="5194440" cy="635760"/>
+          </a:xfrm>
+          <a:prstGeom prst="rect">
+            <a:avLst/>
+          </a:prstGeom>
+          <a:noFill/>
+          <a:ln>
+            <a:noFill/>
+          </a:ln>
+        </p:spPr>
+        <p:style>
+          <a:lnRef idx="0">
+            <a:scrgbClr r="0" g="0" b="0"/>
+          </a:lnRef>
+          <a:fillRef idx="0">
+            <a:scrgbClr r="0" g="0" b="0"/>
+          </a:fillRef>
+          <a:effectRef idx="0">
+            <a:scrgbClr r="0" g="0" b="0"/>
+          </a:effectRef>
+          <a:fontRef idx="minor"/>
+        </p:style>
+        <p:txBody>
+          <a:bodyPr lIns="90000" tIns="91440" rIns="90000" bIns="91440" anchor="ctr">
+            <a:noAutofit/>
+          </a:bodyPr>
+          <a:lstStyle/>
+          <a:p>
+            <a:pPr>
+              <a:lnSpc>
+                <a:spcPct val="100000"/>
+              </a:lnSpc>
+              <a:tabLst>
+                <a:tab pos="0" algn="l"/>
+              </a:tabLst>
+            </a:pPr>
+            <a:r>
+              <a:rPr lang="en-US" sz="3200" b="1" strike="noStrike" spc="-1" dirty="0" smtClean="0">
+                <a:solidFill>
+                  <a:schemeClr val="bg1"/>
+                </a:solidFill>
+                <a:latin typeface="Rajdhani"/>
+                <a:cs typeface="Arial" panose="020B0604020202020204" pitchFamily="34" charset="0"/>
+              </a:rPr>
+              <a:t>User interface</a:t>
+            </a:r>
+            <a:endParaRPr lang="en-US" sz="3200" b="1" strike="noStrike" spc="-1" dirty="0">
+              <a:solidFill>
+                <a:schemeClr val="bg1"/>
+              </a:solidFill>
+              <a:latin typeface="Rajdhani"/>
+              <a:cs typeface="Arial" panose="020B0604020202020204" pitchFamily="34" charset="0"/>
+            </a:endParaRPr>
+          </a:p>
+        </p:txBody>
+      </p:sp>
+      <p:pic>
+        <p:nvPicPr>
+          <p:cNvPr id="5" name="Picture 4"/>
+          <p:cNvPicPr>
+            <a:picLocks noChangeAspect="1"/>
+          </p:cNvPicPr>
+          <p:nvPr/>
+        </p:nvPicPr>
+        <p:blipFill>
+          <a:blip r:embed="rId2">
+            <a:extLst>
+              <a:ext uri="{28A0092B-C50C-407E-A947-70E740481C1C}">
+                <a14:useLocalDpi xmlns:a14="http://schemas.microsoft.com/office/drawing/2010/main" val="0"/>
+              </a:ext>
+            </a:extLst>
+          </a:blip>
+          <a:stretch>
+            <a:fillRect/>
+          </a:stretch>
+        </p:blipFill>
+        <p:spPr>
+          <a:xfrm>
+            <a:off x="6906079" y="890624"/>
+            <a:ext cx="1870776" cy="3828459"/>
+          </a:xfrm>
+          <a:prstGeom prst="rect">
+            <a:avLst/>
+          </a:prstGeom>
+        </p:spPr>
+      </p:pic>
+      <p:pic>
+        <p:nvPicPr>
+          <p:cNvPr id="6" name="Picture 5"/>
+          <p:cNvPicPr>
+            <a:picLocks noChangeAspect="1"/>
+          </p:cNvPicPr>
+          <p:nvPr/>
+        </p:nvPicPr>
+        <p:blipFill>
+          <a:blip r:embed="rId3">
+            <a:extLst>
+              <a:ext uri="{28A0092B-C50C-407E-A947-70E740481C1C}">
+                <a14:useLocalDpi xmlns:a14="http://schemas.microsoft.com/office/drawing/2010/main" val="0"/>
+              </a:ext>
+            </a:extLst>
+          </a:blip>
+          <a:stretch>
+            <a:fillRect/>
+          </a:stretch>
+        </p:blipFill>
+        <p:spPr>
+          <a:xfrm>
+            <a:off x="3811603" y="890624"/>
+            <a:ext cx="1841157" cy="3822896"/>
+          </a:xfrm>
+          <a:prstGeom prst="rect">
+            <a:avLst/>
+          </a:prstGeom>
+        </p:spPr>
+      </p:pic>
+      <p:pic>
+        <p:nvPicPr>
+          <p:cNvPr id="7" name="Picture 6"/>
+          <p:cNvPicPr>
+            <a:picLocks noChangeAspect="1"/>
+          </p:cNvPicPr>
+          <p:nvPr/>
+        </p:nvPicPr>
+        <p:blipFill>
+          <a:blip r:embed="rId4">
+            <a:extLst>
+              <a:ext uri="{28A0092B-C50C-407E-A947-70E740481C1C}">
+                <a14:useLocalDpi xmlns:a14="http://schemas.microsoft.com/office/drawing/2010/main" val="0"/>
+              </a:ext>
+            </a:extLst>
+          </a:blip>
+          <a:stretch>
+            <a:fillRect/>
+          </a:stretch>
+        </p:blipFill>
+        <p:spPr>
+          <a:xfrm>
+            <a:off x="732251" y="890623"/>
+            <a:ext cx="1826598" cy="3729867"/>
+          </a:xfrm>
+          <a:prstGeom prst="rect">
+            <a:avLst/>
+          </a:prstGeom>
+        </p:spPr>
+      </p:pic>
+    </p:spTree>
+    <p:extLst>
+      <p:ext uri="{BB962C8B-B14F-4D97-AF65-F5344CB8AC3E}">
+        <p14:creationId xmlns:p14="http://schemas.microsoft.com/office/powerpoint/2010/main" val="1398876115"/>
+      </p:ext>
+    </p:extLst>
+  </p:cSld>
+  <p:clrMapOvr>
+    <a:masterClrMapping/>
+  </p:clrMapOvr>
+  <p:transition spd="slow">
+    <p:push dir="u"/>
+  </p:transition>
+</p:sld>
+</file>
+
+<file path=ppt/slides/slide15.xml><?xml version="1.0" encoding="utf-8"?>
+<p:sld xmlns:a="http://schemas.openxmlformats.org/drawingml/2006/main" xmlns:r="http://schemas.openxmlformats.org/officeDocument/2006/relationships" xmlns:p="http://schemas.openxmlformats.org/presentationml/2006/main">
+  <p:cSld>
+    <p:spTree>
+      <p:nvGrpSpPr>
+        <p:cNvPr id="1" name=""/>
+        <p:cNvGrpSpPr/>
+        <p:nvPr/>
+      </p:nvGrpSpPr>
+      <p:grpSpPr>
+        <a:xfrm>
+          <a:off x="0" y="0"/>
+          <a:ext cx="0" cy="0"/>
+          <a:chOff x="0" y="0"/>
+          <a:chExt cx="0" cy="0"/>
+        </a:xfrm>
+      </p:grpSpPr>
+      <p:sp>
+        <p:nvSpPr>
+          <p:cNvPr id="4" name="CustomShape 1"/>
+          <p:cNvSpPr/>
+          <p:nvPr/>
+        </p:nvSpPr>
+        <p:spPr>
+          <a:xfrm>
+            <a:off x="458320" y="207330"/>
+            <a:ext cx="5194440" cy="635760"/>
+          </a:xfrm>
+          <a:prstGeom prst="rect">
+            <a:avLst/>
+          </a:prstGeom>
+          <a:noFill/>
+          <a:ln>
+            <a:noFill/>
+          </a:ln>
+        </p:spPr>
+        <p:style>
+          <a:lnRef idx="0">
+            <a:scrgbClr r="0" g="0" b="0"/>
+          </a:lnRef>
+          <a:fillRef idx="0">
+            <a:scrgbClr r="0" g="0" b="0"/>
+          </a:fillRef>
+          <a:effectRef idx="0">
+            <a:scrgbClr r="0" g="0" b="0"/>
+          </a:effectRef>
+          <a:fontRef idx="minor"/>
+        </p:style>
+        <p:txBody>
+          <a:bodyPr lIns="90000" tIns="91440" rIns="90000" bIns="91440" anchor="ctr">
+            <a:noAutofit/>
+          </a:bodyPr>
+          <a:lstStyle/>
+          <a:p>
+            <a:pPr>
+              <a:lnSpc>
+                <a:spcPct val="100000"/>
+              </a:lnSpc>
+              <a:tabLst>
+                <a:tab pos="0" algn="l"/>
+              </a:tabLst>
+            </a:pPr>
+            <a:r>
+              <a:rPr lang="en-US" sz="3200" b="1" strike="noStrike" spc="-1" dirty="0" smtClean="0">
+                <a:solidFill>
+                  <a:schemeClr val="bg1"/>
+                </a:solidFill>
+                <a:latin typeface="Rajdhani"/>
+                <a:cs typeface="Arial" panose="020B0604020202020204" pitchFamily="34" charset="0"/>
+              </a:rPr>
+              <a:t>User interface (cont.)</a:t>
+            </a:r>
+            <a:endParaRPr lang="en-US" sz="3200" b="1" strike="noStrike" spc="-1" dirty="0">
+              <a:solidFill>
+                <a:schemeClr val="bg1"/>
+              </a:solidFill>
+              <a:latin typeface="Rajdhani"/>
+              <a:cs typeface="Arial" panose="020B0604020202020204" pitchFamily="34" charset="0"/>
+            </a:endParaRPr>
+          </a:p>
+        </p:txBody>
+      </p:sp>
+      <p:pic>
+        <p:nvPicPr>
+          <p:cNvPr id="9" name="Picture 8"/>
           <p:cNvPicPr>
             <a:picLocks noChangeAspect="1"/>
           </p:cNvPicPr>
@@ -11048,8 +11335,98 @@
         </p:blipFill>
         <p:spPr>
           <a:xfrm>
-            <a:off x="458320" y="711471"/>
-            <a:ext cx="8088352" cy="4255816"/>
+            <a:off x="3909756" y="2578893"/>
+            <a:ext cx="5001682" cy="2350294"/>
+          </a:xfrm>
+          <a:prstGeom prst="rect">
+            <a:avLst/>
+          </a:prstGeom>
+        </p:spPr>
+      </p:pic>
+      <p:pic>
+        <p:nvPicPr>
+          <p:cNvPr id="10" name="Picture 9"/>
+          <p:cNvPicPr>
+            <a:picLocks noChangeAspect="1"/>
+          </p:cNvPicPr>
+          <p:nvPr/>
+        </p:nvPicPr>
+        <p:blipFill>
+          <a:blip r:embed="rId3" cstate="print">
+            <a:extLst>
+              <a:ext uri="{28A0092B-C50C-407E-A947-70E740481C1C}">
+                <a14:useLocalDpi xmlns:a14="http://schemas.microsoft.com/office/drawing/2010/main" val="0"/>
+              </a:ext>
+            </a:extLst>
+          </a:blip>
+          <a:stretch>
+            <a:fillRect/>
+          </a:stretch>
+        </p:blipFill>
+        <p:spPr>
+          <a:xfrm>
+            <a:off x="199243" y="843090"/>
+            <a:ext cx="1500970" cy="2057721"/>
+          </a:xfrm>
+          <a:prstGeom prst="rect">
+            <a:avLst/>
+          </a:prstGeom>
+        </p:spPr>
+      </p:pic>
+      <p:pic>
+        <p:nvPicPr>
+          <p:cNvPr id="11" name="Picture 10"/>
+          <p:cNvPicPr>
+            <a:picLocks noChangeAspect="1"/>
+          </p:cNvPicPr>
+          <p:nvPr/>
+        </p:nvPicPr>
+        <p:blipFill>
+          <a:blip r:embed="rId4" cstate="print">
+            <a:extLst>
+              <a:ext uri="{28A0092B-C50C-407E-A947-70E740481C1C}">
+                <a14:useLocalDpi xmlns:a14="http://schemas.microsoft.com/office/drawing/2010/main" val="0"/>
+              </a:ext>
+            </a:extLst>
+          </a:blip>
+          <a:stretch>
+            <a:fillRect/>
+          </a:stretch>
+        </p:blipFill>
+        <p:spPr>
+          <a:xfrm>
+            <a:off x="1782739" y="843090"/>
+            <a:ext cx="1589111" cy="2057721"/>
+          </a:xfrm>
+          <a:prstGeom prst="rect">
+            <a:avLst/>
+          </a:prstGeom>
+        </p:spPr>
+      </p:pic>
+      <p:pic>
+        <p:nvPicPr>
+          <p:cNvPr id="12" name="Picture 11"/>
+          <p:cNvPicPr>
+            <a:picLocks noChangeAspect="1"/>
+          </p:cNvPicPr>
+          <p:nvPr/>
+        </p:nvPicPr>
+        <p:blipFill>
+          <a:blip r:embed="rId5" cstate="print">
+            <a:extLst>
+              <a:ext uri="{28A0092B-C50C-407E-A947-70E740481C1C}">
+                <a14:useLocalDpi xmlns:a14="http://schemas.microsoft.com/office/drawing/2010/main" val="0"/>
+              </a:ext>
+            </a:extLst>
+          </a:blip>
+          <a:stretch>
+            <a:fillRect/>
+          </a:stretch>
+        </p:blipFill>
+        <p:spPr>
+          <a:xfrm>
+            <a:off x="4704581" y="293022"/>
+            <a:ext cx="4296544" cy="1975698"/>
           </a:xfrm>
           <a:prstGeom prst="rect">
             <a:avLst/>
@@ -11057,6 +11434,11 @@
         </p:spPr>
       </p:pic>
     </p:spTree>
+    <p:extLst>
+      <p:ext uri="{BB962C8B-B14F-4D97-AF65-F5344CB8AC3E}">
+        <p14:creationId xmlns:p14="http://schemas.microsoft.com/office/powerpoint/2010/main" val="2989245338"/>
+      </p:ext>
+    </p:extLst>
   </p:cSld>
   <p:clrMapOvr>
     <a:masterClrMapping/>
@@ -11067,7 +11449,7 @@
 </p:sld>
 </file>
 
-<file path=ppt/slides/slide14.xml><?xml version="1.0" encoding="utf-8"?>
+<file path=ppt/slides/slide16.xml><?xml version="1.0" encoding="utf-8"?>
 <p:sld xmlns:a="http://schemas.openxmlformats.org/drawingml/2006/main" xmlns:r="http://schemas.openxmlformats.org/officeDocument/2006/relationships" xmlns:p="http://schemas.openxmlformats.org/presentationml/2006/main">
   <p:cSld>
     <p:bg>
@@ -11103,7 +11485,7 @@
         </p:nvSpPr>
         <p:spPr>
           <a:xfrm>
-            <a:off x="720000" y="1706760"/>
+            <a:off x="-409134" y="328898"/>
             <a:ext cx="2759040" cy="1082880"/>
           </a:xfrm>
           <a:prstGeom prst="rect">
@@ -11141,7 +11523,7 @@
               </a:tabLst>
             </a:pPr>
             <a:r>
-              <a:rPr lang="en" sz="4500" b="1" strike="noStrike" spc="-1">
+              <a:rPr lang="en" sz="4500" b="1" strike="noStrike" spc="-1" dirty="0">
                 <a:solidFill>
                   <a:srgbClr val="F3F3F3"/>
                 </a:solidFill>
@@ -11150,7 +11532,7 @@
               </a:rPr>
               <a:t>TIME PLAN</a:t>
             </a:r>
-            <a:endParaRPr lang="en-US" sz="4500" b="0" strike="noStrike" spc="-1">
+            <a:endParaRPr lang="en-US" sz="4500" b="0" strike="noStrike" spc="-1" dirty="0">
               <a:latin typeface="Arial"/>
             </a:endParaRPr>
           </a:p>
@@ -12099,7 +12481,7 @@
 </p:sld>
 </file>
 
-<file path=ppt/slides/slide15.xml><?xml version="1.0" encoding="utf-8"?>
+<file path=ppt/slides/slide17.xml><?xml version="1.0" encoding="utf-8"?>
 <p:sld xmlns:a="http://schemas.openxmlformats.org/drawingml/2006/main" xmlns:r="http://schemas.openxmlformats.org/officeDocument/2006/relationships" xmlns:p="http://schemas.openxmlformats.org/presentationml/2006/main">
   <p:cSld>
     <p:spTree>
@@ -12188,7 +12570,7 @@
 </p:sld>
 </file>
 
-<file path=ppt/slides/slide16.xml><?xml version="1.0" encoding="utf-8"?>
+<file path=ppt/slides/slide18.xml><?xml version="1.0" encoding="utf-8"?>
 <p:sld xmlns:a="http://schemas.openxmlformats.org/drawingml/2006/main" xmlns:r="http://schemas.openxmlformats.org/officeDocument/2006/relationships" xmlns:p="http://schemas.openxmlformats.org/presentationml/2006/main">
   <p:cSld>
     <p:spTree>
@@ -12309,16 +12691,37 @@
               </a:tabLst>
             </a:pPr>
             <a:r>
-              <a:rPr lang="en" sz="1400" b="0" strike="noStrike" spc="-1">
+              <a:rPr lang="en" sz="1400" b="0" strike="noStrike" spc="-1" dirty="0">
                 <a:solidFill>
                   <a:srgbClr val="F3F3F3"/>
                 </a:solidFill>
                 <a:latin typeface="Fira Sans Condensed Light"/>
                 <a:ea typeface="Fira Sans Condensed Light"/>
               </a:rPr>
-              <a:t>Do you have any questions?</a:t>
+              <a:t>Do you have any questions</a:t>
             </a:r>
-            <a:endParaRPr lang="en-US" sz="1400" b="0" strike="noStrike" spc="-1">
+            <a:r>
+              <a:rPr lang="en" sz="1400" b="0" strike="noStrike" spc="-1" dirty="0" smtClean="0">
+                <a:solidFill>
+                  <a:srgbClr val="F3F3F3"/>
+                </a:solidFill>
+                <a:latin typeface="Fira Sans Condensed Light"/>
+                <a:ea typeface="Fira Sans Condensed Light"/>
+              </a:rPr>
+              <a:t>? </a:t>
+            </a:r>
+            <a:r>
+              <a:rPr lang="en" sz="1400" b="0" strike="noStrike" spc="-1" dirty="0" smtClean="0">
+                <a:solidFill>
+                  <a:srgbClr val="F3F3F3"/>
+                </a:solidFill>
+                <a:latin typeface="Fira Sans Condensed Light"/>
+                <a:ea typeface="Fira Sans Condensed Light"/>
+                <a:sym typeface="Wingdings" panose="05000000000000000000" pitchFamily="2" charset="2"/>
+              </a:rPr>
+              <a:t></a:t>
+            </a:r>
+            <a:endParaRPr lang="en-US" sz="1400" b="0" strike="noStrike" spc="-1" dirty="0">
               <a:latin typeface="Arial"/>
             </a:endParaRPr>
           </a:p>
@@ -12331,7 +12734,7 @@
                 <a:tab pos="0" algn="l"/>
               </a:tabLst>
             </a:pPr>
-            <a:endParaRPr lang="en-US" sz="1400" b="0" strike="noStrike" spc="-1">
+            <a:endParaRPr lang="en-US" sz="1400" b="0" strike="noStrike" spc="-1" dirty="0">
               <a:latin typeface="Arial"/>
             </a:endParaRPr>
           </a:p>
@@ -12489,14 +12892,14 @@
               <a:buChar char="•"/>
             </a:pPr>
             <a:r>
-              <a:rPr lang="en-US" sz="2000" b="0" strike="noStrike" spc="-1" dirty="0">
+              <a:rPr lang="en-US" sz="2000" b="0" strike="noStrike" spc="-1" dirty="0" smtClean="0">
                 <a:solidFill>
                   <a:srgbClr val="F3F3F3"/>
                 </a:solidFill>
                 <a:latin typeface="Fira Sans Condensed Light"/>
                 <a:ea typeface="Fira Sans Condensed Light"/>
               </a:rPr>
-              <a:t>Introduction</a:t>
+              <a:t>Introduction &amp; Objectives</a:t>
             </a:r>
             <a:endParaRPr lang="en-US" sz="2000" b="0" strike="noStrike" spc="-1" dirty="0">
               <a:latin typeface="Arial"/>
@@ -12514,7 +12917,28 @@
               <a:buChar char="•"/>
             </a:pPr>
             <a:r>
-              <a:rPr lang="en-US" sz="2000" b="0" strike="noStrike" spc="-1" dirty="0">
+              <a:rPr lang="en-US" sz="2000" b="0" strike="noStrike" spc="-1" dirty="0" smtClean="0">
+                <a:solidFill>
+                  <a:schemeClr val="bg1"/>
+                </a:solidFill>
+                <a:latin typeface="Fira Sans Condensed Light" panose="020B0403050000020004" pitchFamily="34" charset="0"/>
+              </a:rPr>
+              <a:t>Problem Statement</a:t>
+            </a:r>
+          </a:p>
+          <a:p>
+            <a:pPr marL="457200" indent="-297720">
+              <a:lnSpc>
+                <a:spcPct val="100000"/>
+              </a:lnSpc>
+              <a:buClr>
+                <a:srgbClr val="F3F3F3"/>
+              </a:buClr>
+              <a:buFont typeface="Arial"/>
+              <a:buChar char="•"/>
+            </a:pPr>
+            <a:r>
+              <a:rPr lang="en-US" sz="2000" spc="-1" dirty="0" smtClean="0">
                 <a:solidFill>
                   <a:schemeClr val="bg1"/>
                 </a:solidFill>
@@ -12522,6 +12946,33 @@
               </a:rPr>
               <a:t>System Overview</a:t>
             </a:r>
+          </a:p>
+          <a:p>
+            <a:pPr marL="457200" indent="-297720">
+              <a:lnSpc>
+                <a:spcPct val="100000"/>
+              </a:lnSpc>
+              <a:buClr>
+                <a:srgbClr val="F3F3F3"/>
+              </a:buClr>
+              <a:buFont typeface="Arial"/>
+              <a:buChar char="•"/>
+            </a:pPr>
+            <a:r>
+              <a:rPr lang="en-US" sz="2000" b="0" strike="noStrike" spc="-1" dirty="0" smtClean="0">
+                <a:solidFill>
+                  <a:schemeClr val="bg1"/>
+                </a:solidFill>
+                <a:latin typeface="Fira Sans Condensed Light" panose="020B0403050000020004" pitchFamily="34" charset="0"/>
+              </a:rPr>
+              <a:t>Methodology</a:t>
+            </a:r>
+            <a:endParaRPr lang="en-US" sz="2000" b="0" strike="noStrike" spc="-1" dirty="0">
+              <a:solidFill>
+                <a:schemeClr val="bg1"/>
+              </a:solidFill>
+              <a:latin typeface="Fira Sans Condensed Light" panose="020B0403050000020004" pitchFamily="34" charset="0"/>
+            </a:endParaRPr>
           </a:p>
           <a:p>
             <a:pPr marL="457200" indent="-297720">
@@ -12560,17 +13011,21 @@
               <a:buChar char="•"/>
             </a:pPr>
             <a:r>
-              <a:rPr lang="en-US" sz="2000" b="0" strike="noStrike" spc="-1" dirty="0">
+              <a:rPr lang="en-US" sz="2000" b="0" strike="noStrike" spc="-1" dirty="0" smtClean="0">
                 <a:solidFill>
                   <a:srgbClr val="F3F3F3"/>
                 </a:solidFill>
                 <a:latin typeface="Fira Sans Condensed Light"/>
                 <a:ea typeface="Fira Sans Condensed Light"/>
               </a:rPr>
-              <a:t>Sequence Diagrams</a:t>
+              <a:t>Diagrams</a:t>
             </a:r>
             <a:endParaRPr lang="en-US" sz="2000" b="0" strike="noStrike" spc="-1" dirty="0">
-              <a:latin typeface="Arial"/>
+              <a:solidFill>
+                <a:srgbClr val="F3F3F3"/>
+              </a:solidFill>
+              <a:latin typeface="Fira Sans Condensed Light"/>
+              <a:ea typeface="Fira Sans Condensed Light"/>
             </a:endParaRPr>
           </a:p>
           <a:p>
@@ -12585,15 +13040,22 @@
               <a:buChar char="•"/>
             </a:pPr>
             <a:r>
-              <a:rPr lang="en-US" sz="2000" b="0" strike="noStrike" spc="-1" dirty="0">
+              <a:rPr lang="en-US" sz="2000" spc="-1" dirty="0" smtClean="0">
                 <a:solidFill>
-                  <a:srgbClr val="F3F3F3"/>
+                  <a:schemeClr val="bg1"/>
                 </a:solidFill>
-                <a:latin typeface="Fira Sans Condensed Light"/>
-                <a:ea typeface="Fira Sans Condensed Light"/>
+                <a:latin typeface="Fira Sans Condensed Light" panose="020B0403050000020004" pitchFamily="34" charset="0"/>
+                <a:cs typeface="+mj-cs"/>
               </a:rPr>
-              <a:t>Use Cases</a:t>
+              <a:t>Dataset Description</a:t>
             </a:r>
+            <a:endParaRPr lang="en-US" sz="2000" spc="-1" dirty="0">
+              <a:solidFill>
+                <a:schemeClr val="bg1"/>
+              </a:solidFill>
+              <a:latin typeface="Fira Sans Condensed Light" panose="020B0403050000020004" pitchFamily="34" charset="0"/>
+              <a:cs typeface="+mj-cs"/>
+            </a:endParaRPr>
           </a:p>
           <a:p>
             <a:pPr marL="457200" indent="-297720">
@@ -12607,15 +13069,20 @@
               <a:buChar char="•"/>
             </a:pPr>
             <a:r>
-              <a:rPr lang="en-US" sz="2000" spc="-1" dirty="0">
+              <a:rPr lang="en-US" sz="2000" b="0" strike="noStrike" spc="-1" dirty="0" smtClean="0">
                 <a:solidFill>
                   <a:schemeClr val="bg1"/>
                 </a:solidFill>
                 <a:latin typeface="Fira Sans Condensed Light" panose="020B0403050000020004" pitchFamily="34" charset="0"/>
-                <a:cs typeface="+mj-cs"/>
               </a:rPr>
-              <a:t>Data Design</a:t>
+              <a:t>User Interface</a:t>
             </a:r>
+            <a:endParaRPr lang="en-US" sz="2000" b="0" strike="noStrike" spc="-1" dirty="0">
+              <a:solidFill>
+                <a:schemeClr val="bg1"/>
+              </a:solidFill>
+              <a:latin typeface="Fira Sans Condensed Light" panose="020B0403050000020004" pitchFamily="34" charset="0"/>
+            </a:endParaRPr>
           </a:p>
           <a:p>
             <a:pPr marL="457200" indent="-297720">
@@ -12629,14 +13096,20 @@
               <a:buChar char="•"/>
             </a:pPr>
             <a:r>
-              <a:rPr lang="en-US" sz="2000" b="0" strike="noStrike" spc="-1" dirty="0">
+              <a:rPr lang="en-US" sz="2000" spc="-1" dirty="0" smtClean="0">
                 <a:solidFill>
                   <a:schemeClr val="bg1"/>
                 </a:solidFill>
                 <a:latin typeface="Fira Sans Condensed Light" panose="020B0403050000020004" pitchFamily="34" charset="0"/>
               </a:rPr>
-              <a:t>Experimental Result</a:t>
+              <a:t>Results</a:t>
             </a:r>
+            <a:endParaRPr lang="en-US" sz="2000" b="0" strike="noStrike" spc="-1" dirty="0">
+              <a:solidFill>
+                <a:schemeClr val="bg1"/>
+              </a:solidFill>
+              <a:latin typeface="Fira Sans Condensed Light" panose="020B0403050000020004" pitchFamily="34" charset="0"/>
+            </a:endParaRPr>
           </a:p>
           <a:p>
             <a:pPr marL="457200" indent="-297720">
@@ -12650,20 +13123,15 @@
               <a:buChar char="•"/>
             </a:pPr>
             <a:r>
-              <a:rPr lang="en-US" sz="2000" spc="-1" dirty="0">
+              <a:rPr lang="en-US" sz="2000" b="0" strike="noStrike" spc="-1" dirty="0" smtClean="0">
                 <a:solidFill>
-                  <a:schemeClr val="bg1"/>
+                  <a:srgbClr val="F3F3F3"/>
                 </a:solidFill>
-                <a:latin typeface="Fira Sans Condensed Light" panose="020B0403050000020004" pitchFamily="34" charset="0"/>
+                <a:latin typeface="Fira Sans Condensed Light"/>
+                <a:ea typeface="Fira Sans Condensed Light"/>
               </a:rPr>
-              <a:t>Time Plan</a:t>
+              <a:t>Time plan</a:t>
             </a:r>
-            <a:endParaRPr lang="en-US" sz="2000" b="0" strike="noStrike" spc="-1" dirty="0">
-              <a:solidFill>
-                <a:schemeClr val="bg1"/>
-              </a:solidFill>
-              <a:latin typeface="Fira Sans Condensed Light" panose="020B0403050000020004" pitchFamily="34" charset="0"/>
-            </a:endParaRPr>
           </a:p>
           <a:p>
             <a:pPr marL="457200" indent="-297720">
@@ -12677,14 +13145,13 @@
               <a:buChar char="•"/>
             </a:pPr>
             <a:r>
-              <a:rPr lang="en-US" sz="2000" b="0" strike="noStrike" spc="-1" dirty="0">
+              <a:rPr lang="en-US" sz="2000" spc="-1" dirty="0" smtClean="0">
                 <a:solidFill>
                   <a:srgbClr val="F3F3F3"/>
                 </a:solidFill>
                 <a:latin typeface="Fira Sans Condensed Light"/>
-                <a:ea typeface="Fira Sans Condensed Light"/>
               </a:rPr>
-              <a:t>Live Demo</a:t>
+              <a:t>Demo</a:t>
             </a:r>
             <a:endParaRPr lang="en-US" sz="2000" b="0" strike="noStrike" spc="-1" dirty="0">
               <a:latin typeface="Arial"/>
@@ -12938,6 +13405,12 @@
                 <a:spcPct val="100000"/>
               </a:lnSpc>
             </a:pPr>
+            <a:r>
+              <a:rPr lang="en-US" sz="1400" dirty="0">
+                <a:latin typeface="Fira Sans Condensed Light" panose="020B0403050000020004" pitchFamily="34" charset="0"/>
+              </a:rPr>
+              <a:t/>
+            </a:r>
             <a:br>
               <a:rPr lang="en-US" sz="1400" dirty="0">
                 <a:latin typeface="Fira Sans Condensed Light" panose="020B0403050000020004" pitchFamily="34" charset="0"/>
@@ -14525,7 +14998,7 @@
         <p:spPr>
           <a:xfrm>
             <a:off x="637560" y="1268894"/>
-            <a:ext cx="4564560" cy="3072647"/>
+            <a:ext cx="4564560" cy="3206124"/>
           </a:xfrm>
           <a:prstGeom prst="rect">
             <a:avLst/>
@@ -14755,19 +15228,29 @@
       </p:sp>
       <p:sp>
         <p:nvSpPr>
-          <p:cNvPr id="210" name="CustomShape 2"/>
+          <p:cNvPr id="4" name="CustomShape 2">
+            <a:extLst>
+              <a:ext uri="{FF2B5EF4-FFF2-40B4-BE49-F238E27FC236}">
+                <a16:creationId xmlns:a16="http://schemas.microsoft.com/office/drawing/2014/main" id="{C38DCE2D-6872-4085-A22F-A6A37267F21E}"/>
+              </a:ext>
+            </a:extLst>
+          </p:cNvPr>
           <p:cNvSpPr/>
           <p:nvPr/>
         </p:nvSpPr>
         <p:spPr>
           <a:xfrm>
-            <a:off x="637560" y="1427760"/>
-            <a:ext cx="5263560" cy="2859480"/>
-          </a:xfrm>
-          <a:prstGeom prst="rect">
-            <a:avLst/>
-          </a:prstGeom>
-          <a:noFill/>
+            <a:off x="637560" y="1213477"/>
+            <a:ext cx="6241222" cy="3136850"/>
+          </a:xfrm>
+          <a:prstGeom prst="rect">
+            <a:avLst/>
+          </a:prstGeom>
+          <a:solidFill>
+            <a:srgbClr val="0C343D">
+              <a:alpha val="57000"/>
+            </a:srgbClr>
+          </a:solidFill>
           <a:ln>
             <a:noFill/>
           </a:ln>
@@ -14785,7 +15268,7 @@
           <a:fontRef idx="minor"/>
         </p:style>
         <p:txBody>
-          <a:bodyPr lIns="90000" tIns="91440" rIns="90000" bIns="91440" anchor="ctr">
+          <a:bodyPr lIns="234000" tIns="234000" rIns="234000" bIns="91440">
             <a:noAutofit/>
           </a:bodyPr>
           <a:lstStyle/>
@@ -14801,7 +15284,7 @@
               <a:buAutoNum type="arabicPeriod"/>
             </a:pPr>
             <a:r>
-              <a:rPr lang="en-US" sz="1800" b="0" strike="noStrike" spc="-1" dirty="0">
+              <a:rPr lang="en-US" spc="-1" dirty="0">
                 <a:solidFill>
                   <a:srgbClr val="F3F3F3"/>
                 </a:solidFill>
@@ -14811,28 +15294,36 @@
               <a:t>Make an automated system to accurately prove parentage of someone by their </a:t>
             </a:r>
             <a:r>
-              <a:rPr lang="en-US" sz="1800" b="0" strike="noStrike" spc="-1" dirty="0" err="1">
+              <a:rPr lang="en-US" spc="-1" dirty="0" err="1">
                 <a:solidFill>
                   <a:srgbClr val="F3F3F3"/>
                 </a:solidFill>
                 <a:latin typeface="Fira Sans Condensed Light"/>
                 <a:ea typeface="Fira Sans Condensed Light"/>
               </a:rPr>
-              <a:t>rsNumbers</a:t>
+              <a:t>rs</a:t>
             </a:r>
             <a:r>
-              <a:rPr lang="en-US" sz="1800" b="0" strike="noStrike" spc="-1" dirty="0">
+              <a:rPr lang="en-US" spc="-1" dirty="0">
                 <a:solidFill>
                   <a:srgbClr val="F3F3F3"/>
                 </a:solidFill>
                 <a:latin typeface="Fira Sans Condensed Light"/>
                 <a:ea typeface="Fira Sans Condensed Light"/>
               </a:rPr>
-              <a:t> and their genotypes.</a:t>
+              <a:t> numbers and their genotypes</a:t>
             </a:r>
-            <a:endParaRPr lang="en-US" sz="1800" b="0" strike="noStrike" spc="-1" dirty="0">
-              <a:latin typeface="Arial"/>
-            </a:endParaRPr>
+            <a:r>
+              <a:rPr lang="en-US" spc="-1" dirty="0" smtClean="0">
+                <a:solidFill>
+                  <a:srgbClr val="F3F3F3"/>
+                </a:solidFill>
+                <a:latin typeface="Fira Sans Condensed Light"/>
+                <a:ea typeface="Fira Sans Condensed Light"/>
+              </a:rPr>
+              <a:t>.</a:t>
+            </a:r>
+            <a:endParaRPr lang="en-US" spc="-1" dirty="0"/>
           </a:p>
           <a:p>
             <a:pPr marL="457200" indent="-456480">
@@ -14846,7 +15337,7 @@
               <a:buAutoNum type="arabicPeriod"/>
             </a:pPr>
             <a:r>
-              <a:rPr lang="en-US" sz="1800" b="0" strike="noStrike" spc="-1" dirty="0">
+              <a:rPr lang="en-US" spc="-1" dirty="0">
                 <a:solidFill>
                   <a:srgbClr val="F3F3F3"/>
                 </a:solidFill>
@@ -14855,9 +15346,6 @@
               </a:rPr>
               <a:t>Add another part to enter the user’s whole genome .</a:t>
             </a:r>
-            <a:endParaRPr lang="en-US" sz="1800" b="0" strike="noStrike" spc="-1" dirty="0">
-              <a:latin typeface="Arial"/>
-            </a:endParaRPr>
           </a:p>
           <a:p>
             <a:pPr marL="457200" indent="-456480">
@@ -14871,14 +15359,22 @@
               <a:buAutoNum type="arabicPeriod"/>
             </a:pPr>
             <a:r>
-              <a:rPr lang="en-US" sz="1800" b="0" strike="noStrike" spc="-1" dirty="0">
+              <a:rPr lang="en-US" spc="-1" dirty="0">
                 <a:solidFill>
                   <a:srgbClr val="F3F3F3"/>
                 </a:solidFill>
                 <a:latin typeface="Fira Sans Condensed Light"/>
-                <a:ea typeface="Fira Sans Condensed Light"/>
               </a:rPr>
-              <a:t>We aim to have the application accessible by everyone by an online </a:t>
+              <a:t>Implement a section for relevance using </a:t>
+            </a:r>
+            <a:r>
+              <a:rPr lang="en-US" spc="-1" dirty="0" err="1">
+                <a:solidFill>
+                  <a:srgbClr val="F3F3F3"/>
+                </a:solidFill>
+                <a:latin typeface="Fira Sans Condensed Light"/>
+              </a:rPr>
+              <a:t>rs</a:t>
             </a:r>
             <a:r>
               <a:rPr lang="en-US" spc="-1" dirty="0">
@@ -14886,23 +15382,10 @@
                   <a:srgbClr val="F3F3F3"/>
                 </a:solidFill>
                 <a:latin typeface="Fira Sans Condensed Light"/>
-                <a:ea typeface="Fira Sans Condensed Light"/>
               </a:rPr>
-              <a:t>Mobile</a:t>
+              <a:t> numbers</a:t>
             </a:r>
-            <a:r>
-              <a:rPr lang="en-US" sz="1800" b="0" strike="noStrike" spc="-1" dirty="0">
-                <a:solidFill>
-                  <a:srgbClr val="F3F3F3"/>
-                </a:solidFill>
-                <a:latin typeface="Fira Sans Condensed Light"/>
-                <a:ea typeface="Fira Sans Condensed Light"/>
-              </a:rPr>
-              <a:t> application.</a:t>
-            </a:r>
-            <a:endParaRPr lang="en-US" sz="1800" b="0" strike="noStrike" spc="-1" dirty="0">
-              <a:latin typeface="Arial"/>
-            </a:endParaRPr>
+            <a:endParaRPr lang="en-US" spc="-1" dirty="0"/>
           </a:p>
           <a:p>
             <a:pPr marL="457200" indent="-456480">
@@ -14916,16 +15399,75 @@
               <a:buAutoNum type="arabicPeriod"/>
             </a:pPr>
             <a:r>
-              <a:rPr lang="en-US" sz="1800" b="0" strike="noStrike" spc="-1" dirty="0">
+              <a:rPr lang="en-US" spc="-1" dirty="0">
                 <a:solidFill>
                   <a:srgbClr val="F3F3F3"/>
                 </a:solidFill>
                 <a:latin typeface="Fira Sans Condensed Light"/>
                 <a:ea typeface="Fira Sans Condensed Light"/>
               </a:rPr>
-              <a:t>We aim that the user can see which alleles contributed to being wrong that led to prove wrong parentage.</a:t>
+              <a:t>We aim to have the application accessible by everyone by an online Mobile application.</a:t>
             </a:r>
-            <a:endParaRPr lang="en-US" sz="1800" b="0" strike="noStrike" spc="-1" dirty="0">
+            <a:endParaRPr lang="en-US" spc="-1" dirty="0"/>
+          </a:p>
+          <a:p>
+            <a:pPr marL="457200" indent="-456480">
+              <a:lnSpc>
+                <a:spcPct val="100000"/>
+              </a:lnSpc>
+              <a:buClr>
+                <a:srgbClr val="F3F3F3"/>
+              </a:buClr>
+              <a:buFont typeface="Arial"/>
+              <a:buAutoNum type="arabicPeriod"/>
+            </a:pPr>
+            <a:r>
+              <a:rPr lang="en-US" spc="-1" dirty="0">
+                <a:solidFill>
+                  <a:srgbClr val="F3F3F3"/>
+                </a:solidFill>
+                <a:latin typeface="Fira Sans Condensed Light"/>
+                <a:ea typeface="Fira Sans Condensed Light"/>
+              </a:rPr>
+              <a:t>We aim that the user can see which alleles contributed to being wrong that led to prove wrong parentage</a:t>
+            </a:r>
+            <a:r>
+              <a:rPr lang="en-US" spc="-1" dirty="0" smtClean="0">
+                <a:solidFill>
+                  <a:srgbClr val="F3F3F3"/>
+                </a:solidFill>
+                <a:latin typeface="Fira Sans Condensed Light"/>
+                <a:ea typeface="Fira Sans Condensed Light"/>
+              </a:rPr>
+              <a:t>.</a:t>
+            </a:r>
+          </a:p>
+          <a:p>
+            <a:pPr marL="720">
+              <a:lnSpc>
+                <a:spcPct val="100000"/>
+              </a:lnSpc>
+              <a:buClr>
+                <a:srgbClr val="F3F3F3"/>
+              </a:buClr>
+            </a:pPr>
+            <a:endParaRPr lang="en-US" sz="1400" spc="-1" dirty="0">
+              <a:solidFill>
+                <a:srgbClr val="F3F3F3"/>
+              </a:solidFill>
+              <a:latin typeface="Fira Sans Condensed Light"/>
+            </a:endParaRPr>
+          </a:p>
+          <a:p>
+            <a:pPr>
+              <a:lnSpc>
+                <a:spcPct val="100000"/>
+              </a:lnSpc>
+              <a:tabLst>
+                <a:tab pos="0" algn="l"/>
+              </a:tabLst>
+            </a:pPr>
+            <a:endParaRPr lang="en-US" sz="1400" b="0" strike="noStrike" spc="-1" dirty="0">
               <a:latin typeface="Arial"/>
             </a:endParaRPr>
           </a:p>
@@ -15124,7 +15666,7 @@
               </a:tabLst>
             </a:pPr>
             <a:r>
-              <a:rPr lang="en-US" sz="2000" b="1" strike="noStrike" spc="-1" dirty="0">
+              <a:rPr lang="en-US" sz="2000" b="1" strike="noStrike" spc="-1" smtClean="0">
                 <a:solidFill>
                   <a:srgbClr val="F3F3F3"/>
                 </a:solidFill>
@@ -15134,165 +15676,6 @@
               <a:t>Use Case Diagram:</a:t>
             </a:r>
             <a:endParaRPr lang="en-US" sz="2000" b="0" strike="noStrike" spc="-1" dirty="0">
-              <a:latin typeface="Arial"/>
-            </a:endParaRPr>
-          </a:p>
-        </p:txBody>
-      </p:sp>
-      <p:sp>
-        <p:nvSpPr>
-          <p:cNvPr id="214" name="CustomShape 2"/>
-          <p:cNvSpPr/>
-          <p:nvPr/>
-        </p:nvSpPr>
-        <p:spPr>
-          <a:xfrm>
-            <a:off x="0" y="1676880"/>
-            <a:ext cx="4771800" cy="2859480"/>
-          </a:xfrm>
-          <a:prstGeom prst="rect">
-            <a:avLst/>
-          </a:prstGeom>
-          <a:noFill/>
-          <a:ln>
-            <a:noFill/>
-          </a:ln>
-        </p:spPr>
-        <p:style>
-          <a:lnRef idx="0">
-            <a:scrgbClr r="0" g="0" b="0"/>
-          </a:lnRef>
-          <a:fillRef idx="0">
-            <a:scrgbClr r="0" g="0" b="0"/>
-          </a:fillRef>
-          <a:effectRef idx="0">
-            <a:scrgbClr r="0" g="0" b="0"/>
-          </a:effectRef>
-          <a:fontRef idx="minor"/>
-        </p:style>
-        <p:txBody>
-          <a:bodyPr lIns="90000" tIns="91440" rIns="90000" bIns="91440" anchor="ctr">
-            <a:noAutofit/>
-          </a:bodyPr>
-          <a:lstStyle/>
-          <a:p>
-            <a:pPr marL="457200" indent="-304200">
-              <a:lnSpc>
-                <a:spcPct val="100000"/>
-              </a:lnSpc>
-              <a:buClr>
-                <a:srgbClr val="F3F3F3"/>
-              </a:buClr>
-              <a:buFont typeface="Arial"/>
-              <a:buChar char="•"/>
-            </a:pPr>
-            <a:r>
-              <a:rPr lang="en-US" sz="1800" b="0" strike="noStrike" spc="-1" dirty="0">
-                <a:solidFill>
-                  <a:srgbClr val="F3F3F3"/>
-                </a:solidFill>
-                <a:latin typeface="Fira Sans Condensed Light"/>
-                <a:ea typeface="Fira Sans Condensed Light"/>
-              </a:rPr>
-              <a:t>The system can accept files from the user containing their genotypes.</a:t>
-            </a:r>
-            <a:endParaRPr lang="en-US" sz="1800" b="0" strike="noStrike" spc="-1" dirty="0">
-              <a:latin typeface="Arial"/>
-            </a:endParaRPr>
-          </a:p>
-          <a:p>
-            <a:pPr marL="457200" indent="-304200">
-              <a:lnSpc>
-                <a:spcPct val="100000"/>
-              </a:lnSpc>
-              <a:buClr>
-                <a:srgbClr val="F3F3F3"/>
-              </a:buClr>
-              <a:buFont typeface="Arial"/>
-              <a:buChar char="•"/>
-            </a:pPr>
-            <a:r>
-              <a:rPr lang="en-US" sz="1800" b="0" strike="noStrike" spc="-1" dirty="0">
-                <a:solidFill>
-                  <a:srgbClr val="F3F3F3"/>
-                </a:solidFill>
-                <a:latin typeface="Fira Sans Condensed Light"/>
-                <a:ea typeface="Fira Sans Condensed Light"/>
-              </a:rPr>
-              <a:t>The system can save the user’s data (genotypes) (results)</a:t>
-            </a:r>
-            <a:endParaRPr lang="en-US" sz="1800" b="0" strike="noStrike" spc="-1" dirty="0">
-              <a:latin typeface="Arial"/>
-            </a:endParaRPr>
-          </a:p>
-          <a:p>
-            <a:pPr marL="457200" indent="-304200">
-              <a:lnSpc>
-                <a:spcPct val="100000"/>
-              </a:lnSpc>
-              <a:buClr>
-                <a:srgbClr val="F3F3F3"/>
-              </a:buClr>
-              <a:buFont typeface="Arial"/>
-              <a:buChar char="•"/>
-            </a:pPr>
-            <a:r>
-              <a:rPr lang="en-US" sz="1800" b="0" strike="noStrike" spc="-1" dirty="0">
-                <a:solidFill>
-                  <a:srgbClr val="F3F3F3"/>
-                </a:solidFill>
-                <a:latin typeface="Fira Sans Condensed Light"/>
-                <a:ea typeface="Fira Sans Condensed Light"/>
-              </a:rPr>
-              <a:t>The user can input their genotypes and get a report showing which genotypes contribute to the paternity test.</a:t>
-            </a:r>
-            <a:endParaRPr lang="en-US" sz="1800" b="0" strike="noStrike" spc="-1" dirty="0">
-              <a:latin typeface="Arial"/>
-            </a:endParaRPr>
-          </a:p>
-          <a:p>
-            <a:pPr marL="457200" indent="-304200">
-              <a:lnSpc>
-                <a:spcPct val="100000"/>
-              </a:lnSpc>
-              <a:buClr>
-                <a:srgbClr val="F3F3F3"/>
-              </a:buClr>
-              <a:buFont typeface="Arial"/>
-              <a:buChar char="•"/>
-            </a:pPr>
-            <a:r>
-              <a:rPr lang="en-US" sz="1800" b="0" strike="noStrike" spc="-1" dirty="0">
-                <a:solidFill>
-                  <a:srgbClr val="F3F3F3"/>
-                </a:solidFill>
-                <a:latin typeface="Fira Sans Condensed Light"/>
-                <a:ea typeface="Fira Sans Condensed Light"/>
-              </a:rPr>
-              <a:t>The user can see which alleles are different if it was proven wrong. </a:t>
-            </a:r>
-          </a:p>
-          <a:p>
-            <a:pPr marL="457200" indent="-304200">
-              <a:lnSpc>
-                <a:spcPct val="100000"/>
-              </a:lnSpc>
-              <a:buClr>
-                <a:srgbClr val="F3F3F3"/>
-              </a:buClr>
-              <a:buFont typeface="Arial"/>
-              <a:buChar char="•"/>
-            </a:pPr>
-            <a:r>
-              <a:rPr lang="en-US" spc="-1" dirty="0">
-                <a:solidFill>
-                  <a:srgbClr val="F3F3F3"/>
-                </a:solidFill>
-                <a:latin typeface="Fira Sans Condensed Light"/>
-              </a:rPr>
-              <a:t>Rewrite this part</a:t>
-            </a:r>
-            <a:endParaRPr lang="en-US" sz="1800" b="0" strike="noStrike" spc="-1" dirty="0">
               <a:latin typeface="Arial"/>
             </a:endParaRPr>
           </a:p>
@@ -15328,6 +15711,167 @@
           </a:prstGeom>
         </p:spPr>
       </p:pic>
+      <p:sp>
+        <p:nvSpPr>
+          <p:cNvPr id="5" name="CustomShape 2">
+            <a:extLst>
+              <a:ext uri="{FF2B5EF4-FFF2-40B4-BE49-F238E27FC236}">
+                <a16:creationId xmlns:a16="http://schemas.microsoft.com/office/drawing/2014/main" id="{C38DCE2D-6872-4085-A22F-A6A37267F21E}"/>
+              </a:ext>
+            </a:extLst>
+          </p:cNvPr>
+          <p:cNvSpPr/>
+          <p:nvPr/>
+        </p:nvSpPr>
+        <p:spPr>
+          <a:xfrm>
+            <a:off x="339480" y="1304999"/>
+            <a:ext cx="4093200" cy="3370909"/>
+          </a:xfrm>
+          <a:prstGeom prst="rect">
+            <a:avLst/>
+          </a:prstGeom>
+          <a:solidFill>
+            <a:srgbClr val="0C343D">
+              <a:alpha val="57000"/>
+            </a:srgbClr>
+          </a:solidFill>
+          <a:ln>
+            <a:noFill/>
+          </a:ln>
+        </p:spPr>
+        <p:style>
+          <a:lnRef idx="0">
+            <a:scrgbClr r="0" g="0" b="0"/>
+          </a:lnRef>
+          <a:fillRef idx="0">
+            <a:scrgbClr r="0" g="0" b="0"/>
+          </a:fillRef>
+          <a:effectRef idx="0">
+            <a:scrgbClr r="0" g="0" b="0"/>
+          </a:effectRef>
+          <a:fontRef idx="minor"/>
+        </p:style>
+        <p:txBody>
+          <a:bodyPr lIns="234000" tIns="234000" rIns="234000" bIns="91440">
+            <a:noAutofit/>
+          </a:bodyPr>
+          <a:lstStyle/>
+          <a:p>
+            <a:pPr marL="457200" indent="-304200">
+              <a:lnSpc>
+                <a:spcPct val="100000"/>
+              </a:lnSpc>
+              <a:buClr>
+                <a:srgbClr val="F3F3F3"/>
+              </a:buClr>
+              <a:buFont typeface="Arial"/>
+              <a:buChar char="•"/>
+            </a:pPr>
+            <a:r>
+              <a:rPr lang="en-US" sz="1600" spc="-1" dirty="0">
+                <a:solidFill>
+                  <a:srgbClr val="F3F3F3"/>
+                </a:solidFill>
+                <a:latin typeface="Fira Sans Condensed Light"/>
+                <a:ea typeface="Fira Sans Condensed Light"/>
+              </a:rPr>
+              <a:t>The system can accept files from the user containing their genotypes.</a:t>
+            </a:r>
+            <a:endParaRPr lang="en-US" sz="1600" spc="-1" dirty="0"/>
+          </a:p>
+          <a:p>
+            <a:pPr marL="457200" indent="-304200">
+              <a:lnSpc>
+                <a:spcPct val="100000"/>
+              </a:lnSpc>
+              <a:buClr>
+                <a:srgbClr val="F3F3F3"/>
+              </a:buClr>
+              <a:buFont typeface="Arial"/>
+              <a:buChar char="•"/>
+            </a:pPr>
+            <a:r>
+              <a:rPr lang="en-US" sz="1600" spc="-1" dirty="0">
+                <a:solidFill>
+                  <a:srgbClr val="F3F3F3"/>
+                </a:solidFill>
+                <a:latin typeface="Fira Sans Condensed Light"/>
+                <a:ea typeface="Fira Sans Condensed Light"/>
+              </a:rPr>
+              <a:t>The system can save the user’s data (genotypes) (results)</a:t>
+            </a:r>
+            <a:endParaRPr lang="en-US" sz="1600" spc="-1" dirty="0"/>
+          </a:p>
+          <a:p>
+            <a:pPr marL="457200" indent="-304200">
+              <a:lnSpc>
+                <a:spcPct val="100000"/>
+              </a:lnSpc>
+              <a:buClr>
+                <a:srgbClr val="F3F3F3"/>
+              </a:buClr>
+              <a:buFont typeface="Arial"/>
+              <a:buChar char="•"/>
+            </a:pPr>
+            <a:r>
+              <a:rPr lang="en-US" sz="1600" spc="-1" dirty="0">
+                <a:solidFill>
+                  <a:srgbClr val="F3F3F3"/>
+                </a:solidFill>
+                <a:latin typeface="Fira Sans Condensed Light"/>
+                <a:ea typeface="Fira Sans Condensed Light"/>
+              </a:rPr>
+              <a:t>The user can input their genotypes and get a report showing which genotypes contribute to the paternity test.</a:t>
+            </a:r>
+            <a:endParaRPr lang="en-US" sz="1600" spc="-1" dirty="0"/>
+          </a:p>
+          <a:p>
+            <a:pPr marL="457200" indent="-304200">
+              <a:lnSpc>
+                <a:spcPct val="100000"/>
+              </a:lnSpc>
+              <a:buClr>
+                <a:srgbClr val="F3F3F3"/>
+              </a:buClr>
+              <a:buFont typeface="Arial"/>
+              <a:buChar char="•"/>
+            </a:pPr>
+            <a:r>
+              <a:rPr lang="en-US" sz="1600" spc="-1" dirty="0">
+                <a:solidFill>
+                  <a:srgbClr val="F3F3F3"/>
+                </a:solidFill>
+                <a:latin typeface="Fira Sans Condensed Light"/>
+                <a:ea typeface="Fira Sans Condensed Light"/>
+              </a:rPr>
+              <a:t>The user can see which alleles are different if it was proven wrong. </a:t>
+            </a:r>
+          </a:p>
+          <a:p>
+            <a:pPr marL="457200" indent="-304200">
+              <a:lnSpc>
+                <a:spcPct val="100000"/>
+              </a:lnSpc>
+              <a:buClr>
+                <a:srgbClr val="F3F3F3"/>
+              </a:buClr>
+              <a:buFont typeface="Arial"/>
+              <a:buChar char="•"/>
+            </a:pPr>
+            <a:r>
+              <a:rPr lang="en-US" sz="1600" spc="-1" dirty="0">
+                <a:solidFill>
+                  <a:srgbClr val="F3F3F3"/>
+                </a:solidFill>
+                <a:latin typeface="Fira Sans Condensed Light"/>
+              </a:rPr>
+              <a:t>Rewrite this part</a:t>
+            </a:r>
+            <a:endParaRPr lang="en-US" sz="1600" spc="-1" dirty="0"/>
+          </a:p>
+        </p:txBody>
+      </p:sp>
     </p:spTree>
   </p:cSld>
   <p:clrMapOvr>

--- a/E-Genetics/presentations/new presentation.pptx
+++ b/E-Genetics/presentations/new presentation.pptx
@@ -12,21 +12,25 @@
     <p:sldId id="256" r:id="rId6"/>
     <p:sldId id="257" r:id="rId7"/>
     <p:sldId id="258" r:id="rId8"/>
-    <p:sldId id="259" r:id="rId9"/>
+    <p:sldId id="277" r:id="rId9"/>
     <p:sldId id="260" r:id="rId10"/>
-    <p:sldId id="261" r:id="rId11"/>
-    <p:sldId id="262" r:id="rId12"/>
-    <p:sldId id="263" r:id="rId13"/>
-    <p:sldId id="264" r:id="rId14"/>
-    <p:sldId id="272" r:id="rId15"/>
-    <p:sldId id="273" r:id="rId16"/>
-    <p:sldId id="266" r:id="rId17"/>
-    <p:sldId id="274" r:id="rId18"/>
-    <p:sldId id="275" r:id="rId19"/>
-    <p:sldId id="276" r:id="rId20"/>
-    <p:sldId id="269" r:id="rId21"/>
-    <p:sldId id="270" r:id="rId22"/>
-    <p:sldId id="271" r:id="rId23"/>
+    <p:sldId id="259" r:id="rId11"/>
+    <p:sldId id="261" r:id="rId12"/>
+    <p:sldId id="262" r:id="rId13"/>
+    <p:sldId id="263" r:id="rId14"/>
+    <p:sldId id="279" r:id="rId15"/>
+    <p:sldId id="264" r:id="rId16"/>
+    <p:sldId id="272" r:id="rId17"/>
+    <p:sldId id="273" r:id="rId18"/>
+    <p:sldId id="266" r:id="rId19"/>
+    <p:sldId id="274" r:id="rId20"/>
+    <p:sldId id="278" r:id="rId21"/>
+    <p:sldId id="275" r:id="rId22"/>
+    <p:sldId id="276" r:id="rId23"/>
+    <p:sldId id="280" r:id="rId24"/>
+    <p:sldId id="269" r:id="rId25"/>
+    <p:sldId id="270" r:id="rId26"/>
+    <p:sldId id="271" r:id="rId27"/>
   </p:sldIdLst>
   <p:sldSz cx="9144000" cy="5143500" type="screen16x9"/>
   <p:notesSz cx="7772400" cy="10058400"/>
@@ -10290,6 +10294,1986 @@
       </p:grpSpPr>
       <p:sp>
         <p:nvSpPr>
+          <p:cNvPr id="4" name="CustomShape 1">
+            <a:extLst>
+              <a:ext uri="{FF2B5EF4-FFF2-40B4-BE49-F238E27FC236}">
+                <a16:creationId xmlns:a16="http://schemas.microsoft.com/office/drawing/2014/main" id="{8F04A872-7C64-4131-AFB6-1BD473165E75}"/>
+              </a:ext>
+            </a:extLst>
+          </p:cNvPr>
+          <p:cNvSpPr/>
+          <p:nvPr/>
+        </p:nvSpPr>
+        <p:spPr>
+          <a:xfrm>
+            <a:off x="478800" y="304283"/>
+            <a:ext cx="4093200" cy="635760"/>
+          </a:xfrm>
+          <a:prstGeom prst="rect">
+            <a:avLst/>
+          </a:prstGeom>
+          <a:noFill/>
+          <a:ln>
+            <a:noFill/>
+          </a:ln>
+        </p:spPr>
+        <p:style>
+          <a:lnRef idx="0">
+            <a:scrgbClr r="0" g="0" b="0"/>
+          </a:lnRef>
+          <a:fillRef idx="0">
+            <a:scrgbClr r="0" g="0" b="0"/>
+          </a:fillRef>
+          <a:effectRef idx="0">
+            <a:scrgbClr r="0" g="0" b="0"/>
+          </a:effectRef>
+          <a:fontRef idx="minor"/>
+        </p:style>
+        <p:txBody>
+          <a:bodyPr lIns="90000" tIns="91440" rIns="90000" bIns="91440" anchor="ctr">
+            <a:noAutofit/>
+          </a:bodyPr>
+          <a:lstStyle/>
+          <a:p>
+            <a:pPr>
+              <a:lnSpc>
+                <a:spcPct val="100000"/>
+              </a:lnSpc>
+              <a:tabLst>
+                <a:tab pos="0" algn="l"/>
+              </a:tabLst>
+            </a:pPr>
+            <a:endParaRPr lang="en-US" sz="3200" b="0" strike="noStrike" spc="-1" dirty="0">
+              <a:latin typeface="Arial"/>
+            </a:endParaRPr>
+          </a:p>
+        </p:txBody>
+      </p:sp>
+      <p:sp>
+        <p:nvSpPr>
+          <p:cNvPr id="6" name="TextBox 5">
+            <a:extLst>
+              <a:ext uri="{FF2B5EF4-FFF2-40B4-BE49-F238E27FC236}">
+                <a16:creationId xmlns:a16="http://schemas.microsoft.com/office/drawing/2014/main" id="{FC3A69D0-16DC-4D6E-8CC7-D3AEDD963EFD}"/>
+              </a:ext>
+            </a:extLst>
+          </p:cNvPr>
+          <p:cNvSpPr txBox="1"/>
+          <p:nvPr/>
+        </p:nvSpPr>
+        <p:spPr>
+          <a:xfrm>
+            <a:off x="478800" y="439801"/>
+            <a:ext cx="4572000" cy="584775"/>
+          </a:xfrm>
+          <a:prstGeom prst="rect">
+            <a:avLst/>
+          </a:prstGeom>
+          <a:noFill/>
+        </p:spPr>
+        <p:txBody>
+          <a:bodyPr wrap="square">
+            <a:spAutoFit/>
+          </a:bodyPr>
+          <a:lstStyle/>
+          <a:p>
+            <a:r>
+              <a:rPr lang="en-US" sz="3200" b="0" strike="noStrike" spc="-1" dirty="0">
+                <a:solidFill>
+                  <a:schemeClr val="bg1"/>
+                </a:solidFill>
+                <a:latin typeface="Rajdhani"/>
+              </a:rPr>
+              <a:t>Methodology</a:t>
+            </a:r>
+            <a:endParaRPr lang="en-US" sz="3200" dirty="0">
+              <a:latin typeface="Rajdhani"/>
+            </a:endParaRPr>
+          </a:p>
+        </p:txBody>
+      </p:sp>
+      <p:sp>
+        <p:nvSpPr>
+          <p:cNvPr id="7" name="Rectangle 6">
+            <a:extLst>
+              <a:ext uri="{FF2B5EF4-FFF2-40B4-BE49-F238E27FC236}">
+                <a16:creationId xmlns:a16="http://schemas.microsoft.com/office/drawing/2014/main" id="{BC577CCF-5C3A-4FC3-9719-45B8FFFBEF09}"/>
+              </a:ext>
+            </a:extLst>
+          </p:cNvPr>
+          <p:cNvSpPr/>
+          <p:nvPr/>
+        </p:nvSpPr>
+        <p:spPr>
+          <a:xfrm>
+            <a:off x="3008191" y="979194"/>
+            <a:ext cx="2946560" cy="966438"/>
+          </a:xfrm>
+          <a:prstGeom prst="rect">
+            <a:avLst/>
+          </a:prstGeom>
+        </p:spPr>
+        <p:style>
+          <a:lnRef idx="2">
+            <a:schemeClr val="accent1">
+              <a:shade val="50000"/>
+            </a:schemeClr>
+          </a:lnRef>
+          <a:fillRef idx="1">
+            <a:schemeClr val="accent1"/>
+          </a:fillRef>
+          <a:effectRef idx="0">
+            <a:schemeClr val="accent1"/>
+          </a:effectRef>
+          <a:fontRef idx="minor">
+            <a:schemeClr val="lt1"/>
+          </a:fontRef>
+        </p:style>
+        <p:txBody>
+          <a:bodyPr rtlCol="0" anchor="ctr"/>
+          <a:lstStyle/>
+          <a:p>
+            <a:r>
+              <a:rPr lang="en-US" sz="1800" b="0" strike="noStrike" spc="-1" dirty="0">
+                <a:solidFill>
+                  <a:schemeClr val="bg1"/>
+                </a:solidFill>
+                <a:latin typeface="Fira Sans Condensed Light" panose="020B0403050000020004" pitchFamily="34" charset="0"/>
+              </a:rPr>
+              <a:t>               Methodology</a:t>
+            </a:r>
+            <a:endParaRPr lang="en-US" sz="1800" dirty="0">
+              <a:latin typeface="Fira Sans Condensed Light" panose="020B0403050000020004" pitchFamily="34" charset="0"/>
+            </a:endParaRPr>
+          </a:p>
+        </p:txBody>
+      </p:sp>
+      <p:cxnSp>
+        <p:nvCxnSpPr>
+          <p:cNvPr id="8" name="Straight Arrow Connector 7">
+            <a:extLst>
+              <a:ext uri="{FF2B5EF4-FFF2-40B4-BE49-F238E27FC236}">
+                <a16:creationId xmlns:a16="http://schemas.microsoft.com/office/drawing/2014/main" id="{BE6D210F-2F2A-41B6-8D05-19EB048FDAC3}"/>
+              </a:ext>
+            </a:extLst>
+          </p:cNvPr>
+          <p:cNvCxnSpPr>
+            <a:cxnSpLocks/>
+          </p:cNvCxnSpPr>
+          <p:nvPr/>
+        </p:nvCxnSpPr>
+        <p:spPr>
+          <a:xfrm>
+            <a:off x="5954751" y="1967934"/>
+            <a:ext cx="869795" cy="951570"/>
+          </a:xfrm>
+          <a:prstGeom prst="straightConnector1">
+            <a:avLst/>
+          </a:prstGeom>
+          <a:ln>
+            <a:tailEnd type="triangle"/>
+          </a:ln>
+        </p:spPr>
+        <p:style>
+          <a:lnRef idx="1">
+            <a:schemeClr val="accent6"/>
+          </a:lnRef>
+          <a:fillRef idx="0">
+            <a:schemeClr val="accent6"/>
+          </a:fillRef>
+          <a:effectRef idx="0">
+            <a:schemeClr val="accent6"/>
+          </a:effectRef>
+          <a:fontRef idx="minor">
+            <a:schemeClr val="tx1"/>
+          </a:fontRef>
+        </p:style>
+      </p:cxnSp>
+      <p:cxnSp>
+        <p:nvCxnSpPr>
+          <p:cNvPr id="9" name="Straight Arrow Connector 8">
+            <a:extLst>
+              <a:ext uri="{FF2B5EF4-FFF2-40B4-BE49-F238E27FC236}">
+                <a16:creationId xmlns:a16="http://schemas.microsoft.com/office/drawing/2014/main" id="{83982428-AF50-4F2D-B677-93BA33B62717}"/>
+              </a:ext>
+            </a:extLst>
+          </p:cNvPr>
+          <p:cNvCxnSpPr>
+            <a:cxnSpLocks/>
+          </p:cNvCxnSpPr>
+          <p:nvPr/>
+        </p:nvCxnSpPr>
+        <p:spPr>
+          <a:xfrm flipH="1">
+            <a:off x="2135996" y="1936217"/>
+            <a:ext cx="872195" cy="996175"/>
+          </a:xfrm>
+          <a:prstGeom prst="straightConnector1">
+            <a:avLst/>
+          </a:prstGeom>
+          <a:ln>
+            <a:tailEnd type="triangle"/>
+          </a:ln>
+        </p:spPr>
+        <p:style>
+          <a:lnRef idx="1">
+            <a:schemeClr val="accent6"/>
+          </a:lnRef>
+          <a:fillRef idx="0">
+            <a:schemeClr val="accent6"/>
+          </a:fillRef>
+          <a:effectRef idx="0">
+            <a:schemeClr val="accent6"/>
+          </a:effectRef>
+          <a:fontRef idx="minor">
+            <a:schemeClr val="tx1"/>
+          </a:fontRef>
+        </p:style>
+      </p:cxnSp>
+      <p:sp>
+        <p:nvSpPr>
+          <p:cNvPr id="10" name="Rectangle 9">
+            <a:extLst>
+              <a:ext uri="{FF2B5EF4-FFF2-40B4-BE49-F238E27FC236}">
+                <a16:creationId xmlns:a16="http://schemas.microsoft.com/office/drawing/2014/main" id="{094692AC-2BF2-4AA4-997B-42E64D39126F}"/>
+              </a:ext>
+            </a:extLst>
+          </p:cNvPr>
+          <p:cNvSpPr/>
+          <p:nvPr/>
+        </p:nvSpPr>
+        <p:spPr>
+          <a:xfrm>
+            <a:off x="662716" y="2941806"/>
+            <a:ext cx="3812640" cy="1761893"/>
+          </a:xfrm>
+          <a:prstGeom prst="rect">
+            <a:avLst/>
+          </a:prstGeom>
+        </p:spPr>
+        <p:style>
+          <a:lnRef idx="2">
+            <a:schemeClr val="accent1">
+              <a:shade val="50000"/>
+            </a:schemeClr>
+          </a:lnRef>
+          <a:fillRef idx="1">
+            <a:schemeClr val="accent1"/>
+          </a:fillRef>
+          <a:effectRef idx="0">
+            <a:schemeClr val="accent1"/>
+          </a:effectRef>
+          <a:fontRef idx="minor">
+            <a:schemeClr val="lt1"/>
+          </a:fontRef>
+        </p:style>
+        <p:txBody>
+          <a:bodyPr rtlCol="0" anchor="ctr"/>
+          <a:lstStyle/>
+          <a:p>
+            <a:pPr algn="ctr"/>
+            <a:r>
+              <a:rPr lang="en-US" sz="1400" dirty="0">
+                <a:latin typeface="Fira Sans Condensed Light" panose="020B0403050000020004" pitchFamily="34" charset="0"/>
+              </a:rPr>
+              <a:t>Apply Mendelian’s Law to prove that if the child is related to father or not</a:t>
+            </a:r>
+            <a:br>
+              <a:rPr lang="en-US" sz="1400" dirty="0">
+                <a:latin typeface="Fira Sans Condensed Light" panose="020B0403050000020004" pitchFamily="34" charset="0"/>
+              </a:rPr>
+            </a:br>
+            <a:endParaRPr lang="en-US" sz="1400" dirty="0">
+              <a:latin typeface="Fira Sans Condensed Light" panose="020B0403050000020004" pitchFamily="34" charset="0"/>
+            </a:endParaRPr>
+          </a:p>
+        </p:txBody>
+      </p:sp>
+      <p:sp>
+        <p:nvSpPr>
+          <p:cNvPr id="11" name="Rectangle 10">
+            <a:extLst>
+              <a:ext uri="{FF2B5EF4-FFF2-40B4-BE49-F238E27FC236}">
+                <a16:creationId xmlns:a16="http://schemas.microsoft.com/office/drawing/2014/main" id="{27CCA1CC-6AED-4A1C-BB92-5E15A004F550}"/>
+              </a:ext>
+            </a:extLst>
+          </p:cNvPr>
+          <p:cNvSpPr/>
+          <p:nvPr/>
+        </p:nvSpPr>
+        <p:spPr>
+          <a:xfrm>
+            <a:off x="5613858" y="2941806"/>
+            <a:ext cx="2946560" cy="1496377"/>
+          </a:xfrm>
+          <a:prstGeom prst="rect">
+            <a:avLst/>
+          </a:prstGeom>
+        </p:spPr>
+        <p:style>
+          <a:lnRef idx="2">
+            <a:schemeClr val="accent1">
+              <a:shade val="50000"/>
+            </a:schemeClr>
+          </a:lnRef>
+          <a:fillRef idx="1">
+            <a:schemeClr val="accent1"/>
+          </a:fillRef>
+          <a:effectRef idx="0">
+            <a:schemeClr val="accent1"/>
+          </a:effectRef>
+          <a:fontRef idx="minor">
+            <a:schemeClr val="lt1"/>
+          </a:fontRef>
+        </p:style>
+        <p:txBody>
+          <a:bodyPr rtlCol="0" anchor="ctr"/>
+          <a:lstStyle/>
+          <a:p>
+            <a:pPr algn="ctr"/>
+            <a:r>
+              <a:rPr lang="en-US" sz="1400" dirty="0">
+                <a:latin typeface="Fira Sans Condensed Light" panose="020B0403050000020004" pitchFamily="34" charset="0"/>
+              </a:rPr>
+              <a:t>Whole Genome using STR</a:t>
+            </a:r>
+          </a:p>
+          <a:p>
+            <a:pPr algn="ctr"/>
+            <a:r>
+              <a:rPr lang="en-US" sz="1400" dirty="0">
+                <a:latin typeface="Fira Sans Condensed Light" panose="020B0403050000020004" pitchFamily="34" charset="0"/>
+              </a:rPr>
+              <a:t>Algorithm</a:t>
+            </a:r>
+          </a:p>
+        </p:txBody>
+      </p:sp>
+      <p:sp>
+        <p:nvSpPr>
+          <p:cNvPr id="12" name="Rectangle 1">
+            <a:extLst>
+              <a:ext uri="{FF2B5EF4-FFF2-40B4-BE49-F238E27FC236}">
+                <a16:creationId xmlns:a16="http://schemas.microsoft.com/office/drawing/2014/main" id="{62D79661-EEB6-4AB2-92F3-95C3CDC8B698}"/>
+              </a:ext>
+            </a:extLst>
+          </p:cNvPr>
+          <p:cNvSpPr>
+            <a:spLocks noChangeArrowheads="1"/>
+          </p:cNvSpPr>
+          <p:nvPr/>
+        </p:nvSpPr>
+        <p:spPr bwMode="auto">
+          <a:xfrm>
+            <a:off x="703606" y="3860885"/>
+            <a:ext cx="3623067" cy="830997"/>
+          </a:xfrm>
+          <a:prstGeom prst="rect">
+            <a:avLst/>
+          </a:prstGeom>
+          <a:noFill/>
+          <a:ln>
+            <a:noFill/>
+          </a:ln>
+          <a:effectLst/>
+          <a:extLst>
+            <a:ext uri="{909E8E84-426E-40DD-AFC4-6F175D3DCCD1}">
+              <a14:hiddenFill xmlns:a14="http://schemas.microsoft.com/office/drawing/2010/main">
+                <a:solidFill>
+                  <a:schemeClr val="accent1"/>
+                </a:solidFill>
+              </a14:hiddenFill>
+            </a:ext>
+            <a:ext uri="{91240B29-F687-4F45-9708-019B960494DF}">
+              <a14:hiddenLine xmlns:a14="http://schemas.microsoft.com/office/drawing/2010/main" w="9525">
+                <a:solidFill>
+                  <a:schemeClr val="tx1"/>
+                </a:solidFill>
+                <a:miter lim="800000"/>
+                <a:headEnd/>
+                <a:tailEnd/>
+              </a14:hiddenLine>
+            </a:ext>
+            <a:ext uri="{AF507438-7753-43E0-B8FC-AC1667EBCBE1}">
+              <a14:hiddenEffects xmlns:a14="http://schemas.microsoft.com/office/drawing/2010/main">
+                <a:effectLst>
+                  <a:outerShdw dist="35921" dir="2700000" algn="ctr" rotWithShape="0">
+                    <a:schemeClr val="bg2"/>
+                  </a:outerShdw>
+                </a:effectLst>
+              </a14:hiddenEffects>
+            </a:ext>
+          </a:extLst>
+        </p:spPr>
+        <p:txBody>
+          <a:bodyPr vert="horz" wrap="square" lIns="0" tIns="0" rIns="0" bIns="0" numCol="1" anchor="ctr" anchorCtr="0" compatLnSpc="1">
+            <a:prstTxWarp prst="textNoShape">
+              <a:avLst/>
+            </a:prstTxWarp>
+            <a:spAutoFit/>
+          </a:bodyPr>
+          <a:lstStyle>
+            <a:lvl1pPr eaLnBrk="0" fontAlgn="base" hangingPunct="0">
+              <a:spcBef>
+                <a:spcPct val="0"/>
+              </a:spcBef>
+              <a:spcAft>
+                <a:spcPct val="0"/>
+              </a:spcAft>
+              <a:defRPr>
+                <a:solidFill>
+                  <a:schemeClr val="tx1"/>
+                </a:solidFill>
+                <a:latin typeface="Arial" panose="020B0604020202020204" pitchFamily="34" charset="0"/>
+              </a:defRPr>
+            </a:lvl1pPr>
+            <a:lvl2pPr eaLnBrk="0" fontAlgn="base" hangingPunct="0">
+              <a:spcBef>
+                <a:spcPct val="0"/>
+              </a:spcBef>
+              <a:spcAft>
+                <a:spcPct val="0"/>
+              </a:spcAft>
+              <a:defRPr>
+                <a:solidFill>
+                  <a:schemeClr val="tx1"/>
+                </a:solidFill>
+                <a:latin typeface="Arial" panose="020B0604020202020204" pitchFamily="34" charset="0"/>
+              </a:defRPr>
+            </a:lvl2pPr>
+            <a:lvl3pPr eaLnBrk="0" fontAlgn="base" hangingPunct="0">
+              <a:spcBef>
+                <a:spcPct val="0"/>
+              </a:spcBef>
+              <a:spcAft>
+                <a:spcPct val="0"/>
+              </a:spcAft>
+              <a:defRPr>
+                <a:solidFill>
+                  <a:schemeClr val="tx1"/>
+                </a:solidFill>
+                <a:latin typeface="Arial" panose="020B0604020202020204" pitchFamily="34" charset="0"/>
+              </a:defRPr>
+            </a:lvl3pPr>
+            <a:lvl4pPr eaLnBrk="0" fontAlgn="base" hangingPunct="0">
+              <a:spcBef>
+                <a:spcPct val="0"/>
+              </a:spcBef>
+              <a:spcAft>
+                <a:spcPct val="0"/>
+              </a:spcAft>
+              <a:defRPr>
+                <a:solidFill>
+                  <a:schemeClr val="tx1"/>
+                </a:solidFill>
+                <a:latin typeface="Arial" panose="020B0604020202020204" pitchFamily="34" charset="0"/>
+              </a:defRPr>
+            </a:lvl4pPr>
+            <a:lvl5pPr eaLnBrk="0" fontAlgn="base" hangingPunct="0">
+              <a:spcBef>
+                <a:spcPct val="0"/>
+              </a:spcBef>
+              <a:spcAft>
+                <a:spcPct val="0"/>
+              </a:spcAft>
+              <a:defRPr>
+                <a:solidFill>
+                  <a:schemeClr val="tx1"/>
+                </a:solidFill>
+                <a:latin typeface="Arial" panose="020B0604020202020204" pitchFamily="34" charset="0"/>
+              </a:defRPr>
+            </a:lvl5pPr>
+            <a:lvl6pPr eaLnBrk="0" fontAlgn="base" hangingPunct="0">
+              <a:spcBef>
+                <a:spcPct val="0"/>
+              </a:spcBef>
+              <a:spcAft>
+                <a:spcPct val="0"/>
+              </a:spcAft>
+              <a:defRPr>
+                <a:solidFill>
+                  <a:schemeClr val="tx1"/>
+                </a:solidFill>
+                <a:latin typeface="Arial" panose="020B0604020202020204" pitchFamily="34" charset="0"/>
+              </a:defRPr>
+            </a:lvl6pPr>
+            <a:lvl7pPr eaLnBrk="0" fontAlgn="base" hangingPunct="0">
+              <a:spcBef>
+                <a:spcPct val="0"/>
+              </a:spcBef>
+              <a:spcAft>
+                <a:spcPct val="0"/>
+              </a:spcAft>
+              <a:defRPr>
+                <a:solidFill>
+                  <a:schemeClr val="tx1"/>
+                </a:solidFill>
+                <a:latin typeface="Arial" panose="020B0604020202020204" pitchFamily="34" charset="0"/>
+              </a:defRPr>
+            </a:lvl7pPr>
+            <a:lvl8pPr eaLnBrk="0" fontAlgn="base" hangingPunct="0">
+              <a:spcBef>
+                <a:spcPct val="0"/>
+              </a:spcBef>
+              <a:spcAft>
+                <a:spcPct val="0"/>
+              </a:spcAft>
+              <a:defRPr>
+                <a:solidFill>
+                  <a:schemeClr val="tx1"/>
+                </a:solidFill>
+                <a:latin typeface="Arial" panose="020B0604020202020204" pitchFamily="34" charset="0"/>
+              </a:defRPr>
+            </a:lvl8pPr>
+            <a:lvl9pPr eaLnBrk="0" fontAlgn="base" hangingPunct="0">
+              <a:spcBef>
+                <a:spcPct val="0"/>
+              </a:spcBef>
+              <a:spcAft>
+                <a:spcPct val="0"/>
+              </a:spcAft>
+              <a:defRPr>
+                <a:solidFill>
+                  <a:schemeClr val="tx1"/>
+                </a:solidFill>
+                <a:latin typeface="Arial" panose="020B0604020202020204" pitchFamily="34" charset="0"/>
+              </a:defRPr>
+            </a:lvl9pPr>
+          </a:lstStyle>
+          <a:p>
+            <a:pPr marL="0" marR="0" lvl="0" indent="0" algn="l" defTabSz="914400" rtl="0" eaLnBrk="0" fontAlgn="base" latinLnBrk="0" hangingPunct="0">
+              <a:lnSpc>
+                <a:spcPct val="100000"/>
+              </a:lnSpc>
+              <a:spcBef>
+                <a:spcPct val="0"/>
+              </a:spcBef>
+              <a:spcAft>
+                <a:spcPct val="0"/>
+              </a:spcAft>
+              <a:buClrTx/>
+              <a:buSzTx/>
+              <a:buFontTx/>
+              <a:buNone/>
+              <a:tabLst/>
+            </a:pPr>
+            <a:endParaRPr kumimoji="0" lang="en-US" altLang="en-US" sz="1200" b="0" i="0" u="none" strike="noStrike" cap="none" normalizeH="0" baseline="0" dirty="0">
+              <a:ln>
+                <a:noFill/>
+              </a:ln>
+              <a:solidFill>
+                <a:schemeClr val="tx1"/>
+              </a:solidFill>
+              <a:effectLst/>
+              <a:latin typeface="inherit"/>
+            </a:endParaRPr>
+          </a:p>
+          <a:p>
+            <a:pPr marL="0" marR="0" lvl="0" indent="0" algn="l" defTabSz="914400" rtl="0" eaLnBrk="0" fontAlgn="base" latinLnBrk="0" hangingPunct="0">
+              <a:lnSpc>
+                <a:spcPct val="100000"/>
+              </a:lnSpc>
+              <a:spcBef>
+                <a:spcPct val="0"/>
+              </a:spcBef>
+              <a:spcAft>
+                <a:spcPct val="0"/>
+              </a:spcAft>
+              <a:buClrTx/>
+              <a:buSzTx/>
+              <a:tabLst/>
+            </a:pPr>
+            <a:r>
+              <a:rPr kumimoji="0" lang="en-US" altLang="en-US" sz="1200" b="0" i="0" u="none" strike="noStrike" cap="none" normalizeH="0" baseline="0" dirty="0">
+                <a:ln>
+                  <a:noFill/>
+                </a:ln>
+                <a:solidFill>
+                  <a:schemeClr val="bg1"/>
+                </a:solidFill>
+                <a:effectLst/>
+                <a:latin typeface="Fira Sans Condensed Light" panose="020B0403050000020004" pitchFamily="34" charset="0"/>
+              </a:rPr>
+              <a:t>(Rs similar between father and child / all Rs numbers) * 100</a:t>
+            </a:r>
+          </a:p>
+          <a:p>
+            <a:pPr marL="0" marR="0" lvl="0" indent="0" algn="l" defTabSz="914400" rtl="0" eaLnBrk="0" fontAlgn="base" latinLnBrk="0" hangingPunct="0">
+              <a:lnSpc>
+                <a:spcPct val="100000"/>
+              </a:lnSpc>
+              <a:spcBef>
+                <a:spcPct val="0"/>
+              </a:spcBef>
+              <a:spcAft>
+                <a:spcPct val="0"/>
+              </a:spcAft>
+              <a:buClrTx/>
+              <a:buSzTx/>
+              <a:buFontTx/>
+              <a:buNone/>
+              <a:tabLst/>
+            </a:pPr>
+            <a:endParaRPr kumimoji="0" lang="en-US" altLang="en-US" sz="1800" b="0" i="0" u="none" strike="noStrike" cap="none" normalizeH="0" baseline="0" dirty="0">
+              <a:ln>
+                <a:noFill/>
+              </a:ln>
+              <a:solidFill>
+                <a:schemeClr val="tx1"/>
+              </a:solidFill>
+              <a:effectLst/>
+              <a:latin typeface="Arial" panose="020B0604020202020204" pitchFamily="34" charset="0"/>
+            </a:endParaRPr>
+          </a:p>
+        </p:txBody>
+      </p:sp>
+      <p:sp>
+        <p:nvSpPr>
+          <p:cNvPr id="13" name="Rectangle 2">
+            <a:extLst>
+              <a:ext uri="{FF2B5EF4-FFF2-40B4-BE49-F238E27FC236}">
+                <a16:creationId xmlns:a16="http://schemas.microsoft.com/office/drawing/2014/main" id="{F4C5026F-3778-4C40-B836-E0D9037E0EDB}"/>
+              </a:ext>
+            </a:extLst>
+          </p:cNvPr>
+          <p:cNvSpPr>
+            <a:spLocks noChangeArrowheads="1"/>
+          </p:cNvSpPr>
+          <p:nvPr/>
+        </p:nvSpPr>
+        <p:spPr bwMode="auto">
+          <a:xfrm>
+            <a:off x="0" y="-276999"/>
+            <a:ext cx="184731" cy="553998"/>
+          </a:xfrm>
+          <a:prstGeom prst="rect">
+            <a:avLst/>
+          </a:prstGeom>
+          <a:noFill/>
+          <a:ln>
+            <a:noFill/>
+          </a:ln>
+          <a:effectLst/>
+          <a:extLst>
+            <a:ext uri="{909E8E84-426E-40DD-AFC4-6F175D3DCCD1}">
+              <a14:hiddenFill xmlns:a14="http://schemas.microsoft.com/office/drawing/2010/main">
+                <a:solidFill>
+                  <a:schemeClr val="accent1"/>
+                </a:solidFill>
+              </a14:hiddenFill>
+            </a:ext>
+            <a:ext uri="{91240B29-F687-4F45-9708-019B960494DF}">
+              <a14:hiddenLine xmlns:a14="http://schemas.microsoft.com/office/drawing/2010/main" w="9525">
+                <a:solidFill>
+                  <a:schemeClr val="tx1"/>
+                </a:solidFill>
+                <a:miter lim="800000"/>
+                <a:headEnd/>
+                <a:tailEnd/>
+              </a14:hiddenLine>
+            </a:ext>
+            <a:ext uri="{AF507438-7753-43E0-B8FC-AC1667EBCBE1}">
+              <a14:hiddenEffects xmlns:a14="http://schemas.microsoft.com/office/drawing/2010/main">
+                <a:effectLst>
+                  <a:outerShdw dist="35921" dir="2700000" algn="ctr" rotWithShape="0">
+                    <a:schemeClr val="bg2"/>
+                  </a:outerShdw>
+                </a:effectLst>
+              </a14:hiddenEffects>
+            </a:ext>
+          </a:extLst>
+        </p:spPr>
+        <p:txBody>
+          <a:bodyPr vert="horz" wrap="none" lIns="91440" tIns="45720" rIns="91440" bIns="45720" numCol="1" anchor="ctr" anchorCtr="0" compatLnSpc="1">
+            <a:prstTxWarp prst="textNoShape">
+              <a:avLst/>
+            </a:prstTxWarp>
+            <a:spAutoFit/>
+          </a:bodyPr>
+          <a:lstStyle>
+            <a:lvl1pPr eaLnBrk="0" fontAlgn="base" hangingPunct="0">
+              <a:spcBef>
+                <a:spcPct val="0"/>
+              </a:spcBef>
+              <a:spcAft>
+                <a:spcPct val="0"/>
+              </a:spcAft>
+              <a:defRPr>
+                <a:solidFill>
+                  <a:schemeClr val="tx1"/>
+                </a:solidFill>
+                <a:latin typeface="Arial" panose="020B0604020202020204" pitchFamily="34" charset="0"/>
+              </a:defRPr>
+            </a:lvl1pPr>
+            <a:lvl2pPr eaLnBrk="0" fontAlgn="base" hangingPunct="0">
+              <a:spcBef>
+                <a:spcPct val="0"/>
+              </a:spcBef>
+              <a:spcAft>
+                <a:spcPct val="0"/>
+              </a:spcAft>
+              <a:defRPr>
+                <a:solidFill>
+                  <a:schemeClr val="tx1"/>
+                </a:solidFill>
+                <a:latin typeface="Arial" panose="020B0604020202020204" pitchFamily="34" charset="0"/>
+              </a:defRPr>
+            </a:lvl2pPr>
+            <a:lvl3pPr eaLnBrk="0" fontAlgn="base" hangingPunct="0">
+              <a:spcBef>
+                <a:spcPct val="0"/>
+              </a:spcBef>
+              <a:spcAft>
+                <a:spcPct val="0"/>
+              </a:spcAft>
+              <a:defRPr>
+                <a:solidFill>
+                  <a:schemeClr val="tx1"/>
+                </a:solidFill>
+                <a:latin typeface="Arial" panose="020B0604020202020204" pitchFamily="34" charset="0"/>
+              </a:defRPr>
+            </a:lvl3pPr>
+            <a:lvl4pPr eaLnBrk="0" fontAlgn="base" hangingPunct="0">
+              <a:spcBef>
+                <a:spcPct val="0"/>
+              </a:spcBef>
+              <a:spcAft>
+                <a:spcPct val="0"/>
+              </a:spcAft>
+              <a:defRPr>
+                <a:solidFill>
+                  <a:schemeClr val="tx1"/>
+                </a:solidFill>
+                <a:latin typeface="Arial" panose="020B0604020202020204" pitchFamily="34" charset="0"/>
+              </a:defRPr>
+            </a:lvl4pPr>
+            <a:lvl5pPr eaLnBrk="0" fontAlgn="base" hangingPunct="0">
+              <a:spcBef>
+                <a:spcPct val="0"/>
+              </a:spcBef>
+              <a:spcAft>
+                <a:spcPct val="0"/>
+              </a:spcAft>
+              <a:defRPr>
+                <a:solidFill>
+                  <a:schemeClr val="tx1"/>
+                </a:solidFill>
+                <a:latin typeface="Arial" panose="020B0604020202020204" pitchFamily="34" charset="0"/>
+              </a:defRPr>
+            </a:lvl5pPr>
+            <a:lvl6pPr eaLnBrk="0" fontAlgn="base" hangingPunct="0">
+              <a:spcBef>
+                <a:spcPct val="0"/>
+              </a:spcBef>
+              <a:spcAft>
+                <a:spcPct val="0"/>
+              </a:spcAft>
+              <a:defRPr>
+                <a:solidFill>
+                  <a:schemeClr val="tx1"/>
+                </a:solidFill>
+                <a:latin typeface="Arial" panose="020B0604020202020204" pitchFamily="34" charset="0"/>
+              </a:defRPr>
+            </a:lvl6pPr>
+            <a:lvl7pPr eaLnBrk="0" fontAlgn="base" hangingPunct="0">
+              <a:spcBef>
+                <a:spcPct val="0"/>
+              </a:spcBef>
+              <a:spcAft>
+                <a:spcPct val="0"/>
+              </a:spcAft>
+              <a:defRPr>
+                <a:solidFill>
+                  <a:schemeClr val="tx1"/>
+                </a:solidFill>
+                <a:latin typeface="Arial" panose="020B0604020202020204" pitchFamily="34" charset="0"/>
+              </a:defRPr>
+            </a:lvl7pPr>
+            <a:lvl8pPr eaLnBrk="0" fontAlgn="base" hangingPunct="0">
+              <a:spcBef>
+                <a:spcPct val="0"/>
+              </a:spcBef>
+              <a:spcAft>
+                <a:spcPct val="0"/>
+              </a:spcAft>
+              <a:defRPr>
+                <a:solidFill>
+                  <a:schemeClr val="tx1"/>
+                </a:solidFill>
+                <a:latin typeface="Arial" panose="020B0604020202020204" pitchFamily="34" charset="0"/>
+              </a:defRPr>
+            </a:lvl8pPr>
+            <a:lvl9pPr eaLnBrk="0" fontAlgn="base" hangingPunct="0">
+              <a:spcBef>
+                <a:spcPct val="0"/>
+              </a:spcBef>
+              <a:spcAft>
+                <a:spcPct val="0"/>
+              </a:spcAft>
+              <a:defRPr>
+                <a:solidFill>
+                  <a:schemeClr val="tx1"/>
+                </a:solidFill>
+                <a:latin typeface="Arial" panose="020B0604020202020204" pitchFamily="34" charset="0"/>
+              </a:defRPr>
+            </a:lvl9pPr>
+          </a:lstStyle>
+          <a:p>
+            <a:pPr marL="0" marR="0" lvl="0" indent="0" algn="l" defTabSz="914400" rtl="0" eaLnBrk="0" fontAlgn="base" latinLnBrk="0" hangingPunct="0">
+              <a:lnSpc>
+                <a:spcPct val="100000"/>
+              </a:lnSpc>
+              <a:spcBef>
+                <a:spcPct val="0"/>
+              </a:spcBef>
+              <a:spcAft>
+                <a:spcPct val="0"/>
+              </a:spcAft>
+              <a:buClrTx/>
+              <a:buSzTx/>
+              <a:buFontTx/>
+              <a:buNone/>
+              <a:tabLst/>
+            </a:pPr>
+            <a:endParaRPr kumimoji="0" lang="en-US" altLang="en-US" sz="1200" b="0" i="0" u="none" strike="noStrike" cap="none" normalizeH="0" baseline="0" dirty="0">
+              <a:ln>
+                <a:noFill/>
+              </a:ln>
+              <a:solidFill>
+                <a:schemeClr val="tx1"/>
+              </a:solidFill>
+              <a:effectLst/>
+              <a:latin typeface="inherit"/>
+            </a:endParaRPr>
+          </a:p>
+          <a:p>
+            <a:pPr marL="0" marR="0" lvl="0" indent="0" algn="l" defTabSz="914400" rtl="0" eaLnBrk="0" fontAlgn="base" latinLnBrk="0" hangingPunct="0">
+              <a:lnSpc>
+                <a:spcPct val="100000"/>
+              </a:lnSpc>
+              <a:spcBef>
+                <a:spcPct val="0"/>
+              </a:spcBef>
+              <a:spcAft>
+                <a:spcPct val="0"/>
+              </a:spcAft>
+              <a:buClrTx/>
+              <a:buSzTx/>
+              <a:buFontTx/>
+              <a:buNone/>
+              <a:tabLst/>
+            </a:pPr>
+            <a:endParaRPr kumimoji="0" lang="en-US" altLang="en-US" sz="1800" b="0" i="0" u="none" strike="noStrike" cap="none" normalizeH="0" baseline="0" dirty="0">
+              <a:ln>
+                <a:noFill/>
+              </a:ln>
+              <a:solidFill>
+                <a:schemeClr val="tx1"/>
+              </a:solidFill>
+              <a:effectLst/>
+              <a:latin typeface="Arial" panose="020B0604020202020204" pitchFamily="34" charset="0"/>
+            </a:endParaRPr>
+          </a:p>
+        </p:txBody>
+      </p:sp>
+      <p:sp>
+        <p:nvSpPr>
+          <p:cNvPr id="14" name="Rectangle 3">
+            <a:extLst>
+              <a:ext uri="{FF2B5EF4-FFF2-40B4-BE49-F238E27FC236}">
+                <a16:creationId xmlns:a16="http://schemas.microsoft.com/office/drawing/2014/main" id="{CBEDDC73-789A-44BA-B5B1-535805272B11}"/>
+              </a:ext>
+            </a:extLst>
+          </p:cNvPr>
+          <p:cNvSpPr>
+            <a:spLocks noChangeArrowheads="1"/>
+          </p:cNvSpPr>
+          <p:nvPr/>
+        </p:nvSpPr>
+        <p:spPr bwMode="auto">
+          <a:xfrm>
+            <a:off x="0" y="0"/>
+            <a:ext cx="3505200" cy="0"/>
+          </a:xfrm>
+          <a:prstGeom prst="rect">
+            <a:avLst/>
+          </a:prstGeom>
+          <a:solidFill>
+            <a:srgbClr val="40444B"/>
+          </a:solidFill>
+          <a:ln>
+            <a:noFill/>
+          </a:ln>
+          <a:effectLst/>
+          <a:extLst>
+            <a:ext uri="{91240B29-F687-4F45-9708-019B960494DF}">
+              <a14:hiddenLine xmlns:a14="http://schemas.microsoft.com/office/drawing/2010/main" w="9525">
+                <a:solidFill>
+                  <a:schemeClr val="tx1"/>
+                </a:solidFill>
+                <a:miter lim="800000"/>
+                <a:headEnd/>
+                <a:tailEnd/>
+              </a14:hiddenLine>
+            </a:ext>
+            <a:ext uri="{AF507438-7753-43E0-B8FC-AC1667EBCBE1}">
+              <a14:hiddenEffects xmlns:a14="http://schemas.microsoft.com/office/drawing/2010/main">
+                <a:effectLst>
+                  <a:outerShdw dist="35921" dir="2700000" algn="ctr" rotWithShape="0">
+                    <a:schemeClr val="bg2"/>
+                  </a:outerShdw>
+                </a:effectLst>
+              </a14:hiddenEffects>
+            </a:ext>
+          </a:extLst>
+        </p:spPr>
+        <p:txBody>
+          <a:bodyPr vert="horz" wrap="none" lIns="0" tIns="0" rIns="0" bIns="0" numCol="1" anchor="ctr" anchorCtr="0" compatLnSpc="1">
+            <a:prstTxWarp prst="textNoShape">
+              <a:avLst/>
+            </a:prstTxWarp>
+            <a:spAutoFit/>
+          </a:bodyPr>
+          <a:lstStyle/>
+          <a:p>
+            <a:pPr marL="0" marR="0" lvl="0" indent="0" algn="l" defTabSz="914400" rtl="0" eaLnBrk="0" fontAlgn="base" latinLnBrk="0" hangingPunct="0">
+              <a:lnSpc>
+                <a:spcPct val="100000"/>
+              </a:lnSpc>
+              <a:spcBef>
+                <a:spcPct val="0"/>
+              </a:spcBef>
+              <a:spcAft>
+                <a:spcPct val="0"/>
+              </a:spcAft>
+              <a:buClrTx/>
+              <a:buSzTx/>
+              <a:buFontTx/>
+              <a:buNone/>
+              <a:tabLst/>
+            </a:pPr>
+            <a:br>
+              <a:rPr kumimoji="0" lang="en-US" altLang="en-US" sz="1200" b="0" i="0" u="none" strike="noStrike" cap="none" normalizeH="0" baseline="0">
+                <a:ln>
+                  <a:noFill/>
+                </a:ln>
+                <a:solidFill>
+                  <a:srgbClr val="DCDDDE"/>
+                </a:solidFill>
+                <a:effectLst/>
+                <a:latin typeface="Whitney"/>
+              </a:rPr>
+            </a:br>
+            <a:endParaRPr kumimoji="0" lang="en-US" altLang="en-US" sz="1800" b="0" i="0" u="none" strike="noStrike" cap="none" normalizeH="0" baseline="0">
+              <a:ln>
+                <a:noFill/>
+              </a:ln>
+              <a:solidFill>
+                <a:schemeClr val="tx1"/>
+              </a:solidFill>
+              <a:effectLst/>
+              <a:latin typeface="Arial" panose="020B0604020202020204" pitchFamily="34" charset="0"/>
+            </a:endParaRPr>
+          </a:p>
+        </p:txBody>
+      </p:sp>
+      <p:sp>
+        <p:nvSpPr>
+          <p:cNvPr id="24" name="Rectangle 13">
+            <a:extLst>
+              <a:ext uri="{FF2B5EF4-FFF2-40B4-BE49-F238E27FC236}">
+                <a16:creationId xmlns:a16="http://schemas.microsoft.com/office/drawing/2014/main" id="{4D18121D-C5A4-49F9-BABB-0775E2EDB83B}"/>
+              </a:ext>
+            </a:extLst>
+          </p:cNvPr>
+          <p:cNvSpPr>
+            <a:spLocks noChangeArrowheads="1"/>
+          </p:cNvSpPr>
+          <p:nvPr/>
+        </p:nvSpPr>
+        <p:spPr bwMode="auto">
+          <a:xfrm>
+            <a:off x="5954751" y="3872701"/>
+            <a:ext cx="2380460" cy="830997"/>
+          </a:xfrm>
+          <a:prstGeom prst="rect">
+            <a:avLst/>
+          </a:prstGeom>
+          <a:noFill/>
+          <a:ln>
+            <a:noFill/>
+          </a:ln>
+          <a:effectLst/>
+          <a:extLst>
+            <a:ext uri="{909E8E84-426E-40DD-AFC4-6F175D3DCCD1}">
+              <a14:hiddenFill xmlns:a14="http://schemas.microsoft.com/office/drawing/2010/main">
+                <a:solidFill>
+                  <a:schemeClr val="accent1"/>
+                </a:solidFill>
+              </a14:hiddenFill>
+            </a:ext>
+            <a:ext uri="{91240B29-F687-4F45-9708-019B960494DF}">
+              <a14:hiddenLine xmlns:a14="http://schemas.microsoft.com/office/drawing/2010/main" w="9525">
+                <a:solidFill>
+                  <a:schemeClr val="tx1"/>
+                </a:solidFill>
+                <a:miter lim="800000"/>
+                <a:headEnd/>
+                <a:tailEnd/>
+              </a14:hiddenLine>
+            </a:ext>
+            <a:ext uri="{AF507438-7753-43E0-B8FC-AC1667EBCBE1}">
+              <a14:hiddenEffects xmlns:a14="http://schemas.microsoft.com/office/drawing/2010/main">
+                <a:effectLst>
+                  <a:outerShdw dist="35921" dir="2700000" algn="ctr" rotWithShape="0">
+                    <a:schemeClr val="bg2"/>
+                  </a:outerShdw>
+                </a:effectLst>
+              </a14:hiddenEffects>
+            </a:ext>
+          </a:extLst>
+        </p:spPr>
+        <p:txBody>
+          <a:bodyPr vert="horz" wrap="none" lIns="0" tIns="0" rIns="0" bIns="0" numCol="1" anchor="ctr" anchorCtr="0" compatLnSpc="1">
+            <a:prstTxWarp prst="textNoShape">
+              <a:avLst/>
+            </a:prstTxWarp>
+            <a:spAutoFit/>
+          </a:bodyPr>
+          <a:lstStyle>
+            <a:lvl1pPr eaLnBrk="0" fontAlgn="base" hangingPunct="0">
+              <a:spcBef>
+                <a:spcPct val="0"/>
+              </a:spcBef>
+              <a:spcAft>
+                <a:spcPct val="0"/>
+              </a:spcAft>
+              <a:defRPr>
+                <a:solidFill>
+                  <a:schemeClr val="tx1"/>
+                </a:solidFill>
+                <a:latin typeface="Arial" panose="020B0604020202020204" pitchFamily="34" charset="0"/>
+              </a:defRPr>
+            </a:lvl1pPr>
+            <a:lvl2pPr eaLnBrk="0" fontAlgn="base" hangingPunct="0">
+              <a:spcBef>
+                <a:spcPct val="0"/>
+              </a:spcBef>
+              <a:spcAft>
+                <a:spcPct val="0"/>
+              </a:spcAft>
+              <a:defRPr>
+                <a:solidFill>
+                  <a:schemeClr val="tx1"/>
+                </a:solidFill>
+                <a:latin typeface="Arial" panose="020B0604020202020204" pitchFamily="34" charset="0"/>
+              </a:defRPr>
+            </a:lvl2pPr>
+            <a:lvl3pPr eaLnBrk="0" fontAlgn="base" hangingPunct="0">
+              <a:spcBef>
+                <a:spcPct val="0"/>
+              </a:spcBef>
+              <a:spcAft>
+                <a:spcPct val="0"/>
+              </a:spcAft>
+              <a:defRPr>
+                <a:solidFill>
+                  <a:schemeClr val="tx1"/>
+                </a:solidFill>
+                <a:latin typeface="Arial" panose="020B0604020202020204" pitchFamily="34" charset="0"/>
+              </a:defRPr>
+            </a:lvl3pPr>
+            <a:lvl4pPr eaLnBrk="0" fontAlgn="base" hangingPunct="0">
+              <a:spcBef>
+                <a:spcPct val="0"/>
+              </a:spcBef>
+              <a:spcAft>
+                <a:spcPct val="0"/>
+              </a:spcAft>
+              <a:defRPr>
+                <a:solidFill>
+                  <a:schemeClr val="tx1"/>
+                </a:solidFill>
+                <a:latin typeface="Arial" panose="020B0604020202020204" pitchFamily="34" charset="0"/>
+              </a:defRPr>
+            </a:lvl4pPr>
+            <a:lvl5pPr eaLnBrk="0" fontAlgn="base" hangingPunct="0">
+              <a:spcBef>
+                <a:spcPct val="0"/>
+              </a:spcBef>
+              <a:spcAft>
+                <a:spcPct val="0"/>
+              </a:spcAft>
+              <a:defRPr>
+                <a:solidFill>
+                  <a:schemeClr val="tx1"/>
+                </a:solidFill>
+                <a:latin typeface="Arial" panose="020B0604020202020204" pitchFamily="34" charset="0"/>
+              </a:defRPr>
+            </a:lvl5pPr>
+            <a:lvl6pPr eaLnBrk="0" fontAlgn="base" hangingPunct="0">
+              <a:spcBef>
+                <a:spcPct val="0"/>
+              </a:spcBef>
+              <a:spcAft>
+                <a:spcPct val="0"/>
+              </a:spcAft>
+              <a:defRPr>
+                <a:solidFill>
+                  <a:schemeClr val="tx1"/>
+                </a:solidFill>
+                <a:latin typeface="Arial" panose="020B0604020202020204" pitchFamily="34" charset="0"/>
+              </a:defRPr>
+            </a:lvl6pPr>
+            <a:lvl7pPr eaLnBrk="0" fontAlgn="base" hangingPunct="0">
+              <a:spcBef>
+                <a:spcPct val="0"/>
+              </a:spcBef>
+              <a:spcAft>
+                <a:spcPct val="0"/>
+              </a:spcAft>
+              <a:defRPr>
+                <a:solidFill>
+                  <a:schemeClr val="tx1"/>
+                </a:solidFill>
+                <a:latin typeface="Arial" panose="020B0604020202020204" pitchFamily="34" charset="0"/>
+              </a:defRPr>
+            </a:lvl7pPr>
+            <a:lvl8pPr eaLnBrk="0" fontAlgn="base" hangingPunct="0">
+              <a:spcBef>
+                <a:spcPct val="0"/>
+              </a:spcBef>
+              <a:spcAft>
+                <a:spcPct val="0"/>
+              </a:spcAft>
+              <a:defRPr>
+                <a:solidFill>
+                  <a:schemeClr val="tx1"/>
+                </a:solidFill>
+                <a:latin typeface="Arial" panose="020B0604020202020204" pitchFamily="34" charset="0"/>
+              </a:defRPr>
+            </a:lvl8pPr>
+            <a:lvl9pPr eaLnBrk="0" fontAlgn="base" hangingPunct="0">
+              <a:spcBef>
+                <a:spcPct val="0"/>
+              </a:spcBef>
+              <a:spcAft>
+                <a:spcPct val="0"/>
+              </a:spcAft>
+              <a:defRPr>
+                <a:solidFill>
+                  <a:schemeClr val="tx1"/>
+                </a:solidFill>
+                <a:latin typeface="Arial" panose="020B0604020202020204" pitchFamily="34" charset="0"/>
+              </a:defRPr>
+            </a:lvl9pPr>
+          </a:lstStyle>
+          <a:p>
+            <a:pPr marL="0" marR="0" lvl="0" indent="0" algn="l" defTabSz="914400" rtl="0" eaLnBrk="0" fontAlgn="base" latinLnBrk="0" hangingPunct="0">
+              <a:lnSpc>
+                <a:spcPct val="100000"/>
+              </a:lnSpc>
+              <a:spcBef>
+                <a:spcPct val="0"/>
+              </a:spcBef>
+              <a:spcAft>
+                <a:spcPct val="0"/>
+              </a:spcAft>
+              <a:buClrTx/>
+              <a:buSzTx/>
+              <a:tabLst/>
+            </a:pPr>
+            <a:r>
+              <a:rPr kumimoji="0" lang="en-US" altLang="en-US" sz="1200" b="0" i="0" u="none" strike="noStrike" cap="none" normalizeH="0" baseline="0" dirty="0">
+                <a:ln>
+                  <a:noFill/>
+                </a:ln>
+                <a:solidFill>
+                  <a:schemeClr val="bg1"/>
+                </a:solidFill>
+                <a:effectLst/>
+                <a:latin typeface="Fira Sans Condensed Light" panose="020B0403050000020004" pitchFamily="34" charset="0"/>
+              </a:rPr>
+              <a:t>Using short tandem repeat method to </a:t>
+            </a:r>
+          </a:p>
+          <a:p>
+            <a:pPr marL="0" marR="0" lvl="0" indent="0" algn="l" defTabSz="914400" rtl="0" eaLnBrk="0" fontAlgn="base" latinLnBrk="0" hangingPunct="0">
+              <a:lnSpc>
+                <a:spcPct val="100000"/>
+              </a:lnSpc>
+              <a:spcBef>
+                <a:spcPct val="0"/>
+              </a:spcBef>
+              <a:spcAft>
+                <a:spcPct val="0"/>
+              </a:spcAft>
+              <a:buClrTx/>
+              <a:buSzTx/>
+              <a:tabLst/>
+            </a:pPr>
+            <a:r>
+              <a:rPr kumimoji="0" lang="en-US" altLang="en-US" sz="1200" b="0" i="0" u="none" strike="noStrike" cap="none" normalizeH="0" baseline="0" dirty="0">
+                <a:ln>
+                  <a:noFill/>
+                </a:ln>
+                <a:solidFill>
+                  <a:schemeClr val="bg1"/>
+                </a:solidFill>
+                <a:effectLst/>
+                <a:latin typeface="Fira Sans Condensed Light" panose="020B0403050000020004" pitchFamily="34" charset="0"/>
+              </a:rPr>
+              <a:t>count the repeats nucleotide </a:t>
+            </a:r>
+            <a:br>
+              <a:rPr kumimoji="0" lang="en-US" altLang="en-US" sz="1200" b="0" i="0" u="none" strike="noStrike" cap="none" normalizeH="0" baseline="0" dirty="0">
+                <a:ln>
+                  <a:noFill/>
+                </a:ln>
+                <a:solidFill>
+                  <a:schemeClr val="bg1"/>
+                </a:solidFill>
+                <a:effectLst/>
+                <a:latin typeface="Fira Sans Condensed Light" panose="020B0403050000020004" pitchFamily="34" charset="0"/>
+              </a:rPr>
+            </a:br>
+            <a:r>
+              <a:rPr kumimoji="0" lang="en-US" altLang="en-US" sz="1200" b="0" i="0" u="none" strike="noStrike" cap="none" normalizeH="0" baseline="0" dirty="0">
+                <a:ln>
+                  <a:noFill/>
+                </a:ln>
+                <a:solidFill>
+                  <a:schemeClr val="bg1"/>
+                </a:solidFill>
+                <a:effectLst/>
+                <a:latin typeface="Fira Sans Condensed Light" panose="020B0403050000020004" pitchFamily="34" charset="0"/>
+              </a:rPr>
+              <a:t>in the whole genome</a:t>
+            </a:r>
+          </a:p>
+          <a:p>
+            <a:pPr marL="0" marR="0" lvl="0" indent="0" algn="l" defTabSz="914400" rtl="0" eaLnBrk="0" fontAlgn="base" latinLnBrk="0" hangingPunct="0">
+              <a:lnSpc>
+                <a:spcPct val="100000"/>
+              </a:lnSpc>
+              <a:spcBef>
+                <a:spcPct val="0"/>
+              </a:spcBef>
+              <a:spcAft>
+                <a:spcPct val="0"/>
+              </a:spcAft>
+              <a:buClrTx/>
+              <a:buSzTx/>
+              <a:buFontTx/>
+              <a:buNone/>
+              <a:tabLst/>
+            </a:pPr>
+            <a:endParaRPr kumimoji="0" lang="en-US" altLang="en-US" sz="1800" b="0" i="0" u="none" strike="noStrike" cap="none" normalizeH="0" baseline="0" dirty="0">
+              <a:ln>
+                <a:noFill/>
+              </a:ln>
+              <a:solidFill>
+                <a:schemeClr val="tx1"/>
+              </a:solidFill>
+              <a:effectLst/>
+              <a:latin typeface="Arial" panose="020B0604020202020204" pitchFamily="34" charset="0"/>
+            </a:endParaRPr>
+          </a:p>
+        </p:txBody>
+      </p:sp>
+      <p:sp>
+        <p:nvSpPr>
+          <p:cNvPr id="25" name="Rectangle 14">
+            <a:extLst>
+              <a:ext uri="{FF2B5EF4-FFF2-40B4-BE49-F238E27FC236}">
+                <a16:creationId xmlns:a16="http://schemas.microsoft.com/office/drawing/2014/main" id="{805AD6A3-3424-4E09-941B-7A19C9BFA264}"/>
+              </a:ext>
+            </a:extLst>
+          </p:cNvPr>
+          <p:cNvSpPr>
+            <a:spLocks noChangeArrowheads="1"/>
+          </p:cNvSpPr>
+          <p:nvPr/>
+        </p:nvSpPr>
+        <p:spPr bwMode="auto">
+          <a:xfrm>
+            <a:off x="5423210" y="3453420"/>
+            <a:ext cx="531541" cy="738664"/>
+          </a:xfrm>
+          <a:prstGeom prst="rect">
+            <a:avLst/>
+          </a:prstGeom>
+          <a:noFill/>
+          <a:ln>
+            <a:noFill/>
+          </a:ln>
+          <a:effectLst/>
+          <a:extLst>
+            <a:ext uri="{909E8E84-426E-40DD-AFC4-6F175D3DCCD1}">
+              <a14:hiddenFill xmlns:a14="http://schemas.microsoft.com/office/drawing/2010/main">
+                <a:solidFill>
+                  <a:schemeClr val="accent1"/>
+                </a:solidFill>
+              </a14:hiddenFill>
+            </a:ext>
+            <a:ext uri="{91240B29-F687-4F45-9708-019B960494DF}">
+              <a14:hiddenLine xmlns:a14="http://schemas.microsoft.com/office/drawing/2010/main" w="9525">
+                <a:solidFill>
+                  <a:schemeClr val="tx1"/>
+                </a:solidFill>
+                <a:miter lim="800000"/>
+                <a:headEnd/>
+                <a:tailEnd/>
+              </a14:hiddenLine>
+            </a:ext>
+            <a:ext uri="{AF507438-7753-43E0-B8FC-AC1667EBCBE1}">
+              <a14:hiddenEffects xmlns:a14="http://schemas.microsoft.com/office/drawing/2010/main">
+                <a:effectLst>
+                  <a:outerShdw dist="35921" dir="2700000" algn="ctr" rotWithShape="0">
+                    <a:schemeClr val="bg2"/>
+                  </a:outerShdw>
+                </a:effectLst>
+              </a14:hiddenEffects>
+            </a:ext>
+          </a:extLst>
+        </p:spPr>
+        <p:txBody>
+          <a:bodyPr vert="horz" wrap="square" lIns="91440" tIns="45720" rIns="91440" bIns="45720" numCol="1" anchor="ctr" anchorCtr="0" compatLnSpc="1">
+            <a:prstTxWarp prst="textNoShape">
+              <a:avLst/>
+            </a:prstTxWarp>
+            <a:spAutoFit/>
+          </a:bodyPr>
+          <a:lstStyle>
+            <a:lvl1pPr eaLnBrk="0" fontAlgn="base" hangingPunct="0">
+              <a:spcBef>
+                <a:spcPct val="0"/>
+              </a:spcBef>
+              <a:spcAft>
+                <a:spcPct val="0"/>
+              </a:spcAft>
+              <a:defRPr>
+                <a:solidFill>
+                  <a:schemeClr val="tx1"/>
+                </a:solidFill>
+                <a:latin typeface="Arial" panose="020B0604020202020204" pitchFamily="34" charset="0"/>
+              </a:defRPr>
+            </a:lvl1pPr>
+            <a:lvl2pPr eaLnBrk="0" fontAlgn="base" hangingPunct="0">
+              <a:spcBef>
+                <a:spcPct val="0"/>
+              </a:spcBef>
+              <a:spcAft>
+                <a:spcPct val="0"/>
+              </a:spcAft>
+              <a:defRPr>
+                <a:solidFill>
+                  <a:schemeClr val="tx1"/>
+                </a:solidFill>
+                <a:latin typeface="Arial" panose="020B0604020202020204" pitchFamily="34" charset="0"/>
+              </a:defRPr>
+            </a:lvl2pPr>
+            <a:lvl3pPr eaLnBrk="0" fontAlgn="base" hangingPunct="0">
+              <a:spcBef>
+                <a:spcPct val="0"/>
+              </a:spcBef>
+              <a:spcAft>
+                <a:spcPct val="0"/>
+              </a:spcAft>
+              <a:defRPr>
+                <a:solidFill>
+                  <a:schemeClr val="tx1"/>
+                </a:solidFill>
+                <a:latin typeface="Arial" panose="020B0604020202020204" pitchFamily="34" charset="0"/>
+              </a:defRPr>
+            </a:lvl3pPr>
+            <a:lvl4pPr eaLnBrk="0" fontAlgn="base" hangingPunct="0">
+              <a:spcBef>
+                <a:spcPct val="0"/>
+              </a:spcBef>
+              <a:spcAft>
+                <a:spcPct val="0"/>
+              </a:spcAft>
+              <a:defRPr>
+                <a:solidFill>
+                  <a:schemeClr val="tx1"/>
+                </a:solidFill>
+                <a:latin typeface="Arial" panose="020B0604020202020204" pitchFamily="34" charset="0"/>
+              </a:defRPr>
+            </a:lvl4pPr>
+            <a:lvl5pPr eaLnBrk="0" fontAlgn="base" hangingPunct="0">
+              <a:spcBef>
+                <a:spcPct val="0"/>
+              </a:spcBef>
+              <a:spcAft>
+                <a:spcPct val="0"/>
+              </a:spcAft>
+              <a:defRPr>
+                <a:solidFill>
+                  <a:schemeClr val="tx1"/>
+                </a:solidFill>
+                <a:latin typeface="Arial" panose="020B0604020202020204" pitchFamily="34" charset="0"/>
+              </a:defRPr>
+            </a:lvl5pPr>
+            <a:lvl6pPr eaLnBrk="0" fontAlgn="base" hangingPunct="0">
+              <a:spcBef>
+                <a:spcPct val="0"/>
+              </a:spcBef>
+              <a:spcAft>
+                <a:spcPct val="0"/>
+              </a:spcAft>
+              <a:defRPr>
+                <a:solidFill>
+                  <a:schemeClr val="tx1"/>
+                </a:solidFill>
+                <a:latin typeface="Arial" panose="020B0604020202020204" pitchFamily="34" charset="0"/>
+              </a:defRPr>
+            </a:lvl6pPr>
+            <a:lvl7pPr eaLnBrk="0" fontAlgn="base" hangingPunct="0">
+              <a:spcBef>
+                <a:spcPct val="0"/>
+              </a:spcBef>
+              <a:spcAft>
+                <a:spcPct val="0"/>
+              </a:spcAft>
+              <a:defRPr>
+                <a:solidFill>
+                  <a:schemeClr val="tx1"/>
+                </a:solidFill>
+                <a:latin typeface="Arial" panose="020B0604020202020204" pitchFamily="34" charset="0"/>
+              </a:defRPr>
+            </a:lvl7pPr>
+            <a:lvl8pPr eaLnBrk="0" fontAlgn="base" hangingPunct="0">
+              <a:spcBef>
+                <a:spcPct val="0"/>
+              </a:spcBef>
+              <a:spcAft>
+                <a:spcPct val="0"/>
+              </a:spcAft>
+              <a:defRPr>
+                <a:solidFill>
+                  <a:schemeClr val="tx1"/>
+                </a:solidFill>
+                <a:latin typeface="Arial" panose="020B0604020202020204" pitchFamily="34" charset="0"/>
+              </a:defRPr>
+            </a:lvl8pPr>
+            <a:lvl9pPr eaLnBrk="0" fontAlgn="base" hangingPunct="0">
+              <a:spcBef>
+                <a:spcPct val="0"/>
+              </a:spcBef>
+              <a:spcAft>
+                <a:spcPct val="0"/>
+              </a:spcAft>
+              <a:defRPr>
+                <a:solidFill>
+                  <a:schemeClr val="tx1"/>
+                </a:solidFill>
+                <a:latin typeface="Arial" panose="020B0604020202020204" pitchFamily="34" charset="0"/>
+              </a:defRPr>
+            </a:lvl9pPr>
+          </a:lstStyle>
+          <a:p>
+            <a:pPr marL="0" marR="0" lvl="0" indent="0" algn="l" defTabSz="914400" rtl="0" eaLnBrk="0" fontAlgn="base" latinLnBrk="0" hangingPunct="0">
+              <a:lnSpc>
+                <a:spcPct val="100000"/>
+              </a:lnSpc>
+              <a:spcBef>
+                <a:spcPct val="0"/>
+              </a:spcBef>
+              <a:spcAft>
+                <a:spcPct val="0"/>
+              </a:spcAft>
+              <a:buClrTx/>
+              <a:buSzTx/>
+              <a:buFontTx/>
+              <a:buNone/>
+              <a:tabLst/>
+            </a:pPr>
+            <a:endParaRPr kumimoji="0" lang="en-US" altLang="en-US" sz="1200" b="0" i="0" u="none" strike="noStrike" cap="none" normalizeH="0" baseline="0" dirty="0">
+              <a:ln>
+                <a:noFill/>
+              </a:ln>
+              <a:solidFill>
+                <a:schemeClr val="tx1"/>
+              </a:solidFill>
+              <a:effectLst/>
+              <a:latin typeface="inherit"/>
+            </a:endParaRPr>
+          </a:p>
+          <a:p>
+            <a:pPr marL="0" marR="0" lvl="0" indent="0" algn="l" defTabSz="914400" rtl="0" eaLnBrk="0" fontAlgn="base" latinLnBrk="0" hangingPunct="0">
+              <a:lnSpc>
+                <a:spcPct val="100000"/>
+              </a:lnSpc>
+              <a:spcBef>
+                <a:spcPct val="0"/>
+              </a:spcBef>
+              <a:spcAft>
+                <a:spcPct val="0"/>
+              </a:spcAft>
+              <a:buClrTx/>
+              <a:buSzTx/>
+              <a:buFontTx/>
+              <a:buNone/>
+              <a:tabLst/>
+            </a:pPr>
+            <a:endParaRPr kumimoji="0" lang="en-US" altLang="en-US" sz="1200" b="0" i="0" u="none" strike="noStrike" cap="none" normalizeH="0" baseline="0" dirty="0">
+              <a:ln>
+                <a:noFill/>
+              </a:ln>
+              <a:solidFill>
+                <a:schemeClr val="tx1"/>
+              </a:solidFill>
+              <a:effectLst/>
+              <a:latin typeface="inherit"/>
+            </a:endParaRPr>
+          </a:p>
+          <a:p>
+            <a:pPr marL="0" marR="0" lvl="0" indent="0" algn="l" defTabSz="914400" rtl="0" eaLnBrk="0" fontAlgn="base" latinLnBrk="0" hangingPunct="0">
+              <a:lnSpc>
+                <a:spcPct val="100000"/>
+              </a:lnSpc>
+              <a:spcBef>
+                <a:spcPct val="0"/>
+              </a:spcBef>
+              <a:spcAft>
+                <a:spcPct val="0"/>
+              </a:spcAft>
+              <a:buClrTx/>
+              <a:buSzTx/>
+              <a:buFontTx/>
+              <a:buNone/>
+              <a:tabLst/>
+            </a:pPr>
+            <a:endParaRPr kumimoji="0" lang="en-US" altLang="en-US" sz="1800" b="0" i="0" u="none" strike="noStrike" cap="none" normalizeH="0" baseline="0" dirty="0">
+              <a:ln>
+                <a:noFill/>
+              </a:ln>
+              <a:solidFill>
+                <a:schemeClr val="tx1"/>
+              </a:solidFill>
+              <a:effectLst/>
+              <a:latin typeface="Arial" panose="020B0604020202020204" pitchFamily="34" charset="0"/>
+            </a:endParaRPr>
+          </a:p>
+        </p:txBody>
+      </p:sp>
+      <p:sp>
+        <p:nvSpPr>
+          <p:cNvPr id="26" name="Rectangle 15">
+            <a:extLst>
+              <a:ext uri="{FF2B5EF4-FFF2-40B4-BE49-F238E27FC236}">
+                <a16:creationId xmlns:a16="http://schemas.microsoft.com/office/drawing/2014/main" id="{2B053DCE-50D8-40A1-A5CC-FBAB74BF1DEE}"/>
+              </a:ext>
+            </a:extLst>
+          </p:cNvPr>
+          <p:cNvSpPr>
+            <a:spLocks noChangeArrowheads="1"/>
+          </p:cNvSpPr>
+          <p:nvPr/>
+        </p:nvSpPr>
+        <p:spPr bwMode="auto">
+          <a:xfrm>
+            <a:off x="5423210" y="3822752"/>
+            <a:ext cx="3505200" cy="0"/>
+          </a:xfrm>
+          <a:prstGeom prst="rect">
+            <a:avLst/>
+          </a:prstGeom>
+          <a:solidFill>
+            <a:srgbClr val="40444B"/>
+          </a:solidFill>
+          <a:ln>
+            <a:noFill/>
+          </a:ln>
+          <a:effectLst/>
+          <a:extLst>
+            <a:ext uri="{91240B29-F687-4F45-9708-019B960494DF}">
+              <a14:hiddenLine xmlns:a14="http://schemas.microsoft.com/office/drawing/2010/main" w="9525">
+                <a:solidFill>
+                  <a:schemeClr val="tx1"/>
+                </a:solidFill>
+                <a:miter lim="800000"/>
+                <a:headEnd/>
+                <a:tailEnd/>
+              </a14:hiddenLine>
+            </a:ext>
+            <a:ext uri="{AF507438-7753-43E0-B8FC-AC1667EBCBE1}">
+              <a14:hiddenEffects xmlns:a14="http://schemas.microsoft.com/office/drawing/2010/main">
+                <a:effectLst>
+                  <a:outerShdw dist="35921" dir="2700000" algn="ctr" rotWithShape="0">
+                    <a:schemeClr val="bg2"/>
+                  </a:outerShdw>
+                </a:effectLst>
+              </a14:hiddenEffects>
+            </a:ext>
+          </a:extLst>
+        </p:spPr>
+        <p:txBody>
+          <a:bodyPr vert="horz" wrap="none" lIns="0" tIns="0" rIns="0" bIns="0" numCol="1" anchor="ctr" anchorCtr="0" compatLnSpc="1">
+            <a:prstTxWarp prst="textNoShape">
+              <a:avLst/>
+            </a:prstTxWarp>
+            <a:spAutoFit/>
+          </a:bodyPr>
+          <a:lstStyle/>
+          <a:p>
+            <a:pPr marL="0" marR="0" lvl="0" indent="0" algn="l" defTabSz="914400" rtl="0" eaLnBrk="0" fontAlgn="base" latinLnBrk="0" hangingPunct="0">
+              <a:lnSpc>
+                <a:spcPct val="100000"/>
+              </a:lnSpc>
+              <a:spcBef>
+                <a:spcPct val="0"/>
+              </a:spcBef>
+              <a:spcAft>
+                <a:spcPct val="0"/>
+              </a:spcAft>
+              <a:buClrTx/>
+              <a:buSzTx/>
+              <a:buFontTx/>
+              <a:buNone/>
+              <a:tabLst/>
+            </a:pPr>
+            <a:br>
+              <a:rPr kumimoji="0" lang="en-US" altLang="en-US" sz="1200" b="0" i="0" u="none" strike="noStrike" cap="none" normalizeH="0" baseline="0">
+                <a:ln>
+                  <a:noFill/>
+                </a:ln>
+                <a:solidFill>
+                  <a:srgbClr val="DCDDDE"/>
+                </a:solidFill>
+                <a:effectLst/>
+                <a:latin typeface="Whitney"/>
+              </a:rPr>
+            </a:br>
+            <a:endParaRPr kumimoji="0" lang="en-US" altLang="en-US" sz="1800" b="0" i="0" u="none" strike="noStrike" cap="none" normalizeH="0" baseline="0">
+              <a:ln>
+                <a:noFill/>
+              </a:ln>
+              <a:solidFill>
+                <a:schemeClr val="tx1"/>
+              </a:solidFill>
+              <a:effectLst/>
+              <a:latin typeface="Arial" panose="020B0604020202020204" pitchFamily="34" charset="0"/>
+            </a:endParaRPr>
+          </a:p>
+        </p:txBody>
+      </p:sp>
+    </p:spTree>
+    <p:extLst>
+      <p:ext uri="{BB962C8B-B14F-4D97-AF65-F5344CB8AC3E}">
+        <p14:creationId xmlns:p14="http://schemas.microsoft.com/office/powerpoint/2010/main" val="2609193520"/>
+      </p:ext>
+    </p:extLst>
+  </p:cSld>
+  <p:clrMapOvr>
+    <a:masterClrMapping/>
+  </p:clrMapOvr>
+  <p:transition spd="slow">
+    <p:push dir="u"/>
+  </p:transition>
+</p:sld>
+</file>
+
+<file path=ppt/slides/slide11.xml><?xml version="1.0" encoding="utf-8"?>
+<p:sld xmlns:a="http://schemas.openxmlformats.org/drawingml/2006/main" xmlns:r="http://schemas.openxmlformats.org/officeDocument/2006/relationships" xmlns:p="http://schemas.openxmlformats.org/presentationml/2006/main">
+  <p:cSld>
+    <p:spTree>
+      <p:nvGrpSpPr>
+        <p:cNvPr id="1" name=""/>
+        <p:cNvGrpSpPr/>
+        <p:nvPr/>
+      </p:nvGrpSpPr>
+      <p:grpSpPr>
+        <a:xfrm>
+          <a:off x="0" y="0"/>
+          <a:ext cx="0" cy="0"/>
+          <a:chOff x="0" y="0"/>
+          <a:chExt cx="0" cy="0"/>
+        </a:xfrm>
+      </p:grpSpPr>
+      <p:sp>
+        <p:nvSpPr>
+          <p:cNvPr id="213" name="CustomShape 1"/>
+          <p:cNvSpPr/>
+          <p:nvPr/>
+        </p:nvSpPr>
+        <p:spPr>
+          <a:xfrm>
+            <a:off x="339480" y="467592"/>
+            <a:ext cx="4093200" cy="635760"/>
+          </a:xfrm>
+          <a:prstGeom prst="rect">
+            <a:avLst/>
+          </a:prstGeom>
+          <a:noFill/>
+          <a:ln>
+            <a:noFill/>
+          </a:ln>
+        </p:spPr>
+        <p:style>
+          <a:lnRef idx="0">
+            <a:scrgbClr r="0" g="0" b="0"/>
+          </a:lnRef>
+          <a:fillRef idx="0">
+            <a:scrgbClr r="0" g="0" b="0"/>
+          </a:fillRef>
+          <a:effectRef idx="0">
+            <a:scrgbClr r="0" g="0" b="0"/>
+          </a:effectRef>
+          <a:fontRef idx="minor"/>
+        </p:style>
+        <p:txBody>
+          <a:bodyPr lIns="90000" tIns="91440" rIns="90000" bIns="91440" anchor="ctr">
+            <a:noAutofit/>
+          </a:bodyPr>
+          <a:lstStyle/>
+          <a:p>
+            <a:pPr>
+              <a:lnSpc>
+                <a:spcPct val="100000"/>
+              </a:lnSpc>
+              <a:tabLst>
+                <a:tab pos="0" algn="l"/>
+              </a:tabLst>
+            </a:pPr>
+            <a:r>
+              <a:rPr lang="en-US" sz="2000" b="1" strike="noStrike" spc="-1" dirty="0">
+                <a:solidFill>
+                  <a:srgbClr val="F3F3F3"/>
+                </a:solidFill>
+                <a:latin typeface="Rajdhani"/>
+                <a:ea typeface="Fira Sans Condensed Light"/>
+              </a:rPr>
+              <a:t>Use Case Diagram:</a:t>
+            </a:r>
+            <a:endParaRPr lang="en-US" sz="2000" b="0" strike="noStrike" spc="-1" dirty="0">
+              <a:latin typeface="Arial"/>
+            </a:endParaRPr>
+          </a:p>
+        </p:txBody>
+      </p:sp>
+      <p:pic>
+        <p:nvPicPr>
+          <p:cNvPr id="2" name="Picture 1"/>
+          <p:cNvPicPr>
+            <a:picLocks noChangeAspect="1"/>
+          </p:cNvPicPr>
+          <p:nvPr/>
+        </p:nvPicPr>
+        <p:blipFill>
+          <a:blip r:embed="rId2" cstate="print">
+            <a:extLst>
+              <a:ext uri="{28A0092B-C50C-407E-A947-70E740481C1C}">
+                <a14:useLocalDpi xmlns:a14="http://schemas.microsoft.com/office/drawing/2010/main" val="0"/>
+              </a:ext>
+            </a:extLst>
+          </a:blip>
+          <a:stretch>
+            <a:fillRect/>
+          </a:stretch>
+        </p:blipFill>
+        <p:spPr>
+          <a:xfrm>
+            <a:off x="4689763" y="526473"/>
+            <a:ext cx="4260175" cy="4419600"/>
+          </a:xfrm>
+          <a:prstGeom prst="rect">
+            <a:avLst/>
+          </a:prstGeom>
+        </p:spPr>
+      </p:pic>
+      <p:sp>
+        <p:nvSpPr>
+          <p:cNvPr id="5" name="CustomShape 2">
+            <a:extLst>
+              <a:ext uri="{FF2B5EF4-FFF2-40B4-BE49-F238E27FC236}">
+                <a16:creationId xmlns:a16="http://schemas.microsoft.com/office/drawing/2014/main" id="{C38DCE2D-6872-4085-A22F-A6A37267F21E}"/>
+              </a:ext>
+            </a:extLst>
+          </p:cNvPr>
+          <p:cNvSpPr/>
+          <p:nvPr/>
+        </p:nvSpPr>
+        <p:spPr>
+          <a:xfrm>
+            <a:off x="339480" y="1178618"/>
+            <a:ext cx="4093200" cy="3370909"/>
+          </a:xfrm>
+          <a:prstGeom prst="rect">
+            <a:avLst/>
+          </a:prstGeom>
+          <a:solidFill>
+            <a:srgbClr val="0C343D">
+              <a:alpha val="57000"/>
+            </a:srgbClr>
+          </a:solidFill>
+          <a:ln>
+            <a:noFill/>
+          </a:ln>
+        </p:spPr>
+        <p:style>
+          <a:lnRef idx="0">
+            <a:scrgbClr r="0" g="0" b="0"/>
+          </a:lnRef>
+          <a:fillRef idx="0">
+            <a:scrgbClr r="0" g="0" b="0"/>
+          </a:fillRef>
+          <a:effectRef idx="0">
+            <a:scrgbClr r="0" g="0" b="0"/>
+          </a:effectRef>
+          <a:fontRef idx="minor"/>
+        </p:style>
+        <p:txBody>
+          <a:bodyPr lIns="234000" tIns="234000" rIns="234000" bIns="91440">
+            <a:noAutofit/>
+          </a:bodyPr>
+          <a:lstStyle/>
+          <a:p>
+            <a:pPr marL="457200" indent="-304200">
+              <a:lnSpc>
+                <a:spcPct val="100000"/>
+              </a:lnSpc>
+              <a:buClr>
+                <a:srgbClr val="F3F3F3"/>
+              </a:buClr>
+              <a:buFont typeface="Arial"/>
+              <a:buChar char="•"/>
+            </a:pPr>
+            <a:r>
+              <a:rPr lang="en-US" sz="1600" spc="-1" dirty="0">
+                <a:solidFill>
+                  <a:srgbClr val="F3F3F3"/>
+                </a:solidFill>
+                <a:latin typeface="Fira Sans Condensed Light"/>
+                <a:ea typeface="Fira Sans Condensed Light"/>
+              </a:rPr>
+              <a:t>The system can accept files from the user containing their genotypes.</a:t>
+            </a:r>
+            <a:endParaRPr lang="en-US" sz="1600" spc="-1" dirty="0"/>
+          </a:p>
+          <a:p>
+            <a:pPr marL="457200" indent="-304200">
+              <a:lnSpc>
+                <a:spcPct val="100000"/>
+              </a:lnSpc>
+              <a:buClr>
+                <a:srgbClr val="F3F3F3"/>
+              </a:buClr>
+              <a:buFont typeface="Arial"/>
+              <a:buChar char="•"/>
+            </a:pPr>
+            <a:r>
+              <a:rPr lang="en-US" sz="1600" spc="-1" dirty="0">
+                <a:solidFill>
+                  <a:srgbClr val="F3F3F3"/>
+                </a:solidFill>
+                <a:latin typeface="Fira Sans Condensed Light"/>
+                <a:ea typeface="Fira Sans Condensed Light"/>
+              </a:rPr>
+              <a:t>The system can save the user’s data (genotypes) (results)</a:t>
+            </a:r>
+            <a:endParaRPr lang="en-US" sz="1600" spc="-1" dirty="0"/>
+          </a:p>
+          <a:p>
+            <a:pPr marL="457200" indent="-304200">
+              <a:lnSpc>
+                <a:spcPct val="100000"/>
+              </a:lnSpc>
+              <a:buClr>
+                <a:srgbClr val="F3F3F3"/>
+              </a:buClr>
+              <a:buFont typeface="Arial"/>
+              <a:buChar char="•"/>
+            </a:pPr>
+            <a:r>
+              <a:rPr lang="en-US" sz="1600" spc="-1" dirty="0">
+                <a:solidFill>
+                  <a:srgbClr val="F3F3F3"/>
+                </a:solidFill>
+                <a:latin typeface="Fira Sans Condensed Light"/>
+                <a:ea typeface="Fira Sans Condensed Light"/>
+              </a:rPr>
+              <a:t>The user can input their genotypes and get a report showing which genotypes contribute to the paternity test.</a:t>
+            </a:r>
+            <a:endParaRPr lang="en-US" sz="1600" spc="-1" dirty="0"/>
+          </a:p>
+          <a:p>
+            <a:pPr marL="457200" indent="-304200">
+              <a:lnSpc>
+                <a:spcPct val="100000"/>
+              </a:lnSpc>
+              <a:buClr>
+                <a:srgbClr val="F3F3F3"/>
+              </a:buClr>
+              <a:buFont typeface="Arial"/>
+              <a:buChar char="•"/>
+            </a:pPr>
+            <a:r>
+              <a:rPr lang="en-US" sz="1600" spc="-1" dirty="0">
+                <a:solidFill>
+                  <a:srgbClr val="F3F3F3"/>
+                </a:solidFill>
+                <a:latin typeface="Fira Sans Condensed Light"/>
+                <a:ea typeface="Fira Sans Condensed Light"/>
+              </a:rPr>
+              <a:t>The user can see which alleles are different if it was proven wrong. </a:t>
+            </a:r>
+          </a:p>
+          <a:p>
+            <a:pPr marL="457200" indent="-304200">
+              <a:lnSpc>
+                <a:spcPct val="100000"/>
+              </a:lnSpc>
+              <a:buClr>
+                <a:srgbClr val="F3F3F3"/>
+              </a:buClr>
+              <a:buFont typeface="Arial"/>
+              <a:buChar char="•"/>
+            </a:pPr>
+            <a:r>
+              <a:rPr lang="en-US" sz="1600" spc="-1" dirty="0">
+                <a:solidFill>
+                  <a:srgbClr val="F3F3F3"/>
+                </a:solidFill>
+                <a:latin typeface="Fira Sans Condensed Light"/>
+              </a:rPr>
+              <a:t>Rewrite this part</a:t>
+            </a:r>
+            <a:endParaRPr lang="en-US" sz="1600" spc="-1" dirty="0"/>
+          </a:p>
+        </p:txBody>
+      </p:sp>
+    </p:spTree>
+  </p:cSld>
+  <p:clrMapOvr>
+    <a:masterClrMapping/>
+  </p:clrMapOvr>
+  <p:transition spd="slow">
+    <p:push dir="u"/>
+  </p:transition>
+</p:sld>
+</file>
+
+<file path=ppt/slides/slide12.xml><?xml version="1.0" encoding="utf-8"?>
+<p:sld xmlns:a="http://schemas.openxmlformats.org/drawingml/2006/main" xmlns:r="http://schemas.openxmlformats.org/officeDocument/2006/relationships" xmlns:p="http://schemas.openxmlformats.org/presentationml/2006/main">
+  <p:cSld>
+    <p:spTree>
+      <p:nvGrpSpPr>
+        <p:cNvPr id="1" name=""/>
+        <p:cNvGrpSpPr/>
+        <p:nvPr/>
+      </p:nvGrpSpPr>
+      <p:grpSpPr>
+        <a:xfrm>
+          <a:off x="0" y="0"/>
+          <a:ext cx="0" cy="0"/>
+          <a:chOff x="0" y="0"/>
+          <a:chExt cx="0" cy="0"/>
+        </a:xfrm>
+      </p:grpSpPr>
+      <p:sp>
+        <p:nvSpPr>
           <p:cNvPr id="2" name="Title 1">
             <a:extLst>
               <a:ext uri="{FF2B5EF4-FFF2-40B4-BE49-F238E27FC236}">
@@ -10306,7 +12290,7 @@
         </p:nvSpPr>
         <p:spPr>
           <a:xfrm>
-            <a:off x="360218" y="461507"/>
+            <a:off x="260364" y="54926"/>
             <a:ext cx="8229240" cy="1554327"/>
           </a:xfrm>
         </p:spPr>
@@ -10315,7 +12299,7 @@
           <a:lstStyle/>
           <a:p>
             <a:r>
-              <a:rPr lang="en-US" sz="3200" b="1" dirty="0" smtClean="0">
+              <a:rPr lang="en-US" sz="3200" b="1" dirty="0">
                 <a:solidFill>
                   <a:schemeClr val="bg1"/>
                 </a:solidFill>
@@ -10324,7 +12308,7 @@
               <a:t>Diagrams</a:t>
             </a:r>
             <a:br>
-              <a:rPr lang="en-US" sz="3200" b="1" dirty="0" smtClean="0">
+              <a:rPr lang="en-US" sz="3200" b="1" dirty="0">
                 <a:solidFill>
                   <a:schemeClr val="bg1"/>
                 </a:solidFill>
@@ -10332,24 +12316,7 @@
               </a:rPr>
             </a:br>
             <a:r>
-              <a:rPr lang="en-US" sz="3200" b="1" dirty="0" smtClean="0">
-                <a:solidFill>
-                  <a:schemeClr val="bg1"/>
-                </a:solidFill>
-                <a:latin typeface="Rajdhani"/>
-              </a:rPr>
-              <a:t/>
-            </a:r>
-            <a:br>
-              <a:rPr lang="en-US" sz="3200" b="1" dirty="0" smtClean="0">
-                <a:solidFill>
-                  <a:schemeClr val="bg1"/>
-                </a:solidFill>
-                <a:latin typeface="Rajdhani"/>
-              </a:rPr>
-            </a:br>
-            <a:r>
-              <a:rPr lang="en-US" sz="2600" spc="-1" dirty="0">
+              <a:rPr lang="en-US" sz="1400" spc="-1" dirty="0">
                 <a:solidFill>
                   <a:srgbClr val="F3F3F3"/>
                 </a:solidFill>
@@ -10357,10 +12324,6 @@
                 <a:ea typeface="Fira Sans Condensed Light"/>
               </a:rPr>
               <a:t>Architecture Diagram</a:t>
-            </a:r>
-            <a:r>
-              <a:rPr lang="en-US" sz="3000" spc="-1" dirty="0"/>
-              <a:t/>
             </a:r>
             <a:br>
               <a:rPr lang="en-US" sz="3000" spc="-1" dirty="0"/>
@@ -10402,8 +12365,8 @@
         </p:blipFill>
         <p:spPr>
           <a:xfrm>
-            <a:off x="5264727" y="281378"/>
-            <a:ext cx="3518695" cy="4713187"/>
+            <a:off x="2601951" y="140320"/>
+            <a:ext cx="3705606" cy="4862860"/>
           </a:xfrm>
           <a:prstGeom prst="rect">
             <a:avLst/>
@@ -10482,7 +12445,7 @@
 </p:sld>
 </file>
 
-<file path=ppt/slides/slide11.xml><?xml version="1.0" encoding="utf-8"?>
+<file path=ppt/slides/slide13.xml><?xml version="1.0" encoding="utf-8"?>
 <p:sld xmlns:a="http://schemas.openxmlformats.org/drawingml/2006/main" xmlns:r="http://schemas.openxmlformats.org/officeDocument/2006/relationships" xmlns:p="http://schemas.openxmlformats.org/presentationml/2006/main">
   <p:cSld>
     <p:spTree>
@@ -10527,8 +12490,8 @@
         </p:blipFill>
         <p:spPr>
           <a:xfrm>
-            <a:off x="500406" y="1724890"/>
-            <a:ext cx="3429940" cy="3217887"/>
+            <a:off x="163290" y="1130068"/>
+            <a:ext cx="3539178" cy="3842870"/>
           </a:xfrm>
           <a:prstGeom prst="rect">
             <a:avLst/>
@@ -10563,8 +12526,8 @@
         </p:blipFill>
         <p:spPr>
           <a:xfrm>
-            <a:off x="4234637" y="1724889"/>
-            <a:ext cx="4415884" cy="3217887"/>
+            <a:off x="4398463" y="1487086"/>
+            <a:ext cx="4167632" cy="3485852"/>
           </a:xfrm>
           <a:prstGeom prst="rect">
             <a:avLst/>
@@ -10589,7 +12552,7 @@
         </p:nvSpPr>
         <p:spPr>
           <a:xfrm>
-            <a:off x="500406" y="343744"/>
+            <a:off x="283843" y="96221"/>
             <a:ext cx="8229240" cy="1554327"/>
           </a:xfrm>
         </p:spPr>
@@ -10598,7 +12561,7 @@
           <a:lstStyle/>
           <a:p>
             <a:r>
-              <a:rPr lang="en-US" sz="3200" b="1" dirty="0" smtClean="0">
+              <a:rPr lang="en-US" sz="3200" b="1" dirty="0">
                 <a:solidFill>
                   <a:schemeClr val="bg1"/>
                 </a:solidFill>
@@ -10607,7 +12570,7 @@
               <a:t>Diagrams (cont.)</a:t>
             </a:r>
             <a:br>
-              <a:rPr lang="en-US" sz="3200" b="1" dirty="0" smtClean="0">
+              <a:rPr lang="en-US" sz="3200" b="1" dirty="0">
                 <a:solidFill>
                   <a:schemeClr val="bg1"/>
                 </a:solidFill>
@@ -10615,24 +12578,7 @@
               </a:rPr>
             </a:br>
             <a:r>
-              <a:rPr lang="en-US" sz="3200" b="1" dirty="0" smtClean="0">
-                <a:solidFill>
-                  <a:schemeClr val="bg1"/>
-                </a:solidFill>
-                <a:latin typeface="Rajdhani"/>
-              </a:rPr>
-              <a:t/>
-            </a:r>
-            <a:br>
-              <a:rPr lang="en-US" sz="3200" b="1" dirty="0" smtClean="0">
-                <a:solidFill>
-                  <a:schemeClr val="bg1"/>
-                </a:solidFill>
-                <a:latin typeface="Rajdhani"/>
-              </a:rPr>
-            </a:br>
-            <a:r>
-              <a:rPr lang="en-US" sz="2600" spc="-1" dirty="0" smtClean="0">
+              <a:rPr lang="en-US" sz="2600" spc="-1" dirty="0">
                 <a:solidFill>
                   <a:srgbClr val="F3F3F3"/>
                 </a:solidFill>
@@ -10640,10 +12586,6 @@
                 <a:ea typeface="Fira Sans Condensed Light"/>
               </a:rPr>
               <a:t>Sequence diagrams</a:t>
-            </a:r>
-            <a:r>
-              <a:rPr lang="en-US" sz="3000" spc="-1" dirty="0"/>
-              <a:t/>
             </a:r>
             <a:br>
               <a:rPr lang="en-US" sz="3000" spc="-1" dirty="0"/>
@@ -10661,376 +12603,6 @@
     <p:extLst>
       <p:ext uri="{BB962C8B-B14F-4D97-AF65-F5344CB8AC3E}">
         <p14:creationId xmlns:p14="http://schemas.microsoft.com/office/powerpoint/2010/main" val="1513932796"/>
-      </p:ext>
-    </p:extLst>
-  </p:cSld>
-  <p:clrMapOvr>
-    <a:masterClrMapping/>
-  </p:clrMapOvr>
-  <p:transition spd="slow">
-    <p:push dir="u"/>
-  </p:transition>
-</p:sld>
-</file>
-
-<file path=ppt/slides/slide12.xml><?xml version="1.0" encoding="utf-8"?>
-<p:sld xmlns:a="http://schemas.openxmlformats.org/drawingml/2006/main" xmlns:r="http://schemas.openxmlformats.org/officeDocument/2006/relationships" xmlns:p="http://schemas.openxmlformats.org/presentationml/2006/main">
-  <p:cSld>
-    <p:spTree>
-      <p:nvGrpSpPr>
-        <p:cNvPr id="1" name=""/>
-        <p:cNvGrpSpPr/>
-        <p:nvPr/>
-      </p:nvGrpSpPr>
-      <p:grpSpPr>
-        <a:xfrm>
-          <a:off x="0" y="0"/>
-          <a:ext cx="0" cy="0"/>
-          <a:chOff x="0" y="0"/>
-          <a:chExt cx="0" cy="0"/>
-        </a:xfrm>
-      </p:grpSpPr>
-      <p:sp>
-        <p:nvSpPr>
-          <p:cNvPr id="218" name="CustomShape 1"/>
-          <p:cNvSpPr/>
-          <p:nvPr/>
-        </p:nvSpPr>
-        <p:spPr>
-          <a:xfrm>
-            <a:off x="465247" y="213705"/>
-            <a:ext cx="5194440" cy="887180"/>
-          </a:xfrm>
-          <a:prstGeom prst="rect">
-            <a:avLst/>
-          </a:prstGeom>
-          <a:noFill/>
-          <a:ln>
-            <a:noFill/>
-          </a:ln>
-        </p:spPr>
-        <p:style>
-          <a:lnRef idx="0">
-            <a:scrgbClr r="0" g="0" b="0"/>
-          </a:lnRef>
-          <a:fillRef idx="0">
-            <a:scrgbClr r="0" g="0" b="0"/>
-          </a:fillRef>
-          <a:effectRef idx="0">
-            <a:scrgbClr r="0" g="0" b="0"/>
-          </a:effectRef>
-          <a:fontRef idx="minor"/>
-        </p:style>
-        <p:txBody>
-          <a:bodyPr lIns="90000" tIns="91440" rIns="90000" bIns="91440" anchor="ctr">
-            <a:noAutofit/>
-          </a:bodyPr>
-          <a:lstStyle/>
-          <a:p>
-            <a:pPr>
-              <a:lnSpc>
-                <a:spcPct val="100000"/>
-              </a:lnSpc>
-              <a:tabLst>
-                <a:tab pos="0" algn="l"/>
-              </a:tabLst>
-            </a:pPr>
-            <a:r>
-              <a:rPr lang="en-US" sz="3200" b="1" strike="noStrike" spc="-1" dirty="0" smtClean="0">
-                <a:solidFill>
-                  <a:srgbClr val="F3F3F3"/>
-                </a:solidFill>
-                <a:latin typeface="Rajdhani"/>
-                <a:ea typeface="Fira Sans Condensed Light"/>
-              </a:rPr>
-              <a:t>Diagrams (cont.)</a:t>
-            </a:r>
-          </a:p>
-          <a:p>
-            <a:pPr>
-              <a:lnSpc>
-                <a:spcPct val="100000"/>
-              </a:lnSpc>
-              <a:tabLst>
-                <a:tab pos="0" algn="l"/>
-              </a:tabLst>
-            </a:pPr>
-            <a:endParaRPr lang="en-US" sz="3200" b="1" strike="noStrike" spc="-1" dirty="0" smtClean="0">
-              <a:solidFill>
-                <a:srgbClr val="F3F3F3"/>
-              </a:solidFill>
-              <a:latin typeface="Rajdhani"/>
-              <a:ea typeface="Fira Sans Condensed Light"/>
-            </a:endParaRPr>
-          </a:p>
-          <a:p>
-            <a:pPr>
-              <a:lnSpc>
-                <a:spcPct val="100000"/>
-              </a:lnSpc>
-              <a:tabLst>
-                <a:tab pos="0" algn="l"/>
-              </a:tabLst>
-            </a:pPr>
-            <a:r>
-              <a:rPr lang="en-US" sz="2000" b="1" spc="-1" dirty="0" smtClean="0">
-                <a:solidFill>
-                  <a:srgbClr val="F3F3F3"/>
-                </a:solidFill>
-                <a:latin typeface="Rajdhani"/>
-              </a:rPr>
-              <a:t>Class diagram</a:t>
-            </a:r>
-            <a:endParaRPr lang="en-US" sz="2000" b="0" strike="noStrike" spc="-1" dirty="0">
-              <a:latin typeface="Arial"/>
-            </a:endParaRPr>
-          </a:p>
-        </p:txBody>
-      </p:sp>
-      <p:pic>
-        <p:nvPicPr>
-          <p:cNvPr id="4" name="Picture 3">
-            <a:extLst>
-              <a:ext uri="{FF2B5EF4-FFF2-40B4-BE49-F238E27FC236}">
-                <a16:creationId xmlns:a16="http://schemas.microsoft.com/office/drawing/2014/main" id="{BAED9176-6B4C-4AC7-B47C-FDF1CBDE1CFE}"/>
-              </a:ext>
-            </a:extLst>
-          </p:cNvPr>
-          <p:cNvPicPr>
-            <a:picLocks noChangeAspect="1"/>
-          </p:cNvPicPr>
-          <p:nvPr/>
-        </p:nvPicPr>
-        <p:blipFill>
-          <a:blip r:embed="rId2" cstate="print">
-            <a:extLst>
-              <a:ext uri="{28A0092B-C50C-407E-A947-70E740481C1C}">
-                <a14:useLocalDpi xmlns:a14="http://schemas.microsoft.com/office/drawing/2010/main" val="0"/>
-              </a:ext>
-            </a:extLst>
-          </a:blip>
-          <a:stretch>
-            <a:fillRect/>
-          </a:stretch>
-        </p:blipFill>
-        <p:spPr>
-          <a:xfrm>
-            <a:off x="1198418" y="1357745"/>
-            <a:ext cx="7348254" cy="3609542"/>
-          </a:xfrm>
-          <a:prstGeom prst="rect">
-            <a:avLst/>
-          </a:prstGeom>
-        </p:spPr>
-      </p:pic>
-    </p:spTree>
-  </p:cSld>
-  <p:clrMapOvr>
-    <a:masterClrMapping/>
-  </p:clrMapOvr>
-  <p:transition spd="slow">
-    <p:push dir="u"/>
-  </p:transition>
-</p:sld>
-</file>
-
-<file path=ppt/slides/slide13.xml><?xml version="1.0" encoding="utf-8"?>
-<p:sld xmlns:a="http://schemas.openxmlformats.org/drawingml/2006/main" xmlns:r="http://schemas.openxmlformats.org/officeDocument/2006/relationships" xmlns:p="http://schemas.openxmlformats.org/presentationml/2006/main">
-  <p:cSld>
-    <p:spTree>
-      <p:nvGrpSpPr>
-        <p:cNvPr id="1" name=""/>
-        <p:cNvGrpSpPr/>
-        <p:nvPr/>
-      </p:nvGrpSpPr>
-      <p:grpSpPr>
-        <a:xfrm>
-          <a:off x="0" y="0"/>
-          <a:ext cx="0" cy="0"/>
-          <a:chOff x="0" y="0"/>
-          <a:chExt cx="0" cy="0"/>
-        </a:xfrm>
-      </p:grpSpPr>
-      <p:sp>
-        <p:nvSpPr>
-          <p:cNvPr id="4" name="CustomShape 1"/>
-          <p:cNvSpPr/>
-          <p:nvPr/>
-        </p:nvSpPr>
-        <p:spPr>
-          <a:xfrm>
-            <a:off x="458320" y="75711"/>
-            <a:ext cx="5194440" cy="635760"/>
-          </a:xfrm>
-          <a:prstGeom prst="rect">
-            <a:avLst/>
-          </a:prstGeom>
-          <a:noFill/>
-          <a:ln>
-            <a:noFill/>
-          </a:ln>
-        </p:spPr>
-        <p:style>
-          <a:lnRef idx="0">
-            <a:scrgbClr r="0" g="0" b="0"/>
-          </a:lnRef>
-          <a:fillRef idx="0">
-            <a:scrgbClr r="0" g="0" b="0"/>
-          </a:fillRef>
-          <a:effectRef idx="0">
-            <a:scrgbClr r="0" g="0" b="0"/>
-          </a:effectRef>
-          <a:fontRef idx="minor"/>
-        </p:style>
-        <p:txBody>
-          <a:bodyPr lIns="90000" tIns="91440" rIns="90000" bIns="91440" anchor="ctr">
-            <a:noAutofit/>
-          </a:bodyPr>
-          <a:lstStyle/>
-          <a:p>
-            <a:pPr>
-              <a:lnSpc>
-                <a:spcPct val="100000"/>
-              </a:lnSpc>
-              <a:tabLst>
-                <a:tab pos="0" algn="l"/>
-              </a:tabLst>
-            </a:pPr>
-            <a:r>
-              <a:rPr lang="en-US" sz="3200" b="1" strike="noStrike" spc="-1" dirty="0" smtClean="0">
-                <a:solidFill>
-                  <a:schemeClr val="bg1"/>
-                </a:solidFill>
-                <a:latin typeface="Rajdhani"/>
-                <a:cs typeface="Arial" panose="020B0604020202020204" pitchFamily="34" charset="0"/>
-              </a:rPr>
-              <a:t>Dataset Used:</a:t>
-            </a:r>
-            <a:endParaRPr lang="en-US" sz="3200" b="1" strike="noStrike" spc="-1" dirty="0">
-              <a:solidFill>
-                <a:schemeClr val="bg1"/>
-              </a:solidFill>
-              <a:latin typeface="Rajdhani"/>
-              <a:cs typeface="Arial" panose="020B0604020202020204" pitchFamily="34" charset="0"/>
-            </a:endParaRPr>
-          </a:p>
-        </p:txBody>
-      </p:sp>
-      <p:pic>
-        <p:nvPicPr>
-          <p:cNvPr id="5" name="Picture 4"/>
-          <p:cNvPicPr>
-            <a:picLocks noChangeAspect="1"/>
-          </p:cNvPicPr>
-          <p:nvPr/>
-        </p:nvPicPr>
-        <p:blipFill>
-          <a:blip r:embed="rId2">
-            <a:extLst>
-              <a:ext uri="{28A0092B-C50C-407E-A947-70E740481C1C}">
-                <a14:useLocalDpi xmlns:a14="http://schemas.microsoft.com/office/drawing/2010/main" val="0"/>
-              </a:ext>
-            </a:extLst>
-          </a:blip>
-          <a:stretch>
-            <a:fillRect/>
-          </a:stretch>
-        </p:blipFill>
-        <p:spPr>
-          <a:xfrm>
-            <a:off x="4176142" y="520210"/>
-            <a:ext cx="4773894" cy="4065643"/>
-          </a:xfrm>
-          <a:prstGeom prst="rect">
-            <a:avLst/>
-          </a:prstGeom>
-        </p:spPr>
-      </p:pic>
-      <p:sp>
-        <p:nvSpPr>
-          <p:cNvPr id="6" name="CustomShape 2"/>
-          <p:cNvSpPr/>
-          <p:nvPr/>
-        </p:nvSpPr>
-        <p:spPr>
-          <a:xfrm>
-            <a:off x="300043" y="782781"/>
-            <a:ext cx="3759338" cy="2140527"/>
-          </a:xfrm>
-          <a:prstGeom prst="rect">
-            <a:avLst/>
-          </a:prstGeom>
-          <a:noFill/>
-          <a:ln>
-            <a:noFill/>
-          </a:ln>
-        </p:spPr>
-        <p:style>
-          <a:lnRef idx="0">
-            <a:scrgbClr r="0" g="0" b="0"/>
-          </a:lnRef>
-          <a:fillRef idx="0">
-            <a:scrgbClr r="0" g="0" b="0"/>
-          </a:fillRef>
-          <a:effectRef idx="0">
-            <a:scrgbClr r="0" g="0" b="0"/>
-          </a:effectRef>
-          <a:fontRef idx="minor"/>
-        </p:style>
-        <p:txBody>
-          <a:bodyPr lIns="90000" tIns="91440" rIns="90000" bIns="91440" anchor="ctr">
-            <a:noAutofit/>
-          </a:bodyPr>
-          <a:lstStyle/>
-          <a:p>
-            <a:pPr marL="153000">
-              <a:lnSpc>
-                <a:spcPct val="100000"/>
-              </a:lnSpc>
-              <a:buClr>
-                <a:srgbClr val="F3F3F3"/>
-              </a:buClr>
-            </a:pPr>
-            <a:r>
-              <a:rPr lang="en-US" spc="-1" dirty="0" smtClean="0">
-                <a:solidFill>
-                  <a:schemeClr val="bg1"/>
-                </a:solidFill>
-                <a:latin typeface="Fira Sans Condensed Light"/>
-              </a:rPr>
-              <a:t>Our dataset has over 100000 instances of </a:t>
-            </a:r>
-            <a:r>
-              <a:rPr lang="en-US" spc="-1" dirty="0" err="1" smtClean="0">
-                <a:solidFill>
-                  <a:schemeClr val="bg1"/>
-                </a:solidFill>
-                <a:latin typeface="Fira Sans Condensed Light"/>
-              </a:rPr>
-              <a:t>rs</a:t>
-            </a:r>
-            <a:r>
-              <a:rPr lang="en-US" spc="-1" dirty="0" smtClean="0">
-                <a:solidFill>
-                  <a:schemeClr val="bg1"/>
-                </a:solidFill>
-                <a:latin typeface="Fira Sans Condensed Light"/>
-              </a:rPr>
-              <a:t> numbers and consists of 6 main features showing both alleles for every family member and the number of chromosome for each instance</a:t>
-            </a:r>
-            <a:endParaRPr lang="en-US" sz="1800" b="0" strike="noStrike" spc="-1" dirty="0">
-              <a:solidFill>
-                <a:schemeClr val="bg1"/>
-              </a:solidFill>
-              <a:latin typeface="Fira Sans Condensed Light"/>
-            </a:endParaRPr>
-          </a:p>
-        </p:txBody>
-      </p:sp>
-    </p:spTree>
-    <p:extLst>
-      <p:ext uri="{BB962C8B-B14F-4D97-AF65-F5344CB8AC3E}">
-        <p14:creationId xmlns:p14="http://schemas.microsoft.com/office/powerpoint/2010/main" val="2023526759"/>
       </p:ext>
     </p:extLst>
   </p:cSld>
@@ -11062,14 +12634,14 @@
       </p:grpSpPr>
       <p:sp>
         <p:nvSpPr>
-          <p:cNvPr id="4" name="CustomShape 1"/>
+          <p:cNvPr id="218" name="CustomShape 1"/>
           <p:cNvSpPr/>
           <p:nvPr/>
         </p:nvSpPr>
         <p:spPr>
           <a:xfrm>
-            <a:off x="458320" y="75711"/>
-            <a:ext cx="5194440" cy="635760"/>
+            <a:off x="264525" y="176213"/>
+            <a:ext cx="5194440" cy="887180"/>
           </a:xfrm>
           <a:prstGeom prst="rect">
             <a:avLst/>
@@ -11106,35 +12678,56 @@
               </a:tabLst>
             </a:pPr>
             <a:r>
-              <a:rPr lang="en-US" sz="3200" b="1" strike="noStrike" spc="-1" dirty="0" smtClean="0">
+              <a:rPr lang="en-US" sz="3200" b="1" strike="noStrike" spc="-1" dirty="0">
                 <a:solidFill>
-                  <a:schemeClr val="bg1"/>
+                  <a:srgbClr val="F3F3F3"/>
                 </a:solidFill>
                 <a:latin typeface="Rajdhani"/>
-                <a:cs typeface="Arial" panose="020B0604020202020204" pitchFamily="34" charset="0"/>
+                <a:ea typeface="Fira Sans Condensed Light"/>
               </a:rPr>
-              <a:t>User interface</a:t>
+              <a:t>Diagrams (cont.)</a:t>
             </a:r>
-            <a:endParaRPr lang="en-US" sz="3200" b="1" strike="noStrike" spc="-1" dirty="0">
-              <a:solidFill>
-                <a:schemeClr val="bg1"/>
-              </a:solidFill>
-              <a:latin typeface="Rajdhani"/>
-              <a:cs typeface="Arial" panose="020B0604020202020204" pitchFamily="34" charset="0"/>
+          </a:p>
+          <a:p>
+            <a:pPr>
+              <a:lnSpc>
+                <a:spcPct val="100000"/>
+              </a:lnSpc>
+              <a:tabLst>
+                <a:tab pos="0" algn="l"/>
+              </a:tabLst>
+            </a:pPr>
+            <a:r>
+              <a:rPr lang="en-US" sz="1600" b="1" spc="-1" dirty="0">
+                <a:solidFill>
+                  <a:srgbClr val="F3F3F3"/>
+                </a:solidFill>
+                <a:latin typeface="Fira Sans Condensed Light" panose="020B0403050000020004" pitchFamily="34" charset="0"/>
+              </a:rPr>
+              <a:t>Class diagram:</a:t>
+            </a:r>
+            <a:endParaRPr lang="en-US" sz="1600" b="0" strike="noStrike" spc="-1" dirty="0">
+              <a:latin typeface="Fira Sans Condensed Light" panose="020B0403050000020004" pitchFamily="34" charset="0"/>
             </a:endParaRPr>
           </a:p>
         </p:txBody>
       </p:sp>
       <p:pic>
         <p:nvPicPr>
-          <p:cNvPr id="5" name="Picture 4"/>
+          <p:cNvPr id="4" name="Picture 3">
+            <a:extLst>
+              <a:ext uri="{FF2B5EF4-FFF2-40B4-BE49-F238E27FC236}">
+                <a16:creationId xmlns:a16="http://schemas.microsoft.com/office/drawing/2014/main" id="{BAED9176-6B4C-4AC7-B47C-FDF1CBDE1CFE}"/>
+              </a:ext>
+            </a:extLst>
+          </p:cNvPr>
           <p:cNvPicPr>
             <a:picLocks noChangeAspect="1"/>
           </p:cNvPicPr>
           <p:nvPr/>
         </p:nvPicPr>
         <p:blipFill>
-          <a:blip r:embed="rId2">
+          <a:blip r:embed="rId2" cstate="print">
             <a:extLst>
               <a:ext uri="{28A0092B-C50C-407E-A947-70E740481C1C}">
                 <a14:useLocalDpi xmlns:a14="http://schemas.microsoft.com/office/drawing/2010/main" val="0"/>
@@ -11147,68 +12740,8 @@
         </p:blipFill>
         <p:spPr>
           <a:xfrm>
-            <a:off x="6906079" y="890624"/>
-            <a:ext cx="1870776" cy="3828459"/>
-          </a:xfrm>
-          <a:prstGeom prst="rect">
-            <a:avLst/>
-          </a:prstGeom>
-        </p:spPr>
-      </p:pic>
-      <p:pic>
-        <p:nvPicPr>
-          <p:cNvPr id="6" name="Picture 5"/>
-          <p:cNvPicPr>
-            <a:picLocks noChangeAspect="1"/>
-          </p:cNvPicPr>
-          <p:nvPr/>
-        </p:nvPicPr>
-        <p:blipFill>
-          <a:blip r:embed="rId3">
-            <a:extLst>
-              <a:ext uri="{28A0092B-C50C-407E-A947-70E740481C1C}">
-                <a14:useLocalDpi xmlns:a14="http://schemas.microsoft.com/office/drawing/2010/main" val="0"/>
-              </a:ext>
-            </a:extLst>
-          </a:blip>
-          <a:stretch>
-            <a:fillRect/>
-          </a:stretch>
-        </p:blipFill>
-        <p:spPr>
-          <a:xfrm>
-            <a:off x="3811603" y="890624"/>
-            <a:ext cx="1841157" cy="3822896"/>
-          </a:xfrm>
-          <a:prstGeom prst="rect">
-            <a:avLst/>
-          </a:prstGeom>
-        </p:spPr>
-      </p:pic>
-      <p:pic>
-        <p:nvPicPr>
-          <p:cNvPr id="7" name="Picture 6"/>
-          <p:cNvPicPr>
-            <a:picLocks noChangeAspect="1"/>
-          </p:cNvPicPr>
-          <p:nvPr/>
-        </p:nvPicPr>
-        <p:blipFill>
-          <a:blip r:embed="rId4">
-            <a:extLst>
-              <a:ext uri="{28A0092B-C50C-407E-A947-70E740481C1C}">
-                <a14:useLocalDpi xmlns:a14="http://schemas.microsoft.com/office/drawing/2010/main" val="0"/>
-              </a:ext>
-            </a:extLst>
-          </a:blip>
-          <a:stretch>
-            <a:fillRect/>
-          </a:stretch>
-        </p:blipFill>
-        <p:spPr>
-          <a:xfrm>
-            <a:off x="732251" y="890623"/>
-            <a:ext cx="1826598" cy="3729867"/>
+            <a:off x="264525" y="1155128"/>
+            <a:ext cx="8311376" cy="3685846"/>
           </a:xfrm>
           <a:prstGeom prst="rect">
             <a:avLst/>
@@ -11216,11 +12749,6 @@
         </p:spPr>
       </p:pic>
     </p:spTree>
-    <p:extLst>
-      <p:ext uri="{BB962C8B-B14F-4D97-AF65-F5344CB8AC3E}">
-        <p14:creationId xmlns:p14="http://schemas.microsoft.com/office/powerpoint/2010/main" val="1398876115"/>
-      </p:ext>
-    </p:extLst>
   </p:cSld>
   <p:clrMapOvr>
     <a:masterClrMapping/>
@@ -11256,7 +12784,7 @@
         </p:nvSpPr>
         <p:spPr>
           <a:xfrm>
-            <a:off x="458320" y="207330"/>
+            <a:off x="458320" y="75711"/>
             <a:ext cx="5194440" cy="635760"/>
           </a:xfrm>
           <a:prstGeom prst="rect">
@@ -11294,7 +12822,715 @@
               </a:tabLst>
             </a:pPr>
             <a:r>
-              <a:rPr lang="en-US" sz="3200" b="1" strike="noStrike" spc="-1" dirty="0" smtClean="0">
+              <a:rPr lang="en-US" sz="3200" b="1" strike="noStrike" spc="-1" dirty="0">
+                <a:solidFill>
+                  <a:schemeClr val="bg1"/>
+                </a:solidFill>
+                <a:latin typeface="Rajdhani"/>
+                <a:cs typeface="Arial" panose="020B0604020202020204" pitchFamily="34" charset="0"/>
+              </a:rPr>
+              <a:t>Dataset Used:</a:t>
+            </a:r>
+          </a:p>
+        </p:txBody>
+      </p:sp>
+      <p:pic>
+        <p:nvPicPr>
+          <p:cNvPr id="5" name="Picture 4"/>
+          <p:cNvPicPr>
+            <a:picLocks noChangeAspect="1"/>
+          </p:cNvPicPr>
+          <p:nvPr/>
+        </p:nvPicPr>
+        <p:blipFill>
+          <a:blip r:embed="rId2">
+            <a:extLst>
+              <a:ext uri="{28A0092B-C50C-407E-A947-70E740481C1C}">
+                <a14:useLocalDpi xmlns:a14="http://schemas.microsoft.com/office/drawing/2010/main" val="0"/>
+              </a:ext>
+            </a:extLst>
+          </a:blip>
+          <a:stretch>
+            <a:fillRect/>
+          </a:stretch>
+        </p:blipFill>
+        <p:spPr>
+          <a:xfrm>
+            <a:off x="4489595" y="609601"/>
+            <a:ext cx="4459222" cy="3797654"/>
+          </a:xfrm>
+          <a:prstGeom prst="rect">
+            <a:avLst/>
+          </a:prstGeom>
+        </p:spPr>
+      </p:pic>
+      <p:sp>
+        <p:nvSpPr>
+          <p:cNvPr id="7" name="CustomShape 2">
+            <a:extLst>
+              <a:ext uri="{FF2B5EF4-FFF2-40B4-BE49-F238E27FC236}">
+                <a16:creationId xmlns:a16="http://schemas.microsoft.com/office/drawing/2014/main" id="{6BA8F520-99C0-43F0-9F9D-FCF9D542D0D0}"/>
+              </a:ext>
+            </a:extLst>
+          </p:cNvPr>
+          <p:cNvSpPr/>
+          <p:nvPr/>
+        </p:nvSpPr>
+        <p:spPr>
+          <a:xfrm>
+            <a:off x="195183" y="897316"/>
+            <a:ext cx="4093200" cy="1853320"/>
+          </a:xfrm>
+          <a:prstGeom prst="rect">
+            <a:avLst/>
+          </a:prstGeom>
+          <a:solidFill>
+            <a:srgbClr val="0C343D">
+              <a:alpha val="57000"/>
+            </a:srgbClr>
+          </a:solidFill>
+          <a:ln>
+            <a:noFill/>
+          </a:ln>
+        </p:spPr>
+        <p:style>
+          <a:lnRef idx="0">
+            <a:scrgbClr r="0" g="0" b="0"/>
+          </a:lnRef>
+          <a:fillRef idx="0">
+            <a:scrgbClr r="0" g="0" b="0"/>
+          </a:fillRef>
+          <a:effectRef idx="0">
+            <a:scrgbClr r="0" g="0" b="0"/>
+          </a:effectRef>
+          <a:fontRef idx="minor"/>
+        </p:style>
+        <p:txBody>
+          <a:bodyPr lIns="234000" tIns="234000" rIns="234000" bIns="91440">
+            <a:noAutofit/>
+          </a:bodyPr>
+          <a:lstStyle/>
+          <a:p>
+            <a:pPr marL="153000">
+              <a:lnSpc>
+                <a:spcPct val="100000"/>
+              </a:lnSpc>
+              <a:buClr>
+                <a:srgbClr val="F3F3F3"/>
+              </a:buClr>
+            </a:pPr>
+            <a:r>
+              <a:rPr lang="en-US" sz="1600" spc="-1" dirty="0">
+                <a:solidFill>
+                  <a:schemeClr val="bg1"/>
+                </a:solidFill>
+                <a:latin typeface="Fira Sans Condensed Light"/>
+              </a:rPr>
+              <a:t>Our dataset has over 100000 instances of Rs numbers and consists of 6 main features showing both alleles for every family member and the number of chromosome for each instance</a:t>
+            </a:r>
+            <a:endParaRPr lang="en-US" sz="1600" b="0" strike="noStrike" spc="-1" dirty="0">
+              <a:solidFill>
+                <a:schemeClr val="bg1"/>
+              </a:solidFill>
+              <a:latin typeface="Fira Sans Condensed Light"/>
+            </a:endParaRPr>
+          </a:p>
+        </p:txBody>
+      </p:sp>
+    </p:spTree>
+    <p:extLst>
+      <p:ext uri="{BB962C8B-B14F-4D97-AF65-F5344CB8AC3E}">
+        <p14:creationId xmlns:p14="http://schemas.microsoft.com/office/powerpoint/2010/main" val="2023526759"/>
+      </p:ext>
+    </p:extLst>
+  </p:cSld>
+  <p:clrMapOvr>
+    <a:masterClrMapping/>
+  </p:clrMapOvr>
+  <p:transition spd="slow">
+    <p:push dir="u"/>
+  </p:transition>
+</p:sld>
+</file>
+
+<file path=ppt/slides/slide16.xml><?xml version="1.0" encoding="utf-8"?>
+<p:sld xmlns:a="http://schemas.openxmlformats.org/drawingml/2006/main" xmlns:r="http://schemas.openxmlformats.org/officeDocument/2006/relationships" xmlns:p="http://schemas.openxmlformats.org/presentationml/2006/main">
+  <p:cSld>
+    <p:spTree>
+      <p:nvGrpSpPr>
+        <p:cNvPr id="1" name=""/>
+        <p:cNvGrpSpPr/>
+        <p:nvPr/>
+      </p:nvGrpSpPr>
+      <p:grpSpPr>
+        <a:xfrm>
+          <a:off x="0" y="0"/>
+          <a:ext cx="0" cy="0"/>
+          <a:chOff x="0" y="0"/>
+          <a:chExt cx="0" cy="0"/>
+        </a:xfrm>
+      </p:grpSpPr>
+      <p:sp>
+        <p:nvSpPr>
+          <p:cNvPr id="2" name="Title 1">
+            <a:extLst>
+              <a:ext uri="{FF2B5EF4-FFF2-40B4-BE49-F238E27FC236}">
+                <a16:creationId xmlns:a16="http://schemas.microsoft.com/office/drawing/2014/main" id="{65933F83-1258-4670-9D91-3C722DF387AD}"/>
+              </a:ext>
+            </a:extLst>
+          </p:cNvPr>
+          <p:cNvSpPr>
+            <a:spLocks noGrp="1"/>
+          </p:cNvSpPr>
+          <p:nvPr>
+            <p:ph type="title"/>
+          </p:nvPr>
+        </p:nvSpPr>
+        <p:spPr>
+          <a:xfrm>
+            <a:off x="232866" y="337446"/>
+            <a:ext cx="8229240" cy="858600"/>
+          </a:xfrm>
+        </p:spPr>
+        <p:txBody>
+          <a:bodyPr/>
+          <a:lstStyle/>
+          <a:p>
+            <a:r>
+              <a:rPr lang="en-US" sz="3200" b="1" strike="noStrike" spc="-1" dirty="0">
+                <a:solidFill>
+                  <a:schemeClr val="bg1"/>
+                </a:solidFill>
+                <a:latin typeface="Rajdhani"/>
+                <a:cs typeface="Arial" panose="020B0604020202020204" pitchFamily="34" charset="0"/>
+              </a:rPr>
+              <a:t>Dataset Used(Cont.)</a:t>
+            </a:r>
+            <a:br>
+              <a:rPr lang="en-US" sz="3200" b="1" strike="noStrike" spc="-1" dirty="0">
+                <a:solidFill>
+                  <a:schemeClr val="bg1"/>
+                </a:solidFill>
+                <a:latin typeface="Rajdhani"/>
+                <a:cs typeface="Arial" panose="020B0604020202020204" pitchFamily="34" charset="0"/>
+              </a:rPr>
+            </a:br>
+            <a:endParaRPr lang="en-US" sz="3200" dirty="0"/>
+          </a:p>
+        </p:txBody>
+      </p:sp>
+      <p:sp>
+        <p:nvSpPr>
+          <p:cNvPr id="4" name="CustomShape 2">
+            <a:extLst>
+              <a:ext uri="{FF2B5EF4-FFF2-40B4-BE49-F238E27FC236}">
+                <a16:creationId xmlns:a16="http://schemas.microsoft.com/office/drawing/2014/main" id="{05B03DD2-EEF9-41D8-B2EA-766411BBCC3B}"/>
+              </a:ext>
+            </a:extLst>
+          </p:cNvPr>
+          <p:cNvSpPr/>
+          <p:nvPr/>
+        </p:nvSpPr>
+        <p:spPr>
+          <a:xfrm>
+            <a:off x="232866" y="833653"/>
+            <a:ext cx="5148146" cy="2299365"/>
+          </a:xfrm>
+          <a:prstGeom prst="rect">
+            <a:avLst/>
+          </a:prstGeom>
+          <a:solidFill>
+            <a:srgbClr val="0C343D">
+              <a:alpha val="57000"/>
+            </a:srgbClr>
+          </a:solidFill>
+          <a:ln>
+            <a:noFill/>
+          </a:ln>
+        </p:spPr>
+        <p:style>
+          <a:lnRef idx="0">
+            <a:scrgbClr r="0" g="0" b="0"/>
+          </a:lnRef>
+          <a:fillRef idx="0">
+            <a:scrgbClr r="0" g="0" b="0"/>
+          </a:fillRef>
+          <a:effectRef idx="0">
+            <a:scrgbClr r="0" g="0" b="0"/>
+          </a:effectRef>
+          <a:fontRef idx="minor"/>
+        </p:style>
+        <p:txBody>
+          <a:bodyPr lIns="234000" tIns="234000" rIns="234000" bIns="91440">
+            <a:noAutofit/>
+          </a:bodyPr>
+          <a:lstStyle/>
+          <a:p>
+            <a:pPr marL="153000">
+              <a:lnSpc>
+                <a:spcPct val="100000"/>
+              </a:lnSpc>
+              <a:buClr>
+                <a:srgbClr val="F3F3F3"/>
+              </a:buClr>
+            </a:pPr>
+            <a:r>
+              <a:rPr lang="en-US" sz="1400" b="0" i="0" dirty="0">
+                <a:solidFill>
+                  <a:srgbClr val="DCDDDE"/>
+                </a:solidFill>
+                <a:effectLst/>
+                <a:latin typeface="Fira Sans Condensed Light" panose="020B0403050000020004" pitchFamily="34" charset="0"/>
+              </a:rPr>
+              <a:t>In the whole genome the process to determine paternity is somewhat different There are specific locations (IDs) or the right terminology (locus, loci) in the whole genome every location and is in a specific chromosome For each of these locations, there exists a specific repeat that we are looking for ex: D7S280 --&gt; GATA counting the number of those repeats for each location is the goal and then comparing it with the number of repeats in the mother and father</a:t>
+            </a:r>
+            <a:endParaRPr lang="en-US" sz="1400" b="0" strike="noStrike" spc="-1" dirty="0">
+              <a:solidFill>
+                <a:schemeClr val="bg1"/>
+              </a:solidFill>
+              <a:latin typeface="Fira Sans Condensed Light" panose="020B0403050000020004" pitchFamily="34" charset="0"/>
+            </a:endParaRPr>
+          </a:p>
+        </p:txBody>
+      </p:sp>
+      <p:pic>
+        <p:nvPicPr>
+          <p:cNvPr id="6" name="Picture 5">
+            <a:extLst>
+              <a:ext uri="{FF2B5EF4-FFF2-40B4-BE49-F238E27FC236}">
+                <a16:creationId xmlns:a16="http://schemas.microsoft.com/office/drawing/2014/main" id="{F44430C3-B533-4A1C-8AED-97CF63D86AF5}"/>
+              </a:ext>
+            </a:extLst>
+          </p:cNvPr>
+          <p:cNvPicPr>
+            <a:picLocks noChangeAspect="1"/>
+          </p:cNvPicPr>
+          <p:nvPr/>
+        </p:nvPicPr>
+        <p:blipFill>
+          <a:blip r:embed="rId2">
+            <a:extLst>
+              <a:ext uri="{28A0092B-C50C-407E-A947-70E740481C1C}">
+                <a14:useLocalDpi xmlns:a14="http://schemas.microsoft.com/office/drawing/2010/main" val="0"/>
+              </a:ext>
+            </a:extLst>
+          </a:blip>
+          <a:stretch>
+            <a:fillRect/>
+          </a:stretch>
+        </p:blipFill>
+        <p:spPr>
+          <a:xfrm>
+            <a:off x="5605706" y="718202"/>
+            <a:ext cx="3305428" cy="4087852"/>
+          </a:xfrm>
+          <a:prstGeom prst="rect">
+            <a:avLst/>
+          </a:prstGeom>
+        </p:spPr>
+      </p:pic>
+    </p:spTree>
+    <p:extLst>
+      <p:ext uri="{BB962C8B-B14F-4D97-AF65-F5344CB8AC3E}">
+        <p14:creationId xmlns:p14="http://schemas.microsoft.com/office/powerpoint/2010/main" val="1489331351"/>
+      </p:ext>
+    </p:extLst>
+  </p:cSld>
+  <p:clrMapOvr>
+    <a:masterClrMapping/>
+  </p:clrMapOvr>
+  <p:transition spd="slow">
+    <p:push dir="u"/>
+  </p:transition>
+</p:sld>
+</file>
+
+<file path=ppt/slides/slide17.xml><?xml version="1.0" encoding="utf-8"?>
+<p:sld xmlns:a="http://schemas.openxmlformats.org/drawingml/2006/main" xmlns:r="http://schemas.openxmlformats.org/officeDocument/2006/relationships" xmlns:p="http://schemas.openxmlformats.org/presentationml/2006/main">
+  <p:cSld>
+    <p:spTree>
+      <p:nvGrpSpPr>
+        <p:cNvPr id="1" name=""/>
+        <p:cNvGrpSpPr/>
+        <p:nvPr/>
+      </p:nvGrpSpPr>
+      <p:grpSpPr>
+        <a:xfrm>
+          <a:off x="0" y="0"/>
+          <a:ext cx="0" cy="0"/>
+          <a:chOff x="0" y="0"/>
+          <a:chExt cx="0" cy="0"/>
+        </a:xfrm>
+      </p:grpSpPr>
+      <p:sp>
+        <p:nvSpPr>
+          <p:cNvPr id="4" name="CustomShape 1"/>
+          <p:cNvSpPr/>
+          <p:nvPr/>
+        </p:nvSpPr>
+        <p:spPr>
+          <a:xfrm>
+            <a:off x="317071" y="127239"/>
+            <a:ext cx="5194440" cy="635760"/>
+          </a:xfrm>
+          <a:prstGeom prst="rect">
+            <a:avLst/>
+          </a:prstGeom>
+          <a:noFill/>
+          <a:ln>
+            <a:noFill/>
+          </a:ln>
+        </p:spPr>
+        <p:style>
+          <a:lnRef idx="0">
+            <a:scrgbClr r="0" g="0" b="0"/>
+          </a:lnRef>
+          <a:fillRef idx="0">
+            <a:scrgbClr r="0" g="0" b="0"/>
+          </a:fillRef>
+          <a:effectRef idx="0">
+            <a:scrgbClr r="0" g="0" b="0"/>
+          </a:effectRef>
+          <a:fontRef idx="minor"/>
+        </p:style>
+        <p:txBody>
+          <a:bodyPr lIns="90000" tIns="91440" rIns="90000" bIns="91440" anchor="ctr">
+            <a:noAutofit/>
+          </a:bodyPr>
+          <a:lstStyle/>
+          <a:p>
+            <a:pPr>
+              <a:lnSpc>
+                <a:spcPct val="100000"/>
+              </a:lnSpc>
+              <a:tabLst>
+                <a:tab pos="0" algn="l"/>
+              </a:tabLst>
+            </a:pPr>
+            <a:r>
+              <a:rPr lang="en-US" sz="3200" b="1" strike="noStrike" spc="-1" dirty="0">
+                <a:solidFill>
+                  <a:schemeClr val="bg1"/>
+                </a:solidFill>
+                <a:latin typeface="Rajdhani"/>
+                <a:cs typeface="Arial" panose="020B0604020202020204" pitchFamily="34" charset="0"/>
+              </a:rPr>
+              <a:t>User interface</a:t>
+            </a:r>
+          </a:p>
+          <a:p>
+            <a:pPr>
+              <a:lnSpc>
+                <a:spcPct val="100000"/>
+              </a:lnSpc>
+              <a:tabLst>
+                <a:tab pos="0" algn="l"/>
+              </a:tabLst>
+            </a:pPr>
+            <a:r>
+              <a:rPr lang="en-US" sz="1600" b="1" strike="noStrike" spc="-1" dirty="0">
+                <a:solidFill>
+                  <a:schemeClr val="bg1"/>
+                </a:solidFill>
+                <a:latin typeface="Fira Sans Condensed Light" panose="020B0403050000020004" pitchFamily="34" charset="0"/>
+                <a:cs typeface="Arial" panose="020B0604020202020204" pitchFamily="34" charset="0"/>
+              </a:rPr>
+              <a:t>Mobile application</a:t>
+            </a:r>
+          </a:p>
+        </p:txBody>
+      </p:sp>
+      <p:sp>
+        <p:nvSpPr>
+          <p:cNvPr id="14" name="CustomShape 2">
+            <a:extLst>
+              <a:ext uri="{FF2B5EF4-FFF2-40B4-BE49-F238E27FC236}">
+                <a16:creationId xmlns:a16="http://schemas.microsoft.com/office/drawing/2014/main" id="{BEC2F7AA-B8A0-4208-8E89-D8DFE1E2ED91}"/>
+              </a:ext>
+            </a:extLst>
+          </p:cNvPr>
+          <p:cNvSpPr/>
+          <p:nvPr/>
+        </p:nvSpPr>
+        <p:spPr>
+          <a:xfrm>
+            <a:off x="0" y="870240"/>
+            <a:ext cx="9143999" cy="4197549"/>
+          </a:xfrm>
+          <a:prstGeom prst="rect">
+            <a:avLst/>
+          </a:prstGeom>
+          <a:solidFill>
+            <a:srgbClr val="0C343D">
+              <a:alpha val="57000"/>
+            </a:srgbClr>
+          </a:solidFill>
+          <a:ln>
+            <a:noFill/>
+          </a:ln>
+        </p:spPr>
+        <p:style>
+          <a:lnRef idx="0">
+            <a:scrgbClr r="0" g="0" b="0"/>
+          </a:lnRef>
+          <a:fillRef idx="0">
+            <a:scrgbClr r="0" g="0" b="0"/>
+          </a:fillRef>
+          <a:effectRef idx="0">
+            <a:scrgbClr r="0" g="0" b="0"/>
+          </a:effectRef>
+          <a:fontRef idx="minor"/>
+        </p:style>
+        <p:txBody>
+          <a:bodyPr lIns="234000" tIns="234000" rIns="234000" bIns="91440">
+            <a:noAutofit/>
+          </a:bodyPr>
+          <a:lstStyle/>
+          <a:p>
+            <a:pPr marL="457200" indent="-304200">
+              <a:lnSpc>
+                <a:spcPct val="100000"/>
+              </a:lnSpc>
+              <a:buClr>
+                <a:srgbClr val="F3F3F3"/>
+              </a:buClr>
+              <a:buFont typeface="Arial"/>
+              <a:buChar char="•"/>
+            </a:pPr>
+            <a:endParaRPr lang="en-US" sz="1600" spc="-1" dirty="0"/>
+          </a:p>
+        </p:txBody>
+      </p:sp>
+      <p:pic>
+        <p:nvPicPr>
+          <p:cNvPr id="15" name="Picture 14">
+            <a:extLst>
+              <a:ext uri="{FF2B5EF4-FFF2-40B4-BE49-F238E27FC236}">
+                <a16:creationId xmlns:a16="http://schemas.microsoft.com/office/drawing/2014/main" id="{D4609267-1289-4FE1-92E0-982A61C6D82B}"/>
+              </a:ext>
+            </a:extLst>
+          </p:cNvPr>
+          <p:cNvPicPr>
+            <a:picLocks noChangeAspect="1"/>
+          </p:cNvPicPr>
+          <p:nvPr/>
+        </p:nvPicPr>
+        <p:blipFill>
+          <a:blip r:embed="rId2">
+            <a:extLst>
+              <a:ext uri="{28A0092B-C50C-407E-A947-70E740481C1C}">
+                <a14:useLocalDpi xmlns:a14="http://schemas.microsoft.com/office/drawing/2010/main" val="0"/>
+              </a:ext>
+            </a:extLst>
+          </a:blip>
+          <a:stretch>
+            <a:fillRect/>
+          </a:stretch>
+        </p:blipFill>
+        <p:spPr>
+          <a:xfrm>
+            <a:off x="6492640" y="1054783"/>
+            <a:ext cx="1870776" cy="3828459"/>
+          </a:xfrm>
+          <a:prstGeom prst="rect">
+            <a:avLst/>
+          </a:prstGeom>
+          <a:ln w="38100" cap="sq">
+            <a:solidFill>
+              <a:srgbClr val="000000"/>
+            </a:solidFill>
+            <a:prstDash val="solid"/>
+            <a:miter lim="800000"/>
+          </a:ln>
+          <a:effectLst>
+            <a:outerShdw blurRad="50800" dist="38100" dir="2700000" algn="tl" rotWithShape="0">
+              <a:srgbClr val="000000">
+                <a:alpha val="43000"/>
+              </a:srgbClr>
+            </a:outerShdw>
+          </a:effectLst>
+        </p:spPr>
+      </p:pic>
+      <p:pic>
+        <p:nvPicPr>
+          <p:cNvPr id="16" name="Picture 15">
+            <a:extLst>
+              <a:ext uri="{FF2B5EF4-FFF2-40B4-BE49-F238E27FC236}">
+                <a16:creationId xmlns:a16="http://schemas.microsoft.com/office/drawing/2014/main" id="{DABF09F3-E95A-42B1-A926-CA5A985382D0}"/>
+              </a:ext>
+            </a:extLst>
+          </p:cNvPr>
+          <p:cNvPicPr>
+            <a:picLocks noChangeAspect="1"/>
+          </p:cNvPicPr>
+          <p:nvPr/>
+        </p:nvPicPr>
+        <p:blipFill>
+          <a:blip r:embed="rId3">
+            <a:extLst>
+              <a:ext uri="{28A0092B-C50C-407E-A947-70E740481C1C}">
+                <a14:useLocalDpi xmlns:a14="http://schemas.microsoft.com/office/drawing/2010/main" val="0"/>
+              </a:ext>
+            </a:extLst>
+          </a:blip>
+          <a:stretch>
+            <a:fillRect/>
+          </a:stretch>
+        </p:blipFill>
+        <p:spPr>
+          <a:xfrm>
+            <a:off x="3539412" y="1060346"/>
+            <a:ext cx="1841157" cy="3822896"/>
+          </a:xfrm>
+          <a:prstGeom prst="rect">
+            <a:avLst/>
+          </a:prstGeom>
+          <a:ln w="38100" cap="sq">
+            <a:solidFill>
+              <a:srgbClr val="000000"/>
+            </a:solidFill>
+            <a:prstDash val="solid"/>
+            <a:miter lim="800000"/>
+          </a:ln>
+          <a:effectLst>
+            <a:outerShdw blurRad="50800" dist="38100" dir="2700000" algn="tl" rotWithShape="0">
+              <a:srgbClr val="000000">
+                <a:alpha val="43000"/>
+              </a:srgbClr>
+            </a:outerShdw>
+          </a:effectLst>
+        </p:spPr>
+      </p:pic>
+      <p:pic>
+        <p:nvPicPr>
+          <p:cNvPr id="17" name="Picture 16">
+            <a:extLst>
+              <a:ext uri="{FF2B5EF4-FFF2-40B4-BE49-F238E27FC236}">
+                <a16:creationId xmlns:a16="http://schemas.microsoft.com/office/drawing/2014/main" id="{06ED7194-66DC-4D8F-8937-7DA433903963}"/>
+              </a:ext>
+            </a:extLst>
+          </p:cNvPr>
+          <p:cNvPicPr>
+            <a:picLocks noChangeAspect="1"/>
+          </p:cNvPicPr>
+          <p:nvPr/>
+        </p:nvPicPr>
+        <p:blipFill>
+          <a:blip r:embed="rId4">
+            <a:extLst>
+              <a:ext uri="{28A0092B-C50C-407E-A947-70E740481C1C}">
+                <a14:useLocalDpi xmlns:a14="http://schemas.microsoft.com/office/drawing/2010/main" val="0"/>
+              </a:ext>
+            </a:extLst>
+          </a:blip>
+          <a:stretch>
+            <a:fillRect/>
+          </a:stretch>
+        </p:blipFill>
+        <p:spPr>
+          <a:xfrm>
+            <a:off x="600743" y="1104080"/>
+            <a:ext cx="1826598" cy="3729867"/>
+          </a:xfrm>
+          <a:prstGeom prst="rect">
+            <a:avLst/>
+          </a:prstGeom>
+          <a:ln w="38100" cap="sq">
+            <a:solidFill>
+              <a:srgbClr val="000000"/>
+            </a:solidFill>
+            <a:prstDash val="solid"/>
+            <a:miter lim="800000"/>
+          </a:ln>
+          <a:effectLst>
+            <a:outerShdw blurRad="50800" dist="38100" dir="2700000" algn="tl" rotWithShape="0">
+              <a:srgbClr val="000000">
+                <a:alpha val="43000"/>
+              </a:srgbClr>
+            </a:outerShdw>
+          </a:effectLst>
+        </p:spPr>
+      </p:pic>
+    </p:spTree>
+    <p:extLst>
+      <p:ext uri="{BB962C8B-B14F-4D97-AF65-F5344CB8AC3E}">
+        <p14:creationId xmlns:p14="http://schemas.microsoft.com/office/powerpoint/2010/main" val="1398876115"/>
+      </p:ext>
+    </p:extLst>
+  </p:cSld>
+  <p:clrMapOvr>
+    <a:masterClrMapping/>
+  </p:clrMapOvr>
+  <p:transition spd="slow">
+    <p:push dir="u"/>
+  </p:transition>
+</p:sld>
+</file>
+
+<file path=ppt/slides/slide18.xml><?xml version="1.0" encoding="utf-8"?>
+<p:sld xmlns:a="http://schemas.openxmlformats.org/drawingml/2006/main" xmlns:r="http://schemas.openxmlformats.org/officeDocument/2006/relationships" xmlns:p="http://schemas.openxmlformats.org/presentationml/2006/main">
+  <p:cSld>
+    <p:spTree>
+      <p:nvGrpSpPr>
+        <p:cNvPr id="1" name=""/>
+        <p:cNvGrpSpPr/>
+        <p:nvPr/>
+      </p:nvGrpSpPr>
+      <p:grpSpPr>
+        <a:xfrm>
+          <a:off x="0" y="0"/>
+          <a:ext cx="0" cy="0"/>
+          <a:chOff x="0" y="0"/>
+          <a:chExt cx="0" cy="0"/>
+        </a:xfrm>
+      </p:grpSpPr>
+      <p:sp>
+        <p:nvSpPr>
+          <p:cNvPr id="4" name="CustomShape 1"/>
+          <p:cNvSpPr/>
+          <p:nvPr/>
+        </p:nvSpPr>
+        <p:spPr>
+          <a:xfrm>
+            <a:off x="282498" y="359730"/>
+            <a:ext cx="5194440" cy="635760"/>
+          </a:xfrm>
+          <a:prstGeom prst="rect">
+            <a:avLst/>
+          </a:prstGeom>
+          <a:noFill/>
+          <a:ln>
+            <a:noFill/>
+          </a:ln>
+        </p:spPr>
+        <p:style>
+          <a:lnRef idx="0">
+            <a:scrgbClr r="0" g="0" b="0"/>
+          </a:lnRef>
+          <a:fillRef idx="0">
+            <a:scrgbClr r="0" g="0" b="0"/>
+          </a:fillRef>
+          <a:effectRef idx="0">
+            <a:scrgbClr r="0" g="0" b="0"/>
+          </a:effectRef>
+          <a:fontRef idx="minor"/>
+        </p:style>
+        <p:txBody>
+          <a:bodyPr lIns="90000" tIns="91440" rIns="90000" bIns="91440" anchor="ctr">
+            <a:noAutofit/>
+          </a:bodyPr>
+          <a:lstStyle/>
+          <a:p>
+            <a:pPr>
+              <a:lnSpc>
+                <a:spcPct val="100000"/>
+              </a:lnSpc>
+              <a:tabLst>
+                <a:tab pos="0" algn="l"/>
+              </a:tabLst>
+            </a:pPr>
+            <a:r>
+              <a:rPr lang="en-US" sz="3200" b="1" strike="noStrike" spc="-1" dirty="0">
                 <a:solidFill>
                   <a:schemeClr val="bg1"/>
                 </a:solidFill>
@@ -11303,6 +13539,36 @@
               </a:rPr>
               <a:t>User interface (cont.)</a:t>
             </a:r>
+          </a:p>
+          <a:p>
+            <a:pPr>
+              <a:lnSpc>
+                <a:spcPct val="100000"/>
+              </a:lnSpc>
+              <a:tabLst>
+                <a:tab pos="0" algn="l"/>
+              </a:tabLst>
+            </a:pPr>
+            <a:r>
+              <a:rPr lang="en-US" sz="1400" b="1" strike="noStrike" spc="-1" dirty="0">
+                <a:solidFill>
+                  <a:schemeClr val="bg1"/>
+                </a:solidFill>
+                <a:latin typeface="Fira Sans Condensed Light" panose="020B0403050000020004" pitchFamily="34" charset="0"/>
+                <a:cs typeface="Arial" panose="020B0604020202020204" pitchFamily="34" charset="0"/>
+              </a:rPr>
+              <a:t>GUI</a:t>
+            </a:r>
+          </a:p>
+          <a:p>
+            <a:pPr>
+              <a:lnSpc>
+                <a:spcPct val="100000"/>
+              </a:lnSpc>
+              <a:tabLst>
+                <a:tab pos="0" algn="l"/>
+              </a:tabLst>
+            </a:pPr>
             <a:endParaRPr lang="en-US" sz="3200" b="1" strike="noStrike" spc="-1" dirty="0">
               <a:solidFill>
                 <a:schemeClr val="bg1"/>
@@ -11313,9 +13579,76 @@
           </a:p>
         </p:txBody>
       </p:sp>
+      <p:sp>
+        <p:nvSpPr>
+          <p:cNvPr id="7" name="CustomShape 2">
+            <a:extLst>
+              <a:ext uri="{FF2B5EF4-FFF2-40B4-BE49-F238E27FC236}">
+                <a16:creationId xmlns:a16="http://schemas.microsoft.com/office/drawing/2014/main" id="{EB08063B-401D-428A-A943-BF362D161BE7}"/>
+              </a:ext>
+            </a:extLst>
+          </p:cNvPr>
+          <p:cNvSpPr/>
+          <p:nvPr/>
+        </p:nvSpPr>
+        <p:spPr>
+          <a:xfrm>
+            <a:off x="282498" y="843089"/>
+            <a:ext cx="8742556" cy="4189827"/>
+          </a:xfrm>
+          <a:prstGeom prst="rect">
+            <a:avLst/>
+          </a:prstGeom>
+          <a:solidFill>
+            <a:srgbClr val="0C343D">
+              <a:alpha val="57000"/>
+            </a:srgbClr>
+          </a:solidFill>
+          <a:ln>
+            <a:noFill/>
+          </a:ln>
+        </p:spPr>
+        <p:style>
+          <a:lnRef idx="0">
+            <a:scrgbClr r="0" g="0" b="0"/>
+          </a:lnRef>
+          <a:fillRef idx="0">
+            <a:scrgbClr r="0" g="0" b="0"/>
+          </a:fillRef>
+          <a:effectRef idx="0">
+            <a:scrgbClr r="0" g="0" b="0"/>
+          </a:effectRef>
+          <a:fontRef idx="minor"/>
+        </p:style>
+        <p:txBody>
+          <a:bodyPr lIns="234000" tIns="234000" rIns="234000" bIns="91440">
+            <a:noAutofit/>
+          </a:bodyPr>
+          <a:lstStyle/>
+          <a:p>
+            <a:pPr marL="457200" indent="-304200">
+              <a:lnSpc>
+                <a:spcPct val="100000"/>
+              </a:lnSpc>
+              <a:buClr>
+                <a:srgbClr val="F3F3F3"/>
+              </a:buClr>
+              <a:buFont typeface="Arial"/>
+              <a:buChar char="•"/>
+            </a:pPr>
+            <a:endParaRPr lang="en-US" sz="1600" spc="-1" dirty="0"/>
+          </a:p>
+        </p:txBody>
+      </p:sp>
       <p:pic>
         <p:nvPicPr>
-          <p:cNvPr id="9" name="Picture 8"/>
+          <p:cNvPr id="8" name="Picture 7">
+            <a:extLst>
+              <a:ext uri="{FF2B5EF4-FFF2-40B4-BE49-F238E27FC236}">
+                <a16:creationId xmlns:a16="http://schemas.microsoft.com/office/drawing/2014/main" id="{F6D99AD8-CDB3-4A96-B781-B174659E518E}"/>
+              </a:ext>
+            </a:extLst>
+          </p:cNvPr>
           <p:cNvPicPr>
             <a:picLocks noChangeAspect="1"/>
           </p:cNvPicPr>
@@ -11335,17 +13668,35 @@
         </p:blipFill>
         <p:spPr>
           <a:xfrm>
-            <a:off x="3909756" y="2578893"/>
-            <a:ext cx="5001682" cy="2350294"/>
-          </a:xfrm>
-          <a:prstGeom prst="rect">
-            <a:avLst/>
-          </a:prstGeom>
+            <a:off x="541214" y="1001688"/>
+            <a:ext cx="1500970" cy="2057721"/>
+          </a:xfrm>
+          <a:prstGeom prst="rect">
+            <a:avLst/>
+          </a:prstGeom>
+          <a:ln w="88900" cap="sq" cmpd="thickThin">
+            <a:solidFill>
+              <a:srgbClr val="000000"/>
+            </a:solidFill>
+            <a:prstDash val="solid"/>
+            <a:miter lim="800000"/>
+          </a:ln>
+          <a:effectLst>
+            <a:innerShdw blurRad="76200">
+              <a:srgbClr val="000000"/>
+            </a:innerShdw>
+          </a:effectLst>
         </p:spPr>
       </p:pic>
       <p:pic>
         <p:nvPicPr>
-          <p:cNvPr id="10" name="Picture 9"/>
+          <p:cNvPr id="13" name="Picture 12">
+            <a:extLst>
+              <a:ext uri="{FF2B5EF4-FFF2-40B4-BE49-F238E27FC236}">
+                <a16:creationId xmlns:a16="http://schemas.microsoft.com/office/drawing/2014/main" id="{87A872C8-CEBC-4024-A86E-A7157C757F19}"/>
+              </a:ext>
+            </a:extLst>
+          </p:cNvPr>
           <p:cNvPicPr>
             <a:picLocks noChangeAspect="1"/>
           </p:cNvPicPr>
@@ -11365,17 +13716,35 @@
         </p:blipFill>
         <p:spPr>
           <a:xfrm>
-            <a:off x="199243" y="843090"/>
-            <a:ext cx="1500970" cy="2057721"/>
-          </a:xfrm>
-          <a:prstGeom prst="rect">
-            <a:avLst/>
-          </a:prstGeom>
+            <a:off x="2346691" y="1001688"/>
+            <a:ext cx="1589111" cy="2057721"/>
+          </a:xfrm>
+          <a:prstGeom prst="rect">
+            <a:avLst/>
+          </a:prstGeom>
+          <a:ln w="88900" cap="sq" cmpd="thickThin">
+            <a:solidFill>
+              <a:srgbClr val="000000"/>
+            </a:solidFill>
+            <a:prstDash val="solid"/>
+            <a:miter lim="800000"/>
+          </a:ln>
+          <a:effectLst>
+            <a:innerShdw blurRad="76200">
+              <a:srgbClr val="000000"/>
+            </a:innerShdw>
+          </a:effectLst>
         </p:spPr>
       </p:pic>
       <p:pic>
         <p:nvPicPr>
-          <p:cNvPr id="11" name="Picture 10"/>
+          <p:cNvPr id="3" name="Picture 2">
+            <a:extLst>
+              <a:ext uri="{FF2B5EF4-FFF2-40B4-BE49-F238E27FC236}">
+                <a16:creationId xmlns:a16="http://schemas.microsoft.com/office/drawing/2014/main" id="{643AD57D-661B-45D6-83DE-1D9F79B4439F}"/>
+              </a:ext>
+            </a:extLst>
+          </p:cNvPr>
           <p:cNvPicPr>
             <a:picLocks noChangeAspect="1"/>
           </p:cNvPicPr>
@@ -11395,17 +13764,35 @@
         </p:blipFill>
         <p:spPr>
           <a:xfrm>
-            <a:off x="1782739" y="843090"/>
-            <a:ext cx="1589111" cy="2057721"/>
-          </a:xfrm>
-          <a:prstGeom prst="rect">
-            <a:avLst/>
-          </a:prstGeom>
+            <a:off x="541214" y="3488812"/>
+            <a:ext cx="2464846" cy="1397902"/>
+          </a:xfrm>
+          <a:prstGeom prst="rect">
+            <a:avLst/>
+          </a:prstGeom>
+          <a:ln w="88900" cap="sq" cmpd="thickThin">
+            <a:solidFill>
+              <a:srgbClr val="000000"/>
+            </a:solidFill>
+            <a:prstDash val="solid"/>
+            <a:miter lim="800000"/>
+          </a:ln>
+          <a:effectLst>
+            <a:innerShdw blurRad="76200">
+              <a:srgbClr val="000000"/>
+            </a:innerShdw>
+          </a:effectLst>
         </p:spPr>
       </p:pic>
       <p:pic>
         <p:nvPicPr>
-          <p:cNvPr id="12" name="Picture 11"/>
+          <p:cNvPr id="6" name="Picture 5">
+            <a:extLst>
+              <a:ext uri="{FF2B5EF4-FFF2-40B4-BE49-F238E27FC236}">
+                <a16:creationId xmlns:a16="http://schemas.microsoft.com/office/drawing/2014/main" id="{E8ACA573-D9F7-4354-8B69-9FDD7A205333}"/>
+              </a:ext>
+            </a:extLst>
+          </p:cNvPr>
           <p:cNvPicPr>
             <a:picLocks noChangeAspect="1"/>
           </p:cNvPicPr>
@@ -11425,12 +13812,120 @@
         </p:blipFill>
         <p:spPr>
           <a:xfrm>
-            <a:off x="4704581" y="293022"/>
-            <a:ext cx="4296544" cy="1975698"/>
-          </a:xfrm>
-          <a:prstGeom prst="rect">
-            <a:avLst/>
-          </a:prstGeom>
+            <a:off x="4414541" y="2840408"/>
+            <a:ext cx="2037494" cy="1822576"/>
+          </a:xfrm>
+          <a:prstGeom prst="rect">
+            <a:avLst/>
+          </a:prstGeom>
+          <a:ln w="88900" cap="sq" cmpd="thickThin">
+            <a:solidFill>
+              <a:srgbClr val="000000"/>
+            </a:solidFill>
+            <a:prstDash val="solid"/>
+            <a:miter lim="800000"/>
+          </a:ln>
+          <a:effectLst>
+            <a:innerShdw blurRad="76200">
+              <a:srgbClr val="000000"/>
+            </a:innerShdw>
+          </a:effectLst>
+        </p:spPr>
+      </p:pic>
+      <p:pic>
+        <p:nvPicPr>
+          <p:cNvPr id="15" name="Picture 14">
+            <a:extLst>
+              <a:ext uri="{FF2B5EF4-FFF2-40B4-BE49-F238E27FC236}">
+                <a16:creationId xmlns:a16="http://schemas.microsoft.com/office/drawing/2014/main" id="{959C027A-C8EC-4036-90C2-7419B40BBEC5}"/>
+              </a:ext>
+            </a:extLst>
+          </p:cNvPr>
+          <p:cNvPicPr>
+            <a:picLocks noChangeAspect="1"/>
+          </p:cNvPicPr>
+          <p:nvPr/>
+        </p:nvPicPr>
+        <p:blipFill>
+          <a:blip r:embed="rId6" cstate="print">
+            <a:extLst>
+              <a:ext uri="{28A0092B-C50C-407E-A947-70E740481C1C}">
+                <a14:useLocalDpi xmlns:a14="http://schemas.microsoft.com/office/drawing/2010/main" val="0"/>
+              </a:ext>
+            </a:extLst>
+          </a:blip>
+          <a:stretch>
+            <a:fillRect/>
+          </a:stretch>
+        </p:blipFill>
+        <p:spPr>
+          <a:xfrm>
+            <a:off x="6987560" y="995490"/>
+            <a:ext cx="1948990" cy="2023582"/>
+          </a:xfrm>
+          <a:prstGeom prst="rect">
+            <a:avLst/>
+          </a:prstGeom>
+          <a:ln w="88900" cap="sq" cmpd="thickThin">
+            <a:solidFill>
+              <a:srgbClr val="000000"/>
+            </a:solidFill>
+            <a:prstDash val="solid"/>
+            <a:miter lim="800000"/>
+          </a:ln>
+          <a:effectLst>
+            <a:innerShdw blurRad="76200">
+              <a:srgbClr val="000000"/>
+            </a:innerShdw>
+          </a:effectLst>
+        </p:spPr>
+      </p:pic>
+      <p:pic>
+        <p:nvPicPr>
+          <p:cNvPr id="17" name="Picture 16">
+            <a:extLst>
+              <a:ext uri="{FF2B5EF4-FFF2-40B4-BE49-F238E27FC236}">
+                <a16:creationId xmlns:a16="http://schemas.microsoft.com/office/drawing/2014/main" id="{FD50B8EC-ACDE-43A2-8151-485CE459AE33}"/>
+              </a:ext>
+            </a:extLst>
+          </p:cNvPr>
+          <p:cNvPicPr>
+            <a:picLocks noChangeAspect="1"/>
+          </p:cNvPicPr>
+          <p:nvPr/>
+        </p:nvPicPr>
+        <p:blipFill>
+          <a:blip r:embed="rId7" cstate="print">
+            <a:extLst>
+              <a:ext uri="{28A0092B-C50C-407E-A947-70E740481C1C}">
+                <a14:useLocalDpi xmlns:a14="http://schemas.microsoft.com/office/drawing/2010/main" val="0"/>
+              </a:ext>
+            </a:extLst>
+          </a:blip>
+          <a:stretch>
+            <a:fillRect/>
+          </a:stretch>
+        </p:blipFill>
+        <p:spPr>
+          <a:xfrm>
+            <a:off x="4206729" y="995490"/>
+            <a:ext cx="2453118" cy="1305426"/>
+          </a:xfrm>
+          <a:prstGeom prst="rect">
+            <a:avLst/>
+          </a:prstGeom>
+          <a:ln w="88900" cap="sq" cmpd="thickThin">
+            <a:solidFill>
+              <a:srgbClr val="000000"/>
+            </a:solidFill>
+            <a:prstDash val="solid"/>
+            <a:miter lim="800000"/>
+          </a:ln>
+          <a:effectLst>
+            <a:innerShdw blurRad="76200">
+              <a:srgbClr val="000000"/>
+            </a:innerShdw>
+          </a:effectLst>
         </p:spPr>
       </p:pic>
     </p:spTree>
@@ -11449,7 +13944,686 @@
 </p:sld>
 </file>
 
-<file path=ppt/slides/slide16.xml><?xml version="1.0" encoding="utf-8"?>
+<file path=ppt/slides/slide19.xml><?xml version="1.0" encoding="utf-8"?>
+<p:sld xmlns:a="http://schemas.openxmlformats.org/drawingml/2006/main" xmlns:r="http://schemas.openxmlformats.org/officeDocument/2006/relationships" xmlns:p="http://schemas.openxmlformats.org/presentationml/2006/main">
+  <p:cSld>
+    <p:spTree>
+      <p:nvGrpSpPr>
+        <p:cNvPr id="1" name=""/>
+        <p:cNvGrpSpPr/>
+        <p:nvPr/>
+      </p:nvGrpSpPr>
+      <p:grpSpPr>
+        <a:xfrm>
+          <a:off x="0" y="0"/>
+          <a:ext cx="0" cy="0"/>
+          <a:chOff x="0" y="0"/>
+          <a:chExt cx="0" cy="0"/>
+        </a:xfrm>
+      </p:grpSpPr>
+      <p:pic>
+        <p:nvPicPr>
+          <p:cNvPr id="4" name="Picture 3">
+            <a:extLst>
+              <a:ext uri="{FF2B5EF4-FFF2-40B4-BE49-F238E27FC236}">
+                <a16:creationId xmlns:a16="http://schemas.microsoft.com/office/drawing/2014/main" id="{E1186C5E-EF9B-4730-BD5A-77B1B1692E0D}"/>
+              </a:ext>
+            </a:extLst>
+          </p:cNvPr>
+          <p:cNvPicPr>
+            <a:picLocks noChangeAspect="1"/>
+          </p:cNvPicPr>
+          <p:nvPr/>
+        </p:nvPicPr>
+        <p:blipFill rotWithShape="1">
+          <a:blip r:embed="rId2" cstate="print">
+            <a:extLst>
+              <a:ext uri="{28A0092B-C50C-407E-A947-70E740481C1C}">
+                <a14:useLocalDpi xmlns:a14="http://schemas.microsoft.com/office/drawing/2010/main" val="0"/>
+              </a:ext>
+            </a:extLst>
+          </a:blip>
+          <a:srcRect l="31886" t="23398" r="8863" b="3328"/>
+          <a:stretch/>
+        </p:blipFill>
+        <p:spPr>
+          <a:xfrm>
+            <a:off x="371706" y="1464690"/>
+            <a:ext cx="3560958" cy="2497546"/>
+          </a:xfrm>
+          <a:prstGeom prst="rect">
+            <a:avLst/>
+          </a:prstGeom>
+          <a:ln w="88900" cap="sq" cmpd="thickThin">
+            <a:solidFill>
+              <a:srgbClr val="000000"/>
+            </a:solidFill>
+            <a:prstDash val="solid"/>
+            <a:miter lim="800000"/>
+          </a:ln>
+          <a:effectLst>
+            <a:innerShdw blurRad="76200">
+              <a:srgbClr val="000000"/>
+            </a:innerShdw>
+          </a:effectLst>
+        </p:spPr>
+      </p:pic>
+      <p:pic>
+        <p:nvPicPr>
+          <p:cNvPr id="5" name="Picture 4">
+            <a:extLst>
+              <a:ext uri="{FF2B5EF4-FFF2-40B4-BE49-F238E27FC236}">
+                <a16:creationId xmlns:a16="http://schemas.microsoft.com/office/drawing/2014/main" id="{D9F13D3C-BFCA-4C0F-BA62-9E5A352B1939}"/>
+              </a:ext>
+            </a:extLst>
+          </p:cNvPr>
+          <p:cNvPicPr>
+            <a:picLocks noChangeAspect="1"/>
+          </p:cNvPicPr>
+          <p:nvPr/>
+        </p:nvPicPr>
+        <p:blipFill rotWithShape="1">
+          <a:blip r:embed="rId3" cstate="print">
+            <a:extLst>
+              <a:ext uri="{28A0092B-C50C-407E-A947-70E740481C1C}">
+                <a14:useLocalDpi xmlns:a14="http://schemas.microsoft.com/office/drawing/2010/main" val="0"/>
+              </a:ext>
+            </a:extLst>
+          </a:blip>
+          <a:srcRect l="4352" t="8126" r="4075" b="5085"/>
+          <a:stretch/>
+        </p:blipFill>
+        <p:spPr>
+          <a:xfrm>
+            <a:off x="4497658" y="1464690"/>
+            <a:ext cx="3174381" cy="2691162"/>
+          </a:xfrm>
+          <a:prstGeom prst="rect">
+            <a:avLst/>
+          </a:prstGeom>
+          <a:ln w="88900" cap="sq" cmpd="thickThin">
+            <a:solidFill>
+              <a:srgbClr val="000000"/>
+            </a:solidFill>
+            <a:prstDash val="solid"/>
+            <a:miter lim="800000"/>
+          </a:ln>
+          <a:effectLst>
+            <a:innerShdw blurRad="76200">
+              <a:srgbClr val="000000"/>
+            </a:innerShdw>
+          </a:effectLst>
+        </p:spPr>
+      </p:pic>
+      <p:sp>
+        <p:nvSpPr>
+          <p:cNvPr id="9" name="TextBox 8">
+            <a:extLst>
+              <a:ext uri="{FF2B5EF4-FFF2-40B4-BE49-F238E27FC236}">
+                <a16:creationId xmlns:a16="http://schemas.microsoft.com/office/drawing/2014/main" id="{9CDC02EA-A426-458C-910D-1E5481B8F729}"/>
+              </a:ext>
+            </a:extLst>
+          </p:cNvPr>
+          <p:cNvSpPr txBox="1"/>
+          <p:nvPr/>
+        </p:nvSpPr>
+        <p:spPr>
+          <a:xfrm>
+            <a:off x="434898" y="402631"/>
+            <a:ext cx="4572000" cy="584775"/>
+          </a:xfrm>
+          <a:prstGeom prst="rect">
+            <a:avLst/>
+          </a:prstGeom>
+          <a:noFill/>
+        </p:spPr>
+        <p:txBody>
+          <a:bodyPr wrap="square">
+            <a:spAutoFit/>
+          </a:bodyPr>
+          <a:lstStyle/>
+          <a:p>
+            <a:pPr>
+              <a:lnSpc>
+                <a:spcPct val="100000"/>
+              </a:lnSpc>
+              <a:tabLst>
+                <a:tab pos="0" algn="l"/>
+              </a:tabLst>
+            </a:pPr>
+            <a:r>
+              <a:rPr lang="en-US" sz="3200" b="1" strike="noStrike" spc="-1" dirty="0">
+                <a:solidFill>
+                  <a:schemeClr val="bg1"/>
+                </a:solidFill>
+                <a:latin typeface="Rajdhani"/>
+                <a:cs typeface="Arial" panose="020B0604020202020204" pitchFamily="34" charset="0"/>
+              </a:rPr>
+              <a:t>Results</a:t>
+            </a:r>
+          </a:p>
+        </p:txBody>
+      </p:sp>
+      <p:sp>
+        <p:nvSpPr>
+          <p:cNvPr id="10" name="TextBox 9">
+            <a:extLst>
+              <a:ext uri="{FF2B5EF4-FFF2-40B4-BE49-F238E27FC236}">
+                <a16:creationId xmlns:a16="http://schemas.microsoft.com/office/drawing/2014/main" id="{570DD620-99EB-491A-8931-8809BFD4A09C}"/>
+              </a:ext>
+            </a:extLst>
+          </p:cNvPr>
+          <p:cNvSpPr txBox="1"/>
+          <p:nvPr/>
+        </p:nvSpPr>
+        <p:spPr>
+          <a:xfrm>
+            <a:off x="1405054" y="4070188"/>
+            <a:ext cx="2111297" cy="369332"/>
+          </a:xfrm>
+          <a:prstGeom prst="rect">
+            <a:avLst/>
+          </a:prstGeom>
+          <a:noFill/>
+        </p:spPr>
+        <p:txBody>
+          <a:bodyPr wrap="square" rtlCol="0">
+            <a:spAutoFit/>
+          </a:bodyPr>
+          <a:lstStyle/>
+          <a:p>
+            <a:r>
+              <a:rPr lang="en-US" dirty="0">
+                <a:solidFill>
+                  <a:schemeClr val="bg1"/>
+                </a:solidFill>
+              </a:rPr>
+              <a:t>Rs numbers</a:t>
+            </a:r>
+          </a:p>
+        </p:txBody>
+      </p:sp>
+      <p:sp>
+        <p:nvSpPr>
+          <p:cNvPr id="11" name="TextBox 10">
+            <a:extLst>
+              <a:ext uri="{FF2B5EF4-FFF2-40B4-BE49-F238E27FC236}">
+                <a16:creationId xmlns:a16="http://schemas.microsoft.com/office/drawing/2014/main" id="{910E9C0F-7318-4BCE-8654-07E44AFFC27B}"/>
+              </a:ext>
+            </a:extLst>
+          </p:cNvPr>
+          <p:cNvSpPr txBox="1"/>
+          <p:nvPr/>
+        </p:nvSpPr>
+        <p:spPr>
+          <a:xfrm>
+            <a:off x="5029199" y="4263804"/>
+            <a:ext cx="2111297" cy="369332"/>
+          </a:xfrm>
+          <a:prstGeom prst="rect">
+            <a:avLst/>
+          </a:prstGeom>
+          <a:noFill/>
+        </p:spPr>
+        <p:txBody>
+          <a:bodyPr wrap="square" rtlCol="0">
+            <a:spAutoFit/>
+          </a:bodyPr>
+          <a:lstStyle/>
+          <a:p>
+            <a:r>
+              <a:rPr lang="en-US" dirty="0">
+                <a:solidFill>
+                  <a:schemeClr val="bg1"/>
+                </a:solidFill>
+              </a:rPr>
+              <a:t>Whole genome</a:t>
+            </a:r>
+          </a:p>
+        </p:txBody>
+      </p:sp>
+    </p:spTree>
+    <p:extLst>
+      <p:ext uri="{BB962C8B-B14F-4D97-AF65-F5344CB8AC3E}">
+        <p14:creationId xmlns:p14="http://schemas.microsoft.com/office/powerpoint/2010/main" val="2640562333"/>
+      </p:ext>
+    </p:extLst>
+  </p:cSld>
+  <p:clrMapOvr>
+    <a:masterClrMapping/>
+  </p:clrMapOvr>
+  <p:transition spd="slow">
+    <p:push dir="u"/>
+  </p:transition>
+</p:sld>
+</file>
+
+<file path=ppt/slides/slide2.xml><?xml version="1.0" encoding="utf-8"?>
+<p:sld xmlns:a="http://schemas.openxmlformats.org/drawingml/2006/main" xmlns:r="http://schemas.openxmlformats.org/officeDocument/2006/relationships" xmlns:p="http://schemas.openxmlformats.org/presentationml/2006/main">
+  <p:cSld>
+    <p:bg>
+      <p:bgPr>
+        <a:blipFill rotWithShape="0">
+          <a:blip r:embed="rId2"/>
+          <a:stretch>
+            <a:fillRect/>
+          </a:stretch>
+        </a:blipFill>
+        <a:effectLst/>
+      </p:bgPr>
+    </p:bg>
+    <p:spTree>
+      <p:nvGrpSpPr>
+        <p:cNvPr id="1" name=""/>
+        <p:cNvGrpSpPr/>
+        <p:nvPr/>
+      </p:nvGrpSpPr>
+      <p:grpSpPr>
+        <a:xfrm>
+          <a:off x="0" y="0"/>
+          <a:ext cx="0" cy="0"/>
+          <a:chOff x="0" y="0"/>
+          <a:chExt cx="0" cy="0"/>
+        </a:xfrm>
+      </p:grpSpPr>
+      <p:sp>
+        <p:nvSpPr>
+          <p:cNvPr id="193" name="CustomShape 1"/>
+          <p:cNvSpPr/>
+          <p:nvPr/>
+        </p:nvSpPr>
+        <p:spPr>
+          <a:xfrm>
+            <a:off x="720000" y="509760"/>
+            <a:ext cx="7703280" cy="572040"/>
+          </a:xfrm>
+          <a:prstGeom prst="rect">
+            <a:avLst/>
+          </a:prstGeom>
+          <a:noFill/>
+          <a:ln>
+            <a:noFill/>
+          </a:ln>
+        </p:spPr>
+        <p:style>
+          <a:lnRef idx="0">
+            <a:scrgbClr r="0" g="0" b="0"/>
+          </a:lnRef>
+          <a:fillRef idx="0">
+            <a:scrgbClr r="0" g="0" b="0"/>
+          </a:fillRef>
+          <a:effectRef idx="0">
+            <a:scrgbClr r="0" g="0" b="0"/>
+          </a:effectRef>
+          <a:fontRef idx="minor"/>
+        </p:style>
+        <p:txBody>
+          <a:bodyPr lIns="90000" tIns="91440" rIns="90000" bIns="91440">
+            <a:noAutofit/>
+          </a:bodyPr>
+          <a:lstStyle/>
+          <a:p>
+            <a:pPr algn="ctr">
+              <a:lnSpc>
+                <a:spcPct val="100000"/>
+              </a:lnSpc>
+              <a:tabLst>
+                <a:tab pos="0" algn="l"/>
+              </a:tabLst>
+            </a:pPr>
+            <a:r>
+              <a:rPr lang="en" sz="3000" b="1" strike="noStrike" spc="-1">
+                <a:solidFill>
+                  <a:srgbClr val="F3F3F3"/>
+                </a:solidFill>
+                <a:latin typeface="Rajdhani"/>
+                <a:ea typeface="Rajdhani"/>
+              </a:rPr>
+              <a:t>Agenda</a:t>
+            </a:r>
+            <a:endParaRPr lang="en-US" sz="3000" b="0" strike="noStrike" spc="-1">
+              <a:latin typeface="Arial"/>
+            </a:endParaRPr>
+          </a:p>
+        </p:txBody>
+      </p:sp>
+      <p:sp>
+        <p:nvSpPr>
+          <p:cNvPr id="194" name="CustomShape 2"/>
+          <p:cNvSpPr/>
+          <p:nvPr/>
+        </p:nvSpPr>
+        <p:spPr>
+          <a:xfrm>
+            <a:off x="720000" y="1152360"/>
+            <a:ext cx="7703280" cy="3605400"/>
+          </a:xfrm>
+          <a:prstGeom prst="rect">
+            <a:avLst/>
+          </a:prstGeom>
+          <a:solidFill>
+            <a:srgbClr val="0C343D">
+              <a:alpha val="57000"/>
+            </a:srgbClr>
+          </a:solidFill>
+          <a:ln>
+            <a:noFill/>
+          </a:ln>
+        </p:spPr>
+        <p:style>
+          <a:lnRef idx="0">
+            <a:scrgbClr r="0" g="0" b="0"/>
+          </a:lnRef>
+          <a:fillRef idx="0">
+            <a:scrgbClr r="0" g="0" b="0"/>
+          </a:fillRef>
+          <a:effectRef idx="0">
+            <a:scrgbClr r="0" g="0" b="0"/>
+          </a:effectRef>
+          <a:fontRef idx="minor"/>
+        </p:style>
+        <p:txBody>
+          <a:bodyPr lIns="234000" tIns="234000" rIns="234000" bIns="91440">
+            <a:noAutofit/>
+          </a:bodyPr>
+          <a:lstStyle/>
+          <a:p>
+            <a:pPr marL="457200" indent="-297720">
+              <a:lnSpc>
+                <a:spcPct val="100000"/>
+              </a:lnSpc>
+              <a:buClr>
+                <a:srgbClr val="F3F3F3"/>
+              </a:buClr>
+              <a:buFont typeface="Arial"/>
+              <a:buChar char="•"/>
+            </a:pPr>
+            <a:r>
+              <a:rPr lang="en-US" sz="2000" b="0" strike="noStrike" spc="-1" dirty="0">
+                <a:solidFill>
+                  <a:srgbClr val="F3F3F3"/>
+                </a:solidFill>
+                <a:latin typeface="Fira Sans Condensed Light"/>
+                <a:ea typeface="Fira Sans Condensed Light"/>
+              </a:rPr>
+              <a:t>Introduction &amp; Objectives</a:t>
+            </a:r>
+            <a:endParaRPr lang="en-US" sz="2000" b="0" strike="noStrike" spc="-1" dirty="0">
+              <a:latin typeface="Arial"/>
+            </a:endParaRPr>
+          </a:p>
+          <a:p>
+            <a:pPr marL="457200" indent="-297720">
+              <a:lnSpc>
+                <a:spcPct val="100000"/>
+              </a:lnSpc>
+              <a:buClr>
+                <a:srgbClr val="F3F3F3"/>
+              </a:buClr>
+              <a:buFont typeface="Arial"/>
+              <a:buChar char="•"/>
+            </a:pPr>
+            <a:r>
+              <a:rPr lang="en-US" sz="2000" b="0" strike="noStrike" spc="-1" dirty="0">
+                <a:solidFill>
+                  <a:schemeClr val="bg1"/>
+                </a:solidFill>
+                <a:latin typeface="Fira Sans Condensed Light" panose="020B0403050000020004" pitchFamily="34" charset="0"/>
+              </a:rPr>
+              <a:t>Problem Statement</a:t>
+            </a:r>
+          </a:p>
+          <a:p>
+            <a:pPr marL="457200" indent="-297720">
+              <a:lnSpc>
+                <a:spcPct val="100000"/>
+              </a:lnSpc>
+              <a:buClr>
+                <a:srgbClr val="F3F3F3"/>
+              </a:buClr>
+              <a:buFont typeface="Arial"/>
+              <a:buChar char="•"/>
+            </a:pPr>
+            <a:r>
+              <a:rPr lang="en-US" sz="2000" spc="-1" dirty="0">
+                <a:solidFill>
+                  <a:schemeClr val="bg1"/>
+                </a:solidFill>
+                <a:latin typeface="Fira Sans Condensed Light" panose="020B0403050000020004" pitchFamily="34" charset="0"/>
+              </a:rPr>
+              <a:t>System Overview</a:t>
+            </a:r>
+          </a:p>
+          <a:p>
+            <a:pPr marL="457200" indent="-297720">
+              <a:lnSpc>
+                <a:spcPct val="100000"/>
+              </a:lnSpc>
+              <a:buClr>
+                <a:srgbClr val="F3F3F3"/>
+              </a:buClr>
+              <a:buFont typeface="Arial"/>
+              <a:buChar char="•"/>
+            </a:pPr>
+            <a:r>
+              <a:rPr lang="en-US" sz="2000" b="0" strike="noStrike" spc="-1" dirty="0">
+                <a:solidFill>
+                  <a:schemeClr val="bg1"/>
+                </a:solidFill>
+                <a:latin typeface="Fira Sans Condensed Light" panose="020B0403050000020004" pitchFamily="34" charset="0"/>
+              </a:rPr>
+              <a:t>Methodology</a:t>
+            </a:r>
+          </a:p>
+          <a:p>
+            <a:pPr marL="457200" indent="-297720">
+              <a:lnSpc>
+                <a:spcPct val="100000"/>
+              </a:lnSpc>
+              <a:buClr>
+                <a:srgbClr val="F3F3F3"/>
+              </a:buClr>
+              <a:buFont typeface="Arial"/>
+              <a:buChar char="•"/>
+            </a:pPr>
+            <a:r>
+              <a:rPr lang="en-US" sz="2000" b="0" strike="noStrike" spc="-1" dirty="0">
+                <a:solidFill>
+                  <a:srgbClr val="F3F3F3"/>
+                </a:solidFill>
+                <a:latin typeface="Fira Sans Condensed Light"/>
+                <a:ea typeface="Fira Sans Condensed Light"/>
+              </a:rPr>
+              <a:t>Design Patterns</a:t>
+            </a:r>
+            <a:endParaRPr lang="en-US" sz="2000" b="0" strike="noStrike" spc="-1" dirty="0">
+              <a:latin typeface="Arial"/>
+            </a:endParaRPr>
+          </a:p>
+          <a:p>
+            <a:pPr marL="457200" indent="-297720">
+              <a:lnSpc>
+                <a:spcPct val="100000"/>
+              </a:lnSpc>
+              <a:buClr>
+                <a:srgbClr val="F3F3F3"/>
+              </a:buClr>
+              <a:buFont typeface="Arial"/>
+              <a:buChar char="•"/>
+            </a:pPr>
+            <a:r>
+              <a:rPr lang="en-US" sz="2000" b="0" strike="noStrike" spc="-1" dirty="0">
+                <a:solidFill>
+                  <a:srgbClr val="F3F3F3"/>
+                </a:solidFill>
+                <a:latin typeface="Fira Sans Condensed Light"/>
+                <a:ea typeface="Fira Sans Condensed Light"/>
+              </a:rPr>
+              <a:t>Diagrams</a:t>
+            </a:r>
+          </a:p>
+          <a:p>
+            <a:pPr marL="457200" indent="-297720">
+              <a:lnSpc>
+                <a:spcPct val="100000"/>
+              </a:lnSpc>
+              <a:buClr>
+                <a:srgbClr val="F3F3F3"/>
+              </a:buClr>
+              <a:buFont typeface="Arial"/>
+              <a:buChar char="•"/>
+            </a:pPr>
+            <a:r>
+              <a:rPr lang="en-US" sz="2000" spc="-1" dirty="0">
+                <a:solidFill>
+                  <a:schemeClr val="bg1"/>
+                </a:solidFill>
+                <a:latin typeface="Fira Sans Condensed Light" panose="020B0403050000020004" pitchFamily="34" charset="0"/>
+                <a:cs typeface="+mj-cs"/>
+              </a:rPr>
+              <a:t>Dataset Description</a:t>
+            </a:r>
+          </a:p>
+          <a:p>
+            <a:pPr marL="457200" indent="-297720">
+              <a:lnSpc>
+                <a:spcPct val="100000"/>
+              </a:lnSpc>
+              <a:buClr>
+                <a:srgbClr val="F3F3F3"/>
+              </a:buClr>
+              <a:buFont typeface="Arial"/>
+              <a:buChar char="•"/>
+            </a:pPr>
+            <a:r>
+              <a:rPr lang="en-US" sz="2000" b="0" strike="noStrike" spc="-1" dirty="0">
+                <a:solidFill>
+                  <a:schemeClr val="bg1"/>
+                </a:solidFill>
+                <a:latin typeface="Fira Sans Condensed Light" panose="020B0403050000020004" pitchFamily="34" charset="0"/>
+              </a:rPr>
+              <a:t>User Interface</a:t>
+            </a:r>
+          </a:p>
+          <a:p>
+            <a:pPr marL="457200" indent="-297720">
+              <a:lnSpc>
+                <a:spcPct val="100000"/>
+              </a:lnSpc>
+              <a:buClr>
+                <a:srgbClr val="F3F3F3"/>
+              </a:buClr>
+              <a:buFont typeface="Arial"/>
+              <a:buChar char="•"/>
+            </a:pPr>
+            <a:r>
+              <a:rPr lang="en-US" sz="2000" spc="-1" dirty="0">
+                <a:solidFill>
+                  <a:schemeClr val="bg1"/>
+                </a:solidFill>
+                <a:latin typeface="Fira Sans Condensed Light" panose="020B0403050000020004" pitchFamily="34" charset="0"/>
+              </a:rPr>
+              <a:t>Results</a:t>
+            </a:r>
+            <a:endParaRPr lang="en-US" sz="2000" b="0" strike="noStrike" spc="-1" dirty="0">
+              <a:solidFill>
+                <a:schemeClr val="bg1"/>
+              </a:solidFill>
+              <a:latin typeface="Fira Sans Condensed Light" panose="020B0403050000020004" pitchFamily="34" charset="0"/>
+            </a:endParaRPr>
+          </a:p>
+          <a:p>
+            <a:pPr marL="457200" indent="-297720">
+              <a:lnSpc>
+                <a:spcPct val="100000"/>
+              </a:lnSpc>
+              <a:buClr>
+                <a:srgbClr val="F3F3F3"/>
+              </a:buClr>
+              <a:buFont typeface="Arial"/>
+              <a:buChar char="•"/>
+            </a:pPr>
+            <a:r>
+              <a:rPr lang="en-US" sz="2000" b="0" strike="noStrike" spc="-1" dirty="0">
+                <a:solidFill>
+                  <a:srgbClr val="F3F3F3"/>
+                </a:solidFill>
+                <a:latin typeface="Fira Sans Condensed Light"/>
+                <a:ea typeface="Fira Sans Condensed Light"/>
+              </a:rPr>
+              <a:t>Time plan</a:t>
+            </a:r>
+          </a:p>
+          <a:p>
+            <a:pPr marL="457200" indent="-297720">
+              <a:lnSpc>
+                <a:spcPct val="100000"/>
+              </a:lnSpc>
+              <a:buClr>
+                <a:srgbClr val="F3F3F3"/>
+              </a:buClr>
+              <a:buFont typeface="Arial"/>
+              <a:buChar char="•"/>
+            </a:pPr>
+            <a:r>
+              <a:rPr lang="en-US" sz="2000" spc="-1" dirty="0">
+                <a:solidFill>
+                  <a:srgbClr val="F3F3F3"/>
+                </a:solidFill>
+                <a:latin typeface="Fira Sans Condensed Light"/>
+              </a:rPr>
+              <a:t>Demo</a:t>
+            </a:r>
+            <a:endParaRPr lang="en-US" sz="2000" b="0" strike="noStrike" spc="-1" dirty="0">
+              <a:latin typeface="Arial"/>
+            </a:endParaRPr>
+          </a:p>
+          <a:p>
+            <a:pPr>
+              <a:lnSpc>
+                <a:spcPct val="100000"/>
+              </a:lnSpc>
+              <a:tabLst>
+                <a:tab pos="0" algn="l"/>
+              </a:tabLst>
+            </a:pPr>
+            <a:endParaRPr lang="en-US" sz="2000" b="0" strike="noStrike" spc="-1" dirty="0">
+              <a:latin typeface="Arial"/>
+            </a:endParaRPr>
+          </a:p>
+          <a:p>
+            <a:pPr>
+              <a:lnSpc>
+                <a:spcPct val="100000"/>
+              </a:lnSpc>
+              <a:spcBef>
+                <a:spcPts val="1599"/>
+              </a:spcBef>
+              <a:spcAft>
+                <a:spcPts val="1599"/>
+              </a:spcAft>
+              <a:tabLst>
+                <a:tab pos="0" algn="l"/>
+              </a:tabLst>
+            </a:pPr>
+            <a:endParaRPr lang="en-US" sz="2000" b="0" strike="noStrike" spc="-1" dirty="0">
+              <a:latin typeface="Arial"/>
+            </a:endParaRPr>
+          </a:p>
+        </p:txBody>
+      </p:sp>
+    </p:spTree>
+  </p:cSld>
+  <p:clrMapOvr>
+    <a:masterClrMapping/>
+  </p:clrMapOvr>
+  <p:transition spd="slow">
+    <p:push dir="u"/>
+  </p:transition>
+</p:sld>
+</file>
+
+<file path=ppt/slides/slide20.xml><?xml version="1.0" encoding="utf-8"?>
 <p:sld xmlns:a="http://schemas.openxmlformats.org/drawingml/2006/main" xmlns:r="http://schemas.openxmlformats.org/officeDocument/2006/relationships" xmlns:p="http://schemas.openxmlformats.org/presentationml/2006/main">
   <p:cSld>
     <p:bg>
@@ -11829,7 +15003,7 @@
               </a:tabLst>
             </a:pPr>
             <a:r>
-              <a:rPr lang="en-US" sz="1400" b="0" strike="noStrike" spc="-1">
+              <a:rPr lang="en-US" sz="1400" b="0" strike="noStrike" spc="-1" dirty="0">
                 <a:solidFill>
                   <a:srgbClr val="F3F3F3"/>
                 </a:solidFill>
@@ -11838,7 +15012,7 @@
               </a:rPr>
               <a:t>Implement at least 60 % of the web application</a:t>
             </a:r>
-            <a:endParaRPr lang="en-US" sz="1400" b="0" strike="noStrike" spc="-1">
+            <a:endParaRPr lang="en-US" sz="1400" b="0" strike="noStrike" spc="-1" dirty="0">
               <a:latin typeface="Arial"/>
             </a:endParaRPr>
           </a:p>
@@ -12481,7 +15655,7 @@
 </p:sld>
 </file>
 
-<file path=ppt/slides/slide17.xml><?xml version="1.0" encoding="utf-8"?>
+<file path=ppt/slides/slide21.xml><?xml version="1.0" encoding="utf-8"?>
 <p:sld xmlns:a="http://schemas.openxmlformats.org/drawingml/2006/main" xmlns:r="http://schemas.openxmlformats.org/officeDocument/2006/relationships" xmlns:p="http://schemas.openxmlformats.org/presentationml/2006/main">
   <p:cSld>
     <p:spTree>
@@ -12570,7 +15744,7 @@
 </p:sld>
 </file>
 
-<file path=ppt/slides/slide18.xml><?xml version="1.0" encoding="utf-8"?>
+<file path=ppt/slides/slide22.xml><?xml version="1.0" encoding="utf-8"?>
 <p:sld xmlns:a="http://schemas.openxmlformats.org/drawingml/2006/main" xmlns:r="http://schemas.openxmlformats.org/officeDocument/2006/relationships" xmlns:p="http://schemas.openxmlformats.org/presentationml/2006/main">
   <p:cSld>
     <p:spTree>
@@ -12698,20 +15872,10 @@
                 <a:latin typeface="Fira Sans Condensed Light"/>
                 <a:ea typeface="Fira Sans Condensed Light"/>
               </a:rPr>
-              <a:t>Do you have any questions</a:t>
+              <a:t>Do you have any questions? </a:t>
             </a:r>
             <a:r>
-              <a:rPr lang="en" sz="1400" b="0" strike="noStrike" spc="-1" dirty="0" smtClean="0">
-                <a:solidFill>
-                  <a:srgbClr val="F3F3F3"/>
-                </a:solidFill>
-                <a:latin typeface="Fira Sans Condensed Light"/>
-                <a:ea typeface="Fira Sans Condensed Light"/>
-              </a:rPr>
-              <a:t>? </a:t>
-            </a:r>
-            <a:r>
-              <a:rPr lang="en" sz="1400" b="0" strike="noStrike" spc="-1" dirty="0" smtClean="0">
+              <a:rPr lang="en" sz="1400" b="0" strike="noStrike" spc="-1" dirty="0">
                 <a:solidFill>
                   <a:srgbClr val="F3F3F3"/>
                 </a:solidFill>
@@ -12735,457 +15899,6 @@
               </a:tabLst>
             </a:pPr>
             <a:endParaRPr lang="en-US" sz="1400" b="0" strike="noStrike" spc="-1" dirty="0">
-              <a:latin typeface="Arial"/>
-            </a:endParaRPr>
-          </a:p>
-        </p:txBody>
-      </p:sp>
-    </p:spTree>
-  </p:cSld>
-  <p:clrMapOvr>
-    <a:masterClrMapping/>
-  </p:clrMapOvr>
-  <p:transition spd="slow">
-    <p:push dir="u"/>
-  </p:transition>
-</p:sld>
-</file>
-
-<file path=ppt/slides/slide2.xml><?xml version="1.0" encoding="utf-8"?>
-<p:sld xmlns:a="http://schemas.openxmlformats.org/drawingml/2006/main" xmlns:r="http://schemas.openxmlformats.org/officeDocument/2006/relationships" xmlns:p="http://schemas.openxmlformats.org/presentationml/2006/main">
-  <p:cSld>
-    <p:bg>
-      <p:bgPr>
-        <a:blipFill rotWithShape="0">
-          <a:blip r:embed="rId2"/>
-          <a:stretch>
-            <a:fillRect/>
-          </a:stretch>
-        </a:blipFill>
-        <a:effectLst/>
-      </p:bgPr>
-    </p:bg>
-    <p:spTree>
-      <p:nvGrpSpPr>
-        <p:cNvPr id="1" name=""/>
-        <p:cNvGrpSpPr/>
-        <p:nvPr/>
-      </p:nvGrpSpPr>
-      <p:grpSpPr>
-        <a:xfrm>
-          <a:off x="0" y="0"/>
-          <a:ext cx="0" cy="0"/>
-          <a:chOff x="0" y="0"/>
-          <a:chExt cx="0" cy="0"/>
-        </a:xfrm>
-      </p:grpSpPr>
-      <p:sp>
-        <p:nvSpPr>
-          <p:cNvPr id="193" name="CustomShape 1"/>
-          <p:cNvSpPr/>
-          <p:nvPr/>
-        </p:nvSpPr>
-        <p:spPr>
-          <a:xfrm>
-            <a:off x="720000" y="509760"/>
-            <a:ext cx="7703280" cy="572040"/>
-          </a:xfrm>
-          <a:prstGeom prst="rect">
-            <a:avLst/>
-          </a:prstGeom>
-          <a:noFill/>
-          <a:ln>
-            <a:noFill/>
-          </a:ln>
-        </p:spPr>
-        <p:style>
-          <a:lnRef idx="0">
-            <a:scrgbClr r="0" g="0" b="0"/>
-          </a:lnRef>
-          <a:fillRef idx="0">
-            <a:scrgbClr r="0" g="0" b="0"/>
-          </a:fillRef>
-          <a:effectRef idx="0">
-            <a:scrgbClr r="0" g="0" b="0"/>
-          </a:effectRef>
-          <a:fontRef idx="minor"/>
-        </p:style>
-        <p:txBody>
-          <a:bodyPr lIns="90000" tIns="91440" rIns="90000" bIns="91440">
-            <a:noAutofit/>
-          </a:bodyPr>
-          <a:lstStyle/>
-          <a:p>
-            <a:pPr algn="ctr">
-              <a:lnSpc>
-                <a:spcPct val="100000"/>
-              </a:lnSpc>
-              <a:tabLst>
-                <a:tab pos="0" algn="l"/>
-              </a:tabLst>
-            </a:pPr>
-            <a:r>
-              <a:rPr lang="en" sz="3000" b="1" strike="noStrike" spc="-1">
-                <a:solidFill>
-                  <a:srgbClr val="F3F3F3"/>
-                </a:solidFill>
-                <a:latin typeface="Rajdhani"/>
-                <a:ea typeface="Rajdhani"/>
-              </a:rPr>
-              <a:t>Agenda</a:t>
-            </a:r>
-            <a:endParaRPr lang="en-US" sz="3000" b="0" strike="noStrike" spc="-1">
-              <a:latin typeface="Arial"/>
-            </a:endParaRPr>
-          </a:p>
-        </p:txBody>
-      </p:sp>
-      <p:sp>
-        <p:nvSpPr>
-          <p:cNvPr id="194" name="CustomShape 2"/>
-          <p:cNvSpPr/>
-          <p:nvPr/>
-        </p:nvSpPr>
-        <p:spPr>
-          <a:xfrm>
-            <a:off x="720000" y="1152360"/>
-            <a:ext cx="7703280" cy="3605400"/>
-          </a:xfrm>
-          <a:prstGeom prst="rect">
-            <a:avLst/>
-          </a:prstGeom>
-          <a:solidFill>
-            <a:srgbClr val="0C343D">
-              <a:alpha val="57000"/>
-            </a:srgbClr>
-          </a:solidFill>
-          <a:ln>
-            <a:noFill/>
-          </a:ln>
-        </p:spPr>
-        <p:style>
-          <a:lnRef idx="0">
-            <a:scrgbClr r="0" g="0" b="0"/>
-          </a:lnRef>
-          <a:fillRef idx="0">
-            <a:scrgbClr r="0" g="0" b="0"/>
-          </a:fillRef>
-          <a:effectRef idx="0">
-            <a:scrgbClr r="0" g="0" b="0"/>
-          </a:effectRef>
-          <a:fontRef idx="minor"/>
-        </p:style>
-        <p:txBody>
-          <a:bodyPr lIns="234000" tIns="234000" rIns="234000" bIns="91440">
-            <a:noAutofit/>
-          </a:bodyPr>
-          <a:lstStyle/>
-          <a:p>
-            <a:pPr marL="457200" indent="-297720">
-              <a:lnSpc>
-                <a:spcPct val="100000"/>
-              </a:lnSpc>
-              <a:buClr>
-                <a:srgbClr val="F3F3F3"/>
-              </a:buClr>
-              <a:buFont typeface="Arial"/>
-              <a:buChar char="•"/>
-            </a:pPr>
-            <a:r>
-              <a:rPr lang="en-US" sz="2000" b="0" strike="noStrike" spc="-1" dirty="0" smtClean="0">
-                <a:solidFill>
-                  <a:srgbClr val="F3F3F3"/>
-                </a:solidFill>
-                <a:latin typeface="Fira Sans Condensed Light"/>
-                <a:ea typeface="Fira Sans Condensed Light"/>
-              </a:rPr>
-              <a:t>Introduction &amp; Objectives</a:t>
-            </a:r>
-            <a:endParaRPr lang="en-US" sz="2000" b="0" strike="noStrike" spc="-1" dirty="0">
-              <a:latin typeface="Arial"/>
-            </a:endParaRPr>
-          </a:p>
-          <a:p>
-            <a:pPr marL="457200" indent="-297720">
-              <a:lnSpc>
-                <a:spcPct val="100000"/>
-              </a:lnSpc>
-              <a:buClr>
-                <a:srgbClr val="F3F3F3"/>
-              </a:buClr>
-              <a:buFont typeface="Arial"/>
-              <a:buChar char="•"/>
-            </a:pPr>
-            <a:r>
-              <a:rPr lang="en-US" sz="2000" b="0" strike="noStrike" spc="-1" dirty="0" smtClean="0">
-                <a:solidFill>
-                  <a:schemeClr val="bg1"/>
-                </a:solidFill>
-                <a:latin typeface="Fira Sans Condensed Light" panose="020B0403050000020004" pitchFamily="34" charset="0"/>
-              </a:rPr>
-              <a:t>Problem Statement</a:t>
-            </a:r>
-          </a:p>
-          <a:p>
-            <a:pPr marL="457200" indent="-297720">
-              <a:lnSpc>
-                <a:spcPct val="100000"/>
-              </a:lnSpc>
-              <a:buClr>
-                <a:srgbClr val="F3F3F3"/>
-              </a:buClr>
-              <a:buFont typeface="Arial"/>
-              <a:buChar char="•"/>
-            </a:pPr>
-            <a:r>
-              <a:rPr lang="en-US" sz="2000" spc="-1" dirty="0" smtClean="0">
-                <a:solidFill>
-                  <a:schemeClr val="bg1"/>
-                </a:solidFill>
-                <a:latin typeface="Fira Sans Condensed Light" panose="020B0403050000020004" pitchFamily="34" charset="0"/>
-              </a:rPr>
-              <a:t>System Overview</a:t>
-            </a:r>
-          </a:p>
-          <a:p>
-            <a:pPr marL="457200" indent="-297720">
-              <a:lnSpc>
-                <a:spcPct val="100000"/>
-              </a:lnSpc>
-              <a:buClr>
-                <a:srgbClr val="F3F3F3"/>
-              </a:buClr>
-              <a:buFont typeface="Arial"/>
-              <a:buChar char="•"/>
-            </a:pPr>
-            <a:r>
-              <a:rPr lang="en-US" sz="2000" b="0" strike="noStrike" spc="-1" dirty="0" smtClean="0">
-                <a:solidFill>
-                  <a:schemeClr val="bg1"/>
-                </a:solidFill>
-                <a:latin typeface="Fira Sans Condensed Light" panose="020B0403050000020004" pitchFamily="34" charset="0"/>
-              </a:rPr>
-              <a:t>Methodology</a:t>
-            </a:r>
-            <a:endParaRPr lang="en-US" sz="2000" b="0" strike="noStrike" spc="-1" dirty="0">
-              <a:solidFill>
-                <a:schemeClr val="bg1"/>
-              </a:solidFill>
-              <a:latin typeface="Fira Sans Condensed Light" panose="020B0403050000020004" pitchFamily="34" charset="0"/>
-            </a:endParaRPr>
-          </a:p>
-          <a:p>
-            <a:pPr marL="457200" indent="-297720">
-              <a:lnSpc>
-                <a:spcPct val="100000"/>
-              </a:lnSpc>
-              <a:buClr>
-                <a:srgbClr val="F3F3F3"/>
-              </a:buClr>
-              <a:buFont typeface="Arial"/>
-              <a:buChar char="•"/>
-            </a:pPr>
-            <a:r>
-              <a:rPr lang="en-US" sz="2000" b="0" strike="noStrike" spc="-1" dirty="0">
-                <a:solidFill>
-                  <a:srgbClr val="F3F3F3"/>
-                </a:solidFill>
-                <a:latin typeface="Fira Sans Condensed Light"/>
-                <a:ea typeface="Fira Sans Condensed Light"/>
-              </a:rPr>
-              <a:t>Design Patterns</a:t>
-            </a:r>
-            <a:endParaRPr lang="en-US" sz="2000" b="0" strike="noStrike" spc="-1" dirty="0">
-              <a:latin typeface="Arial"/>
-            </a:endParaRPr>
-          </a:p>
-          <a:p>
-            <a:pPr marL="457200" indent="-297720">
-              <a:lnSpc>
-                <a:spcPct val="100000"/>
-              </a:lnSpc>
-              <a:buClr>
-                <a:srgbClr val="F3F3F3"/>
-              </a:buClr>
-              <a:buFont typeface="Arial"/>
-              <a:buChar char="•"/>
-            </a:pPr>
-            <a:r>
-              <a:rPr lang="en-US" sz="2000" b="0" strike="noStrike" spc="-1" dirty="0" smtClean="0">
-                <a:solidFill>
-                  <a:srgbClr val="F3F3F3"/>
-                </a:solidFill>
-                <a:latin typeface="Fira Sans Condensed Light"/>
-                <a:ea typeface="Fira Sans Condensed Light"/>
-              </a:rPr>
-              <a:t>Diagrams</a:t>
-            </a:r>
-            <a:endParaRPr lang="en-US" sz="2000" b="0" strike="noStrike" spc="-1" dirty="0">
-              <a:solidFill>
-                <a:srgbClr val="F3F3F3"/>
-              </a:solidFill>
-              <a:latin typeface="Fira Sans Condensed Light"/>
-              <a:ea typeface="Fira Sans Condensed Light"/>
-            </a:endParaRPr>
-          </a:p>
-          <a:p>
-            <a:pPr marL="457200" indent="-297720">
-              <a:lnSpc>
-                <a:spcPct val="100000"/>
-              </a:lnSpc>
-              <a:buClr>
-                <a:srgbClr val="F3F3F3"/>
-              </a:buClr>
-              <a:buFont typeface="Arial"/>
-              <a:buChar char="•"/>
-            </a:pPr>
-            <a:r>
-              <a:rPr lang="en-US" sz="2000" spc="-1" dirty="0" smtClean="0">
-                <a:solidFill>
-                  <a:schemeClr val="bg1"/>
-                </a:solidFill>
-                <a:latin typeface="Fira Sans Condensed Light" panose="020B0403050000020004" pitchFamily="34" charset="0"/>
-                <a:cs typeface="+mj-cs"/>
-              </a:rPr>
-              <a:t>Dataset Description</a:t>
-            </a:r>
-            <a:endParaRPr lang="en-US" sz="2000" spc="-1" dirty="0">
-              <a:solidFill>
-                <a:schemeClr val="bg1"/>
-              </a:solidFill>
-              <a:latin typeface="Fira Sans Condensed Light" panose="020B0403050000020004" pitchFamily="34" charset="0"/>
-              <a:cs typeface="+mj-cs"/>
-            </a:endParaRPr>
-          </a:p>
-          <a:p>
-            <a:pPr marL="457200" indent="-297720">
-              <a:lnSpc>
-                <a:spcPct val="100000"/>
-              </a:lnSpc>
-              <a:buClr>
-                <a:srgbClr val="F3F3F3"/>
-              </a:buClr>
-              <a:buFont typeface="Arial"/>
-              <a:buChar char="•"/>
-            </a:pPr>
-            <a:r>
-              <a:rPr lang="en-US" sz="2000" b="0" strike="noStrike" spc="-1" dirty="0" smtClean="0">
-                <a:solidFill>
-                  <a:schemeClr val="bg1"/>
-                </a:solidFill>
-                <a:latin typeface="Fira Sans Condensed Light" panose="020B0403050000020004" pitchFamily="34" charset="0"/>
-              </a:rPr>
-              <a:t>User Interface</a:t>
-            </a:r>
-            <a:endParaRPr lang="en-US" sz="2000" b="0" strike="noStrike" spc="-1" dirty="0">
-              <a:solidFill>
-                <a:schemeClr val="bg1"/>
-              </a:solidFill>
-              <a:latin typeface="Fira Sans Condensed Light" panose="020B0403050000020004" pitchFamily="34" charset="0"/>
-            </a:endParaRPr>
-          </a:p>
-          <a:p>
-            <a:pPr marL="457200" indent="-297720">
-              <a:lnSpc>
-                <a:spcPct val="100000"/>
-              </a:lnSpc>
-              <a:buClr>
-                <a:srgbClr val="F3F3F3"/>
-              </a:buClr>
-              <a:buFont typeface="Arial"/>
-              <a:buChar char="•"/>
-            </a:pPr>
-            <a:r>
-              <a:rPr lang="en-US" sz="2000" spc="-1" dirty="0" smtClean="0">
-                <a:solidFill>
-                  <a:schemeClr val="bg1"/>
-                </a:solidFill>
-                <a:latin typeface="Fira Sans Condensed Light" panose="020B0403050000020004" pitchFamily="34" charset="0"/>
-              </a:rPr>
-              <a:t>Results</a:t>
-            </a:r>
-            <a:endParaRPr lang="en-US" sz="2000" b="0" strike="noStrike" spc="-1" dirty="0">
-              <a:solidFill>
-                <a:schemeClr val="bg1"/>
-              </a:solidFill>
-              <a:latin typeface="Fira Sans Condensed Light" panose="020B0403050000020004" pitchFamily="34" charset="0"/>
-            </a:endParaRPr>
-          </a:p>
-          <a:p>
-            <a:pPr marL="457200" indent="-297720">
-              <a:lnSpc>
-                <a:spcPct val="100000"/>
-              </a:lnSpc>
-              <a:buClr>
-                <a:srgbClr val="F3F3F3"/>
-              </a:buClr>
-              <a:buFont typeface="Arial"/>
-              <a:buChar char="•"/>
-            </a:pPr>
-            <a:r>
-              <a:rPr lang="en-US" sz="2000" b="0" strike="noStrike" spc="-1" dirty="0" smtClean="0">
-                <a:solidFill>
-                  <a:srgbClr val="F3F3F3"/>
-                </a:solidFill>
-                <a:latin typeface="Fira Sans Condensed Light"/>
-                <a:ea typeface="Fira Sans Condensed Light"/>
-              </a:rPr>
-              <a:t>Time plan</a:t>
-            </a:r>
-          </a:p>
-          <a:p>
-            <a:pPr marL="457200" indent="-297720">
-              <a:lnSpc>
-                <a:spcPct val="100000"/>
-              </a:lnSpc>
-              <a:buClr>
-                <a:srgbClr val="F3F3F3"/>
-              </a:buClr>
-              <a:buFont typeface="Arial"/>
-              <a:buChar char="•"/>
-            </a:pPr>
-            <a:r>
-              <a:rPr lang="en-US" sz="2000" spc="-1" dirty="0" smtClean="0">
-                <a:solidFill>
-                  <a:srgbClr val="F3F3F3"/>
-                </a:solidFill>
-                <a:latin typeface="Fira Sans Condensed Light"/>
-              </a:rPr>
-              <a:t>Demo</a:t>
-            </a:r>
-            <a:endParaRPr lang="en-US" sz="2000" b="0" strike="noStrike" spc="-1" dirty="0">
-              <a:latin typeface="Arial"/>
-            </a:endParaRPr>
-          </a:p>
-          <a:p>
-            <a:pPr>
-              <a:lnSpc>
-                <a:spcPct val="100000"/>
-              </a:lnSpc>
-              <a:tabLst>
-                <a:tab pos="0" algn="l"/>
-              </a:tabLst>
-            </a:pPr>
-            <a:endParaRPr lang="en-US" sz="2000" b="0" strike="noStrike" spc="-1" dirty="0">
-              <a:latin typeface="Arial"/>
-            </a:endParaRPr>
-          </a:p>
-          <a:p>
-            <a:pPr>
-              <a:lnSpc>
-                <a:spcPct val="100000"/>
-              </a:lnSpc>
-              <a:spcBef>
-                <a:spcPts val="1599"/>
-              </a:spcBef>
-              <a:spcAft>
-                <a:spcPts val="1599"/>
-              </a:spcAft>
-              <a:tabLst>
-                <a:tab pos="0" algn="l"/>
-              </a:tabLst>
-            </a:pPr>
-            <a:endParaRPr lang="en-US" sz="2000" b="0" strike="noStrike" spc="-1" dirty="0">
               <a:latin typeface="Arial"/>
             </a:endParaRPr>
           </a:p>
@@ -13405,12 +16118,6 @@
                 <a:spcPct val="100000"/>
               </a:lnSpc>
             </a:pPr>
-            <a:r>
-              <a:rPr lang="en-US" sz="1400" dirty="0">
-                <a:latin typeface="Fira Sans Condensed Light" panose="020B0403050000020004" pitchFamily="34" charset="0"/>
-              </a:rPr>
-              <a:t/>
-            </a:r>
             <a:br>
               <a:rPr lang="en-US" sz="1400" dirty="0">
                 <a:latin typeface="Fira Sans Condensed Light" panose="020B0403050000020004" pitchFamily="34" charset="0"/>
@@ -13572,7 +16279,62 @@
       </p:grpSpPr>
       <p:sp>
         <p:nvSpPr>
-          <p:cNvPr id="199" name="CustomShape 1"/>
+          <p:cNvPr id="4" name="Rectangle 3">
+            <a:extLst>
+              <a:ext uri="{FF2B5EF4-FFF2-40B4-BE49-F238E27FC236}">
+                <a16:creationId xmlns:a16="http://schemas.microsoft.com/office/drawing/2014/main" id="{0FE731B3-10B8-4081-87BD-F25316512C8B}"/>
+              </a:ext>
+            </a:extLst>
+          </p:cNvPr>
+          <p:cNvSpPr/>
+          <p:nvPr/>
+        </p:nvSpPr>
+        <p:spPr>
+          <a:xfrm>
+            <a:off x="2968624" y="1204333"/>
+            <a:ext cx="2946560" cy="966438"/>
+          </a:xfrm>
+          <a:prstGeom prst="rect">
+            <a:avLst/>
+          </a:prstGeom>
+        </p:spPr>
+        <p:style>
+          <a:lnRef idx="2">
+            <a:schemeClr val="accent1">
+              <a:shade val="50000"/>
+            </a:schemeClr>
+          </a:lnRef>
+          <a:fillRef idx="1">
+            <a:schemeClr val="accent1"/>
+          </a:fillRef>
+          <a:effectRef idx="0">
+            <a:schemeClr val="accent1"/>
+          </a:effectRef>
+          <a:fontRef idx="minor">
+            <a:schemeClr val="lt1"/>
+          </a:fontRef>
+        </p:style>
+        <p:txBody>
+          <a:bodyPr rtlCol="0" anchor="ctr"/>
+          <a:lstStyle/>
+          <a:p>
+            <a:pPr algn="ctr"/>
+            <a:r>
+              <a:rPr lang="en-US" dirty="0"/>
+              <a:t>Paternity Testing </a:t>
+            </a:r>
+          </a:p>
+        </p:txBody>
+      </p:sp>
+      <p:sp>
+        <p:nvSpPr>
+          <p:cNvPr id="5" name="CustomShape 1">
+            <a:extLst>
+              <a:ext uri="{FF2B5EF4-FFF2-40B4-BE49-F238E27FC236}">
+                <a16:creationId xmlns:a16="http://schemas.microsoft.com/office/drawing/2014/main" id="{4C974935-A7D3-43BD-A16D-8593ED84E78F}"/>
+              </a:ext>
+            </a:extLst>
+          </p:cNvPr>
           <p:cNvSpPr/>
           <p:nvPr/>
         </p:nvSpPr>
@@ -13616,7 +16378,7 @@
               </a:tabLst>
             </a:pPr>
             <a:r>
-              <a:rPr lang="en-US" sz="3200" b="1" strike="noStrike" spc="-1">
+              <a:rPr lang="en-US" sz="3200" b="1" strike="noStrike" spc="-1" dirty="0">
                 <a:solidFill>
                   <a:srgbClr val="F3F3F3"/>
                 </a:solidFill>
@@ -13626,7 +16388,7 @@
               <a:t>Introduction</a:t>
             </a:r>
             <a:r>
-              <a:rPr lang="en-US" sz="3200" b="1" strike="noStrike" spc="-1">
+              <a:rPr lang="en-US" sz="3200" b="1" strike="noStrike" spc="-1" dirty="0">
                 <a:solidFill>
                   <a:srgbClr val="F3F3F3"/>
                 </a:solidFill>
@@ -13636,7 +16398,7 @@
               <a:t> </a:t>
             </a:r>
             <a:r>
-              <a:rPr lang="en-US" sz="3200" b="1" strike="noStrike" spc="-1">
+              <a:rPr lang="en-US" sz="3200" b="1" strike="noStrike" spc="-1" dirty="0">
                 <a:solidFill>
                   <a:srgbClr val="F3F3F3"/>
                 </a:solidFill>
@@ -13645,41 +16407,100 @@
               </a:rPr>
               <a:t>(cont.)</a:t>
             </a:r>
-            <a:endParaRPr lang="en-US" sz="3200" b="0" strike="noStrike" spc="-1">
-              <a:latin typeface="Arial"/>
-            </a:endParaRPr>
-          </a:p>
-        </p:txBody>
-      </p:sp>
-      <p:pic>
-        <p:nvPicPr>
-          <p:cNvPr id="201" name="Picture 19"/>
-          <p:cNvPicPr/>
-          <p:nvPr/>
-        </p:nvPicPr>
-        <p:blipFill>
-          <a:blip r:embed="rId2"/>
-          <a:stretch/>
-        </p:blipFill>
-        <p:spPr>
-          <a:xfrm>
-            <a:off x="5423400" y="755640"/>
-            <a:ext cx="2950920" cy="3478680"/>
-          </a:xfrm>
-          <a:prstGeom prst="rect">
-            <a:avLst/>
-          </a:prstGeom>
-          <a:ln>
-            <a:noFill/>
-          </a:ln>
-        </p:spPr>
-      </p:pic>
-      <p:sp>
-        <p:nvSpPr>
-          <p:cNvPr id="7" name="CustomShape 2">
+            <a:endParaRPr lang="en-US" sz="3200" b="0" strike="noStrike" spc="-1" dirty="0">
+              <a:latin typeface="Arial"/>
+            </a:endParaRPr>
+          </a:p>
+        </p:txBody>
+      </p:sp>
+      <p:cxnSp>
+        <p:nvCxnSpPr>
+          <p:cNvPr id="7" name="Straight Arrow Connector 6">
             <a:extLst>
               <a:ext uri="{FF2B5EF4-FFF2-40B4-BE49-F238E27FC236}">
-                <a16:creationId xmlns:a16="http://schemas.microsoft.com/office/drawing/2014/main" id="{D4C26924-CC50-4881-BE7E-FD19CA096926}"/>
+                <a16:creationId xmlns:a16="http://schemas.microsoft.com/office/drawing/2014/main" id="{CDEC3FC9-6A44-4B3F-ACA1-17E58D395B3D}"/>
+              </a:ext>
+            </a:extLst>
+          </p:cNvPr>
+          <p:cNvCxnSpPr>
+            <a:cxnSpLocks/>
+          </p:cNvCxnSpPr>
+          <p:nvPr/>
+        </p:nvCxnSpPr>
+        <p:spPr>
+          <a:xfrm>
+            <a:off x="5954751" y="2215376"/>
+            <a:ext cx="869795" cy="951570"/>
+          </a:xfrm>
+          <a:prstGeom prst="straightConnector1">
+            <a:avLst/>
+          </a:prstGeom>
+          <a:ln>
+            <a:tailEnd type="triangle"/>
+          </a:ln>
+        </p:spPr>
+        <p:style>
+          <a:lnRef idx="1">
+            <a:schemeClr val="accent6"/>
+          </a:lnRef>
+          <a:fillRef idx="0">
+            <a:schemeClr val="accent6"/>
+          </a:fillRef>
+          <a:effectRef idx="0">
+            <a:schemeClr val="accent6"/>
+          </a:effectRef>
+          <a:fontRef idx="minor">
+            <a:schemeClr val="tx1"/>
+          </a:fontRef>
+        </p:style>
+      </p:cxnSp>
+      <p:cxnSp>
+        <p:nvCxnSpPr>
+          <p:cNvPr id="9" name="Straight Arrow Connector 8">
+            <a:extLst>
+              <a:ext uri="{FF2B5EF4-FFF2-40B4-BE49-F238E27FC236}">
+                <a16:creationId xmlns:a16="http://schemas.microsoft.com/office/drawing/2014/main" id="{EF323936-1DBD-4DA4-BE93-CB28D03A798E}"/>
+              </a:ext>
+            </a:extLst>
+          </p:cNvPr>
+          <p:cNvCxnSpPr>
+            <a:cxnSpLocks/>
+          </p:cNvCxnSpPr>
+          <p:nvPr/>
+        </p:nvCxnSpPr>
+        <p:spPr>
+          <a:xfrm flipH="1">
+            <a:off x="2096429" y="2170771"/>
+            <a:ext cx="872195" cy="996175"/>
+          </a:xfrm>
+          <a:prstGeom prst="straightConnector1">
+            <a:avLst/>
+          </a:prstGeom>
+          <a:ln>
+            <a:tailEnd type="triangle"/>
+          </a:ln>
+        </p:spPr>
+        <p:style>
+          <a:lnRef idx="1">
+            <a:schemeClr val="accent6"/>
+          </a:lnRef>
+          <a:fillRef idx="0">
+            <a:schemeClr val="accent6"/>
+          </a:fillRef>
+          <a:effectRef idx="0">
+            <a:schemeClr val="accent6"/>
+          </a:effectRef>
+          <a:fontRef idx="minor">
+            <a:schemeClr val="tx1"/>
+          </a:fontRef>
+        </p:style>
+      </p:cxnSp>
+      <p:sp>
+        <p:nvSpPr>
+          <p:cNvPr id="12" name="Rectangle 11">
+            <a:extLst>
+              <a:ext uri="{FF2B5EF4-FFF2-40B4-BE49-F238E27FC236}">
+                <a16:creationId xmlns:a16="http://schemas.microsoft.com/office/drawing/2014/main" id="{906ADB09-9B17-4D1C-B7C2-1F0ADD93A5E4}"/>
               </a:ext>
             </a:extLst>
           </p:cNvPr>
@@ -13688,159 +16509,103 @@
         </p:nvSpPr>
         <p:spPr>
           <a:xfrm>
-            <a:off x="368149" y="1362188"/>
-            <a:ext cx="4701939" cy="2607556"/>
-          </a:xfrm>
-          <a:prstGeom prst="rect">
-            <a:avLst/>
-          </a:prstGeom>
-          <a:solidFill>
-            <a:srgbClr val="0C343D">
-              <a:alpha val="57000"/>
-            </a:srgbClr>
-          </a:solidFill>
-          <a:ln>
-            <a:noFill/>
-          </a:ln>
+            <a:off x="623149" y="3166946"/>
+            <a:ext cx="2946560" cy="966438"/>
+          </a:xfrm>
+          <a:prstGeom prst="rect">
+            <a:avLst/>
+          </a:prstGeom>
         </p:spPr>
         <p:style>
-          <a:lnRef idx="0">
-            <a:scrgbClr r="0" g="0" b="0"/>
+          <a:lnRef idx="2">
+            <a:schemeClr val="accent1">
+              <a:shade val="50000"/>
+            </a:schemeClr>
           </a:lnRef>
-          <a:fillRef idx="0">
-            <a:scrgbClr r="0" g="0" b="0"/>
+          <a:fillRef idx="1">
+            <a:schemeClr val="accent1"/>
           </a:fillRef>
           <a:effectRef idx="0">
-            <a:scrgbClr r="0" g="0" b="0"/>
+            <a:schemeClr val="accent1"/>
           </a:effectRef>
-          <a:fontRef idx="minor"/>
+          <a:fontRef idx="minor">
+            <a:schemeClr val="lt1"/>
+          </a:fontRef>
         </p:style>
         <p:txBody>
-          <a:bodyPr lIns="234000" tIns="234000" rIns="234000" bIns="91440">
-            <a:noAutofit/>
-          </a:bodyPr>
-          <a:lstStyle/>
-          <a:p>
-            <a:pPr>
-              <a:lnSpc>
-                <a:spcPct val="100000"/>
-              </a:lnSpc>
-              <a:tabLst>
-                <a:tab pos="0" algn="l"/>
-              </a:tabLst>
-            </a:pPr>
+          <a:bodyPr rtlCol="0" anchor="ctr"/>
+          <a:lstStyle/>
+          <a:p>
+            <a:pPr algn="ctr"/>
             <a:r>
-              <a:rPr lang="en-US" sz="1400" b="0" strike="noStrike" spc="-1" dirty="0">
-                <a:solidFill>
-                  <a:srgbClr val="F3F3F3"/>
-                </a:solidFill>
-                <a:latin typeface="Fira Sans Condensed Light"/>
-                <a:ea typeface="Fira Sans Condensed Light"/>
-              </a:rPr>
-              <a:t>Whole genome </a:t>
+              <a:rPr lang="en-US" dirty="0"/>
+              <a:t>Rs numbers using Mendelian’s Law</a:t>
             </a:r>
-            <a:endParaRPr lang="en-US" sz="1400" b="0" strike="noStrike" spc="-1" dirty="0">
-              <a:latin typeface="Arial"/>
-            </a:endParaRPr>
-          </a:p>
-          <a:p>
-            <a:pPr>
-              <a:lnSpc>
-                <a:spcPct val="100000"/>
-              </a:lnSpc>
-              <a:tabLst>
-                <a:tab pos="0" algn="l"/>
-              </a:tabLst>
-            </a:pPr>
+          </a:p>
+        </p:txBody>
+      </p:sp>
+      <p:sp>
+        <p:nvSpPr>
+          <p:cNvPr id="13" name="Rectangle 12">
+            <a:extLst>
+              <a:ext uri="{FF2B5EF4-FFF2-40B4-BE49-F238E27FC236}">
+                <a16:creationId xmlns:a16="http://schemas.microsoft.com/office/drawing/2014/main" id="{5BCEAEE4-04DB-4370-8CA7-9DD08377D73F}"/>
+              </a:ext>
+            </a:extLst>
+          </p:cNvPr>
+          <p:cNvSpPr/>
+          <p:nvPr/>
+        </p:nvSpPr>
+        <p:spPr>
+          <a:xfrm>
+            <a:off x="5574291" y="3166946"/>
+            <a:ext cx="2946560" cy="966438"/>
+          </a:xfrm>
+          <a:prstGeom prst="rect">
+            <a:avLst/>
+          </a:prstGeom>
+        </p:spPr>
+        <p:style>
+          <a:lnRef idx="2">
+            <a:schemeClr val="accent1">
+              <a:shade val="50000"/>
+            </a:schemeClr>
+          </a:lnRef>
+          <a:fillRef idx="1">
+            <a:schemeClr val="accent1"/>
+          </a:fillRef>
+          <a:effectRef idx="0">
+            <a:schemeClr val="accent1"/>
+          </a:effectRef>
+          <a:fontRef idx="minor">
+            <a:schemeClr val="lt1"/>
+          </a:fontRef>
+        </p:style>
+        <p:txBody>
+          <a:bodyPr rtlCol="0" anchor="ctr"/>
+          <a:lstStyle/>
+          <a:p>
+            <a:pPr algn="ctr"/>
             <a:r>
-              <a:rPr lang="en-US" sz="1400" b="0" strike="noStrike" spc="-1" dirty="0">
-                <a:solidFill>
-                  <a:srgbClr val="F3F3F3"/>
-                </a:solidFill>
-                <a:latin typeface="Fira Sans Condensed Light"/>
-                <a:ea typeface="Fira Sans Condensed Light"/>
-              </a:rPr>
-              <a:t>It is the whole DNA sequence that a human have in their system.</a:t>
+              <a:rPr lang="en-US" dirty="0"/>
+              <a:t>Whole Genome using STR</a:t>
             </a:r>
-            <a:endParaRPr lang="en-US" sz="1400" b="0" strike="noStrike" spc="-1" dirty="0">
-              <a:latin typeface="Arial"/>
-            </a:endParaRPr>
-          </a:p>
-          <a:p>
-            <a:pPr>
-              <a:lnSpc>
-                <a:spcPct val="100000"/>
-              </a:lnSpc>
-              <a:tabLst>
-                <a:tab pos="0" algn="l"/>
-              </a:tabLst>
-            </a:pPr>
-            <a:endParaRPr lang="en-US" sz="1400" b="0" strike="noStrike" spc="-1" dirty="0">
-              <a:latin typeface="Arial"/>
-            </a:endParaRPr>
-          </a:p>
-          <a:p>
-            <a:pPr>
-              <a:lnSpc>
-                <a:spcPct val="100000"/>
-              </a:lnSpc>
-              <a:tabLst>
-                <a:tab pos="0" algn="l"/>
-              </a:tabLst>
-            </a:pPr>
+          </a:p>
+          <a:p>
+            <a:pPr algn="ctr"/>
             <a:r>
-              <a:rPr lang="en-US" sz="1400" b="0" strike="noStrike" spc="-1" dirty="0">
-                <a:solidFill>
-                  <a:srgbClr val="F3F3F3"/>
-                </a:solidFill>
-                <a:latin typeface="Fira Sans Condensed Light"/>
-                <a:ea typeface="Fira Sans Condensed Light"/>
-              </a:rPr>
-              <a:t>Whole exome</a:t>
+              <a:rPr lang="en-US" dirty="0"/>
+              <a:t>Algorithm</a:t>
             </a:r>
-            <a:endParaRPr lang="en-US" sz="1400" b="0" strike="noStrike" spc="-1" dirty="0">
-              <a:latin typeface="Arial"/>
-            </a:endParaRPr>
-          </a:p>
-          <a:p>
-            <a:pPr>
-              <a:lnSpc>
-                <a:spcPct val="100000"/>
-              </a:lnSpc>
-              <a:tabLst>
-                <a:tab pos="0" algn="l"/>
-              </a:tabLst>
-            </a:pPr>
-            <a:r>
-              <a:rPr lang="en-US" sz="1400" b="0" strike="noStrike" spc="-1" dirty="0">
-                <a:solidFill>
-                  <a:srgbClr val="F3F3F3"/>
-                </a:solidFill>
-                <a:latin typeface="Fira Sans Condensed Light"/>
-                <a:ea typeface="Fira Sans Condensed Light"/>
-              </a:rPr>
-              <a:t>It is a part of the whole genome and makes up to 1.5% of it and it may reveal information about family relationships (ex: paternity test) </a:t>
-            </a:r>
-            <a:endParaRPr lang="en-US" sz="1400" b="0" strike="noStrike" spc="-1" dirty="0">
-              <a:latin typeface="Arial"/>
-            </a:endParaRPr>
-          </a:p>
-          <a:p>
-            <a:pPr>
-              <a:lnSpc>
-                <a:spcPct val="100000"/>
-              </a:lnSpc>
-              <a:tabLst>
-                <a:tab pos="0" algn="l"/>
-              </a:tabLst>
-            </a:pPr>
-            <a:endParaRPr lang="en-US" sz="1400" b="0" strike="noStrike" spc="-1" dirty="0">
-              <a:latin typeface="Arial"/>
-            </a:endParaRPr>
           </a:p>
         </p:txBody>
       </p:sp>
     </p:spTree>
+    <p:extLst>
+      <p:ext uri="{BB962C8B-B14F-4D97-AF65-F5344CB8AC3E}">
+        <p14:creationId xmlns:p14="http://schemas.microsoft.com/office/powerpoint/2010/main" val="2740853910"/>
+      </p:ext>
+    </p:extLst>
   </p:cSld>
   <p:clrMapOvr>
     <a:masterClrMapping/>
@@ -14872,6 +17637,510 @@
 <file path=ppt/slides/slide6.xml><?xml version="1.0" encoding="utf-8"?>
 <p:sld xmlns:a="http://schemas.openxmlformats.org/drawingml/2006/main" xmlns:r="http://schemas.openxmlformats.org/officeDocument/2006/relationships" xmlns:p="http://schemas.openxmlformats.org/presentationml/2006/main">
   <p:cSld>
+    <p:spTree>
+      <p:nvGrpSpPr>
+        <p:cNvPr id="1" name=""/>
+        <p:cNvGrpSpPr/>
+        <p:nvPr/>
+      </p:nvGrpSpPr>
+      <p:grpSpPr>
+        <a:xfrm>
+          <a:off x="0" y="0"/>
+          <a:ext cx="0" cy="0"/>
+          <a:chOff x="0" y="0"/>
+          <a:chExt cx="0" cy="0"/>
+        </a:xfrm>
+      </p:grpSpPr>
+      <p:sp>
+        <p:nvSpPr>
+          <p:cNvPr id="199" name="CustomShape 1"/>
+          <p:cNvSpPr/>
+          <p:nvPr/>
+        </p:nvSpPr>
+        <p:spPr>
+          <a:xfrm>
+            <a:off x="665280" y="395640"/>
+            <a:ext cx="4093200" cy="635760"/>
+          </a:xfrm>
+          <a:prstGeom prst="rect">
+            <a:avLst/>
+          </a:prstGeom>
+          <a:noFill/>
+          <a:ln>
+            <a:noFill/>
+          </a:ln>
+        </p:spPr>
+        <p:style>
+          <a:lnRef idx="0">
+            <a:scrgbClr r="0" g="0" b="0"/>
+          </a:lnRef>
+          <a:fillRef idx="0">
+            <a:scrgbClr r="0" g="0" b="0"/>
+          </a:fillRef>
+          <a:effectRef idx="0">
+            <a:scrgbClr r="0" g="0" b="0"/>
+          </a:effectRef>
+          <a:fontRef idx="minor"/>
+        </p:style>
+        <p:txBody>
+          <a:bodyPr lIns="90000" tIns="91440" rIns="90000" bIns="91440" anchor="ctr">
+            <a:noAutofit/>
+          </a:bodyPr>
+          <a:lstStyle/>
+          <a:p>
+            <a:pPr>
+              <a:lnSpc>
+                <a:spcPct val="100000"/>
+              </a:lnSpc>
+              <a:tabLst>
+                <a:tab pos="0" algn="l"/>
+              </a:tabLst>
+            </a:pPr>
+            <a:r>
+              <a:rPr lang="en-US" sz="3200" b="1" strike="noStrike" spc="-1" dirty="0">
+                <a:solidFill>
+                  <a:srgbClr val="F3F3F3"/>
+                </a:solidFill>
+                <a:latin typeface="Rajdhani"/>
+                <a:ea typeface="Fira Sans Condensed Light"/>
+              </a:rPr>
+              <a:t>Introduction</a:t>
+            </a:r>
+            <a:r>
+              <a:rPr lang="en-US" sz="3200" b="1" strike="noStrike" spc="-1" dirty="0">
+                <a:solidFill>
+                  <a:srgbClr val="F3F3F3"/>
+                </a:solidFill>
+                <a:latin typeface="Fira Sans Condensed Light"/>
+                <a:ea typeface="Fira Sans Condensed Light"/>
+              </a:rPr>
+              <a:t> </a:t>
+            </a:r>
+            <a:r>
+              <a:rPr lang="en-US" sz="3200" b="1" strike="noStrike" spc="-1" dirty="0">
+                <a:solidFill>
+                  <a:srgbClr val="F3F3F3"/>
+                </a:solidFill>
+                <a:latin typeface="Rajdhani"/>
+                <a:ea typeface="Fira Sans Condensed Light"/>
+              </a:rPr>
+              <a:t>(cont.)</a:t>
+            </a:r>
+            <a:endParaRPr lang="en-US" sz="3200" b="0" strike="noStrike" spc="-1" dirty="0">
+              <a:latin typeface="Arial"/>
+            </a:endParaRPr>
+          </a:p>
+        </p:txBody>
+      </p:sp>
+      <p:sp>
+        <p:nvSpPr>
+          <p:cNvPr id="7" name="CustomShape 2">
+            <a:extLst>
+              <a:ext uri="{FF2B5EF4-FFF2-40B4-BE49-F238E27FC236}">
+                <a16:creationId xmlns:a16="http://schemas.microsoft.com/office/drawing/2014/main" id="{D4C26924-CC50-4881-BE7E-FD19CA096926}"/>
+              </a:ext>
+            </a:extLst>
+          </p:cNvPr>
+          <p:cNvSpPr/>
+          <p:nvPr/>
+        </p:nvSpPr>
+        <p:spPr>
+          <a:xfrm>
+            <a:off x="197163" y="1294815"/>
+            <a:ext cx="4203851" cy="2124892"/>
+          </a:xfrm>
+          <a:prstGeom prst="rect">
+            <a:avLst/>
+          </a:prstGeom>
+          <a:solidFill>
+            <a:srgbClr val="0C343D">
+              <a:alpha val="57000"/>
+            </a:srgbClr>
+          </a:solidFill>
+          <a:ln>
+            <a:noFill/>
+          </a:ln>
+        </p:spPr>
+        <p:style>
+          <a:lnRef idx="0">
+            <a:scrgbClr r="0" g="0" b="0"/>
+          </a:lnRef>
+          <a:fillRef idx="0">
+            <a:scrgbClr r="0" g="0" b="0"/>
+          </a:fillRef>
+          <a:effectRef idx="0">
+            <a:scrgbClr r="0" g="0" b="0"/>
+          </a:effectRef>
+          <a:fontRef idx="minor"/>
+        </p:style>
+        <p:txBody>
+          <a:bodyPr lIns="234000" tIns="234000" rIns="234000" bIns="91440">
+            <a:noAutofit/>
+          </a:bodyPr>
+          <a:lstStyle/>
+          <a:p>
+            <a:pPr>
+              <a:lnSpc>
+                <a:spcPct val="100000"/>
+              </a:lnSpc>
+              <a:tabLst>
+                <a:tab pos="0" algn="l"/>
+              </a:tabLst>
+            </a:pPr>
+            <a:r>
+              <a:rPr lang="en-US" sz="1400" b="0" strike="noStrike" spc="-1" dirty="0">
+                <a:solidFill>
+                  <a:srgbClr val="F3F3F3"/>
+                </a:solidFill>
+                <a:latin typeface="Fira Sans Condensed Light"/>
+                <a:ea typeface="Fira Sans Condensed Light"/>
+              </a:rPr>
+              <a:t>Whole genome </a:t>
+            </a:r>
+            <a:endParaRPr lang="en-US" sz="1400" b="0" strike="noStrike" spc="-1" dirty="0">
+              <a:latin typeface="Arial"/>
+            </a:endParaRPr>
+          </a:p>
+          <a:p>
+            <a:pPr>
+              <a:lnSpc>
+                <a:spcPct val="100000"/>
+              </a:lnSpc>
+              <a:tabLst>
+                <a:tab pos="0" algn="l"/>
+              </a:tabLst>
+            </a:pPr>
+            <a:r>
+              <a:rPr lang="en-US" sz="1400" b="0" strike="noStrike" spc="-1" dirty="0">
+                <a:solidFill>
+                  <a:srgbClr val="F3F3F3"/>
+                </a:solidFill>
+                <a:latin typeface="Fira Sans Condensed Light"/>
+                <a:ea typeface="Fira Sans Condensed Light"/>
+              </a:rPr>
+              <a:t>It is the whole DNA sequence that a human have in their system.</a:t>
+            </a:r>
+          </a:p>
+          <a:p>
+            <a:pPr>
+              <a:lnSpc>
+                <a:spcPct val="100000"/>
+              </a:lnSpc>
+              <a:tabLst>
+                <a:tab pos="0" algn="l"/>
+              </a:tabLst>
+            </a:pPr>
+            <a:r>
+              <a:rPr lang="en-US" sz="1400" spc="-1" dirty="0">
+                <a:solidFill>
+                  <a:srgbClr val="F3F3F3"/>
+                </a:solidFill>
+                <a:latin typeface="Fira Sans Condensed Light"/>
+              </a:rPr>
+              <a:t>Each number in the Table represents the repeats of nucleotide.</a:t>
+            </a:r>
+            <a:br>
+              <a:rPr lang="en-US" sz="1400" spc="-1" dirty="0">
+                <a:solidFill>
+                  <a:srgbClr val="F3F3F3"/>
+                </a:solidFill>
+                <a:latin typeface="Fira Sans Condensed Light"/>
+              </a:rPr>
+            </a:br>
+            <a:br>
+              <a:rPr lang="en-US" sz="1400" spc="-1" dirty="0">
+                <a:solidFill>
+                  <a:srgbClr val="F3F3F3"/>
+                </a:solidFill>
+                <a:latin typeface="Fira Sans Condensed Light"/>
+              </a:rPr>
+            </a:br>
+            <a:r>
+              <a:rPr lang="en-US" sz="1400" spc="-1" dirty="0">
+                <a:solidFill>
+                  <a:srgbClr val="F3F3F3"/>
+                </a:solidFill>
+                <a:latin typeface="Fira Sans Condensed Light"/>
+              </a:rPr>
+              <a:t>Ex:</a:t>
+            </a:r>
+          </a:p>
+          <a:p>
+            <a:pPr>
+              <a:tabLst>
+                <a:tab pos="0" algn="l"/>
+              </a:tabLst>
+            </a:pPr>
+            <a:r>
+              <a:rPr lang="en-US" sz="1400" spc="-1" dirty="0">
+                <a:solidFill>
+                  <a:srgbClr val="F3F3F3"/>
+                </a:solidFill>
+                <a:latin typeface="Fira Sans Condensed Light"/>
+              </a:rPr>
+              <a:t>ATCGATCGATCGATCGATCGATCGATCGATCGATCGATCG</a:t>
+            </a:r>
+            <a:br>
+              <a:rPr lang="en-US" sz="1400" spc="-1" dirty="0">
+                <a:solidFill>
+                  <a:srgbClr val="F3F3F3"/>
+                </a:solidFill>
+                <a:latin typeface="Fira Sans Condensed Light"/>
+              </a:rPr>
+            </a:br>
+            <a:endParaRPr lang="en-US" sz="1400" b="0" strike="noStrike" spc="-1" dirty="0">
+              <a:latin typeface="Arial"/>
+            </a:endParaRPr>
+          </a:p>
+          <a:p>
+            <a:pPr>
+              <a:tabLst>
+                <a:tab pos="0" algn="l"/>
+              </a:tabLst>
+            </a:pPr>
+            <a:br>
+              <a:rPr lang="en-US" sz="1400" spc="-1" dirty="0">
+                <a:solidFill>
+                  <a:srgbClr val="F3F3F3"/>
+                </a:solidFill>
+                <a:latin typeface="Fira Sans Condensed Light"/>
+              </a:rPr>
+            </a:br>
+            <a:endParaRPr lang="en-US" sz="1400" b="0" strike="noStrike" spc="-1" dirty="0">
+              <a:latin typeface="Arial"/>
+            </a:endParaRPr>
+          </a:p>
+          <a:p>
+            <a:pPr>
+              <a:tabLst>
+                <a:tab pos="0" algn="l"/>
+              </a:tabLst>
+            </a:pPr>
+            <a:br>
+              <a:rPr lang="en-US" sz="1400" spc="-1" dirty="0">
+                <a:solidFill>
+                  <a:srgbClr val="F3F3F3"/>
+                </a:solidFill>
+                <a:latin typeface="Fira Sans Condensed Light"/>
+              </a:rPr>
+            </a:br>
+            <a:endParaRPr lang="en-US" sz="1400" b="0" strike="noStrike" spc="-1" dirty="0">
+              <a:latin typeface="Arial"/>
+            </a:endParaRPr>
+          </a:p>
+          <a:p>
+            <a:pPr>
+              <a:tabLst>
+                <a:tab pos="0" algn="l"/>
+              </a:tabLst>
+            </a:pPr>
+            <a:br>
+              <a:rPr lang="en-US" sz="1400" spc="-1" dirty="0">
+                <a:solidFill>
+                  <a:srgbClr val="F3F3F3"/>
+                </a:solidFill>
+                <a:latin typeface="Fira Sans Condensed Light"/>
+              </a:rPr>
+            </a:br>
+            <a:endParaRPr lang="en-US" sz="1400" b="0" strike="noStrike" spc="-1" dirty="0">
+              <a:latin typeface="Arial"/>
+            </a:endParaRPr>
+          </a:p>
+          <a:p>
+            <a:pPr>
+              <a:tabLst>
+                <a:tab pos="0" algn="l"/>
+              </a:tabLst>
+            </a:pPr>
+            <a:br>
+              <a:rPr lang="en-US" sz="1400" spc="-1" dirty="0">
+                <a:solidFill>
+                  <a:srgbClr val="F3F3F3"/>
+                </a:solidFill>
+                <a:latin typeface="Fira Sans Condensed Light"/>
+              </a:rPr>
+            </a:br>
+            <a:endParaRPr lang="en-US" sz="1400" b="0" strike="noStrike" spc="-1" dirty="0">
+              <a:latin typeface="Arial"/>
+            </a:endParaRPr>
+          </a:p>
+          <a:p>
+            <a:pPr>
+              <a:tabLst>
+                <a:tab pos="0" algn="l"/>
+              </a:tabLst>
+            </a:pPr>
+            <a:br>
+              <a:rPr lang="en-US" sz="1400" spc="-1" dirty="0">
+                <a:solidFill>
+                  <a:srgbClr val="F3F3F3"/>
+                </a:solidFill>
+                <a:latin typeface="Fira Sans Condensed Light"/>
+              </a:rPr>
+            </a:br>
+            <a:endParaRPr lang="en-US" sz="1400" b="0" strike="noStrike" spc="-1" dirty="0">
+              <a:latin typeface="Arial"/>
+            </a:endParaRPr>
+          </a:p>
+          <a:p>
+            <a:pPr>
+              <a:tabLst>
+                <a:tab pos="0" algn="l"/>
+              </a:tabLst>
+            </a:pPr>
+            <a:br>
+              <a:rPr lang="en-US" sz="1400" spc="-1" dirty="0">
+                <a:solidFill>
+                  <a:srgbClr val="F3F3F3"/>
+                </a:solidFill>
+                <a:latin typeface="Fira Sans Condensed Light"/>
+              </a:rPr>
+            </a:br>
+            <a:endParaRPr lang="en-US" sz="1400" b="0" strike="noStrike" spc="-1" dirty="0">
+              <a:latin typeface="Arial"/>
+            </a:endParaRPr>
+          </a:p>
+          <a:p>
+            <a:pPr>
+              <a:tabLst>
+                <a:tab pos="0" algn="l"/>
+              </a:tabLst>
+            </a:pPr>
+            <a:br>
+              <a:rPr lang="en-US" sz="1400" spc="-1" dirty="0">
+                <a:solidFill>
+                  <a:srgbClr val="F3F3F3"/>
+                </a:solidFill>
+                <a:latin typeface="Fira Sans Condensed Light"/>
+              </a:rPr>
+            </a:br>
+            <a:endParaRPr lang="en-US" sz="1400" b="0" strike="noStrike" spc="-1" dirty="0">
+              <a:latin typeface="Arial"/>
+            </a:endParaRPr>
+          </a:p>
+          <a:p>
+            <a:pPr>
+              <a:tabLst>
+                <a:tab pos="0" algn="l"/>
+              </a:tabLst>
+            </a:pPr>
+            <a:br>
+              <a:rPr lang="en-US" sz="1400" spc="-1" dirty="0">
+                <a:solidFill>
+                  <a:srgbClr val="F3F3F3"/>
+                </a:solidFill>
+                <a:latin typeface="Fira Sans Condensed Light"/>
+              </a:rPr>
+            </a:br>
+            <a:endParaRPr lang="en-US" sz="1400" b="0" strike="noStrike" spc="-1" dirty="0">
+              <a:latin typeface="Arial"/>
+            </a:endParaRPr>
+          </a:p>
+          <a:p>
+            <a:pPr>
+              <a:lnSpc>
+                <a:spcPct val="100000"/>
+              </a:lnSpc>
+              <a:tabLst>
+                <a:tab pos="0" algn="l"/>
+              </a:tabLst>
+            </a:pPr>
+            <a:br>
+              <a:rPr lang="en-US" sz="1400" spc="-1" dirty="0">
+                <a:solidFill>
+                  <a:srgbClr val="F3F3F3"/>
+                </a:solidFill>
+                <a:latin typeface="Fira Sans Condensed Light"/>
+              </a:rPr>
+            </a:br>
+            <a:endParaRPr lang="en-US" sz="1400" b="0" strike="noStrike" spc="-1" dirty="0">
+              <a:latin typeface="Arial"/>
+            </a:endParaRPr>
+          </a:p>
+          <a:p>
+            <a:pPr>
+              <a:lnSpc>
+                <a:spcPct val="100000"/>
+              </a:lnSpc>
+              <a:tabLst>
+                <a:tab pos="0" algn="l"/>
+              </a:tabLst>
+            </a:pPr>
+            <a:endParaRPr lang="en-US" sz="1400" b="0" strike="noStrike" spc="-1" dirty="0">
+              <a:latin typeface="Arial"/>
+            </a:endParaRPr>
+          </a:p>
+          <a:p>
+            <a:pPr>
+              <a:lnSpc>
+                <a:spcPct val="100000"/>
+              </a:lnSpc>
+              <a:tabLst>
+                <a:tab pos="0" algn="l"/>
+              </a:tabLst>
+            </a:pPr>
+            <a:endParaRPr lang="en-US" sz="1400" b="0" strike="noStrike" spc="-1" dirty="0">
+              <a:latin typeface="Arial"/>
+            </a:endParaRPr>
+          </a:p>
+        </p:txBody>
+      </p:sp>
+      <p:pic>
+        <p:nvPicPr>
+          <p:cNvPr id="3" name="Picture 2">
+            <a:extLst>
+              <a:ext uri="{FF2B5EF4-FFF2-40B4-BE49-F238E27FC236}">
+                <a16:creationId xmlns:a16="http://schemas.microsoft.com/office/drawing/2014/main" id="{34AF77F4-BDAC-4300-B896-8E86BCE07CD8}"/>
+              </a:ext>
+            </a:extLst>
+          </p:cNvPr>
+          <p:cNvPicPr>
+            <a:picLocks noChangeAspect="1"/>
+          </p:cNvPicPr>
+          <p:nvPr/>
+        </p:nvPicPr>
+        <p:blipFill>
+          <a:blip r:embed="rId2">
+            <a:extLst>
+              <a:ext uri="{28A0092B-C50C-407E-A947-70E740481C1C}">
+                <a14:useLocalDpi xmlns:a14="http://schemas.microsoft.com/office/drawing/2010/main" val="0"/>
+              </a:ext>
+            </a:extLst>
+          </a:blip>
+          <a:stretch>
+            <a:fillRect/>
+          </a:stretch>
+        </p:blipFill>
+        <p:spPr>
+          <a:xfrm>
+            <a:off x="4502168" y="613546"/>
+            <a:ext cx="4580936" cy="4134314"/>
+          </a:xfrm>
+          <a:prstGeom prst="rect">
+            <a:avLst/>
+          </a:prstGeom>
+          <a:ln>
+            <a:noFill/>
+          </a:ln>
+          <a:effectLst>
+            <a:softEdge rad="112500"/>
+          </a:effectLst>
+        </p:spPr>
+      </p:pic>
+    </p:spTree>
+  </p:cSld>
+  <p:clrMapOvr>
+    <a:masterClrMapping/>
+  </p:clrMapOvr>
+  <p:transition spd="slow">
+    <p:push dir="u"/>
+  </p:transition>
+</p:sld>
+</file>
+
+<file path=ppt/slides/slide7.xml><?xml version="1.0" encoding="utf-8"?>
+<p:sld xmlns:a="http://schemas.openxmlformats.org/drawingml/2006/main" xmlns:r="http://schemas.openxmlformats.org/officeDocument/2006/relationships" xmlns:p="http://schemas.openxmlformats.org/presentationml/2006/main">
+  <p:cSld>
     <p:bg>
       <p:bgPr>
         <a:blipFill rotWithShape="0">
@@ -15148,342 +18417,6 @@
 </p:sld>
 </file>
 
-<file path=ppt/slides/slide7.xml><?xml version="1.0" encoding="utf-8"?>
-<p:sld xmlns:a="http://schemas.openxmlformats.org/drawingml/2006/main" xmlns:r="http://schemas.openxmlformats.org/officeDocument/2006/relationships" xmlns:p="http://schemas.openxmlformats.org/presentationml/2006/main">
-  <p:cSld>
-    <p:spTree>
-      <p:nvGrpSpPr>
-        <p:cNvPr id="1" name=""/>
-        <p:cNvGrpSpPr/>
-        <p:nvPr/>
-      </p:nvGrpSpPr>
-      <p:grpSpPr>
-        <a:xfrm>
-          <a:off x="0" y="0"/>
-          <a:ext cx="0" cy="0"/>
-          <a:chOff x="0" y="0"/>
-          <a:chExt cx="0" cy="0"/>
-        </a:xfrm>
-      </p:grpSpPr>
-      <p:sp>
-        <p:nvSpPr>
-          <p:cNvPr id="209" name="CustomShape 1"/>
-          <p:cNvSpPr/>
-          <p:nvPr/>
-        </p:nvSpPr>
-        <p:spPr>
-          <a:xfrm>
-            <a:off x="637560" y="331920"/>
-            <a:ext cx="4093200" cy="635760"/>
-          </a:xfrm>
-          <a:prstGeom prst="rect">
-            <a:avLst/>
-          </a:prstGeom>
-          <a:noFill/>
-          <a:ln>
-            <a:noFill/>
-          </a:ln>
-        </p:spPr>
-        <p:style>
-          <a:lnRef idx="0">
-            <a:scrgbClr r="0" g="0" b="0"/>
-          </a:lnRef>
-          <a:fillRef idx="0">
-            <a:scrgbClr r="0" g="0" b="0"/>
-          </a:fillRef>
-          <a:effectRef idx="0">
-            <a:scrgbClr r="0" g="0" b="0"/>
-          </a:effectRef>
-          <a:fontRef idx="minor"/>
-        </p:style>
-        <p:txBody>
-          <a:bodyPr lIns="90000" tIns="91440" rIns="90000" bIns="91440" anchor="ctr">
-            <a:noAutofit/>
-          </a:bodyPr>
-          <a:lstStyle/>
-          <a:p>
-            <a:pPr>
-              <a:lnSpc>
-                <a:spcPct val="100000"/>
-              </a:lnSpc>
-              <a:tabLst>
-                <a:tab pos="0" algn="l"/>
-              </a:tabLst>
-            </a:pPr>
-            <a:r>
-              <a:rPr lang="en-US" sz="3200" b="1" strike="noStrike" spc="-1">
-                <a:solidFill>
-                  <a:srgbClr val="F3F3F3"/>
-                </a:solidFill>
-                <a:latin typeface="Rajdhani"/>
-                <a:ea typeface="Fira Sans Condensed Light"/>
-              </a:rPr>
-              <a:t>Our Objectives</a:t>
-            </a:r>
-            <a:endParaRPr lang="en-US" sz="3200" b="0" strike="noStrike" spc="-1">
-              <a:latin typeface="Arial"/>
-            </a:endParaRPr>
-          </a:p>
-        </p:txBody>
-      </p:sp>
-      <p:sp>
-        <p:nvSpPr>
-          <p:cNvPr id="4" name="CustomShape 2">
-            <a:extLst>
-              <a:ext uri="{FF2B5EF4-FFF2-40B4-BE49-F238E27FC236}">
-                <a16:creationId xmlns:a16="http://schemas.microsoft.com/office/drawing/2014/main" id="{C38DCE2D-6872-4085-A22F-A6A37267F21E}"/>
-              </a:ext>
-            </a:extLst>
-          </p:cNvPr>
-          <p:cNvSpPr/>
-          <p:nvPr/>
-        </p:nvSpPr>
-        <p:spPr>
-          <a:xfrm>
-            <a:off x="637560" y="1213477"/>
-            <a:ext cx="6241222" cy="3136850"/>
-          </a:xfrm>
-          <a:prstGeom prst="rect">
-            <a:avLst/>
-          </a:prstGeom>
-          <a:solidFill>
-            <a:srgbClr val="0C343D">
-              <a:alpha val="57000"/>
-            </a:srgbClr>
-          </a:solidFill>
-          <a:ln>
-            <a:noFill/>
-          </a:ln>
-        </p:spPr>
-        <p:style>
-          <a:lnRef idx="0">
-            <a:scrgbClr r="0" g="0" b="0"/>
-          </a:lnRef>
-          <a:fillRef idx="0">
-            <a:scrgbClr r="0" g="0" b="0"/>
-          </a:fillRef>
-          <a:effectRef idx="0">
-            <a:scrgbClr r="0" g="0" b="0"/>
-          </a:effectRef>
-          <a:fontRef idx="minor"/>
-        </p:style>
-        <p:txBody>
-          <a:bodyPr lIns="234000" tIns="234000" rIns="234000" bIns="91440">
-            <a:noAutofit/>
-          </a:bodyPr>
-          <a:lstStyle/>
-          <a:p>
-            <a:pPr marL="457200" indent="-456480">
-              <a:lnSpc>
-                <a:spcPct val="100000"/>
-              </a:lnSpc>
-              <a:buClr>
-                <a:srgbClr val="F3F3F3"/>
-              </a:buClr>
-              <a:buFont typeface="Arial"/>
-              <a:buAutoNum type="arabicPeriod"/>
-            </a:pPr>
-            <a:r>
-              <a:rPr lang="en-US" spc="-1" dirty="0">
-                <a:solidFill>
-                  <a:srgbClr val="F3F3F3"/>
-                </a:solidFill>
-                <a:latin typeface="Fira Sans Condensed Light"/>
-                <a:ea typeface="Fira Sans Condensed Light"/>
-              </a:rPr>
-              <a:t>Make an automated system to accurately prove parentage of someone by their </a:t>
-            </a:r>
-            <a:r>
-              <a:rPr lang="en-US" spc="-1" dirty="0" err="1">
-                <a:solidFill>
-                  <a:srgbClr val="F3F3F3"/>
-                </a:solidFill>
-                <a:latin typeface="Fira Sans Condensed Light"/>
-                <a:ea typeface="Fira Sans Condensed Light"/>
-              </a:rPr>
-              <a:t>rs</a:t>
-            </a:r>
-            <a:r>
-              <a:rPr lang="en-US" spc="-1" dirty="0">
-                <a:solidFill>
-                  <a:srgbClr val="F3F3F3"/>
-                </a:solidFill>
-                <a:latin typeface="Fira Sans Condensed Light"/>
-                <a:ea typeface="Fira Sans Condensed Light"/>
-              </a:rPr>
-              <a:t> numbers and their genotypes</a:t>
-            </a:r>
-            <a:r>
-              <a:rPr lang="en-US" spc="-1" dirty="0" smtClean="0">
-                <a:solidFill>
-                  <a:srgbClr val="F3F3F3"/>
-                </a:solidFill>
-                <a:latin typeface="Fira Sans Condensed Light"/>
-                <a:ea typeface="Fira Sans Condensed Light"/>
-              </a:rPr>
-              <a:t>.</a:t>
-            </a:r>
-            <a:endParaRPr lang="en-US" spc="-1" dirty="0"/>
-          </a:p>
-          <a:p>
-            <a:pPr marL="457200" indent="-456480">
-              <a:lnSpc>
-                <a:spcPct val="100000"/>
-              </a:lnSpc>
-              <a:buClr>
-                <a:srgbClr val="F3F3F3"/>
-              </a:buClr>
-              <a:buFont typeface="Arial"/>
-              <a:buAutoNum type="arabicPeriod"/>
-            </a:pPr>
-            <a:r>
-              <a:rPr lang="en-US" spc="-1" dirty="0">
-                <a:solidFill>
-                  <a:srgbClr val="F3F3F3"/>
-                </a:solidFill>
-                <a:latin typeface="Fira Sans Condensed Light"/>
-                <a:ea typeface="Fira Sans Condensed Light"/>
-              </a:rPr>
-              <a:t>Add another part to enter the user’s whole genome .</a:t>
-            </a:r>
-          </a:p>
-          <a:p>
-            <a:pPr marL="457200" indent="-456480">
-              <a:lnSpc>
-                <a:spcPct val="100000"/>
-              </a:lnSpc>
-              <a:buClr>
-                <a:srgbClr val="F3F3F3"/>
-              </a:buClr>
-              <a:buFont typeface="Arial"/>
-              <a:buAutoNum type="arabicPeriod"/>
-            </a:pPr>
-            <a:r>
-              <a:rPr lang="en-US" spc="-1" dirty="0">
-                <a:solidFill>
-                  <a:srgbClr val="F3F3F3"/>
-                </a:solidFill>
-                <a:latin typeface="Fira Sans Condensed Light"/>
-              </a:rPr>
-              <a:t>Implement a section for relevance using </a:t>
-            </a:r>
-            <a:r>
-              <a:rPr lang="en-US" spc="-1" dirty="0" err="1">
-                <a:solidFill>
-                  <a:srgbClr val="F3F3F3"/>
-                </a:solidFill>
-                <a:latin typeface="Fira Sans Condensed Light"/>
-              </a:rPr>
-              <a:t>rs</a:t>
-            </a:r>
-            <a:r>
-              <a:rPr lang="en-US" spc="-1" dirty="0">
-                <a:solidFill>
-                  <a:srgbClr val="F3F3F3"/>
-                </a:solidFill>
-                <a:latin typeface="Fira Sans Condensed Light"/>
-              </a:rPr>
-              <a:t> numbers</a:t>
-            </a:r>
-            <a:endParaRPr lang="en-US" spc="-1" dirty="0"/>
-          </a:p>
-          <a:p>
-            <a:pPr marL="457200" indent="-456480">
-              <a:lnSpc>
-                <a:spcPct val="100000"/>
-              </a:lnSpc>
-              <a:buClr>
-                <a:srgbClr val="F3F3F3"/>
-              </a:buClr>
-              <a:buFont typeface="Arial"/>
-              <a:buAutoNum type="arabicPeriod"/>
-            </a:pPr>
-            <a:r>
-              <a:rPr lang="en-US" spc="-1" dirty="0">
-                <a:solidFill>
-                  <a:srgbClr val="F3F3F3"/>
-                </a:solidFill>
-                <a:latin typeface="Fira Sans Condensed Light"/>
-                <a:ea typeface="Fira Sans Condensed Light"/>
-              </a:rPr>
-              <a:t>We aim to have the application accessible by everyone by an online Mobile application.</a:t>
-            </a:r>
-            <a:endParaRPr lang="en-US" spc="-1" dirty="0"/>
-          </a:p>
-          <a:p>
-            <a:pPr marL="457200" indent="-456480">
-              <a:lnSpc>
-                <a:spcPct val="100000"/>
-              </a:lnSpc>
-              <a:buClr>
-                <a:srgbClr val="F3F3F3"/>
-              </a:buClr>
-              <a:buFont typeface="Arial"/>
-              <a:buAutoNum type="arabicPeriod"/>
-            </a:pPr>
-            <a:r>
-              <a:rPr lang="en-US" spc="-1" dirty="0">
-                <a:solidFill>
-                  <a:srgbClr val="F3F3F3"/>
-                </a:solidFill>
-                <a:latin typeface="Fira Sans Condensed Light"/>
-                <a:ea typeface="Fira Sans Condensed Light"/>
-              </a:rPr>
-              <a:t>We aim that the user can see which alleles contributed to being wrong that led to prove wrong parentage</a:t>
-            </a:r>
-            <a:r>
-              <a:rPr lang="en-US" spc="-1" dirty="0" smtClean="0">
-                <a:solidFill>
-                  <a:srgbClr val="F3F3F3"/>
-                </a:solidFill>
-                <a:latin typeface="Fira Sans Condensed Light"/>
-                <a:ea typeface="Fira Sans Condensed Light"/>
-              </a:rPr>
-              <a:t>.</a:t>
-            </a:r>
-          </a:p>
-          <a:p>
-            <a:pPr marL="720">
-              <a:lnSpc>
-                <a:spcPct val="100000"/>
-              </a:lnSpc>
-              <a:buClr>
-                <a:srgbClr val="F3F3F3"/>
-              </a:buClr>
-            </a:pPr>
-            <a:endParaRPr lang="en-US" sz="1400" spc="-1" dirty="0">
-              <a:solidFill>
-                <a:srgbClr val="F3F3F3"/>
-              </a:solidFill>
-              <a:latin typeface="Fira Sans Condensed Light"/>
-            </a:endParaRPr>
-          </a:p>
-          <a:p>
-            <a:pPr>
-              <a:lnSpc>
-                <a:spcPct val="100000"/>
-              </a:lnSpc>
-              <a:tabLst>
-                <a:tab pos="0" algn="l"/>
-              </a:tabLst>
-            </a:pPr>
-            <a:endParaRPr lang="en-US" sz="1400" b="0" strike="noStrike" spc="-1" dirty="0">
-              <a:latin typeface="Arial"/>
-            </a:endParaRPr>
-          </a:p>
-        </p:txBody>
-      </p:sp>
-    </p:spTree>
-  </p:cSld>
-  <p:clrMapOvr>
-    <a:masterClrMapping/>
-  </p:clrMapOvr>
-  <p:transition spd="slow">
-    <p:push dir="u"/>
-  </p:transition>
-</p:sld>
-</file>
-
 <file path=ppt/slides/slide8.xml><?xml version="1.0" encoding="utf-8"?>
 <p:sld xmlns:a="http://schemas.openxmlformats.org/drawingml/2006/main" xmlns:r="http://schemas.openxmlformats.org/officeDocument/2006/relationships" xmlns:p="http://schemas.openxmlformats.org/presentationml/2006/main">
   <p:cSld>
@@ -15503,13 +18436,13 @@
       </p:grpSpPr>
       <p:sp>
         <p:nvSpPr>
-          <p:cNvPr id="211" name="CustomShape 1"/>
+          <p:cNvPr id="209" name="CustomShape 1"/>
           <p:cNvSpPr/>
           <p:nvPr/>
         </p:nvSpPr>
         <p:spPr>
           <a:xfrm>
-            <a:off x="637559" y="423229"/>
+            <a:off x="637560" y="331920"/>
             <a:ext cx="4093200" cy="635760"/>
           </a:xfrm>
           <a:prstGeom prst="rect">
@@ -15554,7 +18487,7 @@
                 <a:latin typeface="Rajdhani"/>
                 <a:ea typeface="Fira Sans Condensed Light"/>
               </a:rPr>
-              <a:t>System overview</a:t>
+              <a:t>Our Objectives</a:t>
             </a:r>
             <a:endParaRPr lang="en-US" sz="3200" b="0" strike="noStrike" spc="-1" dirty="0">
               <a:latin typeface="Arial"/>
@@ -15562,36 +18495,237 @@
           </a:p>
         </p:txBody>
       </p:sp>
-      <p:pic>
-        <p:nvPicPr>
-          <p:cNvPr id="2" name="Picture 1"/>
-          <p:cNvPicPr>
-            <a:picLocks noChangeAspect="1"/>
-          </p:cNvPicPr>
-          <p:nvPr/>
-        </p:nvPicPr>
-        <p:blipFill>
-          <a:blip r:embed="rId2" cstate="print">
+      <p:sp>
+        <p:nvSpPr>
+          <p:cNvPr id="4" name="CustomShape 2">
             <a:extLst>
-              <a:ext uri="{28A0092B-C50C-407E-A947-70E740481C1C}">
-                <a14:useLocalDpi xmlns:a14="http://schemas.microsoft.com/office/drawing/2010/main" val="0"/>
+              <a:ext uri="{FF2B5EF4-FFF2-40B4-BE49-F238E27FC236}">
+                <a16:creationId xmlns:a16="http://schemas.microsoft.com/office/drawing/2014/main" id="{C38DCE2D-6872-4085-A22F-A6A37267F21E}"/>
               </a:ext>
             </a:extLst>
-          </a:blip>
-          <a:stretch>
-            <a:fillRect/>
-          </a:stretch>
-        </p:blipFill>
-        <p:spPr>
-          <a:xfrm>
-            <a:off x="728799" y="1058989"/>
-            <a:ext cx="8003921" cy="3861955"/>
-          </a:xfrm>
-          <a:prstGeom prst="rect">
-            <a:avLst/>
-          </a:prstGeom>
-        </p:spPr>
-      </p:pic>
+          </p:cNvPr>
+          <p:cNvSpPr/>
+          <p:nvPr/>
+        </p:nvSpPr>
+        <p:spPr>
+          <a:xfrm>
+            <a:off x="637560" y="1161438"/>
+            <a:ext cx="7664184" cy="3136850"/>
+          </a:xfrm>
+          <a:prstGeom prst="rect">
+            <a:avLst/>
+          </a:prstGeom>
+          <a:solidFill>
+            <a:srgbClr val="0C343D">
+              <a:alpha val="57000"/>
+            </a:srgbClr>
+          </a:solidFill>
+          <a:ln>
+            <a:noFill/>
+          </a:ln>
+        </p:spPr>
+        <p:style>
+          <a:lnRef idx="0">
+            <a:scrgbClr r="0" g="0" b="0"/>
+          </a:lnRef>
+          <a:fillRef idx="0">
+            <a:scrgbClr r="0" g="0" b="0"/>
+          </a:fillRef>
+          <a:effectRef idx="0">
+            <a:scrgbClr r="0" g="0" b="0"/>
+          </a:effectRef>
+          <a:fontRef idx="minor"/>
+        </p:style>
+        <p:txBody>
+          <a:bodyPr lIns="234000" tIns="234000" rIns="234000" bIns="91440">
+            <a:noAutofit/>
+          </a:bodyPr>
+          <a:lstStyle/>
+          <a:p>
+            <a:pPr marL="457200" indent="-456480">
+              <a:lnSpc>
+                <a:spcPct val="100000"/>
+              </a:lnSpc>
+              <a:buClr>
+                <a:srgbClr val="F3F3F3"/>
+              </a:buClr>
+              <a:buFont typeface="Arial"/>
+              <a:buAutoNum type="arabicPeriod"/>
+            </a:pPr>
+            <a:r>
+              <a:rPr lang="en-US" sz="1400" spc="-1" dirty="0">
+                <a:solidFill>
+                  <a:srgbClr val="F3F3F3"/>
+                </a:solidFill>
+                <a:latin typeface="Fira Sans Condensed Light"/>
+                <a:ea typeface="Fira Sans Condensed Light"/>
+              </a:rPr>
+              <a:t>Make an automated system to accurately prove parentage of someone by their Rs numbers and their genotypes.</a:t>
+            </a:r>
+            <a:br>
+              <a:rPr lang="en-US" sz="1400" spc="-1" dirty="0">
+                <a:solidFill>
+                  <a:srgbClr val="F3F3F3"/>
+                </a:solidFill>
+                <a:latin typeface="Fira Sans Condensed Light"/>
+                <a:ea typeface="Fira Sans Condensed Light"/>
+              </a:rPr>
+            </a:br>
+            <a:endParaRPr lang="en-US" sz="1400" spc="-1" dirty="0"/>
+          </a:p>
+          <a:p>
+            <a:pPr marL="457200" indent="-456480">
+              <a:lnSpc>
+                <a:spcPct val="100000"/>
+              </a:lnSpc>
+              <a:buClr>
+                <a:srgbClr val="F3F3F3"/>
+              </a:buClr>
+              <a:buFont typeface="Arial"/>
+              <a:buAutoNum type="arabicPeriod"/>
+            </a:pPr>
+            <a:r>
+              <a:rPr lang="en-US" sz="1400" spc="-1" dirty="0">
+                <a:solidFill>
+                  <a:srgbClr val="F3F3F3"/>
+                </a:solidFill>
+                <a:latin typeface="Fira Sans Condensed Light"/>
+                <a:ea typeface="Fira Sans Condensed Light"/>
+              </a:rPr>
+              <a:t>Add another part to enter the user’s whole genome .</a:t>
+            </a:r>
+            <a:br>
+              <a:rPr lang="en-US" sz="1400" spc="-1" dirty="0">
+                <a:solidFill>
+                  <a:srgbClr val="F3F3F3"/>
+                </a:solidFill>
+                <a:latin typeface="Fira Sans Condensed Light"/>
+                <a:ea typeface="Fira Sans Condensed Light"/>
+              </a:rPr>
+            </a:br>
+            <a:endParaRPr lang="en-US" sz="1400" spc="-1" dirty="0">
+              <a:solidFill>
+                <a:srgbClr val="F3F3F3"/>
+              </a:solidFill>
+              <a:latin typeface="Fira Sans Condensed Light"/>
+              <a:ea typeface="Fira Sans Condensed Light"/>
+            </a:endParaRPr>
+          </a:p>
+          <a:p>
+            <a:pPr marL="457200" indent="-456480">
+              <a:lnSpc>
+                <a:spcPct val="100000"/>
+              </a:lnSpc>
+              <a:buClr>
+                <a:srgbClr val="F3F3F3"/>
+              </a:buClr>
+              <a:buFont typeface="Arial"/>
+              <a:buAutoNum type="arabicPeriod"/>
+            </a:pPr>
+            <a:r>
+              <a:rPr lang="en-US" sz="1400" spc="-1" dirty="0">
+                <a:solidFill>
+                  <a:srgbClr val="F3F3F3"/>
+                </a:solidFill>
+                <a:latin typeface="Fira Sans Condensed Light"/>
+              </a:rPr>
+              <a:t>Implement a section for relevance using Rs numbers</a:t>
+            </a:r>
+            <a:br>
+              <a:rPr lang="en-US" sz="1400" spc="-1" dirty="0">
+                <a:solidFill>
+                  <a:srgbClr val="F3F3F3"/>
+                </a:solidFill>
+                <a:latin typeface="Fira Sans Condensed Light"/>
+              </a:rPr>
+            </a:br>
+            <a:endParaRPr lang="en-US" sz="1400" spc="-1" dirty="0"/>
+          </a:p>
+          <a:p>
+            <a:pPr marL="457200" indent="-456480">
+              <a:lnSpc>
+                <a:spcPct val="100000"/>
+              </a:lnSpc>
+              <a:buClr>
+                <a:srgbClr val="F3F3F3"/>
+              </a:buClr>
+              <a:buFont typeface="Arial"/>
+              <a:buAutoNum type="arabicPeriod"/>
+            </a:pPr>
+            <a:r>
+              <a:rPr lang="en-US" sz="1400" spc="-1" dirty="0">
+                <a:solidFill>
+                  <a:srgbClr val="F3F3F3"/>
+                </a:solidFill>
+                <a:latin typeface="Fira Sans Condensed Light"/>
+                <a:ea typeface="Fira Sans Condensed Light"/>
+              </a:rPr>
+              <a:t>We aim to implement our system in two parts: GUI system used by Government Clients and Mobile application used by users. </a:t>
+            </a:r>
+            <a:br>
+              <a:rPr lang="en-US" sz="1400" spc="-1" dirty="0">
+                <a:solidFill>
+                  <a:srgbClr val="F3F3F3"/>
+                </a:solidFill>
+                <a:latin typeface="Fira Sans Condensed Light"/>
+                <a:ea typeface="Fira Sans Condensed Light"/>
+              </a:rPr>
+            </a:br>
+            <a:endParaRPr lang="en-US" sz="1400" spc="-1" dirty="0"/>
+          </a:p>
+          <a:p>
+            <a:pPr marL="457200" indent="-456480">
+              <a:lnSpc>
+                <a:spcPct val="100000"/>
+              </a:lnSpc>
+              <a:buClr>
+                <a:srgbClr val="F3F3F3"/>
+              </a:buClr>
+              <a:buFont typeface="Arial"/>
+              <a:buAutoNum type="arabicPeriod"/>
+            </a:pPr>
+            <a:r>
+              <a:rPr lang="en-US" sz="1400" spc="-1" dirty="0">
+                <a:solidFill>
+                  <a:srgbClr val="F3F3F3"/>
+                </a:solidFill>
+                <a:latin typeface="Fira Sans Condensed Light"/>
+                <a:ea typeface="Fira Sans Condensed Light"/>
+              </a:rPr>
+              <a:t>We aim that the user can see which alleles contributed to being wrong that led to prove wrong parentage.</a:t>
+            </a:r>
+          </a:p>
+          <a:p>
+            <a:pPr marL="720">
+              <a:lnSpc>
+                <a:spcPct val="100000"/>
+              </a:lnSpc>
+              <a:buClr>
+                <a:srgbClr val="F3F3F3"/>
+              </a:buClr>
+            </a:pPr>
+            <a:endParaRPr lang="en-US" sz="1400" spc="-1" dirty="0">
+              <a:solidFill>
+                <a:srgbClr val="F3F3F3"/>
+              </a:solidFill>
+              <a:latin typeface="Fira Sans Condensed Light"/>
+            </a:endParaRPr>
+          </a:p>
+          <a:p>
+            <a:pPr>
+              <a:lnSpc>
+                <a:spcPct val="100000"/>
+              </a:lnSpc>
+              <a:tabLst>
+                <a:tab pos="0" algn="l"/>
+              </a:tabLst>
+            </a:pPr>
+            <a:endParaRPr lang="en-US" sz="1400" b="0" strike="noStrike" spc="-1" dirty="0">
+              <a:latin typeface="Arial"/>
+            </a:endParaRPr>
+          </a:p>
+        </p:txBody>
+      </p:sp>
     </p:spTree>
   </p:cSld>
   <p:clrMapOvr>
@@ -15622,13 +18756,13 @@
       </p:grpSpPr>
       <p:sp>
         <p:nvSpPr>
-          <p:cNvPr id="213" name="CustomShape 1"/>
+          <p:cNvPr id="211" name="CustomShape 1"/>
           <p:cNvSpPr/>
           <p:nvPr/>
         </p:nvSpPr>
         <p:spPr>
           <a:xfrm>
-            <a:off x="339480" y="669240"/>
+            <a:off x="637559" y="423229"/>
             <a:ext cx="4093200" cy="635760"/>
           </a:xfrm>
           <a:prstGeom prst="rect">
@@ -15666,16 +18800,16 @@
               </a:tabLst>
             </a:pPr>
             <a:r>
-              <a:rPr lang="en-US" sz="2000" b="1" strike="noStrike" spc="-1" smtClean="0">
+              <a:rPr lang="en-US" sz="3200" b="1" strike="noStrike" spc="-1" dirty="0">
                 <a:solidFill>
                   <a:srgbClr val="F3F3F3"/>
                 </a:solidFill>
                 <a:latin typeface="Rajdhani"/>
                 <a:ea typeface="Fira Sans Condensed Light"/>
               </a:rPr>
-              <a:t>Use Case Diagram:</a:t>
+              <a:t>System overview</a:t>
             </a:r>
-            <a:endParaRPr lang="en-US" sz="2000" b="0" strike="noStrike" spc="-1" dirty="0">
+            <a:endParaRPr lang="en-US" sz="3200" b="0" strike="noStrike" spc="-1" dirty="0">
               <a:latin typeface="Arial"/>
             </a:endParaRPr>
           </a:p>
@@ -15703,175 +18837,14 @@
         </p:blipFill>
         <p:spPr>
           <a:xfrm>
-            <a:off x="4689763" y="526473"/>
-            <a:ext cx="4260175" cy="4419600"/>
+            <a:off x="502520" y="1058989"/>
+            <a:ext cx="8003921" cy="3861955"/>
           </a:xfrm>
           <a:prstGeom prst="rect">
             <a:avLst/>
           </a:prstGeom>
         </p:spPr>
       </p:pic>
-      <p:sp>
-        <p:nvSpPr>
-          <p:cNvPr id="5" name="CustomShape 2">
-            <a:extLst>
-              <a:ext uri="{FF2B5EF4-FFF2-40B4-BE49-F238E27FC236}">
-                <a16:creationId xmlns:a16="http://schemas.microsoft.com/office/drawing/2014/main" id="{C38DCE2D-6872-4085-A22F-A6A37267F21E}"/>
-              </a:ext>
-            </a:extLst>
-          </p:cNvPr>
-          <p:cNvSpPr/>
-          <p:nvPr/>
-        </p:nvSpPr>
-        <p:spPr>
-          <a:xfrm>
-            <a:off x="339480" y="1304999"/>
-            <a:ext cx="4093200" cy="3370909"/>
-          </a:xfrm>
-          <a:prstGeom prst="rect">
-            <a:avLst/>
-          </a:prstGeom>
-          <a:solidFill>
-            <a:srgbClr val="0C343D">
-              <a:alpha val="57000"/>
-            </a:srgbClr>
-          </a:solidFill>
-          <a:ln>
-            <a:noFill/>
-          </a:ln>
-        </p:spPr>
-        <p:style>
-          <a:lnRef idx="0">
-            <a:scrgbClr r="0" g="0" b="0"/>
-          </a:lnRef>
-          <a:fillRef idx="0">
-            <a:scrgbClr r="0" g="0" b="0"/>
-          </a:fillRef>
-          <a:effectRef idx="0">
-            <a:scrgbClr r="0" g="0" b="0"/>
-          </a:effectRef>
-          <a:fontRef idx="minor"/>
-        </p:style>
-        <p:txBody>
-          <a:bodyPr lIns="234000" tIns="234000" rIns="234000" bIns="91440">
-            <a:noAutofit/>
-          </a:bodyPr>
-          <a:lstStyle/>
-          <a:p>
-            <a:pPr marL="457200" indent="-304200">
-              <a:lnSpc>
-                <a:spcPct val="100000"/>
-              </a:lnSpc>
-              <a:buClr>
-                <a:srgbClr val="F3F3F3"/>
-              </a:buClr>
-              <a:buFont typeface="Arial"/>
-              <a:buChar char="•"/>
-            </a:pPr>
-            <a:r>
-              <a:rPr lang="en-US" sz="1600" spc="-1" dirty="0">
-                <a:solidFill>
-                  <a:srgbClr val="F3F3F3"/>
-                </a:solidFill>
-                <a:latin typeface="Fira Sans Condensed Light"/>
-                <a:ea typeface="Fira Sans Condensed Light"/>
-              </a:rPr>
-              <a:t>The system can accept files from the user containing their genotypes.</a:t>
-            </a:r>
-            <a:endParaRPr lang="en-US" sz="1600" spc="-1" dirty="0"/>
-          </a:p>
-          <a:p>
-            <a:pPr marL="457200" indent="-304200">
-              <a:lnSpc>
-                <a:spcPct val="100000"/>
-              </a:lnSpc>
-              <a:buClr>
-                <a:srgbClr val="F3F3F3"/>
-              </a:buClr>
-              <a:buFont typeface="Arial"/>
-              <a:buChar char="•"/>
-            </a:pPr>
-            <a:r>
-              <a:rPr lang="en-US" sz="1600" spc="-1" dirty="0">
-                <a:solidFill>
-                  <a:srgbClr val="F3F3F3"/>
-                </a:solidFill>
-                <a:latin typeface="Fira Sans Condensed Light"/>
-                <a:ea typeface="Fira Sans Condensed Light"/>
-              </a:rPr>
-              <a:t>The system can save the user’s data (genotypes) (results)</a:t>
-            </a:r>
-            <a:endParaRPr lang="en-US" sz="1600" spc="-1" dirty="0"/>
-          </a:p>
-          <a:p>
-            <a:pPr marL="457200" indent="-304200">
-              <a:lnSpc>
-                <a:spcPct val="100000"/>
-              </a:lnSpc>
-              <a:buClr>
-                <a:srgbClr val="F3F3F3"/>
-              </a:buClr>
-              <a:buFont typeface="Arial"/>
-              <a:buChar char="•"/>
-            </a:pPr>
-            <a:r>
-              <a:rPr lang="en-US" sz="1600" spc="-1" dirty="0">
-                <a:solidFill>
-                  <a:srgbClr val="F3F3F3"/>
-                </a:solidFill>
-                <a:latin typeface="Fira Sans Condensed Light"/>
-                <a:ea typeface="Fira Sans Condensed Light"/>
-              </a:rPr>
-              <a:t>The user can input their genotypes and get a report showing which genotypes contribute to the paternity test.</a:t>
-            </a:r>
-            <a:endParaRPr lang="en-US" sz="1600" spc="-1" dirty="0"/>
-          </a:p>
-          <a:p>
-            <a:pPr marL="457200" indent="-304200">
-              <a:lnSpc>
-                <a:spcPct val="100000"/>
-              </a:lnSpc>
-              <a:buClr>
-                <a:srgbClr val="F3F3F3"/>
-              </a:buClr>
-              <a:buFont typeface="Arial"/>
-              <a:buChar char="•"/>
-            </a:pPr>
-            <a:r>
-              <a:rPr lang="en-US" sz="1600" spc="-1" dirty="0">
-                <a:solidFill>
-                  <a:srgbClr val="F3F3F3"/>
-                </a:solidFill>
-                <a:latin typeface="Fira Sans Condensed Light"/>
-                <a:ea typeface="Fira Sans Condensed Light"/>
-              </a:rPr>
-              <a:t>The user can see which alleles are different if it was proven wrong. </a:t>
-            </a:r>
-          </a:p>
-          <a:p>
-            <a:pPr marL="457200" indent="-304200">
-              <a:lnSpc>
-                <a:spcPct val="100000"/>
-              </a:lnSpc>
-              <a:buClr>
-                <a:srgbClr val="F3F3F3"/>
-              </a:buClr>
-              <a:buFont typeface="Arial"/>
-              <a:buChar char="•"/>
-            </a:pPr>
-            <a:r>
-              <a:rPr lang="en-US" sz="1600" spc="-1" dirty="0">
-                <a:solidFill>
-                  <a:srgbClr val="F3F3F3"/>
-                </a:solidFill>
-                <a:latin typeface="Fira Sans Condensed Light"/>
-              </a:rPr>
-              <a:t>Rewrite this part</a:t>
-            </a:r>
-            <a:endParaRPr lang="en-US" sz="1600" spc="-1" dirty="0"/>
-          </a:p>
-        </p:txBody>
-      </p:sp>
     </p:spTree>
   </p:cSld>
   <p:clrMapOvr>
